--- a/DOCs de T.I/Diagrama_de_Solucao/Presentation.pptx
+++ b/DOCs de T.I/Diagrama_de_Solucao/Presentation.pptx
@@ -104,6 +104,11 @@
       </a:defRPr>
     </a:lvl9pPr>
   </p:defaultTextStyle>
+  <p:extLst>
+    <p:ext uri="{EFAFB233-063F-42B5-8137-9DF3F51BA10A}">
+      <p15:sldGuideLst xmlns:p15="http://schemas.microsoft.com/office/powerpoint/2012/main"/>
+    </p:ext>
+  </p:extLst>
 </p:presentation>
 </file>
 
@@ -254,7 +259,7 @@
           <a:p>
             <a:fld id="{2FC3D184-0F2B-4D9D-BDB9-3409F15C70D5}" type="datetimeFigureOut">
               <a:rPr lang="pt-BR" smtClean="0"/>
-              <a:t>10/04/2022</a:t>
+              <a:t>11/04/2022</a:t>
             </a:fld>
             <a:endParaRPr lang="pt-BR"/>
           </a:p>
@@ -452,7 +457,7 @@
           <a:p>
             <a:fld id="{2FC3D184-0F2B-4D9D-BDB9-3409F15C70D5}" type="datetimeFigureOut">
               <a:rPr lang="pt-BR" smtClean="0"/>
-              <a:t>10/04/2022</a:t>
+              <a:t>11/04/2022</a:t>
             </a:fld>
             <a:endParaRPr lang="pt-BR"/>
           </a:p>
@@ -660,7 +665,7 @@
           <a:p>
             <a:fld id="{2FC3D184-0F2B-4D9D-BDB9-3409F15C70D5}" type="datetimeFigureOut">
               <a:rPr lang="pt-BR" smtClean="0"/>
-              <a:t>10/04/2022</a:t>
+              <a:t>11/04/2022</a:t>
             </a:fld>
             <a:endParaRPr lang="pt-BR"/>
           </a:p>
@@ -858,7 +863,7 @@
           <a:p>
             <a:fld id="{2FC3D184-0F2B-4D9D-BDB9-3409F15C70D5}" type="datetimeFigureOut">
               <a:rPr lang="pt-BR" smtClean="0"/>
-              <a:t>10/04/2022</a:t>
+              <a:t>11/04/2022</a:t>
             </a:fld>
             <a:endParaRPr lang="pt-BR"/>
           </a:p>
@@ -1133,7 +1138,7 @@
           <a:p>
             <a:fld id="{2FC3D184-0F2B-4D9D-BDB9-3409F15C70D5}" type="datetimeFigureOut">
               <a:rPr lang="pt-BR" smtClean="0"/>
-              <a:t>10/04/2022</a:t>
+              <a:t>11/04/2022</a:t>
             </a:fld>
             <a:endParaRPr lang="pt-BR"/>
           </a:p>
@@ -1398,7 +1403,7 @@
           <a:p>
             <a:fld id="{2FC3D184-0F2B-4D9D-BDB9-3409F15C70D5}" type="datetimeFigureOut">
               <a:rPr lang="pt-BR" smtClean="0"/>
-              <a:t>10/04/2022</a:t>
+              <a:t>11/04/2022</a:t>
             </a:fld>
             <a:endParaRPr lang="pt-BR"/>
           </a:p>
@@ -1810,7 +1815,7 @@
           <a:p>
             <a:fld id="{2FC3D184-0F2B-4D9D-BDB9-3409F15C70D5}" type="datetimeFigureOut">
               <a:rPr lang="pt-BR" smtClean="0"/>
-              <a:t>10/04/2022</a:t>
+              <a:t>11/04/2022</a:t>
             </a:fld>
             <a:endParaRPr lang="pt-BR"/>
           </a:p>
@@ -1951,7 +1956,7 @@
           <a:p>
             <a:fld id="{2FC3D184-0F2B-4D9D-BDB9-3409F15C70D5}" type="datetimeFigureOut">
               <a:rPr lang="pt-BR" smtClean="0"/>
-              <a:t>10/04/2022</a:t>
+              <a:t>11/04/2022</a:t>
             </a:fld>
             <a:endParaRPr lang="pt-BR"/>
           </a:p>
@@ -2064,7 +2069,7 @@
           <a:p>
             <a:fld id="{2FC3D184-0F2B-4D9D-BDB9-3409F15C70D5}" type="datetimeFigureOut">
               <a:rPr lang="pt-BR" smtClean="0"/>
-              <a:t>10/04/2022</a:t>
+              <a:t>11/04/2022</a:t>
             </a:fld>
             <a:endParaRPr lang="pt-BR"/>
           </a:p>
@@ -2375,7 +2380,7 @@
           <a:p>
             <a:fld id="{2FC3D184-0F2B-4D9D-BDB9-3409F15C70D5}" type="datetimeFigureOut">
               <a:rPr lang="pt-BR" smtClean="0"/>
-              <a:t>10/04/2022</a:t>
+              <a:t>11/04/2022</a:t>
             </a:fld>
             <a:endParaRPr lang="pt-BR"/>
           </a:p>
@@ -2663,7 +2668,7 @@
           <a:p>
             <a:fld id="{2FC3D184-0F2B-4D9D-BDB9-3409F15C70D5}" type="datetimeFigureOut">
               <a:rPr lang="pt-BR" smtClean="0"/>
-              <a:t>10/04/2022</a:t>
+              <a:t>11/04/2022</a:t>
             </a:fld>
             <a:endParaRPr lang="pt-BR"/>
           </a:p>
@@ -2904,7 +2909,7 @@
           <a:p>
             <a:fld id="{2FC3D184-0F2B-4D9D-BDB9-3409F15C70D5}" type="datetimeFigureOut">
               <a:rPr lang="pt-BR" smtClean="0"/>
-              <a:t>10/04/2022</a:t>
+              <a:t>11/04/2022</a:t>
             </a:fld>
             <a:endParaRPr lang="pt-BR"/>
           </a:p>
@@ -3330,12 +3335,14 @@
               </a:ext>
             </a:extLst>
           </p:cNvPr>
-          <p:cNvSpPr/>
+          <p:cNvSpPr>
+            <a:spLocks noGrp="1" noRot="1" noMove="1" noResize="1" noEditPoints="1" noAdjustHandles="1" noChangeArrowheads="1" noChangeShapeType="1"/>
+          </p:cNvSpPr>
           <p:nvPr/>
         </p:nvSpPr>
         <p:spPr>
           <a:xfrm>
-            <a:off x="-6032" y="1"/>
+            <a:off x="-6032" y="0"/>
             <a:ext cx="12198032" cy="6858000"/>
           </a:xfrm>
           <a:prstGeom prst="rect">
@@ -3385,9 +3392,9 @@
         <p:grpSpPr>
           <a:xfrm>
             <a:off x="3589306" y="642799"/>
-            <a:ext cx="8077931" cy="5925354"/>
+            <a:ext cx="8077931" cy="6111505"/>
             <a:chOff x="3589306" y="642799"/>
-            <a:chExt cx="8077931" cy="5925354"/>
+            <a:chExt cx="8077931" cy="6111505"/>
           </a:xfrm>
         </p:grpSpPr>
         <p:sp>
@@ -3566,7 +3573,7 @@
           <p:spPr>
             <a:xfrm>
               <a:off x="7522752" y="642799"/>
-              <a:ext cx="1115949" cy="1144929"/>
+              <a:ext cx="1115949" cy="1200329"/>
             </a:xfrm>
             <a:prstGeom prst="rect">
               <a:avLst/>
@@ -3584,11 +3591,7 @@
             </a:bodyPr>
             <a:lstStyle/>
             <a:p>
-              <a:pPr algn="ctr">
-                <a:lnSpc>
-                  <a:spcPct val="200000"/>
-                </a:lnSpc>
-              </a:pPr>
+              <a:pPr algn="ctr"/>
               <a:r>
                 <a:rPr lang="pt-BR" sz="1200" b="1" dirty="0">
                   <a:solidFill>
@@ -3600,11 +3603,7 @@
               </a:r>
             </a:p>
             <a:p>
-              <a:pPr algn="ctr">
-                <a:lnSpc>
-                  <a:spcPct val="200000"/>
-                </a:lnSpc>
-              </a:pPr>
+              <a:pPr algn="ctr"/>
               <a:r>
                 <a:rPr lang="pt-BR" sz="1200" b="1" dirty="0">
                   <a:solidFill>
@@ -3616,10 +3615,21 @@
               </a:r>
             </a:p>
             <a:p>
-              <a:pPr algn="ctr">
-                <a:lnSpc>
-                  <a:spcPct val="200000"/>
-                </a:lnSpc>
+              <a:pPr algn="ctr"/>
+              <a:r>
+                <a:rPr lang="pt-BR" sz="1200" b="1" dirty="0">
+                  <a:solidFill>
+                    <a:srgbClr val="7030A0"/>
+                  </a:solidFill>
+                  <a:latin typeface="Quicksand" panose="00000500000000000000" pitchFamily="2" charset="0"/>
+                </a:rPr>
+                <a:t>Site</a:t>
+              </a:r>
+            </a:p>
+            <a:p>
+              <a:pPr marL="171450" indent="-171450">
+                <a:buFont typeface="Arial" panose="020B0604020202020204" pitchFamily="34" charset="0"/>
+                <a:buChar char="•"/>
               </a:pPr>
               <a:r>
                 <a:rPr lang="pt-BR" sz="1200" b="1" dirty="0">
@@ -3628,7 +3638,37 @@
                   </a:solidFill>
                   <a:latin typeface="Quicksand" panose="00000500000000000000" pitchFamily="2" charset="0"/>
                 </a:rPr>
-                <a:t>Site</a:t>
+                <a:t>Javascript</a:t>
+              </a:r>
+            </a:p>
+            <a:p>
+              <a:pPr marL="171450" indent="-171450">
+                <a:buFont typeface="Arial" panose="020B0604020202020204" pitchFamily="34" charset="0"/>
+                <a:buChar char="•"/>
+              </a:pPr>
+              <a:r>
+                <a:rPr lang="pt-BR" sz="1200" b="1" dirty="0">
+                  <a:solidFill>
+                    <a:srgbClr val="7030A0"/>
+                  </a:solidFill>
+                  <a:latin typeface="Quicksand" panose="00000500000000000000" pitchFamily="2" charset="0"/>
+                </a:rPr>
+                <a:t>CSS</a:t>
+              </a:r>
+            </a:p>
+            <a:p>
+              <a:pPr marL="171450" indent="-171450">
+                <a:buFont typeface="Arial" panose="020B0604020202020204" pitchFamily="34" charset="0"/>
+                <a:buChar char="•"/>
+              </a:pPr>
+              <a:r>
+                <a:rPr lang="pt-BR" sz="1200" b="1" dirty="0">
+                  <a:solidFill>
+                    <a:srgbClr val="7030A0"/>
+                  </a:solidFill>
+                  <a:latin typeface="Quicksand" panose="00000500000000000000" pitchFamily="2" charset="0"/>
+                </a:rPr>
+                <a:t>HTML</a:t>
               </a:r>
             </a:p>
           </p:txBody>
@@ -3759,8 +3799,8 @@
           </p:nvSpPr>
           <p:spPr>
             <a:xfrm>
-              <a:off x="8839237" y="6291154"/>
-              <a:ext cx="651094" cy="276999"/>
+              <a:off x="8795617" y="6292639"/>
+              <a:ext cx="746452" cy="461665"/>
             </a:xfrm>
             <a:prstGeom prst="rect">
               <a:avLst/>
@@ -3789,6 +3829,18 @@
                 <a:t>sensor</a:t>
               </a:r>
             </a:p>
+            <a:p>
+              <a:pPr algn="ctr"/>
+              <a:r>
+                <a:rPr lang="pt-BR" sz="1200" b="1" dirty="0">
+                  <a:solidFill>
+                    <a:srgbClr val="7030A0"/>
+                  </a:solidFill>
+                  <a:latin typeface="Quicksand" panose="00000500000000000000" pitchFamily="2" charset="0"/>
+                </a:rPr>
+                <a:t>(DHT11)</a:t>
+              </a:r>
+            </a:p>
           </p:txBody>
         </p:sp>
         <p:sp>
@@ -3805,8 +3857,8 @@
           </p:nvSpPr>
           <p:spPr>
             <a:xfrm>
-              <a:off x="9677030" y="5522717"/>
-              <a:ext cx="1028108" cy="276999"/>
+              <a:off x="9677030" y="5318401"/>
+              <a:ext cx="1028108" cy="461665"/>
             </a:xfrm>
             <a:prstGeom prst="rect">
               <a:avLst/>
@@ -3835,6 +3887,18 @@
                 <a:t>protoboard</a:t>
               </a:r>
             </a:p>
+            <a:p>
+              <a:pPr algn="ctr"/>
+              <a:r>
+                <a:rPr lang="pt-BR" sz="1200" b="1" dirty="0">
+                  <a:solidFill>
+                    <a:srgbClr val="7030A0"/>
+                  </a:solidFill>
+                  <a:latin typeface="Quicksand" panose="00000500000000000000" pitchFamily="2" charset="0"/>
+                </a:rPr>
+                <a:t>(Mini 170)</a:t>
+              </a:r>
+            </a:p>
           </p:txBody>
         </p:sp>
         <p:sp>
@@ -3851,8 +3915,8 @@
           </p:nvSpPr>
           <p:spPr>
             <a:xfrm>
-              <a:off x="10844011" y="6261013"/>
-              <a:ext cx="746452" cy="276999"/>
+              <a:off x="10805627" y="6245761"/>
+              <a:ext cx="823219" cy="461665"/>
             </a:xfrm>
             <a:prstGeom prst="rect">
               <a:avLst/>
@@ -3886,6 +3950,18 @@
                 </a:solidFill>
                 <a:latin typeface="Quicksand" panose="00000500000000000000" pitchFamily="2" charset="0"/>
               </a:endParaRPr>
+            </a:p>
+            <a:p>
+              <a:pPr algn="ctr"/>
+              <a:r>
+                <a:rPr lang="pt-BR" sz="1200" b="1" dirty="0">
+                  <a:solidFill>
+                    <a:srgbClr val="7030A0"/>
+                  </a:solidFill>
+                  <a:latin typeface="Quicksand" panose="00000500000000000000" pitchFamily="2" charset="0"/>
+                </a:rPr>
+                <a:t>(Uno R3)</a:t>
+              </a:r>
             </a:p>
           </p:txBody>
         </p:sp>
@@ -5622,135 +5698,6 @@
       </p:grpSp>
       <p:sp>
         <p:nvSpPr>
-          <p:cNvPr id="325" name="names">
-            <a:extLst>
-              <a:ext uri="{FF2B5EF4-FFF2-40B4-BE49-F238E27FC236}">
-                <a16:creationId xmlns:a16="http://schemas.microsoft.com/office/drawing/2014/main" id="{B19ED814-80D0-4298-848E-74639C3A1BF3}"/>
-              </a:ext>
-            </a:extLst>
-          </p:cNvPr>
-          <p:cNvSpPr/>
-          <p:nvPr/>
-        </p:nvSpPr>
-        <p:spPr>
-          <a:xfrm>
-            <a:off x="-282666" y="968263"/>
-            <a:ext cx="2752190" cy="2048887"/>
-          </a:xfrm>
-          <a:prstGeom prst="roundRect">
-            <a:avLst/>
-          </a:prstGeom>
-          <a:solidFill>
-            <a:schemeClr val="bg1">
-              <a:alpha val="40000"/>
-            </a:schemeClr>
-          </a:solidFill>
-          <a:ln w="19050">
-            <a:solidFill>
-              <a:srgbClr val="8008FF"/>
-            </a:solidFill>
-          </a:ln>
-        </p:spPr>
-        <p:style>
-          <a:lnRef idx="2">
-            <a:schemeClr val="accent1">
-              <a:shade val="50000"/>
-            </a:schemeClr>
-          </a:lnRef>
-          <a:fillRef idx="1">
-            <a:schemeClr val="accent1"/>
-          </a:fillRef>
-          <a:effectRef idx="0">
-            <a:schemeClr val="accent1"/>
-          </a:effectRef>
-          <a:fontRef idx="minor">
-            <a:schemeClr val="lt1"/>
-          </a:fontRef>
-        </p:style>
-        <p:txBody>
-          <a:bodyPr rtlCol="0" anchor="ctr"/>
-          <a:lstStyle/>
-          <a:p>
-            <a:r>
-              <a:rPr lang="pt-BR" dirty="0">
-                <a:solidFill>
-                  <a:srgbClr val="8008FF"/>
-                </a:solidFill>
-                <a:latin typeface="Quicksand" panose="00000500000000000000" pitchFamily="2" charset="0"/>
-              </a:rPr>
-              <a:t>   </a:t>
-            </a:r>
-          </a:p>
-          <a:p>
-            <a:r>
-              <a:rPr lang="pt-BR" dirty="0">
-                <a:solidFill>
-                  <a:srgbClr val="8008FF"/>
-                </a:solidFill>
-                <a:latin typeface="Quicksand" panose="00000500000000000000" pitchFamily="2" charset="0"/>
-              </a:rPr>
-              <a:t>   - Eduarda Calixto </a:t>
-            </a:r>
-          </a:p>
-          <a:p>
-            <a:r>
-              <a:rPr lang="pt-BR" dirty="0">
-                <a:solidFill>
-                  <a:srgbClr val="8008FF"/>
-                </a:solidFill>
-                <a:latin typeface="Quicksand" panose="00000500000000000000" pitchFamily="2" charset="0"/>
-              </a:rPr>
-              <a:t>   - Fábio Ceslaki </a:t>
-            </a:r>
-          </a:p>
-          <a:p>
-            <a:r>
-              <a:rPr lang="pt-BR" dirty="0">
-                <a:solidFill>
-                  <a:srgbClr val="8008FF"/>
-                </a:solidFill>
-                <a:latin typeface="Quicksand" panose="00000500000000000000" pitchFamily="2" charset="0"/>
-              </a:rPr>
-              <a:t>   - Gabriel Martins </a:t>
-            </a:r>
-          </a:p>
-          <a:p>
-            <a:r>
-              <a:rPr lang="pt-BR" dirty="0">
-                <a:solidFill>
-                  <a:srgbClr val="8008FF"/>
-                </a:solidFill>
-                <a:latin typeface="Quicksand" panose="00000500000000000000" pitchFamily="2" charset="0"/>
-              </a:rPr>
-              <a:t>   - Thiago Ramos </a:t>
-            </a:r>
-          </a:p>
-          <a:p>
-            <a:r>
-              <a:rPr lang="pt-BR" dirty="0">
-                <a:solidFill>
-                  <a:srgbClr val="8008FF"/>
-                </a:solidFill>
-                <a:latin typeface="Quicksand" panose="00000500000000000000" pitchFamily="2" charset="0"/>
-              </a:rPr>
-              <a:t>   - Vitor Mendes </a:t>
-            </a:r>
-          </a:p>
-          <a:p>
-            <a:r>
-              <a:rPr lang="pt-BR" dirty="0">
-                <a:solidFill>
-                  <a:srgbClr val="8008FF"/>
-                </a:solidFill>
-                <a:latin typeface="Quicksand" panose="00000500000000000000" pitchFamily="2" charset="0"/>
-              </a:rPr>
-              <a:t>   - Wladimir Condori</a:t>
-            </a:r>
-          </a:p>
-        </p:txBody>
-      </p:sp>
-      <p:sp>
-        <p:nvSpPr>
           <p:cNvPr id="324" name="title">
             <a:extLst>
               <a:ext uri="{FF2B5EF4-FFF2-40B4-BE49-F238E27FC236}">
@@ -5862,6 +5809,42 @@
           </a:p>
         </p:txBody>
       </p:sp>
+      <p:pic>
+        <p:nvPicPr>
+          <p:cNvPr id="3" name="Imagem 2" descr="Uma imagem contendo estrela, vidro, cd&#10;&#10;Descrição gerada automaticamente">
+            <a:extLst>
+              <a:ext uri="{FF2B5EF4-FFF2-40B4-BE49-F238E27FC236}">
+                <a16:creationId xmlns:a16="http://schemas.microsoft.com/office/drawing/2014/main" id="{4A609B72-DA76-4D65-AFF7-98C375C94855}"/>
+              </a:ext>
+            </a:extLst>
+          </p:cNvPr>
+          <p:cNvPicPr>
+            <a:picLocks noChangeAspect="1"/>
+          </p:cNvPicPr>
+          <p:nvPr/>
+        </p:nvPicPr>
+        <p:blipFill>
+          <a:blip r:embed="rId19">
+            <a:extLst>
+              <a:ext uri="{28A0092B-C50C-407E-A947-70E740481C1C}">
+                <a14:useLocalDpi xmlns:a14="http://schemas.microsoft.com/office/drawing/2010/main" val="0"/>
+              </a:ext>
+            </a:extLst>
+          </a:blip>
+          <a:stretch>
+            <a:fillRect/>
+          </a:stretch>
+        </p:blipFill>
+        <p:spPr>
+          <a:xfrm>
+            <a:off x="1575699" y="5723888"/>
+            <a:ext cx="564869" cy="540000"/>
+          </a:xfrm>
+          <a:prstGeom prst="rect">
+            <a:avLst/>
+          </a:prstGeom>
+        </p:spPr>
+      </p:pic>
     </p:spTree>
     <p:extLst>
       <p:ext uri="{BB962C8B-B14F-4D97-AF65-F5344CB8AC3E}">

--- a/DOCs de T.I/Diagrama_de_Solucao/Presentation.pptx
+++ b/DOCs de T.I/Diagrama_de_Solucao/Presentation.pptx
@@ -2,18 +2,18 @@
 <file path=ppt/presentation.xml><?xml version="1.0" encoding="utf-8"?>
 <p:presentation xmlns:a="http://schemas.openxmlformats.org/drawingml/2006/main" xmlns:r="http://schemas.openxmlformats.org/officeDocument/2006/relationships" xmlns:p="http://schemas.openxmlformats.org/presentationml/2006/main" saveSubsetFonts="1">
   <p:sldMasterIdLst>
-    <p:sldMasterId id="2147483648" r:id="rId1"/>
+    <p:sldMasterId id="2147483696" r:id="rId1"/>
   </p:sldMasterIdLst>
   <p:sldIdLst>
     <p:sldId id="256" r:id="rId2"/>
   </p:sldIdLst>
-  <p:sldSz cx="12192000" cy="6858000"/>
+  <p:sldSz cx="9601200" cy="5400675"/>
   <p:notesSz cx="6858000" cy="9144000"/>
   <p:defaultTextStyle>
     <a:defPPr>
-      <a:defRPr lang="pt-BR"/>
+      <a:defRPr lang="en-US"/>
     </a:defPPr>
-    <a:lvl1pPr marL="0" algn="l" defTabSz="914400" rtl="0" eaLnBrk="1" latinLnBrk="0" hangingPunct="1">
+    <a:lvl1pPr marL="0" algn="l" defTabSz="457200" rtl="0" eaLnBrk="1" latinLnBrk="0" hangingPunct="1">
       <a:defRPr sz="1800" kern="1200">
         <a:solidFill>
           <a:schemeClr val="tx1"/>
@@ -23,7 +23,7 @@
         <a:cs typeface="+mn-cs"/>
       </a:defRPr>
     </a:lvl1pPr>
-    <a:lvl2pPr marL="457200" algn="l" defTabSz="914400" rtl="0" eaLnBrk="1" latinLnBrk="0" hangingPunct="1">
+    <a:lvl2pPr marL="457200" algn="l" defTabSz="457200" rtl="0" eaLnBrk="1" latinLnBrk="0" hangingPunct="1">
       <a:defRPr sz="1800" kern="1200">
         <a:solidFill>
           <a:schemeClr val="tx1"/>
@@ -33,7 +33,7 @@
         <a:cs typeface="+mn-cs"/>
       </a:defRPr>
     </a:lvl2pPr>
-    <a:lvl3pPr marL="914400" algn="l" defTabSz="914400" rtl="0" eaLnBrk="1" latinLnBrk="0" hangingPunct="1">
+    <a:lvl3pPr marL="914400" algn="l" defTabSz="457200" rtl="0" eaLnBrk="1" latinLnBrk="0" hangingPunct="1">
       <a:defRPr sz="1800" kern="1200">
         <a:solidFill>
           <a:schemeClr val="tx1"/>
@@ -43,7 +43,7 @@
         <a:cs typeface="+mn-cs"/>
       </a:defRPr>
     </a:lvl3pPr>
-    <a:lvl4pPr marL="1371600" algn="l" defTabSz="914400" rtl="0" eaLnBrk="1" latinLnBrk="0" hangingPunct="1">
+    <a:lvl4pPr marL="1371600" algn="l" defTabSz="457200" rtl="0" eaLnBrk="1" latinLnBrk="0" hangingPunct="1">
       <a:defRPr sz="1800" kern="1200">
         <a:solidFill>
           <a:schemeClr val="tx1"/>
@@ -53,7 +53,7 @@
         <a:cs typeface="+mn-cs"/>
       </a:defRPr>
     </a:lvl4pPr>
-    <a:lvl5pPr marL="1828800" algn="l" defTabSz="914400" rtl="0" eaLnBrk="1" latinLnBrk="0" hangingPunct="1">
+    <a:lvl5pPr marL="1828800" algn="l" defTabSz="457200" rtl="0" eaLnBrk="1" latinLnBrk="0" hangingPunct="1">
       <a:defRPr sz="1800" kern="1200">
         <a:solidFill>
           <a:schemeClr val="tx1"/>
@@ -63,7 +63,7 @@
         <a:cs typeface="+mn-cs"/>
       </a:defRPr>
     </a:lvl5pPr>
-    <a:lvl6pPr marL="2286000" algn="l" defTabSz="914400" rtl="0" eaLnBrk="1" latinLnBrk="0" hangingPunct="1">
+    <a:lvl6pPr marL="2286000" algn="l" defTabSz="457200" rtl="0" eaLnBrk="1" latinLnBrk="0" hangingPunct="1">
       <a:defRPr sz="1800" kern="1200">
         <a:solidFill>
           <a:schemeClr val="tx1"/>
@@ -73,7 +73,7 @@
         <a:cs typeface="+mn-cs"/>
       </a:defRPr>
     </a:lvl6pPr>
-    <a:lvl7pPr marL="2743200" algn="l" defTabSz="914400" rtl="0" eaLnBrk="1" latinLnBrk="0" hangingPunct="1">
+    <a:lvl7pPr marL="2743200" algn="l" defTabSz="457200" rtl="0" eaLnBrk="1" latinLnBrk="0" hangingPunct="1">
       <a:defRPr sz="1800" kern="1200">
         <a:solidFill>
           <a:schemeClr val="tx1"/>
@@ -83,7 +83,7 @@
         <a:cs typeface="+mn-cs"/>
       </a:defRPr>
     </a:lvl7pPr>
-    <a:lvl8pPr marL="3200400" algn="l" defTabSz="914400" rtl="0" eaLnBrk="1" latinLnBrk="0" hangingPunct="1">
+    <a:lvl8pPr marL="3200400" algn="l" defTabSz="457200" rtl="0" eaLnBrk="1" latinLnBrk="0" hangingPunct="1">
       <a:defRPr sz="1800" kern="1200">
         <a:solidFill>
           <a:schemeClr val="tx1"/>
@@ -93,7 +93,7 @@
         <a:cs typeface="+mn-cs"/>
       </a:defRPr>
     </a:lvl8pPr>
-    <a:lvl9pPr marL="3657600" algn="l" defTabSz="914400" rtl="0" eaLnBrk="1" latinLnBrk="0" hangingPunct="1">
+    <a:lvl9pPr marL="3657600" algn="l" defTabSz="457200" rtl="0" eaLnBrk="1" latinLnBrk="0" hangingPunct="1">
       <a:defRPr sz="1800" kern="1200">
         <a:solidFill>
           <a:schemeClr val="tx1"/>
@@ -131,13 +131,7 @@
       </p:grpSpPr>
       <p:sp>
         <p:nvSpPr>
-          <p:cNvPr id="2" name="Título 1">
-            <a:extLst>
-              <a:ext uri="{FF2B5EF4-FFF2-40B4-BE49-F238E27FC236}">
-                <a16:creationId xmlns:a16="http://schemas.microsoft.com/office/drawing/2014/main" id="{0850FE72-5AEC-48BC-BAFC-9CED8E0A9F0F}"/>
-              </a:ext>
-            </a:extLst>
-          </p:cNvPr>
+          <p:cNvPr id="2" name="Title 1"/>
           <p:cNvSpPr>
             <a:spLocks noGrp="1"/>
           </p:cNvSpPr>
@@ -147,15 +141,15 @@
         </p:nvSpPr>
         <p:spPr>
           <a:xfrm>
-            <a:off x="1524000" y="1122363"/>
-            <a:ext cx="9144000" cy="2387600"/>
+            <a:off x="1200150" y="883861"/>
+            <a:ext cx="7200900" cy="1880235"/>
           </a:xfrm>
         </p:spPr>
         <p:txBody>
           <a:bodyPr anchor="b"/>
           <a:lstStyle>
             <a:lvl1pPr algn="ctr">
-              <a:defRPr sz="6000"/>
+              <a:defRPr sz="4725"/>
             </a:lvl1pPr>
           </a:lstStyle>
           <a:p>
@@ -163,18 +157,13 @@
               <a:rPr lang="pt-BR"/>
               <a:t>Clique para editar o título Mestre</a:t>
             </a:r>
+            <a:endParaRPr lang="en-US" dirty="0"/>
           </a:p>
         </p:txBody>
       </p:sp>
       <p:sp>
         <p:nvSpPr>
-          <p:cNvPr id="3" name="Subtítulo 2">
-            <a:extLst>
-              <a:ext uri="{FF2B5EF4-FFF2-40B4-BE49-F238E27FC236}">
-                <a16:creationId xmlns:a16="http://schemas.microsoft.com/office/drawing/2014/main" id="{95C653D8-9D1B-4E5B-8C02-9B38DEDD5487}"/>
-              </a:ext>
-            </a:extLst>
-          </p:cNvPr>
+          <p:cNvPr id="3" name="Subtitle 2"/>
           <p:cNvSpPr>
             <a:spLocks noGrp="1"/>
           </p:cNvSpPr>
@@ -184,8 +173,8 @@
         </p:nvSpPr>
         <p:spPr>
           <a:xfrm>
-            <a:off x="1524000" y="3602038"/>
-            <a:ext cx="9144000" cy="1655762"/>
+            <a:off x="1200150" y="2836605"/>
+            <a:ext cx="7200900" cy="1303913"/>
           </a:xfrm>
         </p:spPr>
         <p:txBody>
@@ -193,39 +182,39 @@
           <a:lstStyle>
             <a:lvl1pPr marL="0" indent="0" algn="ctr">
               <a:buNone/>
-              <a:defRPr sz="2400"/>
+              <a:defRPr sz="1890"/>
             </a:lvl1pPr>
-            <a:lvl2pPr marL="457200" indent="0" algn="ctr">
+            <a:lvl2pPr marL="360045" indent="0" algn="ctr">
               <a:buNone/>
-              <a:defRPr sz="2000"/>
+              <a:defRPr sz="1575"/>
             </a:lvl2pPr>
-            <a:lvl3pPr marL="914400" indent="0" algn="ctr">
+            <a:lvl3pPr marL="720090" indent="0" algn="ctr">
               <a:buNone/>
-              <a:defRPr sz="1800"/>
+              <a:defRPr sz="1418"/>
             </a:lvl3pPr>
-            <a:lvl4pPr marL="1371600" indent="0" algn="ctr">
+            <a:lvl4pPr marL="1080135" indent="0" algn="ctr">
               <a:buNone/>
-              <a:defRPr sz="1600"/>
+              <a:defRPr sz="1260"/>
             </a:lvl4pPr>
-            <a:lvl5pPr marL="1828800" indent="0" algn="ctr">
+            <a:lvl5pPr marL="1440180" indent="0" algn="ctr">
               <a:buNone/>
-              <a:defRPr sz="1600"/>
+              <a:defRPr sz="1260"/>
             </a:lvl5pPr>
-            <a:lvl6pPr marL="2286000" indent="0" algn="ctr">
+            <a:lvl6pPr marL="1800225" indent="0" algn="ctr">
               <a:buNone/>
-              <a:defRPr sz="1600"/>
+              <a:defRPr sz="1260"/>
             </a:lvl6pPr>
-            <a:lvl7pPr marL="2743200" indent="0" algn="ctr">
+            <a:lvl7pPr marL="2160270" indent="0" algn="ctr">
               <a:buNone/>
-              <a:defRPr sz="1600"/>
+              <a:defRPr sz="1260"/>
             </a:lvl7pPr>
-            <a:lvl8pPr marL="3200400" indent="0" algn="ctr">
+            <a:lvl8pPr marL="2520315" indent="0" algn="ctr">
               <a:buNone/>
-              <a:defRPr sz="1600"/>
+              <a:defRPr sz="1260"/>
             </a:lvl8pPr>
-            <a:lvl9pPr marL="3657600" indent="0" algn="ctr">
+            <a:lvl9pPr marL="2880360" indent="0" algn="ctr">
               <a:buNone/>
-              <a:defRPr sz="1600"/>
+              <a:defRPr sz="1260"/>
             </a:lvl9pPr>
           </a:lstStyle>
           <a:p>
@@ -233,18 +222,13 @@
               <a:rPr lang="pt-BR"/>
               <a:t>Clique para editar o estilo do subtítulo Mestre</a:t>
             </a:r>
+            <a:endParaRPr lang="en-US" dirty="0"/>
           </a:p>
         </p:txBody>
       </p:sp>
       <p:sp>
         <p:nvSpPr>
-          <p:cNvPr id="4" name="Espaço Reservado para Data 3">
-            <a:extLst>
-              <a:ext uri="{FF2B5EF4-FFF2-40B4-BE49-F238E27FC236}">
-                <a16:creationId xmlns:a16="http://schemas.microsoft.com/office/drawing/2014/main" id="{94A7E850-0230-4545-8886-63EC2DDF04E1}"/>
-              </a:ext>
-            </a:extLst>
-          </p:cNvPr>
+          <p:cNvPr id="4" name="Date Placeholder 3"/>
           <p:cNvSpPr>
             <a:spLocks noGrp="1"/>
           </p:cNvSpPr>
@@ -259,7 +243,7 @@
           <a:p>
             <a:fld id="{2FC3D184-0F2B-4D9D-BDB9-3409F15C70D5}" type="datetimeFigureOut">
               <a:rPr lang="pt-BR" smtClean="0"/>
-              <a:t>11/04/2022</a:t>
+              <a:t>13/04/2022</a:t>
             </a:fld>
             <a:endParaRPr lang="pt-BR"/>
           </a:p>
@@ -267,13 +251,7 @@
       </p:sp>
       <p:sp>
         <p:nvSpPr>
-          <p:cNvPr id="5" name="Espaço Reservado para Rodapé 4">
-            <a:extLst>
-              <a:ext uri="{FF2B5EF4-FFF2-40B4-BE49-F238E27FC236}">
-                <a16:creationId xmlns:a16="http://schemas.microsoft.com/office/drawing/2014/main" id="{B889A291-B2A5-4FC8-BB5D-93B2F53C19FB}"/>
-              </a:ext>
-            </a:extLst>
-          </p:cNvPr>
+          <p:cNvPr id="5" name="Footer Placeholder 4"/>
           <p:cNvSpPr>
             <a:spLocks noGrp="1"/>
           </p:cNvSpPr>
@@ -292,13 +270,7 @@
       </p:sp>
       <p:sp>
         <p:nvSpPr>
-          <p:cNvPr id="6" name="Espaço Reservado para Número de Slide 5">
-            <a:extLst>
-              <a:ext uri="{FF2B5EF4-FFF2-40B4-BE49-F238E27FC236}">
-                <a16:creationId xmlns:a16="http://schemas.microsoft.com/office/drawing/2014/main" id="{6C149FED-97E7-4940-ABFF-5EB2649B4E32}"/>
-              </a:ext>
-            </a:extLst>
-          </p:cNvPr>
+          <p:cNvPr id="6" name="Slide Number Placeholder 5"/>
           <p:cNvSpPr>
             <a:spLocks noGrp="1"/>
           </p:cNvSpPr>
@@ -322,7 +294,7 @@
     </p:spTree>
     <p:extLst>
       <p:ext uri="{BB962C8B-B14F-4D97-AF65-F5344CB8AC3E}">
-        <p14:creationId xmlns:p14="http://schemas.microsoft.com/office/powerpoint/2010/main" val="1426640160"/>
+        <p14:creationId xmlns:p14="http://schemas.microsoft.com/office/powerpoint/2010/main" val="1280905853"/>
       </p:ext>
     </p:extLst>
   </p:cSld>
@@ -351,13 +323,7 @@
       </p:grpSpPr>
       <p:sp>
         <p:nvSpPr>
-          <p:cNvPr id="2" name="Título 1">
-            <a:extLst>
-              <a:ext uri="{FF2B5EF4-FFF2-40B4-BE49-F238E27FC236}">
-                <a16:creationId xmlns:a16="http://schemas.microsoft.com/office/drawing/2014/main" id="{DC289163-8503-4AAC-85A2-A5F9F605BB81}"/>
-              </a:ext>
-            </a:extLst>
-          </p:cNvPr>
+          <p:cNvPr id="2" name="Title 1"/>
           <p:cNvSpPr>
             <a:spLocks noGrp="1"/>
           </p:cNvSpPr>
@@ -374,18 +340,13 @@
               <a:rPr lang="pt-BR"/>
               <a:t>Clique para editar o título Mestre</a:t>
             </a:r>
+            <a:endParaRPr lang="en-US" dirty="0"/>
           </a:p>
         </p:txBody>
       </p:sp>
       <p:sp>
         <p:nvSpPr>
-          <p:cNvPr id="3" name="Espaço Reservado para Texto Vertical 2">
-            <a:extLst>
-              <a:ext uri="{FF2B5EF4-FFF2-40B4-BE49-F238E27FC236}">
-                <a16:creationId xmlns:a16="http://schemas.microsoft.com/office/drawing/2014/main" id="{D70164D0-9F95-4228-BC9F-255A802B2E66}"/>
-              </a:ext>
-            </a:extLst>
-          </p:cNvPr>
+          <p:cNvPr id="3" name="Vertical Text Placeholder 2"/>
           <p:cNvSpPr>
             <a:spLocks noGrp="1"/>
           </p:cNvSpPr>
@@ -431,18 +392,13 @@
               <a:rPr lang="pt-BR"/>
               <a:t>Quinto nível</a:t>
             </a:r>
+            <a:endParaRPr lang="en-US" dirty="0"/>
           </a:p>
         </p:txBody>
       </p:sp>
       <p:sp>
         <p:nvSpPr>
-          <p:cNvPr id="4" name="Espaço Reservado para Data 3">
-            <a:extLst>
-              <a:ext uri="{FF2B5EF4-FFF2-40B4-BE49-F238E27FC236}">
-                <a16:creationId xmlns:a16="http://schemas.microsoft.com/office/drawing/2014/main" id="{E35CEA57-E7AE-4FEF-BC75-E5100225C9E4}"/>
-              </a:ext>
-            </a:extLst>
-          </p:cNvPr>
+          <p:cNvPr id="4" name="Date Placeholder 3"/>
           <p:cNvSpPr>
             <a:spLocks noGrp="1"/>
           </p:cNvSpPr>
@@ -457,7 +413,7 @@
           <a:p>
             <a:fld id="{2FC3D184-0F2B-4D9D-BDB9-3409F15C70D5}" type="datetimeFigureOut">
               <a:rPr lang="pt-BR" smtClean="0"/>
-              <a:t>11/04/2022</a:t>
+              <a:t>13/04/2022</a:t>
             </a:fld>
             <a:endParaRPr lang="pt-BR"/>
           </a:p>
@@ -465,13 +421,7 @@
       </p:sp>
       <p:sp>
         <p:nvSpPr>
-          <p:cNvPr id="5" name="Espaço Reservado para Rodapé 4">
-            <a:extLst>
-              <a:ext uri="{FF2B5EF4-FFF2-40B4-BE49-F238E27FC236}">
-                <a16:creationId xmlns:a16="http://schemas.microsoft.com/office/drawing/2014/main" id="{D63B1C27-CDC6-4ABD-A3B5-899935BCBF47}"/>
-              </a:ext>
-            </a:extLst>
-          </p:cNvPr>
+          <p:cNvPr id="5" name="Footer Placeholder 4"/>
           <p:cNvSpPr>
             <a:spLocks noGrp="1"/>
           </p:cNvSpPr>
@@ -490,13 +440,7 @@
       </p:sp>
       <p:sp>
         <p:nvSpPr>
-          <p:cNvPr id="6" name="Espaço Reservado para Número de Slide 5">
-            <a:extLst>
-              <a:ext uri="{FF2B5EF4-FFF2-40B4-BE49-F238E27FC236}">
-                <a16:creationId xmlns:a16="http://schemas.microsoft.com/office/drawing/2014/main" id="{D898C354-3045-4E48-9DF8-4996FCD2830A}"/>
-              </a:ext>
-            </a:extLst>
-          </p:cNvPr>
+          <p:cNvPr id="6" name="Slide Number Placeholder 5"/>
           <p:cNvSpPr>
             <a:spLocks noGrp="1"/>
           </p:cNvSpPr>
@@ -520,7 +464,7 @@
     </p:spTree>
     <p:extLst>
       <p:ext uri="{BB962C8B-B14F-4D97-AF65-F5344CB8AC3E}">
-        <p14:creationId xmlns:p14="http://schemas.microsoft.com/office/powerpoint/2010/main" val="3329370440"/>
+        <p14:creationId xmlns:p14="http://schemas.microsoft.com/office/powerpoint/2010/main" val="1448629257"/>
       </p:ext>
     </p:extLst>
   </p:cSld>
@@ -549,13 +493,7 @@
       </p:grpSpPr>
       <p:sp>
         <p:nvSpPr>
-          <p:cNvPr id="2" name="Título Vertical 1">
-            <a:extLst>
-              <a:ext uri="{FF2B5EF4-FFF2-40B4-BE49-F238E27FC236}">
-                <a16:creationId xmlns:a16="http://schemas.microsoft.com/office/drawing/2014/main" id="{29627E63-7F4C-41BF-BB20-F2C3AAA84645}"/>
-              </a:ext>
-            </a:extLst>
-          </p:cNvPr>
+          <p:cNvPr id="2" name="Vertical Title 1"/>
           <p:cNvSpPr>
             <a:spLocks noGrp="1"/>
           </p:cNvSpPr>
@@ -565,8 +503,8 @@
         </p:nvSpPr>
         <p:spPr>
           <a:xfrm>
-            <a:off x="8724900" y="365125"/>
-            <a:ext cx="2628900" cy="5811838"/>
+            <a:off x="6870859" y="287536"/>
+            <a:ext cx="2070259" cy="4576822"/>
           </a:xfrm>
         </p:spPr>
         <p:txBody>
@@ -577,18 +515,13 @@
               <a:rPr lang="pt-BR"/>
               <a:t>Clique para editar o título Mestre</a:t>
             </a:r>
+            <a:endParaRPr lang="en-US" dirty="0"/>
           </a:p>
         </p:txBody>
       </p:sp>
       <p:sp>
         <p:nvSpPr>
-          <p:cNvPr id="3" name="Espaço Reservado para Texto Vertical 2">
-            <a:extLst>
-              <a:ext uri="{FF2B5EF4-FFF2-40B4-BE49-F238E27FC236}">
-                <a16:creationId xmlns:a16="http://schemas.microsoft.com/office/drawing/2014/main" id="{0644F4F2-F4B4-494E-BD58-295940D5FCBF}"/>
-              </a:ext>
-            </a:extLst>
-          </p:cNvPr>
+          <p:cNvPr id="3" name="Vertical Text Placeholder 2"/>
           <p:cNvSpPr>
             <a:spLocks noGrp="1"/>
           </p:cNvSpPr>
@@ -598,8 +531,8 @@
         </p:nvSpPr>
         <p:spPr>
           <a:xfrm>
-            <a:off x="838200" y="365125"/>
-            <a:ext cx="7734300" cy="5811838"/>
+            <a:off x="660083" y="287536"/>
+            <a:ext cx="6090761" cy="4576822"/>
           </a:xfrm>
         </p:spPr>
         <p:txBody>
@@ -639,18 +572,13 @@
               <a:rPr lang="pt-BR"/>
               <a:t>Quinto nível</a:t>
             </a:r>
+            <a:endParaRPr lang="en-US" dirty="0"/>
           </a:p>
         </p:txBody>
       </p:sp>
       <p:sp>
         <p:nvSpPr>
-          <p:cNvPr id="4" name="Espaço Reservado para Data 3">
-            <a:extLst>
-              <a:ext uri="{FF2B5EF4-FFF2-40B4-BE49-F238E27FC236}">
-                <a16:creationId xmlns:a16="http://schemas.microsoft.com/office/drawing/2014/main" id="{B23A8B5C-01BD-40AB-A2F1-D1F5268E205F}"/>
-              </a:ext>
-            </a:extLst>
-          </p:cNvPr>
+          <p:cNvPr id="4" name="Date Placeholder 3"/>
           <p:cNvSpPr>
             <a:spLocks noGrp="1"/>
           </p:cNvSpPr>
@@ -665,7 +593,7 @@
           <a:p>
             <a:fld id="{2FC3D184-0F2B-4D9D-BDB9-3409F15C70D5}" type="datetimeFigureOut">
               <a:rPr lang="pt-BR" smtClean="0"/>
-              <a:t>11/04/2022</a:t>
+              <a:t>13/04/2022</a:t>
             </a:fld>
             <a:endParaRPr lang="pt-BR"/>
           </a:p>
@@ -673,13 +601,7 @@
       </p:sp>
       <p:sp>
         <p:nvSpPr>
-          <p:cNvPr id="5" name="Espaço Reservado para Rodapé 4">
-            <a:extLst>
-              <a:ext uri="{FF2B5EF4-FFF2-40B4-BE49-F238E27FC236}">
-                <a16:creationId xmlns:a16="http://schemas.microsoft.com/office/drawing/2014/main" id="{1395EE0D-B5D0-43B0-A3FE-F67831C47274}"/>
-              </a:ext>
-            </a:extLst>
-          </p:cNvPr>
+          <p:cNvPr id="5" name="Footer Placeholder 4"/>
           <p:cNvSpPr>
             <a:spLocks noGrp="1"/>
           </p:cNvSpPr>
@@ -698,13 +620,7 @@
       </p:sp>
       <p:sp>
         <p:nvSpPr>
-          <p:cNvPr id="6" name="Espaço Reservado para Número de Slide 5">
-            <a:extLst>
-              <a:ext uri="{FF2B5EF4-FFF2-40B4-BE49-F238E27FC236}">
-                <a16:creationId xmlns:a16="http://schemas.microsoft.com/office/drawing/2014/main" id="{AA0019DE-E17B-4DDA-B20F-2AFE317DD613}"/>
-              </a:ext>
-            </a:extLst>
-          </p:cNvPr>
+          <p:cNvPr id="6" name="Slide Number Placeholder 5"/>
           <p:cNvSpPr>
             <a:spLocks noGrp="1"/>
           </p:cNvSpPr>
@@ -728,7 +644,7 @@
     </p:spTree>
     <p:extLst>
       <p:ext uri="{BB962C8B-B14F-4D97-AF65-F5344CB8AC3E}">
-        <p14:creationId xmlns:p14="http://schemas.microsoft.com/office/powerpoint/2010/main" val="2897462103"/>
+        <p14:creationId xmlns:p14="http://schemas.microsoft.com/office/powerpoint/2010/main" val="3850379180"/>
       </p:ext>
     </p:extLst>
   </p:cSld>
@@ -757,13 +673,7 @@
       </p:grpSpPr>
       <p:sp>
         <p:nvSpPr>
-          <p:cNvPr id="2" name="Título 1">
-            <a:extLst>
-              <a:ext uri="{FF2B5EF4-FFF2-40B4-BE49-F238E27FC236}">
-                <a16:creationId xmlns:a16="http://schemas.microsoft.com/office/drawing/2014/main" id="{B97AB964-5DF0-4843-B826-694229715A2E}"/>
-              </a:ext>
-            </a:extLst>
-          </p:cNvPr>
+          <p:cNvPr id="2" name="Title 1"/>
           <p:cNvSpPr>
             <a:spLocks noGrp="1"/>
           </p:cNvSpPr>
@@ -780,18 +690,13 @@
               <a:rPr lang="pt-BR"/>
               <a:t>Clique para editar o título Mestre</a:t>
             </a:r>
+            <a:endParaRPr lang="en-US" dirty="0"/>
           </a:p>
         </p:txBody>
       </p:sp>
       <p:sp>
         <p:nvSpPr>
-          <p:cNvPr id="3" name="Espaço Reservado para Conteúdo 2">
-            <a:extLst>
-              <a:ext uri="{FF2B5EF4-FFF2-40B4-BE49-F238E27FC236}">
-                <a16:creationId xmlns:a16="http://schemas.microsoft.com/office/drawing/2014/main" id="{214FBAEF-1BDC-4AA0-83FA-51328477858E}"/>
-              </a:ext>
-            </a:extLst>
-          </p:cNvPr>
+          <p:cNvPr id="3" name="Content Placeholder 2"/>
           <p:cNvSpPr>
             <a:spLocks noGrp="1"/>
           </p:cNvSpPr>
@@ -837,18 +742,13 @@
               <a:rPr lang="pt-BR"/>
               <a:t>Quinto nível</a:t>
             </a:r>
+            <a:endParaRPr lang="en-US" dirty="0"/>
           </a:p>
         </p:txBody>
       </p:sp>
       <p:sp>
         <p:nvSpPr>
-          <p:cNvPr id="4" name="Espaço Reservado para Data 3">
-            <a:extLst>
-              <a:ext uri="{FF2B5EF4-FFF2-40B4-BE49-F238E27FC236}">
-                <a16:creationId xmlns:a16="http://schemas.microsoft.com/office/drawing/2014/main" id="{5866E17B-57CA-4B38-A0A6-E73E9C599B45}"/>
-              </a:ext>
-            </a:extLst>
-          </p:cNvPr>
+          <p:cNvPr id="4" name="Date Placeholder 3"/>
           <p:cNvSpPr>
             <a:spLocks noGrp="1"/>
           </p:cNvSpPr>
@@ -863,7 +763,7 @@
           <a:p>
             <a:fld id="{2FC3D184-0F2B-4D9D-BDB9-3409F15C70D5}" type="datetimeFigureOut">
               <a:rPr lang="pt-BR" smtClean="0"/>
-              <a:t>11/04/2022</a:t>
+              <a:t>13/04/2022</a:t>
             </a:fld>
             <a:endParaRPr lang="pt-BR"/>
           </a:p>
@@ -871,13 +771,7 @@
       </p:sp>
       <p:sp>
         <p:nvSpPr>
-          <p:cNvPr id="5" name="Espaço Reservado para Rodapé 4">
-            <a:extLst>
-              <a:ext uri="{FF2B5EF4-FFF2-40B4-BE49-F238E27FC236}">
-                <a16:creationId xmlns:a16="http://schemas.microsoft.com/office/drawing/2014/main" id="{0CBDCC65-959B-4E7A-B087-AB70EAC262D4}"/>
-              </a:ext>
-            </a:extLst>
-          </p:cNvPr>
+          <p:cNvPr id="5" name="Footer Placeholder 4"/>
           <p:cNvSpPr>
             <a:spLocks noGrp="1"/>
           </p:cNvSpPr>
@@ -896,13 +790,7 @@
       </p:sp>
       <p:sp>
         <p:nvSpPr>
-          <p:cNvPr id="6" name="Espaço Reservado para Número de Slide 5">
-            <a:extLst>
-              <a:ext uri="{FF2B5EF4-FFF2-40B4-BE49-F238E27FC236}">
-                <a16:creationId xmlns:a16="http://schemas.microsoft.com/office/drawing/2014/main" id="{D7150748-3B6E-4E42-9A04-20F81C2C6D57}"/>
-              </a:ext>
-            </a:extLst>
-          </p:cNvPr>
+          <p:cNvPr id="6" name="Slide Number Placeholder 5"/>
           <p:cNvSpPr>
             <a:spLocks noGrp="1"/>
           </p:cNvSpPr>
@@ -926,7 +814,7 @@
     </p:spTree>
     <p:extLst>
       <p:ext uri="{BB962C8B-B14F-4D97-AF65-F5344CB8AC3E}">
-        <p14:creationId xmlns:p14="http://schemas.microsoft.com/office/powerpoint/2010/main" val="243762846"/>
+        <p14:creationId xmlns:p14="http://schemas.microsoft.com/office/powerpoint/2010/main" val="4279112148"/>
       </p:ext>
     </p:extLst>
   </p:cSld>
@@ -955,13 +843,7 @@
       </p:grpSpPr>
       <p:sp>
         <p:nvSpPr>
-          <p:cNvPr id="2" name="Título 1">
-            <a:extLst>
-              <a:ext uri="{FF2B5EF4-FFF2-40B4-BE49-F238E27FC236}">
-                <a16:creationId xmlns:a16="http://schemas.microsoft.com/office/drawing/2014/main" id="{0C88E670-21E6-49EC-BA80-2C099442C046}"/>
-              </a:ext>
-            </a:extLst>
-          </p:cNvPr>
+          <p:cNvPr id="2" name="Title 1"/>
           <p:cNvSpPr>
             <a:spLocks noGrp="1"/>
           </p:cNvSpPr>
@@ -971,15 +853,15 @@
         </p:nvSpPr>
         <p:spPr>
           <a:xfrm>
-            <a:off x="831850" y="1709738"/>
-            <a:ext cx="10515600" cy="2852737"/>
+            <a:off x="655082" y="1346419"/>
+            <a:ext cx="8281035" cy="2246530"/>
           </a:xfrm>
         </p:spPr>
         <p:txBody>
           <a:bodyPr anchor="b"/>
           <a:lstStyle>
             <a:lvl1pPr>
-              <a:defRPr sz="6000"/>
+              <a:defRPr sz="4725"/>
             </a:lvl1pPr>
           </a:lstStyle>
           <a:p>
@@ -987,18 +869,13 @@
               <a:rPr lang="pt-BR"/>
               <a:t>Clique para editar o título Mestre</a:t>
             </a:r>
+            <a:endParaRPr lang="en-US" dirty="0"/>
           </a:p>
         </p:txBody>
       </p:sp>
       <p:sp>
         <p:nvSpPr>
-          <p:cNvPr id="3" name="Espaço Reservado para Texto 2">
-            <a:extLst>
-              <a:ext uri="{FF2B5EF4-FFF2-40B4-BE49-F238E27FC236}">
-                <a16:creationId xmlns:a16="http://schemas.microsoft.com/office/drawing/2014/main" id="{48B27FE7-8CD5-4895-B0D5-8935952AB609}"/>
-              </a:ext>
-            </a:extLst>
-          </p:cNvPr>
+          <p:cNvPr id="3" name="Text Placeholder 2"/>
           <p:cNvSpPr>
             <a:spLocks noGrp="1"/>
           </p:cNvSpPr>
@@ -1008,8 +885,8 @@
         </p:nvSpPr>
         <p:spPr>
           <a:xfrm>
-            <a:off x="831850" y="4589463"/>
-            <a:ext cx="10515600" cy="1500187"/>
+            <a:off x="655082" y="3614203"/>
+            <a:ext cx="8281035" cy="1181397"/>
           </a:xfrm>
         </p:spPr>
         <p:txBody>
@@ -1017,7 +894,7 @@
           <a:lstStyle>
             <a:lvl1pPr marL="0" indent="0">
               <a:buNone/>
-              <a:defRPr sz="2400">
+              <a:defRPr sz="1890">
                 <a:solidFill>
                   <a:schemeClr val="tx1">
                     <a:tint val="75000"/>
@@ -1025,9 +902,9 @@
                 </a:solidFill>
               </a:defRPr>
             </a:lvl1pPr>
-            <a:lvl2pPr marL="457200" indent="0">
+            <a:lvl2pPr marL="360045" indent="0">
               <a:buNone/>
-              <a:defRPr sz="2000">
+              <a:defRPr sz="1575">
                 <a:solidFill>
                   <a:schemeClr val="tx1">
                     <a:tint val="75000"/>
@@ -1035,9 +912,9 @@
                 </a:solidFill>
               </a:defRPr>
             </a:lvl2pPr>
-            <a:lvl3pPr marL="914400" indent="0">
+            <a:lvl3pPr marL="720090" indent="0">
               <a:buNone/>
-              <a:defRPr sz="1800">
+              <a:defRPr sz="1418">
                 <a:solidFill>
                   <a:schemeClr val="tx1">
                     <a:tint val="75000"/>
@@ -1045,9 +922,9 @@
                 </a:solidFill>
               </a:defRPr>
             </a:lvl3pPr>
-            <a:lvl4pPr marL="1371600" indent="0">
+            <a:lvl4pPr marL="1080135" indent="0">
               <a:buNone/>
-              <a:defRPr sz="1600">
+              <a:defRPr sz="1260">
                 <a:solidFill>
                   <a:schemeClr val="tx1">
                     <a:tint val="75000"/>
@@ -1055,9 +932,9 @@
                 </a:solidFill>
               </a:defRPr>
             </a:lvl4pPr>
-            <a:lvl5pPr marL="1828800" indent="0">
+            <a:lvl5pPr marL="1440180" indent="0">
               <a:buNone/>
-              <a:defRPr sz="1600">
+              <a:defRPr sz="1260">
                 <a:solidFill>
                   <a:schemeClr val="tx1">
                     <a:tint val="75000"/>
@@ -1065,9 +942,9 @@
                 </a:solidFill>
               </a:defRPr>
             </a:lvl5pPr>
-            <a:lvl6pPr marL="2286000" indent="0">
+            <a:lvl6pPr marL="1800225" indent="0">
               <a:buNone/>
-              <a:defRPr sz="1600">
+              <a:defRPr sz="1260">
                 <a:solidFill>
                   <a:schemeClr val="tx1">
                     <a:tint val="75000"/>
@@ -1075,9 +952,9 @@
                 </a:solidFill>
               </a:defRPr>
             </a:lvl6pPr>
-            <a:lvl7pPr marL="2743200" indent="0">
+            <a:lvl7pPr marL="2160270" indent="0">
               <a:buNone/>
-              <a:defRPr sz="1600">
+              <a:defRPr sz="1260">
                 <a:solidFill>
                   <a:schemeClr val="tx1">
                     <a:tint val="75000"/>
@@ -1085,9 +962,9 @@
                 </a:solidFill>
               </a:defRPr>
             </a:lvl7pPr>
-            <a:lvl8pPr marL="3200400" indent="0">
+            <a:lvl8pPr marL="2520315" indent="0">
               <a:buNone/>
-              <a:defRPr sz="1600">
+              <a:defRPr sz="1260">
                 <a:solidFill>
                   <a:schemeClr val="tx1">
                     <a:tint val="75000"/>
@@ -1095,9 +972,9 @@
                 </a:solidFill>
               </a:defRPr>
             </a:lvl8pPr>
-            <a:lvl9pPr marL="3657600" indent="0">
+            <a:lvl9pPr marL="2880360" indent="0">
               <a:buNone/>
-              <a:defRPr sz="1600">
+              <a:defRPr sz="1260">
                 <a:solidFill>
                   <a:schemeClr val="tx1">
                     <a:tint val="75000"/>
@@ -1117,13 +994,7 @@
       </p:sp>
       <p:sp>
         <p:nvSpPr>
-          <p:cNvPr id="4" name="Espaço Reservado para Data 3">
-            <a:extLst>
-              <a:ext uri="{FF2B5EF4-FFF2-40B4-BE49-F238E27FC236}">
-                <a16:creationId xmlns:a16="http://schemas.microsoft.com/office/drawing/2014/main" id="{82ED4433-BD9C-4247-8ED3-09948E214449}"/>
-              </a:ext>
-            </a:extLst>
-          </p:cNvPr>
+          <p:cNvPr id="4" name="Date Placeholder 3"/>
           <p:cNvSpPr>
             <a:spLocks noGrp="1"/>
           </p:cNvSpPr>
@@ -1138,7 +1009,7 @@
           <a:p>
             <a:fld id="{2FC3D184-0F2B-4D9D-BDB9-3409F15C70D5}" type="datetimeFigureOut">
               <a:rPr lang="pt-BR" smtClean="0"/>
-              <a:t>11/04/2022</a:t>
+              <a:t>13/04/2022</a:t>
             </a:fld>
             <a:endParaRPr lang="pt-BR"/>
           </a:p>
@@ -1146,13 +1017,7 @@
       </p:sp>
       <p:sp>
         <p:nvSpPr>
-          <p:cNvPr id="5" name="Espaço Reservado para Rodapé 4">
-            <a:extLst>
-              <a:ext uri="{FF2B5EF4-FFF2-40B4-BE49-F238E27FC236}">
-                <a16:creationId xmlns:a16="http://schemas.microsoft.com/office/drawing/2014/main" id="{0AEEECEC-A26A-4C63-A430-EC668876C701}"/>
-              </a:ext>
-            </a:extLst>
-          </p:cNvPr>
+          <p:cNvPr id="5" name="Footer Placeholder 4"/>
           <p:cNvSpPr>
             <a:spLocks noGrp="1"/>
           </p:cNvSpPr>
@@ -1171,13 +1036,7 @@
       </p:sp>
       <p:sp>
         <p:nvSpPr>
-          <p:cNvPr id="6" name="Espaço Reservado para Número de Slide 5">
-            <a:extLst>
-              <a:ext uri="{FF2B5EF4-FFF2-40B4-BE49-F238E27FC236}">
-                <a16:creationId xmlns:a16="http://schemas.microsoft.com/office/drawing/2014/main" id="{522CFBEF-B37A-405C-900E-6BA910940B82}"/>
-              </a:ext>
-            </a:extLst>
-          </p:cNvPr>
+          <p:cNvPr id="6" name="Slide Number Placeholder 5"/>
           <p:cNvSpPr>
             <a:spLocks noGrp="1"/>
           </p:cNvSpPr>
@@ -1201,7 +1060,7 @@
     </p:spTree>
     <p:extLst>
       <p:ext uri="{BB962C8B-B14F-4D97-AF65-F5344CB8AC3E}">
-        <p14:creationId xmlns:p14="http://schemas.microsoft.com/office/powerpoint/2010/main" val="376897302"/>
+        <p14:creationId xmlns:p14="http://schemas.microsoft.com/office/powerpoint/2010/main" val="3186002404"/>
       </p:ext>
     </p:extLst>
   </p:cSld>
@@ -1230,13 +1089,7 @@
       </p:grpSpPr>
       <p:sp>
         <p:nvSpPr>
-          <p:cNvPr id="2" name="Título 1">
-            <a:extLst>
-              <a:ext uri="{FF2B5EF4-FFF2-40B4-BE49-F238E27FC236}">
-                <a16:creationId xmlns:a16="http://schemas.microsoft.com/office/drawing/2014/main" id="{4E7AEAF8-A674-47B8-B353-84E45DAD7499}"/>
-              </a:ext>
-            </a:extLst>
-          </p:cNvPr>
+          <p:cNvPr id="2" name="Title 1"/>
           <p:cNvSpPr>
             <a:spLocks noGrp="1"/>
           </p:cNvSpPr>
@@ -1253,18 +1106,13 @@
               <a:rPr lang="pt-BR"/>
               <a:t>Clique para editar o título Mestre</a:t>
             </a:r>
+            <a:endParaRPr lang="en-US" dirty="0"/>
           </a:p>
         </p:txBody>
       </p:sp>
       <p:sp>
         <p:nvSpPr>
-          <p:cNvPr id="3" name="Espaço Reservado para Conteúdo 2">
-            <a:extLst>
-              <a:ext uri="{FF2B5EF4-FFF2-40B4-BE49-F238E27FC236}">
-                <a16:creationId xmlns:a16="http://schemas.microsoft.com/office/drawing/2014/main" id="{4230E62D-4B75-45B0-BA1A-AEED39129146}"/>
-              </a:ext>
-            </a:extLst>
-          </p:cNvPr>
+          <p:cNvPr id="3" name="Content Placeholder 2"/>
           <p:cNvSpPr>
             <a:spLocks noGrp="1"/>
           </p:cNvSpPr>
@@ -1274,8 +1122,8 @@
         </p:nvSpPr>
         <p:spPr>
           <a:xfrm>
-            <a:off x="838200" y="1825625"/>
-            <a:ext cx="5181600" cy="4351338"/>
+            <a:off x="660083" y="1437680"/>
+            <a:ext cx="4080510" cy="3426679"/>
           </a:xfrm>
         </p:spPr>
         <p:txBody>
@@ -1315,18 +1163,13 @@
               <a:rPr lang="pt-BR"/>
               <a:t>Quinto nível</a:t>
             </a:r>
+            <a:endParaRPr lang="en-US" dirty="0"/>
           </a:p>
         </p:txBody>
       </p:sp>
       <p:sp>
         <p:nvSpPr>
-          <p:cNvPr id="4" name="Espaço Reservado para Conteúdo 3">
-            <a:extLst>
-              <a:ext uri="{FF2B5EF4-FFF2-40B4-BE49-F238E27FC236}">
-                <a16:creationId xmlns:a16="http://schemas.microsoft.com/office/drawing/2014/main" id="{B2F3A3BA-E1F0-422C-A979-9390F3129937}"/>
-              </a:ext>
-            </a:extLst>
-          </p:cNvPr>
+          <p:cNvPr id="4" name="Content Placeholder 3"/>
           <p:cNvSpPr>
             <a:spLocks noGrp="1"/>
           </p:cNvSpPr>
@@ -1336,8 +1179,8 @@
         </p:nvSpPr>
         <p:spPr>
           <a:xfrm>
-            <a:off x="6172200" y="1825625"/>
-            <a:ext cx="5181600" cy="4351338"/>
+            <a:off x="4860608" y="1437680"/>
+            <a:ext cx="4080510" cy="3426679"/>
           </a:xfrm>
         </p:spPr>
         <p:txBody>
@@ -1377,18 +1220,13 @@
               <a:rPr lang="pt-BR"/>
               <a:t>Quinto nível</a:t>
             </a:r>
+            <a:endParaRPr lang="en-US" dirty="0"/>
           </a:p>
         </p:txBody>
       </p:sp>
       <p:sp>
         <p:nvSpPr>
-          <p:cNvPr id="5" name="Espaço Reservado para Data 4">
-            <a:extLst>
-              <a:ext uri="{FF2B5EF4-FFF2-40B4-BE49-F238E27FC236}">
-                <a16:creationId xmlns:a16="http://schemas.microsoft.com/office/drawing/2014/main" id="{9E838667-CC1D-481C-AEF2-34B11A6CDC47}"/>
-              </a:ext>
-            </a:extLst>
-          </p:cNvPr>
+          <p:cNvPr id="5" name="Date Placeholder 4"/>
           <p:cNvSpPr>
             <a:spLocks noGrp="1"/>
           </p:cNvSpPr>
@@ -1403,7 +1241,7 @@
           <a:p>
             <a:fld id="{2FC3D184-0F2B-4D9D-BDB9-3409F15C70D5}" type="datetimeFigureOut">
               <a:rPr lang="pt-BR" smtClean="0"/>
-              <a:t>11/04/2022</a:t>
+              <a:t>13/04/2022</a:t>
             </a:fld>
             <a:endParaRPr lang="pt-BR"/>
           </a:p>
@@ -1411,13 +1249,7 @@
       </p:sp>
       <p:sp>
         <p:nvSpPr>
-          <p:cNvPr id="6" name="Espaço Reservado para Rodapé 5">
-            <a:extLst>
-              <a:ext uri="{FF2B5EF4-FFF2-40B4-BE49-F238E27FC236}">
-                <a16:creationId xmlns:a16="http://schemas.microsoft.com/office/drawing/2014/main" id="{05BA062A-D094-455F-82F4-D25F95D8C4F5}"/>
-              </a:ext>
-            </a:extLst>
-          </p:cNvPr>
+          <p:cNvPr id="6" name="Footer Placeholder 5"/>
           <p:cNvSpPr>
             <a:spLocks noGrp="1"/>
           </p:cNvSpPr>
@@ -1436,13 +1268,7 @@
       </p:sp>
       <p:sp>
         <p:nvSpPr>
-          <p:cNvPr id="7" name="Espaço Reservado para Número de Slide 6">
-            <a:extLst>
-              <a:ext uri="{FF2B5EF4-FFF2-40B4-BE49-F238E27FC236}">
-                <a16:creationId xmlns:a16="http://schemas.microsoft.com/office/drawing/2014/main" id="{4877F31D-B8D9-42F0-AE4E-94D801D23306}"/>
-              </a:ext>
-            </a:extLst>
-          </p:cNvPr>
+          <p:cNvPr id="7" name="Slide Number Placeholder 6"/>
           <p:cNvSpPr>
             <a:spLocks noGrp="1"/>
           </p:cNvSpPr>
@@ -1466,7 +1292,7 @@
     </p:spTree>
     <p:extLst>
       <p:ext uri="{BB962C8B-B14F-4D97-AF65-F5344CB8AC3E}">
-        <p14:creationId xmlns:p14="http://schemas.microsoft.com/office/powerpoint/2010/main" val="2854967079"/>
+        <p14:creationId xmlns:p14="http://schemas.microsoft.com/office/powerpoint/2010/main" val="1068220723"/>
       </p:ext>
     </p:extLst>
   </p:cSld>
@@ -1495,13 +1321,7 @@
       </p:grpSpPr>
       <p:sp>
         <p:nvSpPr>
-          <p:cNvPr id="2" name="Título 1">
-            <a:extLst>
-              <a:ext uri="{FF2B5EF4-FFF2-40B4-BE49-F238E27FC236}">
-                <a16:creationId xmlns:a16="http://schemas.microsoft.com/office/drawing/2014/main" id="{9F6DC902-111C-4C51-8B67-ABC83DC2E897}"/>
-              </a:ext>
-            </a:extLst>
-          </p:cNvPr>
+          <p:cNvPr id="2" name="Title 1"/>
           <p:cNvSpPr>
             <a:spLocks noGrp="1"/>
           </p:cNvSpPr>
@@ -1511,8 +1331,8 @@
         </p:nvSpPr>
         <p:spPr>
           <a:xfrm>
-            <a:off x="839788" y="365125"/>
-            <a:ext cx="10515600" cy="1325563"/>
+            <a:off x="661333" y="287536"/>
+            <a:ext cx="8281035" cy="1043881"/>
           </a:xfrm>
         </p:spPr>
         <p:txBody>
@@ -1523,18 +1343,13 @@
               <a:rPr lang="pt-BR"/>
               <a:t>Clique para editar o título Mestre</a:t>
             </a:r>
+            <a:endParaRPr lang="en-US" dirty="0"/>
           </a:p>
         </p:txBody>
       </p:sp>
       <p:sp>
         <p:nvSpPr>
-          <p:cNvPr id="3" name="Espaço Reservado para Texto 2">
-            <a:extLst>
-              <a:ext uri="{FF2B5EF4-FFF2-40B4-BE49-F238E27FC236}">
-                <a16:creationId xmlns:a16="http://schemas.microsoft.com/office/drawing/2014/main" id="{4E662E84-BE69-4A25-B92E-559F000ECBF3}"/>
-              </a:ext>
-            </a:extLst>
-          </p:cNvPr>
+          <p:cNvPr id="3" name="Text Placeholder 2"/>
           <p:cNvSpPr>
             <a:spLocks noGrp="1"/>
           </p:cNvSpPr>
@@ -1544,8 +1359,8 @@
         </p:nvSpPr>
         <p:spPr>
           <a:xfrm>
-            <a:off x="839788" y="1681163"/>
-            <a:ext cx="5157787" cy="823912"/>
+            <a:off x="661334" y="1323916"/>
+            <a:ext cx="4061757" cy="648831"/>
           </a:xfrm>
         </p:spPr>
         <p:txBody>
@@ -1553,39 +1368,39 @@
           <a:lstStyle>
             <a:lvl1pPr marL="0" indent="0">
               <a:buNone/>
-              <a:defRPr sz="2400" b="1"/>
+              <a:defRPr sz="1890" b="1"/>
             </a:lvl1pPr>
-            <a:lvl2pPr marL="457200" indent="0">
+            <a:lvl2pPr marL="360045" indent="0">
               <a:buNone/>
-              <a:defRPr sz="2000" b="1"/>
+              <a:defRPr sz="1575" b="1"/>
             </a:lvl2pPr>
-            <a:lvl3pPr marL="914400" indent="0">
+            <a:lvl3pPr marL="720090" indent="0">
               <a:buNone/>
-              <a:defRPr sz="1800" b="1"/>
+              <a:defRPr sz="1418" b="1"/>
             </a:lvl3pPr>
-            <a:lvl4pPr marL="1371600" indent="0">
+            <a:lvl4pPr marL="1080135" indent="0">
               <a:buNone/>
-              <a:defRPr sz="1600" b="1"/>
+              <a:defRPr sz="1260" b="1"/>
             </a:lvl4pPr>
-            <a:lvl5pPr marL="1828800" indent="0">
+            <a:lvl5pPr marL="1440180" indent="0">
               <a:buNone/>
-              <a:defRPr sz="1600" b="1"/>
+              <a:defRPr sz="1260" b="1"/>
             </a:lvl5pPr>
-            <a:lvl6pPr marL="2286000" indent="0">
+            <a:lvl6pPr marL="1800225" indent="0">
               <a:buNone/>
-              <a:defRPr sz="1600" b="1"/>
+              <a:defRPr sz="1260" b="1"/>
             </a:lvl6pPr>
-            <a:lvl7pPr marL="2743200" indent="0">
+            <a:lvl7pPr marL="2160270" indent="0">
               <a:buNone/>
-              <a:defRPr sz="1600" b="1"/>
+              <a:defRPr sz="1260" b="1"/>
             </a:lvl7pPr>
-            <a:lvl8pPr marL="3200400" indent="0">
+            <a:lvl8pPr marL="2520315" indent="0">
               <a:buNone/>
-              <a:defRPr sz="1600" b="1"/>
+              <a:defRPr sz="1260" b="1"/>
             </a:lvl8pPr>
-            <a:lvl9pPr marL="3657600" indent="0">
+            <a:lvl9pPr marL="2880360" indent="0">
               <a:buNone/>
-              <a:defRPr sz="1600" b="1"/>
+              <a:defRPr sz="1260" b="1"/>
             </a:lvl9pPr>
           </a:lstStyle>
           <a:p>
@@ -1599,13 +1414,7 @@
       </p:sp>
       <p:sp>
         <p:nvSpPr>
-          <p:cNvPr id="4" name="Espaço Reservado para Conteúdo 3">
-            <a:extLst>
-              <a:ext uri="{FF2B5EF4-FFF2-40B4-BE49-F238E27FC236}">
-                <a16:creationId xmlns:a16="http://schemas.microsoft.com/office/drawing/2014/main" id="{67457300-A6B5-4311-BB53-0496D9622F62}"/>
-              </a:ext>
-            </a:extLst>
-          </p:cNvPr>
+          <p:cNvPr id="4" name="Content Placeholder 3"/>
           <p:cNvSpPr>
             <a:spLocks noGrp="1"/>
           </p:cNvSpPr>
@@ -1615,8 +1424,8 @@
         </p:nvSpPr>
         <p:spPr>
           <a:xfrm>
-            <a:off x="839788" y="2505075"/>
-            <a:ext cx="5157787" cy="3684588"/>
+            <a:off x="661334" y="1972747"/>
+            <a:ext cx="4061757" cy="2901613"/>
           </a:xfrm>
         </p:spPr>
         <p:txBody>
@@ -1656,18 +1465,13 @@
               <a:rPr lang="pt-BR"/>
               <a:t>Quinto nível</a:t>
             </a:r>
+            <a:endParaRPr lang="en-US" dirty="0"/>
           </a:p>
         </p:txBody>
       </p:sp>
       <p:sp>
         <p:nvSpPr>
-          <p:cNvPr id="5" name="Espaço Reservado para Texto 4">
-            <a:extLst>
-              <a:ext uri="{FF2B5EF4-FFF2-40B4-BE49-F238E27FC236}">
-                <a16:creationId xmlns:a16="http://schemas.microsoft.com/office/drawing/2014/main" id="{D25B781E-224F-45A9-9ABF-50C036486BD2}"/>
-              </a:ext>
-            </a:extLst>
-          </p:cNvPr>
+          <p:cNvPr id="5" name="Text Placeholder 4"/>
           <p:cNvSpPr>
             <a:spLocks noGrp="1"/>
           </p:cNvSpPr>
@@ -1677,8 +1481,8 @@
         </p:nvSpPr>
         <p:spPr>
           <a:xfrm>
-            <a:off x="6172200" y="1681163"/>
-            <a:ext cx="5183188" cy="823912"/>
+            <a:off x="4860607" y="1323916"/>
+            <a:ext cx="4081761" cy="648831"/>
           </a:xfrm>
         </p:spPr>
         <p:txBody>
@@ -1686,39 +1490,39 @@
           <a:lstStyle>
             <a:lvl1pPr marL="0" indent="0">
               <a:buNone/>
-              <a:defRPr sz="2400" b="1"/>
+              <a:defRPr sz="1890" b="1"/>
             </a:lvl1pPr>
-            <a:lvl2pPr marL="457200" indent="0">
+            <a:lvl2pPr marL="360045" indent="0">
               <a:buNone/>
-              <a:defRPr sz="2000" b="1"/>
+              <a:defRPr sz="1575" b="1"/>
             </a:lvl2pPr>
-            <a:lvl3pPr marL="914400" indent="0">
+            <a:lvl3pPr marL="720090" indent="0">
               <a:buNone/>
-              <a:defRPr sz="1800" b="1"/>
+              <a:defRPr sz="1418" b="1"/>
             </a:lvl3pPr>
-            <a:lvl4pPr marL="1371600" indent="0">
+            <a:lvl4pPr marL="1080135" indent="0">
               <a:buNone/>
-              <a:defRPr sz="1600" b="1"/>
+              <a:defRPr sz="1260" b="1"/>
             </a:lvl4pPr>
-            <a:lvl5pPr marL="1828800" indent="0">
+            <a:lvl5pPr marL="1440180" indent="0">
               <a:buNone/>
-              <a:defRPr sz="1600" b="1"/>
+              <a:defRPr sz="1260" b="1"/>
             </a:lvl5pPr>
-            <a:lvl6pPr marL="2286000" indent="0">
+            <a:lvl6pPr marL="1800225" indent="0">
               <a:buNone/>
-              <a:defRPr sz="1600" b="1"/>
+              <a:defRPr sz="1260" b="1"/>
             </a:lvl6pPr>
-            <a:lvl7pPr marL="2743200" indent="0">
+            <a:lvl7pPr marL="2160270" indent="0">
               <a:buNone/>
-              <a:defRPr sz="1600" b="1"/>
+              <a:defRPr sz="1260" b="1"/>
             </a:lvl7pPr>
-            <a:lvl8pPr marL="3200400" indent="0">
+            <a:lvl8pPr marL="2520315" indent="0">
               <a:buNone/>
-              <a:defRPr sz="1600" b="1"/>
+              <a:defRPr sz="1260" b="1"/>
             </a:lvl8pPr>
-            <a:lvl9pPr marL="3657600" indent="0">
+            <a:lvl9pPr marL="2880360" indent="0">
               <a:buNone/>
-              <a:defRPr sz="1600" b="1"/>
+              <a:defRPr sz="1260" b="1"/>
             </a:lvl9pPr>
           </a:lstStyle>
           <a:p>
@@ -1732,13 +1536,7 @@
       </p:sp>
       <p:sp>
         <p:nvSpPr>
-          <p:cNvPr id="6" name="Espaço Reservado para Conteúdo 5">
-            <a:extLst>
-              <a:ext uri="{FF2B5EF4-FFF2-40B4-BE49-F238E27FC236}">
-                <a16:creationId xmlns:a16="http://schemas.microsoft.com/office/drawing/2014/main" id="{004848B6-65A5-485A-8F01-67E7DD605740}"/>
-              </a:ext>
-            </a:extLst>
-          </p:cNvPr>
+          <p:cNvPr id="6" name="Content Placeholder 5"/>
           <p:cNvSpPr>
             <a:spLocks noGrp="1"/>
           </p:cNvSpPr>
@@ -1748,8 +1546,8 @@
         </p:nvSpPr>
         <p:spPr>
           <a:xfrm>
-            <a:off x="6172200" y="2505075"/>
-            <a:ext cx="5183188" cy="3684588"/>
+            <a:off x="4860607" y="1972747"/>
+            <a:ext cx="4081761" cy="2901613"/>
           </a:xfrm>
         </p:spPr>
         <p:txBody>
@@ -1789,18 +1587,13 @@
               <a:rPr lang="pt-BR"/>
               <a:t>Quinto nível</a:t>
             </a:r>
+            <a:endParaRPr lang="en-US" dirty="0"/>
           </a:p>
         </p:txBody>
       </p:sp>
       <p:sp>
         <p:nvSpPr>
-          <p:cNvPr id="7" name="Espaço Reservado para Data 6">
-            <a:extLst>
-              <a:ext uri="{FF2B5EF4-FFF2-40B4-BE49-F238E27FC236}">
-                <a16:creationId xmlns:a16="http://schemas.microsoft.com/office/drawing/2014/main" id="{8D778EC2-FEA0-4107-8459-E8498102E9D1}"/>
-              </a:ext>
-            </a:extLst>
-          </p:cNvPr>
+          <p:cNvPr id="7" name="Date Placeholder 6"/>
           <p:cNvSpPr>
             <a:spLocks noGrp="1"/>
           </p:cNvSpPr>
@@ -1815,7 +1608,7 @@
           <a:p>
             <a:fld id="{2FC3D184-0F2B-4D9D-BDB9-3409F15C70D5}" type="datetimeFigureOut">
               <a:rPr lang="pt-BR" smtClean="0"/>
-              <a:t>11/04/2022</a:t>
+              <a:t>13/04/2022</a:t>
             </a:fld>
             <a:endParaRPr lang="pt-BR"/>
           </a:p>
@@ -1823,13 +1616,7 @@
       </p:sp>
       <p:sp>
         <p:nvSpPr>
-          <p:cNvPr id="8" name="Espaço Reservado para Rodapé 7">
-            <a:extLst>
-              <a:ext uri="{FF2B5EF4-FFF2-40B4-BE49-F238E27FC236}">
-                <a16:creationId xmlns:a16="http://schemas.microsoft.com/office/drawing/2014/main" id="{4CC8074A-BCEF-4D56-867F-8875B944652F}"/>
-              </a:ext>
-            </a:extLst>
-          </p:cNvPr>
+          <p:cNvPr id="8" name="Footer Placeholder 7"/>
           <p:cNvSpPr>
             <a:spLocks noGrp="1"/>
           </p:cNvSpPr>
@@ -1848,13 +1635,7 @@
       </p:sp>
       <p:sp>
         <p:nvSpPr>
-          <p:cNvPr id="9" name="Espaço Reservado para Número de Slide 8">
-            <a:extLst>
-              <a:ext uri="{FF2B5EF4-FFF2-40B4-BE49-F238E27FC236}">
-                <a16:creationId xmlns:a16="http://schemas.microsoft.com/office/drawing/2014/main" id="{C2784A11-4B08-470B-AD83-4BFEC8A1A0DF}"/>
-              </a:ext>
-            </a:extLst>
-          </p:cNvPr>
+          <p:cNvPr id="9" name="Slide Number Placeholder 8"/>
           <p:cNvSpPr>
             <a:spLocks noGrp="1"/>
           </p:cNvSpPr>
@@ -1878,7 +1659,7 @@
     </p:spTree>
     <p:extLst>
       <p:ext uri="{BB962C8B-B14F-4D97-AF65-F5344CB8AC3E}">
-        <p14:creationId xmlns:p14="http://schemas.microsoft.com/office/powerpoint/2010/main" val="1251586761"/>
+        <p14:creationId xmlns:p14="http://schemas.microsoft.com/office/powerpoint/2010/main" val="615572119"/>
       </p:ext>
     </p:extLst>
   </p:cSld>
@@ -1907,13 +1688,7 @@
       </p:grpSpPr>
       <p:sp>
         <p:nvSpPr>
-          <p:cNvPr id="2" name="Título 1">
-            <a:extLst>
-              <a:ext uri="{FF2B5EF4-FFF2-40B4-BE49-F238E27FC236}">
-                <a16:creationId xmlns:a16="http://schemas.microsoft.com/office/drawing/2014/main" id="{2E8EEED8-6D72-49EF-BA34-A4C9542E498C}"/>
-              </a:ext>
-            </a:extLst>
-          </p:cNvPr>
+          <p:cNvPr id="2" name="Title 1"/>
           <p:cNvSpPr>
             <a:spLocks noGrp="1"/>
           </p:cNvSpPr>
@@ -1930,18 +1705,13 @@
               <a:rPr lang="pt-BR"/>
               <a:t>Clique para editar o título Mestre</a:t>
             </a:r>
+            <a:endParaRPr lang="en-US" dirty="0"/>
           </a:p>
         </p:txBody>
       </p:sp>
       <p:sp>
         <p:nvSpPr>
-          <p:cNvPr id="3" name="Espaço Reservado para Data 2">
-            <a:extLst>
-              <a:ext uri="{FF2B5EF4-FFF2-40B4-BE49-F238E27FC236}">
-                <a16:creationId xmlns:a16="http://schemas.microsoft.com/office/drawing/2014/main" id="{0D2F1AFC-73B0-459C-9A71-F6993B56481F}"/>
-              </a:ext>
-            </a:extLst>
-          </p:cNvPr>
+          <p:cNvPr id="3" name="Date Placeholder 2"/>
           <p:cNvSpPr>
             <a:spLocks noGrp="1"/>
           </p:cNvSpPr>
@@ -1956,7 +1726,7 @@
           <a:p>
             <a:fld id="{2FC3D184-0F2B-4D9D-BDB9-3409F15C70D5}" type="datetimeFigureOut">
               <a:rPr lang="pt-BR" smtClean="0"/>
-              <a:t>11/04/2022</a:t>
+              <a:t>13/04/2022</a:t>
             </a:fld>
             <a:endParaRPr lang="pt-BR"/>
           </a:p>
@@ -1964,13 +1734,7 @@
       </p:sp>
       <p:sp>
         <p:nvSpPr>
-          <p:cNvPr id="4" name="Espaço Reservado para Rodapé 3">
-            <a:extLst>
-              <a:ext uri="{FF2B5EF4-FFF2-40B4-BE49-F238E27FC236}">
-                <a16:creationId xmlns:a16="http://schemas.microsoft.com/office/drawing/2014/main" id="{CA76F3FE-4D34-4658-9315-D4397B708364}"/>
-              </a:ext>
-            </a:extLst>
-          </p:cNvPr>
+          <p:cNvPr id="4" name="Footer Placeholder 3"/>
           <p:cNvSpPr>
             <a:spLocks noGrp="1"/>
           </p:cNvSpPr>
@@ -1989,13 +1753,7 @@
       </p:sp>
       <p:sp>
         <p:nvSpPr>
-          <p:cNvPr id="5" name="Espaço Reservado para Número de Slide 4">
-            <a:extLst>
-              <a:ext uri="{FF2B5EF4-FFF2-40B4-BE49-F238E27FC236}">
-                <a16:creationId xmlns:a16="http://schemas.microsoft.com/office/drawing/2014/main" id="{99E6E790-BCAD-49C0-AAA3-2837C9F4DEB5}"/>
-              </a:ext>
-            </a:extLst>
-          </p:cNvPr>
+          <p:cNvPr id="5" name="Slide Number Placeholder 4"/>
           <p:cNvSpPr>
             <a:spLocks noGrp="1"/>
           </p:cNvSpPr>
@@ -2019,7 +1777,7 @@
     </p:spTree>
     <p:extLst>
       <p:ext uri="{BB962C8B-B14F-4D97-AF65-F5344CB8AC3E}">
-        <p14:creationId xmlns:p14="http://schemas.microsoft.com/office/powerpoint/2010/main" val="464623424"/>
+        <p14:creationId xmlns:p14="http://schemas.microsoft.com/office/powerpoint/2010/main" val="3047461896"/>
       </p:ext>
     </p:extLst>
   </p:cSld>
@@ -2048,13 +1806,7 @@
       </p:grpSpPr>
       <p:sp>
         <p:nvSpPr>
-          <p:cNvPr id="2" name="Espaço Reservado para Data 1">
-            <a:extLst>
-              <a:ext uri="{FF2B5EF4-FFF2-40B4-BE49-F238E27FC236}">
-                <a16:creationId xmlns:a16="http://schemas.microsoft.com/office/drawing/2014/main" id="{12478186-2ACB-4408-9CAC-AE9D941A75F0}"/>
-              </a:ext>
-            </a:extLst>
-          </p:cNvPr>
+          <p:cNvPr id="2" name="Date Placeholder 1"/>
           <p:cNvSpPr>
             <a:spLocks noGrp="1"/>
           </p:cNvSpPr>
@@ -2069,7 +1821,7 @@
           <a:p>
             <a:fld id="{2FC3D184-0F2B-4D9D-BDB9-3409F15C70D5}" type="datetimeFigureOut">
               <a:rPr lang="pt-BR" smtClean="0"/>
-              <a:t>11/04/2022</a:t>
+              <a:t>13/04/2022</a:t>
             </a:fld>
             <a:endParaRPr lang="pt-BR"/>
           </a:p>
@@ -2077,13 +1829,7 @@
       </p:sp>
       <p:sp>
         <p:nvSpPr>
-          <p:cNvPr id="3" name="Espaço Reservado para Rodapé 2">
-            <a:extLst>
-              <a:ext uri="{FF2B5EF4-FFF2-40B4-BE49-F238E27FC236}">
-                <a16:creationId xmlns:a16="http://schemas.microsoft.com/office/drawing/2014/main" id="{606F2BC1-C2D7-4501-B666-65F8AAB2A328}"/>
-              </a:ext>
-            </a:extLst>
-          </p:cNvPr>
+          <p:cNvPr id="3" name="Footer Placeholder 2"/>
           <p:cNvSpPr>
             <a:spLocks noGrp="1"/>
           </p:cNvSpPr>
@@ -2102,13 +1848,7 @@
       </p:sp>
       <p:sp>
         <p:nvSpPr>
-          <p:cNvPr id="4" name="Espaço Reservado para Número de Slide 3">
-            <a:extLst>
-              <a:ext uri="{FF2B5EF4-FFF2-40B4-BE49-F238E27FC236}">
-                <a16:creationId xmlns:a16="http://schemas.microsoft.com/office/drawing/2014/main" id="{67559408-6142-44AA-A286-5B07B6E5A7FF}"/>
-              </a:ext>
-            </a:extLst>
-          </p:cNvPr>
+          <p:cNvPr id="4" name="Slide Number Placeholder 3"/>
           <p:cNvSpPr>
             <a:spLocks noGrp="1"/>
           </p:cNvSpPr>
@@ -2132,7 +1872,7 @@
     </p:spTree>
     <p:extLst>
       <p:ext uri="{BB962C8B-B14F-4D97-AF65-F5344CB8AC3E}">
-        <p14:creationId xmlns:p14="http://schemas.microsoft.com/office/powerpoint/2010/main" val="4179584438"/>
+        <p14:creationId xmlns:p14="http://schemas.microsoft.com/office/powerpoint/2010/main" val="1284953029"/>
       </p:ext>
     </p:extLst>
   </p:cSld>
@@ -2161,13 +1901,7 @@
       </p:grpSpPr>
       <p:sp>
         <p:nvSpPr>
-          <p:cNvPr id="2" name="Título 1">
-            <a:extLst>
-              <a:ext uri="{FF2B5EF4-FFF2-40B4-BE49-F238E27FC236}">
-                <a16:creationId xmlns:a16="http://schemas.microsoft.com/office/drawing/2014/main" id="{80D24781-15BF-4375-BA8D-9FB98A268F6C}"/>
-              </a:ext>
-            </a:extLst>
-          </p:cNvPr>
+          <p:cNvPr id="2" name="Title 1"/>
           <p:cNvSpPr>
             <a:spLocks noGrp="1"/>
           </p:cNvSpPr>
@@ -2177,15 +1911,15 @@
         </p:nvSpPr>
         <p:spPr>
           <a:xfrm>
-            <a:off x="839788" y="457200"/>
-            <a:ext cx="3932237" cy="1600200"/>
+            <a:off x="661333" y="360045"/>
+            <a:ext cx="3096637" cy="1260158"/>
           </a:xfrm>
         </p:spPr>
         <p:txBody>
           <a:bodyPr anchor="b"/>
           <a:lstStyle>
             <a:lvl1pPr>
-              <a:defRPr sz="3200"/>
+              <a:defRPr sz="2520"/>
             </a:lvl1pPr>
           </a:lstStyle>
           <a:p>
@@ -2193,18 +1927,13 @@
               <a:rPr lang="pt-BR"/>
               <a:t>Clique para editar o título Mestre</a:t>
             </a:r>
+            <a:endParaRPr lang="en-US" dirty="0"/>
           </a:p>
         </p:txBody>
       </p:sp>
       <p:sp>
         <p:nvSpPr>
-          <p:cNvPr id="3" name="Espaço Reservado para Conteúdo 2">
-            <a:extLst>
-              <a:ext uri="{FF2B5EF4-FFF2-40B4-BE49-F238E27FC236}">
-                <a16:creationId xmlns:a16="http://schemas.microsoft.com/office/drawing/2014/main" id="{8930E8E1-B0A0-4BE7-B976-5C18D7B45139}"/>
-              </a:ext>
-            </a:extLst>
-          </p:cNvPr>
+          <p:cNvPr id="3" name="Content Placeholder 2"/>
           <p:cNvSpPr>
             <a:spLocks noGrp="1"/>
           </p:cNvSpPr>
@@ -2214,39 +1943,39 @@
         </p:nvSpPr>
         <p:spPr>
           <a:xfrm>
-            <a:off x="5183188" y="987425"/>
-            <a:ext cx="6172200" cy="4873625"/>
+            <a:off x="4081760" y="777597"/>
+            <a:ext cx="4860608" cy="3837980"/>
           </a:xfrm>
         </p:spPr>
         <p:txBody>
           <a:bodyPr/>
           <a:lstStyle>
             <a:lvl1pPr>
-              <a:defRPr sz="3200"/>
+              <a:defRPr sz="2520"/>
             </a:lvl1pPr>
             <a:lvl2pPr>
-              <a:defRPr sz="2800"/>
+              <a:defRPr sz="2205"/>
             </a:lvl2pPr>
             <a:lvl3pPr>
-              <a:defRPr sz="2400"/>
+              <a:defRPr sz="1890"/>
             </a:lvl3pPr>
             <a:lvl4pPr>
-              <a:defRPr sz="2000"/>
+              <a:defRPr sz="1575"/>
             </a:lvl4pPr>
             <a:lvl5pPr>
-              <a:defRPr sz="2000"/>
+              <a:defRPr sz="1575"/>
             </a:lvl5pPr>
             <a:lvl6pPr>
-              <a:defRPr sz="2000"/>
+              <a:defRPr sz="1575"/>
             </a:lvl6pPr>
             <a:lvl7pPr>
-              <a:defRPr sz="2000"/>
+              <a:defRPr sz="1575"/>
             </a:lvl7pPr>
             <a:lvl8pPr>
-              <a:defRPr sz="2000"/>
+              <a:defRPr sz="1575"/>
             </a:lvl8pPr>
             <a:lvl9pPr>
-              <a:defRPr sz="2000"/>
+              <a:defRPr sz="1575"/>
             </a:lvl9pPr>
           </a:lstStyle>
           <a:p>
@@ -2283,18 +2012,13 @@
               <a:rPr lang="pt-BR"/>
               <a:t>Quinto nível</a:t>
             </a:r>
+            <a:endParaRPr lang="en-US" dirty="0"/>
           </a:p>
         </p:txBody>
       </p:sp>
       <p:sp>
         <p:nvSpPr>
-          <p:cNvPr id="4" name="Espaço Reservado para Texto 3">
-            <a:extLst>
-              <a:ext uri="{FF2B5EF4-FFF2-40B4-BE49-F238E27FC236}">
-                <a16:creationId xmlns:a16="http://schemas.microsoft.com/office/drawing/2014/main" id="{374023E9-36B4-46B7-BB7E-41173AE3AA88}"/>
-              </a:ext>
-            </a:extLst>
-          </p:cNvPr>
+          <p:cNvPr id="4" name="Text Placeholder 3"/>
           <p:cNvSpPr>
             <a:spLocks noGrp="1"/>
           </p:cNvSpPr>
@@ -2304,8 +2028,8 @@
         </p:nvSpPr>
         <p:spPr>
           <a:xfrm>
-            <a:off x="839788" y="2057400"/>
-            <a:ext cx="3932237" cy="3811588"/>
+            <a:off x="661333" y="1620202"/>
+            <a:ext cx="3096637" cy="3001626"/>
           </a:xfrm>
         </p:spPr>
         <p:txBody>
@@ -2313,39 +2037,39 @@
           <a:lstStyle>
             <a:lvl1pPr marL="0" indent="0">
               <a:buNone/>
-              <a:defRPr sz="1600"/>
+              <a:defRPr sz="1260"/>
             </a:lvl1pPr>
-            <a:lvl2pPr marL="457200" indent="0">
+            <a:lvl2pPr marL="360045" indent="0">
               <a:buNone/>
-              <a:defRPr sz="1400"/>
+              <a:defRPr sz="1103"/>
             </a:lvl2pPr>
-            <a:lvl3pPr marL="914400" indent="0">
+            <a:lvl3pPr marL="720090" indent="0">
               <a:buNone/>
-              <a:defRPr sz="1200"/>
+              <a:defRPr sz="945"/>
             </a:lvl3pPr>
-            <a:lvl4pPr marL="1371600" indent="0">
+            <a:lvl4pPr marL="1080135" indent="0">
               <a:buNone/>
-              <a:defRPr sz="1000"/>
+              <a:defRPr sz="788"/>
             </a:lvl4pPr>
-            <a:lvl5pPr marL="1828800" indent="0">
+            <a:lvl5pPr marL="1440180" indent="0">
               <a:buNone/>
-              <a:defRPr sz="1000"/>
+              <a:defRPr sz="788"/>
             </a:lvl5pPr>
-            <a:lvl6pPr marL="2286000" indent="0">
+            <a:lvl6pPr marL="1800225" indent="0">
               <a:buNone/>
-              <a:defRPr sz="1000"/>
+              <a:defRPr sz="788"/>
             </a:lvl6pPr>
-            <a:lvl7pPr marL="2743200" indent="0">
+            <a:lvl7pPr marL="2160270" indent="0">
               <a:buNone/>
-              <a:defRPr sz="1000"/>
+              <a:defRPr sz="788"/>
             </a:lvl7pPr>
-            <a:lvl8pPr marL="3200400" indent="0">
+            <a:lvl8pPr marL="2520315" indent="0">
               <a:buNone/>
-              <a:defRPr sz="1000"/>
+              <a:defRPr sz="788"/>
             </a:lvl8pPr>
-            <a:lvl9pPr marL="3657600" indent="0">
+            <a:lvl9pPr marL="2880360" indent="0">
               <a:buNone/>
-              <a:defRPr sz="1000"/>
+              <a:defRPr sz="788"/>
             </a:lvl9pPr>
           </a:lstStyle>
           <a:p>
@@ -2359,13 +2083,7 @@
       </p:sp>
       <p:sp>
         <p:nvSpPr>
-          <p:cNvPr id="5" name="Espaço Reservado para Data 4">
-            <a:extLst>
-              <a:ext uri="{FF2B5EF4-FFF2-40B4-BE49-F238E27FC236}">
-                <a16:creationId xmlns:a16="http://schemas.microsoft.com/office/drawing/2014/main" id="{1403DF31-1FAF-4670-80E6-89F5D8A4BE1E}"/>
-              </a:ext>
-            </a:extLst>
-          </p:cNvPr>
+          <p:cNvPr id="5" name="Date Placeholder 4"/>
           <p:cNvSpPr>
             <a:spLocks noGrp="1"/>
           </p:cNvSpPr>
@@ -2380,7 +2098,7 @@
           <a:p>
             <a:fld id="{2FC3D184-0F2B-4D9D-BDB9-3409F15C70D5}" type="datetimeFigureOut">
               <a:rPr lang="pt-BR" smtClean="0"/>
-              <a:t>11/04/2022</a:t>
+              <a:t>13/04/2022</a:t>
             </a:fld>
             <a:endParaRPr lang="pt-BR"/>
           </a:p>
@@ -2388,13 +2106,7 @@
       </p:sp>
       <p:sp>
         <p:nvSpPr>
-          <p:cNvPr id="6" name="Espaço Reservado para Rodapé 5">
-            <a:extLst>
-              <a:ext uri="{FF2B5EF4-FFF2-40B4-BE49-F238E27FC236}">
-                <a16:creationId xmlns:a16="http://schemas.microsoft.com/office/drawing/2014/main" id="{64365A7C-2B8E-479A-84A3-2DB19421DA45}"/>
-              </a:ext>
-            </a:extLst>
-          </p:cNvPr>
+          <p:cNvPr id="6" name="Footer Placeholder 5"/>
           <p:cNvSpPr>
             <a:spLocks noGrp="1"/>
           </p:cNvSpPr>
@@ -2413,13 +2125,7 @@
       </p:sp>
       <p:sp>
         <p:nvSpPr>
-          <p:cNvPr id="7" name="Espaço Reservado para Número de Slide 6">
-            <a:extLst>
-              <a:ext uri="{FF2B5EF4-FFF2-40B4-BE49-F238E27FC236}">
-                <a16:creationId xmlns:a16="http://schemas.microsoft.com/office/drawing/2014/main" id="{5AB3B9A7-0CF8-4128-A3BF-0E1DFA5B917A}"/>
-              </a:ext>
-            </a:extLst>
-          </p:cNvPr>
+          <p:cNvPr id="7" name="Slide Number Placeholder 6"/>
           <p:cNvSpPr>
             <a:spLocks noGrp="1"/>
           </p:cNvSpPr>
@@ -2443,7 +2149,7 @@
     </p:spTree>
     <p:extLst>
       <p:ext uri="{BB962C8B-B14F-4D97-AF65-F5344CB8AC3E}">
-        <p14:creationId xmlns:p14="http://schemas.microsoft.com/office/powerpoint/2010/main" val="2006882009"/>
+        <p14:creationId xmlns:p14="http://schemas.microsoft.com/office/powerpoint/2010/main" val="2468986502"/>
       </p:ext>
     </p:extLst>
   </p:cSld>
@@ -2472,13 +2178,7 @@
       </p:grpSpPr>
       <p:sp>
         <p:nvSpPr>
-          <p:cNvPr id="2" name="Título 1">
-            <a:extLst>
-              <a:ext uri="{FF2B5EF4-FFF2-40B4-BE49-F238E27FC236}">
-                <a16:creationId xmlns:a16="http://schemas.microsoft.com/office/drawing/2014/main" id="{C23D85C3-7C96-46A2-AACB-0C64BF89D228}"/>
-              </a:ext>
-            </a:extLst>
-          </p:cNvPr>
+          <p:cNvPr id="2" name="Title 1"/>
           <p:cNvSpPr>
             <a:spLocks noGrp="1"/>
           </p:cNvSpPr>
@@ -2488,15 +2188,15 @@
         </p:nvSpPr>
         <p:spPr>
           <a:xfrm>
-            <a:off x="839788" y="457200"/>
-            <a:ext cx="3932237" cy="1600200"/>
+            <a:off x="661333" y="360045"/>
+            <a:ext cx="3096637" cy="1260158"/>
           </a:xfrm>
         </p:spPr>
         <p:txBody>
           <a:bodyPr anchor="b"/>
           <a:lstStyle>
             <a:lvl1pPr>
-              <a:defRPr sz="3200"/>
+              <a:defRPr sz="2520"/>
             </a:lvl1pPr>
           </a:lstStyle>
           <a:p>
@@ -2504,20 +2204,15 @@
               <a:rPr lang="pt-BR"/>
               <a:t>Clique para editar o título Mestre</a:t>
             </a:r>
+            <a:endParaRPr lang="en-US" dirty="0"/>
           </a:p>
         </p:txBody>
       </p:sp>
       <p:sp>
         <p:nvSpPr>
-          <p:cNvPr id="3" name="Espaço Reservado para Imagem 2">
-            <a:extLst>
-              <a:ext uri="{FF2B5EF4-FFF2-40B4-BE49-F238E27FC236}">
-                <a16:creationId xmlns:a16="http://schemas.microsoft.com/office/drawing/2014/main" id="{6A337ABA-49BA-4CB1-A776-843082B5B507}"/>
-              </a:ext>
-            </a:extLst>
-          </p:cNvPr>
+          <p:cNvPr id="3" name="Picture Placeholder 2"/>
           <p:cNvSpPr>
-            <a:spLocks noGrp="1"/>
+            <a:spLocks noGrp="1" noChangeAspect="1"/>
           </p:cNvSpPr>
           <p:nvPr>
             <p:ph type="pic" idx="1"/>
@@ -2525,64 +2220,62 @@
         </p:nvSpPr>
         <p:spPr>
           <a:xfrm>
-            <a:off x="5183188" y="987425"/>
-            <a:ext cx="6172200" cy="4873625"/>
+            <a:off x="4081760" y="777597"/>
+            <a:ext cx="4860608" cy="3837980"/>
           </a:xfrm>
         </p:spPr>
         <p:txBody>
-          <a:bodyPr/>
+          <a:bodyPr anchor="t"/>
           <a:lstStyle>
             <a:lvl1pPr marL="0" indent="0">
               <a:buNone/>
-              <a:defRPr sz="3200"/>
+              <a:defRPr sz="2520"/>
             </a:lvl1pPr>
-            <a:lvl2pPr marL="457200" indent="0">
+            <a:lvl2pPr marL="360045" indent="0">
               <a:buNone/>
-              <a:defRPr sz="2800"/>
+              <a:defRPr sz="2205"/>
             </a:lvl2pPr>
-            <a:lvl3pPr marL="914400" indent="0">
+            <a:lvl3pPr marL="720090" indent="0">
               <a:buNone/>
-              <a:defRPr sz="2400"/>
+              <a:defRPr sz="1890"/>
             </a:lvl3pPr>
-            <a:lvl4pPr marL="1371600" indent="0">
+            <a:lvl4pPr marL="1080135" indent="0">
               <a:buNone/>
-              <a:defRPr sz="2000"/>
+              <a:defRPr sz="1575"/>
             </a:lvl4pPr>
-            <a:lvl5pPr marL="1828800" indent="0">
+            <a:lvl5pPr marL="1440180" indent="0">
               <a:buNone/>
-              <a:defRPr sz="2000"/>
+              <a:defRPr sz="1575"/>
             </a:lvl5pPr>
-            <a:lvl6pPr marL="2286000" indent="0">
+            <a:lvl6pPr marL="1800225" indent="0">
               <a:buNone/>
-              <a:defRPr sz="2000"/>
+              <a:defRPr sz="1575"/>
             </a:lvl6pPr>
-            <a:lvl7pPr marL="2743200" indent="0">
+            <a:lvl7pPr marL="2160270" indent="0">
               <a:buNone/>
-              <a:defRPr sz="2000"/>
+              <a:defRPr sz="1575"/>
             </a:lvl7pPr>
-            <a:lvl8pPr marL="3200400" indent="0">
+            <a:lvl8pPr marL="2520315" indent="0">
               <a:buNone/>
-              <a:defRPr sz="2000"/>
+              <a:defRPr sz="1575"/>
             </a:lvl8pPr>
-            <a:lvl9pPr marL="3657600" indent="0">
+            <a:lvl9pPr marL="2880360" indent="0">
               <a:buNone/>
-              <a:defRPr sz="2000"/>
+              <a:defRPr sz="1575"/>
             </a:lvl9pPr>
           </a:lstStyle>
           <a:p>
-            <a:endParaRPr lang="pt-BR"/>
+            <a:r>
+              <a:rPr lang="pt-BR"/>
+              <a:t>Clique no ícone para adicionar uma imagem</a:t>
+            </a:r>
+            <a:endParaRPr lang="en-US" dirty="0"/>
           </a:p>
         </p:txBody>
       </p:sp>
       <p:sp>
         <p:nvSpPr>
-          <p:cNvPr id="4" name="Espaço Reservado para Texto 3">
-            <a:extLst>
-              <a:ext uri="{FF2B5EF4-FFF2-40B4-BE49-F238E27FC236}">
-                <a16:creationId xmlns:a16="http://schemas.microsoft.com/office/drawing/2014/main" id="{D66BCA98-F829-4751-99DB-E467E21B7946}"/>
-              </a:ext>
-            </a:extLst>
-          </p:cNvPr>
+          <p:cNvPr id="4" name="Text Placeholder 3"/>
           <p:cNvSpPr>
             <a:spLocks noGrp="1"/>
           </p:cNvSpPr>
@@ -2592,8 +2285,8 @@
         </p:nvSpPr>
         <p:spPr>
           <a:xfrm>
-            <a:off x="839788" y="2057400"/>
-            <a:ext cx="3932237" cy="3811588"/>
+            <a:off x="661333" y="1620202"/>
+            <a:ext cx="3096637" cy="3001626"/>
           </a:xfrm>
         </p:spPr>
         <p:txBody>
@@ -2601,39 +2294,39 @@
           <a:lstStyle>
             <a:lvl1pPr marL="0" indent="0">
               <a:buNone/>
-              <a:defRPr sz="1600"/>
+              <a:defRPr sz="1260"/>
             </a:lvl1pPr>
-            <a:lvl2pPr marL="457200" indent="0">
+            <a:lvl2pPr marL="360045" indent="0">
               <a:buNone/>
-              <a:defRPr sz="1400"/>
+              <a:defRPr sz="1103"/>
             </a:lvl2pPr>
-            <a:lvl3pPr marL="914400" indent="0">
+            <a:lvl3pPr marL="720090" indent="0">
               <a:buNone/>
-              <a:defRPr sz="1200"/>
+              <a:defRPr sz="945"/>
             </a:lvl3pPr>
-            <a:lvl4pPr marL="1371600" indent="0">
+            <a:lvl4pPr marL="1080135" indent="0">
               <a:buNone/>
-              <a:defRPr sz="1000"/>
+              <a:defRPr sz="788"/>
             </a:lvl4pPr>
-            <a:lvl5pPr marL="1828800" indent="0">
+            <a:lvl5pPr marL="1440180" indent="0">
               <a:buNone/>
-              <a:defRPr sz="1000"/>
+              <a:defRPr sz="788"/>
             </a:lvl5pPr>
-            <a:lvl6pPr marL="2286000" indent="0">
+            <a:lvl6pPr marL="1800225" indent="0">
               <a:buNone/>
-              <a:defRPr sz="1000"/>
+              <a:defRPr sz="788"/>
             </a:lvl6pPr>
-            <a:lvl7pPr marL="2743200" indent="0">
+            <a:lvl7pPr marL="2160270" indent="0">
               <a:buNone/>
-              <a:defRPr sz="1000"/>
+              <a:defRPr sz="788"/>
             </a:lvl7pPr>
-            <a:lvl8pPr marL="3200400" indent="0">
+            <a:lvl8pPr marL="2520315" indent="0">
               <a:buNone/>
-              <a:defRPr sz="1000"/>
+              <a:defRPr sz="788"/>
             </a:lvl8pPr>
-            <a:lvl9pPr marL="3657600" indent="0">
+            <a:lvl9pPr marL="2880360" indent="0">
               <a:buNone/>
-              <a:defRPr sz="1000"/>
+              <a:defRPr sz="788"/>
             </a:lvl9pPr>
           </a:lstStyle>
           <a:p>
@@ -2647,13 +2340,7 @@
       </p:sp>
       <p:sp>
         <p:nvSpPr>
-          <p:cNvPr id="5" name="Espaço Reservado para Data 4">
-            <a:extLst>
-              <a:ext uri="{FF2B5EF4-FFF2-40B4-BE49-F238E27FC236}">
-                <a16:creationId xmlns:a16="http://schemas.microsoft.com/office/drawing/2014/main" id="{761C9FC4-3532-4A9E-BA8F-49F565A7F86A}"/>
-              </a:ext>
-            </a:extLst>
-          </p:cNvPr>
+          <p:cNvPr id="5" name="Date Placeholder 4"/>
           <p:cNvSpPr>
             <a:spLocks noGrp="1"/>
           </p:cNvSpPr>
@@ -2668,7 +2355,7 @@
           <a:p>
             <a:fld id="{2FC3D184-0F2B-4D9D-BDB9-3409F15C70D5}" type="datetimeFigureOut">
               <a:rPr lang="pt-BR" smtClean="0"/>
-              <a:t>11/04/2022</a:t>
+              <a:t>13/04/2022</a:t>
             </a:fld>
             <a:endParaRPr lang="pt-BR"/>
           </a:p>
@@ -2676,13 +2363,7 @@
       </p:sp>
       <p:sp>
         <p:nvSpPr>
-          <p:cNvPr id="6" name="Espaço Reservado para Rodapé 5">
-            <a:extLst>
-              <a:ext uri="{FF2B5EF4-FFF2-40B4-BE49-F238E27FC236}">
-                <a16:creationId xmlns:a16="http://schemas.microsoft.com/office/drawing/2014/main" id="{0700D7AC-AD39-48C1-A79F-9C93CFC74C58}"/>
-              </a:ext>
-            </a:extLst>
-          </p:cNvPr>
+          <p:cNvPr id="6" name="Footer Placeholder 5"/>
           <p:cNvSpPr>
             <a:spLocks noGrp="1"/>
           </p:cNvSpPr>
@@ -2701,13 +2382,7 @@
       </p:sp>
       <p:sp>
         <p:nvSpPr>
-          <p:cNvPr id="7" name="Espaço Reservado para Número de Slide 6">
-            <a:extLst>
-              <a:ext uri="{FF2B5EF4-FFF2-40B4-BE49-F238E27FC236}">
-                <a16:creationId xmlns:a16="http://schemas.microsoft.com/office/drawing/2014/main" id="{D52C46BD-231E-485F-AB3A-B44E4A6F29C6}"/>
-              </a:ext>
-            </a:extLst>
-          </p:cNvPr>
+          <p:cNvPr id="7" name="Slide Number Placeholder 6"/>
           <p:cNvSpPr>
             <a:spLocks noGrp="1"/>
           </p:cNvSpPr>
@@ -2731,7 +2406,7 @@
     </p:spTree>
     <p:extLst>
       <p:ext uri="{BB962C8B-B14F-4D97-AF65-F5344CB8AC3E}">
-        <p14:creationId xmlns:p14="http://schemas.microsoft.com/office/powerpoint/2010/main" val="3090595198"/>
+        <p14:creationId xmlns:p14="http://schemas.microsoft.com/office/powerpoint/2010/main" val="1319105711"/>
       </p:ext>
     </p:extLst>
   </p:cSld>
@@ -2765,13 +2440,7 @@
       </p:grpSpPr>
       <p:sp>
         <p:nvSpPr>
-          <p:cNvPr id="2" name="Espaço Reservado para Título 1">
-            <a:extLst>
-              <a:ext uri="{FF2B5EF4-FFF2-40B4-BE49-F238E27FC236}">
-                <a16:creationId xmlns:a16="http://schemas.microsoft.com/office/drawing/2014/main" id="{17C40C1F-CFC6-44DE-BC89-E50227104487}"/>
-              </a:ext>
-            </a:extLst>
-          </p:cNvPr>
+          <p:cNvPr id="2" name="Title Placeholder 1"/>
           <p:cNvSpPr>
             <a:spLocks noGrp="1"/>
           </p:cNvSpPr>
@@ -2781,8 +2450,8 @@
         </p:nvSpPr>
         <p:spPr>
           <a:xfrm>
-            <a:off x="838200" y="365125"/>
-            <a:ext cx="10515600" cy="1325563"/>
+            <a:off x="660083" y="287536"/>
+            <a:ext cx="8281035" cy="1043881"/>
           </a:xfrm>
           <a:prstGeom prst="rect">
             <a:avLst/>
@@ -2798,18 +2467,13 @@
               <a:rPr lang="pt-BR"/>
               <a:t>Clique para editar o título Mestre</a:t>
             </a:r>
+            <a:endParaRPr lang="en-US" dirty="0"/>
           </a:p>
         </p:txBody>
       </p:sp>
       <p:sp>
         <p:nvSpPr>
-          <p:cNvPr id="3" name="Espaço Reservado para Texto 2">
-            <a:extLst>
-              <a:ext uri="{FF2B5EF4-FFF2-40B4-BE49-F238E27FC236}">
-                <a16:creationId xmlns:a16="http://schemas.microsoft.com/office/drawing/2014/main" id="{145574EE-27D5-4DD8-AF8D-BE175914C07F}"/>
-              </a:ext>
-            </a:extLst>
-          </p:cNvPr>
+          <p:cNvPr id="3" name="Text Placeholder 2"/>
           <p:cNvSpPr>
             <a:spLocks noGrp="1"/>
           </p:cNvSpPr>
@@ -2819,8 +2483,8 @@
         </p:nvSpPr>
         <p:spPr>
           <a:xfrm>
-            <a:off x="838200" y="1825625"/>
-            <a:ext cx="10515600" cy="4351338"/>
+            <a:off x="660083" y="1437680"/>
+            <a:ext cx="8281035" cy="3426679"/>
           </a:xfrm>
           <a:prstGeom prst="rect">
             <a:avLst/>
@@ -2865,18 +2529,13 @@
               <a:rPr lang="pt-BR"/>
               <a:t>Quinto nível</a:t>
             </a:r>
+            <a:endParaRPr lang="en-US" dirty="0"/>
           </a:p>
         </p:txBody>
       </p:sp>
       <p:sp>
         <p:nvSpPr>
-          <p:cNvPr id="4" name="Espaço Reservado para Data 3">
-            <a:extLst>
-              <a:ext uri="{FF2B5EF4-FFF2-40B4-BE49-F238E27FC236}">
-                <a16:creationId xmlns:a16="http://schemas.microsoft.com/office/drawing/2014/main" id="{39AA2CD0-C89D-42AA-8314-F3E56822B694}"/>
-              </a:ext>
-            </a:extLst>
-          </p:cNvPr>
+          <p:cNvPr id="4" name="Date Placeholder 3"/>
           <p:cNvSpPr>
             <a:spLocks noGrp="1"/>
           </p:cNvSpPr>
@@ -2886,8 +2545,8 @@
         </p:nvSpPr>
         <p:spPr>
           <a:xfrm>
-            <a:off x="838200" y="6356350"/>
-            <a:ext cx="2743200" cy="365125"/>
+            <a:off x="660083" y="5005626"/>
+            <a:ext cx="2160270" cy="287536"/>
           </a:xfrm>
           <a:prstGeom prst="rect">
             <a:avLst/>
@@ -2897,7 +2556,7 @@
           <a:bodyPr vert="horz" lIns="91440" tIns="45720" rIns="91440" bIns="45720" rtlCol="0" anchor="ctr"/>
           <a:lstStyle>
             <a:lvl1pPr algn="l">
-              <a:defRPr sz="1200">
+              <a:defRPr sz="945">
                 <a:solidFill>
                   <a:schemeClr val="tx1">
                     <a:tint val="75000"/>
@@ -2909,7 +2568,7 @@
           <a:p>
             <a:fld id="{2FC3D184-0F2B-4D9D-BDB9-3409F15C70D5}" type="datetimeFigureOut">
               <a:rPr lang="pt-BR" smtClean="0"/>
-              <a:t>11/04/2022</a:t>
+              <a:t>13/04/2022</a:t>
             </a:fld>
             <a:endParaRPr lang="pt-BR"/>
           </a:p>
@@ -2917,13 +2576,7 @@
       </p:sp>
       <p:sp>
         <p:nvSpPr>
-          <p:cNvPr id="5" name="Espaço Reservado para Rodapé 4">
-            <a:extLst>
-              <a:ext uri="{FF2B5EF4-FFF2-40B4-BE49-F238E27FC236}">
-                <a16:creationId xmlns:a16="http://schemas.microsoft.com/office/drawing/2014/main" id="{0FFEDCDF-088B-4AB1-B0F5-32A3CF986E09}"/>
-              </a:ext>
-            </a:extLst>
-          </p:cNvPr>
+          <p:cNvPr id="5" name="Footer Placeholder 4"/>
           <p:cNvSpPr>
             <a:spLocks noGrp="1"/>
           </p:cNvSpPr>
@@ -2933,8 +2586,8 @@
         </p:nvSpPr>
         <p:spPr>
           <a:xfrm>
-            <a:off x="4038600" y="6356350"/>
-            <a:ext cx="4114800" cy="365125"/>
+            <a:off x="3180398" y="5005626"/>
+            <a:ext cx="3240405" cy="287536"/>
           </a:xfrm>
           <a:prstGeom prst="rect">
             <a:avLst/>
@@ -2944,7 +2597,7 @@
           <a:bodyPr vert="horz" lIns="91440" tIns="45720" rIns="91440" bIns="45720" rtlCol="0" anchor="ctr"/>
           <a:lstStyle>
             <a:lvl1pPr algn="ctr">
-              <a:defRPr sz="1200">
+              <a:defRPr sz="945">
                 <a:solidFill>
                   <a:schemeClr val="tx1">
                     <a:tint val="75000"/>
@@ -2960,13 +2613,7 @@
       </p:sp>
       <p:sp>
         <p:nvSpPr>
-          <p:cNvPr id="6" name="Espaço Reservado para Número de Slide 5">
-            <a:extLst>
-              <a:ext uri="{FF2B5EF4-FFF2-40B4-BE49-F238E27FC236}">
-                <a16:creationId xmlns:a16="http://schemas.microsoft.com/office/drawing/2014/main" id="{F41F0117-D5D9-41AF-B757-B9A9AA01AD62}"/>
-              </a:ext>
-            </a:extLst>
-          </p:cNvPr>
+          <p:cNvPr id="6" name="Slide Number Placeholder 5"/>
           <p:cNvSpPr>
             <a:spLocks noGrp="1"/>
           </p:cNvSpPr>
@@ -2976,8 +2623,8 @@
         </p:nvSpPr>
         <p:spPr>
           <a:xfrm>
-            <a:off x="8610600" y="6356350"/>
-            <a:ext cx="2743200" cy="365125"/>
+            <a:off x="6780848" y="5005626"/>
+            <a:ext cx="2160270" cy="287536"/>
           </a:xfrm>
           <a:prstGeom prst="rect">
             <a:avLst/>
@@ -2987,7 +2634,7 @@
           <a:bodyPr vert="horz" lIns="91440" tIns="45720" rIns="91440" bIns="45720" rtlCol="0" anchor="ctr"/>
           <a:lstStyle>
             <a:lvl1pPr algn="r">
-              <a:defRPr sz="1200">
+              <a:defRPr sz="945">
                 <a:solidFill>
                   <a:schemeClr val="tx1">
                     <a:tint val="75000"/>
@@ -3008,27 +2655,27 @@
     </p:spTree>
     <p:extLst>
       <p:ext uri="{BB962C8B-B14F-4D97-AF65-F5344CB8AC3E}">
-        <p14:creationId xmlns:p14="http://schemas.microsoft.com/office/powerpoint/2010/main" val="771713822"/>
+        <p14:creationId xmlns:p14="http://schemas.microsoft.com/office/powerpoint/2010/main" val="3185483198"/>
       </p:ext>
     </p:extLst>
   </p:cSld>
   <p:clrMap bg1="lt1" tx1="dk1" bg2="lt2" tx2="dk2" accent1="accent1" accent2="accent2" accent3="accent3" accent4="accent4" accent5="accent5" accent6="accent6" hlink="hlink" folHlink="folHlink"/>
   <p:sldLayoutIdLst>
-    <p:sldLayoutId id="2147483649" r:id="rId1"/>
-    <p:sldLayoutId id="2147483650" r:id="rId2"/>
-    <p:sldLayoutId id="2147483651" r:id="rId3"/>
-    <p:sldLayoutId id="2147483652" r:id="rId4"/>
-    <p:sldLayoutId id="2147483653" r:id="rId5"/>
-    <p:sldLayoutId id="2147483654" r:id="rId6"/>
-    <p:sldLayoutId id="2147483655" r:id="rId7"/>
-    <p:sldLayoutId id="2147483656" r:id="rId8"/>
-    <p:sldLayoutId id="2147483657" r:id="rId9"/>
-    <p:sldLayoutId id="2147483658" r:id="rId10"/>
-    <p:sldLayoutId id="2147483659" r:id="rId11"/>
+    <p:sldLayoutId id="2147483697" r:id="rId1"/>
+    <p:sldLayoutId id="2147483698" r:id="rId2"/>
+    <p:sldLayoutId id="2147483699" r:id="rId3"/>
+    <p:sldLayoutId id="2147483700" r:id="rId4"/>
+    <p:sldLayoutId id="2147483701" r:id="rId5"/>
+    <p:sldLayoutId id="2147483702" r:id="rId6"/>
+    <p:sldLayoutId id="2147483703" r:id="rId7"/>
+    <p:sldLayoutId id="2147483704" r:id="rId8"/>
+    <p:sldLayoutId id="2147483705" r:id="rId9"/>
+    <p:sldLayoutId id="2147483706" r:id="rId10"/>
+    <p:sldLayoutId id="2147483707" r:id="rId11"/>
   </p:sldLayoutIdLst>
   <p:txStyles>
     <p:titleStyle>
-      <a:lvl1pPr algn="l" defTabSz="914400" rtl="0" eaLnBrk="1" latinLnBrk="0" hangingPunct="1">
+      <a:lvl1pPr algn="l" defTabSz="720090" rtl="0" eaLnBrk="1" latinLnBrk="0" hangingPunct="1">
         <a:lnSpc>
           <a:spcPct val="90000"/>
         </a:lnSpc>
@@ -3036,7 +2683,7 @@
           <a:spcPct val="0"/>
         </a:spcBef>
         <a:buNone/>
-        <a:defRPr sz="4400" kern="1200">
+        <a:defRPr sz="3465" kern="1200">
           <a:solidFill>
             <a:schemeClr val="tx1"/>
           </a:solidFill>
@@ -3047,16 +2694,16 @@
       </a:lvl1pPr>
     </p:titleStyle>
     <p:bodyStyle>
-      <a:lvl1pPr marL="228600" indent="-228600" algn="l" defTabSz="914400" rtl="0" eaLnBrk="1" latinLnBrk="0" hangingPunct="1">
+      <a:lvl1pPr marL="180023" indent="-180023" algn="l" defTabSz="720090" rtl="0" eaLnBrk="1" latinLnBrk="0" hangingPunct="1">
         <a:lnSpc>
           <a:spcPct val="90000"/>
         </a:lnSpc>
         <a:spcBef>
-          <a:spcPts val="1000"/>
+          <a:spcPts val="788"/>
         </a:spcBef>
         <a:buFont typeface="Arial" panose="020B0604020202020204" pitchFamily="34" charset="0"/>
         <a:buChar char="•"/>
-        <a:defRPr sz="2800" kern="1200">
+        <a:defRPr sz="2205" kern="1200">
           <a:solidFill>
             <a:schemeClr val="tx1"/>
           </a:solidFill>
@@ -3065,16 +2712,16 @@
           <a:cs typeface="+mn-cs"/>
         </a:defRPr>
       </a:lvl1pPr>
-      <a:lvl2pPr marL="685800" indent="-228600" algn="l" defTabSz="914400" rtl="0" eaLnBrk="1" latinLnBrk="0" hangingPunct="1">
+      <a:lvl2pPr marL="540068" indent="-180023" algn="l" defTabSz="720090" rtl="0" eaLnBrk="1" latinLnBrk="0" hangingPunct="1">
         <a:lnSpc>
           <a:spcPct val="90000"/>
         </a:lnSpc>
         <a:spcBef>
-          <a:spcPts val="500"/>
+          <a:spcPts val="394"/>
         </a:spcBef>
         <a:buFont typeface="Arial" panose="020B0604020202020204" pitchFamily="34" charset="0"/>
         <a:buChar char="•"/>
-        <a:defRPr sz="2400" kern="1200">
+        <a:defRPr sz="1890" kern="1200">
           <a:solidFill>
             <a:schemeClr val="tx1"/>
           </a:solidFill>
@@ -3083,16 +2730,16 @@
           <a:cs typeface="+mn-cs"/>
         </a:defRPr>
       </a:lvl2pPr>
-      <a:lvl3pPr marL="1143000" indent="-228600" algn="l" defTabSz="914400" rtl="0" eaLnBrk="1" latinLnBrk="0" hangingPunct="1">
+      <a:lvl3pPr marL="900113" indent="-180023" algn="l" defTabSz="720090" rtl="0" eaLnBrk="1" latinLnBrk="0" hangingPunct="1">
         <a:lnSpc>
           <a:spcPct val="90000"/>
         </a:lnSpc>
         <a:spcBef>
-          <a:spcPts val="500"/>
+          <a:spcPts val="394"/>
         </a:spcBef>
         <a:buFont typeface="Arial" panose="020B0604020202020204" pitchFamily="34" charset="0"/>
         <a:buChar char="•"/>
-        <a:defRPr sz="2000" kern="1200">
+        <a:defRPr sz="1575" kern="1200">
           <a:solidFill>
             <a:schemeClr val="tx1"/>
           </a:solidFill>
@@ -3101,16 +2748,16 @@
           <a:cs typeface="+mn-cs"/>
         </a:defRPr>
       </a:lvl3pPr>
-      <a:lvl4pPr marL="1600200" indent="-228600" algn="l" defTabSz="914400" rtl="0" eaLnBrk="1" latinLnBrk="0" hangingPunct="1">
+      <a:lvl4pPr marL="1260158" indent="-180023" algn="l" defTabSz="720090" rtl="0" eaLnBrk="1" latinLnBrk="0" hangingPunct="1">
         <a:lnSpc>
           <a:spcPct val="90000"/>
         </a:lnSpc>
         <a:spcBef>
-          <a:spcPts val="500"/>
+          <a:spcPts val="394"/>
         </a:spcBef>
         <a:buFont typeface="Arial" panose="020B0604020202020204" pitchFamily="34" charset="0"/>
         <a:buChar char="•"/>
-        <a:defRPr sz="1800" kern="1200">
+        <a:defRPr sz="1418" kern="1200">
           <a:solidFill>
             <a:schemeClr val="tx1"/>
           </a:solidFill>
@@ -3119,16 +2766,16 @@
           <a:cs typeface="+mn-cs"/>
         </a:defRPr>
       </a:lvl4pPr>
-      <a:lvl5pPr marL="2057400" indent="-228600" algn="l" defTabSz="914400" rtl="0" eaLnBrk="1" latinLnBrk="0" hangingPunct="1">
+      <a:lvl5pPr marL="1620203" indent="-180023" algn="l" defTabSz="720090" rtl="0" eaLnBrk="1" latinLnBrk="0" hangingPunct="1">
         <a:lnSpc>
           <a:spcPct val="90000"/>
         </a:lnSpc>
         <a:spcBef>
-          <a:spcPts val="500"/>
+          <a:spcPts val="394"/>
         </a:spcBef>
         <a:buFont typeface="Arial" panose="020B0604020202020204" pitchFamily="34" charset="0"/>
         <a:buChar char="•"/>
-        <a:defRPr sz="1800" kern="1200">
+        <a:defRPr sz="1418" kern="1200">
           <a:solidFill>
             <a:schemeClr val="tx1"/>
           </a:solidFill>
@@ -3137,16 +2784,16 @@
           <a:cs typeface="+mn-cs"/>
         </a:defRPr>
       </a:lvl5pPr>
-      <a:lvl6pPr marL="2514600" indent="-228600" algn="l" defTabSz="914400" rtl="0" eaLnBrk="1" latinLnBrk="0" hangingPunct="1">
+      <a:lvl6pPr marL="1980248" indent="-180023" algn="l" defTabSz="720090" rtl="0" eaLnBrk="1" latinLnBrk="0" hangingPunct="1">
         <a:lnSpc>
           <a:spcPct val="90000"/>
         </a:lnSpc>
         <a:spcBef>
-          <a:spcPts val="500"/>
+          <a:spcPts val="394"/>
         </a:spcBef>
         <a:buFont typeface="Arial" panose="020B0604020202020204" pitchFamily="34" charset="0"/>
         <a:buChar char="•"/>
-        <a:defRPr sz="1800" kern="1200">
+        <a:defRPr sz="1418" kern="1200">
           <a:solidFill>
             <a:schemeClr val="tx1"/>
           </a:solidFill>
@@ -3155,16 +2802,16 @@
           <a:cs typeface="+mn-cs"/>
         </a:defRPr>
       </a:lvl6pPr>
-      <a:lvl7pPr marL="2971800" indent="-228600" algn="l" defTabSz="914400" rtl="0" eaLnBrk="1" latinLnBrk="0" hangingPunct="1">
+      <a:lvl7pPr marL="2340293" indent="-180023" algn="l" defTabSz="720090" rtl="0" eaLnBrk="1" latinLnBrk="0" hangingPunct="1">
         <a:lnSpc>
           <a:spcPct val="90000"/>
         </a:lnSpc>
         <a:spcBef>
-          <a:spcPts val="500"/>
+          <a:spcPts val="394"/>
         </a:spcBef>
         <a:buFont typeface="Arial" panose="020B0604020202020204" pitchFamily="34" charset="0"/>
         <a:buChar char="•"/>
-        <a:defRPr sz="1800" kern="1200">
+        <a:defRPr sz="1418" kern="1200">
           <a:solidFill>
             <a:schemeClr val="tx1"/>
           </a:solidFill>
@@ -3173,16 +2820,16 @@
           <a:cs typeface="+mn-cs"/>
         </a:defRPr>
       </a:lvl7pPr>
-      <a:lvl8pPr marL="3429000" indent="-228600" algn="l" defTabSz="914400" rtl="0" eaLnBrk="1" latinLnBrk="0" hangingPunct="1">
+      <a:lvl8pPr marL="2700338" indent="-180023" algn="l" defTabSz="720090" rtl="0" eaLnBrk="1" latinLnBrk="0" hangingPunct="1">
         <a:lnSpc>
           <a:spcPct val="90000"/>
         </a:lnSpc>
         <a:spcBef>
-          <a:spcPts val="500"/>
+          <a:spcPts val="394"/>
         </a:spcBef>
         <a:buFont typeface="Arial" panose="020B0604020202020204" pitchFamily="34" charset="0"/>
         <a:buChar char="•"/>
-        <a:defRPr sz="1800" kern="1200">
+        <a:defRPr sz="1418" kern="1200">
           <a:solidFill>
             <a:schemeClr val="tx1"/>
           </a:solidFill>
@@ -3191,16 +2838,16 @@
           <a:cs typeface="+mn-cs"/>
         </a:defRPr>
       </a:lvl8pPr>
-      <a:lvl9pPr marL="3886200" indent="-228600" algn="l" defTabSz="914400" rtl="0" eaLnBrk="1" latinLnBrk="0" hangingPunct="1">
+      <a:lvl9pPr marL="3060383" indent="-180023" algn="l" defTabSz="720090" rtl="0" eaLnBrk="1" latinLnBrk="0" hangingPunct="1">
         <a:lnSpc>
           <a:spcPct val="90000"/>
         </a:lnSpc>
         <a:spcBef>
-          <a:spcPts val="500"/>
+          <a:spcPts val="394"/>
         </a:spcBef>
         <a:buFont typeface="Arial" panose="020B0604020202020204" pitchFamily="34" charset="0"/>
         <a:buChar char="•"/>
-        <a:defRPr sz="1800" kern="1200">
+        <a:defRPr sz="1418" kern="1200">
           <a:solidFill>
             <a:schemeClr val="tx1"/>
           </a:solidFill>
@@ -3212,10 +2859,10 @@
     </p:bodyStyle>
     <p:otherStyle>
       <a:defPPr>
-        <a:defRPr lang="pt-BR"/>
+        <a:defRPr lang="en-US"/>
       </a:defPPr>
-      <a:lvl1pPr marL="0" algn="l" defTabSz="914400" rtl="0" eaLnBrk="1" latinLnBrk="0" hangingPunct="1">
-        <a:defRPr sz="1800" kern="1200">
+      <a:lvl1pPr marL="0" algn="l" defTabSz="720090" rtl="0" eaLnBrk="1" latinLnBrk="0" hangingPunct="1">
+        <a:defRPr sz="1418" kern="1200">
           <a:solidFill>
             <a:schemeClr val="tx1"/>
           </a:solidFill>
@@ -3224,8 +2871,8 @@
           <a:cs typeface="+mn-cs"/>
         </a:defRPr>
       </a:lvl1pPr>
-      <a:lvl2pPr marL="457200" algn="l" defTabSz="914400" rtl="0" eaLnBrk="1" latinLnBrk="0" hangingPunct="1">
-        <a:defRPr sz="1800" kern="1200">
+      <a:lvl2pPr marL="360045" algn="l" defTabSz="720090" rtl="0" eaLnBrk="1" latinLnBrk="0" hangingPunct="1">
+        <a:defRPr sz="1418" kern="1200">
           <a:solidFill>
             <a:schemeClr val="tx1"/>
           </a:solidFill>
@@ -3234,8 +2881,8 @@
           <a:cs typeface="+mn-cs"/>
         </a:defRPr>
       </a:lvl2pPr>
-      <a:lvl3pPr marL="914400" algn="l" defTabSz="914400" rtl="0" eaLnBrk="1" latinLnBrk="0" hangingPunct="1">
-        <a:defRPr sz="1800" kern="1200">
+      <a:lvl3pPr marL="720090" algn="l" defTabSz="720090" rtl="0" eaLnBrk="1" latinLnBrk="0" hangingPunct="1">
+        <a:defRPr sz="1418" kern="1200">
           <a:solidFill>
             <a:schemeClr val="tx1"/>
           </a:solidFill>
@@ -3244,8 +2891,8 @@
           <a:cs typeface="+mn-cs"/>
         </a:defRPr>
       </a:lvl3pPr>
-      <a:lvl4pPr marL="1371600" algn="l" defTabSz="914400" rtl="0" eaLnBrk="1" latinLnBrk="0" hangingPunct="1">
-        <a:defRPr sz="1800" kern="1200">
+      <a:lvl4pPr marL="1080135" algn="l" defTabSz="720090" rtl="0" eaLnBrk="1" latinLnBrk="0" hangingPunct="1">
+        <a:defRPr sz="1418" kern="1200">
           <a:solidFill>
             <a:schemeClr val="tx1"/>
           </a:solidFill>
@@ -3254,8 +2901,8 @@
           <a:cs typeface="+mn-cs"/>
         </a:defRPr>
       </a:lvl4pPr>
-      <a:lvl5pPr marL="1828800" algn="l" defTabSz="914400" rtl="0" eaLnBrk="1" latinLnBrk="0" hangingPunct="1">
-        <a:defRPr sz="1800" kern="1200">
+      <a:lvl5pPr marL="1440180" algn="l" defTabSz="720090" rtl="0" eaLnBrk="1" latinLnBrk="0" hangingPunct="1">
+        <a:defRPr sz="1418" kern="1200">
           <a:solidFill>
             <a:schemeClr val="tx1"/>
           </a:solidFill>
@@ -3264,8 +2911,8 @@
           <a:cs typeface="+mn-cs"/>
         </a:defRPr>
       </a:lvl5pPr>
-      <a:lvl6pPr marL="2286000" algn="l" defTabSz="914400" rtl="0" eaLnBrk="1" latinLnBrk="0" hangingPunct="1">
-        <a:defRPr sz="1800" kern="1200">
+      <a:lvl6pPr marL="1800225" algn="l" defTabSz="720090" rtl="0" eaLnBrk="1" latinLnBrk="0" hangingPunct="1">
+        <a:defRPr sz="1418" kern="1200">
           <a:solidFill>
             <a:schemeClr val="tx1"/>
           </a:solidFill>
@@ -3274,8 +2921,8 @@
           <a:cs typeface="+mn-cs"/>
         </a:defRPr>
       </a:lvl6pPr>
-      <a:lvl7pPr marL="2743200" algn="l" defTabSz="914400" rtl="0" eaLnBrk="1" latinLnBrk="0" hangingPunct="1">
-        <a:defRPr sz="1800" kern="1200">
+      <a:lvl7pPr marL="2160270" algn="l" defTabSz="720090" rtl="0" eaLnBrk="1" latinLnBrk="0" hangingPunct="1">
+        <a:defRPr sz="1418" kern="1200">
           <a:solidFill>
             <a:schemeClr val="tx1"/>
           </a:solidFill>
@@ -3284,8 +2931,8 @@
           <a:cs typeface="+mn-cs"/>
         </a:defRPr>
       </a:lvl7pPr>
-      <a:lvl8pPr marL="3200400" algn="l" defTabSz="914400" rtl="0" eaLnBrk="1" latinLnBrk="0" hangingPunct="1">
-        <a:defRPr sz="1800" kern="1200">
+      <a:lvl8pPr marL="2520315" algn="l" defTabSz="720090" rtl="0" eaLnBrk="1" latinLnBrk="0" hangingPunct="1">
+        <a:defRPr sz="1418" kern="1200">
           <a:solidFill>
             <a:schemeClr val="tx1"/>
           </a:solidFill>
@@ -3294,8 +2941,8 @@
           <a:cs typeface="+mn-cs"/>
         </a:defRPr>
       </a:lvl8pPr>
-      <a:lvl9pPr marL="3657600" algn="l" defTabSz="914400" rtl="0" eaLnBrk="1" latinLnBrk="0" hangingPunct="1">
-        <a:defRPr sz="1800" kern="1200">
+      <a:lvl9pPr marL="2880360" algn="l" defTabSz="720090" rtl="0" eaLnBrk="1" latinLnBrk="0" hangingPunct="1">
+        <a:defRPr sz="1418" kern="1200">
           <a:solidFill>
             <a:schemeClr val="tx1"/>
           </a:solidFill>
@@ -3328,7 +2975,7 @@
       </p:grpSpPr>
       <p:sp>
         <p:nvSpPr>
-          <p:cNvPr id="327" name="Retângulo 326">
+          <p:cNvPr id="327" name="background">
             <a:extLst>
               <a:ext uri="{FF2B5EF4-FFF2-40B4-BE49-F238E27FC236}">
                 <a16:creationId xmlns:a16="http://schemas.microsoft.com/office/drawing/2014/main" id="{88E37B2A-29AA-4E6E-B51A-F80D98D78F30}"/>
@@ -3342,14 +2989,14 @@
         </p:nvSpPr>
         <p:spPr>
           <a:xfrm>
-            <a:off x="-6032" y="0"/>
-            <a:ext cx="12198032" cy="6858000"/>
+            <a:off x="1" y="-1"/>
+            <a:ext cx="9601200" cy="5400675"/>
           </a:xfrm>
           <a:prstGeom prst="rect">
             <a:avLst/>
           </a:prstGeom>
           <a:solidFill>
-            <a:srgbClr val="F1E5FF"/>
+            <a:srgbClr val="F6EFFF"/>
           </a:solidFill>
         </p:spPr>
         <p:style>
@@ -3373,28 +3020,371 @@
           <a:lstStyle/>
           <a:p>
             <a:pPr algn="ctr"/>
-            <a:endParaRPr lang="pt-BR"/>
+            <a:endParaRPr lang="pt-BR" sz="1067" dirty="0"/>
           </a:p>
         </p:txBody>
       </p:sp>
       <p:grpSp>
         <p:nvGrpSpPr>
-          <p:cNvPr id="326" name="info-texts">
+          <p:cNvPr id="659" name="legenda">
             <a:extLst>
               <a:ext uri="{FF2B5EF4-FFF2-40B4-BE49-F238E27FC236}">
-                <a16:creationId xmlns:a16="http://schemas.microsoft.com/office/drawing/2014/main" id="{7C85B5A6-A181-47F3-AC2C-3107CDE4FAB1}"/>
+                <a16:creationId xmlns:a16="http://schemas.microsoft.com/office/drawing/2014/main" id="{1161E2D4-EABB-472B-8E9E-07B54790FC32}"/>
               </a:ext>
             </a:extLst>
           </p:cNvPr>
-          <p:cNvGrpSpPr/>
+          <p:cNvGrpSpPr>
+            <a:grpSpLocks noGrp="1" noUngrp="1" noRot="1" noMove="1" noResize="1"/>
+          </p:cNvGrpSpPr>
           <p:nvPr/>
         </p:nvGrpSpPr>
         <p:grpSpPr>
           <a:xfrm>
-            <a:off x="3589306" y="642799"/>
-            <a:ext cx="8077931" cy="6111505"/>
-            <a:chOff x="3589306" y="642799"/>
-            <a:chExt cx="8077931" cy="6111505"/>
+            <a:off x="0" y="-253711"/>
+            <a:ext cx="9601201" cy="5922808"/>
+            <a:chOff x="0" y="-253711"/>
+            <a:chExt cx="9601201" cy="5922808"/>
+          </a:xfrm>
+        </p:grpSpPr>
+        <p:sp>
+          <p:nvSpPr>
+            <p:cNvPr id="655" name="omni">
+              <a:extLst>
+                <a:ext uri="{FF2B5EF4-FFF2-40B4-BE49-F238E27FC236}">
+                  <a16:creationId xmlns:a16="http://schemas.microsoft.com/office/drawing/2014/main" id="{F889C0E0-D26A-438D-9CC5-7D648620BFA9}"/>
+                </a:ext>
+              </a:extLst>
+            </p:cNvPr>
+            <p:cNvSpPr>
+              <a:spLocks noGrp="1" noRot="1" noMove="1" noResize="1" noEditPoints="1" noAdjustHandles="1" noChangeArrowheads="1" noChangeShapeType="1"/>
+            </p:cNvSpPr>
+            <p:nvPr/>
+          </p:nvSpPr>
+          <p:spPr>
+            <a:xfrm>
+              <a:off x="0" y="5148723"/>
+              <a:ext cx="1208397" cy="520374"/>
+            </a:xfrm>
+            <a:prstGeom prst="roundRect">
+              <a:avLst/>
+            </a:prstGeom>
+            <a:solidFill>
+              <a:srgbClr val="8008FF">
+                <a:alpha val="45098"/>
+              </a:srgbClr>
+            </a:solidFill>
+            <a:ln>
+              <a:noFill/>
+            </a:ln>
+          </p:spPr>
+          <p:style>
+            <a:lnRef idx="2">
+              <a:schemeClr val="accent1">
+                <a:shade val="50000"/>
+              </a:schemeClr>
+            </a:lnRef>
+            <a:fillRef idx="1">
+              <a:schemeClr val="accent1"/>
+            </a:fillRef>
+            <a:effectRef idx="0">
+              <a:schemeClr val="accent1"/>
+            </a:effectRef>
+            <a:fontRef idx="minor">
+              <a:schemeClr val="lt1"/>
+            </a:fontRef>
+          </p:style>
+          <p:txBody>
+            <a:bodyPr rtlCol="0" anchor="ctr"/>
+            <a:lstStyle/>
+            <a:p>
+              <a:pPr algn="ctr"/>
+              <a:r>
+                <a:rPr lang="pt-BR" dirty="0">
+                  <a:latin typeface="Quicksand" panose="00000500000000000000" pitchFamily="2" charset="0"/>
+                </a:rPr>
+                <a:t>OMNI</a:t>
+              </a:r>
+            </a:p>
+            <a:p>
+              <a:pPr algn="ctr"/>
+              <a:endParaRPr lang="pt-BR" dirty="0">
+                <a:latin typeface="Quicksand" panose="00000500000000000000" pitchFamily="2" charset="0"/>
+              </a:endParaRPr>
+            </a:p>
+          </p:txBody>
+        </p:sp>
+        <p:sp>
+          <p:nvSpPr>
+            <p:cNvPr id="657" name="cliente">
+              <a:extLst>
+                <a:ext uri="{FF2B5EF4-FFF2-40B4-BE49-F238E27FC236}">
+                  <a16:creationId xmlns:a16="http://schemas.microsoft.com/office/drawing/2014/main" id="{468B58FE-C63E-42CF-9940-889624C8B670}"/>
+                </a:ext>
+              </a:extLst>
+            </p:cNvPr>
+            <p:cNvSpPr>
+              <a:spLocks noGrp="1" noRot="1" noMove="1" noResize="1" noEditPoints="1" noAdjustHandles="1" noChangeArrowheads="1" noChangeShapeType="1"/>
+            </p:cNvSpPr>
+            <p:nvPr/>
+          </p:nvSpPr>
+          <p:spPr>
+            <a:xfrm>
+              <a:off x="8080745" y="5148723"/>
+              <a:ext cx="1520456" cy="520374"/>
+            </a:xfrm>
+            <a:prstGeom prst="roundRect">
+              <a:avLst/>
+            </a:prstGeom>
+            <a:solidFill>
+              <a:srgbClr val="F56413">
+                <a:alpha val="45098"/>
+              </a:srgbClr>
+            </a:solidFill>
+            <a:ln>
+              <a:noFill/>
+            </a:ln>
+          </p:spPr>
+          <p:style>
+            <a:lnRef idx="2">
+              <a:schemeClr val="accent1">
+                <a:shade val="50000"/>
+              </a:schemeClr>
+            </a:lnRef>
+            <a:fillRef idx="1">
+              <a:schemeClr val="accent1"/>
+            </a:fillRef>
+            <a:effectRef idx="0">
+              <a:schemeClr val="accent1"/>
+            </a:effectRef>
+            <a:fontRef idx="minor">
+              <a:schemeClr val="lt1"/>
+            </a:fontRef>
+          </p:style>
+          <p:txBody>
+            <a:bodyPr rtlCol="0" anchor="ctr"/>
+            <a:lstStyle/>
+            <a:p>
+              <a:pPr algn="ctr"/>
+              <a:r>
+                <a:rPr lang="pt-BR" dirty="0">
+                  <a:latin typeface="Quicksand" panose="00000500000000000000" pitchFamily="2" charset="0"/>
+                </a:rPr>
+                <a:t>CLIENTE</a:t>
+              </a:r>
+            </a:p>
+            <a:p>
+              <a:pPr algn="ctr"/>
+              <a:endParaRPr lang="pt-BR" dirty="0">
+                <a:latin typeface="Quicksand" panose="00000500000000000000" pitchFamily="2" charset="0"/>
+              </a:endParaRPr>
+            </a:p>
+          </p:txBody>
+        </p:sp>
+        <p:sp>
+          <p:nvSpPr>
+            <p:cNvPr id="658" name="nuvem">
+              <a:extLst>
+                <a:ext uri="{FF2B5EF4-FFF2-40B4-BE49-F238E27FC236}">
+                  <a16:creationId xmlns:a16="http://schemas.microsoft.com/office/drawing/2014/main" id="{882F54C8-6758-4C3C-AF65-6CE9D77F260D}"/>
+                </a:ext>
+              </a:extLst>
+            </p:cNvPr>
+            <p:cNvSpPr>
+              <a:spLocks noGrp="1" noRot="1" noMove="1" noResize="1" noEditPoints="1" noAdjustHandles="1" noChangeArrowheads="1" noChangeShapeType="1"/>
+            </p:cNvSpPr>
+            <p:nvPr/>
+          </p:nvSpPr>
+          <p:spPr>
+            <a:xfrm>
+              <a:off x="4016257" y="-253711"/>
+              <a:ext cx="1520456" cy="520374"/>
+            </a:xfrm>
+            <a:prstGeom prst="roundRect">
+              <a:avLst/>
+            </a:prstGeom>
+            <a:solidFill>
+              <a:srgbClr val="13C1F7">
+                <a:alpha val="45098"/>
+              </a:srgbClr>
+            </a:solidFill>
+            <a:ln>
+              <a:noFill/>
+            </a:ln>
+          </p:spPr>
+          <p:style>
+            <a:lnRef idx="2">
+              <a:schemeClr val="accent1">
+                <a:shade val="50000"/>
+              </a:schemeClr>
+            </a:lnRef>
+            <a:fillRef idx="1">
+              <a:schemeClr val="accent1"/>
+            </a:fillRef>
+            <a:effectRef idx="0">
+              <a:schemeClr val="accent1"/>
+            </a:effectRef>
+            <a:fontRef idx="minor">
+              <a:schemeClr val="lt1"/>
+            </a:fontRef>
+          </p:style>
+          <p:txBody>
+            <a:bodyPr rtlCol="0" anchor="ctr"/>
+            <a:lstStyle/>
+            <a:p>
+              <a:pPr algn="ctr"/>
+              <a:endParaRPr lang="pt-BR" dirty="0">
+                <a:latin typeface="Quicksand" panose="00000500000000000000" pitchFamily="2" charset="0"/>
+              </a:endParaRPr>
+            </a:p>
+            <a:p>
+              <a:pPr algn="ctr"/>
+              <a:r>
+                <a:rPr lang="pt-BR" dirty="0">
+                  <a:latin typeface="Quicksand" panose="00000500000000000000" pitchFamily="2" charset="0"/>
+                </a:rPr>
+                <a:t>NUVEM</a:t>
+              </a:r>
+            </a:p>
+          </p:txBody>
+        </p:sp>
+      </p:grpSp>
+      <p:sp>
+        <p:nvSpPr>
+          <p:cNvPr id="324" name="title">
+            <a:extLst>
+              <a:ext uri="{FF2B5EF4-FFF2-40B4-BE49-F238E27FC236}">
+                <a16:creationId xmlns:a16="http://schemas.microsoft.com/office/drawing/2014/main" id="{90371BF0-A54F-4503-97CA-4E25D48C2F25}"/>
+              </a:ext>
+            </a:extLst>
+          </p:cNvPr>
+          <p:cNvSpPr txBox="1">
+            <a:spLocks noGrp="1" noRot="1" noMove="1" noResize="1" noEditPoints="1" noAdjustHandles="1" noChangeArrowheads="1" noChangeShapeType="1"/>
+          </p:cNvSpPr>
+          <p:nvPr/>
+        </p:nvSpPr>
+        <p:spPr>
+          <a:xfrm>
+            <a:off x="-72396" y="-144744"/>
+            <a:ext cx="2239082" cy="909327"/>
+          </a:xfrm>
+          <a:prstGeom prst="roundRect">
+            <a:avLst/>
+          </a:prstGeom>
+          <a:solidFill>
+            <a:srgbClr val="7030A0"/>
+          </a:solidFill>
+        </p:spPr>
+        <p:txBody>
+          <a:bodyPr wrap="square" rtlCol="0">
+            <a:spAutoFit/>
+          </a:bodyPr>
+          <a:lstStyle/>
+          <a:p>
+            <a:pPr algn="ctr"/>
+            <a:endParaRPr lang="pt-BR" sz="1185" b="1" dirty="0">
+              <a:solidFill>
+                <a:schemeClr val="bg1"/>
+              </a:solidFill>
+              <a:latin typeface="Quicksand" panose="00000500000000000000" pitchFamily="2" charset="0"/>
+            </a:endParaRPr>
+          </a:p>
+          <a:p>
+            <a:pPr algn="ctr"/>
+            <a:r>
+              <a:rPr lang="pt-BR" sz="1185" b="1" u="sng" dirty="0">
+                <a:solidFill>
+                  <a:schemeClr val="bg1"/>
+                </a:solidFill>
+                <a:latin typeface="Quicksand" panose="00000500000000000000" pitchFamily="2" charset="0"/>
+              </a:rPr>
+              <a:t>DIAGRAMA DE SOLUÇÃO</a:t>
+            </a:r>
+          </a:p>
+          <a:p>
+            <a:pPr algn="ctr"/>
+            <a:r>
+              <a:rPr lang="pt-BR" sz="2371" b="1" i="1" dirty="0">
+                <a:solidFill>
+                  <a:schemeClr val="bg1"/>
+                </a:solidFill>
+                <a:latin typeface="Quicksand" panose="00000500000000000000" pitchFamily="2" charset="0"/>
+              </a:rPr>
+              <a:t>OMNI TÊXTIL</a:t>
+            </a:r>
+            <a:endParaRPr lang="pt-BR" sz="1185" b="1" i="1" dirty="0">
+              <a:solidFill>
+                <a:schemeClr val="bg1"/>
+              </a:solidFill>
+              <a:latin typeface="Quicksand" panose="00000500000000000000" pitchFamily="2" charset="0"/>
+            </a:endParaRPr>
+          </a:p>
+        </p:txBody>
+      </p:sp>
+      <p:sp>
+        <p:nvSpPr>
+          <p:cNvPr id="328" name="grupo">
+            <a:extLst>
+              <a:ext uri="{FF2B5EF4-FFF2-40B4-BE49-F238E27FC236}">
+                <a16:creationId xmlns:a16="http://schemas.microsoft.com/office/drawing/2014/main" id="{56C1A09A-89C0-4625-8CB3-A278F0464DC1}"/>
+              </a:ext>
+            </a:extLst>
+          </p:cNvPr>
+          <p:cNvSpPr txBox="1">
+            <a:spLocks noGrp="1" noRot="1" noMove="1" noResize="1" noEditPoints="1" noAdjustHandles="1" noChangeArrowheads="1" noChangeShapeType="1"/>
+          </p:cNvSpPr>
+          <p:nvPr/>
+        </p:nvSpPr>
+        <p:spPr>
+          <a:xfrm>
+            <a:off x="8561595" y="-8959"/>
+            <a:ext cx="1072919" cy="303913"/>
+          </a:xfrm>
+          <a:prstGeom prst="roundRect">
+            <a:avLst/>
+          </a:prstGeom>
+          <a:solidFill>
+            <a:srgbClr val="7030A0"/>
+          </a:solidFill>
+        </p:spPr>
+        <p:txBody>
+          <a:bodyPr wrap="square" rtlCol="0">
+            <a:spAutoFit/>
+          </a:bodyPr>
+          <a:lstStyle/>
+          <a:p>
+            <a:pPr algn="ctr"/>
+            <a:r>
+              <a:rPr lang="pt-BR" sz="1185" b="1" dirty="0">
+                <a:solidFill>
+                  <a:schemeClr val="bg1"/>
+                </a:solidFill>
+                <a:latin typeface="Quicksand" panose="00000500000000000000" pitchFamily="2" charset="0"/>
+              </a:rPr>
+              <a:t>GRUPO 7</a:t>
+            </a:r>
+          </a:p>
+        </p:txBody>
+      </p:sp>
+      <p:grpSp>
+        <p:nvGrpSpPr>
+          <p:cNvPr id="633" name="descs">
+            <a:extLst>
+              <a:ext uri="{FF2B5EF4-FFF2-40B4-BE49-F238E27FC236}">
+                <a16:creationId xmlns:a16="http://schemas.microsoft.com/office/drawing/2014/main" id="{DBD34733-D6A8-4A10-BB92-C9B3C56553DC}"/>
+              </a:ext>
+            </a:extLst>
+          </p:cNvPr>
+          <p:cNvGrpSpPr>
+            <a:grpSpLocks noGrp="1" noUngrp="1" noRot="1" noMove="1" noResize="1"/>
+          </p:cNvGrpSpPr>
+          <p:nvPr/>
+        </p:nvGrpSpPr>
+        <p:grpSpPr>
+          <a:xfrm>
+            <a:off x="231600" y="234694"/>
+            <a:ext cx="9360373" cy="5025443"/>
+            <a:chOff x="231600" y="234694"/>
+            <a:chExt cx="9360373" cy="5025443"/>
           </a:xfrm>
         </p:grpSpPr>
         <p:sp>
@@ -3406,13 +3396,581 @@
                 </a:ext>
               </a:extLst>
             </p:cNvPr>
-            <p:cNvSpPr txBox="1"/>
+            <p:cNvSpPr txBox="1">
+              <a:spLocks noGrp="1" noRot="1" noMove="1" noResize="1" noEditPoints="1" noAdjustHandles="1" noChangeArrowheads="1" noChangeShapeType="1"/>
+            </p:cNvSpPr>
             <p:nvPr/>
           </p:nvSpPr>
           <p:spPr>
             <a:xfrm>
-              <a:off x="9214045" y="846121"/>
-              <a:ext cx="2453192" cy="830997"/>
+              <a:off x="6981292" y="234694"/>
+              <a:ext cx="1574599" cy="529889"/>
+            </a:xfrm>
+            <a:prstGeom prst="rect">
+              <a:avLst/>
+            </a:prstGeom>
+            <a:noFill/>
+            <a:ln w="19050">
+              <a:solidFill>
+                <a:srgbClr val="F56413"/>
+              </a:solidFill>
+            </a:ln>
+          </p:spPr>
+          <p:txBody>
+            <a:bodyPr wrap="square" rtlCol="0">
+              <a:spAutoFit/>
+            </a:bodyPr>
+            <a:lstStyle/>
+            <a:p>
+              <a:pPr marL="101630" indent="-101630">
+                <a:buFont typeface="Arial" panose="020B0604020202020204" pitchFamily="34" charset="0"/>
+                <a:buChar char="•"/>
+              </a:pPr>
+              <a:r>
+                <a:rPr lang="pt-BR" sz="711" b="1" dirty="0">
+                  <a:solidFill>
+                    <a:srgbClr val="F56413"/>
+                  </a:solidFill>
+                  <a:latin typeface="Quicksand" panose="00000500000000000000" pitchFamily="2" charset="0"/>
+                </a:rPr>
+                <a:t>INTEL CORE I5–2400 @2.1GHz</a:t>
+              </a:r>
+            </a:p>
+            <a:p>
+              <a:pPr marL="101630" indent="-101630">
+                <a:buFont typeface="Arial" panose="020B0604020202020204" pitchFamily="34" charset="0"/>
+                <a:buChar char="•"/>
+              </a:pPr>
+              <a:r>
+                <a:rPr lang="pt-BR" sz="711" b="1" dirty="0">
+                  <a:solidFill>
+                    <a:srgbClr val="F56413"/>
+                  </a:solidFill>
+                  <a:latin typeface="Quicksand" panose="00000500000000000000" pitchFamily="2" charset="0"/>
+                </a:rPr>
+                <a:t>8GB RAM</a:t>
+              </a:r>
+            </a:p>
+            <a:p>
+              <a:pPr marL="101630" indent="-101630">
+                <a:buFont typeface="Arial" panose="020B0604020202020204" pitchFamily="34" charset="0"/>
+                <a:buChar char="•"/>
+              </a:pPr>
+              <a:r>
+                <a:rPr lang="pt-BR" sz="711" b="1" dirty="0">
+                  <a:solidFill>
+                    <a:srgbClr val="F56413"/>
+                  </a:solidFill>
+                  <a:latin typeface="Quicksand" panose="00000500000000000000" pitchFamily="2" charset="0"/>
+                </a:rPr>
+                <a:t>SSD/HD 120GB</a:t>
+              </a:r>
+            </a:p>
+            <a:p>
+              <a:pPr marL="101630" indent="-101630">
+                <a:buFont typeface="Arial" panose="020B0604020202020204" pitchFamily="34" charset="0"/>
+                <a:buChar char="•"/>
+              </a:pPr>
+              <a:r>
+                <a:rPr lang="pt-BR" sz="711" b="1" dirty="0">
+                  <a:solidFill>
+                    <a:srgbClr val="F56413"/>
+                  </a:solidFill>
+                  <a:latin typeface="Quicksand" panose="00000500000000000000" pitchFamily="2" charset="0"/>
+                </a:rPr>
+                <a:t>WINDOWS 10</a:t>
+              </a:r>
+            </a:p>
+          </p:txBody>
+        </p:sp>
+        <p:sp>
+          <p:nvSpPr>
+            <p:cNvPr id="315" name="info-text2">
+              <a:extLst>
+                <a:ext uri="{FF2B5EF4-FFF2-40B4-BE49-F238E27FC236}">
+                  <a16:creationId xmlns:a16="http://schemas.microsoft.com/office/drawing/2014/main" id="{B8F41526-869A-4CD4-B94C-8F850FE212AF}"/>
+                </a:ext>
+              </a:extLst>
+            </p:cNvPr>
+            <p:cNvSpPr txBox="1">
+              <a:spLocks noGrp="1" noRot="1" noMove="1" noResize="1" noEditPoints="1" noAdjustHandles="1" noChangeArrowheads="1" noChangeShapeType="1"/>
+            </p:cNvSpPr>
+            <p:nvPr/>
+          </p:nvSpPr>
+          <p:spPr>
+            <a:xfrm>
+              <a:off x="5505203" y="375068"/>
+              <a:ext cx="1190884" cy="311111"/>
+            </a:xfrm>
+            <a:prstGeom prst="rect">
+              <a:avLst/>
+            </a:prstGeom>
+            <a:noFill/>
+            <a:ln w="19050">
+              <a:solidFill>
+                <a:srgbClr val="13C1F7"/>
+              </a:solidFill>
+            </a:ln>
+          </p:spPr>
+          <p:txBody>
+            <a:bodyPr wrap="square" rtlCol="0">
+              <a:spAutoFit/>
+            </a:bodyPr>
+            <a:lstStyle/>
+            <a:p>
+              <a:pPr algn="ctr"/>
+              <a:r>
+                <a:rPr lang="pt-BR" sz="711" b="1" dirty="0">
+                  <a:solidFill>
+                    <a:srgbClr val="13C1F7"/>
+                  </a:solidFill>
+                  <a:latin typeface="Quicksand" panose="00000500000000000000" pitchFamily="2" charset="0"/>
+                </a:rPr>
+                <a:t>Banco de Dados</a:t>
+              </a:r>
+            </a:p>
+            <a:p>
+              <a:pPr algn="ctr"/>
+              <a:r>
+                <a:rPr lang="pt-BR" sz="711" b="1" dirty="0">
+                  <a:solidFill>
+                    <a:srgbClr val="13C1F7"/>
+                  </a:solidFill>
+                  <a:latin typeface="Quicksand" panose="00000500000000000000" pitchFamily="2" charset="0"/>
+                </a:rPr>
+                <a:t>Microsoft MYSQL Server</a:t>
+              </a:r>
+            </a:p>
+          </p:txBody>
+        </p:sp>
+        <p:sp>
+          <p:nvSpPr>
+            <p:cNvPr id="318" name="info-text3">
+              <a:extLst>
+                <a:ext uri="{FF2B5EF4-FFF2-40B4-BE49-F238E27FC236}">
+                  <a16:creationId xmlns:a16="http://schemas.microsoft.com/office/drawing/2014/main" id="{E68EE20D-7296-4145-A5CE-51F6D7337A07}"/>
+                </a:ext>
+              </a:extLst>
+            </p:cNvPr>
+            <p:cNvSpPr txBox="1">
+              <a:spLocks noGrp="1" noRot="1" noMove="1" noResize="1" noEditPoints="1" noAdjustHandles="1" noChangeArrowheads="1" noChangeShapeType="1"/>
+            </p:cNvSpPr>
+            <p:nvPr/>
+          </p:nvSpPr>
+          <p:spPr>
+            <a:xfrm>
+              <a:off x="2325141" y="329866"/>
+              <a:ext cx="772570" cy="748666"/>
+            </a:xfrm>
+            <a:prstGeom prst="rect">
+              <a:avLst/>
+            </a:prstGeom>
+            <a:noFill/>
+            <a:ln w="19050">
+              <a:solidFill>
+                <a:srgbClr val="13C1F7"/>
+              </a:solidFill>
+            </a:ln>
+          </p:spPr>
+          <p:txBody>
+            <a:bodyPr wrap="square" rtlCol="0">
+              <a:spAutoFit/>
+            </a:bodyPr>
+            <a:lstStyle/>
+            <a:p>
+              <a:pPr algn="ctr"/>
+              <a:r>
+                <a:rPr lang="pt-BR" sz="711" b="1" dirty="0">
+                  <a:solidFill>
+                    <a:srgbClr val="13C1F7"/>
+                  </a:solidFill>
+                  <a:latin typeface="Quicksand" panose="00000500000000000000" pitchFamily="2" charset="0"/>
+                </a:rPr>
+                <a:t>Tecnologias</a:t>
+              </a:r>
+            </a:p>
+            <a:p>
+              <a:pPr algn="ctr"/>
+              <a:r>
+                <a:rPr lang="pt-BR" sz="711" b="1" dirty="0">
+                  <a:solidFill>
+                    <a:srgbClr val="13C1F7"/>
+                  </a:solidFill>
+                  <a:latin typeface="Quicksand" panose="00000500000000000000" pitchFamily="2" charset="0"/>
+                </a:rPr>
+                <a:t>do</a:t>
+              </a:r>
+            </a:p>
+            <a:p>
+              <a:pPr algn="ctr"/>
+              <a:r>
+                <a:rPr lang="pt-BR" sz="711" b="1" dirty="0">
+                  <a:solidFill>
+                    <a:srgbClr val="13C1F7"/>
+                  </a:solidFill>
+                  <a:latin typeface="Quicksand" panose="00000500000000000000" pitchFamily="2" charset="0"/>
+                </a:rPr>
+                <a:t>Site</a:t>
+              </a:r>
+            </a:p>
+            <a:p>
+              <a:pPr marL="101630" indent="-101630">
+                <a:buFont typeface="Arial" panose="020B0604020202020204" pitchFamily="34" charset="0"/>
+                <a:buChar char="•"/>
+              </a:pPr>
+              <a:r>
+                <a:rPr lang="pt-BR" sz="711" b="1" dirty="0">
+                  <a:solidFill>
+                    <a:srgbClr val="13C1F7"/>
+                  </a:solidFill>
+                  <a:latin typeface="Quicksand" panose="00000500000000000000" pitchFamily="2" charset="0"/>
+                </a:rPr>
+                <a:t>Javascript</a:t>
+              </a:r>
+            </a:p>
+            <a:p>
+              <a:pPr marL="101630" indent="-101630">
+                <a:buFont typeface="Arial" panose="020B0604020202020204" pitchFamily="34" charset="0"/>
+                <a:buChar char="•"/>
+              </a:pPr>
+              <a:r>
+                <a:rPr lang="pt-BR" sz="711" b="1" dirty="0">
+                  <a:solidFill>
+                    <a:srgbClr val="13C1F7"/>
+                  </a:solidFill>
+                  <a:latin typeface="Quicksand" panose="00000500000000000000" pitchFamily="2" charset="0"/>
+                </a:rPr>
+                <a:t>CSS</a:t>
+              </a:r>
+            </a:p>
+            <a:p>
+              <a:pPr marL="101630" indent="-101630">
+                <a:buFont typeface="Arial" panose="020B0604020202020204" pitchFamily="34" charset="0"/>
+                <a:buChar char="•"/>
+              </a:pPr>
+              <a:r>
+                <a:rPr lang="pt-BR" sz="711" b="1" dirty="0">
+                  <a:solidFill>
+                    <a:srgbClr val="13C1F7"/>
+                  </a:solidFill>
+                  <a:latin typeface="Quicksand" panose="00000500000000000000" pitchFamily="2" charset="0"/>
+                </a:rPr>
+                <a:t>HTML</a:t>
+              </a:r>
+            </a:p>
+          </p:txBody>
+        </p:sp>
+        <p:sp>
+          <p:nvSpPr>
+            <p:cNvPr id="319" name="info-text4">
+              <a:extLst>
+                <a:ext uri="{FF2B5EF4-FFF2-40B4-BE49-F238E27FC236}">
+                  <a16:creationId xmlns:a16="http://schemas.microsoft.com/office/drawing/2014/main" id="{8E88B077-85D4-4988-B7B9-0491E64A339A}"/>
+                </a:ext>
+              </a:extLst>
+            </p:cNvPr>
+            <p:cNvSpPr txBox="1">
+              <a:spLocks noGrp="1" noRot="1" noMove="1" noResize="1" noEditPoints="1" noAdjustHandles="1" noChangeArrowheads="1" noChangeShapeType="1"/>
+            </p:cNvSpPr>
+            <p:nvPr/>
+          </p:nvSpPr>
+          <p:spPr>
+            <a:xfrm>
+              <a:off x="4118977" y="3600505"/>
+              <a:ext cx="1315017" cy="311111"/>
+            </a:xfrm>
+            <a:prstGeom prst="rect">
+              <a:avLst/>
+            </a:prstGeom>
+            <a:noFill/>
+            <a:ln w="19050">
+              <a:solidFill>
+                <a:srgbClr val="13C1F7"/>
+              </a:solidFill>
+            </a:ln>
+          </p:spPr>
+          <p:txBody>
+            <a:bodyPr wrap="square" rtlCol="0">
+              <a:spAutoFit/>
+            </a:bodyPr>
+            <a:lstStyle/>
+            <a:p>
+              <a:pPr algn="ctr"/>
+              <a:r>
+                <a:rPr lang="pt-BR" sz="711" b="1" dirty="0">
+                  <a:solidFill>
+                    <a:srgbClr val="13C1F7"/>
+                  </a:solidFill>
+                  <a:latin typeface="Quicksand" panose="00000500000000000000" pitchFamily="2" charset="0"/>
+                </a:rPr>
+                <a:t>Hospedagem em NUVEM</a:t>
+              </a:r>
+            </a:p>
+            <a:p>
+              <a:pPr algn="ctr"/>
+              <a:r>
+                <a:rPr lang="pt-BR" sz="711" b="1" dirty="0">
+                  <a:solidFill>
+                    <a:srgbClr val="13C1F7"/>
+                  </a:solidFill>
+                  <a:latin typeface="Quicksand" panose="00000500000000000000" pitchFamily="2" charset="0"/>
+                </a:rPr>
+                <a:t>(AZURE)</a:t>
+              </a:r>
+            </a:p>
+          </p:txBody>
+        </p:sp>
+        <p:sp>
+          <p:nvSpPr>
+            <p:cNvPr id="320" name="info-text5">
+              <a:extLst>
+                <a:ext uri="{FF2B5EF4-FFF2-40B4-BE49-F238E27FC236}">
+                  <a16:creationId xmlns:a16="http://schemas.microsoft.com/office/drawing/2014/main" id="{8D737546-B6CD-4562-B809-E724C01EAE60}"/>
+                </a:ext>
+              </a:extLst>
+            </p:cNvPr>
+            <p:cNvSpPr txBox="1">
+              <a:spLocks noGrp="1" noRot="1" noMove="1" noResize="1" noEditPoints="1" noAdjustHandles="1" noChangeArrowheads="1" noChangeShapeType="1"/>
+            </p:cNvSpPr>
+            <p:nvPr/>
+          </p:nvSpPr>
+          <p:spPr>
+            <a:xfrm>
+              <a:off x="8700091" y="4818197"/>
+              <a:ext cx="586801" cy="201722"/>
+            </a:xfrm>
+            <a:prstGeom prst="rect">
+              <a:avLst/>
+            </a:prstGeom>
+            <a:noFill/>
+            <a:ln w="19050">
+              <a:solidFill>
+                <a:srgbClr val="F56413"/>
+              </a:solidFill>
+            </a:ln>
+          </p:spPr>
+          <p:txBody>
+            <a:bodyPr wrap="square" rtlCol="0">
+              <a:spAutoFit/>
+            </a:bodyPr>
+            <a:lstStyle/>
+            <a:p>
+              <a:r>
+                <a:rPr lang="pt-BR" sz="711" b="1" dirty="0">
+                  <a:solidFill>
+                    <a:srgbClr val="F56413"/>
+                  </a:solidFill>
+                  <a:latin typeface="Quicksand" panose="00000500000000000000" pitchFamily="2" charset="0"/>
+                </a:rPr>
+                <a:t>Unidade</a:t>
+              </a:r>
+            </a:p>
+          </p:txBody>
+        </p:sp>
+        <p:sp>
+          <p:nvSpPr>
+            <p:cNvPr id="321" name="info-text6">
+              <a:extLst>
+                <a:ext uri="{FF2B5EF4-FFF2-40B4-BE49-F238E27FC236}">
+                  <a16:creationId xmlns:a16="http://schemas.microsoft.com/office/drawing/2014/main" id="{B595522B-2544-4695-BBA3-3D9B2724361A}"/>
+                </a:ext>
+              </a:extLst>
+            </p:cNvPr>
+            <p:cNvSpPr txBox="1">
+              <a:spLocks noGrp="1" noRot="1" noMove="1" noResize="1" noEditPoints="1" noAdjustHandles="1" noChangeArrowheads="1" noChangeShapeType="1"/>
+            </p:cNvSpPr>
+            <p:nvPr/>
+          </p:nvSpPr>
+          <p:spPr>
+            <a:xfrm>
+              <a:off x="5292856" y="4907592"/>
+              <a:ext cx="519617" cy="311111"/>
+            </a:xfrm>
+            <a:prstGeom prst="rect">
+              <a:avLst/>
+            </a:prstGeom>
+            <a:noFill/>
+            <a:ln w="19050">
+              <a:solidFill>
+                <a:srgbClr val="F56413"/>
+              </a:solidFill>
+            </a:ln>
+          </p:spPr>
+          <p:txBody>
+            <a:bodyPr wrap="square" rtlCol="0">
+              <a:spAutoFit/>
+            </a:bodyPr>
+            <a:lstStyle/>
+            <a:p>
+              <a:pPr algn="ctr"/>
+              <a:r>
+                <a:rPr lang="pt-BR" sz="711" b="1" dirty="0">
+                  <a:solidFill>
+                    <a:srgbClr val="F56413"/>
+                  </a:solidFill>
+                  <a:latin typeface="Quicksand" panose="00000500000000000000" pitchFamily="2" charset="0"/>
+                </a:rPr>
+                <a:t>sensor</a:t>
+              </a:r>
+            </a:p>
+            <a:p>
+              <a:pPr algn="ctr"/>
+              <a:r>
+                <a:rPr lang="pt-BR" sz="711" b="1" dirty="0">
+                  <a:solidFill>
+                    <a:srgbClr val="F56413"/>
+                  </a:solidFill>
+                  <a:latin typeface="Quicksand" panose="00000500000000000000" pitchFamily="2" charset="0"/>
+                </a:rPr>
+                <a:t>(DHT11)</a:t>
+              </a:r>
+            </a:p>
+          </p:txBody>
+        </p:sp>
+        <p:sp>
+          <p:nvSpPr>
+            <p:cNvPr id="322" name="info-text7">
+              <a:extLst>
+                <a:ext uri="{FF2B5EF4-FFF2-40B4-BE49-F238E27FC236}">
+                  <a16:creationId xmlns:a16="http://schemas.microsoft.com/office/drawing/2014/main" id="{74CAF260-E7E1-4BC1-8CCF-4B3DAD2014D5}"/>
+                </a:ext>
+              </a:extLst>
+            </p:cNvPr>
+            <p:cNvSpPr txBox="1">
+              <a:spLocks noGrp="1" noRot="1" noMove="1" noResize="1" noEditPoints="1" noAdjustHandles="1" noChangeArrowheads="1" noChangeShapeType="1"/>
+            </p:cNvSpPr>
+            <p:nvPr/>
+          </p:nvSpPr>
+          <p:spPr>
+            <a:xfrm>
+              <a:off x="6424448" y="4938005"/>
+              <a:ext cx="668967" cy="311111"/>
+            </a:xfrm>
+            <a:prstGeom prst="rect">
+              <a:avLst/>
+            </a:prstGeom>
+            <a:noFill/>
+            <a:ln w="19050">
+              <a:solidFill>
+                <a:srgbClr val="F56413"/>
+              </a:solidFill>
+            </a:ln>
+          </p:spPr>
+          <p:txBody>
+            <a:bodyPr wrap="square" rtlCol="0">
+              <a:spAutoFit/>
+            </a:bodyPr>
+            <a:lstStyle/>
+            <a:p>
+              <a:pPr algn="ctr"/>
+              <a:r>
+                <a:rPr lang="pt-BR" sz="711" b="1" dirty="0">
+                  <a:solidFill>
+                    <a:srgbClr val="F56413"/>
+                  </a:solidFill>
+                  <a:latin typeface="Quicksand" panose="00000500000000000000" pitchFamily="2" charset="0"/>
+                </a:rPr>
+                <a:t>protoboard</a:t>
+              </a:r>
+            </a:p>
+            <a:p>
+              <a:pPr algn="ctr"/>
+              <a:r>
+                <a:rPr lang="pt-BR" sz="711" b="1" dirty="0">
+                  <a:solidFill>
+                    <a:srgbClr val="F56413"/>
+                  </a:solidFill>
+                  <a:latin typeface="Quicksand" panose="00000500000000000000" pitchFamily="2" charset="0"/>
+                </a:rPr>
+                <a:t>(Mini 170)</a:t>
+              </a:r>
+            </a:p>
+          </p:txBody>
+        </p:sp>
+        <p:sp>
+          <p:nvSpPr>
+            <p:cNvPr id="323" name="info-text8">
+              <a:extLst>
+                <a:ext uri="{FF2B5EF4-FFF2-40B4-BE49-F238E27FC236}">
+                  <a16:creationId xmlns:a16="http://schemas.microsoft.com/office/drawing/2014/main" id="{120560DC-27C3-43A3-8742-9A18D7822EDA}"/>
+                </a:ext>
+              </a:extLst>
+            </p:cNvPr>
+            <p:cNvSpPr txBox="1">
+              <a:spLocks noGrp="1" noRot="1" noMove="1" noResize="1" noEditPoints="1" noAdjustHandles="1" noChangeArrowheads="1" noChangeShapeType="1"/>
+            </p:cNvSpPr>
+            <p:nvPr/>
+          </p:nvSpPr>
+          <p:spPr>
+            <a:xfrm>
+              <a:off x="4038485" y="4949026"/>
+              <a:ext cx="602696" cy="311111"/>
+            </a:xfrm>
+            <a:prstGeom prst="rect">
+              <a:avLst/>
+            </a:prstGeom>
+            <a:noFill/>
+            <a:ln w="19050">
+              <a:solidFill>
+                <a:srgbClr val="F56413"/>
+              </a:solidFill>
+            </a:ln>
+          </p:spPr>
+          <p:txBody>
+            <a:bodyPr wrap="square" rtlCol="0">
+              <a:spAutoFit/>
+            </a:bodyPr>
+            <a:lstStyle/>
+            <a:p>
+              <a:pPr algn="ctr"/>
+              <a:r>
+                <a:rPr lang="pt-BR" sz="711" b="1" dirty="0" err="1">
+                  <a:solidFill>
+                    <a:srgbClr val="F56413"/>
+                  </a:solidFill>
+                  <a:latin typeface="Quicksand" panose="00000500000000000000" pitchFamily="2" charset="0"/>
+                </a:rPr>
+                <a:t>arduíno</a:t>
+              </a:r>
+              <a:endParaRPr lang="pt-BR" sz="711" b="1" dirty="0">
+                <a:solidFill>
+                  <a:srgbClr val="F56413"/>
+                </a:solidFill>
+                <a:latin typeface="Quicksand" panose="00000500000000000000" pitchFamily="2" charset="0"/>
+              </a:endParaRPr>
+            </a:p>
+            <a:p>
+              <a:pPr algn="ctr"/>
+              <a:r>
+                <a:rPr lang="pt-BR" sz="711" b="1" dirty="0">
+                  <a:solidFill>
+                    <a:srgbClr val="F56413"/>
+                  </a:solidFill>
+                  <a:latin typeface="Quicksand" panose="00000500000000000000" pitchFamily="2" charset="0"/>
+                </a:rPr>
+                <a:t>(Uno R3)</a:t>
+              </a:r>
+            </a:p>
+          </p:txBody>
+        </p:sp>
+        <p:sp>
+          <p:nvSpPr>
+            <p:cNvPr id="138" name="info-text9">
+              <a:extLst>
+                <a:ext uri="{FF2B5EF4-FFF2-40B4-BE49-F238E27FC236}">
+                  <a16:creationId xmlns:a16="http://schemas.microsoft.com/office/drawing/2014/main" id="{1451BD50-19E2-486D-A988-7BD523D65866}"/>
+                </a:ext>
+              </a:extLst>
+            </p:cNvPr>
+            <p:cNvSpPr txBox="1">
+              <a:spLocks noGrp="1" noRot="1" noMove="1" noResize="1" noEditPoints="1" noAdjustHandles="1" noChangeArrowheads="1" noChangeShapeType="1"/>
+            </p:cNvSpPr>
+            <p:nvPr/>
+          </p:nvSpPr>
+          <p:spPr>
+            <a:xfrm>
+              <a:off x="968419" y="4128077"/>
+              <a:ext cx="1543258" cy="529889"/>
             </a:xfrm>
             <a:prstGeom prst="rect">
               <a:avLst/>
@@ -3430,57 +3988,57 @@
             </a:bodyPr>
             <a:lstStyle/>
             <a:p>
-              <a:pPr marL="171450" indent="-171450">
+              <a:pPr marL="101630" indent="-101630">
                 <a:buFont typeface="Arial" panose="020B0604020202020204" pitchFamily="34" charset="0"/>
                 <a:buChar char="•"/>
               </a:pPr>
               <a:r>
-                <a:rPr lang="pt-BR" sz="1200" b="1" dirty="0">
+                <a:rPr lang="pt-BR" sz="711" b="1" dirty="0">
                   <a:solidFill>
                     <a:srgbClr val="7030A0"/>
                   </a:solidFill>
                   <a:latin typeface="Quicksand" panose="00000500000000000000" pitchFamily="2" charset="0"/>
                 </a:rPr>
-                <a:t>INTEL CORE I5–2400 @2.1GHz</a:t>
+                <a:t>INTEL CORE I5–9300@2.1GHz</a:t>
               </a:r>
             </a:p>
             <a:p>
-              <a:pPr marL="171450" indent="-171450">
+              <a:pPr marL="101630" indent="-101630">
                 <a:buFont typeface="Arial" panose="020B0604020202020204" pitchFamily="34" charset="0"/>
                 <a:buChar char="•"/>
               </a:pPr>
               <a:r>
-                <a:rPr lang="pt-BR" sz="1200" b="1" dirty="0">
+                <a:rPr lang="pt-BR" sz="711" b="1" dirty="0">
                   <a:solidFill>
                     <a:srgbClr val="7030A0"/>
                   </a:solidFill>
                   <a:latin typeface="Quicksand" panose="00000500000000000000" pitchFamily="2" charset="0"/>
                 </a:rPr>
-                <a:t>8GB RAM</a:t>
+                <a:t>16GB RAM</a:t>
               </a:r>
             </a:p>
             <a:p>
-              <a:pPr marL="171450" indent="-171450">
+              <a:pPr marL="101630" indent="-101630">
                 <a:buFont typeface="Arial" panose="020B0604020202020204" pitchFamily="34" charset="0"/>
                 <a:buChar char="•"/>
               </a:pPr>
               <a:r>
-                <a:rPr lang="pt-BR" sz="1200" b="1" dirty="0">
+                <a:rPr lang="pt-BR" sz="711" b="1" dirty="0">
                   <a:solidFill>
                     <a:srgbClr val="7030A0"/>
                   </a:solidFill>
                   <a:latin typeface="Quicksand" panose="00000500000000000000" pitchFamily="2" charset="0"/>
                 </a:rPr>
-                <a:t>SSD/HD 120GB</a:t>
+                <a:t>SSD/HD 510GB</a:t>
               </a:r>
             </a:p>
             <a:p>
-              <a:pPr marL="171450" indent="-171450">
+              <a:pPr marL="101630" indent="-101630">
                 <a:buFont typeface="Arial" panose="020B0604020202020204" pitchFamily="34" charset="0"/>
                 <a:buChar char="•"/>
               </a:pPr>
               <a:r>
-                <a:rPr lang="pt-BR" sz="1200" b="1" dirty="0">
+                <a:rPr lang="pt-BR" sz="711" b="1" dirty="0">
                   <a:solidFill>
                     <a:srgbClr val="7030A0"/>
                   </a:solidFill>
@@ -3493,20 +4051,103 @@
         </p:sp>
         <p:sp>
           <p:nvSpPr>
-            <p:cNvPr id="315" name="info-text2">
+            <p:cNvPr id="139" name="info-text10">
               <a:extLst>
                 <a:ext uri="{FF2B5EF4-FFF2-40B4-BE49-F238E27FC236}">
-                  <a16:creationId xmlns:a16="http://schemas.microsoft.com/office/drawing/2014/main" id="{B8F41526-869A-4CD4-B94C-8F850FE212AF}"/>
+                  <a16:creationId xmlns:a16="http://schemas.microsoft.com/office/drawing/2014/main" id="{2F1830D3-1919-48C0-AAB9-8D4D8DF47513}"/>
                 </a:ext>
               </a:extLst>
             </p:cNvPr>
-            <p:cNvSpPr txBox="1"/>
+            <p:cNvSpPr txBox="1">
+              <a:spLocks noGrp="1" noRot="1" noMove="1" noResize="1" noEditPoints="1" noAdjustHandles="1" noChangeArrowheads="1" noChangeShapeType="1"/>
+            </p:cNvSpPr>
             <p:nvPr/>
           </p:nvSpPr>
           <p:spPr>
             <a:xfrm>
-              <a:off x="3589306" y="1700273"/>
-              <a:ext cx="2154868" cy="646331"/>
+              <a:off x="8616860" y="2291058"/>
+              <a:ext cx="975113" cy="420500"/>
+            </a:xfrm>
+            <a:prstGeom prst="rect">
+              <a:avLst/>
+            </a:prstGeom>
+            <a:noFill/>
+            <a:ln w="19050">
+              <a:solidFill>
+                <a:srgbClr val="F56413"/>
+              </a:solidFill>
+            </a:ln>
+          </p:spPr>
+          <p:txBody>
+            <a:bodyPr wrap="square" rtlCol="0">
+              <a:spAutoFit/>
+            </a:bodyPr>
+            <a:lstStyle/>
+            <a:p>
+              <a:pPr marL="101630" indent="-101630">
+                <a:buFont typeface="Arial" panose="020B0604020202020204" pitchFamily="34" charset="0"/>
+                <a:buChar char="•"/>
+              </a:pPr>
+              <a:r>
+                <a:rPr lang="pt-BR" sz="711" b="1" dirty="0">
+                  <a:solidFill>
+                    <a:srgbClr val="F56413"/>
+                  </a:solidFill>
+                  <a:latin typeface="Quicksand" panose="00000500000000000000" pitchFamily="2" charset="0"/>
+                </a:rPr>
+                <a:t>TP-Link Wireless</a:t>
+              </a:r>
+            </a:p>
+            <a:p>
+              <a:pPr marL="101630" indent="-101630">
+                <a:buFont typeface="Arial" panose="020B0604020202020204" pitchFamily="34" charset="0"/>
+                <a:buChar char="•"/>
+              </a:pPr>
+              <a:r>
+                <a:rPr lang="pt-BR" sz="711" b="1" dirty="0">
+                  <a:solidFill>
+                    <a:srgbClr val="F56413"/>
+                  </a:solidFill>
+                  <a:latin typeface="Quicksand" panose="00000500000000000000" pitchFamily="2" charset="0"/>
+                </a:rPr>
+                <a:t>Archer C50</a:t>
+              </a:r>
+            </a:p>
+            <a:p>
+              <a:pPr marL="101630" indent="-101630">
+                <a:buFont typeface="Arial" panose="020B0604020202020204" pitchFamily="34" charset="0"/>
+                <a:buChar char="•"/>
+              </a:pPr>
+              <a:r>
+                <a:rPr lang="pt-BR" sz="711" b="1" dirty="0">
+                  <a:solidFill>
+                    <a:srgbClr val="F56413"/>
+                  </a:solidFill>
+                  <a:latin typeface="Quicksand" panose="00000500000000000000" pitchFamily="2" charset="0"/>
+                </a:rPr>
+                <a:t>4 Portas</a:t>
+              </a:r>
+            </a:p>
+          </p:txBody>
+        </p:sp>
+        <p:sp>
+          <p:nvSpPr>
+            <p:cNvPr id="141" name="info-text11">
+              <a:extLst>
+                <a:ext uri="{FF2B5EF4-FFF2-40B4-BE49-F238E27FC236}">
+                  <a16:creationId xmlns:a16="http://schemas.microsoft.com/office/drawing/2014/main" id="{0968DFE9-C61E-405B-B02A-7A27B24D78D1}"/>
+                </a:ext>
+              </a:extLst>
+            </p:cNvPr>
+            <p:cNvSpPr txBox="1">
+              <a:spLocks noGrp="1" noRot="1" noMove="1" noResize="1" noEditPoints="1" noAdjustHandles="1" noChangeArrowheads="1" noChangeShapeType="1"/>
+            </p:cNvSpPr>
+            <p:nvPr/>
+          </p:nvSpPr>
+          <p:spPr>
+            <a:xfrm>
+              <a:off x="231600" y="1457075"/>
+              <a:ext cx="972608" cy="420500"/>
             </a:xfrm>
             <a:prstGeom prst="rect">
               <a:avLst/>
@@ -3524,56 +4165,70 @@
             </a:bodyPr>
             <a:lstStyle/>
             <a:p>
-              <a:pPr algn="ctr"/>
-              <a:endParaRPr lang="pt-BR" sz="1200" b="1" dirty="0">
-                <a:solidFill>
-                  <a:srgbClr val="7030A0"/>
-                </a:solidFill>
-                <a:latin typeface="Quicksand" panose="00000500000000000000" pitchFamily="2" charset="0"/>
-              </a:endParaRPr>
-            </a:p>
-            <a:p>
-              <a:pPr algn="ctr"/>
+              <a:pPr marL="101630" indent="-101630">
+                <a:buFont typeface="Arial" panose="020B0604020202020204" pitchFamily="34" charset="0"/>
+                <a:buChar char="•"/>
+              </a:pPr>
               <a:r>
-                <a:rPr lang="pt-BR" sz="1200" b="1" dirty="0">
+                <a:rPr lang="pt-BR" sz="711" b="1" dirty="0">
                   <a:solidFill>
                     <a:srgbClr val="7030A0"/>
                   </a:solidFill>
                   <a:latin typeface="Quicksand" panose="00000500000000000000" pitchFamily="2" charset="0"/>
                 </a:rPr>
-                <a:t>Banco de Dados</a:t>
+                <a:t>TP-Link Wireless</a:t>
               </a:r>
             </a:p>
             <a:p>
-              <a:pPr algn="ctr"/>
+              <a:pPr marL="101630" indent="-101630">
+                <a:buFont typeface="Arial" panose="020B0604020202020204" pitchFamily="34" charset="0"/>
+                <a:buChar char="•"/>
+              </a:pPr>
               <a:r>
-                <a:rPr lang="pt-BR" sz="1200" b="1" dirty="0">
+                <a:rPr lang="pt-BR" sz="711" b="1" dirty="0">
                   <a:solidFill>
                     <a:srgbClr val="7030A0"/>
                   </a:solidFill>
                   <a:latin typeface="Quicksand" panose="00000500000000000000" pitchFamily="2" charset="0"/>
                 </a:rPr>
-                <a:t>Microsoft MYSQL Server</a:t>
+                <a:t>Archer C6</a:t>
+              </a:r>
+            </a:p>
+            <a:p>
+              <a:pPr marL="101630" indent="-101630">
+                <a:buFont typeface="Arial" panose="020B0604020202020204" pitchFamily="34" charset="0"/>
+                <a:buChar char="•"/>
+              </a:pPr>
+              <a:r>
+                <a:rPr lang="pt-BR" sz="711" b="1" dirty="0">
+                  <a:solidFill>
+                    <a:srgbClr val="7030A0"/>
+                  </a:solidFill>
+                  <a:latin typeface="Quicksand" panose="00000500000000000000" pitchFamily="2" charset="0"/>
+                </a:rPr>
+                <a:t>4 Portas</a:t>
               </a:r>
             </a:p>
           </p:txBody>
         </p:sp>
         <p:sp>
           <p:nvSpPr>
-            <p:cNvPr id="318" name="info-text3">
+            <p:cNvPr id="142" name="info-text12">
               <a:extLst>
                 <a:ext uri="{FF2B5EF4-FFF2-40B4-BE49-F238E27FC236}">
-                  <a16:creationId xmlns:a16="http://schemas.microsoft.com/office/drawing/2014/main" id="{E68EE20D-7296-4145-A5CE-51F6D7337A07}"/>
+                  <a16:creationId xmlns:a16="http://schemas.microsoft.com/office/drawing/2014/main" id="{F04D89B8-EE16-4938-A37A-35F571CC4D83}"/>
                 </a:ext>
               </a:extLst>
             </p:cNvPr>
-            <p:cNvSpPr txBox="1"/>
+            <p:cNvSpPr txBox="1">
+              <a:spLocks noGrp="1" noRot="1" noMove="1" noResize="1" noEditPoints="1" noAdjustHandles="1" noChangeArrowheads="1" noChangeShapeType="1"/>
+            </p:cNvSpPr>
             <p:nvPr/>
           </p:nvSpPr>
           <p:spPr>
             <a:xfrm>
-              <a:off x="7522752" y="642799"/>
-              <a:ext cx="1115949" cy="1200329"/>
+              <a:off x="732953" y="3334894"/>
+              <a:ext cx="772570" cy="311111"/>
             </a:xfrm>
             <a:prstGeom prst="rect">
               <a:avLst/>
@@ -3591,104 +4246,55 @@
             </a:bodyPr>
             <a:lstStyle/>
             <a:p>
-              <a:pPr algn="ctr"/>
+              <a:pPr marL="101630" indent="-101630">
+                <a:buFont typeface="Arial" panose="020B0604020202020204" pitchFamily="34" charset="0"/>
+                <a:buChar char="•"/>
+              </a:pPr>
               <a:r>
-                <a:rPr lang="pt-BR" sz="1200" b="1" dirty="0">
+                <a:rPr lang="pt-BR" sz="711" b="1" dirty="0">
                   <a:solidFill>
                     <a:srgbClr val="7030A0"/>
                   </a:solidFill>
                   <a:latin typeface="Quicksand" panose="00000500000000000000" pitchFamily="2" charset="0"/>
                 </a:rPr>
-                <a:t>Tecnologias</a:t>
+                <a:t>300Mbps</a:t>
               </a:r>
             </a:p>
             <a:p>
-              <a:pPr algn="ctr"/>
+              <a:pPr marL="101630" indent="-101630">
+                <a:buFont typeface="Arial" panose="020B0604020202020204" pitchFamily="34" charset="0"/>
+                <a:buChar char="•"/>
+              </a:pPr>
               <a:r>
-                <a:rPr lang="pt-BR" sz="1200" b="1" dirty="0">
+                <a:rPr lang="pt-BR" sz="711" b="1" dirty="0">
                   <a:solidFill>
                     <a:srgbClr val="7030A0"/>
                   </a:solidFill>
                   <a:latin typeface="Quicksand" panose="00000500000000000000" pitchFamily="2" charset="0"/>
                 </a:rPr>
-                <a:t>do</a:t>
-              </a:r>
-            </a:p>
-            <a:p>
-              <a:pPr algn="ctr"/>
-              <a:r>
-                <a:rPr lang="pt-BR" sz="1200" b="1" dirty="0">
-                  <a:solidFill>
-                    <a:srgbClr val="7030A0"/>
-                  </a:solidFill>
-                  <a:latin typeface="Quicksand" panose="00000500000000000000" pitchFamily="2" charset="0"/>
-                </a:rPr>
-                <a:t>Site</a:t>
-              </a:r>
-            </a:p>
-            <a:p>
-              <a:pPr marL="171450" indent="-171450">
-                <a:buFont typeface="Arial" panose="020B0604020202020204" pitchFamily="34" charset="0"/>
-                <a:buChar char="•"/>
-              </a:pPr>
-              <a:r>
-                <a:rPr lang="pt-BR" sz="1200" b="1" dirty="0">
-                  <a:solidFill>
-                    <a:srgbClr val="7030A0"/>
-                  </a:solidFill>
-                  <a:latin typeface="Quicksand" panose="00000500000000000000" pitchFamily="2" charset="0"/>
-                </a:rPr>
-                <a:t>Javascript</a:t>
-              </a:r>
-            </a:p>
-            <a:p>
-              <a:pPr marL="171450" indent="-171450">
-                <a:buFont typeface="Arial" panose="020B0604020202020204" pitchFamily="34" charset="0"/>
-                <a:buChar char="•"/>
-              </a:pPr>
-              <a:r>
-                <a:rPr lang="pt-BR" sz="1200" b="1" dirty="0">
-                  <a:solidFill>
-                    <a:srgbClr val="7030A0"/>
-                  </a:solidFill>
-                  <a:latin typeface="Quicksand" panose="00000500000000000000" pitchFamily="2" charset="0"/>
-                </a:rPr>
-                <a:t>CSS</a:t>
-              </a:r>
-            </a:p>
-            <a:p>
-              <a:pPr marL="171450" indent="-171450">
-                <a:buFont typeface="Arial" panose="020B0604020202020204" pitchFamily="34" charset="0"/>
-                <a:buChar char="•"/>
-              </a:pPr>
-              <a:r>
-                <a:rPr lang="pt-BR" sz="1200" b="1" dirty="0">
-                  <a:solidFill>
-                    <a:srgbClr val="7030A0"/>
-                  </a:solidFill>
-                  <a:latin typeface="Quicksand" panose="00000500000000000000" pitchFamily="2" charset="0"/>
-                </a:rPr>
-                <a:t>HTML</a:t>
+                <a:t>2,4GHz</a:t>
               </a:r>
             </a:p>
           </p:txBody>
         </p:sp>
         <p:sp>
           <p:nvSpPr>
-            <p:cNvPr id="319" name="info-text4">
+            <p:cNvPr id="143" name="info-text13">
               <a:extLst>
                 <a:ext uri="{FF2B5EF4-FFF2-40B4-BE49-F238E27FC236}">
-                  <a16:creationId xmlns:a16="http://schemas.microsoft.com/office/drawing/2014/main" id="{8E88B077-85D4-4988-B7B9-0491E64A339A}"/>
+                  <a16:creationId xmlns:a16="http://schemas.microsoft.com/office/drawing/2014/main" id="{8A48FDB2-DECE-438C-9069-6007FB31DAAE}"/>
                 </a:ext>
               </a:extLst>
             </p:cNvPr>
-            <p:cNvSpPr txBox="1"/>
+            <p:cNvSpPr txBox="1">
+              <a:spLocks noGrp="1" noRot="1" noMove="1" noResize="1" noEditPoints="1" noAdjustHandles="1" noChangeArrowheads="1" noChangeShapeType="1"/>
+            </p:cNvSpPr>
             <p:nvPr/>
           </p:nvSpPr>
           <p:spPr>
             <a:xfrm>
-              <a:off x="5061101" y="4313661"/>
-              <a:ext cx="2069798" cy="646331"/>
+              <a:off x="7702489" y="1792731"/>
+              <a:ext cx="772570" cy="311111"/>
             </a:xfrm>
             <a:prstGeom prst="rect">
               <a:avLst/>
@@ -3696,7 +4302,7 @@
             <a:noFill/>
             <a:ln w="19050">
               <a:solidFill>
-                <a:srgbClr val="8008FF"/>
+                <a:srgbClr val="F56413"/>
               </a:solidFill>
             </a:ln>
           </p:spPr>
@@ -3706,56 +4312,55 @@
             </a:bodyPr>
             <a:lstStyle/>
             <a:p>
-              <a:pPr algn="ctr"/>
-              <a:endParaRPr lang="pt-BR" sz="1200" b="1" dirty="0">
-                <a:solidFill>
-                  <a:srgbClr val="7030A0"/>
-                </a:solidFill>
-                <a:latin typeface="Quicksand" panose="00000500000000000000" pitchFamily="2" charset="0"/>
-              </a:endParaRPr>
-            </a:p>
-            <a:p>
-              <a:pPr algn="ctr"/>
+              <a:pPr marL="101630" indent="-101630">
+                <a:buFont typeface="Arial" panose="020B0604020202020204" pitchFamily="34" charset="0"/>
+                <a:buChar char="•"/>
+              </a:pPr>
               <a:r>
-                <a:rPr lang="pt-BR" sz="1200" b="1" dirty="0">
+                <a:rPr lang="pt-BR" sz="711" b="1" dirty="0">
                   <a:solidFill>
-                    <a:srgbClr val="7030A0"/>
+                    <a:srgbClr val="F56413"/>
                   </a:solidFill>
                   <a:latin typeface="Quicksand" panose="00000500000000000000" pitchFamily="2" charset="0"/>
                 </a:rPr>
-                <a:t>Hospedagem em NUVEM</a:t>
+                <a:t>300Mbps</a:t>
               </a:r>
             </a:p>
             <a:p>
-              <a:pPr algn="ctr"/>
+              <a:pPr marL="101630" indent="-101630">
+                <a:buFont typeface="Arial" panose="020B0604020202020204" pitchFamily="34" charset="0"/>
+                <a:buChar char="•"/>
+              </a:pPr>
               <a:r>
-                <a:rPr lang="pt-BR" sz="1200" b="1" dirty="0">
+                <a:rPr lang="pt-BR" sz="711" b="1" dirty="0">
                   <a:solidFill>
-                    <a:srgbClr val="7030A0"/>
+                    <a:srgbClr val="F56413"/>
                   </a:solidFill>
                   <a:latin typeface="Quicksand" panose="00000500000000000000" pitchFamily="2" charset="0"/>
                 </a:rPr>
-                <a:t>(A.W.S)</a:t>
+                <a:t>2,4GHz</a:t>
               </a:r>
             </a:p>
           </p:txBody>
         </p:sp>
         <p:sp>
           <p:nvSpPr>
-            <p:cNvPr id="320" name="info-text5">
+            <p:cNvPr id="264" name="info-text14">
               <a:extLst>
                 <a:ext uri="{FF2B5EF4-FFF2-40B4-BE49-F238E27FC236}">
-                  <a16:creationId xmlns:a16="http://schemas.microsoft.com/office/drawing/2014/main" id="{8D737546-B6CD-4562-B809-E724C01EAE60}"/>
+                  <a16:creationId xmlns:a16="http://schemas.microsoft.com/office/drawing/2014/main" id="{FF136DC3-C674-44FC-B552-554CA00DA44D}"/>
                 </a:ext>
               </a:extLst>
             </p:cNvPr>
-            <p:cNvSpPr txBox="1"/>
+            <p:cNvSpPr txBox="1">
+              <a:spLocks noGrp="1" noRot="1" noMove="1" noResize="1" noEditPoints="1" noAdjustHandles="1" noChangeArrowheads="1" noChangeShapeType="1"/>
+            </p:cNvSpPr>
             <p:nvPr/>
           </p:nvSpPr>
           <p:spPr>
             <a:xfrm>
-              <a:off x="6636000" y="5938202"/>
-              <a:ext cx="886752" cy="276999"/>
+              <a:off x="6967691" y="3138978"/>
+              <a:ext cx="1379958" cy="529889"/>
             </a:xfrm>
             <a:prstGeom prst="rect">
               <a:avLst/>
@@ -3763,7 +4368,7 @@
             <a:noFill/>
             <a:ln w="19050">
               <a:solidFill>
-                <a:srgbClr val="8008FF"/>
+                <a:srgbClr val="F56413"/>
               </a:solidFill>
             </a:ln>
           </p:spPr>
@@ -3773,194 +4378,72 @@
             </a:bodyPr>
             <a:lstStyle/>
             <a:p>
+              <a:pPr marL="101630" indent="-101630">
+                <a:buFont typeface="Arial" panose="020B0604020202020204" pitchFamily="34" charset="0"/>
+                <a:buChar char="•"/>
+              </a:pPr>
               <a:r>
-                <a:rPr lang="pt-BR" sz="1200" b="1" dirty="0">
+                <a:rPr lang="pt-BR" sz="711" b="1" dirty="0" err="1">
                   <a:solidFill>
-                    <a:srgbClr val="7030A0"/>
+                    <a:srgbClr val="F56413"/>
                   </a:solidFill>
                   <a:latin typeface="Quicksand" panose="00000500000000000000" pitchFamily="2" charset="0"/>
                 </a:rPr>
-                <a:t>Unidade</a:t>
+                <a:t>PowerEdge</a:t>
               </a:r>
-            </a:p>
-          </p:txBody>
-        </p:sp>
-        <p:sp>
-          <p:nvSpPr>
-            <p:cNvPr id="321" name="info-text6">
-              <a:extLst>
-                <a:ext uri="{FF2B5EF4-FFF2-40B4-BE49-F238E27FC236}">
-                  <a16:creationId xmlns:a16="http://schemas.microsoft.com/office/drawing/2014/main" id="{B595522B-2544-4695-BBA3-3D9B2724361A}"/>
-                </a:ext>
-              </a:extLst>
-            </p:cNvPr>
-            <p:cNvSpPr txBox="1"/>
-            <p:nvPr/>
-          </p:nvSpPr>
-          <p:spPr>
-            <a:xfrm>
-              <a:off x="8795617" y="6292639"/>
-              <a:ext cx="746452" cy="461665"/>
-            </a:xfrm>
-            <a:prstGeom prst="rect">
-              <a:avLst/>
-            </a:prstGeom>
-            <a:noFill/>
-            <a:ln w="19050">
-              <a:solidFill>
-                <a:srgbClr val="8008FF"/>
-              </a:solidFill>
-            </a:ln>
-          </p:spPr>
-          <p:txBody>
-            <a:bodyPr wrap="square" rtlCol="0">
-              <a:spAutoFit/>
-            </a:bodyPr>
-            <a:lstStyle/>
-            <a:p>
-              <a:pPr algn="ctr"/>
               <a:r>
-                <a:rPr lang="pt-BR" sz="1200" b="1" dirty="0">
+                <a:rPr lang="pt-BR" sz="711" b="1" dirty="0">
                   <a:solidFill>
-                    <a:srgbClr val="7030A0"/>
+                    <a:srgbClr val="F56413"/>
                   </a:solidFill>
                   <a:latin typeface="Quicksand" panose="00000500000000000000" pitchFamily="2" charset="0"/>
                 </a:rPr>
-                <a:t>sensor</a:t>
+                <a:t> T150</a:t>
               </a:r>
             </a:p>
             <a:p>
-              <a:pPr algn="ctr"/>
+              <a:pPr marL="101630" indent="-101630">
+                <a:buFont typeface="Arial" panose="020B0604020202020204" pitchFamily="34" charset="0"/>
+                <a:buChar char="•"/>
+              </a:pPr>
               <a:r>
-                <a:rPr lang="pt-BR" sz="1200" b="1" dirty="0">
+                <a:rPr lang="pt-BR" sz="711" b="1" dirty="0">
                   <a:solidFill>
-                    <a:srgbClr val="7030A0"/>
+                    <a:srgbClr val="F56413"/>
                   </a:solidFill>
                   <a:latin typeface="Quicksand" panose="00000500000000000000" pitchFamily="2" charset="0"/>
                 </a:rPr>
-                <a:t>(DHT11)</a:t>
+                <a:t>Intel Pentium G6405T</a:t>
               </a:r>
             </a:p>
-          </p:txBody>
-        </p:sp>
-        <p:sp>
-          <p:nvSpPr>
-            <p:cNvPr id="322" name="info-text7">
-              <a:extLst>
-                <a:ext uri="{FF2B5EF4-FFF2-40B4-BE49-F238E27FC236}">
-                  <a16:creationId xmlns:a16="http://schemas.microsoft.com/office/drawing/2014/main" id="{74CAF260-E7E1-4BC1-8CCF-4B3DAD2014D5}"/>
-                </a:ext>
-              </a:extLst>
-            </p:cNvPr>
-            <p:cNvSpPr txBox="1"/>
-            <p:nvPr/>
-          </p:nvSpPr>
-          <p:spPr>
-            <a:xfrm>
-              <a:off x="9677030" y="5318401"/>
-              <a:ext cx="1028108" cy="461665"/>
-            </a:xfrm>
-            <a:prstGeom prst="rect">
-              <a:avLst/>
-            </a:prstGeom>
-            <a:noFill/>
-            <a:ln w="19050">
-              <a:solidFill>
-                <a:srgbClr val="8008FF"/>
-              </a:solidFill>
-            </a:ln>
-          </p:spPr>
-          <p:txBody>
-            <a:bodyPr wrap="square" rtlCol="0">
-              <a:spAutoFit/>
-            </a:bodyPr>
-            <a:lstStyle/>
             <a:p>
-              <a:pPr algn="ctr"/>
+              <a:pPr marL="101630" indent="-101630">
+                <a:buFont typeface="Arial" panose="020B0604020202020204" pitchFamily="34" charset="0"/>
+                <a:buChar char="•"/>
+              </a:pPr>
               <a:r>
-                <a:rPr lang="pt-BR" sz="1200" b="1" dirty="0">
+                <a:rPr lang="pt-BR" sz="711" b="1" dirty="0">
                   <a:solidFill>
-                    <a:srgbClr val="7030A0"/>
+                    <a:srgbClr val="F56413"/>
                   </a:solidFill>
                   <a:latin typeface="Quicksand" panose="00000500000000000000" pitchFamily="2" charset="0"/>
                 </a:rPr>
-                <a:t>protoboard</a:t>
+                <a:t>8GB RAM DDR4 3200MHz</a:t>
               </a:r>
             </a:p>
             <a:p>
-              <a:pPr algn="ctr"/>
+              <a:pPr marL="101630" indent="-101630">
+                <a:buFont typeface="Arial" panose="020B0604020202020204" pitchFamily="34" charset="0"/>
+                <a:buChar char="•"/>
+              </a:pPr>
               <a:r>
-                <a:rPr lang="pt-BR" sz="1200" b="1" dirty="0">
+                <a:rPr lang="pt-BR" sz="711" b="1" dirty="0">
                   <a:solidFill>
-                    <a:srgbClr val="7030A0"/>
+                    <a:srgbClr val="F56413"/>
                   </a:solidFill>
                   <a:latin typeface="Quicksand" panose="00000500000000000000" pitchFamily="2" charset="0"/>
                 </a:rPr>
-                <a:t>(Mini 170)</a:t>
-              </a:r>
-            </a:p>
-          </p:txBody>
-        </p:sp>
-        <p:sp>
-          <p:nvSpPr>
-            <p:cNvPr id="323" name="info-text8">
-              <a:extLst>
-                <a:ext uri="{FF2B5EF4-FFF2-40B4-BE49-F238E27FC236}">
-                  <a16:creationId xmlns:a16="http://schemas.microsoft.com/office/drawing/2014/main" id="{120560DC-27C3-43A3-8742-9A18D7822EDA}"/>
-                </a:ext>
-              </a:extLst>
-            </p:cNvPr>
-            <p:cNvSpPr txBox="1"/>
-            <p:nvPr/>
-          </p:nvSpPr>
-          <p:spPr>
-            <a:xfrm>
-              <a:off x="10805627" y="6245761"/>
-              <a:ext cx="823219" cy="461665"/>
-            </a:xfrm>
-            <a:prstGeom prst="rect">
-              <a:avLst/>
-            </a:prstGeom>
-            <a:noFill/>
-            <a:ln w="19050">
-              <a:solidFill>
-                <a:srgbClr val="8008FF"/>
-              </a:solidFill>
-            </a:ln>
-          </p:spPr>
-          <p:txBody>
-            <a:bodyPr wrap="square" rtlCol="0">
-              <a:spAutoFit/>
-            </a:bodyPr>
-            <a:lstStyle/>
-            <a:p>
-              <a:pPr algn="ctr"/>
-              <a:r>
-                <a:rPr lang="pt-BR" sz="1200" b="1" dirty="0" err="1">
-                  <a:solidFill>
-                    <a:srgbClr val="7030A0"/>
-                  </a:solidFill>
-                  <a:latin typeface="Quicksand" panose="00000500000000000000" pitchFamily="2" charset="0"/>
-                </a:rPr>
-                <a:t>arduíno</a:t>
-              </a:r>
-              <a:endParaRPr lang="pt-BR" sz="1200" b="1" dirty="0">
-                <a:solidFill>
-                  <a:srgbClr val="7030A0"/>
-                </a:solidFill>
-                <a:latin typeface="Quicksand" panose="00000500000000000000" pitchFamily="2" charset="0"/>
-              </a:endParaRPr>
-            </a:p>
-            <a:p>
-              <a:pPr algn="ctr"/>
-              <a:r>
-                <a:rPr lang="pt-BR" sz="1200" b="1" dirty="0">
-                  <a:solidFill>
-                    <a:srgbClr val="7030A0"/>
-                  </a:solidFill>
-                  <a:latin typeface="Quicksand" panose="00000500000000000000" pitchFamily="2" charset="0"/>
-                </a:rPr>
-                <a:t>(Uno R3)</a:t>
+                <a:t>2TB HD SATA 6Gbps</a:t>
               </a:r>
             </a:p>
           </p:txBody>
@@ -3968,22 +4451,24 @@
       </p:grpSp>
       <p:grpSp>
         <p:nvGrpSpPr>
-          <p:cNvPr id="314" name="imagens">
+          <p:cNvPr id="632" name="imgs">
             <a:extLst>
               <a:ext uri="{FF2B5EF4-FFF2-40B4-BE49-F238E27FC236}">
-                <a16:creationId xmlns:a16="http://schemas.microsoft.com/office/drawing/2014/main" id="{3FFEFE92-B3C9-4D63-A06F-716C75F5BBB7}"/>
+                <a16:creationId xmlns:a16="http://schemas.microsoft.com/office/drawing/2014/main" id="{874F8BB3-BDF5-48BA-8CED-1BFCDA3F775D}"/>
               </a:ext>
             </a:extLst>
           </p:cNvPr>
-          <p:cNvGrpSpPr/>
+          <p:cNvGrpSpPr>
+            <a:grpSpLocks noGrp="1" noUngrp="1" noRot="1" noMove="1" noResize="1"/>
+          </p:cNvGrpSpPr>
           <p:nvPr/>
         </p:nvGrpSpPr>
         <p:grpSpPr>
           <a:xfrm>
-            <a:off x="397163" y="244283"/>
-            <a:ext cx="11397674" cy="6322311"/>
-            <a:chOff x="397163" y="242343"/>
-            <a:chExt cx="11397674" cy="6322311"/>
+            <a:off x="406981" y="26513"/>
+            <a:ext cx="8473766" cy="5044018"/>
+            <a:chOff x="406981" y="26513"/>
+            <a:chExt cx="8473766" cy="5044018"/>
           </a:xfrm>
         </p:grpSpPr>
         <p:pic>
@@ -3996,7 +4481,7 @@
               </a:extLst>
             </p:cNvPr>
             <p:cNvPicPr>
-              <a:picLocks noChangeAspect="1"/>
+              <a:picLocks noGrp="1" noRot="1" noChangeAspect="1" noMove="1" noResize="1" noEditPoints="1" noAdjustHandles="1" noChangeArrowheads="1" noChangeShapeType="1" noCrop="1"/>
             </p:cNvPicPr>
             <p:nvPr/>
           </p:nvPicPr>
@@ -4014,8 +4499,44 @@
           </p:blipFill>
           <p:spPr>
             <a:xfrm>
-              <a:off x="397163" y="5484654"/>
-              <a:ext cx="1080000" cy="1080000"/>
+              <a:off x="406981" y="4259059"/>
+              <a:ext cx="640164" cy="640165"/>
+            </a:xfrm>
+            <a:prstGeom prst="rect">
+              <a:avLst/>
+            </a:prstGeom>
+          </p:spPr>
+        </p:pic>
+        <p:pic>
+          <p:nvPicPr>
+            <p:cNvPr id="3" name="logo-pc_omni" descr="Uma imagem contendo estrela, vidro, cd&#10;&#10;Descrição gerada automaticamente">
+              <a:extLst>
+                <a:ext uri="{FF2B5EF4-FFF2-40B4-BE49-F238E27FC236}">
+                  <a16:creationId xmlns:a16="http://schemas.microsoft.com/office/drawing/2014/main" id="{4A609B72-DA76-4D65-AFF7-98C375C94855}"/>
+                </a:ext>
+              </a:extLst>
+            </p:cNvPr>
+            <p:cNvPicPr>
+              <a:picLocks noGrp="1" noRot="1" noChangeAspect="1" noMove="1" noResize="1" noEditPoints="1" noAdjustHandles="1" noChangeArrowheads="1" noChangeShapeType="1" noCrop="1"/>
+            </p:cNvPicPr>
+            <p:nvPr/>
+          </p:nvPicPr>
+          <p:blipFill>
+            <a:blip r:embed="rId3">
+              <a:extLst>
+                <a:ext uri="{28A0092B-C50C-407E-A947-70E740481C1C}">
+                  <a14:useLocalDpi xmlns:a14="http://schemas.microsoft.com/office/drawing/2010/main" val="0"/>
+                </a:ext>
+              </a:extLst>
+            </a:blip>
+            <a:stretch>
+              <a:fillRect/>
+            </a:stretch>
+          </p:blipFill>
+          <p:spPr>
+            <a:xfrm rot="16759491">
+              <a:off x="432553" y="4283677"/>
+              <a:ext cx="176426" cy="168659"/>
             </a:xfrm>
             <a:prstGeom prst="rect">
               <a:avLst/>
@@ -4032,12 +4553,12 @@
               </a:extLst>
             </p:cNvPr>
             <p:cNvPicPr>
-              <a:picLocks noChangeAspect="1"/>
+              <a:picLocks noGrp="1" noRot="1" noChangeAspect="1" noMove="1" noResize="1" noEditPoints="1" noAdjustHandles="1" noChangeArrowheads="1" noChangeShapeType="1" noCrop="1"/>
             </p:cNvPicPr>
             <p:nvPr/>
           </p:nvPicPr>
           <p:blipFill>
-            <a:blip r:embed="rId3">
+            <a:blip r:embed="rId4">
               <a:extLst>
                 <a:ext uri="{28A0092B-C50C-407E-A947-70E740481C1C}">
                   <a14:useLocalDpi xmlns:a14="http://schemas.microsoft.com/office/drawing/2010/main" val="0"/>
@@ -4050,8 +4571,8 @@
           </p:blipFill>
           <p:spPr>
             <a:xfrm>
-              <a:off x="577163" y="4276827"/>
-              <a:ext cx="720000" cy="720000"/>
+              <a:off x="513674" y="1802889"/>
+              <a:ext cx="426777" cy="426777"/>
             </a:xfrm>
             <a:prstGeom prst="rect">
               <a:avLst/>
@@ -4068,12 +4589,12 @@
               </a:extLst>
             </p:cNvPr>
             <p:cNvPicPr>
-              <a:picLocks noChangeAspect="1"/>
+              <a:picLocks noGrp="1" noRot="1" noChangeAspect="1" noMove="1" noResize="1" noEditPoints="1" noAdjustHandles="1" noChangeArrowheads="1" noChangeShapeType="1" noCrop="1"/>
             </p:cNvPicPr>
             <p:nvPr/>
           </p:nvPicPr>
           <p:blipFill>
-            <a:blip r:embed="rId4">
+            <a:blip r:embed="rId5">
               <a:extLst>
                 <a:ext uri="{28A0092B-C50C-407E-A947-70E740481C1C}">
                   <a14:useLocalDpi xmlns:a14="http://schemas.microsoft.com/office/drawing/2010/main" val="0"/>
@@ -4086,8 +4607,8 @@
           </p:blipFill>
           <p:spPr>
             <a:xfrm>
-              <a:off x="577163" y="3069000"/>
-              <a:ext cx="720000" cy="720000"/>
+              <a:off x="513673" y="3085265"/>
+              <a:ext cx="426777" cy="426777"/>
             </a:xfrm>
             <a:prstGeom prst="rect">
               <a:avLst/>
@@ -4096,20 +4617,20 @@
         </p:pic>
         <p:pic>
           <p:nvPicPr>
-            <p:cNvPr id="84" name="energia_omni" descr="Uma imagem contendo Interface gráfica do usuário&#10;&#10;Descrição gerada automaticamente">
+            <p:cNvPr id="48" name="firewall1" descr="Logotipo&#10;&#10;Descrição gerada automaticamente com confiança média">
               <a:extLst>
                 <a:ext uri="{FF2B5EF4-FFF2-40B4-BE49-F238E27FC236}">
-                  <a16:creationId xmlns:a16="http://schemas.microsoft.com/office/drawing/2014/main" id="{478558F6-57B0-4E17-BC31-84CFAEEE8A73}"/>
+                  <a16:creationId xmlns:a16="http://schemas.microsoft.com/office/drawing/2014/main" id="{72FDFF08-5B11-4FDE-9212-4EAD45E21883}"/>
                 </a:ext>
               </a:extLst>
             </p:cNvPr>
             <p:cNvPicPr>
-              <a:picLocks noChangeAspect="1"/>
+              <a:picLocks noGrp="1" noRot="1" noChangeAspect="1" noMove="1" noResize="1" noEditPoints="1" noAdjustHandles="1" noChangeArrowheads="1" noChangeShapeType="1" noCrop="1"/>
             </p:cNvPicPr>
             <p:nvPr/>
           </p:nvPicPr>
           <p:blipFill>
-            <a:blip r:embed="rId5">
+            <a:blip r:embed="rId6">
               <a:extLst>
                 <a:ext uri="{28A0092B-C50C-407E-A947-70E740481C1C}">
                   <a14:useLocalDpi xmlns:a14="http://schemas.microsoft.com/office/drawing/2010/main" val="0"/>
@@ -4122,44 +4643,8 @@
           </p:blipFill>
           <p:spPr>
             <a:xfrm>
-              <a:off x="1995683" y="4047837"/>
-              <a:ext cx="1080000" cy="1080000"/>
-            </a:xfrm>
-            <a:prstGeom prst="rect">
-              <a:avLst/>
-            </a:prstGeom>
-          </p:spPr>
-        </p:pic>
-        <p:pic>
-          <p:nvPicPr>
-            <p:cNvPr id="88" name="firewall1" descr="Ícone&#10;&#10;Descrição gerada automaticamente">
-              <a:extLst>
-                <a:ext uri="{FF2B5EF4-FFF2-40B4-BE49-F238E27FC236}">
-                  <a16:creationId xmlns:a16="http://schemas.microsoft.com/office/drawing/2014/main" id="{DC6F466C-5EFF-4261-A907-2A19B895C6DA}"/>
-                </a:ext>
-              </a:extLst>
-            </p:cNvPr>
-            <p:cNvPicPr>
-              <a:picLocks noChangeAspect="1"/>
-            </p:cNvPicPr>
-            <p:nvPr/>
-          </p:nvPicPr>
-          <p:blipFill>
-            <a:blip r:embed="rId6">
-              <a:extLst>
-                <a:ext uri="{28A0092B-C50C-407E-A947-70E740481C1C}">
-                  <a14:useLocalDpi xmlns:a14="http://schemas.microsoft.com/office/drawing/2010/main" val="0"/>
-                </a:ext>
-              </a:extLst>
-            </a:blip>
-            <a:stretch>
-              <a:fillRect/>
-            </a:stretch>
-          </p:blipFill>
-          <p:spPr>
-            <a:xfrm>
-              <a:off x="3777480" y="3327837"/>
-              <a:ext cx="720000" cy="720000"/>
+              <a:off x="2327129" y="2350139"/>
+              <a:ext cx="425031" cy="425031"/>
             </a:xfrm>
             <a:prstGeom prst="rect">
               <a:avLst/>
@@ -4176,7 +4661,7 @@
               </a:extLst>
             </p:cNvPr>
             <p:cNvPicPr>
-              <a:picLocks noChangeAspect="1"/>
+              <a:picLocks noGrp="1" noRot="1" noChangeAspect="1" noMove="1" noResize="1" noEditPoints="1" noAdjustHandles="1" noChangeArrowheads="1" noChangeShapeType="1" noCrop="1"/>
             </p:cNvPicPr>
             <p:nvPr/>
           </p:nvPicPr>
@@ -4194,8 +4679,44 @@
           </p:blipFill>
           <p:spPr>
             <a:xfrm>
-              <a:off x="5196000" y="2787837"/>
-              <a:ext cx="1800000" cy="1800000"/>
+              <a:off x="4260666" y="2504736"/>
+              <a:ext cx="1066941" cy="1066942"/>
+            </a:xfrm>
+            <a:prstGeom prst="rect">
+              <a:avLst/>
+            </a:prstGeom>
+          </p:spPr>
+        </p:pic>
+        <p:pic>
+          <p:nvPicPr>
+            <p:cNvPr id="54" name="azure logo" descr="Forma&#10;&#10;Descrição gerada automaticamente com confiança baixa">
+              <a:extLst>
+                <a:ext uri="{FF2B5EF4-FFF2-40B4-BE49-F238E27FC236}">
+                  <a16:creationId xmlns:a16="http://schemas.microsoft.com/office/drawing/2014/main" id="{DD974875-B6B9-48C0-8CC6-1AD6F572DD2D}"/>
+                </a:ext>
+              </a:extLst>
+            </p:cNvPr>
+            <p:cNvPicPr>
+              <a:picLocks noGrp="1" noRot="1" noChangeAspect="1" noMove="1" noResize="1" noEditPoints="1" noAdjustHandles="1" noChangeArrowheads="1" noChangeShapeType="1" noCrop="1"/>
+            </p:cNvPicPr>
+            <p:nvPr/>
+          </p:nvPicPr>
+          <p:blipFill>
+            <a:blip r:embed="rId8">
+              <a:extLst>
+                <a:ext uri="{28A0092B-C50C-407E-A947-70E740481C1C}">
+                  <a14:useLocalDpi xmlns:a14="http://schemas.microsoft.com/office/drawing/2010/main" val="0"/>
+                </a:ext>
+              </a:extLst>
+            </a:blip>
+            <a:stretch>
+              <a:fillRect/>
+            </a:stretch>
+          </p:blipFill>
+          <p:spPr>
+            <a:xfrm>
+              <a:off x="4669067" y="2609127"/>
+              <a:ext cx="378056" cy="378056"/>
             </a:xfrm>
             <a:prstGeom prst="rect">
               <a:avLst/>
@@ -4212,12 +4733,12 @@
               </a:extLst>
             </p:cNvPr>
             <p:cNvPicPr>
-              <a:picLocks noChangeAspect="1"/>
+              <a:picLocks noGrp="1" noRot="1" noChangeAspect="1" noMove="1" noResize="1" noEditPoints="1" noAdjustHandles="1" noChangeArrowheads="1" noChangeShapeType="1" noCrop="1"/>
             </p:cNvPicPr>
             <p:nvPr/>
           </p:nvPicPr>
           <p:blipFill>
-            <a:blip r:embed="rId8">
+            <a:blip r:embed="rId9">
               <a:extLst>
                 <a:ext uri="{28A0092B-C50C-407E-A947-70E740481C1C}">
                   <a14:useLocalDpi xmlns:a14="http://schemas.microsoft.com/office/drawing/2010/main" val="0"/>
@@ -4230,8 +4751,8 @@
           </p:blipFill>
           <p:spPr>
             <a:xfrm>
-              <a:off x="5556000" y="566399"/>
-              <a:ext cx="1080000" cy="1080000"/>
+              <a:off x="4474053" y="1356063"/>
+              <a:ext cx="640164" cy="640165"/>
             </a:xfrm>
             <a:prstGeom prst="rect">
               <a:avLst/>
@@ -4248,12 +4769,12 @@
               </a:extLst>
             </p:cNvPr>
             <p:cNvPicPr>
-              <a:picLocks noChangeAspect="1"/>
+              <a:picLocks noGrp="1" noRot="1" noChangeAspect="1" noMove="1" noResize="1" noEditPoints="1" noAdjustHandles="1" noChangeArrowheads="1" noChangeShapeType="1" noCrop="1"/>
             </p:cNvPicPr>
             <p:nvPr/>
           </p:nvPicPr>
           <p:blipFill>
-            <a:blip r:embed="rId9">
+            <a:blip r:embed="rId10">
               <a:extLst>
                 <a:ext uri="{28A0092B-C50C-407E-A947-70E740481C1C}">
                   <a14:useLocalDpi xmlns:a14="http://schemas.microsoft.com/office/drawing/2010/main" val="0"/>
@@ -4266,8 +4787,8 @@
           </p:blipFill>
           <p:spPr>
             <a:xfrm>
-              <a:off x="4383636" y="260273"/>
-              <a:ext cx="720000" cy="720000"/>
+              <a:off x="3858974" y="436358"/>
+              <a:ext cx="426777" cy="426777"/>
             </a:xfrm>
             <a:prstGeom prst="rect">
               <a:avLst/>
@@ -4284,12 +4805,12 @@
               </a:extLst>
             </p:cNvPr>
             <p:cNvPicPr>
-              <a:picLocks noChangeAspect="1"/>
+              <a:picLocks noGrp="1" noRot="1" noChangeAspect="1" noMove="1" noResize="1" noEditPoints="1" noAdjustHandles="1" noChangeArrowheads="1" noChangeShapeType="1" noCrop="1"/>
             </p:cNvPicPr>
             <p:nvPr/>
           </p:nvPicPr>
           <p:blipFill>
-            <a:blip r:embed="rId10">
+            <a:blip r:embed="rId11">
               <a:extLst>
                 <a:ext uri="{28A0092B-C50C-407E-A947-70E740481C1C}">
                   <a14:useLocalDpi xmlns:a14="http://schemas.microsoft.com/office/drawing/2010/main" val="0"/>
@@ -4302,8 +4823,8 @@
           </p:blipFill>
           <p:spPr>
             <a:xfrm>
-              <a:off x="4380285" y="1215264"/>
-              <a:ext cx="720000" cy="720000"/>
+              <a:off x="5220605" y="433252"/>
+              <a:ext cx="426777" cy="426777"/>
             </a:xfrm>
             <a:prstGeom prst="rect">
               <a:avLst/>
@@ -4320,12 +4841,12 @@
               </a:extLst>
             </p:cNvPr>
             <p:cNvPicPr>
-              <a:picLocks noChangeAspect="1"/>
+              <a:picLocks noGrp="1" noRot="1" noChangeAspect="1" noMove="1" noResize="1" noEditPoints="1" noAdjustHandles="1" noChangeArrowheads="1" noChangeShapeType="1" noCrop="1"/>
             </p:cNvPicPr>
             <p:nvPr/>
           </p:nvPicPr>
           <p:blipFill>
-            <a:blip r:embed="rId11">
+            <a:blip r:embed="rId12">
               <a:extLst>
                 <a:ext uri="{28A0092B-C50C-407E-A947-70E740481C1C}">
                   <a14:useLocalDpi xmlns:a14="http://schemas.microsoft.com/office/drawing/2010/main" val="0"/>
@@ -4338,8 +4859,8 @@
           </p:blipFill>
           <p:spPr>
             <a:xfrm>
-              <a:off x="7088364" y="1417359"/>
-              <a:ext cx="540000" cy="540000"/>
+              <a:off x="3061884" y="489770"/>
+              <a:ext cx="320082" cy="320082"/>
             </a:xfrm>
             <a:prstGeom prst="rect">
               <a:avLst/>
@@ -4356,12 +4877,12 @@
               </a:extLst>
             </p:cNvPr>
             <p:cNvPicPr>
-              <a:picLocks noChangeAspect="1"/>
+              <a:picLocks noGrp="1" noRot="1" noChangeAspect="1" noMove="1" noResize="1" noEditPoints="1" noAdjustHandles="1" noChangeArrowheads="1" noChangeShapeType="1" noCrop="1"/>
             </p:cNvPicPr>
             <p:nvPr/>
           </p:nvPicPr>
           <p:blipFill>
-            <a:blip r:embed="rId12">
+            <a:blip r:embed="rId13">
               <a:extLst>
                 <a:ext uri="{28A0092B-C50C-407E-A947-70E740481C1C}">
                   <a14:useLocalDpi xmlns:a14="http://schemas.microsoft.com/office/drawing/2010/main" val="0"/>
@@ -4374,8 +4895,8 @@
           </p:blipFill>
           <p:spPr>
             <a:xfrm>
-              <a:off x="7088364" y="829851"/>
-              <a:ext cx="540000" cy="540000"/>
+              <a:off x="3054718" y="972773"/>
+              <a:ext cx="320082" cy="320082"/>
             </a:xfrm>
             <a:prstGeom prst="rect">
               <a:avLst/>
@@ -4392,12 +4913,12 @@
               </a:extLst>
             </p:cNvPr>
             <p:cNvPicPr>
-              <a:picLocks noChangeAspect="1"/>
+              <a:picLocks noGrp="1" noRot="1" noChangeAspect="1" noMove="1" noResize="1" noEditPoints="1" noAdjustHandles="1" noChangeArrowheads="1" noChangeShapeType="1" noCrop="1"/>
             </p:cNvPicPr>
             <p:nvPr/>
           </p:nvPicPr>
           <p:blipFill>
-            <a:blip r:embed="rId13">
+            <a:blip r:embed="rId14">
               <a:extLst>
                 <a:ext uri="{28A0092B-C50C-407E-A947-70E740481C1C}">
                   <a14:useLocalDpi xmlns:a14="http://schemas.microsoft.com/office/drawing/2010/main" val="0"/>
@@ -4410,8 +4931,8 @@
           </p:blipFill>
           <p:spPr>
             <a:xfrm>
-              <a:off x="7088364" y="242343"/>
-              <a:ext cx="540000" cy="540000"/>
+              <a:off x="3061653" y="26513"/>
+              <a:ext cx="320082" cy="320082"/>
             </a:xfrm>
             <a:prstGeom prst="rect">
               <a:avLst/>
@@ -4420,15 +4941,15 @@
         </p:pic>
         <p:pic>
           <p:nvPicPr>
-            <p:cNvPr id="220" name="firewall2" descr="Ícone&#10;&#10;Descrição gerada automaticamente">
+            <p:cNvPr id="103" name="firewall2" descr="Logotipo&#10;&#10;Descrição gerada automaticamente com confiança média">
               <a:extLst>
                 <a:ext uri="{FF2B5EF4-FFF2-40B4-BE49-F238E27FC236}">
-                  <a16:creationId xmlns:a16="http://schemas.microsoft.com/office/drawing/2014/main" id="{05300B15-FA2E-4B95-B59B-42E6B494716C}"/>
+                  <a16:creationId xmlns:a16="http://schemas.microsoft.com/office/drawing/2014/main" id="{872ACEB3-B5AB-438D-9DCF-46C7A1D2FCA7}"/>
                 </a:ext>
               </a:extLst>
             </p:cNvPr>
             <p:cNvPicPr>
-              <a:picLocks noChangeAspect="1"/>
+              <a:picLocks noGrp="1" noRot="1" noChangeAspect="1" noMove="1" noResize="1" noEditPoints="1" noAdjustHandles="1" noChangeArrowheads="1" noChangeShapeType="1" noCrop="1"/>
             </p:cNvPicPr>
             <p:nvPr/>
           </p:nvPicPr>
@@ -4446,44 +4967,8 @@
           </p:blipFill>
           <p:spPr>
             <a:xfrm>
-              <a:off x="7694520" y="3327837"/>
-              <a:ext cx="720000" cy="720000"/>
-            </a:xfrm>
-            <a:prstGeom prst="rect">
-              <a:avLst/>
-            </a:prstGeom>
-          </p:spPr>
-        </p:pic>
-        <p:pic>
-          <p:nvPicPr>
-            <p:cNvPr id="222" name="energia_cliente" descr="Uma imagem contendo Interface gráfica do usuário&#10;&#10;Descrição gerada automaticamente">
-              <a:extLst>
-                <a:ext uri="{FF2B5EF4-FFF2-40B4-BE49-F238E27FC236}">
-                  <a16:creationId xmlns:a16="http://schemas.microsoft.com/office/drawing/2014/main" id="{A14C5A25-234E-4CE6-9A10-5BB24C9EF841}"/>
-                </a:ext>
-              </a:extLst>
-            </p:cNvPr>
-            <p:cNvPicPr>
-              <a:picLocks noChangeAspect="1"/>
-            </p:cNvPicPr>
-            <p:nvPr/>
-          </p:nvPicPr>
-          <p:blipFill>
-            <a:blip r:embed="rId5">
-              <a:extLst>
-                <a:ext uri="{28A0092B-C50C-407E-A947-70E740481C1C}">
-                  <a14:useLocalDpi xmlns:a14="http://schemas.microsoft.com/office/drawing/2010/main" val="0"/>
-                </a:ext>
-              </a:extLst>
-            </a:blip>
-            <a:stretch>
-              <a:fillRect/>
-            </a:stretch>
-          </p:blipFill>
-          <p:spPr>
-            <a:xfrm>
-              <a:off x="9113040" y="4047837"/>
-              <a:ext cx="1080000" cy="1080000"/>
+              <a:off x="6833893" y="2361599"/>
+              <a:ext cx="425031" cy="425031"/>
             </a:xfrm>
             <a:prstGeom prst="rect">
               <a:avLst/>
@@ -4500,12 +4985,12 @@
               </a:extLst>
             </p:cNvPr>
             <p:cNvPicPr>
-              <a:picLocks noChangeAspect="1"/>
+              <a:picLocks noGrp="1" noRot="1" noChangeAspect="1" noMove="1" noResize="1" noEditPoints="1" noAdjustHandles="1" noChangeArrowheads="1" noChangeShapeType="1" noCrop="1"/>
             </p:cNvPicPr>
             <p:nvPr/>
           </p:nvPicPr>
           <p:blipFill>
-            <a:blip r:embed="rId4">
+            <a:blip r:embed="rId5">
               <a:extLst>
                 <a:ext uri="{28A0092B-C50C-407E-A947-70E740481C1C}">
                   <a14:useLocalDpi xmlns:a14="http://schemas.microsoft.com/office/drawing/2010/main" val="0"/>
@@ -4518,8 +5003,8 @@
           </p:blipFill>
           <p:spPr>
             <a:xfrm>
-              <a:off x="10894837" y="3069000"/>
-              <a:ext cx="720000" cy="720000"/>
+              <a:off x="8278261" y="1578460"/>
+              <a:ext cx="426777" cy="426777"/>
             </a:xfrm>
             <a:prstGeom prst="rect">
               <a:avLst/>
@@ -4536,7 +5021,7 @@
               </a:extLst>
             </p:cNvPr>
             <p:cNvPicPr>
-              <a:picLocks noChangeAspect="1"/>
+              <a:picLocks noGrp="1" noRot="1" noChangeAspect="1" noMove="1" noResize="1" noEditPoints="1" noAdjustHandles="1" noChangeArrowheads="1" noChangeShapeType="1" noCrop="1"/>
             </p:cNvPicPr>
             <p:nvPr/>
           </p:nvPicPr>
@@ -4554,8 +5039,8 @@
           </p:blipFill>
           <p:spPr>
             <a:xfrm>
-              <a:off x="10714837" y="1137118"/>
-              <a:ext cx="1080000" cy="1080000"/>
+              <a:off x="8171569" y="429609"/>
+              <a:ext cx="640164" cy="640165"/>
             </a:xfrm>
             <a:prstGeom prst="rect">
               <a:avLst/>
@@ -4572,12 +5057,12 @@
               </a:extLst>
             </p:cNvPr>
             <p:cNvPicPr>
-              <a:picLocks noChangeAspect="1"/>
+              <a:picLocks noGrp="1" noRot="1" noChangeAspect="1" noMove="1" noResize="1" noEditPoints="1" noAdjustHandles="1" noChangeArrowheads="1" noChangeShapeType="1" noCrop="1"/>
             </p:cNvPicPr>
             <p:nvPr/>
           </p:nvPicPr>
           <p:blipFill>
-            <a:blip r:embed="rId14">
+            <a:blip r:embed="rId15">
               <a:extLst>
                 <a:ext uri="{28A0092B-C50C-407E-A947-70E740481C1C}">
                   <a14:useLocalDpi xmlns:a14="http://schemas.microsoft.com/office/drawing/2010/main" val="0"/>
@@ -4590,8 +5075,8 @@
           </p:blipFill>
           <p:spPr>
             <a:xfrm>
-              <a:off x="10947237" y="4337864"/>
-              <a:ext cx="720000" cy="720000"/>
+              <a:off x="8278260" y="3258826"/>
+              <a:ext cx="426777" cy="426777"/>
             </a:xfrm>
             <a:prstGeom prst="rect">
               <a:avLst/>
@@ -4608,12 +5093,12 @@
               </a:extLst>
             </p:cNvPr>
             <p:cNvPicPr>
-              <a:picLocks noChangeAspect="1"/>
+              <a:picLocks noGrp="1" noRot="1" noChangeAspect="1" noMove="1" noResize="1" noEditPoints="1" noAdjustHandles="1" noChangeArrowheads="1" noChangeShapeType="1" noCrop="1"/>
             </p:cNvPicPr>
             <p:nvPr/>
           </p:nvPicPr>
           <p:blipFill>
-            <a:blip r:embed="rId15">
+            <a:blip r:embed="rId16">
               <a:extLst>
                 <a:ext uri="{28A0092B-C50C-407E-A947-70E740481C1C}">
                   <a14:useLocalDpi xmlns:a14="http://schemas.microsoft.com/office/drawing/2010/main" val="0"/>
@@ -4626,8 +5111,8 @@
           </p:blipFill>
           <p:spPr>
             <a:xfrm>
-              <a:off x="10947237" y="5754654"/>
-              <a:ext cx="540000" cy="540000"/>
+              <a:off x="6608080" y="4609392"/>
+              <a:ext cx="320082" cy="320082"/>
             </a:xfrm>
             <a:prstGeom prst="rect">
               <a:avLst/>
@@ -4644,12 +5129,12 @@
               </a:extLst>
             </p:cNvPr>
             <p:cNvPicPr>
-              <a:picLocks noChangeAspect="1"/>
+              <a:picLocks noGrp="1" noRot="1" noChangeAspect="1" noMove="1" noResize="1" noEditPoints="1" noAdjustHandles="1" noChangeArrowheads="1" noChangeShapeType="1" noCrop="1"/>
             </p:cNvPicPr>
             <p:nvPr/>
           </p:nvPicPr>
           <p:blipFill>
-            <a:blip r:embed="rId16">
+            <a:blip r:embed="rId17">
               <a:extLst>
                 <a:ext uri="{28A0092B-C50C-407E-A947-70E740481C1C}">
                   <a14:useLocalDpi xmlns:a14="http://schemas.microsoft.com/office/drawing/2010/main" val="0"/>
@@ -4662,8 +5147,8 @@
           </p:blipFill>
           <p:spPr>
             <a:xfrm>
-              <a:off x="9923040" y="5754654"/>
-              <a:ext cx="540000" cy="540000"/>
+              <a:off x="5390676" y="4609392"/>
+              <a:ext cx="320082" cy="320082"/>
             </a:xfrm>
             <a:prstGeom prst="rect">
               <a:avLst/>
@@ -4680,12 +5165,12 @@
               </a:extLst>
             </p:cNvPr>
             <p:cNvPicPr>
-              <a:picLocks noChangeAspect="1"/>
+              <a:picLocks noGrp="1" noRot="1" noChangeAspect="1" noMove="1" noResize="1" noEditPoints="1" noAdjustHandles="1" noChangeArrowheads="1" noChangeShapeType="1" noCrop="1"/>
             </p:cNvPicPr>
             <p:nvPr/>
           </p:nvPicPr>
           <p:blipFill>
-            <a:blip r:embed="rId17">
+            <a:blip r:embed="rId18">
               <a:extLst>
                 <a:ext uri="{28A0092B-C50C-407E-A947-70E740481C1C}">
                   <a14:useLocalDpi xmlns:a14="http://schemas.microsoft.com/office/drawing/2010/main" val="0"/>
@@ -4698,8 +5183,8 @@
           </p:blipFill>
           <p:spPr>
             <a:xfrm>
-              <a:off x="8898843" y="5754654"/>
-              <a:ext cx="540000" cy="540000"/>
+              <a:off x="4179792" y="4609392"/>
+              <a:ext cx="320082" cy="320082"/>
             </a:xfrm>
             <a:prstGeom prst="rect">
               <a:avLst/>
@@ -4716,12 +5201,12 @@
               </a:extLst>
             </p:cNvPr>
             <p:cNvPicPr>
-              <a:picLocks noChangeAspect="1"/>
+              <a:picLocks noGrp="1" noRot="1" noChangeAspect="1" noMove="1" noResize="1" noEditPoints="1" noAdjustHandles="1" noChangeArrowheads="1" noChangeShapeType="1" noCrop="1"/>
             </p:cNvPicPr>
             <p:nvPr/>
           </p:nvPicPr>
           <p:blipFill>
-            <a:blip r:embed="rId18">
+            <a:blip r:embed="rId19">
               <a:extLst>
                 <a:ext uri="{28A0092B-C50C-407E-A947-70E740481C1C}">
                   <a14:useLocalDpi xmlns:a14="http://schemas.microsoft.com/office/drawing/2010/main" val="0"/>
@@ -4734,8 +5219,80 @@
           </p:blipFill>
           <p:spPr>
             <a:xfrm>
-              <a:off x="7334520" y="5484654"/>
-              <a:ext cx="1080000" cy="1080000"/>
+              <a:off x="8165430" y="4430366"/>
+              <a:ext cx="640164" cy="640165"/>
+            </a:xfrm>
+            <a:prstGeom prst="rect">
+              <a:avLst/>
+            </a:prstGeom>
+          </p:spPr>
+        </p:pic>
+        <p:pic>
+          <p:nvPicPr>
+            <p:cNvPr id="137" name="roteador_omni" descr="Ícone&#10;&#10;Descrição gerada automaticamente">
+              <a:extLst>
+                <a:ext uri="{FF2B5EF4-FFF2-40B4-BE49-F238E27FC236}">
+                  <a16:creationId xmlns:a16="http://schemas.microsoft.com/office/drawing/2014/main" id="{1BF8DB9A-661B-41EE-A78A-63F21A27B707}"/>
+                </a:ext>
+              </a:extLst>
+            </p:cNvPr>
+            <p:cNvPicPr>
+              <a:picLocks noGrp="1" noRot="1" noChangeAspect="1" noMove="1" noResize="1" noEditPoints="1" noAdjustHandles="1" noChangeArrowheads="1" noChangeShapeType="1" noCrop="1"/>
+            </p:cNvPicPr>
+            <p:nvPr/>
+          </p:nvPicPr>
+          <p:blipFill>
+            <a:blip r:embed="rId4">
+              <a:extLst>
+                <a:ext uri="{28A0092B-C50C-407E-A947-70E740481C1C}">
+                  <a14:useLocalDpi xmlns:a14="http://schemas.microsoft.com/office/drawing/2010/main" val="0"/>
+                </a:ext>
+              </a:extLst>
+            </a:blip>
+            <a:stretch>
+              <a:fillRect/>
+            </a:stretch>
+          </p:blipFill>
+          <p:spPr>
+            <a:xfrm>
+              <a:off x="8278260" y="2358719"/>
+              <a:ext cx="426777" cy="426777"/>
+            </a:xfrm>
+            <a:prstGeom prst="rect">
+              <a:avLst/>
+            </a:prstGeom>
+          </p:spPr>
+        </p:pic>
+        <p:pic>
+          <p:nvPicPr>
+            <p:cNvPr id="361" name="wifi_cliente" descr="Ícone&#10;&#10;Descrição gerada automaticamente">
+              <a:extLst>
+                <a:ext uri="{FF2B5EF4-FFF2-40B4-BE49-F238E27FC236}">
+                  <a16:creationId xmlns:a16="http://schemas.microsoft.com/office/drawing/2014/main" id="{FBFB2CE3-B26F-4DDD-B74F-F868709FB0AE}"/>
+                </a:ext>
+              </a:extLst>
+            </p:cNvPr>
+            <p:cNvPicPr>
+              <a:picLocks noGrp="1" noRot="1" noChangeAspect="1" noMove="1" noResize="1" noEditPoints="1" noAdjustHandles="1" noChangeArrowheads="1" noChangeShapeType="1" noCrop="1"/>
+            </p:cNvPicPr>
+            <p:nvPr/>
+          </p:nvPicPr>
+          <p:blipFill>
+            <a:blip r:embed="rId5">
+              <a:extLst>
+                <a:ext uri="{28A0092B-C50C-407E-A947-70E740481C1C}">
+                  <a14:useLocalDpi xmlns:a14="http://schemas.microsoft.com/office/drawing/2010/main" val="0"/>
+                </a:ext>
+              </a:extLst>
+            </a:blip>
+            <a:stretch>
+              <a:fillRect/>
+            </a:stretch>
+          </p:blipFill>
+          <p:spPr>
+            <a:xfrm>
+              <a:off x="8592747" y="3913984"/>
+              <a:ext cx="288000" cy="288000"/>
             </a:xfrm>
             <a:prstGeom prst="rect">
               <a:avLst/>
@@ -4745,45 +5302,48 @@
       </p:grpSp>
       <p:grpSp>
         <p:nvGrpSpPr>
-          <p:cNvPr id="310" name="setas">
+          <p:cNvPr id="641" name="setas">
             <a:extLst>
               <a:ext uri="{FF2B5EF4-FFF2-40B4-BE49-F238E27FC236}">
-                <a16:creationId xmlns:a16="http://schemas.microsoft.com/office/drawing/2014/main" id="{3A7DEE39-D295-4AE8-A061-398BC9C1B119}"/>
+                <a16:creationId xmlns:a16="http://schemas.microsoft.com/office/drawing/2014/main" id="{56F41A2F-1833-4AE0-B8E9-FA06BD1702A7}"/>
               </a:ext>
             </a:extLst>
           </p:cNvPr>
-          <p:cNvGrpSpPr/>
+          <p:cNvGrpSpPr>
+            <a:grpSpLocks noGrp="1" noUngrp="1" noRot="1" noMove="1" noResize="1"/>
+          </p:cNvGrpSpPr>
           <p:nvPr/>
         </p:nvGrpSpPr>
         <p:grpSpPr>
           <a:xfrm>
-            <a:off x="937163" y="514283"/>
-            <a:ext cx="10317674" cy="5512311"/>
-            <a:chOff x="937163" y="514283"/>
-            <a:chExt cx="10317674" cy="5512311"/>
+            <a:off x="727061" y="186554"/>
+            <a:ext cx="8010534" cy="4582879"/>
+            <a:chOff x="727061" y="186554"/>
+            <a:chExt cx="8010534" cy="4582879"/>
           </a:xfrm>
         </p:grpSpPr>
         <p:cxnSp>
           <p:nvCxnSpPr>
-            <p:cNvPr id="140" name="seta1">
+            <p:cNvPr id="86" name="1">
               <a:extLst>
                 <a:ext uri="{FF2B5EF4-FFF2-40B4-BE49-F238E27FC236}">
-                  <a16:creationId xmlns:a16="http://schemas.microsoft.com/office/drawing/2014/main" id="{B384978E-CD34-4151-9ED6-3E939E66C52B}"/>
+                  <a16:creationId xmlns:a16="http://schemas.microsoft.com/office/drawing/2014/main" id="{66A6EE27-1290-48D9-838B-CBBB42BC758C}"/>
                 </a:ext>
               </a:extLst>
             </p:cNvPr>
             <p:cNvCxnSpPr>
+              <a:cxnSpLocks noGrp="1" noRot="1" noMove="1" noResize="1" noEditPoints="1" noAdjustHandles="1" noChangeArrowheads="1" noChangeShapeType="1"/>
               <a:stCxn id="6" idx="0"/>
-              <a:endCxn id="9" idx="2"/>
+              <a:endCxn id="11" idx="2"/>
             </p:cNvCxnSpPr>
             <p:nvPr/>
           </p:nvCxnSpPr>
           <p:spPr>
-            <a:xfrm flipV="1">
-              <a:off x="937163" y="4998767"/>
-              <a:ext cx="0" cy="487827"/>
+            <a:xfrm flipH="1" flipV="1">
+              <a:off x="727062" y="3512042"/>
+              <a:ext cx="1" cy="747017"/>
             </a:xfrm>
-            <a:prstGeom prst="straightConnector1">
+            <a:prstGeom prst="line">
               <a:avLst/>
             </a:prstGeom>
             <a:ln w="28575">
@@ -4791,7 +5351,6 @@
                 <a:srgbClr val="8008FF"/>
               </a:solidFill>
               <a:prstDash val="sysDot"/>
-              <a:tailEnd type="triangle"/>
             </a:ln>
           </p:spPr>
           <p:style>
@@ -4811,25 +5370,24 @@
         </p:cxnSp>
         <p:cxnSp>
           <p:nvCxnSpPr>
-            <p:cNvPr id="144" name="seta2">
+            <p:cNvPr id="638" name="2">
               <a:extLst>
                 <a:ext uri="{FF2B5EF4-FFF2-40B4-BE49-F238E27FC236}">
-                  <a16:creationId xmlns:a16="http://schemas.microsoft.com/office/drawing/2014/main" id="{60C5DAA5-D15C-4A38-8E55-AF33D1961DC5}"/>
+                  <a16:creationId xmlns:a16="http://schemas.microsoft.com/office/drawing/2014/main" id="{2CF68E38-3466-4F5E-9ADE-15410E276653}"/>
                 </a:ext>
               </a:extLst>
             </p:cNvPr>
             <p:cNvCxnSpPr>
-              <a:stCxn id="9" idx="0"/>
-              <a:endCxn id="11" idx="2"/>
+              <a:cxnSpLocks noGrp="1" noRot="1" noMove="1" noResize="1" noEditPoints="1" noAdjustHandles="1" noChangeArrowheads="1" noChangeShapeType="1"/>
             </p:cNvCxnSpPr>
             <p:nvPr/>
           </p:nvCxnSpPr>
           <p:spPr>
-            <a:xfrm flipV="1">
-              <a:off x="937163" y="3790940"/>
-              <a:ext cx="0" cy="487827"/>
+            <a:xfrm flipH="1" flipV="1">
+              <a:off x="727061" y="2230051"/>
+              <a:ext cx="1" cy="855599"/>
             </a:xfrm>
-            <a:prstGeom prst="straightConnector1">
+            <a:prstGeom prst="line">
               <a:avLst/>
             </a:prstGeom>
             <a:ln w="28575">
@@ -4837,7 +5395,6 @@
                 <a:srgbClr val="8008FF"/>
               </a:solidFill>
               <a:prstDash val="sysDot"/>
-              <a:tailEnd type="triangle"/>
             </a:ln>
           </p:spPr>
           <p:style>
@@ -4857,23 +5414,22 @@
         </p:cxnSp>
         <p:cxnSp>
           <p:nvCxnSpPr>
-            <p:cNvPr id="152" name="seta3">
+            <p:cNvPr id="639" name="3">
               <a:extLst>
                 <a:ext uri="{FF2B5EF4-FFF2-40B4-BE49-F238E27FC236}">
-                  <a16:creationId xmlns:a16="http://schemas.microsoft.com/office/drawing/2014/main" id="{BFD87D96-EA89-42E8-B317-A81002A6A59B}"/>
+                  <a16:creationId xmlns:a16="http://schemas.microsoft.com/office/drawing/2014/main" id="{316D5425-2FB4-40F4-9B95-FC91FD9FAD57}"/>
                 </a:ext>
               </a:extLst>
             </p:cNvPr>
             <p:cNvCxnSpPr>
-              <a:stCxn id="11" idx="3"/>
-              <a:endCxn id="84" idx="0"/>
+              <a:cxnSpLocks noGrp="1" noRot="1" noMove="1" noResize="1" noEditPoints="1" noAdjustHandles="1" noChangeArrowheads="1" noChangeShapeType="1"/>
             </p:cNvCxnSpPr>
             <p:nvPr/>
           </p:nvCxnSpPr>
           <p:spPr>
             <a:xfrm>
-              <a:off x="1297163" y="3430940"/>
-              <a:ext cx="1238520" cy="618837"/>
+              <a:off x="940451" y="2016663"/>
+              <a:ext cx="1599194" cy="333861"/>
             </a:xfrm>
             <a:prstGeom prst="bentConnector2">
               <a:avLst/>
@@ -4883,7 +5439,6 @@
                 <a:srgbClr val="8008FF"/>
               </a:solidFill>
               <a:prstDash val="sysDot"/>
-              <a:tailEnd type="triangle"/>
             </a:ln>
           </p:spPr>
           <p:style>
@@ -4903,25 +5458,24 @@
         </p:cxnSp>
         <p:cxnSp>
           <p:nvCxnSpPr>
-            <p:cNvPr id="156" name="seta4">
+            <p:cNvPr id="640" name="4">
               <a:extLst>
                 <a:ext uri="{FF2B5EF4-FFF2-40B4-BE49-F238E27FC236}">
-                  <a16:creationId xmlns:a16="http://schemas.microsoft.com/office/drawing/2014/main" id="{1967BE02-E9B3-4961-ACED-C4A1BFA7CC8B}"/>
+                  <a16:creationId xmlns:a16="http://schemas.microsoft.com/office/drawing/2014/main" id="{BA75250F-B409-4AA9-81F5-021E647B7B00}"/>
                 </a:ext>
               </a:extLst>
             </p:cNvPr>
             <p:cNvCxnSpPr>
-              <a:stCxn id="84" idx="3"/>
-              <a:endCxn id="88" idx="2"/>
+              <a:cxnSpLocks noGrp="1" noRot="1" noMove="1" noResize="1" noEditPoints="1" noAdjustHandles="1" noChangeArrowheads="1" noChangeShapeType="1"/>
             </p:cNvCxnSpPr>
             <p:nvPr/>
           </p:nvCxnSpPr>
           <p:spPr>
-            <a:xfrm flipV="1">
-              <a:off x="3075683" y="4049777"/>
-              <a:ext cx="1061797" cy="540000"/>
+            <a:xfrm>
+              <a:off x="2752160" y="2562655"/>
+              <a:ext cx="1508506" cy="475552"/>
             </a:xfrm>
-            <a:prstGeom prst="bentConnector2">
+            <a:prstGeom prst="bentConnector3">
               <a:avLst/>
             </a:prstGeom>
             <a:ln w="28575">
@@ -4929,7 +5483,6 @@
                 <a:srgbClr val="8008FF"/>
               </a:solidFill>
               <a:prstDash val="sysDot"/>
-              <a:tailEnd type="triangle"/>
             </a:ln>
           </p:spPr>
           <p:style>
@@ -4949,36 +5502,31 @@
         </p:cxnSp>
         <p:cxnSp>
           <p:nvCxnSpPr>
-            <p:cNvPr id="164" name="seta5">
+            <p:cNvPr id="552" name="5">
               <a:extLst>
                 <a:ext uri="{FF2B5EF4-FFF2-40B4-BE49-F238E27FC236}">
-                  <a16:creationId xmlns:a16="http://schemas.microsoft.com/office/drawing/2014/main" id="{D3B82EF4-B73C-45C6-AE69-E8BBCDF30062}"/>
+                  <a16:creationId xmlns:a16="http://schemas.microsoft.com/office/drawing/2014/main" id="{E9318CB9-7F2F-4D1E-A7B6-0FB9105BC06A}"/>
                 </a:ext>
               </a:extLst>
             </p:cNvPr>
             <p:cNvCxnSpPr>
-              <a:stCxn id="88" idx="0"/>
-              <a:endCxn id="92" idx="1"/>
+              <a:cxnSpLocks noGrp="1" noRot="1" noMove="1" noResize="1" noEditPoints="1" noAdjustHandles="1" noChangeArrowheads="1" noChangeShapeType="1"/>
             </p:cNvCxnSpPr>
             <p:nvPr/>
           </p:nvCxnSpPr>
           <p:spPr>
-            <a:xfrm rot="16200000" flipH="1">
-              <a:off x="4486740" y="2980517"/>
-              <a:ext cx="360000" cy="1058520"/>
+            <a:xfrm rot="10800000" flipV="1">
+              <a:off x="5328455" y="2574115"/>
+              <a:ext cx="1506286" cy="464092"/>
             </a:xfrm>
-            <a:prstGeom prst="bentConnector4">
-              <a:avLst>
-                <a:gd name="adj1" fmla="val -63500"/>
-                <a:gd name="adj2" fmla="val 67005"/>
-              </a:avLst>
+            <a:prstGeom prst="bentConnector3">
+              <a:avLst/>
             </a:prstGeom>
             <a:ln w="28575">
               <a:solidFill>
-                <a:srgbClr val="8008FF"/>
+                <a:srgbClr val="F56413"/>
               </a:solidFill>
               <a:prstDash val="sysDot"/>
-              <a:tailEnd type="triangle"/>
             </a:ln>
           </p:spPr>
           <p:style>
@@ -4998,36 +5546,31 @@
         </p:cxnSp>
         <p:cxnSp>
           <p:nvCxnSpPr>
-            <p:cNvPr id="168" name="seta6">
+            <p:cNvPr id="248" name="6">
               <a:extLst>
                 <a:ext uri="{FF2B5EF4-FFF2-40B4-BE49-F238E27FC236}">
-                  <a16:creationId xmlns:a16="http://schemas.microsoft.com/office/drawing/2014/main" id="{DC2F4429-6A45-421E-BB67-2DE0DADEE2C9}"/>
+                  <a16:creationId xmlns:a16="http://schemas.microsoft.com/office/drawing/2014/main" id="{B4843F2B-2872-4F12-9048-B9283F255E47}"/>
                 </a:ext>
               </a:extLst>
             </p:cNvPr>
             <p:cNvCxnSpPr>
-              <a:stCxn id="220" idx="0"/>
-              <a:endCxn id="92" idx="3"/>
+              <a:cxnSpLocks noGrp="1" noRot="1" noMove="1" noResize="1" noEditPoints="1" noAdjustHandles="1" noChangeArrowheads="1" noChangeShapeType="1"/>
             </p:cNvCxnSpPr>
             <p:nvPr/>
           </p:nvCxnSpPr>
           <p:spPr>
-            <a:xfrm rot="16200000" flipH="1" flipV="1">
-              <a:off x="7345260" y="2980517"/>
-              <a:ext cx="360000" cy="1058520"/>
+            <a:xfrm flipH="1">
+              <a:off x="7259772" y="2572108"/>
+              <a:ext cx="1019336" cy="2007"/>
             </a:xfrm>
-            <a:prstGeom prst="bentConnector4">
-              <a:avLst>
-                <a:gd name="adj1" fmla="val -63500"/>
-                <a:gd name="adj2" fmla="val 67005"/>
-              </a:avLst>
+            <a:prstGeom prst="line">
+              <a:avLst/>
             </a:prstGeom>
             <a:ln w="28575">
               <a:solidFill>
-                <a:srgbClr val="8008FF"/>
+                <a:srgbClr val="F56413"/>
               </a:solidFill>
               <a:prstDash val="sysDot"/>
-              <a:tailEnd type="triangle"/>
             </a:ln>
           </p:spPr>
           <p:style>
@@ -5047,33 +5590,31 @@
         </p:cxnSp>
         <p:cxnSp>
           <p:nvCxnSpPr>
-            <p:cNvPr id="176" name="seta7">
+            <p:cNvPr id="110" name="7">
               <a:extLst>
                 <a:ext uri="{FF2B5EF4-FFF2-40B4-BE49-F238E27FC236}">
-                  <a16:creationId xmlns:a16="http://schemas.microsoft.com/office/drawing/2014/main" id="{BC0E250A-32B0-4EBA-A085-B87442DB641B}"/>
+                  <a16:creationId xmlns:a16="http://schemas.microsoft.com/office/drawing/2014/main" id="{7D0162C3-9969-4187-974A-90B00303406F}"/>
                 </a:ext>
               </a:extLst>
             </p:cNvPr>
             <p:cNvCxnSpPr>
-              <a:stCxn id="136" idx="3"/>
-              <a:endCxn id="132" idx="1"/>
+              <a:cxnSpLocks noGrp="1" noRot="1" noMove="1" noResize="1" noEditPoints="1" noAdjustHandles="1" noChangeArrowheads="1" noChangeShapeType="1"/>
             </p:cNvCxnSpPr>
             <p:nvPr/>
           </p:nvCxnSpPr>
           <p:spPr>
-            <a:xfrm>
-              <a:off x="8414520" y="6026594"/>
-              <a:ext cx="484323" cy="0"/>
+            <a:xfrm flipH="1">
+              <a:off x="8492497" y="2005237"/>
+              <a:ext cx="1" cy="353482"/>
             </a:xfrm>
-            <a:prstGeom prst="straightConnector1">
+            <a:prstGeom prst="line">
               <a:avLst/>
             </a:prstGeom>
             <a:ln w="28575">
               <a:solidFill>
-                <a:srgbClr val="8008FF"/>
+                <a:srgbClr val="F56413"/>
               </a:solidFill>
               <a:prstDash val="sysDot"/>
-              <a:tailEnd type="triangle"/>
             </a:ln>
           </p:spPr>
           <p:style>
@@ -5093,33 +5634,31 @@
         </p:cxnSp>
         <p:cxnSp>
           <p:nvCxnSpPr>
-            <p:cNvPr id="180" name="seta8">
+            <p:cNvPr id="107" name="8">
               <a:extLst>
                 <a:ext uri="{FF2B5EF4-FFF2-40B4-BE49-F238E27FC236}">
-                  <a16:creationId xmlns:a16="http://schemas.microsoft.com/office/drawing/2014/main" id="{DDF5AD93-603F-43CC-A7D7-A55C25CDD4DA}"/>
+                  <a16:creationId xmlns:a16="http://schemas.microsoft.com/office/drawing/2014/main" id="{8152DA3F-0FBB-4212-93E1-6A24C4DD8429}"/>
                 </a:ext>
               </a:extLst>
             </p:cNvPr>
             <p:cNvCxnSpPr>
-              <a:stCxn id="132" idx="3"/>
-              <a:endCxn id="128" idx="1"/>
+              <a:cxnSpLocks noGrp="1" noRot="1" noMove="1" noResize="1" noEditPoints="1" noAdjustHandles="1" noChangeArrowheads="1" noChangeShapeType="1"/>
             </p:cNvCxnSpPr>
             <p:nvPr/>
           </p:nvCxnSpPr>
           <p:spPr>
-            <a:xfrm>
-              <a:off x="9438843" y="6026594"/>
-              <a:ext cx="484197" cy="0"/>
+            <a:xfrm rot="5400000">
+              <a:off x="8235967" y="1324118"/>
+              <a:ext cx="508686" cy="1"/>
             </a:xfrm>
-            <a:prstGeom prst="straightConnector1">
+            <a:prstGeom prst="bentConnector3">
               <a:avLst/>
             </a:prstGeom>
             <a:ln w="28575">
               <a:solidFill>
-                <a:srgbClr val="8008FF"/>
+                <a:srgbClr val="F56413"/>
               </a:solidFill>
               <a:prstDash val="sysDot"/>
-              <a:tailEnd type="triangle"/>
             </a:ln>
           </p:spPr>
           <p:style>
@@ -5139,33 +5678,31 @@
         </p:cxnSp>
         <p:cxnSp>
           <p:nvCxnSpPr>
-            <p:cNvPr id="184" name="seta9">
+            <p:cNvPr id="114" name="9">
               <a:extLst>
                 <a:ext uri="{FF2B5EF4-FFF2-40B4-BE49-F238E27FC236}">
-                  <a16:creationId xmlns:a16="http://schemas.microsoft.com/office/drawing/2014/main" id="{DC514AD2-B10A-43A7-A49C-4E156D07925E}"/>
+                  <a16:creationId xmlns:a16="http://schemas.microsoft.com/office/drawing/2014/main" id="{D43DA2F8-46C2-4D3C-987F-D0D295F04A16}"/>
                 </a:ext>
               </a:extLst>
             </p:cNvPr>
             <p:cNvCxnSpPr>
-              <a:stCxn id="128" idx="3"/>
-              <a:endCxn id="124" idx="1"/>
+              <a:cxnSpLocks noGrp="1" noRot="1" noMove="1" noResize="1" noEditPoints="1" noAdjustHandles="1" noChangeArrowheads="1" noChangeShapeType="1"/>
             </p:cNvCxnSpPr>
             <p:nvPr/>
           </p:nvCxnSpPr>
           <p:spPr>
             <a:xfrm>
-              <a:off x="10463040" y="6026594"/>
-              <a:ext cx="484197" cy="0"/>
+              <a:off x="8492497" y="2785496"/>
+              <a:ext cx="0" cy="473330"/>
             </a:xfrm>
-            <a:prstGeom prst="straightConnector1">
+            <a:prstGeom prst="line">
               <a:avLst/>
             </a:prstGeom>
             <a:ln w="28575">
               <a:solidFill>
-                <a:srgbClr val="8008FF"/>
+                <a:srgbClr val="F56413"/>
               </a:solidFill>
               <a:prstDash val="sysDot"/>
-              <a:tailEnd type="triangle"/>
             </a:ln>
           </p:spPr>
           <p:style>
@@ -5185,32 +5722,31 @@
         </p:cxnSp>
         <p:cxnSp>
           <p:nvCxnSpPr>
-            <p:cNvPr id="188" name="seta10">
+            <p:cNvPr id="406" name="10">
               <a:extLst>
                 <a:ext uri="{FF2B5EF4-FFF2-40B4-BE49-F238E27FC236}">
-                  <a16:creationId xmlns:a16="http://schemas.microsoft.com/office/drawing/2014/main" id="{2CF74E31-AD1E-41DA-86AE-9C0F2CA7F0EA}"/>
+                  <a16:creationId xmlns:a16="http://schemas.microsoft.com/office/drawing/2014/main" id="{F0ED73E9-42F0-4B67-895F-0144661AC2F7}"/>
                 </a:ext>
               </a:extLst>
             </p:cNvPr>
             <p:cNvCxnSpPr>
-              <a:stCxn id="124" idx="0"/>
+              <a:cxnSpLocks noGrp="1" noRot="1" noMove="1" noResize="1" noEditPoints="1" noAdjustHandles="1" noChangeArrowheads="1" noChangeShapeType="1"/>
             </p:cNvCxnSpPr>
             <p:nvPr/>
           </p:nvCxnSpPr>
           <p:spPr>
-            <a:xfrm flipV="1">
-              <a:off x="11217237" y="5059804"/>
-              <a:ext cx="0" cy="696790"/>
+            <a:xfrm flipH="1" flipV="1">
+              <a:off x="8492497" y="3685603"/>
+              <a:ext cx="245098" cy="228381"/>
             </a:xfrm>
-            <a:prstGeom prst="straightConnector1">
+            <a:prstGeom prst="line">
               <a:avLst/>
             </a:prstGeom>
             <a:ln w="28575">
               <a:solidFill>
-                <a:srgbClr val="8008FF"/>
+                <a:srgbClr val="F56413"/>
               </a:solidFill>
               <a:prstDash val="sysDot"/>
-              <a:tailEnd type="triangle"/>
             </a:ln>
           </p:spPr>
           <p:style>
@@ -5230,33 +5766,31 @@
         </p:cxnSp>
         <p:cxnSp>
           <p:nvCxnSpPr>
-            <p:cNvPr id="192" name="seta11">
+            <p:cNvPr id="117" name="11">
               <a:extLst>
                 <a:ext uri="{FF2B5EF4-FFF2-40B4-BE49-F238E27FC236}">
-                  <a16:creationId xmlns:a16="http://schemas.microsoft.com/office/drawing/2014/main" id="{39246938-7046-49A7-AD31-1BA5D4674FF4}"/>
+                  <a16:creationId xmlns:a16="http://schemas.microsoft.com/office/drawing/2014/main" id="{EE5DD7C0-D098-45AB-AD07-C2550055D59B}"/>
                 </a:ext>
               </a:extLst>
             </p:cNvPr>
             <p:cNvCxnSpPr>
-              <a:cxnSpLocks/>
-              <a:endCxn id="224" idx="2"/>
+              <a:cxnSpLocks noGrp="1" noRot="1" noMove="1" noResize="1" noEditPoints="1" noAdjustHandles="1" noChangeArrowheads="1" noChangeShapeType="1"/>
             </p:cNvCxnSpPr>
             <p:nvPr/>
           </p:nvCxnSpPr>
           <p:spPr>
             <a:xfrm flipV="1">
-              <a:off x="11254837" y="3790940"/>
-              <a:ext cx="0" cy="487827"/>
+              <a:off x="8486360" y="4201984"/>
+              <a:ext cx="251235" cy="228382"/>
             </a:xfrm>
-            <a:prstGeom prst="straightConnector1">
+            <a:prstGeom prst="line">
               <a:avLst/>
             </a:prstGeom>
             <a:ln w="28575">
               <a:solidFill>
-                <a:srgbClr val="8008FF"/>
+                <a:srgbClr val="F56413"/>
               </a:solidFill>
               <a:prstDash val="sysDot"/>
-              <a:tailEnd type="triangle"/>
             </a:ln>
           </p:spPr>
           <p:style>
@@ -5276,33 +5810,33 @@
         </p:cxnSp>
         <p:cxnSp>
           <p:nvCxnSpPr>
-            <p:cNvPr id="200" name="seta12">
+            <p:cNvPr id="149" name="12">
               <a:extLst>
                 <a:ext uri="{FF2B5EF4-FFF2-40B4-BE49-F238E27FC236}">
-                  <a16:creationId xmlns:a16="http://schemas.microsoft.com/office/drawing/2014/main" id="{C6ADF52B-B57C-4935-8C4B-474719FE6242}"/>
+                  <a16:creationId xmlns:a16="http://schemas.microsoft.com/office/drawing/2014/main" id="{B385D59D-8EA0-4BE7-B512-77977ADE7704}"/>
                 </a:ext>
               </a:extLst>
             </p:cNvPr>
             <p:cNvCxnSpPr>
-              <a:stCxn id="224" idx="1"/>
-              <a:endCxn id="222" idx="0"/>
+              <a:cxnSpLocks noGrp="1" noRot="1" noMove="1" noResize="1" noEditPoints="1" noAdjustHandles="1" noChangeArrowheads="1" noChangeShapeType="1"/>
+              <a:stCxn id="124" idx="3"/>
+              <a:endCxn id="136" idx="1"/>
             </p:cNvCxnSpPr>
             <p:nvPr/>
           </p:nvCxnSpPr>
           <p:spPr>
-            <a:xfrm rot="10800000" flipV="1">
-              <a:off x="9653041" y="3430939"/>
-              <a:ext cx="1241797" cy="618837"/>
+            <a:xfrm flipV="1">
+              <a:off x="6928162" y="4750449"/>
+              <a:ext cx="1237268" cy="18984"/>
             </a:xfrm>
-            <a:prstGeom prst="bentConnector2">
+            <a:prstGeom prst="line">
               <a:avLst/>
             </a:prstGeom>
             <a:ln w="28575">
               <a:solidFill>
-                <a:srgbClr val="8008FF"/>
+                <a:srgbClr val="F56413"/>
               </a:solidFill>
               <a:prstDash val="sysDot"/>
-              <a:tailEnd type="triangle"/>
             </a:ln>
           </p:spPr>
           <p:style>
@@ -5322,33 +5856,33 @@
         </p:cxnSp>
         <p:cxnSp>
           <p:nvCxnSpPr>
-            <p:cNvPr id="204" name="seta13">
+            <p:cNvPr id="146" name="13">
               <a:extLst>
                 <a:ext uri="{FF2B5EF4-FFF2-40B4-BE49-F238E27FC236}">
-                  <a16:creationId xmlns:a16="http://schemas.microsoft.com/office/drawing/2014/main" id="{5959B067-6B18-4B2E-87DE-4305E3CA1EF1}"/>
+                  <a16:creationId xmlns:a16="http://schemas.microsoft.com/office/drawing/2014/main" id="{5D8CCA18-AB47-4AFF-A7DE-0F006D8C958F}"/>
                 </a:ext>
               </a:extLst>
             </p:cNvPr>
             <p:cNvCxnSpPr>
-              <a:stCxn id="222" idx="1"/>
-              <a:endCxn id="220" idx="2"/>
+              <a:cxnSpLocks noGrp="1" noRot="1" noMove="1" noResize="1" noEditPoints="1" noAdjustHandles="1" noChangeArrowheads="1" noChangeShapeType="1"/>
+              <a:stCxn id="128" idx="3"/>
+              <a:endCxn id="124" idx="1"/>
             </p:cNvCxnSpPr>
             <p:nvPr/>
           </p:nvCxnSpPr>
           <p:spPr>
-            <a:xfrm rot="10800000">
-              <a:off x="8054520" y="4049777"/>
-              <a:ext cx="1058520" cy="540000"/>
+            <a:xfrm>
+              <a:off x="5710758" y="4769433"/>
+              <a:ext cx="897322" cy="0"/>
             </a:xfrm>
-            <a:prstGeom prst="bentConnector2">
+            <a:prstGeom prst="line">
               <a:avLst/>
             </a:prstGeom>
             <a:ln w="28575">
               <a:solidFill>
-                <a:srgbClr val="8008FF"/>
+                <a:srgbClr val="F56413"/>
               </a:solidFill>
               <a:prstDash val="sysDot"/>
-              <a:tailEnd type="triangle"/>
             </a:ln>
           </p:spPr>
           <p:style>
@@ -5368,35 +5902,33 @@
         </p:cxnSp>
         <p:cxnSp>
           <p:nvCxnSpPr>
-            <p:cNvPr id="212" name="seta14">
+            <p:cNvPr id="135" name="14">
               <a:extLst>
                 <a:ext uri="{FF2B5EF4-FFF2-40B4-BE49-F238E27FC236}">
-                  <a16:creationId xmlns:a16="http://schemas.microsoft.com/office/drawing/2014/main" id="{431C119E-6DB3-4BEC-BEBE-1CDEA97930C1}"/>
+                  <a16:creationId xmlns:a16="http://schemas.microsoft.com/office/drawing/2014/main" id="{59BA8139-A5DC-4807-85F7-22358D7B1A36}"/>
                 </a:ext>
               </a:extLst>
             </p:cNvPr>
             <p:cNvCxnSpPr>
-              <a:cxnSpLocks/>
-              <a:stCxn id="92" idx="0"/>
-              <a:endCxn id="96" idx="2"/>
+              <a:cxnSpLocks noGrp="1" noRot="1" noMove="1" noResize="1" noEditPoints="1" noAdjustHandles="1" noChangeArrowheads="1" noChangeShapeType="1"/>
+              <a:stCxn id="132" idx="3"/>
+              <a:endCxn id="128" idx="1"/>
             </p:cNvCxnSpPr>
             <p:nvPr/>
           </p:nvCxnSpPr>
           <p:spPr>
-            <a:xfrm flipV="1">
-              <a:off x="6096000" y="1648339"/>
-              <a:ext cx="0" cy="1141438"/>
+            <a:xfrm>
+              <a:off x="4499874" y="4769433"/>
+              <a:ext cx="890802" cy="0"/>
             </a:xfrm>
-            <a:prstGeom prst="straightConnector1">
+            <a:prstGeom prst="line">
               <a:avLst/>
             </a:prstGeom>
             <a:ln w="28575">
               <a:solidFill>
-                <a:srgbClr val="8008FF"/>
+                <a:srgbClr val="F56413"/>
               </a:solidFill>
               <a:prstDash val="sysDot"/>
-              <a:headEnd type="triangle"/>
-              <a:tailEnd type="triangle"/>
             </a:ln>
           </p:spPr>
           <p:style>
@@ -5416,35 +5948,33 @@
         </p:cxnSp>
         <p:cxnSp>
           <p:nvCxnSpPr>
-            <p:cNvPr id="234" name="seta15">
+            <p:cNvPr id="102" name="15">
               <a:extLst>
                 <a:ext uri="{FF2B5EF4-FFF2-40B4-BE49-F238E27FC236}">
-                  <a16:creationId xmlns:a16="http://schemas.microsoft.com/office/drawing/2014/main" id="{818DCEB8-D6D9-41F7-8BEE-8C5926AD4ADC}"/>
+                  <a16:creationId xmlns:a16="http://schemas.microsoft.com/office/drawing/2014/main" id="{B295D783-8D79-4A34-BED9-D47651D601E3}"/>
                 </a:ext>
               </a:extLst>
             </p:cNvPr>
             <p:cNvCxnSpPr>
-              <a:cxnSpLocks/>
-              <a:stCxn id="224" idx="0"/>
-              <a:endCxn id="226" idx="2"/>
+              <a:cxnSpLocks noGrp="1" noRot="1" noMove="1" noResize="1" noEditPoints="1" noAdjustHandles="1" noChangeArrowheads="1" noChangeShapeType="1"/>
+              <a:stCxn id="92" idx="0"/>
+              <a:endCxn id="96" idx="2"/>
             </p:cNvCxnSpPr>
             <p:nvPr/>
           </p:nvCxnSpPr>
           <p:spPr>
-            <a:xfrm flipV="1">
-              <a:off x="11254837" y="2219058"/>
-              <a:ext cx="0" cy="851882"/>
+            <a:xfrm rot="16200000" flipV="1">
+              <a:off x="4539882" y="2250481"/>
+              <a:ext cx="508508" cy="2"/>
             </a:xfrm>
-            <a:prstGeom prst="straightConnector1">
+            <a:prstGeom prst="bentConnector3">
               <a:avLst/>
             </a:prstGeom>
             <a:ln w="28575">
               <a:solidFill>
-                <a:srgbClr val="8008FF"/>
+                <a:srgbClr val="13C1F7"/>
               </a:solidFill>
               <a:prstDash val="sysDot"/>
-              <a:headEnd type="triangle"/>
-              <a:tailEnd type="triangle"/>
             </a:ln>
           </p:spPr>
           <p:style>
@@ -5464,34 +5994,33 @@
         </p:cxnSp>
         <p:cxnSp>
           <p:nvCxnSpPr>
-            <p:cNvPr id="242" name="seta16">
+            <p:cNvPr id="473" name="16">
               <a:extLst>
                 <a:ext uri="{FF2B5EF4-FFF2-40B4-BE49-F238E27FC236}">
-                  <a16:creationId xmlns:a16="http://schemas.microsoft.com/office/drawing/2014/main" id="{BC99C752-29EB-4125-80F1-0EA9DD761A7B}"/>
+                  <a16:creationId xmlns:a16="http://schemas.microsoft.com/office/drawing/2014/main" id="{6A5E7C87-EF3D-45A0-A735-8D3E0209ED7A}"/>
                 </a:ext>
               </a:extLst>
             </p:cNvPr>
             <p:cNvCxnSpPr>
-              <a:cxnSpLocks/>
-              <a:stCxn id="96" idx="1"/>
-              <a:endCxn id="100" idx="3"/>
+              <a:cxnSpLocks noGrp="1" noRot="1" noMove="1" noResize="1" noEditPoints="1" noAdjustHandles="1" noChangeArrowheads="1" noChangeShapeType="1"/>
+              <a:stCxn id="100" idx="3"/>
+              <a:endCxn id="96" idx="0"/>
             </p:cNvCxnSpPr>
             <p:nvPr/>
           </p:nvCxnSpPr>
           <p:spPr>
-            <a:xfrm rot="10800000">
-              <a:off x="5103636" y="622213"/>
-              <a:ext cx="452364" cy="486126"/>
+            <a:xfrm>
+              <a:off x="4285751" y="649747"/>
+              <a:ext cx="508384" cy="706316"/>
             </a:xfrm>
-            <a:prstGeom prst="curvedConnector3">
+            <a:prstGeom prst="line">
               <a:avLst/>
             </a:prstGeom>
             <a:ln w="28575">
               <a:solidFill>
-                <a:srgbClr val="8008FF"/>
+                <a:srgbClr val="13C1F7"/>
               </a:solidFill>
               <a:prstDash val="sysDot"/>
-              <a:tailEnd type="triangle"/>
             </a:ln>
           </p:spPr>
           <p:style>
@@ -5511,34 +6040,33 @@
         </p:cxnSp>
         <p:cxnSp>
           <p:nvCxnSpPr>
-            <p:cNvPr id="246" name="seta17">
+            <p:cNvPr id="475" name="17">
               <a:extLst>
                 <a:ext uri="{FF2B5EF4-FFF2-40B4-BE49-F238E27FC236}">
-                  <a16:creationId xmlns:a16="http://schemas.microsoft.com/office/drawing/2014/main" id="{92D3262A-EE1E-432D-84E5-0C90350965FD}"/>
+                  <a16:creationId xmlns:a16="http://schemas.microsoft.com/office/drawing/2014/main" id="{BCA0C5D1-2CD1-4274-8E88-4D1C81409A36}"/>
                 </a:ext>
               </a:extLst>
             </p:cNvPr>
             <p:cNvCxnSpPr>
-              <a:cxnSpLocks/>
-              <a:stCxn id="96" idx="1"/>
-              <a:endCxn id="104" idx="3"/>
+              <a:cxnSpLocks noGrp="1" noRot="1" noMove="1" noResize="1" noEditPoints="1" noAdjustHandles="1" noChangeArrowheads="1" noChangeShapeType="1"/>
+              <a:stCxn id="104" idx="1"/>
+              <a:endCxn id="96" idx="0"/>
             </p:cNvCxnSpPr>
             <p:nvPr/>
           </p:nvCxnSpPr>
           <p:spPr>
-            <a:xfrm rot="10800000" flipV="1">
-              <a:off x="5100286" y="1108338"/>
-              <a:ext cx="455715" cy="468865"/>
+            <a:xfrm flipH="1">
+              <a:off x="4794135" y="646641"/>
+              <a:ext cx="426470" cy="709422"/>
             </a:xfrm>
-            <a:prstGeom prst="curvedConnector3">
+            <a:prstGeom prst="line">
               <a:avLst/>
             </a:prstGeom>
             <a:ln w="28575">
               <a:solidFill>
-                <a:srgbClr val="8008FF"/>
+                <a:srgbClr val="13C1F7"/>
               </a:solidFill>
               <a:prstDash val="sysDot"/>
-              <a:tailEnd type="triangle"/>
             </a:ln>
           </p:spPr>
           <p:style>
@@ -5558,34 +6086,33 @@
         </p:cxnSp>
         <p:cxnSp>
           <p:nvCxnSpPr>
-            <p:cNvPr id="250" name="seta18">
+            <p:cNvPr id="471" name="18">
               <a:extLst>
                 <a:ext uri="{FF2B5EF4-FFF2-40B4-BE49-F238E27FC236}">
-                  <a16:creationId xmlns:a16="http://schemas.microsoft.com/office/drawing/2014/main" id="{6F177C61-9E90-4B71-B8DC-01F65FFDE620}"/>
+                  <a16:creationId xmlns:a16="http://schemas.microsoft.com/office/drawing/2014/main" id="{AB1FF230-B611-4B8F-A552-BDC44499076C}"/>
                 </a:ext>
               </a:extLst>
             </p:cNvPr>
             <p:cNvCxnSpPr>
-              <a:cxnSpLocks/>
-              <a:stCxn id="96" idx="3"/>
-              <a:endCxn id="112" idx="1"/>
+              <a:cxnSpLocks noGrp="1" noRot="1" noMove="1" noResize="1" noEditPoints="1" noAdjustHandles="1" noChangeArrowheads="1" noChangeShapeType="1"/>
+              <a:stCxn id="100" idx="3"/>
+              <a:endCxn id="104" idx="1"/>
             </p:cNvCxnSpPr>
             <p:nvPr/>
           </p:nvCxnSpPr>
           <p:spPr>
             <a:xfrm flipV="1">
-              <a:off x="6636000" y="514283"/>
-              <a:ext cx="452364" cy="594056"/>
+              <a:off x="4285751" y="646641"/>
+              <a:ext cx="934854" cy="3106"/>
             </a:xfrm>
-            <a:prstGeom prst="curvedConnector3">
+            <a:prstGeom prst="line">
               <a:avLst/>
             </a:prstGeom>
             <a:ln w="28575">
               <a:solidFill>
-                <a:srgbClr val="8008FF"/>
+                <a:srgbClr val="13C1F7"/>
               </a:solidFill>
               <a:prstDash val="sysDot"/>
-              <a:tailEnd type="triangle"/>
             </a:ln>
           </p:spPr>
           <p:style>
@@ -5605,33 +6132,33 @@
         </p:cxnSp>
         <p:cxnSp>
           <p:nvCxnSpPr>
-            <p:cNvPr id="272" name="seta19">
+            <p:cNvPr id="463" name="19">
               <a:extLst>
                 <a:ext uri="{FF2B5EF4-FFF2-40B4-BE49-F238E27FC236}">
-                  <a16:creationId xmlns:a16="http://schemas.microsoft.com/office/drawing/2014/main" id="{DDA226BE-30C0-48D6-BDDE-1265EE7E2A47}"/>
+                  <a16:creationId xmlns:a16="http://schemas.microsoft.com/office/drawing/2014/main" id="{472166DA-AD18-4004-B03E-EAF65B1406CC}"/>
                 </a:ext>
               </a:extLst>
             </p:cNvPr>
             <p:cNvCxnSpPr>
-              <a:stCxn id="96" idx="3"/>
-              <a:endCxn id="116" idx="1"/>
+              <a:cxnSpLocks noGrp="1" noRot="1" noMove="1" noResize="1" noEditPoints="1" noAdjustHandles="1" noChangeArrowheads="1" noChangeShapeType="1"/>
+              <a:stCxn id="112" idx="3"/>
+              <a:endCxn id="100" idx="1"/>
             </p:cNvCxnSpPr>
             <p:nvPr/>
           </p:nvCxnSpPr>
           <p:spPr>
-            <a:xfrm flipV="1">
-              <a:off x="6636000" y="1101791"/>
-              <a:ext cx="452364" cy="6548"/>
+            <a:xfrm>
+              <a:off x="3381735" y="186554"/>
+              <a:ext cx="477239" cy="463193"/>
             </a:xfrm>
-            <a:prstGeom prst="curvedConnector3">
+            <a:prstGeom prst="line">
               <a:avLst/>
             </a:prstGeom>
             <a:ln w="28575">
               <a:solidFill>
-                <a:srgbClr val="8008FF"/>
+                <a:srgbClr val="13C1F7"/>
               </a:solidFill>
               <a:prstDash val="sysDot"/>
-              <a:tailEnd type="triangle"/>
             </a:ln>
           </p:spPr>
           <p:style>
@@ -5651,33 +6178,79 @@
         </p:cxnSp>
         <p:cxnSp>
           <p:nvCxnSpPr>
-            <p:cNvPr id="276" name="seta20">
+            <p:cNvPr id="465" name="20">
               <a:extLst>
                 <a:ext uri="{FF2B5EF4-FFF2-40B4-BE49-F238E27FC236}">
-                  <a16:creationId xmlns:a16="http://schemas.microsoft.com/office/drawing/2014/main" id="{752B57E4-90C8-4A69-A254-7FC735172B34}"/>
+                  <a16:creationId xmlns:a16="http://schemas.microsoft.com/office/drawing/2014/main" id="{94021463-426D-4E83-8AE7-21E582AA2449}"/>
                 </a:ext>
               </a:extLst>
             </p:cNvPr>
             <p:cNvCxnSpPr>
-              <a:stCxn id="96" idx="3"/>
-              <a:endCxn id="108" idx="1"/>
+              <a:cxnSpLocks noGrp="1" noRot="1" noMove="1" noResize="1" noEditPoints="1" noAdjustHandles="1" noChangeArrowheads="1" noChangeShapeType="1"/>
+              <a:stCxn id="108" idx="3"/>
+              <a:endCxn id="100" idx="1"/>
             </p:cNvCxnSpPr>
             <p:nvPr/>
           </p:nvCxnSpPr>
           <p:spPr>
-            <a:xfrm>
-              <a:off x="6636000" y="1108339"/>
-              <a:ext cx="452364" cy="580960"/>
+            <a:xfrm flipV="1">
+              <a:off x="3381966" y="649747"/>
+              <a:ext cx="477008" cy="64"/>
             </a:xfrm>
-            <a:prstGeom prst="curvedConnector3">
+            <a:prstGeom prst="line">
               <a:avLst/>
             </a:prstGeom>
             <a:ln w="28575">
               <a:solidFill>
-                <a:srgbClr val="8008FF"/>
+                <a:srgbClr val="13C1F7"/>
               </a:solidFill>
               <a:prstDash val="sysDot"/>
-              <a:tailEnd type="triangle"/>
+            </a:ln>
+          </p:spPr>
+          <p:style>
+            <a:lnRef idx="1">
+              <a:schemeClr val="accent1"/>
+            </a:lnRef>
+            <a:fillRef idx="0">
+              <a:schemeClr val="accent1"/>
+            </a:fillRef>
+            <a:effectRef idx="0">
+              <a:schemeClr val="accent1"/>
+            </a:effectRef>
+            <a:fontRef idx="minor">
+              <a:schemeClr val="tx1"/>
+            </a:fontRef>
+          </p:style>
+        </p:cxnSp>
+        <p:cxnSp>
+          <p:nvCxnSpPr>
+            <p:cNvPr id="467" name="21">
+              <a:extLst>
+                <a:ext uri="{FF2B5EF4-FFF2-40B4-BE49-F238E27FC236}">
+                  <a16:creationId xmlns:a16="http://schemas.microsoft.com/office/drawing/2014/main" id="{55DCA934-CBD5-4BCE-9A1D-731A5EB143EF}"/>
+                </a:ext>
+              </a:extLst>
+            </p:cNvPr>
+            <p:cNvCxnSpPr>
+              <a:cxnSpLocks noGrp="1" noRot="1" noMove="1" noResize="1" noEditPoints="1" noAdjustHandles="1" noChangeArrowheads="1" noChangeShapeType="1"/>
+              <a:stCxn id="116" idx="3"/>
+              <a:endCxn id="100" idx="1"/>
+            </p:cNvCxnSpPr>
+            <p:nvPr/>
+          </p:nvCxnSpPr>
+          <p:spPr>
+            <a:xfrm flipV="1">
+              <a:off x="3374800" y="649747"/>
+              <a:ext cx="484174" cy="483067"/>
+            </a:xfrm>
+            <a:prstGeom prst="line">
+              <a:avLst/>
+            </a:prstGeom>
+            <a:ln w="28575">
+              <a:solidFill>
+                <a:srgbClr val="13C1F7"/>
+              </a:solidFill>
+              <a:prstDash val="sysDot"/>
             </a:ln>
           </p:spPr>
           <p:style>
@@ -5696,155 +6269,6 @@
           </p:style>
         </p:cxnSp>
       </p:grpSp>
-      <p:sp>
-        <p:nvSpPr>
-          <p:cNvPr id="324" name="title">
-            <a:extLst>
-              <a:ext uri="{FF2B5EF4-FFF2-40B4-BE49-F238E27FC236}">
-                <a16:creationId xmlns:a16="http://schemas.microsoft.com/office/drawing/2014/main" id="{90371BF0-A54F-4503-97CA-4E25D48C2F25}"/>
-              </a:ext>
-            </a:extLst>
-          </p:cNvPr>
-          <p:cNvSpPr txBox="1"/>
-          <p:nvPr/>
-        </p:nvSpPr>
-        <p:spPr>
-          <a:xfrm>
-            <a:off x="-176293" y="-201216"/>
-            <a:ext cx="3777480" cy="1464231"/>
-          </a:xfrm>
-          <a:prstGeom prst="roundRect">
-            <a:avLst/>
-          </a:prstGeom>
-          <a:solidFill>
-            <a:srgbClr val="7030A0"/>
-          </a:solidFill>
-        </p:spPr>
-        <p:txBody>
-          <a:bodyPr wrap="square" rtlCol="0">
-            <a:spAutoFit/>
-          </a:bodyPr>
-          <a:lstStyle/>
-          <a:p>
-            <a:pPr algn="ctr"/>
-            <a:endParaRPr lang="pt-BR" sz="2000" b="1" dirty="0">
-              <a:solidFill>
-                <a:schemeClr val="bg1"/>
-              </a:solidFill>
-              <a:latin typeface="Quicksand" panose="00000500000000000000" pitchFamily="2" charset="0"/>
-            </a:endParaRPr>
-          </a:p>
-          <a:p>
-            <a:pPr algn="ctr"/>
-            <a:r>
-              <a:rPr lang="pt-BR" sz="2000" b="1" u="sng" dirty="0">
-                <a:solidFill>
-                  <a:schemeClr val="bg1"/>
-                </a:solidFill>
-                <a:latin typeface="Quicksand" panose="00000500000000000000" pitchFamily="2" charset="0"/>
-              </a:rPr>
-              <a:t>DIAGRAMA DE SOLUÇÃO</a:t>
-            </a:r>
-          </a:p>
-          <a:p>
-            <a:pPr algn="ctr"/>
-            <a:r>
-              <a:rPr lang="pt-BR" sz="4000" b="1" i="1" dirty="0">
-                <a:solidFill>
-                  <a:schemeClr val="bg1"/>
-                </a:solidFill>
-                <a:latin typeface="Quicksand" panose="00000500000000000000" pitchFamily="2" charset="0"/>
-              </a:rPr>
-              <a:t>OMNI TÊXTIL</a:t>
-            </a:r>
-            <a:endParaRPr lang="pt-BR" sz="2000" b="1" i="1" dirty="0">
-              <a:solidFill>
-                <a:schemeClr val="bg1"/>
-              </a:solidFill>
-              <a:latin typeface="Quicksand" panose="00000500000000000000" pitchFamily="2" charset="0"/>
-            </a:endParaRPr>
-          </a:p>
-        </p:txBody>
-      </p:sp>
-      <p:sp>
-        <p:nvSpPr>
-          <p:cNvPr id="328" name="grupo">
-            <a:extLst>
-              <a:ext uri="{FF2B5EF4-FFF2-40B4-BE49-F238E27FC236}">
-                <a16:creationId xmlns:a16="http://schemas.microsoft.com/office/drawing/2014/main" id="{56C1A09A-89C0-4625-8CB3-A278F0464DC1}"/>
-              </a:ext>
-            </a:extLst>
-          </p:cNvPr>
-          <p:cNvSpPr txBox="1"/>
-          <p:nvPr/>
-        </p:nvSpPr>
-        <p:spPr>
-          <a:xfrm>
-            <a:off x="10440641" y="-23616"/>
-            <a:ext cx="1810086" cy="442674"/>
-          </a:xfrm>
-          <a:prstGeom prst="roundRect">
-            <a:avLst/>
-          </a:prstGeom>
-          <a:solidFill>
-            <a:srgbClr val="7030A0"/>
-          </a:solidFill>
-        </p:spPr>
-        <p:txBody>
-          <a:bodyPr wrap="square" rtlCol="0">
-            <a:spAutoFit/>
-          </a:bodyPr>
-          <a:lstStyle/>
-          <a:p>
-            <a:pPr algn="ctr"/>
-            <a:r>
-              <a:rPr lang="pt-BR" sz="2000" b="1" dirty="0">
-                <a:solidFill>
-                  <a:schemeClr val="bg1"/>
-                </a:solidFill>
-                <a:latin typeface="Quicksand" panose="00000500000000000000" pitchFamily="2" charset="0"/>
-              </a:rPr>
-              <a:t>GRUPO 7</a:t>
-            </a:r>
-          </a:p>
-        </p:txBody>
-      </p:sp>
-      <p:pic>
-        <p:nvPicPr>
-          <p:cNvPr id="3" name="Imagem 2" descr="Uma imagem contendo estrela, vidro, cd&#10;&#10;Descrição gerada automaticamente">
-            <a:extLst>
-              <a:ext uri="{FF2B5EF4-FFF2-40B4-BE49-F238E27FC236}">
-                <a16:creationId xmlns:a16="http://schemas.microsoft.com/office/drawing/2014/main" id="{4A609B72-DA76-4D65-AFF7-98C375C94855}"/>
-              </a:ext>
-            </a:extLst>
-          </p:cNvPr>
-          <p:cNvPicPr>
-            <a:picLocks noChangeAspect="1"/>
-          </p:cNvPicPr>
-          <p:nvPr/>
-        </p:nvPicPr>
-        <p:blipFill>
-          <a:blip r:embed="rId19">
-            <a:extLst>
-              <a:ext uri="{28A0092B-C50C-407E-A947-70E740481C1C}">
-                <a14:useLocalDpi xmlns:a14="http://schemas.microsoft.com/office/drawing/2010/main" val="0"/>
-              </a:ext>
-            </a:extLst>
-          </a:blip>
-          <a:stretch>
-            <a:fillRect/>
-          </a:stretch>
-        </p:blipFill>
-        <p:spPr>
-          <a:xfrm>
-            <a:off x="1575699" y="5723888"/>
-            <a:ext cx="564869" cy="540000"/>
-          </a:xfrm>
-          <a:prstGeom prst="rect">
-            <a:avLst/>
-          </a:prstGeom>
-        </p:spPr>
-      </p:pic>
     </p:spTree>
     <p:extLst>
       <p:ext uri="{BB962C8B-B14F-4D97-AF65-F5344CB8AC3E}">
@@ -5861,7 +6285,7 @@
 <file path=ppt/theme/theme1.xml><?xml version="1.0" encoding="utf-8"?>
 <a:theme xmlns:a="http://schemas.openxmlformats.org/drawingml/2006/main" name="Tema do Office">
   <a:themeElements>
-    <a:clrScheme name="Office">
+    <a:clrScheme name="Tema do Office">
       <a:dk1>
         <a:sysClr val="windowText" lastClr="000000"/>
       </a:dk1>
@@ -5899,7 +6323,7 @@
         <a:srgbClr val="954F72"/>
       </a:folHlink>
     </a:clrScheme>
-    <a:fontScheme name="Office">
+    <a:fontScheme name="Tema do Office">
       <a:majorFont>
         <a:latin typeface="Calibri Light" panose="020F0302020204030204"/>
         <a:ea typeface=""/>
@@ -5934,23 +6358,6 @@
         <a:font script="Viet" typeface="Times New Roman"/>
         <a:font script="Uigh" typeface="Microsoft Uighur"/>
         <a:font script="Geor" typeface="Sylfaen"/>
-        <a:font script="Armn" typeface="Arial"/>
-        <a:font script="Bugi" typeface="Leelawadee UI"/>
-        <a:font script="Bopo" typeface="Microsoft JhengHei"/>
-        <a:font script="Java" typeface="Javanese Text"/>
-        <a:font script="Lisu" typeface="Segoe UI"/>
-        <a:font script="Mymr" typeface="Myanmar Text"/>
-        <a:font script="Nkoo" typeface="Ebrima"/>
-        <a:font script="Olck" typeface="Nirmala UI"/>
-        <a:font script="Osma" typeface="Ebrima"/>
-        <a:font script="Phag" typeface="Phagspa"/>
-        <a:font script="Syrn" typeface="Estrangelo Edessa"/>
-        <a:font script="Syrj" typeface="Estrangelo Edessa"/>
-        <a:font script="Syre" typeface="Estrangelo Edessa"/>
-        <a:font script="Sora" typeface="Nirmala UI"/>
-        <a:font script="Tale" typeface="Microsoft Tai Le"/>
-        <a:font script="Talu" typeface="Microsoft New Tai Lue"/>
-        <a:font script="Tfng" typeface="Ebrima"/>
       </a:majorFont>
       <a:minorFont>
         <a:latin typeface="Calibri" panose="020F0502020204030204"/>
@@ -5986,26 +6393,9 @@
         <a:font script="Viet" typeface="Arial"/>
         <a:font script="Uigh" typeface="Microsoft Uighur"/>
         <a:font script="Geor" typeface="Sylfaen"/>
-        <a:font script="Armn" typeface="Arial"/>
-        <a:font script="Bugi" typeface="Leelawadee UI"/>
-        <a:font script="Bopo" typeface="Microsoft JhengHei"/>
-        <a:font script="Java" typeface="Javanese Text"/>
-        <a:font script="Lisu" typeface="Segoe UI"/>
-        <a:font script="Mymr" typeface="Myanmar Text"/>
-        <a:font script="Nkoo" typeface="Ebrima"/>
-        <a:font script="Olck" typeface="Nirmala UI"/>
-        <a:font script="Osma" typeface="Ebrima"/>
-        <a:font script="Phag" typeface="Phagspa"/>
-        <a:font script="Syrn" typeface="Estrangelo Edessa"/>
-        <a:font script="Syrj" typeface="Estrangelo Edessa"/>
-        <a:font script="Syre" typeface="Estrangelo Edessa"/>
-        <a:font script="Sora" typeface="Nirmala UI"/>
-        <a:font script="Tale" typeface="Microsoft Tai Le"/>
-        <a:font script="Talu" typeface="Microsoft New Tai Lue"/>
-        <a:font script="Tfng" typeface="Ebrima"/>
       </a:minorFont>
     </a:fontScheme>
-    <a:fmtScheme name="Office">
+    <a:fmtScheme name="Tema do Office">
       <a:fillStyleLst>
         <a:solidFill>
           <a:schemeClr val="phClr"/>

--- a/DOCs de T.I/Diagrama_de_Solucao/Presentation.pptx
+++ b/DOCs de T.I/Diagrama_de_Solucao/Presentation.pptx
@@ -3040,79 +3040,12 @@
         </p:nvGrpSpPr>
         <p:grpSpPr>
           <a:xfrm>
-            <a:off x="0" y="-253711"/>
-            <a:ext cx="9601201" cy="5922808"/>
-            <a:chOff x="0" y="-253711"/>
-            <a:chExt cx="9601201" cy="5922808"/>
+            <a:off x="4016257" y="-253711"/>
+            <a:ext cx="5584944" cy="5922808"/>
+            <a:chOff x="4016257" y="-253711"/>
+            <a:chExt cx="5584944" cy="5922808"/>
           </a:xfrm>
         </p:grpSpPr>
-        <p:sp>
-          <p:nvSpPr>
-            <p:cNvPr id="655" name="omni">
-              <a:extLst>
-                <a:ext uri="{FF2B5EF4-FFF2-40B4-BE49-F238E27FC236}">
-                  <a16:creationId xmlns:a16="http://schemas.microsoft.com/office/drawing/2014/main" id="{F889C0E0-D26A-438D-9CC5-7D648620BFA9}"/>
-                </a:ext>
-              </a:extLst>
-            </p:cNvPr>
-            <p:cNvSpPr>
-              <a:spLocks noGrp="1" noRot="1" noMove="1" noResize="1" noEditPoints="1" noAdjustHandles="1" noChangeArrowheads="1" noChangeShapeType="1"/>
-            </p:cNvSpPr>
-            <p:nvPr/>
-          </p:nvSpPr>
-          <p:spPr>
-            <a:xfrm>
-              <a:off x="0" y="5148723"/>
-              <a:ext cx="1208397" cy="520374"/>
-            </a:xfrm>
-            <a:prstGeom prst="roundRect">
-              <a:avLst/>
-            </a:prstGeom>
-            <a:solidFill>
-              <a:srgbClr val="8008FF">
-                <a:alpha val="45098"/>
-              </a:srgbClr>
-            </a:solidFill>
-            <a:ln>
-              <a:noFill/>
-            </a:ln>
-          </p:spPr>
-          <p:style>
-            <a:lnRef idx="2">
-              <a:schemeClr val="accent1">
-                <a:shade val="50000"/>
-              </a:schemeClr>
-            </a:lnRef>
-            <a:fillRef idx="1">
-              <a:schemeClr val="accent1"/>
-            </a:fillRef>
-            <a:effectRef idx="0">
-              <a:schemeClr val="accent1"/>
-            </a:effectRef>
-            <a:fontRef idx="minor">
-              <a:schemeClr val="lt1"/>
-            </a:fontRef>
-          </p:style>
-          <p:txBody>
-            <a:bodyPr rtlCol="0" anchor="ctr"/>
-            <a:lstStyle/>
-            <a:p>
-              <a:pPr algn="ctr"/>
-              <a:r>
-                <a:rPr lang="pt-BR" dirty="0">
-                  <a:latin typeface="Quicksand" panose="00000500000000000000" pitchFamily="2" charset="0"/>
-                </a:rPr>
-                <a:t>OMNI</a:t>
-              </a:r>
-            </a:p>
-            <a:p>
-              <a:pPr algn="ctr"/>
-              <a:endParaRPr lang="pt-BR" dirty="0">
-                <a:latin typeface="Quicksand" panose="00000500000000000000" pitchFamily="2" charset="0"/>
-              </a:endParaRPr>
-            </a:p>
-          </p:txBody>
-        </p:sp>
         <p:sp>
           <p:nvSpPr>
             <p:cNvPr id="657" name="cliente">
@@ -3365,2910 +3298,2086 @@
           </a:p>
         </p:txBody>
       </p:sp>
-      <p:grpSp>
-        <p:nvGrpSpPr>
-          <p:cNvPr id="633" name="descs">
+      <p:sp>
+        <p:nvSpPr>
+          <p:cNvPr id="317" name="info-text1">
             <a:extLst>
               <a:ext uri="{FF2B5EF4-FFF2-40B4-BE49-F238E27FC236}">
-                <a16:creationId xmlns:a16="http://schemas.microsoft.com/office/drawing/2014/main" id="{DBD34733-D6A8-4A10-BB92-C9B3C56553DC}"/>
+                <a16:creationId xmlns:a16="http://schemas.microsoft.com/office/drawing/2014/main" id="{B4226DF4-3AE2-4992-8A26-894CAC58EBA1}"/>
               </a:ext>
             </a:extLst>
           </p:cNvPr>
-          <p:cNvGrpSpPr>
-            <a:grpSpLocks noGrp="1" noUngrp="1" noRot="1" noMove="1" noResize="1"/>
-          </p:cNvGrpSpPr>
+          <p:cNvSpPr txBox="1">
+            <a:spLocks/>
+          </p:cNvSpPr>
           <p:nvPr/>
-        </p:nvGrpSpPr>
-        <p:grpSpPr>
-          <a:xfrm>
-            <a:off x="231600" y="234694"/>
-            <a:ext cx="9360373" cy="5025443"/>
-            <a:chOff x="231600" y="234694"/>
-            <a:chExt cx="9360373" cy="5025443"/>
-          </a:xfrm>
-        </p:grpSpPr>
-        <p:sp>
-          <p:nvSpPr>
-            <p:cNvPr id="317" name="info-text1">
-              <a:extLst>
-                <a:ext uri="{FF2B5EF4-FFF2-40B4-BE49-F238E27FC236}">
-                  <a16:creationId xmlns:a16="http://schemas.microsoft.com/office/drawing/2014/main" id="{B4226DF4-3AE2-4992-8A26-894CAC58EBA1}"/>
-                </a:ext>
-              </a:extLst>
-            </p:cNvPr>
-            <p:cNvSpPr txBox="1">
-              <a:spLocks noGrp="1" noRot="1" noMove="1" noResize="1" noEditPoints="1" noAdjustHandles="1" noChangeArrowheads="1" noChangeShapeType="1"/>
-            </p:cNvSpPr>
-            <p:nvPr/>
-          </p:nvSpPr>
-          <p:spPr>
-            <a:xfrm>
-              <a:off x="6981292" y="234694"/>
-              <a:ext cx="1574599" cy="529889"/>
-            </a:xfrm>
-            <a:prstGeom prst="rect">
-              <a:avLst/>
-            </a:prstGeom>
-            <a:noFill/>
-            <a:ln w="19050">
-              <a:solidFill>
-                <a:srgbClr val="F56413"/>
-              </a:solidFill>
-            </a:ln>
-          </p:spPr>
-          <p:txBody>
-            <a:bodyPr wrap="square" rtlCol="0">
-              <a:spAutoFit/>
-            </a:bodyPr>
-            <a:lstStyle/>
-            <a:p>
-              <a:pPr marL="101630" indent="-101630">
-                <a:buFont typeface="Arial" panose="020B0604020202020204" pitchFamily="34" charset="0"/>
-                <a:buChar char="•"/>
-              </a:pPr>
-              <a:r>
-                <a:rPr lang="pt-BR" sz="711" b="1" dirty="0">
-                  <a:solidFill>
-                    <a:srgbClr val="F56413"/>
-                  </a:solidFill>
-                  <a:latin typeface="Quicksand" panose="00000500000000000000" pitchFamily="2" charset="0"/>
-                </a:rPr>
-                <a:t>INTEL CORE I5–2400 @2.1GHz</a:t>
-              </a:r>
-            </a:p>
-            <a:p>
-              <a:pPr marL="101630" indent="-101630">
-                <a:buFont typeface="Arial" panose="020B0604020202020204" pitchFamily="34" charset="0"/>
-                <a:buChar char="•"/>
-              </a:pPr>
-              <a:r>
-                <a:rPr lang="pt-BR" sz="711" b="1" dirty="0">
-                  <a:solidFill>
-                    <a:srgbClr val="F56413"/>
-                  </a:solidFill>
-                  <a:latin typeface="Quicksand" panose="00000500000000000000" pitchFamily="2" charset="0"/>
-                </a:rPr>
-                <a:t>8GB RAM</a:t>
-              </a:r>
-            </a:p>
-            <a:p>
-              <a:pPr marL="101630" indent="-101630">
-                <a:buFont typeface="Arial" panose="020B0604020202020204" pitchFamily="34" charset="0"/>
-                <a:buChar char="•"/>
-              </a:pPr>
-              <a:r>
-                <a:rPr lang="pt-BR" sz="711" b="1" dirty="0">
-                  <a:solidFill>
-                    <a:srgbClr val="F56413"/>
-                  </a:solidFill>
-                  <a:latin typeface="Quicksand" panose="00000500000000000000" pitchFamily="2" charset="0"/>
-                </a:rPr>
-                <a:t>SSD/HD 120GB</a:t>
-              </a:r>
-            </a:p>
-            <a:p>
-              <a:pPr marL="101630" indent="-101630">
-                <a:buFont typeface="Arial" panose="020B0604020202020204" pitchFamily="34" charset="0"/>
-                <a:buChar char="•"/>
-              </a:pPr>
-              <a:r>
-                <a:rPr lang="pt-BR" sz="711" b="1" dirty="0">
-                  <a:solidFill>
-                    <a:srgbClr val="F56413"/>
-                  </a:solidFill>
-                  <a:latin typeface="Quicksand" panose="00000500000000000000" pitchFamily="2" charset="0"/>
-                </a:rPr>
-                <a:t>WINDOWS 10</a:t>
-              </a:r>
-            </a:p>
-          </p:txBody>
-        </p:sp>
-        <p:sp>
-          <p:nvSpPr>
-            <p:cNvPr id="315" name="info-text2">
-              <a:extLst>
-                <a:ext uri="{FF2B5EF4-FFF2-40B4-BE49-F238E27FC236}">
-                  <a16:creationId xmlns:a16="http://schemas.microsoft.com/office/drawing/2014/main" id="{B8F41526-869A-4CD4-B94C-8F850FE212AF}"/>
-                </a:ext>
-              </a:extLst>
-            </p:cNvPr>
-            <p:cNvSpPr txBox="1">
-              <a:spLocks noGrp="1" noRot="1" noMove="1" noResize="1" noEditPoints="1" noAdjustHandles="1" noChangeArrowheads="1" noChangeShapeType="1"/>
-            </p:cNvSpPr>
-            <p:nvPr/>
-          </p:nvSpPr>
-          <p:spPr>
-            <a:xfrm>
-              <a:off x="5505203" y="375068"/>
-              <a:ext cx="1190884" cy="311111"/>
-            </a:xfrm>
-            <a:prstGeom prst="rect">
-              <a:avLst/>
-            </a:prstGeom>
-            <a:noFill/>
-            <a:ln w="19050">
-              <a:solidFill>
-                <a:srgbClr val="13C1F7"/>
-              </a:solidFill>
-            </a:ln>
-          </p:spPr>
-          <p:txBody>
-            <a:bodyPr wrap="square" rtlCol="0">
-              <a:spAutoFit/>
-            </a:bodyPr>
-            <a:lstStyle/>
-            <a:p>
-              <a:pPr algn="ctr"/>
-              <a:r>
-                <a:rPr lang="pt-BR" sz="711" b="1" dirty="0">
-                  <a:solidFill>
-                    <a:srgbClr val="13C1F7"/>
-                  </a:solidFill>
-                  <a:latin typeface="Quicksand" panose="00000500000000000000" pitchFamily="2" charset="0"/>
-                </a:rPr>
-                <a:t>Banco de Dados</a:t>
-              </a:r>
-            </a:p>
-            <a:p>
-              <a:pPr algn="ctr"/>
-              <a:r>
-                <a:rPr lang="pt-BR" sz="711" b="1" dirty="0">
-                  <a:solidFill>
-                    <a:srgbClr val="13C1F7"/>
-                  </a:solidFill>
-                  <a:latin typeface="Quicksand" panose="00000500000000000000" pitchFamily="2" charset="0"/>
-                </a:rPr>
-                <a:t>Microsoft MYSQL Server</a:t>
-              </a:r>
-            </a:p>
-          </p:txBody>
-        </p:sp>
-        <p:sp>
-          <p:nvSpPr>
-            <p:cNvPr id="318" name="info-text3">
-              <a:extLst>
-                <a:ext uri="{FF2B5EF4-FFF2-40B4-BE49-F238E27FC236}">
-                  <a16:creationId xmlns:a16="http://schemas.microsoft.com/office/drawing/2014/main" id="{E68EE20D-7296-4145-A5CE-51F6D7337A07}"/>
-                </a:ext>
-              </a:extLst>
-            </p:cNvPr>
-            <p:cNvSpPr txBox="1">
-              <a:spLocks noGrp="1" noRot="1" noMove="1" noResize="1" noEditPoints="1" noAdjustHandles="1" noChangeArrowheads="1" noChangeShapeType="1"/>
-            </p:cNvSpPr>
-            <p:nvPr/>
-          </p:nvSpPr>
-          <p:spPr>
-            <a:xfrm>
-              <a:off x="2325141" y="329866"/>
-              <a:ext cx="772570" cy="748666"/>
-            </a:xfrm>
-            <a:prstGeom prst="rect">
-              <a:avLst/>
-            </a:prstGeom>
-            <a:noFill/>
-            <a:ln w="19050">
-              <a:solidFill>
-                <a:srgbClr val="13C1F7"/>
-              </a:solidFill>
-            </a:ln>
-          </p:spPr>
-          <p:txBody>
-            <a:bodyPr wrap="square" rtlCol="0">
-              <a:spAutoFit/>
-            </a:bodyPr>
-            <a:lstStyle/>
-            <a:p>
-              <a:pPr algn="ctr"/>
-              <a:r>
-                <a:rPr lang="pt-BR" sz="711" b="1" dirty="0">
-                  <a:solidFill>
-                    <a:srgbClr val="13C1F7"/>
-                  </a:solidFill>
-                  <a:latin typeface="Quicksand" panose="00000500000000000000" pitchFamily="2" charset="0"/>
-                </a:rPr>
-                <a:t>Tecnologias</a:t>
-              </a:r>
-            </a:p>
-            <a:p>
-              <a:pPr algn="ctr"/>
-              <a:r>
-                <a:rPr lang="pt-BR" sz="711" b="1" dirty="0">
-                  <a:solidFill>
-                    <a:srgbClr val="13C1F7"/>
-                  </a:solidFill>
-                  <a:latin typeface="Quicksand" panose="00000500000000000000" pitchFamily="2" charset="0"/>
-                </a:rPr>
-                <a:t>do</a:t>
-              </a:r>
-            </a:p>
-            <a:p>
-              <a:pPr algn="ctr"/>
-              <a:r>
-                <a:rPr lang="pt-BR" sz="711" b="1" dirty="0">
-                  <a:solidFill>
-                    <a:srgbClr val="13C1F7"/>
-                  </a:solidFill>
-                  <a:latin typeface="Quicksand" panose="00000500000000000000" pitchFamily="2" charset="0"/>
-                </a:rPr>
-                <a:t>Site</a:t>
-              </a:r>
-            </a:p>
-            <a:p>
-              <a:pPr marL="101630" indent="-101630">
-                <a:buFont typeface="Arial" panose="020B0604020202020204" pitchFamily="34" charset="0"/>
-                <a:buChar char="•"/>
-              </a:pPr>
-              <a:r>
-                <a:rPr lang="pt-BR" sz="711" b="1" dirty="0">
-                  <a:solidFill>
-                    <a:srgbClr val="13C1F7"/>
-                  </a:solidFill>
-                  <a:latin typeface="Quicksand" panose="00000500000000000000" pitchFamily="2" charset="0"/>
-                </a:rPr>
-                <a:t>Javascript</a:t>
-              </a:r>
-            </a:p>
-            <a:p>
-              <a:pPr marL="101630" indent="-101630">
-                <a:buFont typeface="Arial" panose="020B0604020202020204" pitchFamily="34" charset="0"/>
-                <a:buChar char="•"/>
-              </a:pPr>
-              <a:r>
-                <a:rPr lang="pt-BR" sz="711" b="1" dirty="0">
-                  <a:solidFill>
-                    <a:srgbClr val="13C1F7"/>
-                  </a:solidFill>
-                  <a:latin typeface="Quicksand" panose="00000500000000000000" pitchFamily="2" charset="0"/>
-                </a:rPr>
-                <a:t>CSS</a:t>
-              </a:r>
-            </a:p>
-            <a:p>
-              <a:pPr marL="101630" indent="-101630">
-                <a:buFont typeface="Arial" panose="020B0604020202020204" pitchFamily="34" charset="0"/>
-                <a:buChar char="•"/>
-              </a:pPr>
-              <a:r>
-                <a:rPr lang="pt-BR" sz="711" b="1" dirty="0">
-                  <a:solidFill>
-                    <a:srgbClr val="13C1F7"/>
-                  </a:solidFill>
-                  <a:latin typeface="Quicksand" panose="00000500000000000000" pitchFamily="2" charset="0"/>
-                </a:rPr>
-                <a:t>HTML</a:t>
-              </a:r>
-            </a:p>
-          </p:txBody>
-        </p:sp>
-        <p:sp>
-          <p:nvSpPr>
-            <p:cNvPr id="319" name="info-text4">
-              <a:extLst>
-                <a:ext uri="{FF2B5EF4-FFF2-40B4-BE49-F238E27FC236}">
-                  <a16:creationId xmlns:a16="http://schemas.microsoft.com/office/drawing/2014/main" id="{8E88B077-85D4-4988-B7B9-0491E64A339A}"/>
-                </a:ext>
-              </a:extLst>
-            </p:cNvPr>
-            <p:cNvSpPr txBox="1">
-              <a:spLocks noGrp="1" noRot="1" noMove="1" noResize="1" noEditPoints="1" noAdjustHandles="1" noChangeArrowheads="1" noChangeShapeType="1"/>
-            </p:cNvSpPr>
-            <p:nvPr/>
-          </p:nvSpPr>
-          <p:spPr>
-            <a:xfrm>
-              <a:off x="4118977" y="3600505"/>
-              <a:ext cx="1315017" cy="311111"/>
-            </a:xfrm>
-            <a:prstGeom prst="rect">
-              <a:avLst/>
-            </a:prstGeom>
-            <a:noFill/>
-            <a:ln w="19050">
-              <a:solidFill>
-                <a:srgbClr val="13C1F7"/>
-              </a:solidFill>
-            </a:ln>
-          </p:spPr>
-          <p:txBody>
-            <a:bodyPr wrap="square" rtlCol="0">
-              <a:spAutoFit/>
-            </a:bodyPr>
-            <a:lstStyle/>
-            <a:p>
-              <a:pPr algn="ctr"/>
-              <a:r>
-                <a:rPr lang="pt-BR" sz="711" b="1" dirty="0">
-                  <a:solidFill>
-                    <a:srgbClr val="13C1F7"/>
-                  </a:solidFill>
-                  <a:latin typeface="Quicksand" panose="00000500000000000000" pitchFamily="2" charset="0"/>
-                </a:rPr>
-                <a:t>Hospedagem em NUVEM</a:t>
-              </a:r>
-            </a:p>
-            <a:p>
-              <a:pPr algn="ctr"/>
-              <a:r>
-                <a:rPr lang="pt-BR" sz="711" b="1" dirty="0">
-                  <a:solidFill>
-                    <a:srgbClr val="13C1F7"/>
-                  </a:solidFill>
-                  <a:latin typeface="Quicksand" panose="00000500000000000000" pitchFamily="2" charset="0"/>
-                </a:rPr>
-                <a:t>(AZURE)</a:t>
-              </a:r>
-            </a:p>
-          </p:txBody>
-        </p:sp>
-        <p:sp>
-          <p:nvSpPr>
-            <p:cNvPr id="320" name="info-text5">
-              <a:extLst>
-                <a:ext uri="{FF2B5EF4-FFF2-40B4-BE49-F238E27FC236}">
-                  <a16:creationId xmlns:a16="http://schemas.microsoft.com/office/drawing/2014/main" id="{8D737546-B6CD-4562-B809-E724C01EAE60}"/>
-                </a:ext>
-              </a:extLst>
-            </p:cNvPr>
-            <p:cNvSpPr txBox="1">
-              <a:spLocks noGrp="1" noRot="1" noMove="1" noResize="1" noEditPoints="1" noAdjustHandles="1" noChangeArrowheads="1" noChangeShapeType="1"/>
-            </p:cNvSpPr>
-            <p:nvPr/>
-          </p:nvSpPr>
-          <p:spPr>
-            <a:xfrm>
-              <a:off x="8700091" y="4818197"/>
-              <a:ext cx="586801" cy="201722"/>
-            </a:xfrm>
-            <a:prstGeom prst="rect">
-              <a:avLst/>
-            </a:prstGeom>
-            <a:noFill/>
-            <a:ln w="19050">
-              <a:solidFill>
-                <a:srgbClr val="F56413"/>
-              </a:solidFill>
-            </a:ln>
-          </p:spPr>
-          <p:txBody>
-            <a:bodyPr wrap="square" rtlCol="0">
-              <a:spAutoFit/>
-            </a:bodyPr>
-            <a:lstStyle/>
-            <a:p>
-              <a:r>
-                <a:rPr lang="pt-BR" sz="711" b="1" dirty="0">
-                  <a:solidFill>
-                    <a:srgbClr val="F56413"/>
-                  </a:solidFill>
-                  <a:latin typeface="Quicksand" panose="00000500000000000000" pitchFamily="2" charset="0"/>
-                </a:rPr>
-                <a:t>Unidade</a:t>
-              </a:r>
-            </a:p>
-          </p:txBody>
-        </p:sp>
-        <p:sp>
-          <p:nvSpPr>
-            <p:cNvPr id="321" name="info-text6">
-              <a:extLst>
-                <a:ext uri="{FF2B5EF4-FFF2-40B4-BE49-F238E27FC236}">
-                  <a16:creationId xmlns:a16="http://schemas.microsoft.com/office/drawing/2014/main" id="{B595522B-2544-4695-BBA3-3D9B2724361A}"/>
-                </a:ext>
-              </a:extLst>
-            </p:cNvPr>
-            <p:cNvSpPr txBox="1">
-              <a:spLocks noGrp="1" noRot="1" noMove="1" noResize="1" noEditPoints="1" noAdjustHandles="1" noChangeArrowheads="1" noChangeShapeType="1"/>
-            </p:cNvSpPr>
-            <p:nvPr/>
-          </p:nvSpPr>
-          <p:spPr>
-            <a:xfrm>
-              <a:off x="5292856" y="4907592"/>
-              <a:ext cx="519617" cy="311111"/>
-            </a:xfrm>
-            <a:prstGeom prst="rect">
-              <a:avLst/>
-            </a:prstGeom>
-            <a:noFill/>
-            <a:ln w="19050">
-              <a:solidFill>
-                <a:srgbClr val="F56413"/>
-              </a:solidFill>
-            </a:ln>
-          </p:spPr>
-          <p:txBody>
-            <a:bodyPr wrap="square" rtlCol="0">
-              <a:spAutoFit/>
-            </a:bodyPr>
-            <a:lstStyle/>
-            <a:p>
-              <a:pPr algn="ctr"/>
-              <a:r>
-                <a:rPr lang="pt-BR" sz="711" b="1" dirty="0">
-                  <a:solidFill>
-                    <a:srgbClr val="F56413"/>
-                  </a:solidFill>
-                  <a:latin typeface="Quicksand" panose="00000500000000000000" pitchFamily="2" charset="0"/>
-                </a:rPr>
-                <a:t>sensor</a:t>
-              </a:r>
-            </a:p>
-            <a:p>
-              <a:pPr algn="ctr"/>
-              <a:r>
-                <a:rPr lang="pt-BR" sz="711" b="1" dirty="0">
-                  <a:solidFill>
-                    <a:srgbClr val="F56413"/>
-                  </a:solidFill>
-                  <a:latin typeface="Quicksand" panose="00000500000000000000" pitchFamily="2" charset="0"/>
-                </a:rPr>
-                <a:t>(DHT11)</a:t>
-              </a:r>
-            </a:p>
-          </p:txBody>
-        </p:sp>
-        <p:sp>
-          <p:nvSpPr>
-            <p:cNvPr id="322" name="info-text7">
-              <a:extLst>
-                <a:ext uri="{FF2B5EF4-FFF2-40B4-BE49-F238E27FC236}">
-                  <a16:creationId xmlns:a16="http://schemas.microsoft.com/office/drawing/2014/main" id="{74CAF260-E7E1-4BC1-8CCF-4B3DAD2014D5}"/>
-                </a:ext>
-              </a:extLst>
-            </p:cNvPr>
-            <p:cNvSpPr txBox="1">
-              <a:spLocks noGrp="1" noRot="1" noMove="1" noResize="1" noEditPoints="1" noAdjustHandles="1" noChangeArrowheads="1" noChangeShapeType="1"/>
-            </p:cNvSpPr>
-            <p:nvPr/>
-          </p:nvSpPr>
-          <p:spPr>
-            <a:xfrm>
-              <a:off x="6424448" y="4938005"/>
-              <a:ext cx="668967" cy="311111"/>
-            </a:xfrm>
-            <a:prstGeom prst="rect">
-              <a:avLst/>
-            </a:prstGeom>
-            <a:noFill/>
-            <a:ln w="19050">
-              <a:solidFill>
-                <a:srgbClr val="F56413"/>
-              </a:solidFill>
-            </a:ln>
-          </p:spPr>
-          <p:txBody>
-            <a:bodyPr wrap="square" rtlCol="0">
-              <a:spAutoFit/>
-            </a:bodyPr>
-            <a:lstStyle/>
-            <a:p>
-              <a:pPr algn="ctr"/>
-              <a:r>
-                <a:rPr lang="pt-BR" sz="711" b="1" dirty="0">
-                  <a:solidFill>
-                    <a:srgbClr val="F56413"/>
-                  </a:solidFill>
-                  <a:latin typeface="Quicksand" panose="00000500000000000000" pitchFamily="2" charset="0"/>
-                </a:rPr>
-                <a:t>protoboard</a:t>
-              </a:r>
-            </a:p>
-            <a:p>
-              <a:pPr algn="ctr"/>
-              <a:r>
-                <a:rPr lang="pt-BR" sz="711" b="1" dirty="0">
-                  <a:solidFill>
-                    <a:srgbClr val="F56413"/>
-                  </a:solidFill>
-                  <a:latin typeface="Quicksand" panose="00000500000000000000" pitchFamily="2" charset="0"/>
-                </a:rPr>
-                <a:t>(Mini 170)</a:t>
-              </a:r>
-            </a:p>
-          </p:txBody>
-        </p:sp>
-        <p:sp>
-          <p:nvSpPr>
-            <p:cNvPr id="323" name="info-text8">
-              <a:extLst>
-                <a:ext uri="{FF2B5EF4-FFF2-40B4-BE49-F238E27FC236}">
-                  <a16:creationId xmlns:a16="http://schemas.microsoft.com/office/drawing/2014/main" id="{120560DC-27C3-43A3-8742-9A18D7822EDA}"/>
-                </a:ext>
-              </a:extLst>
-            </p:cNvPr>
-            <p:cNvSpPr txBox="1">
-              <a:spLocks noGrp="1" noRot="1" noMove="1" noResize="1" noEditPoints="1" noAdjustHandles="1" noChangeArrowheads="1" noChangeShapeType="1"/>
-            </p:cNvSpPr>
-            <p:nvPr/>
-          </p:nvSpPr>
-          <p:spPr>
-            <a:xfrm>
-              <a:off x="4038485" y="4949026"/>
-              <a:ext cx="602696" cy="311111"/>
-            </a:xfrm>
-            <a:prstGeom prst="rect">
-              <a:avLst/>
-            </a:prstGeom>
-            <a:noFill/>
-            <a:ln w="19050">
-              <a:solidFill>
-                <a:srgbClr val="F56413"/>
-              </a:solidFill>
-            </a:ln>
-          </p:spPr>
-          <p:txBody>
-            <a:bodyPr wrap="square" rtlCol="0">
-              <a:spAutoFit/>
-            </a:bodyPr>
-            <a:lstStyle/>
-            <a:p>
-              <a:pPr algn="ctr"/>
-              <a:r>
-                <a:rPr lang="pt-BR" sz="711" b="1" dirty="0" err="1">
-                  <a:solidFill>
-                    <a:srgbClr val="F56413"/>
-                  </a:solidFill>
-                  <a:latin typeface="Quicksand" panose="00000500000000000000" pitchFamily="2" charset="0"/>
-                </a:rPr>
-                <a:t>arduíno</a:t>
-              </a:r>
-              <a:endParaRPr lang="pt-BR" sz="711" b="1" dirty="0">
+        </p:nvSpPr>
+        <p:spPr>
+          <a:xfrm>
+            <a:off x="6981292" y="234694"/>
+            <a:ext cx="1574599" cy="529889"/>
+          </a:xfrm>
+          <a:prstGeom prst="rect">
+            <a:avLst/>
+          </a:prstGeom>
+          <a:noFill/>
+          <a:ln w="19050">
+            <a:solidFill>
+              <a:srgbClr val="F56413"/>
+            </a:solidFill>
+          </a:ln>
+        </p:spPr>
+        <p:txBody>
+          <a:bodyPr wrap="square" rtlCol="0">
+            <a:spAutoFit/>
+          </a:bodyPr>
+          <a:lstStyle/>
+          <a:p>
+            <a:pPr marL="101630" indent="-101630">
+              <a:buFont typeface="Arial" panose="020B0604020202020204" pitchFamily="34" charset="0"/>
+              <a:buChar char="•"/>
+            </a:pPr>
+            <a:r>
+              <a:rPr lang="pt-BR" sz="711" b="1" dirty="0">
                 <a:solidFill>
                   <a:srgbClr val="F56413"/>
                 </a:solidFill>
                 <a:latin typeface="Quicksand" panose="00000500000000000000" pitchFamily="2" charset="0"/>
-              </a:endParaRPr>
-            </a:p>
-            <a:p>
-              <a:pPr algn="ctr"/>
-              <a:r>
-                <a:rPr lang="pt-BR" sz="711" b="1" dirty="0">
-                  <a:solidFill>
-                    <a:srgbClr val="F56413"/>
-                  </a:solidFill>
-                  <a:latin typeface="Quicksand" panose="00000500000000000000" pitchFamily="2" charset="0"/>
-                </a:rPr>
-                <a:t>(Uno R3)</a:t>
-              </a:r>
-            </a:p>
-          </p:txBody>
-        </p:sp>
-        <p:sp>
-          <p:nvSpPr>
-            <p:cNvPr id="138" name="info-text9">
-              <a:extLst>
-                <a:ext uri="{FF2B5EF4-FFF2-40B4-BE49-F238E27FC236}">
-                  <a16:creationId xmlns:a16="http://schemas.microsoft.com/office/drawing/2014/main" id="{1451BD50-19E2-486D-A988-7BD523D65866}"/>
-                </a:ext>
-              </a:extLst>
-            </p:cNvPr>
-            <p:cNvSpPr txBox="1">
-              <a:spLocks noGrp="1" noRot="1" noMove="1" noResize="1" noEditPoints="1" noAdjustHandles="1" noChangeArrowheads="1" noChangeShapeType="1"/>
-            </p:cNvSpPr>
-            <p:nvPr/>
-          </p:nvSpPr>
-          <p:spPr>
-            <a:xfrm>
-              <a:off x="968419" y="4128077"/>
-              <a:ext cx="1543258" cy="529889"/>
-            </a:xfrm>
-            <a:prstGeom prst="rect">
-              <a:avLst/>
-            </a:prstGeom>
-            <a:noFill/>
-            <a:ln w="19050">
-              <a:solidFill>
-                <a:srgbClr val="8008FF"/>
-              </a:solidFill>
-            </a:ln>
-          </p:spPr>
-          <p:txBody>
-            <a:bodyPr wrap="square" rtlCol="0">
-              <a:spAutoFit/>
-            </a:bodyPr>
-            <a:lstStyle/>
-            <a:p>
-              <a:pPr marL="101630" indent="-101630">
-                <a:buFont typeface="Arial" panose="020B0604020202020204" pitchFamily="34" charset="0"/>
-                <a:buChar char="•"/>
-              </a:pPr>
-              <a:r>
-                <a:rPr lang="pt-BR" sz="711" b="1" dirty="0">
-                  <a:solidFill>
-                    <a:srgbClr val="7030A0"/>
-                  </a:solidFill>
-                  <a:latin typeface="Quicksand" panose="00000500000000000000" pitchFamily="2" charset="0"/>
-                </a:rPr>
-                <a:t>INTEL CORE I5–9300@2.1GHz</a:t>
-              </a:r>
-            </a:p>
-            <a:p>
-              <a:pPr marL="101630" indent="-101630">
-                <a:buFont typeface="Arial" panose="020B0604020202020204" pitchFamily="34" charset="0"/>
-                <a:buChar char="•"/>
-              </a:pPr>
-              <a:r>
-                <a:rPr lang="pt-BR" sz="711" b="1" dirty="0">
-                  <a:solidFill>
-                    <a:srgbClr val="7030A0"/>
-                  </a:solidFill>
-                  <a:latin typeface="Quicksand" panose="00000500000000000000" pitchFamily="2" charset="0"/>
-                </a:rPr>
-                <a:t>16GB RAM</a:t>
-              </a:r>
-            </a:p>
-            <a:p>
-              <a:pPr marL="101630" indent="-101630">
-                <a:buFont typeface="Arial" panose="020B0604020202020204" pitchFamily="34" charset="0"/>
-                <a:buChar char="•"/>
-              </a:pPr>
-              <a:r>
-                <a:rPr lang="pt-BR" sz="711" b="1" dirty="0">
-                  <a:solidFill>
-                    <a:srgbClr val="7030A0"/>
-                  </a:solidFill>
-                  <a:latin typeface="Quicksand" panose="00000500000000000000" pitchFamily="2" charset="0"/>
-                </a:rPr>
-                <a:t>SSD/HD 510GB</a:t>
-              </a:r>
-            </a:p>
-            <a:p>
-              <a:pPr marL="101630" indent="-101630">
-                <a:buFont typeface="Arial" panose="020B0604020202020204" pitchFamily="34" charset="0"/>
-                <a:buChar char="•"/>
-              </a:pPr>
-              <a:r>
-                <a:rPr lang="pt-BR" sz="711" b="1" dirty="0">
-                  <a:solidFill>
-                    <a:srgbClr val="7030A0"/>
-                  </a:solidFill>
-                  <a:latin typeface="Quicksand" panose="00000500000000000000" pitchFamily="2" charset="0"/>
-                </a:rPr>
-                <a:t>WINDOWS 10</a:t>
-              </a:r>
-            </a:p>
-          </p:txBody>
-        </p:sp>
-        <p:sp>
-          <p:nvSpPr>
-            <p:cNvPr id="139" name="info-text10">
-              <a:extLst>
-                <a:ext uri="{FF2B5EF4-FFF2-40B4-BE49-F238E27FC236}">
-                  <a16:creationId xmlns:a16="http://schemas.microsoft.com/office/drawing/2014/main" id="{2F1830D3-1919-48C0-AAB9-8D4D8DF47513}"/>
-                </a:ext>
-              </a:extLst>
-            </p:cNvPr>
-            <p:cNvSpPr txBox="1">
-              <a:spLocks noGrp="1" noRot="1" noMove="1" noResize="1" noEditPoints="1" noAdjustHandles="1" noChangeArrowheads="1" noChangeShapeType="1"/>
-            </p:cNvSpPr>
-            <p:nvPr/>
-          </p:nvSpPr>
-          <p:spPr>
-            <a:xfrm>
-              <a:off x="8616860" y="2291058"/>
-              <a:ext cx="975113" cy="420500"/>
-            </a:xfrm>
-            <a:prstGeom prst="rect">
-              <a:avLst/>
-            </a:prstGeom>
-            <a:noFill/>
-            <a:ln w="19050">
+              </a:rPr>
+              <a:t>INTEL CORE I5–2400 @2.1GHz</a:t>
+            </a:r>
+          </a:p>
+          <a:p>
+            <a:pPr marL="101630" indent="-101630">
+              <a:buFont typeface="Arial" panose="020B0604020202020204" pitchFamily="34" charset="0"/>
+              <a:buChar char="•"/>
+            </a:pPr>
+            <a:r>
+              <a:rPr lang="pt-BR" sz="711" b="1" dirty="0">
+                <a:solidFill>
+                  <a:srgbClr val="F56413"/>
+                </a:solidFill>
+                <a:latin typeface="Quicksand" panose="00000500000000000000" pitchFamily="2" charset="0"/>
+              </a:rPr>
+              <a:t>8GB RAM</a:t>
+            </a:r>
+          </a:p>
+          <a:p>
+            <a:pPr marL="101630" indent="-101630">
+              <a:buFont typeface="Arial" panose="020B0604020202020204" pitchFamily="34" charset="0"/>
+              <a:buChar char="•"/>
+            </a:pPr>
+            <a:r>
+              <a:rPr lang="pt-BR" sz="711" b="1" dirty="0">
+                <a:solidFill>
+                  <a:srgbClr val="F56413"/>
+                </a:solidFill>
+                <a:latin typeface="Quicksand" panose="00000500000000000000" pitchFamily="2" charset="0"/>
+              </a:rPr>
+              <a:t>SSD/HD 120GB</a:t>
+            </a:r>
+          </a:p>
+          <a:p>
+            <a:pPr marL="101630" indent="-101630">
+              <a:buFont typeface="Arial" panose="020B0604020202020204" pitchFamily="34" charset="0"/>
+              <a:buChar char="•"/>
+            </a:pPr>
+            <a:r>
+              <a:rPr lang="pt-BR" sz="711" b="1" dirty="0">
+                <a:solidFill>
+                  <a:srgbClr val="F56413"/>
+                </a:solidFill>
+                <a:latin typeface="Quicksand" panose="00000500000000000000" pitchFamily="2" charset="0"/>
+              </a:rPr>
+              <a:t>WINDOWS 10</a:t>
+            </a:r>
+          </a:p>
+        </p:txBody>
+      </p:sp>
+      <p:sp>
+        <p:nvSpPr>
+          <p:cNvPr id="315" name="info-text2">
+            <a:extLst>
+              <a:ext uri="{FF2B5EF4-FFF2-40B4-BE49-F238E27FC236}">
+                <a16:creationId xmlns:a16="http://schemas.microsoft.com/office/drawing/2014/main" id="{B8F41526-869A-4CD4-B94C-8F850FE212AF}"/>
+              </a:ext>
+            </a:extLst>
+          </p:cNvPr>
+          <p:cNvSpPr txBox="1">
+            <a:spLocks/>
+          </p:cNvSpPr>
+          <p:nvPr/>
+        </p:nvSpPr>
+        <p:spPr>
+          <a:xfrm>
+            <a:off x="5505203" y="375068"/>
+            <a:ext cx="1190884" cy="311111"/>
+          </a:xfrm>
+          <a:prstGeom prst="rect">
+            <a:avLst/>
+          </a:prstGeom>
+          <a:noFill/>
+          <a:ln w="19050">
+            <a:solidFill>
+              <a:srgbClr val="13C1F7"/>
+            </a:solidFill>
+          </a:ln>
+        </p:spPr>
+        <p:txBody>
+          <a:bodyPr wrap="square" rtlCol="0">
+            <a:spAutoFit/>
+          </a:bodyPr>
+          <a:lstStyle/>
+          <a:p>
+            <a:pPr algn="ctr"/>
+            <a:r>
+              <a:rPr lang="pt-BR" sz="711" b="1" dirty="0">
+                <a:solidFill>
+                  <a:srgbClr val="13C1F7"/>
+                </a:solidFill>
+                <a:latin typeface="Quicksand" panose="00000500000000000000" pitchFamily="2" charset="0"/>
+              </a:rPr>
+              <a:t>Banco de Dados</a:t>
+            </a:r>
+          </a:p>
+          <a:p>
+            <a:pPr algn="ctr"/>
+            <a:r>
+              <a:rPr lang="pt-BR" sz="711" b="1" dirty="0">
+                <a:solidFill>
+                  <a:srgbClr val="13C1F7"/>
+                </a:solidFill>
+                <a:latin typeface="Quicksand" panose="00000500000000000000" pitchFamily="2" charset="0"/>
+              </a:rPr>
+              <a:t>Microsoft MYSQL Server</a:t>
+            </a:r>
+          </a:p>
+        </p:txBody>
+      </p:sp>
+      <p:sp>
+        <p:nvSpPr>
+          <p:cNvPr id="318" name="info-text3">
+            <a:extLst>
+              <a:ext uri="{FF2B5EF4-FFF2-40B4-BE49-F238E27FC236}">
+                <a16:creationId xmlns:a16="http://schemas.microsoft.com/office/drawing/2014/main" id="{E68EE20D-7296-4145-A5CE-51F6D7337A07}"/>
+              </a:ext>
+            </a:extLst>
+          </p:cNvPr>
+          <p:cNvSpPr txBox="1">
+            <a:spLocks/>
+          </p:cNvSpPr>
+          <p:nvPr/>
+        </p:nvSpPr>
+        <p:spPr>
+          <a:xfrm>
+            <a:off x="2325141" y="329866"/>
+            <a:ext cx="772570" cy="748666"/>
+          </a:xfrm>
+          <a:prstGeom prst="rect">
+            <a:avLst/>
+          </a:prstGeom>
+          <a:noFill/>
+          <a:ln w="19050">
+            <a:solidFill>
+              <a:srgbClr val="13C1F7"/>
+            </a:solidFill>
+          </a:ln>
+        </p:spPr>
+        <p:txBody>
+          <a:bodyPr wrap="square" rtlCol="0">
+            <a:spAutoFit/>
+          </a:bodyPr>
+          <a:lstStyle/>
+          <a:p>
+            <a:pPr algn="ctr"/>
+            <a:r>
+              <a:rPr lang="pt-BR" sz="711" b="1" dirty="0">
+                <a:solidFill>
+                  <a:srgbClr val="13C1F7"/>
+                </a:solidFill>
+                <a:latin typeface="Quicksand" panose="00000500000000000000" pitchFamily="2" charset="0"/>
+              </a:rPr>
+              <a:t>Tecnologias</a:t>
+            </a:r>
+          </a:p>
+          <a:p>
+            <a:pPr algn="ctr"/>
+            <a:r>
+              <a:rPr lang="pt-BR" sz="711" b="1" dirty="0">
+                <a:solidFill>
+                  <a:srgbClr val="13C1F7"/>
+                </a:solidFill>
+                <a:latin typeface="Quicksand" panose="00000500000000000000" pitchFamily="2" charset="0"/>
+              </a:rPr>
+              <a:t>do</a:t>
+            </a:r>
+          </a:p>
+          <a:p>
+            <a:pPr algn="ctr"/>
+            <a:r>
+              <a:rPr lang="pt-BR" sz="711" b="1" dirty="0">
+                <a:solidFill>
+                  <a:srgbClr val="13C1F7"/>
+                </a:solidFill>
+                <a:latin typeface="Quicksand" panose="00000500000000000000" pitchFamily="2" charset="0"/>
+              </a:rPr>
+              <a:t>Site</a:t>
+            </a:r>
+          </a:p>
+          <a:p>
+            <a:pPr marL="101630" indent="-101630">
+              <a:buFont typeface="Arial" panose="020B0604020202020204" pitchFamily="34" charset="0"/>
+              <a:buChar char="•"/>
+            </a:pPr>
+            <a:r>
+              <a:rPr lang="pt-BR" sz="711" b="1" dirty="0">
+                <a:solidFill>
+                  <a:srgbClr val="13C1F7"/>
+                </a:solidFill>
+                <a:latin typeface="Quicksand" panose="00000500000000000000" pitchFamily="2" charset="0"/>
+              </a:rPr>
+              <a:t>Javascript</a:t>
+            </a:r>
+          </a:p>
+          <a:p>
+            <a:pPr marL="101630" indent="-101630">
+              <a:buFont typeface="Arial" panose="020B0604020202020204" pitchFamily="34" charset="0"/>
+              <a:buChar char="•"/>
+            </a:pPr>
+            <a:r>
+              <a:rPr lang="pt-BR" sz="711" b="1" dirty="0">
+                <a:solidFill>
+                  <a:srgbClr val="13C1F7"/>
+                </a:solidFill>
+                <a:latin typeface="Quicksand" panose="00000500000000000000" pitchFamily="2" charset="0"/>
+              </a:rPr>
+              <a:t>CSS</a:t>
+            </a:r>
+          </a:p>
+          <a:p>
+            <a:pPr marL="101630" indent="-101630">
+              <a:buFont typeface="Arial" panose="020B0604020202020204" pitchFamily="34" charset="0"/>
+              <a:buChar char="•"/>
+            </a:pPr>
+            <a:r>
+              <a:rPr lang="pt-BR" sz="711" b="1" dirty="0">
+                <a:solidFill>
+                  <a:srgbClr val="13C1F7"/>
+                </a:solidFill>
+                <a:latin typeface="Quicksand" panose="00000500000000000000" pitchFamily="2" charset="0"/>
+              </a:rPr>
+              <a:t>HTML</a:t>
+            </a:r>
+          </a:p>
+        </p:txBody>
+      </p:sp>
+      <p:sp>
+        <p:nvSpPr>
+          <p:cNvPr id="319" name="info-text4">
+            <a:extLst>
+              <a:ext uri="{FF2B5EF4-FFF2-40B4-BE49-F238E27FC236}">
+                <a16:creationId xmlns:a16="http://schemas.microsoft.com/office/drawing/2014/main" id="{8E88B077-85D4-4988-B7B9-0491E64A339A}"/>
+              </a:ext>
+            </a:extLst>
+          </p:cNvPr>
+          <p:cNvSpPr txBox="1">
+            <a:spLocks/>
+          </p:cNvSpPr>
+          <p:nvPr/>
+        </p:nvSpPr>
+        <p:spPr>
+          <a:xfrm>
+            <a:off x="4118977" y="3600505"/>
+            <a:ext cx="1315017" cy="311111"/>
+          </a:xfrm>
+          <a:prstGeom prst="rect">
+            <a:avLst/>
+          </a:prstGeom>
+          <a:noFill/>
+          <a:ln w="19050">
+            <a:solidFill>
+              <a:srgbClr val="13C1F7"/>
+            </a:solidFill>
+          </a:ln>
+        </p:spPr>
+        <p:txBody>
+          <a:bodyPr wrap="square" rtlCol="0">
+            <a:spAutoFit/>
+          </a:bodyPr>
+          <a:lstStyle/>
+          <a:p>
+            <a:pPr algn="ctr"/>
+            <a:r>
+              <a:rPr lang="pt-BR" sz="711" b="1" dirty="0">
+                <a:solidFill>
+                  <a:srgbClr val="13C1F7"/>
+                </a:solidFill>
+                <a:latin typeface="Quicksand" panose="00000500000000000000" pitchFamily="2" charset="0"/>
+              </a:rPr>
+              <a:t>Hospedagem em NUVEM</a:t>
+            </a:r>
+          </a:p>
+          <a:p>
+            <a:pPr algn="ctr"/>
+            <a:r>
+              <a:rPr lang="pt-BR" sz="711" b="1" dirty="0">
+                <a:solidFill>
+                  <a:srgbClr val="13C1F7"/>
+                </a:solidFill>
+                <a:latin typeface="Quicksand" panose="00000500000000000000" pitchFamily="2" charset="0"/>
+              </a:rPr>
+              <a:t>(AZURE)</a:t>
+            </a:r>
+          </a:p>
+        </p:txBody>
+      </p:sp>
+      <p:sp>
+        <p:nvSpPr>
+          <p:cNvPr id="320" name="info-text5">
+            <a:extLst>
+              <a:ext uri="{FF2B5EF4-FFF2-40B4-BE49-F238E27FC236}">
+                <a16:creationId xmlns:a16="http://schemas.microsoft.com/office/drawing/2014/main" id="{8D737546-B6CD-4562-B809-E724C01EAE60}"/>
+              </a:ext>
+            </a:extLst>
+          </p:cNvPr>
+          <p:cNvSpPr txBox="1">
+            <a:spLocks/>
+          </p:cNvSpPr>
+          <p:nvPr/>
+        </p:nvSpPr>
+        <p:spPr>
+          <a:xfrm>
+            <a:off x="326104" y="5047862"/>
+            <a:ext cx="586801" cy="201722"/>
+          </a:xfrm>
+          <a:prstGeom prst="rect">
+            <a:avLst/>
+          </a:prstGeom>
+          <a:noFill/>
+          <a:ln w="19050">
+            <a:solidFill>
+              <a:srgbClr val="F56413"/>
+            </a:solidFill>
+          </a:ln>
+        </p:spPr>
+        <p:txBody>
+          <a:bodyPr wrap="square" rtlCol="0">
+            <a:spAutoFit/>
+          </a:bodyPr>
+          <a:lstStyle/>
+          <a:p>
+            <a:r>
+              <a:rPr lang="pt-BR" sz="711" b="1" dirty="0">
+                <a:solidFill>
+                  <a:srgbClr val="F56413"/>
+                </a:solidFill>
+                <a:latin typeface="Quicksand" panose="00000500000000000000" pitchFamily="2" charset="0"/>
+              </a:rPr>
+              <a:t>Unidade</a:t>
+            </a:r>
+          </a:p>
+        </p:txBody>
+      </p:sp>
+      <p:sp>
+        <p:nvSpPr>
+          <p:cNvPr id="321" name="info-text6">
+            <a:extLst>
+              <a:ext uri="{FF2B5EF4-FFF2-40B4-BE49-F238E27FC236}">
+                <a16:creationId xmlns:a16="http://schemas.microsoft.com/office/drawing/2014/main" id="{B595522B-2544-4695-BBA3-3D9B2724361A}"/>
+              </a:ext>
+            </a:extLst>
+          </p:cNvPr>
+          <p:cNvSpPr txBox="1">
+            <a:spLocks/>
+          </p:cNvSpPr>
+          <p:nvPr/>
+        </p:nvSpPr>
+        <p:spPr>
+          <a:xfrm>
+            <a:off x="2800265" y="4849476"/>
+            <a:ext cx="513146" cy="311111"/>
+          </a:xfrm>
+          <a:prstGeom prst="rect">
+            <a:avLst/>
+          </a:prstGeom>
+          <a:noFill/>
+          <a:ln w="19050">
+            <a:solidFill>
+              <a:srgbClr val="F56413"/>
+            </a:solidFill>
+          </a:ln>
+        </p:spPr>
+        <p:txBody>
+          <a:bodyPr wrap="square" rtlCol="0">
+            <a:spAutoFit/>
+          </a:bodyPr>
+          <a:lstStyle/>
+          <a:p>
+            <a:pPr algn="ctr"/>
+            <a:r>
+              <a:rPr lang="pt-BR" sz="711" b="1" dirty="0">
+                <a:solidFill>
+                  <a:srgbClr val="F56413"/>
+                </a:solidFill>
+                <a:latin typeface="Quicksand" panose="00000500000000000000" pitchFamily="2" charset="0"/>
+              </a:rPr>
+              <a:t>sensor</a:t>
+            </a:r>
+          </a:p>
+          <a:p>
+            <a:pPr algn="ctr"/>
+            <a:r>
+              <a:rPr lang="pt-BR" sz="711" b="1" dirty="0">
+                <a:solidFill>
+                  <a:srgbClr val="F56413"/>
+                </a:solidFill>
+                <a:latin typeface="Quicksand" panose="00000500000000000000" pitchFamily="2" charset="0"/>
+              </a:rPr>
+              <a:t>(DHT11)</a:t>
+            </a:r>
+          </a:p>
+        </p:txBody>
+      </p:sp>
+      <p:sp>
+        <p:nvSpPr>
+          <p:cNvPr id="322" name="info-text7">
+            <a:extLst>
+              <a:ext uri="{FF2B5EF4-FFF2-40B4-BE49-F238E27FC236}">
+                <a16:creationId xmlns:a16="http://schemas.microsoft.com/office/drawing/2014/main" id="{74CAF260-E7E1-4BC1-8CCF-4B3DAD2014D5}"/>
+              </a:ext>
+            </a:extLst>
+          </p:cNvPr>
+          <p:cNvSpPr txBox="1">
+            <a:spLocks/>
+          </p:cNvSpPr>
+          <p:nvPr/>
+        </p:nvSpPr>
+        <p:spPr>
+          <a:xfrm>
+            <a:off x="1749237" y="4849476"/>
+            <a:ext cx="660636" cy="420500"/>
+          </a:xfrm>
+          <a:prstGeom prst="rect">
+            <a:avLst/>
+          </a:prstGeom>
+          <a:noFill/>
+          <a:ln w="19050">
+            <a:solidFill>
+              <a:srgbClr val="F56413"/>
+            </a:solidFill>
+          </a:ln>
+        </p:spPr>
+        <p:txBody>
+          <a:bodyPr wrap="square" rtlCol="0">
+            <a:spAutoFit/>
+          </a:bodyPr>
+          <a:lstStyle/>
+          <a:p>
+            <a:pPr algn="ctr"/>
+            <a:r>
+              <a:rPr lang="pt-BR" sz="711" b="1" dirty="0">
+                <a:solidFill>
+                  <a:srgbClr val="F56413"/>
+                </a:solidFill>
+                <a:latin typeface="Quicksand" panose="00000500000000000000" pitchFamily="2" charset="0"/>
+              </a:rPr>
+              <a:t>protoboard</a:t>
+            </a:r>
+          </a:p>
+          <a:p>
+            <a:pPr algn="ctr"/>
+            <a:r>
+              <a:rPr lang="pt-BR" sz="711" b="1" dirty="0">
+                <a:solidFill>
+                  <a:srgbClr val="F56413"/>
+                </a:solidFill>
+                <a:latin typeface="Quicksand" panose="00000500000000000000" pitchFamily="2" charset="0"/>
+              </a:rPr>
+              <a:t>(Mini 170)</a:t>
+            </a:r>
+          </a:p>
+        </p:txBody>
+      </p:sp>
+      <p:sp>
+        <p:nvSpPr>
+          <p:cNvPr id="323" name="info-text8">
+            <a:extLst>
+              <a:ext uri="{FF2B5EF4-FFF2-40B4-BE49-F238E27FC236}">
+                <a16:creationId xmlns:a16="http://schemas.microsoft.com/office/drawing/2014/main" id="{120560DC-27C3-43A3-8742-9A18D7822EDA}"/>
+              </a:ext>
+            </a:extLst>
+          </p:cNvPr>
+          <p:cNvSpPr txBox="1">
+            <a:spLocks/>
+          </p:cNvSpPr>
+          <p:nvPr/>
+        </p:nvSpPr>
+        <p:spPr>
+          <a:xfrm>
+            <a:off x="3710835" y="4842792"/>
+            <a:ext cx="595191" cy="311111"/>
+          </a:xfrm>
+          <a:prstGeom prst="rect">
+            <a:avLst/>
+          </a:prstGeom>
+          <a:noFill/>
+          <a:ln w="19050">
+            <a:solidFill>
+              <a:srgbClr val="F56413"/>
+            </a:solidFill>
+          </a:ln>
+        </p:spPr>
+        <p:txBody>
+          <a:bodyPr wrap="square" rtlCol="0">
+            <a:spAutoFit/>
+          </a:bodyPr>
+          <a:lstStyle/>
+          <a:p>
+            <a:pPr algn="ctr"/>
+            <a:r>
+              <a:rPr lang="pt-BR" sz="711" b="1" dirty="0" err="1">
+                <a:solidFill>
+                  <a:srgbClr val="F56413"/>
+                </a:solidFill>
+                <a:latin typeface="Quicksand" panose="00000500000000000000" pitchFamily="2" charset="0"/>
+              </a:rPr>
+              <a:t>arduíno</a:t>
+            </a:r>
+            <a:endParaRPr lang="pt-BR" sz="711" b="1" dirty="0">
               <a:solidFill>
                 <a:srgbClr val="F56413"/>
               </a:solidFill>
-            </a:ln>
-          </p:spPr>
-          <p:txBody>
-            <a:bodyPr wrap="square" rtlCol="0">
-              <a:spAutoFit/>
-            </a:bodyPr>
-            <a:lstStyle/>
-            <a:p>
-              <a:pPr marL="101630" indent="-101630">
-                <a:buFont typeface="Arial" panose="020B0604020202020204" pitchFamily="34" charset="0"/>
-                <a:buChar char="•"/>
-              </a:pPr>
-              <a:r>
-                <a:rPr lang="pt-BR" sz="711" b="1" dirty="0">
-                  <a:solidFill>
-                    <a:srgbClr val="F56413"/>
-                  </a:solidFill>
-                  <a:latin typeface="Quicksand" panose="00000500000000000000" pitchFamily="2" charset="0"/>
-                </a:rPr>
-                <a:t>TP-Link Wireless</a:t>
-              </a:r>
-            </a:p>
-            <a:p>
-              <a:pPr marL="101630" indent="-101630">
-                <a:buFont typeface="Arial" panose="020B0604020202020204" pitchFamily="34" charset="0"/>
-                <a:buChar char="•"/>
-              </a:pPr>
-              <a:r>
-                <a:rPr lang="pt-BR" sz="711" b="1" dirty="0">
-                  <a:solidFill>
-                    <a:srgbClr val="F56413"/>
-                  </a:solidFill>
-                  <a:latin typeface="Quicksand" panose="00000500000000000000" pitchFamily="2" charset="0"/>
-                </a:rPr>
-                <a:t>Archer C50</a:t>
-              </a:r>
-            </a:p>
-            <a:p>
-              <a:pPr marL="101630" indent="-101630">
-                <a:buFont typeface="Arial" panose="020B0604020202020204" pitchFamily="34" charset="0"/>
-                <a:buChar char="•"/>
-              </a:pPr>
-              <a:r>
-                <a:rPr lang="pt-BR" sz="711" b="1" dirty="0">
-                  <a:solidFill>
-                    <a:srgbClr val="F56413"/>
-                  </a:solidFill>
-                  <a:latin typeface="Quicksand" panose="00000500000000000000" pitchFamily="2" charset="0"/>
-                </a:rPr>
-                <a:t>4 Portas</a:t>
-              </a:r>
-            </a:p>
-          </p:txBody>
-        </p:sp>
-        <p:sp>
-          <p:nvSpPr>
-            <p:cNvPr id="141" name="info-text11">
-              <a:extLst>
-                <a:ext uri="{FF2B5EF4-FFF2-40B4-BE49-F238E27FC236}">
-                  <a16:creationId xmlns:a16="http://schemas.microsoft.com/office/drawing/2014/main" id="{0968DFE9-C61E-405B-B02A-7A27B24D78D1}"/>
-                </a:ext>
-              </a:extLst>
-            </p:cNvPr>
-            <p:cNvSpPr txBox="1">
-              <a:spLocks noGrp="1" noRot="1" noMove="1" noResize="1" noEditPoints="1" noAdjustHandles="1" noChangeArrowheads="1" noChangeShapeType="1"/>
-            </p:cNvSpPr>
-            <p:nvPr/>
-          </p:nvSpPr>
-          <p:spPr>
-            <a:xfrm>
-              <a:off x="231600" y="1457075"/>
-              <a:ext cx="972608" cy="420500"/>
-            </a:xfrm>
-            <a:prstGeom prst="rect">
-              <a:avLst/>
-            </a:prstGeom>
-            <a:noFill/>
-            <a:ln w="19050">
-              <a:solidFill>
-                <a:srgbClr val="8008FF"/>
-              </a:solidFill>
-            </a:ln>
-          </p:spPr>
-          <p:txBody>
-            <a:bodyPr wrap="square" rtlCol="0">
-              <a:spAutoFit/>
-            </a:bodyPr>
-            <a:lstStyle/>
-            <a:p>
-              <a:pPr marL="101630" indent="-101630">
-                <a:buFont typeface="Arial" panose="020B0604020202020204" pitchFamily="34" charset="0"/>
-                <a:buChar char="•"/>
-              </a:pPr>
-              <a:r>
-                <a:rPr lang="pt-BR" sz="711" b="1" dirty="0">
-                  <a:solidFill>
-                    <a:srgbClr val="7030A0"/>
-                  </a:solidFill>
-                  <a:latin typeface="Quicksand" panose="00000500000000000000" pitchFamily="2" charset="0"/>
-                </a:rPr>
-                <a:t>TP-Link Wireless</a:t>
-              </a:r>
-            </a:p>
-            <a:p>
-              <a:pPr marL="101630" indent="-101630">
-                <a:buFont typeface="Arial" panose="020B0604020202020204" pitchFamily="34" charset="0"/>
-                <a:buChar char="•"/>
-              </a:pPr>
-              <a:r>
-                <a:rPr lang="pt-BR" sz="711" b="1" dirty="0">
-                  <a:solidFill>
-                    <a:srgbClr val="7030A0"/>
-                  </a:solidFill>
-                  <a:latin typeface="Quicksand" panose="00000500000000000000" pitchFamily="2" charset="0"/>
-                </a:rPr>
-                <a:t>Archer C6</a:t>
-              </a:r>
-            </a:p>
-            <a:p>
-              <a:pPr marL="101630" indent="-101630">
-                <a:buFont typeface="Arial" panose="020B0604020202020204" pitchFamily="34" charset="0"/>
-                <a:buChar char="•"/>
-              </a:pPr>
-              <a:r>
-                <a:rPr lang="pt-BR" sz="711" b="1" dirty="0">
-                  <a:solidFill>
-                    <a:srgbClr val="7030A0"/>
-                  </a:solidFill>
-                  <a:latin typeface="Quicksand" panose="00000500000000000000" pitchFamily="2" charset="0"/>
-                </a:rPr>
-                <a:t>4 Portas</a:t>
-              </a:r>
-            </a:p>
-          </p:txBody>
-        </p:sp>
-        <p:sp>
-          <p:nvSpPr>
-            <p:cNvPr id="142" name="info-text12">
-              <a:extLst>
-                <a:ext uri="{FF2B5EF4-FFF2-40B4-BE49-F238E27FC236}">
-                  <a16:creationId xmlns:a16="http://schemas.microsoft.com/office/drawing/2014/main" id="{F04D89B8-EE16-4938-A37A-35F571CC4D83}"/>
-                </a:ext>
-              </a:extLst>
-            </p:cNvPr>
-            <p:cNvSpPr txBox="1">
-              <a:spLocks noGrp="1" noRot="1" noMove="1" noResize="1" noEditPoints="1" noAdjustHandles="1" noChangeArrowheads="1" noChangeShapeType="1"/>
-            </p:cNvSpPr>
-            <p:nvPr/>
-          </p:nvSpPr>
-          <p:spPr>
-            <a:xfrm>
-              <a:off x="732953" y="3334894"/>
-              <a:ext cx="772570" cy="311111"/>
-            </a:xfrm>
-            <a:prstGeom prst="rect">
-              <a:avLst/>
-            </a:prstGeom>
-            <a:noFill/>
-            <a:ln w="19050">
-              <a:solidFill>
-                <a:srgbClr val="8008FF"/>
-              </a:solidFill>
-            </a:ln>
-          </p:spPr>
-          <p:txBody>
-            <a:bodyPr wrap="square" rtlCol="0">
-              <a:spAutoFit/>
-            </a:bodyPr>
-            <a:lstStyle/>
-            <a:p>
-              <a:pPr marL="101630" indent="-101630">
-                <a:buFont typeface="Arial" panose="020B0604020202020204" pitchFamily="34" charset="0"/>
-                <a:buChar char="•"/>
-              </a:pPr>
-              <a:r>
-                <a:rPr lang="pt-BR" sz="711" b="1" dirty="0">
-                  <a:solidFill>
-                    <a:srgbClr val="7030A0"/>
-                  </a:solidFill>
-                  <a:latin typeface="Quicksand" panose="00000500000000000000" pitchFamily="2" charset="0"/>
-                </a:rPr>
-                <a:t>300Mbps</a:t>
-              </a:r>
-            </a:p>
-            <a:p>
-              <a:pPr marL="101630" indent="-101630">
-                <a:buFont typeface="Arial" panose="020B0604020202020204" pitchFamily="34" charset="0"/>
-                <a:buChar char="•"/>
-              </a:pPr>
-              <a:r>
-                <a:rPr lang="pt-BR" sz="711" b="1" dirty="0">
-                  <a:solidFill>
-                    <a:srgbClr val="7030A0"/>
-                  </a:solidFill>
-                  <a:latin typeface="Quicksand" panose="00000500000000000000" pitchFamily="2" charset="0"/>
-                </a:rPr>
-                <a:t>2,4GHz</a:t>
-              </a:r>
-            </a:p>
-          </p:txBody>
-        </p:sp>
-        <p:sp>
-          <p:nvSpPr>
-            <p:cNvPr id="143" name="info-text13">
-              <a:extLst>
-                <a:ext uri="{FF2B5EF4-FFF2-40B4-BE49-F238E27FC236}">
-                  <a16:creationId xmlns:a16="http://schemas.microsoft.com/office/drawing/2014/main" id="{8A48FDB2-DECE-438C-9069-6007FB31DAAE}"/>
-                </a:ext>
-              </a:extLst>
-            </p:cNvPr>
-            <p:cNvSpPr txBox="1">
-              <a:spLocks noGrp="1" noRot="1" noMove="1" noResize="1" noEditPoints="1" noAdjustHandles="1" noChangeArrowheads="1" noChangeShapeType="1"/>
-            </p:cNvSpPr>
-            <p:nvPr/>
-          </p:nvSpPr>
-          <p:spPr>
-            <a:xfrm>
-              <a:off x="7702489" y="1792731"/>
-              <a:ext cx="772570" cy="311111"/>
-            </a:xfrm>
-            <a:prstGeom prst="rect">
-              <a:avLst/>
-            </a:prstGeom>
-            <a:noFill/>
-            <a:ln w="19050">
-              <a:solidFill>
-                <a:srgbClr val="F56413"/>
-              </a:solidFill>
-            </a:ln>
-          </p:spPr>
-          <p:txBody>
-            <a:bodyPr wrap="square" rtlCol="0">
-              <a:spAutoFit/>
-            </a:bodyPr>
-            <a:lstStyle/>
-            <a:p>
-              <a:pPr marL="101630" indent="-101630">
-                <a:buFont typeface="Arial" panose="020B0604020202020204" pitchFamily="34" charset="0"/>
-                <a:buChar char="•"/>
-              </a:pPr>
-              <a:r>
-                <a:rPr lang="pt-BR" sz="711" b="1" dirty="0">
-                  <a:solidFill>
-                    <a:srgbClr val="F56413"/>
-                  </a:solidFill>
-                  <a:latin typeface="Quicksand" panose="00000500000000000000" pitchFamily="2" charset="0"/>
-                </a:rPr>
-                <a:t>300Mbps</a:t>
-              </a:r>
-            </a:p>
-            <a:p>
-              <a:pPr marL="101630" indent="-101630">
-                <a:buFont typeface="Arial" panose="020B0604020202020204" pitchFamily="34" charset="0"/>
-                <a:buChar char="•"/>
-              </a:pPr>
-              <a:r>
-                <a:rPr lang="pt-BR" sz="711" b="1" dirty="0">
-                  <a:solidFill>
-                    <a:srgbClr val="F56413"/>
-                  </a:solidFill>
-                  <a:latin typeface="Quicksand" panose="00000500000000000000" pitchFamily="2" charset="0"/>
-                </a:rPr>
-                <a:t>2,4GHz</a:t>
-              </a:r>
-            </a:p>
-          </p:txBody>
-        </p:sp>
-        <p:sp>
-          <p:nvSpPr>
-            <p:cNvPr id="264" name="info-text14">
-              <a:extLst>
-                <a:ext uri="{FF2B5EF4-FFF2-40B4-BE49-F238E27FC236}">
-                  <a16:creationId xmlns:a16="http://schemas.microsoft.com/office/drawing/2014/main" id="{FF136DC3-C674-44FC-B552-554CA00DA44D}"/>
-                </a:ext>
-              </a:extLst>
-            </p:cNvPr>
-            <p:cNvSpPr txBox="1">
-              <a:spLocks noGrp="1" noRot="1" noMove="1" noResize="1" noEditPoints="1" noAdjustHandles="1" noChangeArrowheads="1" noChangeShapeType="1"/>
-            </p:cNvSpPr>
-            <p:nvPr/>
-          </p:nvSpPr>
-          <p:spPr>
-            <a:xfrm>
-              <a:off x="6967691" y="3138978"/>
-              <a:ext cx="1379958" cy="529889"/>
-            </a:xfrm>
-            <a:prstGeom prst="rect">
-              <a:avLst/>
-            </a:prstGeom>
-            <a:noFill/>
-            <a:ln w="19050">
-              <a:solidFill>
-                <a:srgbClr val="F56413"/>
-              </a:solidFill>
-            </a:ln>
-          </p:spPr>
-          <p:txBody>
-            <a:bodyPr wrap="square" rtlCol="0">
-              <a:spAutoFit/>
-            </a:bodyPr>
-            <a:lstStyle/>
-            <a:p>
-              <a:pPr marL="101630" indent="-101630">
-                <a:buFont typeface="Arial" panose="020B0604020202020204" pitchFamily="34" charset="0"/>
-                <a:buChar char="•"/>
-              </a:pPr>
-              <a:r>
-                <a:rPr lang="pt-BR" sz="711" b="1" dirty="0" err="1">
-                  <a:solidFill>
-                    <a:srgbClr val="F56413"/>
-                  </a:solidFill>
-                  <a:latin typeface="Quicksand" panose="00000500000000000000" pitchFamily="2" charset="0"/>
-                </a:rPr>
-                <a:t>PowerEdge</a:t>
-              </a:r>
-              <a:r>
-                <a:rPr lang="pt-BR" sz="711" b="1" dirty="0">
-                  <a:solidFill>
-                    <a:srgbClr val="F56413"/>
-                  </a:solidFill>
-                  <a:latin typeface="Quicksand" panose="00000500000000000000" pitchFamily="2" charset="0"/>
-                </a:rPr>
-                <a:t> T150</a:t>
-              </a:r>
-            </a:p>
-            <a:p>
-              <a:pPr marL="101630" indent="-101630">
-                <a:buFont typeface="Arial" panose="020B0604020202020204" pitchFamily="34" charset="0"/>
-                <a:buChar char="•"/>
-              </a:pPr>
-              <a:r>
-                <a:rPr lang="pt-BR" sz="711" b="1" dirty="0">
-                  <a:solidFill>
-                    <a:srgbClr val="F56413"/>
-                  </a:solidFill>
-                  <a:latin typeface="Quicksand" panose="00000500000000000000" pitchFamily="2" charset="0"/>
-                </a:rPr>
-                <a:t>Intel Pentium G6405T</a:t>
-              </a:r>
-            </a:p>
-            <a:p>
-              <a:pPr marL="101630" indent="-101630">
-                <a:buFont typeface="Arial" panose="020B0604020202020204" pitchFamily="34" charset="0"/>
-                <a:buChar char="•"/>
-              </a:pPr>
-              <a:r>
-                <a:rPr lang="pt-BR" sz="711" b="1" dirty="0">
-                  <a:solidFill>
-                    <a:srgbClr val="F56413"/>
-                  </a:solidFill>
-                  <a:latin typeface="Quicksand" panose="00000500000000000000" pitchFamily="2" charset="0"/>
-                </a:rPr>
-                <a:t>8GB RAM DDR4 3200MHz</a:t>
-              </a:r>
-            </a:p>
-            <a:p>
-              <a:pPr marL="101630" indent="-101630">
-                <a:buFont typeface="Arial" panose="020B0604020202020204" pitchFamily="34" charset="0"/>
-                <a:buChar char="•"/>
-              </a:pPr>
-              <a:r>
-                <a:rPr lang="pt-BR" sz="711" b="1" dirty="0">
-                  <a:solidFill>
-                    <a:srgbClr val="F56413"/>
-                  </a:solidFill>
-                  <a:latin typeface="Quicksand" panose="00000500000000000000" pitchFamily="2" charset="0"/>
-                </a:rPr>
-                <a:t>2TB HD SATA 6Gbps</a:t>
-              </a:r>
-            </a:p>
-          </p:txBody>
-        </p:sp>
-      </p:grpSp>
-      <p:grpSp>
-        <p:nvGrpSpPr>
-          <p:cNvPr id="632" name="imgs">
+              <a:latin typeface="Quicksand" panose="00000500000000000000" pitchFamily="2" charset="0"/>
+            </a:endParaRPr>
+          </a:p>
+          <a:p>
+            <a:pPr algn="ctr"/>
+            <a:r>
+              <a:rPr lang="pt-BR" sz="711" b="1" dirty="0">
+                <a:solidFill>
+                  <a:srgbClr val="F56413"/>
+                </a:solidFill>
+                <a:latin typeface="Quicksand" panose="00000500000000000000" pitchFamily="2" charset="0"/>
+              </a:rPr>
+              <a:t>(Uno R3)</a:t>
+            </a:r>
+          </a:p>
+        </p:txBody>
+      </p:sp>
+      <p:sp>
+        <p:nvSpPr>
+          <p:cNvPr id="139" name="info-text10">
             <a:extLst>
               <a:ext uri="{FF2B5EF4-FFF2-40B4-BE49-F238E27FC236}">
-                <a16:creationId xmlns:a16="http://schemas.microsoft.com/office/drawing/2014/main" id="{874F8BB3-BDF5-48BA-8CED-1BFCDA3F775D}"/>
+                <a16:creationId xmlns:a16="http://schemas.microsoft.com/office/drawing/2014/main" id="{2F1830D3-1919-48C0-AAB9-8D4D8DF47513}"/>
               </a:ext>
             </a:extLst>
           </p:cNvPr>
-          <p:cNvGrpSpPr>
-            <a:grpSpLocks noGrp="1" noUngrp="1" noRot="1" noMove="1" noResize="1"/>
-          </p:cNvGrpSpPr>
+          <p:cNvSpPr txBox="1">
+            <a:spLocks/>
+          </p:cNvSpPr>
           <p:nvPr/>
-        </p:nvGrpSpPr>
-        <p:grpSpPr>
-          <a:xfrm>
-            <a:off x="406981" y="26513"/>
-            <a:ext cx="8473766" cy="5044018"/>
-            <a:chOff x="406981" y="26513"/>
-            <a:chExt cx="8473766" cy="5044018"/>
-          </a:xfrm>
-        </p:grpSpPr>
-        <p:pic>
-          <p:nvPicPr>
-            <p:cNvPr id="6" name="pc_omni" descr="Ícone&#10;&#10;Descrição gerada automaticamente">
-              <a:extLst>
-                <a:ext uri="{FF2B5EF4-FFF2-40B4-BE49-F238E27FC236}">
-                  <a16:creationId xmlns:a16="http://schemas.microsoft.com/office/drawing/2014/main" id="{69D2574E-5708-4B78-A0DB-13DAB670E040}"/>
-                </a:ext>
-              </a:extLst>
-            </p:cNvPr>
-            <p:cNvPicPr>
-              <a:picLocks noGrp="1" noRot="1" noChangeAspect="1" noMove="1" noResize="1" noEditPoints="1" noAdjustHandles="1" noChangeArrowheads="1" noChangeShapeType="1" noCrop="1"/>
-            </p:cNvPicPr>
-            <p:nvPr/>
-          </p:nvPicPr>
-          <p:blipFill>
-            <a:blip r:embed="rId2">
-              <a:extLst>
-                <a:ext uri="{28A0092B-C50C-407E-A947-70E740481C1C}">
-                  <a14:useLocalDpi xmlns:a14="http://schemas.microsoft.com/office/drawing/2010/main" val="0"/>
-                </a:ext>
-              </a:extLst>
-            </a:blip>
-            <a:stretch>
-              <a:fillRect/>
-            </a:stretch>
-          </p:blipFill>
-          <p:spPr>
-            <a:xfrm>
-              <a:off x="406981" y="4259059"/>
-              <a:ext cx="640164" cy="640165"/>
-            </a:xfrm>
-            <a:prstGeom prst="rect">
-              <a:avLst/>
-            </a:prstGeom>
-          </p:spPr>
-        </p:pic>
-        <p:pic>
-          <p:nvPicPr>
-            <p:cNvPr id="3" name="logo-pc_omni" descr="Uma imagem contendo estrela, vidro, cd&#10;&#10;Descrição gerada automaticamente">
-              <a:extLst>
-                <a:ext uri="{FF2B5EF4-FFF2-40B4-BE49-F238E27FC236}">
-                  <a16:creationId xmlns:a16="http://schemas.microsoft.com/office/drawing/2014/main" id="{4A609B72-DA76-4D65-AFF7-98C375C94855}"/>
-                </a:ext>
-              </a:extLst>
-            </p:cNvPr>
-            <p:cNvPicPr>
-              <a:picLocks noGrp="1" noRot="1" noChangeAspect="1" noMove="1" noResize="1" noEditPoints="1" noAdjustHandles="1" noChangeArrowheads="1" noChangeShapeType="1" noCrop="1"/>
-            </p:cNvPicPr>
-            <p:nvPr/>
-          </p:nvPicPr>
-          <p:blipFill>
-            <a:blip r:embed="rId3">
-              <a:extLst>
-                <a:ext uri="{28A0092B-C50C-407E-A947-70E740481C1C}">
-                  <a14:useLocalDpi xmlns:a14="http://schemas.microsoft.com/office/drawing/2010/main" val="0"/>
-                </a:ext>
-              </a:extLst>
-            </a:blip>
-            <a:stretch>
-              <a:fillRect/>
-            </a:stretch>
-          </p:blipFill>
-          <p:spPr>
-            <a:xfrm rot="16759491">
-              <a:off x="432553" y="4283677"/>
-              <a:ext cx="176426" cy="168659"/>
-            </a:xfrm>
-            <a:prstGeom prst="rect">
-              <a:avLst/>
-            </a:prstGeom>
-          </p:spPr>
-        </p:pic>
-        <p:pic>
-          <p:nvPicPr>
-            <p:cNvPr id="9" name="roteador_omni" descr="Ícone&#10;&#10;Descrição gerada automaticamente">
-              <a:extLst>
-                <a:ext uri="{FF2B5EF4-FFF2-40B4-BE49-F238E27FC236}">
-                  <a16:creationId xmlns:a16="http://schemas.microsoft.com/office/drawing/2014/main" id="{772A365A-A984-4958-8AA5-FF40C37E0959}"/>
-                </a:ext>
-              </a:extLst>
-            </p:cNvPr>
-            <p:cNvPicPr>
-              <a:picLocks noGrp="1" noRot="1" noChangeAspect="1" noMove="1" noResize="1" noEditPoints="1" noAdjustHandles="1" noChangeArrowheads="1" noChangeShapeType="1" noCrop="1"/>
-            </p:cNvPicPr>
-            <p:nvPr/>
-          </p:nvPicPr>
-          <p:blipFill>
-            <a:blip r:embed="rId4">
-              <a:extLst>
-                <a:ext uri="{28A0092B-C50C-407E-A947-70E740481C1C}">
-                  <a14:useLocalDpi xmlns:a14="http://schemas.microsoft.com/office/drawing/2010/main" val="0"/>
-                </a:ext>
-              </a:extLst>
-            </a:blip>
-            <a:stretch>
-              <a:fillRect/>
-            </a:stretch>
-          </p:blipFill>
-          <p:spPr>
-            <a:xfrm>
-              <a:off x="513674" y="1802889"/>
-              <a:ext cx="426777" cy="426777"/>
-            </a:xfrm>
-            <a:prstGeom prst="rect">
-              <a:avLst/>
-            </a:prstGeom>
-          </p:spPr>
-        </p:pic>
-        <p:pic>
-          <p:nvPicPr>
-            <p:cNvPr id="11" name="wifi_omni" descr="Ícone&#10;&#10;Descrição gerada automaticamente">
-              <a:extLst>
-                <a:ext uri="{FF2B5EF4-FFF2-40B4-BE49-F238E27FC236}">
-                  <a16:creationId xmlns:a16="http://schemas.microsoft.com/office/drawing/2014/main" id="{3F4BBDF4-54F6-4A1C-AABC-EA3FB5BB1993}"/>
-                </a:ext>
-              </a:extLst>
-            </p:cNvPr>
-            <p:cNvPicPr>
-              <a:picLocks noGrp="1" noRot="1" noChangeAspect="1" noMove="1" noResize="1" noEditPoints="1" noAdjustHandles="1" noChangeArrowheads="1" noChangeShapeType="1" noCrop="1"/>
-            </p:cNvPicPr>
-            <p:nvPr/>
-          </p:nvPicPr>
-          <p:blipFill>
-            <a:blip r:embed="rId5">
-              <a:extLst>
-                <a:ext uri="{28A0092B-C50C-407E-A947-70E740481C1C}">
-                  <a14:useLocalDpi xmlns:a14="http://schemas.microsoft.com/office/drawing/2010/main" val="0"/>
-                </a:ext>
-              </a:extLst>
-            </a:blip>
-            <a:stretch>
-              <a:fillRect/>
-            </a:stretch>
-          </p:blipFill>
-          <p:spPr>
-            <a:xfrm>
-              <a:off x="513673" y="3085265"/>
-              <a:ext cx="426777" cy="426777"/>
-            </a:xfrm>
-            <a:prstGeom prst="rect">
-              <a:avLst/>
-            </a:prstGeom>
-          </p:spPr>
-        </p:pic>
-        <p:pic>
-          <p:nvPicPr>
-            <p:cNvPr id="48" name="firewall1" descr="Logotipo&#10;&#10;Descrição gerada automaticamente com confiança média">
-              <a:extLst>
-                <a:ext uri="{FF2B5EF4-FFF2-40B4-BE49-F238E27FC236}">
-                  <a16:creationId xmlns:a16="http://schemas.microsoft.com/office/drawing/2014/main" id="{72FDFF08-5B11-4FDE-9212-4EAD45E21883}"/>
-                </a:ext>
-              </a:extLst>
-            </p:cNvPr>
-            <p:cNvPicPr>
-              <a:picLocks noGrp="1" noRot="1" noChangeAspect="1" noMove="1" noResize="1" noEditPoints="1" noAdjustHandles="1" noChangeArrowheads="1" noChangeShapeType="1" noCrop="1"/>
-            </p:cNvPicPr>
-            <p:nvPr/>
-          </p:nvPicPr>
-          <p:blipFill>
-            <a:blip r:embed="rId6">
-              <a:extLst>
-                <a:ext uri="{28A0092B-C50C-407E-A947-70E740481C1C}">
-                  <a14:useLocalDpi xmlns:a14="http://schemas.microsoft.com/office/drawing/2010/main" val="0"/>
-                </a:ext>
-              </a:extLst>
-            </a:blip>
-            <a:stretch>
-              <a:fillRect/>
-            </a:stretch>
-          </p:blipFill>
-          <p:spPr>
-            <a:xfrm>
-              <a:off x="2327129" y="2350139"/>
-              <a:ext cx="425031" cy="425031"/>
-            </a:xfrm>
-            <a:prstGeom prst="rect">
-              <a:avLst/>
-            </a:prstGeom>
-          </p:spPr>
-        </p:pic>
-        <p:pic>
-          <p:nvPicPr>
-            <p:cNvPr id="92" name="NUVEM" descr="Ícone&#10;&#10;Descrição gerada automaticamente">
-              <a:extLst>
-                <a:ext uri="{FF2B5EF4-FFF2-40B4-BE49-F238E27FC236}">
-                  <a16:creationId xmlns:a16="http://schemas.microsoft.com/office/drawing/2014/main" id="{83D92FD9-FE57-4048-8DCC-AAC6A5187F31}"/>
-                </a:ext>
-              </a:extLst>
-            </p:cNvPr>
-            <p:cNvPicPr>
-              <a:picLocks noGrp="1" noRot="1" noChangeAspect="1" noMove="1" noResize="1" noEditPoints="1" noAdjustHandles="1" noChangeArrowheads="1" noChangeShapeType="1" noCrop="1"/>
-            </p:cNvPicPr>
-            <p:nvPr/>
-          </p:nvPicPr>
-          <p:blipFill>
-            <a:blip r:embed="rId7">
-              <a:extLst>
-                <a:ext uri="{28A0092B-C50C-407E-A947-70E740481C1C}">
-                  <a14:useLocalDpi xmlns:a14="http://schemas.microsoft.com/office/drawing/2010/main" val="0"/>
-                </a:ext>
-              </a:extLst>
-            </a:blip>
-            <a:stretch>
-              <a:fillRect/>
-            </a:stretch>
-          </p:blipFill>
-          <p:spPr>
-            <a:xfrm>
-              <a:off x="4260666" y="2504736"/>
-              <a:ext cx="1066941" cy="1066942"/>
-            </a:xfrm>
-            <a:prstGeom prst="rect">
-              <a:avLst/>
-            </a:prstGeom>
-          </p:spPr>
-        </p:pic>
-        <p:pic>
-          <p:nvPicPr>
-            <p:cNvPr id="54" name="azure logo" descr="Forma&#10;&#10;Descrição gerada automaticamente com confiança baixa">
-              <a:extLst>
-                <a:ext uri="{FF2B5EF4-FFF2-40B4-BE49-F238E27FC236}">
-                  <a16:creationId xmlns:a16="http://schemas.microsoft.com/office/drawing/2014/main" id="{DD974875-B6B9-48C0-8CC6-1AD6F572DD2D}"/>
-                </a:ext>
-              </a:extLst>
-            </p:cNvPr>
-            <p:cNvPicPr>
-              <a:picLocks noGrp="1" noRot="1" noChangeAspect="1" noMove="1" noResize="1" noEditPoints="1" noAdjustHandles="1" noChangeArrowheads="1" noChangeShapeType="1" noCrop="1"/>
-            </p:cNvPicPr>
-            <p:nvPr/>
-          </p:nvPicPr>
-          <p:blipFill>
-            <a:blip r:embed="rId8">
-              <a:extLst>
-                <a:ext uri="{28A0092B-C50C-407E-A947-70E740481C1C}">
-                  <a14:useLocalDpi xmlns:a14="http://schemas.microsoft.com/office/drawing/2010/main" val="0"/>
-                </a:ext>
-              </a:extLst>
-            </a:blip>
-            <a:stretch>
-              <a:fillRect/>
-            </a:stretch>
-          </p:blipFill>
-          <p:spPr>
-            <a:xfrm>
-              <a:off x="4669067" y="2609127"/>
-              <a:ext cx="378056" cy="378056"/>
-            </a:xfrm>
-            <a:prstGeom prst="rect">
-              <a:avLst/>
-            </a:prstGeom>
-          </p:spPr>
-        </p:pic>
-        <p:pic>
-          <p:nvPicPr>
-            <p:cNvPr id="96" name="SaaS" descr="Ícone&#10;&#10;Descrição gerada automaticamente">
-              <a:extLst>
-                <a:ext uri="{FF2B5EF4-FFF2-40B4-BE49-F238E27FC236}">
-                  <a16:creationId xmlns:a16="http://schemas.microsoft.com/office/drawing/2014/main" id="{F4C989F1-D793-4C69-AA43-39CDEC2CEA93}"/>
-                </a:ext>
-              </a:extLst>
-            </p:cNvPr>
-            <p:cNvPicPr>
-              <a:picLocks noGrp="1" noRot="1" noChangeAspect="1" noMove="1" noResize="1" noEditPoints="1" noAdjustHandles="1" noChangeArrowheads="1" noChangeShapeType="1" noCrop="1"/>
-            </p:cNvPicPr>
-            <p:nvPr/>
-          </p:nvPicPr>
-          <p:blipFill>
-            <a:blip r:embed="rId9">
-              <a:extLst>
-                <a:ext uri="{28A0092B-C50C-407E-A947-70E740481C1C}">
-                  <a14:useLocalDpi xmlns:a14="http://schemas.microsoft.com/office/drawing/2010/main" val="0"/>
-                </a:ext>
-              </a:extLst>
-            </a:blip>
-            <a:stretch>
-              <a:fillRect/>
-            </a:stretch>
-          </p:blipFill>
-          <p:spPr>
-            <a:xfrm>
-              <a:off x="4474053" y="1356063"/>
-              <a:ext cx="640164" cy="640165"/>
-            </a:xfrm>
-            <a:prstGeom prst="rect">
-              <a:avLst/>
-            </a:prstGeom>
-          </p:spPr>
-        </p:pic>
-        <p:pic>
-          <p:nvPicPr>
-            <p:cNvPr id="100" name="site" descr="Uma imagem contendo Forma&#10;&#10;Descrição gerada automaticamente">
-              <a:extLst>
-                <a:ext uri="{FF2B5EF4-FFF2-40B4-BE49-F238E27FC236}">
-                  <a16:creationId xmlns:a16="http://schemas.microsoft.com/office/drawing/2014/main" id="{F95E5FAB-FA10-4CEF-8B0B-386ED11EB37F}"/>
-                </a:ext>
-              </a:extLst>
-            </p:cNvPr>
-            <p:cNvPicPr>
-              <a:picLocks noGrp="1" noRot="1" noChangeAspect="1" noMove="1" noResize="1" noEditPoints="1" noAdjustHandles="1" noChangeArrowheads="1" noChangeShapeType="1" noCrop="1"/>
-            </p:cNvPicPr>
-            <p:nvPr/>
-          </p:nvPicPr>
-          <p:blipFill>
-            <a:blip r:embed="rId10">
-              <a:extLst>
-                <a:ext uri="{28A0092B-C50C-407E-A947-70E740481C1C}">
-                  <a14:useLocalDpi xmlns:a14="http://schemas.microsoft.com/office/drawing/2010/main" val="0"/>
-                </a:ext>
-              </a:extLst>
-            </a:blip>
-            <a:stretch>
-              <a:fillRect/>
-            </a:stretch>
-          </p:blipFill>
-          <p:spPr>
-            <a:xfrm>
-              <a:off x="3858974" y="436358"/>
-              <a:ext cx="426777" cy="426777"/>
-            </a:xfrm>
-            <a:prstGeom prst="rect">
-              <a:avLst/>
-            </a:prstGeom>
-          </p:spPr>
-        </p:pic>
-        <p:pic>
-          <p:nvPicPr>
-            <p:cNvPr id="104" name="bd" descr="Ícone&#10;&#10;Descrição gerada automaticamente">
-              <a:extLst>
-                <a:ext uri="{FF2B5EF4-FFF2-40B4-BE49-F238E27FC236}">
-                  <a16:creationId xmlns:a16="http://schemas.microsoft.com/office/drawing/2014/main" id="{607AB2CB-3D83-4480-A09B-6B6CB86FB629}"/>
-                </a:ext>
-              </a:extLst>
-            </p:cNvPr>
-            <p:cNvPicPr>
-              <a:picLocks noGrp="1" noRot="1" noChangeAspect="1" noMove="1" noResize="1" noEditPoints="1" noAdjustHandles="1" noChangeArrowheads="1" noChangeShapeType="1" noCrop="1"/>
-            </p:cNvPicPr>
-            <p:nvPr/>
-          </p:nvPicPr>
-          <p:blipFill>
-            <a:blip r:embed="rId11">
-              <a:extLst>
-                <a:ext uri="{28A0092B-C50C-407E-A947-70E740481C1C}">
-                  <a14:useLocalDpi xmlns:a14="http://schemas.microsoft.com/office/drawing/2010/main" val="0"/>
-                </a:ext>
-              </a:extLst>
-            </a:blip>
-            <a:stretch>
-              <a:fillRect/>
-            </a:stretch>
-          </p:blipFill>
-          <p:spPr>
-            <a:xfrm>
-              <a:off x="5220605" y="433252"/>
-              <a:ext cx="426777" cy="426777"/>
-            </a:xfrm>
-            <a:prstGeom prst="rect">
-              <a:avLst/>
-            </a:prstGeom>
-          </p:spPr>
-        </p:pic>
-        <p:pic>
-          <p:nvPicPr>
-            <p:cNvPr id="108" name="html" descr="Logotipo, Ícone&#10;&#10;Descrição gerada automaticamente">
-              <a:extLst>
-                <a:ext uri="{FF2B5EF4-FFF2-40B4-BE49-F238E27FC236}">
-                  <a16:creationId xmlns:a16="http://schemas.microsoft.com/office/drawing/2014/main" id="{FD83FBF9-61B4-4EF5-B1A6-86F394321671}"/>
-                </a:ext>
-              </a:extLst>
-            </p:cNvPr>
-            <p:cNvPicPr>
-              <a:picLocks noGrp="1" noRot="1" noChangeAspect="1" noMove="1" noResize="1" noEditPoints="1" noAdjustHandles="1" noChangeArrowheads="1" noChangeShapeType="1" noCrop="1"/>
-            </p:cNvPicPr>
-            <p:nvPr/>
-          </p:nvPicPr>
-          <p:blipFill>
-            <a:blip r:embed="rId12">
-              <a:extLst>
-                <a:ext uri="{28A0092B-C50C-407E-A947-70E740481C1C}">
-                  <a14:useLocalDpi xmlns:a14="http://schemas.microsoft.com/office/drawing/2010/main" val="0"/>
-                </a:ext>
-              </a:extLst>
-            </a:blip>
-            <a:stretch>
-              <a:fillRect/>
-            </a:stretch>
-          </p:blipFill>
-          <p:spPr>
-            <a:xfrm>
-              <a:off x="3061884" y="489770"/>
-              <a:ext cx="320082" cy="320082"/>
-            </a:xfrm>
-            <a:prstGeom prst="rect">
-              <a:avLst/>
-            </a:prstGeom>
-          </p:spPr>
-        </p:pic>
-        <p:pic>
-          <p:nvPicPr>
-            <p:cNvPr id="116" name="css" descr="Ícone&#10;&#10;Descrição gerada automaticamente">
-              <a:extLst>
-                <a:ext uri="{FF2B5EF4-FFF2-40B4-BE49-F238E27FC236}">
-                  <a16:creationId xmlns:a16="http://schemas.microsoft.com/office/drawing/2014/main" id="{E2BDC217-F524-4C89-9A13-7F69B3311B83}"/>
-                </a:ext>
-              </a:extLst>
-            </p:cNvPr>
-            <p:cNvPicPr>
-              <a:picLocks noGrp="1" noRot="1" noChangeAspect="1" noMove="1" noResize="1" noEditPoints="1" noAdjustHandles="1" noChangeArrowheads="1" noChangeShapeType="1" noCrop="1"/>
-            </p:cNvPicPr>
-            <p:nvPr/>
-          </p:nvPicPr>
-          <p:blipFill>
-            <a:blip r:embed="rId13">
-              <a:extLst>
-                <a:ext uri="{28A0092B-C50C-407E-A947-70E740481C1C}">
-                  <a14:useLocalDpi xmlns:a14="http://schemas.microsoft.com/office/drawing/2010/main" val="0"/>
-                </a:ext>
-              </a:extLst>
-            </a:blip>
-            <a:stretch>
-              <a:fillRect/>
-            </a:stretch>
-          </p:blipFill>
-          <p:spPr>
-            <a:xfrm>
-              <a:off x="3054718" y="972773"/>
-              <a:ext cx="320082" cy="320082"/>
-            </a:xfrm>
-            <a:prstGeom prst="rect">
-              <a:avLst/>
-            </a:prstGeom>
-          </p:spPr>
-        </p:pic>
-        <p:pic>
-          <p:nvPicPr>
-            <p:cNvPr id="112" name="js" descr="Logotipo&#10;&#10;Descrição gerada automaticamente">
-              <a:extLst>
-                <a:ext uri="{FF2B5EF4-FFF2-40B4-BE49-F238E27FC236}">
-                  <a16:creationId xmlns:a16="http://schemas.microsoft.com/office/drawing/2014/main" id="{D5C5CED0-95D6-4ECD-AC20-151510096B8E}"/>
-                </a:ext>
-              </a:extLst>
-            </p:cNvPr>
-            <p:cNvPicPr>
-              <a:picLocks noGrp="1" noRot="1" noChangeAspect="1" noMove="1" noResize="1" noEditPoints="1" noAdjustHandles="1" noChangeArrowheads="1" noChangeShapeType="1" noCrop="1"/>
-            </p:cNvPicPr>
-            <p:nvPr/>
-          </p:nvPicPr>
-          <p:blipFill>
-            <a:blip r:embed="rId14">
-              <a:extLst>
-                <a:ext uri="{28A0092B-C50C-407E-A947-70E740481C1C}">
-                  <a14:useLocalDpi xmlns:a14="http://schemas.microsoft.com/office/drawing/2010/main" val="0"/>
-                </a:ext>
-              </a:extLst>
-            </a:blip>
-            <a:stretch>
-              <a:fillRect/>
-            </a:stretch>
-          </p:blipFill>
-          <p:spPr>
-            <a:xfrm>
-              <a:off x="3061653" y="26513"/>
-              <a:ext cx="320082" cy="320082"/>
-            </a:xfrm>
-            <a:prstGeom prst="rect">
-              <a:avLst/>
-            </a:prstGeom>
-          </p:spPr>
-        </p:pic>
-        <p:pic>
-          <p:nvPicPr>
-            <p:cNvPr id="103" name="firewall2" descr="Logotipo&#10;&#10;Descrição gerada automaticamente com confiança média">
-              <a:extLst>
-                <a:ext uri="{FF2B5EF4-FFF2-40B4-BE49-F238E27FC236}">
-                  <a16:creationId xmlns:a16="http://schemas.microsoft.com/office/drawing/2014/main" id="{872ACEB3-B5AB-438D-9DCF-46C7A1D2FCA7}"/>
-                </a:ext>
-              </a:extLst>
-            </p:cNvPr>
-            <p:cNvPicPr>
-              <a:picLocks noGrp="1" noRot="1" noChangeAspect="1" noMove="1" noResize="1" noEditPoints="1" noAdjustHandles="1" noChangeArrowheads="1" noChangeShapeType="1" noCrop="1"/>
-            </p:cNvPicPr>
-            <p:nvPr/>
-          </p:nvPicPr>
-          <p:blipFill>
-            <a:blip r:embed="rId6">
-              <a:extLst>
-                <a:ext uri="{28A0092B-C50C-407E-A947-70E740481C1C}">
-                  <a14:useLocalDpi xmlns:a14="http://schemas.microsoft.com/office/drawing/2010/main" val="0"/>
-                </a:ext>
-              </a:extLst>
-            </a:blip>
-            <a:stretch>
-              <a:fillRect/>
-            </a:stretch>
-          </p:blipFill>
-          <p:spPr>
-            <a:xfrm>
-              <a:off x="6833893" y="2361599"/>
-              <a:ext cx="425031" cy="425031"/>
-            </a:xfrm>
-            <a:prstGeom prst="rect">
-              <a:avLst/>
-            </a:prstGeom>
-          </p:spPr>
-        </p:pic>
-        <p:pic>
-          <p:nvPicPr>
-            <p:cNvPr id="224" name="wifi_cliente" descr="Ícone&#10;&#10;Descrição gerada automaticamente">
-              <a:extLst>
-                <a:ext uri="{FF2B5EF4-FFF2-40B4-BE49-F238E27FC236}">
-                  <a16:creationId xmlns:a16="http://schemas.microsoft.com/office/drawing/2014/main" id="{1002B21D-B4EE-473B-9D88-A48B15241FB6}"/>
-                </a:ext>
-              </a:extLst>
-            </p:cNvPr>
-            <p:cNvPicPr>
-              <a:picLocks noGrp="1" noRot="1" noChangeAspect="1" noMove="1" noResize="1" noEditPoints="1" noAdjustHandles="1" noChangeArrowheads="1" noChangeShapeType="1" noCrop="1"/>
-            </p:cNvPicPr>
-            <p:nvPr/>
-          </p:nvPicPr>
-          <p:blipFill>
-            <a:blip r:embed="rId5">
-              <a:extLst>
-                <a:ext uri="{28A0092B-C50C-407E-A947-70E740481C1C}">
-                  <a14:useLocalDpi xmlns:a14="http://schemas.microsoft.com/office/drawing/2010/main" val="0"/>
-                </a:ext>
-              </a:extLst>
-            </a:blip>
-            <a:stretch>
-              <a:fillRect/>
-            </a:stretch>
-          </p:blipFill>
-          <p:spPr>
-            <a:xfrm>
-              <a:off x="8278261" y="1578460"/>
-              <a:ext cx="426777" cy="426777"/>
-            </a:xfrm>
-            <a:prstGeom prst="rect">
-              <a:avLst/>
-            </a:prstGeom>
-          </p:spPr>
-        </p:pic>
-        <p:pic>
-          <p:nvPicPr>
-            <p:cNvPr id="226" name="pc_cliente" descr="Ícone&#10;&#10;Descrição gerada automaticamente">
-              <a:extLst>
-                <a:ext uri="{FF2B5EF4-FFF2-40B4-BE49-F238E27FC236}">
-                  <a16:creationId xmlns:a16="http://schemas.microsoft.com/office/drawing/2014/main" id="{8D9172A7-DCFD-454E-966D-A64EFF128E2E}"/>
-                </a:ext>
-              </a:extLst>
-            </p:cNvPr>
-            <p:cNvPicPr>
-              <a:picLocks noGrp="1" noRot="1" noChangeAspect="1" noMove="1" noResize="1" noEditPoints="1" noAdjustHandles="1" noChangeArrowheads="1" noChangeShapeType="1" noCrop="1"/>
-            </p:cNvPicPr>
-            <p:nvPr/>
-          </p:nvPicPr>
-          <p:blipFill>
-            <a:blip r:embed="rId2">
-              <a:extLst>
-                <a:ext uri="{28A0092B-C50C-407E-A947-70E740481C1C}">
-                  <a14:useLocalDpi xmlns:a14="http://schemas.microsoft.com/office/drawing/2010/main" val="0"/>
-                </a:ext>
-              </a:extLst>
-            </a:blip>
-            <a:stretch>
-              <a:fillRect/>
-            </a:stretch>
-          </p:blipFill>
-          <p:spPr>
-            <a:xfrm>
-              <a:off x="8171569" y="429609"/>
-              <a:ext cx="640164" cy="640165"/>
-            </a:xfrm>
-            <a:prstGeom prst="rect">
-              <a:avLst/>
-            </a:prstGeom>
-          </p:spPr>
-        </p:pic>
-        <p:pic>
-          <p:nvPicPr>
-            <p:cNvPr id="230" name="servidor" descr="Uma imagem contendo Interface gráfica do usuário&#10;&#10;Descrição gerada automaticamente">
-              <a:extLst>
-                <a:ext uri="{FF2B5EF4-FFF2-40B4-BE49-F238E27FC236}">
-                  <a16:creationId xmlns:a16="http://schemas.microsoft.com/office/drawing/2014/main" id="{90426419-7CCE-4786-93E0-CE58956138A4}"/>
-                </a:ext>
-              </a:extLst>
-            </p:cNvPr>
-            <p:cNvPicPr>
-              <a:picLocks noGrp="1" noRot="1" noChangeAspect="1" noMove="1" noResize="1" noEditPoints="1" noAdjustHandles="1" noChangeArrowheads="1" noChangeShapeType="1" noCrop="1"/>
-            </p:cNvPicPr>
-            <p:nvPr/>
-          </p:nvPicPr>
-          <p:blipFill>
-            <a:blip r:embed="rId15">
-              <a:extLst>
-                <a:ext uri="{28A0092B-C50C-407E-A947-70E740481C1C}">
-                  <a14:useLocalDpi xmlns:a14="http://schemas.microsoft.com/office/drawing/2010/main" val="0"/>
-                </a:ext>
-              </a:extLst>
-            </a:blip>
-            <a:stretch>
-              <a:fillRect/>
-            </a:stretch>
-          </p:blipFill>
-          <p:spPr>
-            <a:xfrm>
-              <a:off x="8278260" y="3258826"/>
-              <a:ext cx="426777" cy="426777"/>
-            </a:xfrm>
-            <a:prstGeom prst="rect">
-              <a:avLst/>
-            </a:prstGeom>
-          </p:spPr>
-        </p:pic>
-        <p:pic>
-          <p:nvPicPr>
-            <p:cNvPr id="124" name="arduino" descr="Esquemático, Ícone, Código QR&#10;&#10;Descrição gerada automaticamente">
-              <a:extLst>
-                <a:ext uri="{FF2B5EF4-FFF2-40B4-BE49-F238E27FC236}">
-                  <a16:creationId xmlns:a16="http://schemas.microsoft.com/office/drawing/2014/main" id="{56DB52C5-5EDE-492F-A762-45C863D66EA0}"/>
-                </a:ext>
-              </a:extLst>
-            </p:cNvPr>
-            <p:cNvPicPr>
-              <a:picLocks noGrp="1" noRot="1" noChangeAspect="1" noMove="1" noResize="1" noEditPoints="1" noAdjustHandles="1" noChangeArrowheads="1" noChangeShapeType="1" noCrop="1"/>
-            </p:cNvPicPr>
-            <p:nvPr/>
-          </p:nvPicPr>
-          <p:blipFill>
-            <a:blip r:embed="rId16">
-              <a:extLst>
-                <a:ext uri="{28A0092B-C50C-407E-A947-70E740481C1C}">
-                  <a14:useLocalDpi xmlns:a14="http://schemas.microsoft.com/office/drawing/2010/main" val="0"/>
-                </a:ext>
-              </a:extLst>
-            </a:blip>
-            <a:stretch>
-              <a:fillRect/>
-            </a:stretch>
-          </p:blipFill>
-          <p:spPr>
-            <a:xfrm>
-              <a:off x="6608080" y="4609392"/>
-              <a:ext cx="320082" cy="320082"/>
-            </a:xfrm>
-            <a:prstGeom prst="rect">
-              <a:avLst/>
-            </a:prstGeom>
-          </p:spPr>
-        </p:pic>
-        <p:pic>
-          <p:nvPicPr>
-            <p:cNvPr id="128" name="protoboard" descr="Ícone&#10;&#10;Descrição gerada automaticamente com confiança média">
-              <a:extLst>
-                <a:ext uri="{FF2B5EF4-FFF2-40B4-BE49-F238E27FC236}">
-                  <a16:creationId xmlns:a16="http://schemas.microsoft.com/office/drawing/2014/main" id="{ECB0AD55-8383-481E-8FC3-BED6B4630C34}"/>
-                </a:ext>
-              </a:extLst>
-            </p:cNvPr>
-            <p:cNvPicPr>
-              <a:picLocks noGrp="1" noRot="1" noChangeAspect="1" noMove="1" noResize="1" noEditPoints="1" noAdjustHandles="1" noChangeArrowheads="1" noChangeShapeType="1" noCrop="1"/>
-            </p:cNvPicPr>
-            <p:nvPr/>
-          </p:nvPicPr>
-          <p:blipFill>
-            <a:blip r:embed="rId17">
-              <a:extLst>
-                <a:ext uri="{28A0092B-C50C-407E-A947-70E740481C1C}">
-                  <a14:useLocalDpi xmlns:a14="http://schemas.microsoft.com/office/drawing/2010/main" val="0"/>
-                </a:ext>
-              </a:extLst>
-            </a:blip>
-            <a:stretch>
-              <a:fillRect/>
-            </a:stretch>
-          </p:blipFill>
-          <p:spPr>
-            <a:xfrm>
-              <a:off x="5390676" y="4609392"/>
-              <a:ext cx="320082" cy="320082"/>
-            </a:xfrm>
-            <a:prstGeom prst="rect">
-              <a:avLst/>
-            </a:prstGeom>
-          </p:spPr>
-        </p:pic>
-        <p:pic>
-          <p:nvPicPr>
-            <p:cNvPr id="132" name="sensor" descr="Uma imagem contendo Ícone&#10;&#10;Descrição gerada automaticamente">
-              <a:extLst>
-                <a:ext uri="{FF2B5EF4-FFF2-40B4-BE49-F238E27FC236}">
-                  <a16:creationId xmlns:a16="http://schemas.microsoft.com/office/drawing/2014/main" id="{AB7478B9-5944-4C4B-9AD2-ACD192C8167D}"/>
-                </a:ext>
-              </a:extLst>
-            </p:cNvPr>
-            <p:cNvPicPr>
-              <a:picLocks noGrp="1" noRot="1" noChangeAspect="1" noMove="1" noResize="1" noEditPoints="1" noAdjustHandles="1" noChangeArrowheads="1" noChangeShapeType="1" noCrop="1"/>
-            </p:cNvPicPr>
-            <p:nvPr/>
-          </p:nvPicPr>
-          <p:blipFill>
-            <a:blip r:embed="rId18">
-              <a:extLst>
-                <a:ext uri="{28A0092B-C50C-407E-A947-70E740481C1C}">
-                  <a14:useLocalDpi xmlns:a14="http://schemas.microsoft.com/office/drawing/2010/main" val="0"/>
-                </a:ext>
-              </a:extLst>
-            </a:blip>
-            <a:stretch>
-              <a:fillRect/>
-            </a:stretch>
-          </p:blipFill>
-          <p:spPr>
-            <a:xfrm>
-              <a:off x="4179792" y="4609392"/>
-              <a:ext cx="320082" cy="320082"/>
-            </a:xfrm>
-            <a:prstGeom prst="rect">
-              <a:avLst/>
-            </a:prstGeom>
-          </p:spPr>
-        </p:pic>
-        <p:pic>
-          <p:nvPicPr>
-            <p:cNvPr id="136" name="unidade" descr="Desenho de bandeira&#10;&#10;Descrição gerada automaticamente com confiança média">
-              <a:extLst>
-                <a:ext uri="{FF2B5EF4-FFF2-40B4-BE49-F238E27FC236}">
-                  <a16:creationId xmlns:a16="http://schemas.microsoft.com/office/drawing/2014/main" id="{8D74D369-A42F-4A69-A02D-77D97BA5AA15}"/>
-                </a:ext>
-              </a:extLst>
-            </p:cNvPr>
-            <p:cNvPicPr>
-              <a:picLocks noGrp="1" noRot="1" noChangeAspect="1" noMove="1" noResize="1" noEditPoints="1" noAdjustHandles="1" noChangeArrowheads="1" noChangeShapeType="1" noCrop="1"/>
-            </p:cNvPicPr>
-            <p:nvPr/>
-          </p:nvPicPr>
-          <p:blipFill>
-            <a:blip r:embed="rId19">
-              <a:extLst>
-                <a:ext uri="{28A0092B-C50C-407E-A947-70E740481C1C}">
-                  <a14:useLocalDpi xmlns:a14="http://schemas.microsoft.com/office/drawing/2010/main" val="0"/>
-                </a:ext>
-              </a:extLst>
-            </a:blip>
-            <a:stretch>
-              <a:fillRect/>
-            </a:stretch>
-          </p:blipFill>
-          <p:spPr>
-            <a:xfrm>
-              <a:off x="8165430" y="4430366"/>
-              <a:ext cx="640164" cy="640165"/>
-            </a:xfrm>
-            <a:prstGeom prst="rect">
-              <a:avLst/>
-            </a:prstGeom>
-          </p:spPr>
-        </p:pic>
-        <p:pic>
-          <p:nvPicPr>
-            <p:cNvPr id="137" name="roteador_omni" descr="Ícone&#10;&#10;Descrição gerada automaticamente">
-              <a:extLst>
-                <a:ext uri="{FF2B5EF4-FFF2-40B4-BE49-F238E27FC236}">
-                  <a16:creationId xmlns:a16="http://schemas.microsoft.com/office/drawing/2014/main" id="{1BF8DB9A-661B-41EE-A78A-63F21A27B707}"/>
-                </a:ext>
-              </a:extLst>
-            </p:cNvPr>
-            <p:cNvPicPr>
-              <a:picLocks noGrp="1" noRot="1" noChangeAspect="1" noMove="1" noResize="1" noEditPoints="1" noAdjustHandles="1" noChangeArrowheads="1" noChangeShapeType="1" noCrop="1"/>
-            </p:cNvPicPr>
-            <p:nvPr/>
-          </p:nvPicPr>
-          <p:blipFill>
-            <a:blip r:embed="rId4">
-              <a:extLst>
-                <a:ext uri="{28A0092B-C50C-407E-A947-70E740481C1C}">
-                  <a14:useLocalDpi xmlns:a14="http://schemas.microsoft.com/office/drawing/2010/main" val="0"/>
-                </a:ext>
-              </a:extLst>
-            </a:blip>
-            <a:stretch>
-              <a:fillRect/>
-            </a:stretch>
-          </p:blipFill>
-          <p:spPr>
-            <a:xfrm>
-              <a:off x="8278260" y="2358719"/>
-              <a:ext cx="426777" cy="426777"/>
-            </a:xfrm>
-            <a:prstGeom prst="rect">
-              <a:avLst/>
-            </a:prstGeom>
-          </p:spPr>
-        </p:pic>
-        <p:pic>
-          <p:nvPicPr>
-            <p:cNvPr id="361" name="wifi_cliente" descr="Ícone&#10;&#10;Descrição gerada automaticamente">
-              <a:extLst>
-                <a:ext uri="{FF2B5EF4-FFF2-40B4-BE49-F238E27FC236}">
-                  <a16:creationId xmlns:a16="http://schemas.microsoft.com/office/drawing/2014/main" id="{FBFB2CE3-B26F-4DDD-B74F-F868709FB0AE}"/>
-                </a:ext>
-              </a:extLst>
-            </p:cNvPr>
-            <p:cNvPicPr>
-              <a:picLocks noGrp="1" noRot="1" noChangeAspect="1" noMove="1" noResize="1" noEditPoints="1" noAdjustHandles="1" noChangeArrowheads="1" noChangeShapeType="1" noCrop="1"/>
-            </p:cNvPicPr>
-            <p:nvPr/>
-          </p:nvPicPr>
-          <p:blipFill>
-            <a:blip r:embed="rId5">
-              <a:extLst>
-                <a:ext uri="{28A0092B-C50C-407E-A947-70E740481C1C}">
-                  <a14:useLocalDpi xmlns:a14="http://schemas.microsoft.com/office/drawing/2010/main" val="0"/>
-                </a:ext>
-              </a:extLst>
-            </a:blip>
-            <a:stretch>
-              <a:fillRect/>
-            </a:stretch>
-          </p:blipFill>
-          <p:spPr>
-            <a:xfrm>
-              <a:off x="8592747" y="3913984"/>
-              <a:ext cx="288000" cy="288000"/>
-            </a:xfrm>
-            <a:prstGeom prst="rect">
-              <a:avLst/>
-            </a:prstGeom>
-          </p:spPr>
-        </p:pic>
-      </p:grpSp>
-      <p:grpSp>
-        <p:nvGrpSpPr>
-          <p:cNvPr id="641" name="setas">
+        </p:nvSpPr>
+        <p:spPr>
+          <a:xfrm>
+            <a:off x="8616860" y="2291058"/>
+            <a:ext cx="975113" cy="420500"/>
+          </a:xfrm>
+          <a:prstGeom prst="rect">
+            <a:avLst/>
+          </a:prstGeom>
+          <a:noFill/>
+          <a:ln w="19050">
+            <a:solidFill>
+              <a:srgbClr val="F56413"/>
+            </a:solidFill>
+          </a:ln>
+        </p:spPr>
+        <p:txBody>
+          <a:bodyPr wrap="square" rtlCol="0">
+            <a:spAutoFit/>
+          </a:bodyPr>
+          <a:lstStyle/>
+          <a:p>
+            <a:pPr marL="101630" indent="-101630">
+              <a:buFont typeface="Arial" panose="020B0604020202020204" pitchFamily="34" charset="0"/>
+              <a:buChar char="•"/>
+            </a:pPr>
+            <a:r>
+              <a:rPr lang="pt-BR" sz="711" b="1" dirty="0">
+                <a:solidFill>
+                  <a:srgbClr val="F56413"/>
+                </a:solidFill>
+                <a:latin typeface="Quicksand" panose="00000500000000000000" pitchFamily="2" charset="0"/>
+              </a:rPr>
+              <a:t>TP-Link Wireless</a:t>
+            </a:r>
+          </a:p>
+          <a:p>
+            <a:pPr marL="101630" indent="-101630">
+              <a:buFont typeface="Arial" panose="020B0604020202020204" pitchFamily="34" charset="0"/>
+              <a:buChar char="•"/>
+            </a:pPr>
+            <a:r>
+              <a:rPr lang="pt-BR" sz="711" b="1" dirty="0">
+                <a:solidFill>
+                  <a:srgbClr val="F56413"/>
+                </a:solidFill>
+                <a:latin typeface="Quicksand" panose="00000500000000000000" pitchFamily="2" charset="0"/>
+              </a:rPr>
+              <a:t>Archer C50</a:t>
+            </a:r>
+          </a:p>
+          <a:p>
+            <a:pPr marL="101630" indent="-101630">
+              <a:buFont typeface="Arial" panose="020B0604020202020204" pitchFamily="34" charset="0"/>
+              <a:buChar char="•"/>
+            </a:pPr>
+            <a:r>
+              <a:rPr lang="pt-BR" sz="711" b="1" dirty="0">
+                <a:solidFill>
+                  <a:srgbClr val="F56413"/>
+                </a:solidFill>
+                <a:latin typeface="Quicksand" panose="00000500000000000000" pitchFamily="2" charset="0"/>
+              </a:rPr>
+              <a:t>4 Portas</a:t>
+            </a:r>
+          </a:p>
+        </p:txBody>
+      </p:sp>
+      <p:sp>
+        <p:nvSpPr>
+          <p:cNvPr id="143" name="info-text13">
             <a:extLst>
               <a:ext uri="{FF2B5EF4-FFF2-40B4-BE49-F238E27FC236}">
-                <a16:creationId xmlns:a16="http://schemas.microsoft.com/office/drawing/2014/main" id="{56F41A2F-1833-4AE0-B8E9-FA06BD1702A7}"/>
+                <a16:creationId xmlns:a16="http://schemas.microsoft.com/office/drawing/2014/main" id="{8A48FDB2-DECE-438C-9069-6007FB31DAAE}"/>
               </a:ext>
             </a:extLst>
           </p:cNvPr>
-          <p:cNvGrpSpPr>
-            <a:grpSpLocks noGrp="1" noUngrp="1" noRot="1" noMove="1" noResize="1"/>
-          </p:cNvGrpSpPr>
+          <p:cNvSpPr txBox="1">
+            <a:spLocks/>
+          </p:cNvSpPr>
           <p:nvPr/>
-        </p:nvGrpSpPr>
-        <p:grpSpPr>
-          <a:xfrm>
-            <a:off x="727061" y="186554"/>
-            <a:ext cx="8010534" cy="4582879"/>
-            <a:chOff x="727061" y="186554"/>
-            <a:chExt cx="8010534" cy="4582879"/>
-          </a:xfrm>
-        </p:grpSpPr>
-        <p:cxnSp>
-          <p:nvCxnSpPr>
-            <p:cNvPr id="86" name="1">
-              <a:extLst>
-                <a:ext uri="{FF2B5EF4-FFF2-40B4-BE49-F238E27FC236}">
-                  <a16:creationId xmlns:a16="http://schemas.microsoft.com/office/drawing/2014/main" id="{66A6EE27-1290-48D9-838B-CBBB42BC758C}"/>
-                </a:ext>
-              </a:extLst>
-            </p:cNvPr>
-            <p:cNvCxnSpPr>
-              <a:cxnSpLocks noGrp="1" noRot="1" noMove="1" noResize="1" noEditPoints="1" noAdjustHandles="1" noChangeArrowheads="1" noChangeShapeType="1"/>
-              <a:stCxn id="6" idx="0"/>
-              <a:endCxn id="11" idx="2"/>
-            </p:cNvCxnSpPr>
-            <p:nvPr/>
-          </p:nvCxnSpPr>
-          <p:spPr>
-            <a:xfrm flipH="1" flipV="1">
-              <a:off x="727062" y="3512042"/>
-              <a:ext cx="1" cy="747017"/>
-            </a:xfrm>
-            <a:prstGeom prst="line">
-              <a:avLst/>
-            </a:prstGeom>
-            <a:ln w="28575">
-              <a:solidFill>
-                <a:srgbClr val="8008FF"/>
-              </a:solidFill>
-              <a:prstDash val="sysDot"/>
-            </a:ln>
-          </p:spPr>
-          <p:style>
-            <a:lnRef idx="1">
-              <a:schemeClr val="accent1"/>
-            </a:lnRef>
-            <a:fillRef idx="0">
-              <a:schemeClr val="accent1"/>
-            </a:fillRef>
-            <a:effectRef idx="0">
-              <a:schemeClr val="accent1"/>
-            </a:effectRef>
-            <a:fontRef idx="minor">
-              <a:schemeClr val="tx1"/>
-            </a:fontRef>
-          </p:style>
-        </p:cxnSp>
-        <p:cxnSp>
-          <p:nvCxnSpPr>
-            <p:cNvPr id="638" name="2">
-              <a:extLst>
-                <a:ext uri="{FF2B5EF4-FFF2-40B4-BE49-F238E27FC236}">
-                  <a16:creationId xmlns:a16="http://schemas.microsoft.com/office/drawing/2014/main" id="{2CF68E38-3466-4F5E-9ADE-15410E276653}"/>
-                </a:ext>
-              </a:extLst>
-            </p:cNvPr>
-            <p:cNvCxnSpPr>
-              <a:cxnSpLocks noGrp="1" noRot="1" noMove="1" noResize="1" noEditPoints="1" noAdjustHandles="1" noChangeArrowheads="1" noChangeShapeType="1"/>
-            </p:cNvCxnSpPr>
-            <p:nvPr/>
-          </p:nvCxnSpPr>
-          <p:spPr>
-            <a:xfrm flipH="1" flipV="1">
-              <a:off x="727061" y="2230051"/>
-              <a:ext cx="1" cy="855599"/>
-            </a:xfrm>
-            <a:prstGeom prst="line">
-              <a:avLst/>
-            </a:prstGeom>
-            <a:ln w="28575">
-              <a:solidFill>
-                <a:srgbClr val="8008FF"/>
-              </a:solidFill>
-              <a:prstDash val="sysDot"/>
-            </a:ln>
-          </p:spPr>
-          <p:style>
-            <a:lnRef idx="1">
-              <a:schemeClr val="accent1"/>
-            </a:lnRef>
-            <a:fillRef idx="0">
-              <a:schemeClr val="accent1"/>
-            </a:fillRef>
-            <a:effectRef idx="0">
-              <a:schemeClr val="accent1"/>
-            </a:effectRef>
-            <a:fontRef idx="minor">
-              <a:schemeClr val="tx1"/>
-            </a:fontRef>
-          </p:style>
-        </p:cxnSp>
-        <p:cxnSp>
-          <p:nvCxnSpPr>
-            <p:cNvPr id="639" name="3">
-              <a:extLst>
-                <a:ext uri="{FF2B5EF4-FFF2-40B4-BE49-F238E27FC236}">
-                  <a16:creationId xmlns:a16="http://schemas.microsoft.com/office/drawing/2014/main" id="{316D5425-2FB4-40F4-9B95-FC91FD9FAD57}"/>
-                </a:ext>
-              </a:extLst>
-            </p:cNvPr>
-            <p:cNvCxnSpPr>
-              <a:cxnSpLocks noGrp="1" noRot="1" noMove="1" noResize="1" noEditPoints="1" noAdjustHandles="1" noChangeArrowheads="1" noChangeShapeType="1"/>
-            </p:cNvCxnSpPr>
-            <p:nvPr/>
-          </p:nvCxnSpPr>
-          <p:spPr>
-            <a:xfrm>
-              <a:off x="940451" y="2016663"/>
-              <a:ext cx="1599194" cy="333861"/>
-            </a:xfrm>
-            <a:prstGeom prst="bentConnector2">
-              <a:avLst/>
-            </a:prstGeom>
-            <a:ln w="28575">
-              <a:solidFill>
-                <a:srgbClr val="8008FF"/>
-              </a:solidFill>
-              <a:prstDash val="sysDot"/>
-            </a:ln>
-          </p:spPr>
-          <p:style>
-            <a:lnRef idx="1">
-              <a:schemeClr val="accent1"/>
-            </a:lnRef>
-            <a:fillRef idx="0">
-              <a:schemeClr val="accent1"/>
-            </a:fillRef>
-            <a:effectRef idx="0">
-              <a:schemeClr val="accent1"/>
-            </a:effectRef>
-            <a:fontRef idx="minor">
-              <a:schemeClr val="tx1"/>
-            </a:fontRef>
-          </p:style>
-        </p:cxnSp>
-        <p:cxnSp>
-          <p:nvCxnSpPr>
-            <p:cNvPr id="640" name="4">
-              <a:extLst>
-                <a:ext uri="{FF2B5EF4-FFF2-40B4-BE49-F238E27FC236}">
-                  <a16:creationId xmlns:a16="http://schemas.microsoft.com/office/drawing/2014/main" id="{BA75250F-B409-4AA9-81F5-021E647B7B00}"/>
-                </a:ext>
-              </a:extLst>
-            </p:cNvPr>
-            <p:cNvCxnSpPr>
-              <a:cxnSpLocks noGrp="1" noRot="1" noMove="1" noResize="1" noEditPoints="1" noAdjustHandles="1" noChangeArrowheads="1" noChangeShapeType="1"/>
-            </p:cNvCxnSpPr>
-            <p:nvPr/>
-          </p:nvCxnSpPr>
-          <p:spPr>
-            <a:xfrm>
-              <a:off x="2752160" y="2562655"/>
-              <a:ext cx="1508506" cy="475552"/>
-            </a:xfrm>
-            <a:prstGeom prst="bentConnector3">
-              <a:avLst/>
-            </a:prstGeom>
-            <a:ln w="28575">
-              <a:solidFill>
-                <a:srgbClr val="8008FF"/>
-              </a:solidFill>
-              <a:prstDash val="sysDot"/>
-            </a:ln>
-          </p:spPr>
-          <p:style>
-            <a:lnRef idx="1">
-              <a:schemeClr val="accent1"/>
-            </a:lnRef>
-            <a:fillRef idx="0">
-              <a:schemeClr val="accent1"/>
-            </a:fillRef>
-            <a:effectRef idx="0">
-              <a:schemeClr val="accent1"/>
-            </a:effectRef>
-            <a:fontRef idx="minor">
-              <a:schemeClr val="tx1"/>
-            </a:fontRef>
-          </p:style>
-        </p:cxnSp>
-        <p:cxnSp>
-          <p:nvCxnSpPr>
-            <p:cNvPr id="552" name="5">
-              <a:extLst>
-                <a:ext uri="{FF2B5EF4-FFF2-40B4-BE49-F238E27FC236}">
-                  <a16:creationId xmlns:a16="http://schemas.microsoft.com/office/drawing/2014/main" id="{E9318CB9-7F2F-4D1E-A7B6-0FB9105BC06A}"/>
-                </a:ext>
-              </a:extLst>
-            </p:cNvPr>
-            <p:cNvCxnSpPr>
-              <a:cxnSpLocks noGrp="1" noRot="1" noMove="1" noResize="1" noEditPoints="1" noAdjustHandles="1" noChangeArrowheads="1" noChangeShapeType="1"/>
-            </p:cNvCxnSpPr>
-            <p:nvPr/>
-          </p:nvCxnSpPr>
-          <p:spPr>
-            <a:xfrm rot="10800000" flipV="1">
-              <a:off x="5328455" y="2574115"/>
-              <a:ext cx="1506286" cy="464092"/>
-            </a:xfrm>
-            <a:prstGeom prst="bentConnector3">
-              <a:avLst/>
-            </a:prstGeom>
-            <a:ln w="28575">
-              <a:solidFill>
-                <a:srgbClr val="F56413"/>
-              </a:solidFill>
-              <a:prstDash val="sysDot"/>
-            </a:ln>
-          </p:spPr>
-          <p:style>
-            <a:lnRef idx="1">
-              <a:schemeClr val="accent1"/>
-            </a:lnRef>
-            <a:fillRef idx="0">
-              <a:schemeClr val="accent1"/>
-            </a:fillRef>
-            <a:effectRef idx="0">
-              <a:schemeClr val="accent1"/>
-            </a:effectRef>
-            <a:fontRef idx="minor">
-              <a:schemeClr val="tx1"/>
-            </a:fontRef>
-          </p:style>
-        </p:cxnSp>
-        <p:cxnSp>
-          <p:nvCxnSpPr>
-            <p:cNvPr id="248" name="6">
-              <a:extLst>
-                <a:ext uri="{FF2B5EF4-FFF2-40B4-BE49-F238E27FC236}">
-                  <a16:creationId xmlns:a16="http://schemas.microsoft.com/office/drawing/2014/main" id="{B4843F2B-2872-4F12-9048-B9283F255E47}"/>
-                </a:ext>
-              </a:extLst>
-            </p:cNvPr>
-            <p:cNvCxnSpPr>
-              <a:cxnSpLocks noGrp="1" noRot="1" noMove="1" noResize="1" noEditPoints="1" noAdjustHandles="1" noChangeArrowheads="1" noChangeShapeType="1"/>
-            </p:cNvCxnSpPr>
-            <p:nvPr/>
-          </p:nvCxnSpPr>
-          <p:spPr>
-            <a:xfrm flipH="1">
-              <a:off x="7259772" y="2572108"/>
-              <a:ext cx="1019336" cy="2007"/>
-            </a:xfrm>
-            <a:prstGeom prst="line">
-              <a:avLst/>
-            </a:prstGeom>
-            <a:ln w="28575">
-              <a:solidFill>
-                <a:srgbClr val="F56413"/>
-              </a:solidFill>
-              <a:prstDash val="sysDot"/>
-            </a:ln>
-          </p:spPr>
-          <p:style>
-            <a:lnRef idx="1">
-              <a:schemeClr val="accent1"/>
-            </a:lnRef>
-            <a:fillRef idx="0">
-              <a:schemeClr val="accent1"/>
-            </a:fillRef>
-            <a:effectRef idx="0">
-              <a:schemeClr val="accent1"/>
-            </a:effectRef>
-            <a:fontRef idx="minor">
-              <a:schemeClr val="tx1"/>
-            </a:fontRef>
-          </p:style>
-        </p:cxnSp>
-        <p:cxnSp>
-          <p:nvCxnSpPr>
-            <p:cNvPr id="110" name="7">
-              <a:extLst>
-                <a:ext uri="{FF2B5EF4-FFF2-40B4-BE49-F238E27FC236}">
-                  <a16:creationId xmlns:a16="http://schemas.microsoft.com/office/drawing/2014/main" id="{7D0162C3-9969-4187-974A-90B00303406F}"/>
-                </a:ext>
-              </a:extLst>
-            </p:cNvPr>
-            <p:cNvCxnSpPr>
-              <a:cxnSpLocks noGrp="1" noRot="1" noMove="1" noResize="1" noEditPoints="1" noAdjustHandles="1" noChangeArrowheads="1" noChangeShapeType="1"/>
-            </p:cNvCxnSpPr>
-            <p:nvPr/>
-          </p:nvCxnSpPr>
-          <p:spPr>
-            <a:xfrm flipH="1">
-              <a:off x="8492497" y="2005237"/>
-              <a:ext cx="1" cy="353482"/>
-            </a:xfrm>
-            <a:prstGeom prst="line">
-              <a:avLst/>
-            </a:prstGeom>
-            <a:ln w="28575">
-              <a:solidFill>
-                <a:srgbClr val="F56413"/>
-              </a:solidFill>
-              <a:prstDash val="sysDot"/>
-            </a:ln>
-          </p:spPr>
-          <p:style>
-            <a:lnRef idx="1">
-              <a:schemeClr val="accent1"/>
-            </a:lnRef>
-            <a:fillRef idx="0">
-              <a:schemeClr val="accent1"/>
-            </a:fillRef>
-            <a:effectRef idx="0">
-              <a:schemeClr val="accent1"/>
-            </a:effectRef>
-            <a:fontRef idx="minor">
-              <a:schemeClr val="tx1"/>
-            </a:fontRef>
-          </p:style>
-        </p:cxnSp>
-        <p:cxnSp>
-          <p:nvCxnSpPr>
-            <p:cNvPr id="107" name="8">
-              <a:extLst>
-                <a:ext uri="{FF2B5EF4-FFF2-40B4-BE49-F238E27FC236}">
-                  <a16:creationId xmlns:a16="http://schemas.microsoft.com/office/drawing/2014/main" id="{8152DA3F-0FBB-4212-93E1-6A24C4DD8429}"/>
-                </a:ext>
-              </a:extLst>
-            </p:cNvPr>
-            <p:cNvCxnSpPr>
-              <a:cxnSpLocks noGrp="1" noRot="1" noMove="1" noResize="1" noEditPoints="1" noAdjustHandles="1" noChangeArrowheads="1" noChangeShapeType="1"/>
-            </p:cNvCxnSpPr>
-            <p:nvPr/>
-          </p:nvCxnSpPr>
-          <p:spPr>
-            <a:xfrm rot="5400000">
-              <a:off x="8235967" y="1324118"/>
-              <a:ext cx="508686" cy="1"/>
-            </a:xfrm>
-            <a:prstGeom prst="bentConnector3">
-              <a:avLst/>
-            </a:prstGeom>
-            <a:ln w="28575">
-              <a:solidFill>
-                <a:srgbClr val="F56413"/>
-              </a:solidFill>
-              <a:prstDash val="sysDot"/>
-            </a:ln>
-          </p:spPr>
-          <p:style>
-            <a:lnRef idx="1">
-              <a:schemeClr val="accent1"/>
-            </a:lnRef>
-            <a:fillRef idx="0">
-              <a:schemeClr val="accent1"/>
-            </a:fillRef>
-            <a:effectRef idx="0">
-              <a:schemeClr val="accent1"/>
-            </a:effectRef>
-            <a:fontRef idx="minor">
-              <a:schemeClr val="tx1"/>
-            </a:fontRef>
-          </p:style>
-        </p:cxnSp>
-        <p:cxnSp>
-          <p:nvCxnSpPr>
-            <p:cNvPr id="114" name="9">
-              <a:extLst>
-                <a:ext uri="{FF2B5EF4-FFF2-40B4-BE49-F238E27FC236}">
-                  <a16:creationId xmlns:a16="http://schemas.microsoft.com/office/drawing/2014/main" id="{D43DA2F8-46C2-4D3C-987F-D0D295F04A16}"/>
-                </a:ext>
-              </a:extLst>
-            </p:cNvPr>
-            <p:cNvCxnSpPr>
-              <a:cxnSpLocks noGrp="1" noRot="1" noMove="1" noResize="1" noEditPoints="1" noAdjustHandles="1" noChangeArrowheads="1" noChangeShapeType="1"/>
-            </p:cNvCxnSpPr>
-            <p:nvPr/>
-          </p:nvCxnSpPr>
-          <p:spPr>
-            <a:xfrm>
-              <a:off x="8492497" y="2785496"/>
-              <a:ext cx="0" cy="473330"/>
-            </a:xfrm>
-            <a:prstGeom prst="line">
-              <a:avLst/>
-            </a:prstGeom>
-            <a:ln w="28575">
-              <a:solidFill>
-                <a:srgbClr val="F56413"/>
-              </a:solidFill>
-              <a:prstDash val="sysDot"/>
-            </a:ln>
-          </p:spPr>
-          <p:style>
-            <a:lnRef idx="1">
-              <a:schemeClr val="accent1"/>
-            </a:lnRef>
-            <a:fillRef idx="0">
-              <a:schemeClr val="accent1"/>
-            </a:fillRef>
-            <a:effectRef idx="0">
-              <a:schemeClr val="accent1"/>
-            </a:effectRef>
-            <a:fontRef idx="minor">
-              <a:schemeClr val="tx1"/>
-            </a:fontRef>
-          </p:style>
-        </p:cxnSp>
-        <p:cxnSp>
-          <p:nvCxnSpPr>
-            <p:cNvPr id="406" name="10">
-              <a:extLst>
-                <a:ext uri="{FF2B5EF4-FFF2-40B4-BE49-F238E27FC236}">
-                  <a16:creationId xmlns:a16="http://schemas.microsoft.com/office/drawing/2014/main" id="{F0ED73E9-42F0-4B67-895F-0144661AC2F7}"/>
-                </a:ext>
-              </a:extLst>
-            </p:cNvPr>
-            <p:cNvCxnSpPr>
-              <a:cxnSpLocks noGrp="1" noRot="1" noMove="1" noResize="1" noEditPoints="1" noAdjustHandles="1" noChangeArrowheads="1" noChangeShapeType="1"/>
-            </p:cNvCxnSpPr>
-            <p:nvPr/>
-          </p:nvCxnSpPr>
-          <p:spPr>
-            <a:xfrm flipH="1" flipV="1">
-              <a:off x="8492497" y="3685603"/>
-              <a:ext cx="245098" cy="228381"/>
-            </a:xfrm>
-            <a:prstGeom prst="line">
-              <a:avLst/>
-            </a:prstGeom>
-            <a:ln w="28575">
-              <a:solidFill>
-                <a:srgbClr val="F56413"/>
-              </a:solidFill>
-              <a:prstDash val="sysDot"/>
-            </a:ln>
-          </p:spPr>
-          <p:style>
-            <a:lnRef idx="1">
-              <a:schemeClr val="accent1"/>
-            </a:lnRef>
-            <a:fillRef idx="0">
-              <a:schemeClr val="accent1"/>
-            </a:fillRef>
-            <a:effectRef idx="0">
-              <a:schemeClr val="accent1"/>
-            </a:effectRef>
-            <a:fontRef idx="minor">
-              <a:schemeClr val="tx1"/>
-            </a:fontRef>
-          </p:style>
-        </p:cxnSp>
-        <p:cxnSp>
-          <p:nvCxnSpPr>
-            <p:cNvPr id="117" name="11">
-              <a:extLst>
-                <a:ext uri="{FF2B5EF4-FFF2-40B4-BE49-F238E27FC236}">
-                  <a16:creationId xmlns:a16="http://schemas.microsoft.com/office/drawing/2014/main" id="{EE5DD7C0-D098-45AB-AD07-C2550055D59B}"/>
-                </a:ext>
-              </a:extLst>
-            </p:cNvPr>
-            <p:cNvCxnSpPr>
-              <a:cxnSpLocks noGrp="1" noRot="1" noMove="1" noResize="1" noEditPoints="1" noAdjustHandles="1" noChangeArrowheads="1" noChangeShapeType="1"/>
-            </p:cNvCxnSpPr>
-            <p:nvPr/>
-          </p:nvCxnSpPr>
-          <p:spPr>
-            <a:xfrm flipV="1">
-              <a:off x="8486360" y="4201984"/>
-              <a:ext cx="251235" cy="228382"/>
-            </a:xfrm>
-            <a:prstGeom prst="line">
-              <a:avLst/>
-            </a:prstGeom>
-            <a:ln w="28575">
-              <a:solidFill>
-                <a:srgbClr val="F56413"/>
-              </a:solidFill>
-              <a:prstDash val="sysDot"/>
-            </a:ln>
-          </p:spPr>
-          <p:style>
-            <a:lnRef idx="1">
-              <a:schemeClr val="accent1"/>
-            </a:lnRef>
-            <a:fillRef idx="0">
-              <a:schemeClr val="accent1"/>
-            </a:fillRef>
-            <a:effectRef idx="0">
-              <a:schemeClr val="accent1"/>
-            </a:effectRef>
-            <a:fontRef idx="minor">
-              <a:schemeClr val="tx1"/>
-            </a:fontRef>
-          </p:style>
-        </p:cxnSp>
-        <p:cxnSp>
-          <p:nvCxnSpPr>
-            <p:cNvPr id="149" name="12">
-              <a:extLst>
-                <a:ext uri="{FF2B5EF4-FFF2-40B4-BE49-F238E27FC236}">
-                  <a16:creationId xmlns:a16="http://schemas.microsoft.com/office/drawing/2014/main" id="{B385D59D-8EA0-4BE7-B512-77977ADE7704}"/>
-                </a:ext>
-              </a:extLst>
-            </p:cNvPr>
-            <p:cNvCxnSpPr>
-              <a:cxnSpLocks noGrp="1" noRot="1" noMove="1" noResize="1" noEditPoints="1" noAdjustHandles="1" noChangeArrowheads="1" noChangeShapeType="1"/>
-              <a:stCxn id="124" idx="3"/>
-              <a:endCxn id="136" idx="1"/>
-            </p:cNvCxnSpPr>
-            <p:nvPr/>
-          </p:nvCxnSpPr>
-          <p:spPr>
-            <a:xfrm flipV="1">
-              <a:off x="6928162" y="4750449"/>
-              <a:ext cx="1237268" cy="18984"/>
-            </a:xfrm>
-            <a:prstGeom prst="line">
-              <a:avLst/>
-            </a:prstGeom>
-            <a:ln w="28575">
-              <a:solidFill>
-                <a:srgbClr val="F56413"/>
-              </a:solidFill>
-              <a:prstDash val="sysDot"/>
-            </a:ln>
-          </p:spPr>
-          <p:style>
-            <a:lnRef idx="1">
-              <a:schemeClr val="accent1"/>
-            </a:lnRef>
-            <a:fillRef idx="0">
-              <a:schemeClr val="accent1"/>
-            </a:fillRef>
-            <a:effectRef idx="0">
-              <a:schemeClr val="accent1"/>
-            </a:effectRef>
-            <a:fontRef idx="minor">
-              <a:schemeClr val="tx1"/>
-            </a:fontRef>
-          </p:style>
-        </p:cxnSp>
-        <p:cxnSp>
-          <p:nvCxnSpPr>
-            <p:cNvPr id="146" name="13">
-              <a:extLst>
-                <a:ext uri="{FF2B5EF4-FFF2-40B4-BE49-F238E27FC236}">
-                  <a16:creationId xmlns:a16="http://schemas.microsoft.com/office/drawing/2014/main" id="{5D8CCA18-AB47-4AFF-A7DE-0F006D8C958F}"/>
-                </a:ext>
-              </a:extLst>
-            </p:cNvPr>
-            <p:cNvCxnSpPr>
-              <a:cxnSpLocks noGrp="1" noRot="1" noMove="1" noResize="1" noEditPoints="1" noAdjustHandles="1" noChangeArrowheads="1" noChangeShapeType="1"/>
-              <a:stCxn id="128" idx="3"/>
-              <a:endCxn id="124" idx="1"/>
-            </p:cNvCxnSpPr>
-            <p:nvPr/>
-          </p:nvCxnSpPr>
-          <p:spPr>
-            <a:xfrm>
-              <a:off x="5710758" y="4769433"/>
-              <a:ext cx="897322" cy="0"/>
-            </a:xfrm>
-            <a:prstGeom prst="line">
-              <a:avLst/>
-            </a:prstGeom>
-            <a:ln w="28575">
-              <a:solidFill>
-                <a:srgbClr val="F56413"/>
-              </a:solidFill>
-              <a:prstDash val="sysDot"/>
-            </a:ln>
-          </p:spPr>
-          <p:style>
-            <a:lnRef idx="1">
-              <a:schemeClr val="accent1"/>
-            </a:lnRef>
-            <a:fillRef idx="0">
-              <a:schemeClr val="accent1"/>
-            </a:fillRef>
-            <a:effectRef idx="0">
-              <a:schemeClr val="accent1"/>
-            </a:effectRef>
-            <a:fontRef idx="minor">
-              <a:schemeClr val="tx1"/>
-            </a:fontRef>
-          </p:style>
-        </p:cxnSp>
-        <p:cxnSp>
-          <p:nvCxnSpPr>
-            <p:cNvPr id="135" name="14">
-              <a:extLst>
-                <a:ext uri="{FF2B5EF4-FFF2-40B4-BE49-F238E27FC236}">
-                  <a16:creationId xmlns:a16="http://schemas.microsoft.com/office/drawing/2014/main" id="{59BA8139-A5DC-4807-85F7-22358D7B1A36}"/>
-                </a:ext>
-              </a:extLst>
-            </p:cNvPr>
-            <p:cNvCxnSpPr>
-              <a:cxnSpLocks noGrp="1" noRot="1" noMove="1" noResize="1" noEditPoints="1" noAdjustHandles="1" noChangeArrowheads="1" noChangeShapeType="1"/>
-              <a:stCxn id="132" idx="3"/>
-              <a:endCxn id="128" idx="1"/>
-            </p:cNvCxnSpPr>
-            <p:nvPr/>
-          </p:nvCxnSpPr>
-          <p:spPr>
-            <a:xfrm>
-              <a:off x="4499874" y="4769433"/>
-              <a:ext cx="890802" cy="0"/>
-            </a:xfrm>
-            <a:prstGeom prst="line">
-              <a:avLst/>
-            </a:prstGeom>
-            <a:ln w="28575">
-              <a:solidFill>
-                <a:srgbClr val="F56413"/>
-              </a:solidFill>
-              <a:prstDash val="sysDot"/>
-            </a:ln>
-          </p:spPr>
-          <p:style>
-            <a:lnRef idx="1">
-              <a:schemeClr val="accent1"/>
-            </a:lnRef>
-            <a:fillRef idx="0">
-              <a:schemeClr val="accent1"/>
-            </a:fillRef>
-            <a:effectRef idx="0">
-              <a:schemeClr val="accent1"/>
-            </a:effectRef>
-            <a:fontRef idx="minor">
-              <a:schemeClr val="tx1"/>
-            </a:fontRef>
-          </p:style>
-        </p:cxnSp>
-        <p:cxnSp>
-          <p:nvCxnSpPr>
-            <p:cNvPr id="102" name="15">
-              <a:extLst>
-                <a:ext uri="{FF2B5EF4-FFF2-40B4-BE49-F238E27FC236}">
-                  <a16:creationId xmlns:a16="http://schemas.microsoft.com/office/drawing/2014/main" id="{B295D783-8D79-4A34-BED9-D47651D601E3}"/>
-                </a:ext>
-              </a:extLst>
-            </p:cNvPr>
-            <p:cNvCxnSpPr>
-              <a:cxnSpLocks noGrp="1" noRot="1" noMove="1" noResize="1" noEditPoints="1" noAdjustHandles="1" noChangeArrowheads="1" noChangeShapeType="1"/>
-              <a:stCxn id="92" idx="0"/>
-              <a:endCxn id="96" idx="2"/>
-            </p:cNvCxnSpPr>
-            <p:nvPr/>
-          </p:nvCxnSpPr>
-          <p:spPr>
-            <a:xfrm rot="16200000" flipV="1">
-              <a:off x="4539882" y="2250481"/>
-              <a:ext cx="508508" cy="2"/>
-            </a:xfrm>
-            <a:prstGeom prst="bentConnector3">
-              <a:avLst/>
-            </a:prstGeom>
-            <a:ln w="28575">
-              <a:solidFill>
-                <a:srgbClr val="13C1F7"/>
-              </a:solidFill>
-              <a:prstDash val="sysDot"/>
-            </a:ln>
-          </p:spPr>
-          <p:style>
-            <a:lnRef idx="1">
-              <a:schemeClr val="accent1"/>
-            </a:lnRef>
-            <a:fillRef idx="0">
-              <a:schemeClr val="accent1"/>
-            </a:fillRef>
-            <a:effectRef idx="0">
-              <a:schemeClr val="accent1"/>
-            </a:effectRef>
-            <a:fontRef idx="minor">
-              <a:schemeClr val="tx1"/>
-            </a:fontRef>
-          </p:style>
-        </p:cxnSp>
-        <p:cxnSp>
-          <p:nvCxnSpPr>
-            <p:cNvPr id="473" name="16">
-              <a:extLst>
-                <a:ext uri="{FF2B5EF4-FFF2-40B4-BE49-F238E27FC236}">
-                  <a16:creationId xmlns:a16="http://schemas.microsoft.com/office/drawing/2014/main" id="{6A5E7C87-EF3D-45A0-A735-8D3E0209ED7A}"/>
-                </a:ext>
-              </a:extLst>
-            </p:cNvPr>
-            <p:cNvCxnSpPr>
-              <a:cxnSpLocks noGrp="1" noRot="1" noMove="1" noResize="1" noEditPoints="1" noAdjustHandles="1" noChangeArrowheads="1" noChangeShapeType="1"/>
-              <a:stCxn id="100" idx="3"/>
-              <a:endCxn id="96" idx="0"/>
-            </p:cNvCxnSpPr>
-            <p:nvPr/>
-          </p:nvCxnSpPr>
-          <p:spPr>
-            <a:xfrm>
-              <a:off x="4285751" y="649747"/>
-              <a:ext cx="508384" cy="706316"/>
-            </a:xfrm>
-            <a:prstGeom prst="line">
-              <a:avLst/>
-            </a:prstGeom>
-            <a:ln w="28575">
-              <a:solidFill>
-                <a:srgbClr val="13C1F7"/>
-              </a:solidFill>
-              <a:prstDash val="sysDot"/>
-            </a:ln>
-          </p:spPr>
-          <p:style>
-            <a:lnRef idx="1">
-              <a:schemeClr val="accent1"/>
-            </a:lnRef>
-            <a:fillRef idx="0">
-              <a:schemeClr val="accent1"/>
-            </a:fillRef>
-            <a:effectRef idx="0">
-              <a:schemeClr val="accent1"/>
-            </a:effectRef>
-            <a:fontRef idx="minor">
-              <a:schemeClr val="tx1"/>
-            </a:fontRef>
-          </p:style>
-        </p:cxnSp>
-        <p:cxnSp>
-          <p:nvCxnSpPr>
-            <p:cNvPr id="475" name="17">
-              <a:extLst>
-                <a:ext uri="{FF2B5EF4-FFF2-40B4-BE49-F238E27FC236}">
-                  <a16:creationId xmlns:a16="http://schemas.microsoft.com/office/drawing/2014/main" id="{BCA0C5D1-2CD1-4274-8E88-4D1C81409A36}"/>
-                </a:ext>
-              </a:extLst>
-            </p:cNvPr>
-            <p:cNvCxnSpPr>
-              <a:cxnSpLocks noGrp="1" noRot="1" noMove="1" noResize="1" noEditPoints="1" noAdjustHandles="1" noChangeArrowheads="1" noChangeShapeType="1"/>
-              <a:stCxn id="104" idx="1"/>
-              <a:endCxn id="96" idx="0"/>
-            </p:cNvCxnSpPr>
-            <p:nvPr/>
-          </p:nvCxnSpPr>
-          <p:spPr>
-            <a:xfrm flipH="1">
-              <a:off x="4794135" y="646641"/>
-              <a:ext cx="426470" cy="709422"/>
-            </a:xfrm>
-            <a:prstGeom prst="line">
-              <a:avLst/>
-            </a:prstGeom>
-            <a:ln w="28575">
-              <a:solidFill>
-                <a:srgbClr val="13C1F7"/>
-              </a:solidFill>
-              <a:prstDash val="sysDot"/>
-            </a:ln>
-          </p:spPr>
-          <p:style>
-            <a:lnRef idx="1">
-              <a:schemeClr val="accent1"/>
-            </a:lnRef>
-            <a:fillRef idx="0">
-              <a:schemeClr val="accent1"/>
-            </a:fillRef>
-            <a:effectRef idx="0">
-              <a:schemeClr val="accent1"/>
-            </a:effectRef>
-            <a:fontRef idx="minor">
-              <a:schemeClr val="tx1"/>
-            </a:fontRef>
-          </p:style>
-        </p:cxnSp>
-        <p:cxnSp>
-          <p:nvCxnSpPr>
-            <p:cNvPr id="471" name="18">
-              <a:extLst>
-                <a:ext uri="{FF2B5EF4-FFF2-40B4-BE49-F238E27FC236}">
-                  <a16:creationId xmlns:a16="http://schemas.microsoft.com/office/drawing/2014/main" id="{AB1FF230-B611-4B8F-A552-BDC44499076C}"/>
-                </a:ext>
-              </a:extLst>
-            </p:cNvPr>
-            <p:cNvCxnSpPr>
-              <a:cxnSpLocks noGrp="1" noRot="1" noMove="1" noResize="1" noEditPoints="1" noAdjustHandles="1" noChangeArrowheads="1" noChangeShapeType="1"/>
-              <a:stCxn id="100" idx="3"/>
-              <a:endCxn id="104" idx="1"/>
-            </p:cNvCxnSpPr>
-            <p:nvPr/>
-          </p:nvCxnSpPr>
-          <p:spPr>
-            <a:xfrm flipV="1">
-              <a:off x="4285751" y="646641"/>
-              <a:ext cx="934854" cy="3106"/>
-            </a:xfrm>
-            <a:prstGeom prst="line">
-              <a:avLst/>
-            </a:prstGeom>
-            <a:ln w="28575">
-              <a:solidFill>
-                <a:srgbClr val="13C1F7"/>
-              </a:solidFill>
-              <a:prstDash val="sysDot"/>
-            </a:ln>
-          </p:spPr>
-          <p:style>
-            <a:lnRef idx="1">
-              <a:schemeClr val="accent1"/>
-            </a:lnRef>
-            <a:fillRef idx="0">
-              <a:schemeClr val="accent1"/>
-            </a:fillRef>
-            <a:effectRef idx="0">
-              <a:schemeClr val="accent1"/>
-            </a:effectRef>
-            <a:fontRef idx="minor">
-              <a:schemeClr val="tx1"/>
-            </a:fontRef>
-          </p:style>
-        </p:cxnSp>
-        <p:cxnSp>
-          <p:nvCxnSpPr>
-            <p:cNvPr id="463" name="19">
-              <a:extLst>
-                <a:ext uri="{FF2B5EF4-FFF2-40B4-BE49-F238E27FC236}">
-                  <a16:creationId xmlns:a16="http://schemas.microsoft.com/office/drawing/2014/main" id="{472166DA-AD18-4004-B03E-EAF65B1406CC}"/>
-                </a:ext>
-              </a:extLst>
-            </p:cNvPr>
-            <p:cNvCxnSpPr>
-              <a:cxnSpLocks noGrp="1" noRot="1" noMove="1" noResize="1" noEditPoints="1" noAdjustHandles="1" noChangeArrowheads="1" noChangeShapeType="1"/>
-              <a:stCxn id="112" idx="3"/>
-              <a:endCxn id="100" idx="1"/>
-            </p:cNvCxnSpPr>
-            <p:nvPr/>
-          </p:nvCxnSpPr>
-          <p:spPr>
-            <a:xfrm>
-              <a:off x="3381735" y="186554"/>
-              <a:ext cx="477239" cy="463193"/>
-            </a:xfrm>
-            <a:prstGeom prst="line">
-              <a:avLst/>
-            </a:prstGeom>
-            <a:ln w="28575">
-              <a:solidFill>
-                <a:srgbClr val="13C1F7"/>
-              </a:solidFill>
-              <a:prstDash val="sysDot"/>
-            </a:ln>
-          </p:spPr>
-          <p:style>
-            <a:lnRef idx="1">
-              <a:schemeClr val="accent1"/>
-            </a:lnRef>
-            <a:fillRef idx="0">
-              <a:schemeClr val="accent1"/>
-            </a:fillRef>
-            <a:effectRef idx="0">
-              <a:schemeClr val="accent1"/>
-            </a:effectRef>
-            <a:fontRef idx="minor">
-              <a:schemeClr val="tx1"/>
-            </a:fontRef>
-          </p:style>
-        </p:cxnSp>
-        <p:cxnSp>
-          <p:nvCxnSpPr>
-            <p:cNvPr id="465" name="20">
-              <a:extLst>
-                <a:ext uri="{FF2B5EF4-FFF2-40B4-BE49-F238E27FC236}">
-                  <a16:creationId xmlns:a16="http://schemas.microsoft.com/office/drawing/2014/main" id="{94021463-426D-4E83-8AE7-21E582AA2449}"/>
-                </a:ext>
-              </a:extLst>
-            </p:cNvPr>
-            <p:cNvCxnSpPr>
-              <a:cxnSpLocks noGrp="1" noRot="1" noMove="1" noResize="1" noEditPoints="1" noAdjustHandles="1" noChangeArrowheads="1" noChangeShapeType="1"/>
-              <a:stCxn id="108" idx="3"/>
-              <a:endCxn id="100" idx="1"/>
-            </p:cNvCxnSpPr>
-            <p:nvPr/>
-          </p:nvCxnSpPr>
-          <p:spPr>
-            <a:xfrm flipV="1">
-              <a:off x="3381966" y="649747"/>
-              <a:ext cx="477008" cy="64"/>
-            </a:xfrm>
-            <a:prstGeom prst="line">
-              <a:avLst/>
-            </a:prstGeom>
-            <a:ln w="28575">
-              <a:solidFill>
-                <a:srgbClr val="13C1F7"/>
-              </a:solidFill>
-              <a:prstDash val="sysDot"/>
-            </a:ln>
-          </p:spPr>
-          <p:style>
-            <a:lnRef idx="1">
-              <a:schemeClr val="accent1"/>
-            </a:lnRef>
-            <a:fillRef idx="0">
-              <a:schemeClr val="accent1"/>
-            </a:fillRef>
-            <a:effectRef idx="0">
-              <a:schemeClr val="accent1"/>
-            </a:effectRef>
-            <a:fontRef idx="minor">
-              <a:schemeClr val="tx1"/>
-            </a:fontRef>
-          </p:style>
-        </p:cxnSp>
-        <p:cxnSp>
-          <p:nvCxnSpPr>
-            <p:cNvPr id="467" name="21">
-              <a:extLst>
-                <a:ext uri="{FF2B5EF4-FFF2-40B4-BE49-F238E27FC236}">
-                  <a16:creationId xmlns:a16="http://schemas.microsoft.com/office/drawing/2014/main" id="{55DCA934-CBD5-4BCE-9A1D-731A5EB143EF}"/>
-                </a:ext>
-              </a:extLst>
-            </p:cNvPr>
-            <p:cNvCxnSpPr>
-              <a:cxnSpLocks noGrp="1" noRot="1" noMove="1" noResize="1" noEditPoints="1" noAdjustHandles="1" noChangeArrowheads="1" noChangeShapeType="1"/>
-              <a:stCxn id="116" idx="3"/>
-              <a:endCxn id="100" idx="1"/>
-            </p:cNvCxnSpPr>
-            <p:nvPr/>
-          </p:nvCxnSpPr>
-          <p:spPr>
-            <a:xfrm flipV="1">
-              <a:off x="3374800" y="649747"/>
-              <a:ext cx="484174" cy="483067"/>
-            </a:xfrm>
-            <a:prstGeom prst="line">
-              <a:avLst/>
-            </a:prstGeom>
-            <a:ln w="28575">
-              <a:solidFill>
-                <a:srgbClr val="13C1F7"/>
-              </a:solidFill>
-              <a:prstDash val="sysDot"/>
-            </a:ln>
-          </p:spPr>
-          <p:style>
-            <a:lnRef idx="1">
-              <a:schemeClr val="accent1"/>
-            </a:lnRef>
-            <a:fillRef idx="0">
-              <a:schemeClr val="accent1"/>
-            </a:fillRef>
-            <a:effectRef idx="0">
-              <a:schemeClr val="accent1"/>
-            </a:effectRef>
-            <a:fontRef idx="minor">
-              <a:schemeClr val="tx1"/>
-            </a:fontRef>
-          </p:style>
-        </p:cxnSp>
-      </p:grpSp>
+        </p:nvSpPr>
+        <p:spPr>
+          <a:xfrm>
+            <a:off x="7702489" y="1792731"/>
+            <a:ext cx="772570" cy="311111"/>
+          </a:xfrm>
+          <a:prstGeom prst="rect">
+            <a:avLst/>
+          </a:prstGeom>
+          <a:noFill/>
+          <a:ln w="19050">
+            <a:solidFill>
+              <a:srgbClr val="F56413"/>
+            </a:solidFill>
+          </a:ln>
+        </p:spPr>
+        <p:txBody>
+          <a:bodyPr wrap="square" rtlCol="0">
+            <a:spAutoFit/>
+          </a:bodyPr>
+          <a:lstStyle/>
+          <a:p>
+            <a:pPr marL="101630" indent="-101630">
+              <a:buFont typeface="Arial" panose="020B0604020202020204" pitchFamily="34" charset="0"/>
+              <a:buChar char="•"/>
+            </a:pPr>
+            <a:r>
+              <a:rPr lang="pt-BR" sz="711" b="1" dirty="0">
+                <a:solidFill>
+                  <a:srgbClr val="F56413"/>
+                </a:solidFill>
+                <a:latin typeface="Quicksand" panose="00000500000000000000" pitchFamily="2" charset="0"/>
+              </a:rPr>
+              <a:t>300Mbps</a:t>
+            </a:r>
+          </a:p>
+          <a:p>
+            <a:pPr marL="101630" indent="-101630">
+              <a:buFont typeface="Arial" panose="020B0604020202020204" pitchFamily="34" charset="0"/>
+              <a:buChar char="•"/>
+            </a:pPr>
+            <a:r>
+              <a:rPr lang="pt-BR" sz="711" b="1" dirty="0">
+                <a:solidFill>
+                  <a:srgbClr val="F56413"/>
+                </a:solidFill>
+                <a:latin typeface="Quicksand" panose="00000500000000000000" pitchFamily="2" charset="0"/>
+              </a:rPr>
+              <a:t>2,4GHz</a:t>
+            </a:r>
+          </a:p>
+        </p:txBody>
+      </p:sp>
+      <p:sp>
+        <p:nvSpPr>
+          <p:cNvPr id="264" name="info-text14">
+            <a:extLst>
+              <a:ext uri="{FF2B5EF4-FFF2-40B4-BE49-F238E27FC236}">
+                <a16:creationId xmlns:a16="http://schemas.microsoft.com/office/drawing/2014/main" id="{FF136DC3-C674-44FC-B552-554CA00DA44D}"/>
+              </a:ext>
+            </a:extLst>
+          </p:cNvPr>
+          <p:cNvSpPr txBox="1">
+            <a:spLocks/>
+          </p:cNvSpPr>
+          <p:nvPr/>
+        </p:nvSpPr>
+        <p:spPr>
+          <a:xfrm>
+            <a:off x="750376" y="2987183"/>
+            <a:ext cx="1379958" cy="529889"/>
+          </a:xfrm>
+          <a:prstGeom prst="rect">
+            <a:avLst/>
+          </a:prstGeom>
+          <a:noFill/>
+          <a:ln w="19050">
+            <a:solidFill>
+              <a:srgbClr val="F56413"/>
+            </a:solidFill>
+          </a:ln>
+        </p:spPr>
+        <p:txBody>
+          <a:bodyPr wrap="square" rtlCol="0">
+            <a:spAutoFit/>
+          </a:bodyPr>
+          <a:lstStyle/>
+          <a:p>
+            <a:pPr marL="101630" indent="-101630">
+              <a:buFont typeface="Arial" panose="020B0604020202020204" pitchFamily="34" charset="0"/>
+              <a:buChar char="•"/>
+            </a:pPr>
+            <a:r>
+              <a:rPr lang="pt-BR" sz="711" b="1" dirty="0" err="1">
+                <a:solidFill>
+                  <a:srgbClr val="F56413"/>
+                </a:solidFill>
+                <a:latin typeface="Quicksand" panose="00000500000000000000" pitchFamily="2" charset="0"/>
+              </a:rPr>
+              <a:t>PowerEdge</a:t>
+            </a:r>
+            <a:r>
+              <a:rPr lang="pt-BR" sz="711" b="1" dirty="0">
+                <a:solidFill>
+                  <a:srgbClr val="F56413"/>
+                </a:solidFill>
+                <a:latin typeface="Quicksand" panose="00000500000000000000" pitchFamily="2" charset="0"/>
+              </a:rPr>
+              <a:t> T150</a:t>
+            </a:r>
+          </a:p>
+          <a:p>
+            <a:pPr marL="101630" indent="-101630">
+              <a:buFont typeface="Arial" panose="020B0604020202020204" pitchFamily="34" charset="0"/>
+              <a:buChar char="•"/>
+            </a:pPr>
+            <a:r>
+              <a:rPr lang="pt-BR" sz="711" b="1" dirty="0">
+                <a:solidFill>
+                  <a:srgbClr val="F56413"/>
+                </a:solidFill>
+                <a:latin typeface="Quicksand" panose="00000500000000000000" pitchFamily="2" charset="0"/>
+              </a:rPr>
+              <a:t>Intel Pentium G6405T</a:t>
+            </a:r>
+          </a:p>
+          <a:p>
+            <a:pPr marL="101630" indent="-101630">
+              <a:buFont typeface="Arial" panose="020B0604020202020204" pitchFamily="34" charset="0"/>
+              <a:buChar char="•"/>
+            </a:pPr>
+            <a:r>
+              <a:rPr lang="pt-BR" sz="711" b="1" dirty="0">
+                <a:solidFill>
+                  <a:srgbClr val="F56413"/>
+                </a:solidFill>
+                <a:latin typeface="Quicksand" panose="00000500000000000000" pitchFamily="2" charset="0"/>
+              </a:rPr>
+              <a:t>8GB RAM DDR4 3200MHz</a:t>
+            </a:r>
+          </a:p>
+          <a:p>
+            <a:pPr marL="101630" indent="-101630">
+              <a:buFont typeface="Arial" panose="020B0604020202020204" pitchFamily="34" charset="0"/>
+              <a:buChar char="•"/>
+            </a:pPr>
+            <a:r>
+              <a:rPr lang="pt-BR" sz="711" b="1" dirty="0">
+                <a:solidFill>
+                  <a:srgbClr val="F56413"/>
+                </a:solidFill>
+                <a:latin typeface="Quicksand" panose="00000500000000000000" pitchFamily="2" charset="0"/>
+              </a:rPr>
+              <a:t>2TB HD SATA 6Gbps</a:t>
+            </a:r>
+          </a:p>
+        </p:txBody>
+      </p:sp>
+      <p:pic>
+        <p:nvPicPr>
+          <p:cNvPr id="92" name="NUVEM" descr="Ícone&#10;&#10;Descrição gerada automaticamente">
+            <a:extLst>
+              <a:ext uri="{FF2B5EF4-FFF2-40B4-BE49-F238E27FC236}">
+                <a16:creationId xmlns:a16="http://schemas.microsoft.com/office/drawing/2014/main" id="{83D92FD9-FE57-4048-8DCC-AAC6A5187F31}"/>
+              </a:ext>
+            </a:extLst>
+          </p:cNvPr>
+          <p:cNvPicPr>
+            <a:picLocks noChangeAspect="1"/>
+          </p:cNvPicPr>
+          <p:nvPr/>
+        </p:nvPicPr>
+        <p:blipFill>
+          <a:blip r:embed="rId2">
+            <a:extLst>
+              <a:ext uri="{28A0092B-C50C-407E-A947-70E740481C1C}">
+                <a14:useLocalDpi xmlns:a14="http://schemas.microsoft.com/office/drawing/2010/main" val="0"/>
+              </a:ext>
+            </a:extLst>
+          </a:blip>
+          <a:stretch>
+            <a:fillRect/>
+          </a:stretch>
+        </p:blipFill>
+        <p:spPr>
+          <a:xfrm>
+            <a:off x="4260666" y="2504736"/>
+            <a:ext cx="1066941" cy="1066942"/>
+          </a:xfrm>
+          <a:prstGeom prst="rect">
+            <a:avLst/>
+          </a:prstGeom>
+        </p:spPr>
+      </p:pic>
+      <p:pic>
+        <p:nvPicPr>
+          <p:cNvPr id="54" name="azure logo" descr="Forma&#10;&#10;Descrição gerada automaticamente com confiança baixa">
+            <a:extLst>
+              <a:ext uri="{FF2B5EF4-FFF2-40B4-BE49-F238E27FC236}">
+                <a16:creationId xmlns:a16="http://schemas.microsoft.com/office/drawing/2014/main" id="{DD974875-B6B9-48C0-8CC6-1AD6F572DD2D}"/>
+              </a:ext>
+            </a:extLst>
+          </p:cNvPr>
+          <p:cNvPicPr>
+            <a:picLocks noChangeAspect="1"/>
+          </p:cNvPicPr>
+          <p:nvPr/>
+        </p:nvPicPr>
+        <p:blipFill>
+          <a:blip r:embed="rId3">
+            <a:extLst>
+              <a:ext uri="{28A0092B-C50C-407E-A947-70E740481C1C}">
+                <a14:useLocalDpi xmlns:a14="http://schemas.microsoft.com/office/drawing/2010/main" val="0"/>
+              </a:ext>
+            </a:extLst>
+          </a:blip>
+          <a:stretch>
+            <a:fillRect/>
+          </a:stretch>
+        </p:blipFill>
+        <p:spPr>
+          <a:xfrm>
+            <a:off x="4669067" y="2609127"/>
+            <a:ext cx="378056" cy="378056"/>
+          </a:xfrm>
+          <a:prstGeom prst="rect">
+            <a:avLst/>
+          </a:prstGeom>
+        </p:spPr>
+      </p:pic>
+      <p:pic>
+        <p:nvPicPr>
+          <p:cNvPr id="96" name="SaaS" descr="Ícone&#10;&#10;Descrição gerada automaticamente">
+            <a:extLst>
+              <a:ext uri="{FF2B5EF4-FFF2-40B4-BE49-F238E27FC236}">
+                <a16:creationId xmlns:a16="http://schemas.microsoft.com/office/drawing/2014/main" id="{F4C989F1-D793-4C69-AA43-39CDEC2CEA93}"/>
+              </a:ext>
+            </a:extLst>
+          </p:cNvPr>
+          <p:cNvPicPr>
+            <a:picLocks noChangeAspect="1"/>
+          </p:cNvPicPr>
+          <p:nvPr/>
+        </p:nvPicPr>
+        <p:blipFill>
+          <a:blip r:embed="rId4">
+            <a:extLst>
+              <a:ext uri="{28A0092B-C50C-407E-A947-70E740481C1C}">
+                <a14:useLocalDpi xmlns:a14="http://schemas.microsoft.com/office/drawing/2010/main" val="0"/>
+              </a:ext>
+            </a:extLst>
+          </a:blip>
+          <a:stretch>
+            <a:fillRect/>
+          </a:stretch>
+        </p:blipFill>
+        <p:spPr>
+          <a:xfrm>
+            <a:off x="4474053" y="1356063"/>
+            <a:ext cx="640164" cy="640165"/>
+          </a:xfrm>
+          <a:prstGeom prst="rect">
+            <a:avLst/>
+          </a:prstGeom>
+        </p:spPr>
+      </p:pic>
+      <p:pic>
+        <p:nvPicPr>
+          <p:cNvPr id="100" name="site" descr="Uma imagem contendo Forma&#10;&#10;Descrição gerada automaticamente">
+            <a:extLst>
+              <a:ext uri="{FF2B5EF4-FFF2-40B4-BE49-F238E27FC236}">
+                <a16:creationId xmlns:a16="http://schemas.microsoft.com/office/drawing/2014/main" id="{F95E5FAB-FA10-4CEF-8B0B-386ED11EB37F}"/>
+              </a:ext>
+            </a:extLst>
+          </p:cNvPr>
+          <p:cNvPicPr>
+            <a:picLocks noChangeAspect="1"/>
+          </p:cNvPicPr>
+          <p:nvPr/>
+        </p:nvPicPr>
+        <p:blipFill>
+          <a:blip r:embed="rId5">
+            <a:extLst>
+              <a:ext uri="{28A0092B-C50C-407E-A947-70E740481C1C}">
+                <a14:useLocalDpi xmlns:a14="http://schemas.microsoft.com/office/drawing/2010/main" val="0"/>
+              </a:ext>
+            </a:extLst>
+          </a:blip>
+          <a:stretch>
+            <a:fillRect/>
+          </a:stretch>
+        </p:blipFill>
+        <p:spPr>
+          <a:xfrm>
+            <a:off x="3858974" y="436358"/>
+            <a:ext cx="426777" cy="426777"/>
+          </a:xfrm>
+          <a:prstGeom prst="rect">
+            <a:avLst/>
+          </a:prstGeom>
+        </p:spPr>
+      </p:pic>
+      <p:pic>
+        <p:nvPicPr>
+          <p:cNvPr id="104" name="bd" descr="Ícone&#10;&#10;Descrição gerada automaticamente">
+            <a:extLst>
+              <a:ext uri="{FF2B5EF4-FFF2-40B4-BE49-F238E27FC236}">
+                <a16:creationId xmlns:a16="http://schemas.microsoft.com/office/drawing/2014/main" id="{607AB2CB-3D83-4480-A09B-6B6CB86FB629}"/>
+              </a:ext>
+            </a:extLst>
+          </p:cNvPr>
+          <p:cNvPicPr>
+            <a:picLocks noChangeAspect="1"/>
+          </p:cNvPicPr>
+          <p:nvPr/>
+        </p:nvPicPr>
+        <p:blipFill>
+          <a:blip r:embed="rId6">
+            <a:extLst>
+              <a:ext uri="{28A0092B-C50C-407E-A947-70E740481C1C}">
+                <a14:useLocalDpi xmlns:a14="http://schemas.microsoft.com/office/drawing/2010/main" val="0"/>
+              </a:ext>
+            </a:extLst>
+          </a:blip>
+          <a:stretch>
+            <a:fillRect/>
+          </a:stretch>
+        </p:blipFill>
+        <p:spPr>
+          <a:xfrm>
+            <a:off x="5220605" y="433252"/>
+            <a:ext cx="426777" cy="426777"/>
+          </a:xfrm>
+          <a:prstGeom prst="rect">
+            <a:avLst/>
+          </a:prstGeom>
+        </p:spPr>
+      </p:pic>
+      <p:pic>
+        <p:nvPicPr>
+          <p:cNvPr id="108" name="html" descr="Logotipo, Ícone&#10;&#10;Descrição gerada automaticamente">
+            <a:extLst>
+              <a:ext uri="{FF2B5EF4-FFF2-40B4-BE49-F238E27FC236}">
+                <a16:creationId xmlns:a16="http://schemas.microsoft.com/office/drawing/2014/main" id="{FD83FBF9-61B4-4EF5-B1A6-86F394321671}"/>
+              </a:ext>
+            </a:extLst>
+          </p:cNvPr>
+          <p:cNvPicPr>
+            <a:picLocks noChangeAspect="1"/>
+          </p:cNvPicPr>
+          <p:nvPr/>
+        </p:nvPicPr>
+        <p:blipFill>
+          <a:blip r:embed="rId7">
+            <a:extLst>
+              <a:ext uri="{28A0092B-C50C-407E-A947-70E740481C1C}">
+                <a14:useLocalDpi xmlns:a14="http://schemas.microsoft.com/office/drawing/2010/main" val="0"/>
+              </a:ext>
+            </a:extLst>
+          </a:blip>
+          <a:stretch>
+            <a:fillRect/>
+          </a:stretch>
+        </p:blipFill>
+        <p:spPr>
+          <a:xfrm>
+            <a:off x="3061884" y="489770"/>
+            <a:ext cx="320082" cy="320082"/>
+          </a:xfrm>
+          <a:prstGeom prst="rect">
+            <a:avLst/>
+          </a:prstGeom>
+        </p:spPr>
+      </p:pic>
+      <p:pic>
+        <p:nvPicPr>
+          <p:cNvPr id="116" name="css" descr="Ícone&#10;&#10;Descrição gerada automaticamente">
+            <a:extLst>
+              <a:ext uri="{FF2B5EF4-FFF2-40B4-BE49-F238E27FC236}">
+                <a16:creationId xmlns:a16="http://schemas.microsoft.com/office/drawing/2014/main" id="{E2BDC217-F524-4C89-9A13-7F69B3311B83}"/>
+              </a:ext>
+            </a:extLst>
+          </p:cNvPr>
+          <p:cNvPicPr>
+            <a:picLocks noChangeAspect="1"/>
+          </p:cNvPicPr>
+          <p:nvPr/>
+        </p:nvPicPr>
+        <p:blipFill>
+          <a:blip r:embed="rId8">
+            <a:extLst>
+              <a:ext uri="{28A0092B-C50C-407E-A947-70E740481C1C}">
+                <a14:useLocalDpi xmlns:a14="http://schemas.microsoft.com/office/drawing/2010/main" val="0"/>
+              </a:ext>
+            </a:extLst>
+          </a:blip>
+          <a:stretch>
+            <a:fillRect/>
+          </a:stretch>
+        </p:blipFill>
+        <p:spPr>
+          <a:xfrm>
+            <a:off x="3054718" y="972773"/>
+            <a:ext cx="320082" cy="320082"/>
+          </a:xfrm>
+          <a:prstGeom prst="rect">
+            <a:avLst/>
+          </a:prstGeom>
+        </p:spPr>
+      </p:pic>
+      <p:pic>
+        <p:nvPicPr>
+          <p:cNvPr id="112" name="js" descr="Logotipo&#10;&#10;Descrição gerada automaticamente">
+            <a:extLst>
+              <a:ext uri="{FF2B5EF4-FFF2-40B4-BE49-F238E27FC236}">
+                <a16:creationId xmlns:a16="http://schemas.microsoft.com/office/drawing/2014/main" id="{D5C5CED0-95D6-4ECD-AC20-151510096B8E}"/>
+              </a:ext>
+            </a:extLst>
+          </p:cNvPr>
+          <p:cNvPicPr>
+            <a:picLocks noChangeAspect="1"/>
+          </p:cNvPicPr>
+          <p:nvPr/>
+        </p:nvPicPr>
+        <p:blipFill>
+          <a:blip r:embed="rId9">
+            <a:extLst>
+              <a:ext uri="{28A0092B-C50C-407E-A947-70E740481C1C}">
+                <a14:useLocalDpi xmlns:a14="http://schemas.microsoft.com/office/drawing/2010/main" val="0"/>
+              </a:ext>
+            </a:extLst>
+          </a:blip>
+          <a:stretch>
+            <a:fillRect/>
+          </a:stretch>
+        </p:blipFill>
+        <p:spPr>
+          <a:xfrm>
+            <a:off x="3061653" y="26513"/>
+            <a:ext cx="320082" cy="320082"/>
+          </a:xfrm>
+          <a:prstGeom prst="rect">
+            <a:avLst/>
+          </a:prstGeom>
+        </p:spPr>
+      </p:pic>
+      <p:pic>
+        <p:nvPicPr>
+          <p:cNvPr id="103" name="firewall2" descr="Logotipo&#10;&#10;Descrição gerada automaticamente com confiança média">
+            <a:extLst>
+              <a:ext uri="{FF2B5EF4-FFF2-40B4-BE49-F238E27FC236}">
+                <a16:creationId xmlns:a16="http://schemas.microsoft.com/office/drawing/2014/main" id="{872ACEB3-B5AB-438D-9DCF-46C7A1D2FCA7}"/>
+              </a:ext>
+            </a:extLst>
+          </p:cNvPr>
+          <p:cNvPicPr>
+            <a:picLocks noChangeAspect="1"/>
+          </p:cNvPicPr>
+          <p:nvPr/>
+        </p:nvPicPr>
+        <p:blipFill>
+          <a:blip r:embed="rId10">
+            <a:extLst>
+              <a:ext uri="{28A0092B-C50C-407E-A947-70E740481C1C}">
+                <a14:useLocalDpi xmlns:a14="http://schemas.microsoft.com/office/drawing/2010/main" val="0"/>
+              </a:ext>
+            </a:extLst>
+          </a:blip>
+          <a:stretch>
+            <a:fillRect/>
+          </a:stretch>
+        </p:blipFill>
+        <p:spPr>
+          <a:xfrm>
+            <a:off x="6833893" y="2361599"/>
+            <a:ext cx="425031" cy="425031"/>
+          </a:xfrm>
+          <a:prstGeom prst="rect">
+            <a:avLst/>
+          </a:prstGeom>
+        </p:spPr>
+      </p:pic>
+      <p:pic>
+        <p:nvPicPr>
+          <p:cNvPr id="224" name="wifi_cliente" descr="Ícone&#10;&#10;Descrição gerada automaticamente">
+            <a:extLst>
+              <a:ext uri="{FF2B5EF4-FFF2-40B4-BE49-F238E27FC236}">
+                <a16:creationId xmlns:a16="http://schemas.microsoft.com/office/drawing/2014/main" id="{1002B21D-B4EE-473B-9D88-A48B15241FB6}"/>
+              </a:ext>
+            </a:extLst>
+          </p:cNvPr>
+          <p:cNvPicPr>
+            <a:picLocks noChangeAspect="1"/>
+          </p:cNvPicPr>
+          <p:nvPr/>
+        </p:nvPicPr>
+        <p:blipFill>
+          <a:blip r:embed="rId11">
+            <a:extLst>
+              <a:ext uri="{28A0092B-C50C-407E-A947-70E740481C1C}">
+                <a14:useLocalDpi xmlns:a14="http://schemas.microsoft.com/office/drawing/2010/main" val="0"/>
+              </a:ext>
+            </a:extLst>
+          </a:blip>
+          <a:stretch>
+            <a:fillRect/>
+          </a:stretch>
+        </p:blipFill>
+        <p:spPr>
+          <a:xfrm>
+            <a:off x="8278261" y="1578460"/>
+            <a:ext cx="426777" cy="426777"/>
+          </a:xfrm>
+          <a:prstGeom prst="rect">
+            <a:avLst/>
+          </a:prstGeom>
+        </p:spPr>
+      </p:pic>
+      <p:pic>
+        <p:nvPicPr>
+          <p:cNvPr id="226" name="pc_cliente" descr="Ícone&#10;&#10;Descrição gerada automaticamente">
+            <a:extLst>
+              <a:ext uri="{FF2B5EF4-FFF2-40B4-BE49-F238E27FC236}">
+                <a16:creationId xmlns:a16="http://schemas.microsoft.com/office/drawing/2014/main" id="{8D9172A7-DCFD-454E-966D-A64EFF128E2E}"/>
+              </a:ext>
+            </a:extLst>
+          </p:cNvPr>
+          <p:cNvPicPr>
+            <a:picLocks noChangeAspect="1"/>
+          </p:cNvPicPr>
+          <p:nvPr/>
+        </p:nvPicPr>
+        <p:blipFill>
+          <a:blip r:embed="rId12">
+            <a:extLst>
+              <a:ext uri="{28A0092B-C50C-407E-A947-70E740481C1C}">
+                <a14:useLocalDpi xmlns:a14="http://schemas.microsoft.com/office/drawing/2010/main" val="0"/>
+              </a:ext>
+            </a:extLst>
+          </a:blip>
+          <a:stretch>
+            <a:fillRect/>
+          </a:stretch>
+        </p:blipFill>
+        <p:spPr>
+          <a:xfrm>
+            <a:off x="8171569" y="429609"/>
+            <a:ext cx="640164" cy="640165"/>
+          </a:xfrm>
+          <a:prstGeom prst="rect">
+            <a:avLst/>
+          </a:prstGeom>
+        </p:spPr>
+      </p:pic>
+      <p:pic>
+        <p:nvPicPr>
+          <p:cNvPr id="230" name="servidor" descr="Uma imagem contendo Interface gráfica do usuário&#10;&#10;Descrição gerada automaticamente">
+            <a:extLst>
+              <a:ext uri="{FF2B5EF4-FFF2-40B4-BE49-F238E27FC236}">
+                <a16:creationId xmlns:a16="http://schemas.microsoft.com/office/drawing/2014/main" id="{90426419-7CCE-4786-93E0-CE58956138A4}"/>
+              </a:ext>
+            </a:extLst>
+          </p:cNvPr>
+          <p:cNvPicPr>
+            <a:picLocks noChangeAspect="1"/>
+          </p:cNvPicPr>
+          <p:nvPr/>
+        </p:nvPicPr>
+        <p:blipFill>
+          <a:blip r:embed="rId13">
+            <a:extLst>
+              <a:ext uri="{28A0092B-C50C-407E-A947-70E740481C1C}">
+                <a14:useLocalDpi xmlns:a14="http://schemas.microsoft.com/office/drawing/2010/main" val="0"/>
+              </a:ext>
+            </a:extLst>
+          </a:blip>
+          <a:stretch>
+            <a:fillRect/>
+          </a:stretch>
+        </p:blipFill>
+        <p:spPr>
+          <a:xfrm>
+            <a:off x="391669" y="3107031"/>
+            <a:ext cx="426777" cy="426777"/>
+          </a:xfrm>
+          <a:prstGeom prst="rect">
+            <a:avLst/>
+          </a:prstGeom>
+        </p:spPr>
+      </p:pic>
+      <p:pic>
+        <p:nvPicPr>
+          <p:cNvPr id="124" name="arduino" descr="Esquemático, Ícone, Código QR&#10;&#10;Descrição gerada automaticamente">
+            <a:extLst>
+              <a:ext uri="{FF2B5EF4-FFF2-40B4-BE49-F238E27FC236}">
+                <a16:creationId xmlns:a16="http://schemas.microsoft.com/office/drawing/2014/main" id="{56DB52C5-5EDE-492F-A762-45C863D66EA0}"/>
+              </a:ext>
+            </a:extLst>
+          </p:cNvPr>
+          <p:cNvPicPr>
+            <a:picLocks noChangeAspect="1"/>
+          </p:cNvPicPr>
+          <p:nvPr/>
+        </p:nvPicPr>
+        <p:blipFill>
+          <a:blip r:embed="rId14">
+            <a:extLst>
+              <a:ext uri="{28A0092B-C50C-407E-A947-70E740481C1C}">
+                <a14:useLocalDpi xmlns:a14="http://schemas.microsoft.com/office/drawing/2010/main" val="0"/>
+              </a:ext>
+            </a:extLst>
+          </a:blip>
+          <a:stretch>
+            <a:fillRect/>
+          </a:stretch>
+        </p:blipFill>
+        <p:spPr>
+          <a:xfrm>
+            <a:off x="1928524" y="4520863"/>
+            <a:ext cx="316096" cy="320082"/>
+          </a:xfrm>
+          <a:prstGeom prst="rect">
+            <a:avLst/>
+          </a:prstGeom>
+        </p:spPr>
+      </p:pic>
+      <p:pic>
+        <p:nvPicPr>
+          <p:cNvPr id="128" name="protoboard" descr="Ícone&#10;&#10;Descrição gerada automaticamente com confiança média">
+            <a:extLst>
+              <a:ext uri="{FF2B5EF4-FFF2-40B4-BE49-F238E27FC236}">
+                <a16:creationId xmlns:a16="http://schemas.microsoft.com/office/drawing/2014/main" id="{ECB0AD55-8383-481E-8FC3-BED6B4630C34}"/>
+              </a:ext>
+            </a:extLst>
+          </p:cNvPr>
+          <p:cNvPicPr>
+            <a:picLocks noChangeAspect="1"/>
+          </p:cNvPicPr>
+          <p:nvPr/>
+        </p:nvPicPr>
+        <p:blipFill>
+          <a:blip r:embed="rId15">
+            <a:extLst>
+              <a:ext uri="{28A0092B-C50C-407E-A947-70E740481C1C}">
+                <a14:useLocalDpi xmlns:a14="http://schemas.microsoft.com/office/drawing/2010/main" val="0"/>
+              </a:ext>
+            </a:extLst>
+          </a:blip>
+          <a:stretch>
+            <a:fillRect/>
+          </a:stretch>
+        </p:blipFill>
+        <p:spPr>
+          <a:xfrm>
+            <a:off x="2895600" y="4562580"/>
+            <a:ext cx="316096" cy="320082"/>
+          </a:xfrm>
+          <a:prstGeom prst="rect">
+            <a:avLst/>
+          </a:prstGeom>
+        </p:spPr>
+      </p:pic>
+      <p:pic>
+        <p:nvPicPr>
+          <p:cNvPr id="132" name="sensor" descr="Uma imagem contendo Ícone&#10;&#10;Descrição gerada automaticamente">
+            <a:extLst>
+              <a:ext uri="{FF2B5EF4-FFF2-40B4-BE49-F238E27FC236}">
+                <a16:creationId xmlns:a16="http://schemas.microsoft.com/office/drawing/2014/main" id="{AB7478B9-5944-4C4B-9AD2-ACD192C8167D}"/>
+              </a:ext>
+            </a:extLst>
+          </p:cNvPr>
+          <p:cNvPicPr>
+            <a:picLocks noChangeAspect="1"/>
+          </p:cNvPicPr>
+          <p:nvPr/>
+        </p:nvPicPr>
+        <p:blipFill>
+          <a:blip r:embed="rId16">
+            <a:extLst>
+              <a:ext uri="{28A0092B-C50C-407E-A947-70E740481C1C}">
+                <a14:useLocalDpi xmlns:a14="http://schemas.microsoft.com/office/drawing/2010/main" val="0"/>
+              </a:ext>
+            </a:extLst>
+          </a:blip>
+          <a:stretch>
+            <a:fillRect/>
+          </a:stretch>
+        </p:blipFill>
+        <p:spPr>
+          <a:xfrm>
+            <a:off x="3848624" y="4502882"/>
+            <a:ext cx="316096" cy="320082"/>
+          </a:xfrm>
+          <a:prstGeom prst="rect">
+            <a:avLst/>
+          </a:prstGeom>
+        </p:spPr>
+      </p:pic>
+      <p:pic>
+        <p:nvPicPr>
+          <p:cNvPr id="136" name="unidade" descr="Desenho de bandeira&#10;&#10;Descrição gerada automaticamente com confiança média">
+            <a:extLst>
+              <a:ext uri="{FF2B5EF4-FFF2-40B4-BE49-F238E27FC236}">
+                <a16:creationId xmlns:a16="http://schemas.microsoft.com/office/drawing/2014/main" id="{8D74D369-A42F-4A69-A02D-77D97BA5AA15}"/>
+              </a:ext>
+            </a:extLst>
+          </p:cNvPr>
+          <p:cNvPicPr>
+            <a:picLocks noChangeAspect="1"/>
+          </p:cNvPicPr>
+          <p:nvPr/>
+        </p:nvPicPr>
+        <p:blipFill>
+          <a:blip r:embed="rId17">
+            <a:extLst>
+              <a:ext uri="{28A0092B-C50C-407E-A947-70E740481C1C}">
+                <a14:useLocalDpi xmlns:a14="http://schemas.microsoft.com/office/drawing/2010/main" val="0"/>
+              </a:ext>
+            </a:extLst>
+          </a:blip>
+          <a:stretch>
+            <a:fillRect/>
+          </a:stretch>
+        </p:blipFill>
+        <p:spPr>
+          <a:xfrm>
+            <a:off x="278839" y="4430366"/>
+            <a:ext cx="640164" cy="640165"/>
+          </a:xfrm>
+          <a:prstGeom prst="rect">
+            <a:avLst/>
+          </a:prstGeom>
+        </p:spPr>
+      </p:pic>
+      <p:pic>
+        <p:nvPicPr>
+          <p:cNvPr id="137" name="roteador_omni" descr="Ícone&#10;&#10;Descrição gerada automaticamente">
+            <a:extLst>
+              <a:ext uri="{FF2B5EF4-FFF2-40B4-BE49-F238E27FC236}">
+                <a16:creationId xmlns:a16="http://schemas.microsoft.com/office/drawing/2014/main" id="{1BF8DB9A-661B-41EE-A78A-63F21A27B707}"/>
+              </a:ext>
+            </a:extLst>
+          </p:cNvPr>
+          <p:cNvPicPr>
+            <a:picLocks noChangeAspect="1"/>
+          </p:cNvPicPr>
+          <p:nvPr/>
+        </p:nvPicPr>
+        <p:blipFill>
+          <a:blip r:embed="rId18">
+            <a:extLst>
+              <a:ext uri="{28A0092B-C50C-407E-A947-70E740481C1C}">
+                <a14:useLocalDpi xmlns:a14="http://schemas.microsoft.com/office/drawing/2010/main" val="0"/>
+              </a:ext>
+            </a:extLst>
+          </a:blip>
+          <a:stretch>
+            <a:fillRect/>
+          </a:stretch>
+        </p:blipFill>
+        <p:spPr>
+          <a:xfrm>
+            <a:off x="8278260" y="2358719"/>
+            <a:ext cx="426777" cy="426777"/>
+          </a:xfrm>
+          <a:prstGeom prst="rect">
+            <a:avLst/>
+          </a:prstGeom>
+        </p:spPr>
+      </p:pic>
+      <p:pic>
+        <p:nvPicPr>
+          <p:cNvPr id="361" name="wifi_cliente" descr="Ícone&#10;&#10;Descrição gerada automaticamente">
+            <a:extLst>
+              <a:ext uri="{FF2B5EF4-FFF2-40B4-BE49-F238E27FC236}">
+                <a16:creationId xmlns:a16="http://schemas.microsoft.com/office/drawing/2014/main" id="{FBFB2CE3-B26F-4DDD-B74F-F868709FB0AE}"/>
+              </a:ext>
+            </a:extLst>
+          </p:cNvPr>
+          <p:cNvPicPr>
+            <a:picLocks noChangeAspect="1"/>
+          </p:cNvPicPr>
+          <p:nvPr/>
+        </p:nvPicPr>
+        <p:blipFill>
+          <a:blip r:embed="rId11">
+            <a:extLst>
+              <a:ext uri="{28A0092B-C50C-407E-A947-70E740481C1C}">
+                <a14:useLocalDpi xmlns:a14="http://schemas.microsoft.com/office/drawing/2010/main" val="0"/>
+              </a:ext>
+            </a:extLst>
+          </a:blip>
+          <a:stretch>
+            <a:fillRect/>
+          </a:stretch>
+        </p:blipFill>
+        <p:spPr>
+          <a:xfrm>
+            <a:off x="450752" y="3939313"/>
+            <a:ext cx="288000" cy="288000"/>
+          </a:xfrm>
+          <a:prstGeom prst="rect">
+            <a:avLst/>
+          </a:prstGeom>
+        </p:spPr>
+      </p:pic>
+      <p:cxnSp>
+        <p:nvCxnSpPr>
+          <p:cNvPr id="552" name="5">
+            <a:extLst>
+              <a:ext uri="{FF2B5EF4-FFF2-40B4-BE49-F238E27FC236}">
+                <a16:creationId xmlns:a16="http://schemas.microsoft.com/office/drawing/2014/main" id="{E9318CB9-7F2F-4D1E-A7B6-0FB9105BC06A}"/>
+              </a:ext>
+            </a:extLst>
+          </p:cNvPr>
+          <p:cNvCxnSpPr>
+            <a:cxnSpLocks/>
+          </p:cNvCxnSpPr>
+          <p:nvPr/>
+        </p:nvCxnSpPr>
+        <p:spPr>
+          <a:xfrm rot="10800000" flipV="1">
+            <a:off x="5327607" y="2576829"/>
+            <a:ext cx="1506286" cy="464092"/>
+          </a:xfrm>
+          <a:prstGeom prst="bentConnector3">
+            <a:avLst/>
+          </a:prstGeom>
+          <a:ln w="28575">
+            <a:solidFill>
+              <a:srgbClr val="F56413"/>
+            </a:solidFill>
+            <a:prstDash val="sysDot"/>
+          </a:ln>
+        </p:spPr>
+        <p:style>
+          <a:lnRef idx="1">
+            <a:schemeClr val="accent1"/>
+          </a:lnRef>
+          <a:fillRef idx="0">
+            <a:schemeClr val="accent1"/>
+          </a:fillRef>
+          <a:effectRef idx="0">
+            <a:schemeClr val="accent1"/>
+          </a:effectRef>
+          <a:fontRef idx="minor">
+            <a:schemeClr val="tx1"/>
+          </a:fontRef>
+        </p:style>
+      </p:cxnSp>
+      <p:cxnSp>
+        <p:nvCxnSpPr>
+          <p:cNvPr id="248" name="6">
+            <a:extLst>
+              <a:ext uri="{FF2B5EF4-FFF2-40B4-BE49-F238E27FC236}">
+                <a16:creationId xmlns:a16="http://schemas.microsoft.com/office/drawing/2014/main" id="{B4843F2B-2872-4F12-9048-B9283F255E47}"/>
+              </a:ext>
+            </a:extLst>
+          </p:cNvPr>
+          <p:cNvCxnSpPr>
+            <a:cxnSpLocks/>
+          </p:cNvCxnSpPr>
+          <p:nvPr/>
+        </p:nvCxnSpPr>
+        <p:spPr>
+          <a:xfrm flipH="1">
+            <a:off x="7258924" y="2574822"/>
+            <a:ext cx="1019336" cy="2007"/>
+          </a:xfrm>
+          <a:prstGeom prst="line">
+            <a:avLst/>
+          </a:prstGeom>
+          <a:ln w="28575">
+            <a:solidFill>
+              <a:srgbClr val="F56413"/>
+            </a:solidFill>
+            <a:prstDash val="sysDot"/>
+          </a:ln>
+        </p:spPr>
+        <p:style>
+          <a:lnRef idx="1">
+            <a:schemeClr val="accent1"/>
+          </a:lnRef>
+          <a:fillRef idx="0">
+            <a:schemeClr val="accent1"/>
+          </a:fillRef>
+          <a:effectRef idx="0">
+            <a:schemeClr val="accent1"/>
+          </a:effectRef>
+          <a:fontRef idx="minor">
+            <a:schemeClr val="tx1"/>
+          </a:fontRef>
+        </p:style>
+      </p:cxnSp>
+      <p:cxnSp>
+        <p:nvCxnSpPr>
+          <p:cNvPr id="110" name="7">
+            <a:extLst>
+              <a:ext uri="{FF2B5EF4-FFF2-40B4-BE49-F238E27FC236}">
+                <a16:creationId xmlns:a16="http://schemas.microsoft.com/office/drawing/2014/main" id="{7D0162C3-9969-4187-974A-90B00303406F}"/>
+              </a:ext>
+            </a:extLst>
+          </p:cNvPr>
+          <p:cNvCxnSpPr>
+            <a:cxnSpLocks/>
+          </p:cNvCxnSpPr>
+          <p:nvPr/>
+        </p:nvCxnSpPr>
+        <p:spPr>
+          <a:xfrm flipH="1">
+            <a:off x="8491649" y="2007951"/>
+            <a:ext cx="1" cy="353482"/>
+          </a:xfrm>
+          <a:prstGeom prst="line">
+            <a:avLst/>
+          </a:prstGeom>
+          <a:ln w="28575">
+            <a:solidFill>
+              <a:srgbClr val="F56413"/>
+            </a:solidFill>
+            <a:prstDash val="sysDot"/>
+          </a:ln>
+        </p:spPr>
+        <p:style>
+          <a:lnRef idx="1">
+            <a:schemeClr val="accent1"/>
+          </a:lnRef>
+          <a:fillRef idx="0">
+            <a:schemeClr val="accent1"/>
+          </a:fillRef>
+          <a:effectRef idx="0">
+            <a:schemeClr val="accent1"/>
+          </a:effectRef>
+          <a:fontRef idx="minor">
+            <a:schemeClr val="tx1"/>
+          </a:fontRef>
+        </p:style>
+      </p:cxnSp>
+      <p:cxnSp>
+        <p:nvCxnSpPr>
+          <p:cNvPr id="107" name="8">
+            <a:extLst>
+              <a:ext uri="{FF2B5EF4-FFF2-40B4-BE49-F238E27FC236}">
+                <a16:creationId xmlns:a16="http://schemas.microsoft.com/office/drawing/2014/main" id="{8152DA3F-0FBB-4212-93E1-6A24C4DD8429}"/>
+              </a:ext>
+            </a:extLst>
+          </p:cNvPr>
+          <p:cNvCxnSpPr>
+            <a:cxnSpLocks/>
+          </p:cNvCxnSpPr>
+          <p:nvPr/>
+        </p:nvCxnSpPr>
+        <p:spPr>
+          <a:xfrm rot="5400000">
+            <a:off x="8235119" y="1326832"/>
+            <a:ext cx="508686" cy="1"/>
+          </a:xfrm>
+          <a:prstGeom prst="bentConnector3">
+            <a:avLst/>
+          </a:prstGeom>
+          <a:ln w="28575">
+            <a:solidFill>
+              <a:srgbClr val="F56413"/>
+            </a:solidFill>
+            <a:prstDash val="sysDot"/>
+          </a:ln>
+        </p:spPr>
+        <p:style>
+          <a:lnRef idx="1">
+            <a:schemeClr val="accent1"/>
+          </a:lnRef>
+          <a:fillRef idx="0">
+            <a:schemeClr val="accent1"/>
+          </a:fillRef>
+          <a:effectRef idx="0">
+            <a:schemeClr val="accent1"/>
+          </a:effectRef>
+          <a:fontRef idx="minor">
+            <a:schemeClr val="tx1"/>
+          </a:fontRef>
+        </p:style>
+      </p:cxnSp>
+      <p:cxnSp>
+        <p:nvCxnSpPr>
+          <p:cNvPr id="114" name="9">
+            <a:extLst>
+              <a:ext uri="{FF2B5EF4-FFF2-40B4-BE49-F238E27FC236}">
+                <a16:creationId xmlns:a16="http://schemas.microsoft.com/office/drawing/2014/main" id="{D43DA2F8-46C2-4D3C-987F-D0D295F04A16}"/>
+              </a:ext>
+            </a:extLst>
+          </p:cNvPr>
+          <p:cNvCxnSpPr>
+            <a:cxnSpLocks/>
+          </p:cNvCxnSpPr>
+          <p:nvPr/>
+        </p:nvCxnSpPr>
+        <p:spPr>
+          <a:xfrm>
+            <a:off x="8491649" y="2788210"/>
+            <a:ext cx="0" cy="473330"/>
+          </a:xfrm>
+          <a:prstGeom prst="line">
+            <a:avLst/>
+          </a:prstGeom>
+          <a:ln w="28575">
+            <a:solidFill>
+              <a:srgbClr val="F56413"/>
+            </a:solidFill>
+            <a:prstDash val="sysDot"/>
+          </a:ln>
+        </p:spPr>
+        <p:style>
+          <a:lnRef idx="1">
+            <a:schemeClr val="accent1"/>
+          </a:lnRef>
+          <a:fillRef idx="0">
+            <a:schemeClr val="accent1"/>
+          </a:fillRef>
+          <a:effectRef idx="0">
+            <a:schemeClr val="accent1"/>
+          </a:effectRef>
+          <a:fontRef idx="minor">
+            <a:schemeClr val="tx1"/>
+          </a:fontRef>
+        </p:style>
+      </p:cxnSp>
+      <p:cxnSp>
+        <p:nvCxnSpPr>
+          <p:cNvPr id="102" name="15">
+            <a:extLst>
+              <a:ext uri="{FF2B5EF4-FFF2-40B4-BE49-F238E27FC236}">
+                <a16:creationId xmlns:a16="http://schemas.microsoft.com/office/drawing/2014/main" id="{B295D783-8D79-4A34-BED9-D47651D601E3}"/>
+              </a:ext>
+            </a:extLst>
+          </p:cNvPr>
+          <p:cNvCxnSpPr>
+            <a:cxnSpLocks/>
+            <a:stCxn id="92" idx="0"/>
+            <a:endCxn id="96" idx="2"/>
+          </p:cNvCxnSpPr>
+          <p:nvPr/>
+        </p:nvCxnSpPr>
+        <p:spPr>
+          <a:xfrm rot="16200000" flipV="1">
+            <a:off x="4539034" y="2253195"/>
+            <a:ext cx="508508" cy="2"/>
+          </a:xfrm>
+          <a:prstGeom prst="bentConnector3">
+            <a:avLst/>
+          </a:prstGeom>
+          <a:ln w="28575">
+            <a:solidFill>
+              <a:srgbClr val="13C1F7"/>
+            </a:solidFill>
+            <a:prstDash val="sysDot"/>
+          </a:ln>
+        </p:spPr>
+        <p:style>
+          <a:lnRef idx="1">
+            <a:schemeClr val="accent1"/>
+          </a:lnRef>
+          <a:fillRef idx="0">
+            <a:schemeClr val="accent1"/>
+          </a:fillRef>
+          <a:effectRef idx="0">
+            <a:schemeClr val="accent1"/>
+          </a:effectRef>
+          <a:fontRef idx="minor">
+            <a:schemeClr val="tx1"/>
+          </a:fontRef>
+        </p:style>
+      </p:cxnSp>
+      <p:cxnSp>
+        <p:nvCxnSpPr>
+          <p:cNvPr id="473" name="16">
+            <a:extLst>
+              <a:ext uri="{FF2B5EF4-FFF2-40B4-BE49-F238E27FC236}">
+                <a16:creationId xmlns:a16="http://schemas.microsoft.com/office/drawing/2014/main" id="{6A5E7C87-EF3D-45A0-A735-8D3E0209ED7A}"/>
+              </a:ext>
+            </a:extLst>
+          </p:cNvPr>
+          <p:cNvCxnSpPr>
+            <a:cxnSpLocks/>
+            <a:stCxn id="100" idx="3"/>
+            <a:endCxn id="96" idx="0"/>
+          </p:cNvCxnSpPr>
+          <p:nvPr/>
+        </p:nvCxnSpPr>
+        <p:spPr>
+          <a:xfrm>
+            <a:off x="4284903" y="652461"/>
+            <a:ext cx="508384" cy="706316"/>
+          </a:xfrm>
+          <a:prstGeom prst="line">
+            <a:avLst/>
+          </a:prstGeom>
+          <a:ln w="28575">
+            <a:solidFill>
+              <a:srgbClr val="13C1F7"/>
+            </a:solidFill>
+            <a:prstDash val="sysDot"/>
+          </a:ln>
+        </p:spPr>
+        <p:style>
+          <a:lnRef idx="1">
+            <a:schemeClr val="accent1"/>
+          </a:lnRef>
+          <a:fillRef idx="0">
+            <a:schemeClr val="accent1"/>
+          </a:fillRef>
+          <a:effectRef idx="0">
+            <a:schemeClr val="accent1"/>
+          </a:effectRef>
+          <a:fontRef idx="minor">
+            <a:schemeClr val="tx1"/>
+          </a:fontRef>
+        </p:style>
+      </p:cxnSp>
+      <p:cxnSp>
+        <p:nvCxnSpPr>
+          <p:cNvPr id="475" name="17">
+            <a:extLst>
+              <a:ext uri="{FF2B5EF4-FFF2-40B4-BE49-F238E27FC236}">
+                <a16:creationId xmlns:a16="http://schemas.microsoft.com/office/drawing/2014/main" id="{BCA0C5D1-2CD1-4274-8E88-4D1C81409A36}"/>
+              </a:ext>
+            </a:extLst>
+          </p:cNvPr>
+          <p:cNvCxnSpPr>
+            <a:cxnSpLocks/>
+            <a:stCxn id="104" idx="1"/>
+            <a:endCxn id="96" idx="0"/>
+          </p:cNvCxnSpPr>
+          <p:nvPr/>
+        </p:nvCxnSpPr>
+        <p:spPr>
+          <a:xfrm flipH="1">
+            <a:off x="4793287" y="649355"/>
+            <a:ext cx="426470" cy="709422"/>
+          </a:xfrm>
+          <a:prstGeom prst="line">
+            <a:avLst/>
+          </a:prstGeom>
+          <a:ln w="28575">
+            <a:solidFill>
+              <a:srgbClr val="13C1F7"/>
+            </a:solidFill>
+            <a:prstDash val="sysDot"/>
+          </a:ln>
+        </p:spPr>
+        <p:style>
+          <a:lnRef idx="1">
+            <a:schemeClr val="accent1"/>
+          </a:lnRef>
+          <a:fillRef idx="0">
+            <a:schemeClr val="accent1"/>
+          </a:fillRef>
+          <a:effectRef idx="0">
+            <a:schemeClr val="accent1"/>
+          </a:effectRef>
+          <a:fontRef idx="minor">
+            <a:schemeClr val="tx1"/>
+          </a:fontRef>
+        </p:style>
+      </p:cxnSp>
+      <p:cxnSp>
+        <p:nvCxnSpPr>
+          <p:cNvPr id="471" name="18">
+            <a:extLst>
+              <a:ext uri="{FF2B5EF4-FFF2-40B4-BE49-F238E27FC236}">
+                <a16:creationId xmlns:a16="http://schemas.microsoft.com/office/drawing/2014/main" id="{AB1FF230-B611-4B8F-A552-BDC44499076C}"/>
+              </a:ext>
+            </a:extLst>
+          </p:cNvPr>
+          <p:cNvCxnSpPr>
+            <a:cxnSpLocks/>
+            <a:stCxn id="100" idx="3"/>
+            <a:endCxn id="104" idx="1"/>
+          </p:cNvCxnSpPr>
+          <p:nvPr/>
+        </p:nvCxnSpPr>
+        <p:spPr>
+          <a:xfrm flipV="1">
+            <a:off x="4284903" y="649355"/>
+            <a:ext cx="934854" cy="3106"/>
+          </a:xfrm>
+          <a:prstGeom prst="line">
+            <a:avLst/>
+          </a:prstGeom>
+          <a:ln w="28575">
+            <a:solidFill>
+              <a:srgbClr val="13C1F7"/>
+            </a:solidFill>
+            <a:prstDash val="sysDot"/>
+          </a:ln>
+        </p:spPr>
+        <p:style>
+          <a:lnRef idx="1">
+            <a:schemeClr val="accent1"/>
+          </a:lnRef>
+          <a:fillRef idx="0">
+            <a:schemeClr val="accent1"/>
+          </a:fillRef>
+          <a:effectRef idx="0">
+            <a:schemeClr val="accent1"/>
+          </a:effectRef>
+          <a:fontRef idx="minor">
+            <a:schemeClr val="tx1"/>
+          </a:fontRef>
+        </p:style>
+      </p:cxnSp>
+      <p:cxnSp>
+        <p:nvCxnSpPr>
+          <p:cNvPr id="463" name="19">
+            <a:extLst>
+              <a:ext uri="{FF2B5EF4-FFF2-40B4-BE49-F238E27FC236}">
+                <a16:creationId xmlns:a16="http://schemas.microsoft.com/office/drawing/2014/main" id="{472166DA-AD18-4004-B03E-EAF65B1406CC}"/>
+              </a:ext>
+            </a:extLst>
+          </p:cNvPr>
+          <p:cNvCxnSpPr>
+            <a:cxnSpLocks/>
+            <a:stCxn id="112" idx="3"/>
+            <a:endCxn id="100" idx="1"/>
+          </p:cNvCxnSpPr>
+          <p:nvPr/>
+        </p:nvCxnSpPr>
+        <p:spPr>
+          <a:xfrm>
+            <a:off x="3380887" y="189268"/>
+            <a:ext cx="477239" cy="463193"/>
+          </a:xfrm>
+          <a:prstGeom prst="line">
+            <a:avLst/>
+          </a:prstGeom>
+          <a:ln w="28575">
+            <a:solidFill>
+              <a:srgbClr val="13C1F7"/>
+            </a:solidFill>
+            <a:prstDash val="sysDot"/>
+          </a:ln>
+        </p:spPr>
+        <p:style>
+          <a:lnRef idx="1">
+            <a:schemeClr val="accent1"/>
+          </a:lnRef>
+          <a:fillRef idx="0">
+            <a:schemeClr val="accent1"/>
+          </a:fillRef>
+          <a:effectRef idx="0">
+            <a:schemeClr val="accent1"/>
+          </a:effectRef>
+          <a:fontRef idx="minor">
+            <a:schemeClr val="tx1"/>
+          </a:fontRef>
+        </p:style>
+      </p:cxnSp>
+      <p:cxnSp>
+        <p:nvCxnSpPr>
+          <p:cNvPr id="465" name="20">
+            <a:extLst>
+              <a:ext uri="{FF2B5EF4-FFF2-40B4-BE49-F238E27FC236}">
+                <a16:creationId xmlns:a16="http://schemas.microsoft.com/office/drawing/2014/main" id="{94021463-426D-4E83-8AE7-21E582AA2449}"/>
+              </a:ext>
+            </a:extLst>
+          </p:cNvPr>
+          <p:cNvCxnSpPr>
+            <a:cxnSpLocks/>
+            <a:stCxn id="108" idx="3"/>
+            <a:endCxn id="100" idx="1"/>
+          </p:cNvCxnSpPr>
+          <p:nvPr/>
+        </p:nvCxnSpPr>
+        <p:spPr>
+          <a:xfrm flipV="1">
+            <a:off x="3381118" y="652461"/>
+            <a:ext cx="477008" cy="64"/>
+          </a:xfrm>
+          <a:prstGeom prst="line">
+            <a:avLst/>
+          </a:prstGeom>
+          <a:ln w="28575">
+            <a:solidFill>
+              <a:srgbClr val="13C1F7"/>
+            </a:solidFill>
+            <a:prstDash val="sysDot"/>
+          </a:ln>
+        </p:spPr>
+        <p:style>
+          <a:lnRef idx="1">
+            <a:schemeClr val="accent1"/>
+          </a:lnRef>
+          <a:fillRef idx="0">
+            <a:schemeClr val="accent1"/>
+          </a:fillRef>
+          <a:effectRef idx="0">
+            <a:schemeClr val="accent1"/>
+          </a:effectRef>
+          <a:fontRef idx="minor">
+            <a:schemeClr val="tx1"/>
+          </a:fontRef>
+        </p:style>
+      </p:cxnSp>
+      <p:cxnSp>
+        <p:nvCxnSpPr>
+          <p:cNvPr id="467" name="21">
+            <a:extLst>
+              <a:ext uri="{FF2B5EF4-FFF2-40B4-BE49-F238E27FC236}">
+                <a16:creationId xmlns:a16="http://schemas.microsoft.com/office/drawing/2014/main" id="{55DCA934-CBD5-4BCE-9A1D-731A5EB143EF}"/>
+              </a:ext>
+            </a:extLst>
+          </p:cNvPr>
+          <p:cNvCxnSpPr>
+            <a:cxnSpLocks/>
+            <a:stCxn id="116" idx="3"/>
+            <a:endCxn id="100" idx="1"/>
+          </p:cNvCxnSpPr>
+          <p:nvPr/>
+        </p:nvCxnSpPr>
+        <p:spPr>
+          <a:xfrm flipV="1">
+            <a:off x="3373952" y="652461"/>
+            <a:ext cx="484174" cy="483067"/>
+          </a:xfrm>
+          <a:prstGeom prst="line">
+            <a:avLst/>
+          </a:prstGeom>
+          <a:ln w="28575">
+            <a:solidFill>
+              <a:srgbClr val="13C1F7"/>
+            </a:solidFill>
+            <a:prstDash val="sysDot"/>
+          </a:ln>
+        </p:spPr>
+        <p:style>
+          <a:lnRef idx="1">
+            <a:schemeClr val="accent1"/>
+          </a:lnRef>
+          <a:fillRef idx="0">
+            <a:schemeClr val="accent1"/>
+          </a:fillRef>
+          <a:effectRef idx="0">
+            <a:schemeClr val="accent1"/>
+          </a:effectRef>
+          <a:fontRef idx="minor">
+            <a:schemeClr val="tx1"/>
+          </a:fontRef>
+        </p:style>
+      </p:cxnSp>
+      <p:pic>
+        <p:nvPicPr>
+          <p:cNvPr id="97" name="roteador_omni" descr="Ícone&#10;&#10;Descrição gerada automaticamente">
+            <a:extLst>
+              <a:ext uri="{FF2B5EF4-FFF2-40B4-BE49-F238E27FC236}">
+                <a16:creationId xmlns:a16="http://schemas.microsoft.com/office/drawing/2014/main" id="{8E4D95BC-FA09-4EB4-BA6D-8E10D832437A}"/>
+              </a:ext>
+            </a:extLst>
+          </p:cNvPr>
+          <p:cNvPicPr>
+            <a:picLocks noChangeAspect="1"/>
+          </p:cNvPicPr>
+          <p:nvPr/>
+        </p:nvPicPr>
+        <p:blipFill>
+          <a:blip r:embed="rId18">
+            <a:extLst>
+              <a:ext uri="{28A0092B-C50C-407E-A947-70E740481C1C}">
+                <a14:useLocalDpi xmlns:a14="http://schemas.microsoft.com/office/drawing/2010/main" val="0"/>
+              </a:ext>
+            </a:extLst>
+          </a:blip>
+          <a:stretch>
+            <a:fillRect/>
+          </a:stretch>
+        </p:blipFill>
+        <p:spPr>
+          <a:xfrm>
+            <a:off x="562306" y="2220163"/>
+            <a:ext cx="426777" cy="426777"/>
+          </a:xfrm>
+          <a:prstGeom prst="rect">
+            <a:avLst/>
+          </a:prstGeom>
+        </p:spPr>
+      </p:pic>
+      <p:pic>
+        <p:nvPicPr>
+          <p:cNvPr id="98" name="firewall2" descr="Logotipo&#10;&#10;Descrição gerada automaticamente com confiança média">
+            <a:extLst>
+              <a:ext uri="{FF2B5EF4-FFF2-40B4-BE49-F238E27FC236}">
+                <a16:creationId xmlns:a16="http://schemas.microsoft.com/office/drawing/2014/main" id="{A35D7E72-2B20-4809-A4A0-D0BEA6A81605}"/>
+              </a:ext>
+            </a:extLst>
+          </p:cNvPr>
+          <p:cNvPicPr>
+            <a:picLocks noChangeAspect="1"/>
+          </p:cNvPicPr>
+          <p:nvPr/>
+        </p:nvPicPr>
+        <p:blipFill>
+          <a:blip r:embed="rId10">
+            <a:extLst>
+              <a:ext uri="{28A0092B-C50C-407E-A947-70E740481C1C}">
+                <a14:useLocalDpi xmlns:a14="http://schemas.microsoft.com/office/drawing/2010/main" val="0"/>
+              </a:ext>
+            </a:extLst>
+          </a:blip>
+          <a:stretch>
+            <a:fillRect/>
+          </a:stretch>
+        </p:blipFill>
+        <p:spPr>
+          <a:xfrm>
+            <a:off x="2498910" y="2359591"/>
+            <a:ext cx="425031" cy="425031"/>
+          </a:xfrm>
+          <a:prstGeom prst="rect">
+            <a:avLst/>
+          </a:prstGeom>
+        </p:spPr>
+      </p:pic>
     </p:spTree>
     <p:extLst>
       <p:ext uri="{BB962C8B-B14F-4D97-AF65-F5344CB8AC3E}">

--- a/DOCs de T.I/Diagrama_de_Solucao/Presentation.pptx
+++ b/DOCs de T.I/Diagrama_de_Solucao/Presentation.pptx
@@ -243,7 +243,7 @@
           <a:p>
             <a:fld id="{2FC3D184-0F2B-4D9D-BDB9-3409F15C70D5}" type="datetimeFigureOut">
               <a:rPr lang="pt-BR" smtClean="0"/>
-              <a:t>13/04/2022</a:t>
+              <a:t>15/04/2022</a:t>
             </a:fld>
             <a:endParaRPr lang="pt-BR"/>
           </a:p>
@@ -413,7 +413,7 @@
           <a:p>
             <a:fld id="{2FC3D184-0F2B-4D9D-BDB9-3409F15C70D5}" type="datetimeFigureOut">
               <a:rPr lang="pt-BR" smtClean="0"/>
-              <a:t>13/04/2022</a:t>
+              <a:t>15/04/2022</a:t>
             </a:fld>
             <a:endParaRPr lang="pt-BR"/>
           </a:p>
@@ -593,7 +593,7 @@
           <a:p>
             <a:fld id="{2FC3D184-0F2B-4D9D-BDB9-3409F15C70D5}" type="datetimeFigureOut">
               <a:rPr lang="pt-BR" smtClean="0"/>
-              <a:t>13/04/2022</a:t>
+              <a:t>15/04/2022</a:t>
             </a:fld>
             <a:endParaRPr lang="pt-BR"/>
           </a:p>
@@ -763,7 +763,7 @@
           <a:p>
             <a:fld id="{2FC3D184-0F2B-4D9D-BDB9-3409F15C70D5}" type="datetimeFigureOut">
               <a:rPr lang="pt-BR" smtClean="0"/>
-              <a:t>13/04/2022</a:t>
+              <a:t>15/04/2022</a:t>
             </a:fld>
             <a:endParaRPr lang="pt-BR"/>
           </a:p>
@@ -1009,7 +1009,7 @@
           <a:p>
             <a:fld id="{2FC3D184-0F2B-4D9D-BDB9-3409F15C70D5}" type="datetimeFigureOut">
               <a:rPr lang="pt-BR" smtClean="0"/>
-              <a:t>13/04/2022</a:t>
+              <a:t>15/04/2022</a:t>
             </a:fld>
             <a:endParaRPr lang="pt-BR"/>
           </a:p>
@@ -1241,7 +1241,7 @@
           <a:p>
             <a:fld id="{2FC3D184-0F2B-4D9D-BDB9-3409F15C70D5}" type="datetimeFigureOut">
               <a:rPr lang="pt-BR" smtClean="0"/>
-              <a:t>13/04/2022</a:t>
+              <a:t>15/04/2022</a:t>
             </a:fld>
             <a:endParaRPr lang="pt-BR"/>
           </a:p>
@@ -1608,7 +1608,7 @@
           <a:p>
             <a:fld id="{2FC3D184-0F2B-4D9D-BDB9-3409F15C70D5}" type="datetimeFigureOut">
               <a:rPr lang="pt-BR" smtClean="0"/>
-              <a:t>13/04/2022</a:t>
+              <a:t>15/04/2022</a:t>
             </a:fld>
             <a:endParaRPr lang="pt-BR"/>
           </a:p>
@@ -1726,7 +1726,7 @@
           <a:p>
             <a:fld id="{2FC3D184-0F2B-4D9D-BDB9-3409F15C70D5}" type="datetimeFigureOut">
               <a:rPr lang="pt-BR" smtClean="0"/>
-              <a:t>13/04/2022</a:t>
+              <a:t>15/04/2022</a:t>
             </a:fld>
             <a:endParaRPr lang="pt-BR"/>
           </a:p>
@@ -1821,7 +1821,7 @@
           <a:p>
             <a:fld id="{2FC3D184-0F2B-4D9D-BDB9-3409F15C70D5}" type="datetimeFigureOut">
               <a:rPr lang="pt-BR" smtClean="0"/>
-              <a:t>13/04/2022</a:t>
+              <a:t>15/04/2022</a:t>
             </a:fld>
             <a:endParaRPr lang="pt-BR"/>
           </a:p>
@@ -2098,7 +2098,7 @@
           <a:p>
             <a:fld id="{2FC3D184-0F2B-4D9D-BDB9-3409F15C70D5}" type="datetimeFigureOut">
               <a:rPr lang="pt-BR" smtClean="0"/>
-              <a:t>13/04/2022</a:t>
+              <a:t>15/04/2022</a:t>
             </a:fld>
             <a:endParaRPr lang="pt-BR"/>
           </a:p>
@@ -2355,7 +2355,7 @@
           <a:p>
             <a:fld id="{2FC3D184-0F2B-4D9D-BDB9-3409F15C70D5}" type="datetimeFigureOut">
               <a:rPr lang="pt-BR" smtClean="0"/>
-              <a:t>13/04/2022</a:t>
+              <a:t>15/04/2022</a:t>
             </a:fld>
             <a:endParaRPr lang="pt-BR"/>
           </a:p>
@@ -2568,7 +2568,7 @@
           <a:p>
             <a:fld id="{2FC3D184-0F2B-4D9D-BDB9-3409F15C70D5}" type="datetimeFigureOut">
               <a:rPr lang="pt-BR" smtClean="0"/>
-              <a:t>13/04/2022</a:t>
+              <a:t>15/04/2022</a:t>
             </a:fld>
             <a:endParaRPr lang="pt-BR"/>
           </a:p>
@@ -3024,163 +3024,73 @@
           </a:p>
         </p:txBody>
       </p:sp>
-      <p:grpSp>
-        <p:nvGrpSpPr>
-          <p:cNvPr id="659" name="legenda">
+      <p:sp>
+        <p:nvSpPr>
+          <p:cNvPr id="658" name="nuvem">
             <a:extLst>
               <a:ext uri="{FF2B5EF4-FFF2-40B4-BE49-F238E27FC236}">
-                <a16:creationId xmlns:a16="http://schemas.microsoft.com/office/drawing/2014/main" id="{1161E2D4-EABB-472B-8E9E-07B54790FC32}"/>
+                <a16:creationId xmlns:a16="http://schemas.microsoft.com/office/drawing/2014/main" id="{882F54C8-6758-4C3C-AF65-6CE9D77F260D}"/>
               </a:ext>
             </a:extLst>
           </p:cNvPr>
-          <p:cNvGrpSpPr>
-            <a:grpSpLocks noGrp="1" noUngrp="1" noRot="1" noMove="1" noResize="1"/>
-          </p:cNvGrpSpPr>
+          <p:cNvSpPr>
+            <a:spLocks noGrp="1" noRot="1" noMove="1" noResize="1" noEditPoints="1" noAdjustHandles="1" noChangeArrowheads="1" noChangeShapeType="1"/>
+          </p:cNvSpPr>
           <p:nvPr/>
-        </p:nvGrpSpPr>
-        <p:grpSpPr>
+        </p:nvSpPr>
+        <p:spPr>
           <a:xfrm>
             <a:off x="4016257" y="-253711"/>
-            <a:ext cx="5584944" cy="5922808"/>
-            <a:chOff x="4016257" y="-253711"/>
-            <a:chExt cx="5584944" cy="5922808"/>
+            <a:ext cx="1520456" cy="520374"/>
           </a:xfrm>
-        </p:grpSpPr>
-        <p:sp>
-          <p:nvSpPr>
-            <p:cNvPr id="657" name="cliente">
-              <a:extLst>
-                <a:ext uri="{FF2B5EF4-FFF2-40B4-BE49-F238E27FC236}">
-                  <a16:creationId xmlns:a16="http://schemas.microsoft.com/office/drawing/2014/main" id="{468B58FE-C63E-42CF-9940-889624C8B670}"/>
-                </a:ext>
-              </a:extLst>
-            </p:cNvPr>
-            <p:cNvSpPr>
-              <a:spLocks noGrp="1" noRot="1" noMove="1" noResize="1" noEditPoints="1" noAdjustHandles="1" noChangeArrowheads="1" noChangeShapeType="1"/>
-            </p:cNvSpPr>
-            <p:nvPr/>
-          </p:nvSpPr>
-          <p:spPr>
-            <a:xfrm>
-              <a:off x="8080745" y="5148723"/>
-              <a:ext cx="1520456" cy="520374"/>
-            </a:xfrm>
-            <a:prstGeom prst="roundRect">
-              <a:avLst/>
-            </a:prstGeom>
-            <a:solidFill>
-              <a:srgbClr val="F56413">
-                <a:alpha val="45098"/>
-              </a:srgbClr>
-            </a:solidFill>
-            <a:ln>
-              <a:noFill/>
-            </a:ln>
-          </p:spPr>
-          <p:style>
-            <a:lnRef idx="2">
-              <a:schemeClr val="accent1">
-                <a:shade val="50000"/>
-              </a:schemeClr>
-            </a:lnRef>
-            <a:fillRef idx="1">
-              <a:schemeClr val="accent1"/>
-            </a:fillRef>
-            <a:effectRef idx="0">
-              <a:schemeClr val="accent1"/>
-            </a:effectRef>
-            <a:fontRef idx="minor">
-              <a:schemeClr val="lt1"/>
-            </a:fontRef>
-          </p:style>
-          <p:txBody>
-            <a:bodyPr rtlCol="0" anchor="ctr"/>
-            <a:lstStyle/>
-            <a:p>
-              <a:pPr algn="ctr"/>
-              <a:r>
-                <a:rPr lang="pt-BR" dirty="0">
-                  <a:latin typeface="Quicksand" panose="00000500000000000000" pitchFamily="2" charset="0"/>
-                </a:rPr>
-                <a:t>CLIENTE</a:t>
-              </a:r>
-            </a:p>
-            <a:p>
-              <a:pPr algn="ctr"/>
-              <a:endParaRPr lang="pt-BR" dirty="0">
+          <a:prstGeom prst="roundRect">
+            <a:avLst/>
+          </a:prstGeom>
+          <a:solidFill>
+            <a:srgbClr val="13C1F7">
+              <a:alpha val="45098"/>
+            </a:srgbClr>
+          </a:solidFill>
+          <a:ln>
+            <a:noFill/>
+          </a:ln>
+        </p:spPr>
+        <p:style>
+          <a:lnRef idx="2">
+            <a:schemeClr val="accent1">
+              <a:shade val="50000"/>
+            </a:schemeClr>
+          </a:lnRef>
+          <a:fillRef idx="1">
+            <a:schemeClr val="accent1"/>
+          </a:fillRef>
+          <a:effectRef idx="0">
+            <a:schemeClr val="accent1"/>
+          </a:effectRef>
+          <a:fontRef idx="minor">
+            <a:schemeClr val="lt1"/>
+          </a:fontRef>
+        </p:style>
+        <p:txBody>
+          <a:bodyPr rtlCol="0" anchor="ctr"/>
+          <a:lstStyle/>
+          <a:p>
+            <a:pPr algn="ctr"/>
+            <a:endParaRPr lang="pt-BR" dirty="0">
+              <a:latin typeface="Quicksand" panose="00000500000000000000" pitchFamily="2" charset="0"/>
+            </a:endParaRPr>
+          </a:p>
+          <a:p>
+            <a:pPr algn="ctr"/>
+            <a:r>
+              <a:rPr lang="pt-BR" dirty="0">
                 <a:latin typeface="Quicksand" panose="00000500000000000000" pitchFamily="2" charset="0"/>
-              </a:endParaRPr>
-            </a:p>
-          </p:txBody>
-        </p:sp>
-        <p:sp>
-          <p:nvSpPr>
-            <p:cNvPr id="658" name="nuvem">
-              <a:extLst>
-                <a:ext uri="{FF2B5EF4-FFF2-40B4-BE49-F238E27FC236}">
-                  <a16:creationId xmlns:a16="http://schemas.microsoft.com/office/drawing/2014/main" id="{882F54C8-6758-4C3C-AF65-6CE9D77F260D}"/>
-                </a:ext>
-              </a:extLst>
-            </p:cNvPr>
-            <p:cNvSpPr>
-              <a:spLocks noGrp="1" noRot="1" noMove="1" noResize="1" noEditPoints="1" noAdjustHandles="1" noChangeArrowheads="1" noChangeShapeType="1"/>
-            </p:cNvSpPr>
-            <p:nvPr/>
-          </p:nvSpPr>
-          <p:spPr>
-            <a:xfrm>
-              <a:off x="4016257" y="-253711"/>
-              <a:ext cx="1520456" cy="520374"/>
-            </a:xfrm>
-            <a:prstGeom prst="roundRect">
-              <a:avLst/>
-            </a:prstGeom>
-            <a:solidFill>
-              <a:srgbClr val="13C1F7">
-                <a:alpha val="45098"/>
-              </a:srgbClr>
-            </a:solidFill>
-            <a:ln>
-              <a:noFill/>
-            </a:ln>
-          </p:spPr>
-          <p:style>
-            <a:lnRef idx="2">
-              <a:schemeClr val="accent1">
-                <a:shade val="50000"/>
-              </a:schemeClr>
-            </a:lnRef>
-            <a:fillRef idx="1">
-              <a:schemeClr val="accent1"/>
-            </a:fillRef>
-            <a:effectRef idx="0">
-              <a:schemeClr val="accent1"/>
-            </a:effectRef>
-            <a:fontRef idx="minor">
-              <a:schemeClr val="lt1"/>
-            </a:fontRef>
-          </p:style>
-          <p:txBody>
-            <a:bodyPr rtlCol="0" anchor="ctr"/>
-            <a:lstStyle/>
-            <a:p>
-              <a:pPr algn="ctr"/>
-              <a:endParaRPr lang="pt-BR" dirty="0">
-                <a:latin typeface="Quicksand" panose="00000500000000000000" pitchFamily="2" charset="0"/>
-              </a:endParaRPr>
-            </a:p>
-            <a:p>
-              <a:pPr algn="ctr"/>
-              <a:r>
-                <a:rPr lang="pt-BR" dirty="0">
-                  <a:latin typeface="Quicksand" panose="00000500000000000000" pitchFamily="2" charset="0"/>
-                </a:rPr>
-                <a:t>NUVEM</a:t>
-              </a:r>
-            </a:p>
-          </p:txBody>
-        </p:sp>
-      </p:grpSp>
+              </a:rPr>
+              <a:t>NUVEM</a:t>
+            </a:r>
+          </a:p>
+        </p:txBody>
+      </p:sp>
       <p:sp>
         <p:nvSpPr>
           <p:cNvPr id="324" name="title">
@@ -3298,1695 +3208,1661 @@
           </a:p>
         </p:txBody>
       </p:sp>
-      <p:sp>
-        <p:nvSpPr>
-          <p:cNvPr id="317" name="info-text1">
+      <p:grpSp>
+        <p:nvGrpSpPr>
+          <p:cNvPr id="560" name="txts">
             <a:extLst>
               <a:ext uri="{FF2B5EF4-FFF2-40B4-BE49-F238E27FC236}">
-                <a16:creationId xmlns:a16="http://schemas.microsoft.com/office/drawing/2014/main" id="{B4226DF4-3AE2-4992-8A26-894CAC58EBA1}"/>
+                <a16:creationId xmlns:a16="http://schemas.microsoft.com/office/drawing/2014/main" id="{2B3182C8-9A71-407A-9930-89D8C3BFD923}"/>
               </a:ext>
             </a:extLst>
           </p:cNvPr>
-          <p:cNvSpPr txBox="1">
-            <a:spLocks/>
-          </p:cNvSpPr>
+          <p:cNvGrpSpPr>
+            <a:grpSpLocks noGrp="1" noUngrp="1" noRot="1" noMove="1" noResize="1"/>
+          </p:cNvGrpSpPr>
           <p:nvPr/>
-        </p:nvSpPr>
-        <p:spPr>
+        </p:nvGrpSpPr>
+        <p:grpSpPr>
           <a:xfrm>
-            <a:off x="6981292" y="234694"/>
-            <a:ext cx="1574599" cy="529889"/>
+            <a:off x="300842" y="330144"/>
+            <a:ext cx="8999516" cy="4919719"/>
+            <a:chOff x="300842" y="330144"/>
+            <a:chExt cx="8999516" cy="4919719"/>
           </a:xfrm>
-          <a:prstGeom prst="rect">
-            <a:avLst/>
-          </a:prstGeom>
-          <a:noFill/>
-          <a:ln w="19050">
-            <a:solidFill>
-              <a:srgbClr val="F56413"/>
-            </a:solidFill>
-          </a:ln>
-        </p:spPr>
-        <p:txBody>
-          <a:bodyPr wrap="square" rtlCol="0">
-            <a:spAutoFit/>
-          </a:bodyPr>
-          <a:lstStyle/>
-          <a:p>
-            <a:pPr marL="101630" indent="-101630">
-              <a:buFont typeface="Arial" panose="020B0604020202020204" pitchFamily="34" charset="0"/>
-              <a:buChar char="•"/>
-            </a:pPr>
-            <a:r>
-              <a:rPr lang="pt-BR" sz="711" b="1" dirty="0">
-                <a:solidFill>
-                  <a:srgbClr val="F56413"/>
-                </a:solidFill>
-                <a:latin typeface="Quicksand" panose="00000500000000000000" pitchFamily="2" charset="0"/>
-              </a:rPr>
-              <a:t>INTEL CORE I5–2400 @2.1GHz</a:t>
-            </a:r>
-          </a:p>
-          <a:p>
-            <a:pPr marL="101630" indent="-101630">
-              <a:buFont typeface="Arial" panose="020B0604020202020204" pitchFamily="34" charset="0"/>
-              <a:buChar char="•"/>
-            </a:pPr>
-            <a:r>
-              <a:rPr lang="pt-BR" sz="711" b="1" dirty="0">
-                <a:solidFill>
-                  <a:srgbClr val="F56413"/>
-                </a:solidFill>
-                <a:latin typeface="Quicksand" panose="00000500000000000000" pitchFamily="2" charset="0"/>
-              </a:rPr>
-              <a:t>8GB RAM</a:t>
-            </a:r>
-          </a:p>
-          <a:p>
-            <a:pPr marL="101630" indent="-101630">
-              <a:buFont typeface="Arial" panose="020B0604020202020204" pitchFamily="34" charset="0"/>
-              <a:buChar char="•"/>
-            </a:pPr>
-            <a:r>
-              <a:rPr lang="pt-BR" sz="711" b="1" dirty="0">
-                <a:solidFill>
-                  <a:srgbClr val="F56413"/>
-                </a:solidFill>
-                <a:latin typeface="Quicksand" panose="00000500000000000000" pitchFamily="2" charset="0"/>
-              </a:rPr>
-              <a:t>SSD/HD 120GB</a:t>
-            </a:r>
-          </a:p>
-          <a:p>
-            <a:pPr marL="101630" indent="-101630">
-              <a:buFont typeface="Arial" panose="020B0604020202020204" pitchFamily="34" charset="0"/>
-              <a:buChar char="•"/>
-            </a:pPr>
-            <a:r>
-              <a:rPr lang="pt-BR" sz="711" b="1" dirty="0">
-                <a:solidFill>
-                  <a:srgbClr val="F56413"/>
-                </a:solidFill>
-                <a:latin typeface="Quicksand" panose="00000500000000000000" pitchFamily="2" charset="0"/>
-              </a:rPr>
-              <a:t>WINDOWS 10</a:t>
-            </a:r>
-          </a:p>
-        </p:txBody>
-      </p:sp>
-      <p:sp>
-        <p:nvSpPr>
-          <p:cNvPr id="315" name="info-text2">
+        </p:grpSpPr>
+        <p:sp>
+          <p:nvSpPr>
+            <p:cNvPr id="317" name="info-text1">
+              <a:extLst>
+                <a:ext uri="{FF2B5EF4-FFF2-40B4-BE49-F238E27FC236}">
+                  <a16:creationId xmlns:a16="http://schemas.microsoft.com/office/drawing/2014/main" id="{B4226DF4-3AE2-4992-8A26-894CAC58EBA1}"/>
+                </a:ext>
+              </a:extLst>
+            </p:cNvPr>
+            <p:cNvSpPr txBox="1">
+              <a:spLocks noGrp="1" noRot="1" noMove="1" noResize="1" noEditPoints="1" noAdjustHandles="1" noChangeArrowheads="1" noChangeShapeType="1"/>
+            </p:cNvSpPr>
+            <p:nvPr/>
+          </p:nvSpPr>
+          <p:spPr>
+            <a:xfrm>
+              <a:off x="7323986" y="4421565"/>
+              <a:ext cx="1574599" cy="529889"/>
+            </a:xfrm>
+            <a:prstGeom prst="rect">
+              <a:avLst/>
+            </a:prstGeom>
+            <a:noFill/>
+            <a:ln w="19050">
+              <a:solidFill>
+                <a:srgbClr val="7030A0"/>
+              </a:solidFill>
+            </a:ln>
+          </p:spPr>
+          <p:txBody>
+            <a:bodyPr wrap="square" rtlCol="0">
+              <a:spAutoFit/>
+            </a:bodyPr>
+            <a:lstStyle/>
+            <a:p>
+              <a:pPr marL="101630" indent="-101630">
+                <a:buFont typeface="Arial" panose="020B0604020202020204" pitchFamily="34" charset="0"/>
+                <a:buChar char="•"/>
+              </a:pPr>
+              <a:r>
+                <a:rPr lang="pt-BR" sz="711" b="1" dirty="0">
+                  <a:solidFill>
+                    <a:srgbClr val="7030A0"/>
+                  </a:solidFill>
+                  <a:latin typeface="Quicksand" panose="00000500000000000000" pitchFamily="2" charset="0"/>
+                </a:rPr>
+                <a:t>INTEL CORE I5–2400 @2.1GHz</a:t>
+              </a:r>
+            </a:p>
+            <a:p>
+              <a:pPr marL="101630" indent="-101630">
+                <a:buFont typeface="Arial" panose="020B0604020202020204" pitchFamily="34" charset="0"/>
+                <a:buChar char="•"/>
+              </a:pPr>
+              <a:r>
+                <a:rPr lang="pt-BR" sz="711" b="1" dirty="0">
+                  <a:solidFill>
+                    <a:srgbClr val="7030A0"/>
+                  </a:solidFill>
+                  <a:latin typeface="Quicksand" panose="00000500000000000000" pitchFamily="2" charset="0"/>
+                </a:rPr>
+                <a:t>8GB RAM</a:t>
+              </a:r>
+            </a:p>
+            <a:p>
+              <a:pPr marL="101630" indent="-101630">
+                <a:buFont typeface="Arial" panose="020B0604020202020204" pitchFamily="34" charset="0"/>
+                <a:buChar char="•"/>
+              </a:pPr>
+              <a:r>
+                <a:rPr lang="pt-BR" sz="711" b="1" dirty="0">
+                  <a:solidFill>
+                    <a:srgbClr val="7030A0"/>
+                  </a:solidFill>
+                  <a:latin typeface="Quicksand" panose="00000500000000000000" pitchFamily="2" charset="0"/>
+                </a:rPr>
+                <a:t>SSD/HD 120GB</a:t>
+              </a:r>
+            </a:p>
+            <a:p>
+              <a:pPr marL="101630" indent="-101630">
+                <a:buFont typeface="Arial" panose="020B0604020202020204" pitchFamily="34" charset="0"/>
+                <a:buChar char="•"/>
+              </a:pPr>
+              <a:r>
+                <a:rPr lang="pt-BR" sz="711" b="1" dirty="0">
+                  <a:solidFill>
+                    <a:srgbClr val="7030A0"/>
+                  </a:solidFill>
+                  <a:latin typeface="Quicksand" panose="00000500000000000000" pitchFamily="2" charset="0"/>
+                </a:rPr>
+                <a:t>WINDOWS 10</a:t>
+              </a:r>
+            </a:p>
+          </p:txBody>
+        </p:sp>
+        <p:sp>
+          <p:nvSpPr>
+            <p:cNvPr id="315" name="info-text2">
+              <a:extLst>
+                <a:ext uri="{FF2B5EF4-FFF2-40B4-BE49-F238E27FC236}">
+                  <a16:creationId xmlns:a16="http://schemas.microsoft.com/office/drawing/2014/main" id="{B8F41526-869A-4CD4-B94C-8F850FE212AF}"/>
+                </a:ext>
+              </a:extLst>
+            </p:cNvPr>
+            <p:cNvSpPr txBox="1">
+              <a:spLocks noGrp="1" noRot="1" noMove="1" noResize="1" noEditPoints="1" noAdjustHandles="1" noChangeArrowheads="1" noChangeShapeType="1"/>
+            </p:cNvSpPr>
+            <p:nvPr/>
+          </p:nvSpPr>
+          <p:spPr>
+            <a:xfrm>
+              <a:off x="5505203" y="375346"/>
+              <a:ext cx="1190884" cy="311111"/>
+            </a:xfrm>
+            <a:prstGeom prst="rect">
+              <a:avLst/>
+            </a:prstGeom>
+            <a:noFill/>
+            <a:ln w="19050">
+              <a:solidFill>
+                <a:srgbClr val="13C1F7"/>
+              </a:solidFill>
+            </a:ln>
+          </p:spPr>
+          <p:txBody>
+            <a:bodyPr wrap="square" rtlCol="0">
+              <a:spAutoFit/>
+            </a:bodyPr>
+            <a:lstStyle/>
+            <a:p>
+              <a:pPr algn="ctr"/>
+              <a:r>
+                <a:rPr lang="pt-BR" sz="711" b="1" dirty="0">
+                  <a:solidFill>
+                    <a:srgbClr val="13C1F7"/>
+                  </a:solidFill>
+                  <a:latin typeface="Quicksand" panose="00000500000000000000" pitchFamily="2" charset="0"/>
+                </a:rPr>
+                <a:t>Banco de Dados</a:t>
+              </a:r>
+            </a:p>
+            <a:p>
+              <a:pPr algn="ctr"/>
+              <a:r>
+                <a:rPr lang="pt-BR" sz="711" b="1" dirty="0">
+                  <a:solidFill>
+                    <a:srgbClr val="13C1F7"/>
+                  </a:solidFill>
+                  <a:latin typeface="Quicksand" panose="00000500000000000000" pitchFamily="2" charset="0"/>
+                </a:rPr>
+                <a:t>Microsoft MYSQL Server</a:t>
+              </a:r>
+            </a:p>
+          </p:txBody>
+        </p:sp>
+        <p:sp>
+          <p:nvSpPr>
+            <p:cNvPr id="318" name="info-text3">
+              <a:extLst>
+                <a:ext uri="{FF2B5EF4-FFF2-40B4-BE49-F238E27FC236}">
+                  <a16:creationId xmlns:a16="http://schemas.microsoft.com/office/drawing/2014/main" id="{E68EE20D-7296-4145-A5CE-51F6D7337A07}"/>
+                </a:ext>
+              </a:extLst>
+            </p:cNvPr>
+            <p:cNvSpPr txBox="1">
+              <a:spLocks noGrp="1" noRot="1" noMove="1" noResize="1" noEditPoints="1" noAdjustHandles="1" noChangeArrowheads="1" noChangeShapeType="1"/>
+            </p:cNvSpPr>
+            <p:nvPr/>
+          </p:nvSpPr>
+          <p:spPr>
+            <a:xfrm>
+              <a:off x="2325141" y="330144"/>
+              <a:ext cx="772570" cy="748666"/>
+            </a:xfrm>
+            <a:prstGeom prst="rect">
+              <a:avLst/>
+            </a:prstGeom>
+            <a:noFill/>
+            <a:ln w="19050">
+              <a:solidFill>
+                <a:srgbClr val="13C1F7"/>
+              </a:solidFill>
+            </a:ln>
+          </p:spPr>
+          <p:txBody>
+            <a:bodyPr wrap="square" rtlCol="0">
+              <a:spAutoFit/>
+            </a:bodyPr>
+            <a:lstStyle/>
+            <a:p>
+              <a:pPr algn="ctr"/>
+              <a:r>
+                <a:rPr lang="pt-BR" sz="711" b="1" dirty="0">
+                  <a:solidFill>
+                    <a:srgbClr val="13C1F7"/>
+                  </a:solidFill>
+                  <a:latin typeface="Quicksand" panose="00000500000000000000" pitchFamily="2" charset="0"/>
+                </a:rPr>
+                <a:t>Tecnologias</a:t>
+              </a:r>
+            </a:p>
+            <a:p>
+              <a:pPr algn="ctr"/>
+              <a:r>
+                <a:rPr lang="pt-BR" sz="711" b="1" dirty="0">
+                  <a:solidFill>
+                    <a:srgbClr val="13C1F7"/>
+                  </a:solidFill>
+                  <a:latin typeface="Quicksand" panose="00000500000000000000" pitchFamily="2" charset="0"/>
+                </a:rPr>
+                <a:t>do</a:t>
+              </a:r>
+            </a:p>
+            <a:p>
+              <a:pPr algn="ctr"/>
+              <a:r>
+                <a:rPr lang="pt-BR" sz="711" b="1" dirty="0">
+                  <a:solidFill>
+                    <a:srgbClr val="13C1F7"/>
+                  </a:solidFill>
+                  <a:latin typeface="Quicksand" panose="00000500000000000000" pitchFamily="2" charset="0"/>
+                </a:rPr>
+                <a:t>Site</a:t>
+              </a:r>
+            </a:p>
+            <a:p>
+              <a:pPr marL="101630" indent="-101630">
+                <a:buFont typeface="Arial" panose="020B0604020202020204" pitchFamily="34" charset="0"/>
+                <a:buChar char="•"/>
+              </a:pPr>
+              <a:r>
+                <a:rPr lang="pt-BR" sz="711" b="1" dirty="0">
+                  <a:solidFill>
+                    <a:srgbClr val="13C1F7"/>
+                  </a:solidFill>
+                  <a:latin typeface="Quicksand" panose="00000500000000000000" pitchFamily="2" charset="0"/>
+                </a:rPr>
+                <a:t>Javascript</a:t>
+              </a:r>
+            </a:p>
+            <a:p>
+              <a:pPr marL="101630" indent="-101630">
+                <a:buFont typeface="Arial" panose="020B0604020202020204" pitchFamily="34" charset="0"/>
+                <a:buChar char="•"/>
+              </a:pPr>
+              <a:r>
+                <a:rPr lang="pt-BR" sz="711" b="1" dirty="0">
+                  <a:solidFill>
+                    <a:srgbClr val="13C1F7"/>
+                  </a:solidFill>
+                  <a:latin typeface="Quicksand" panose="00000500000000000000" pitchFamily="2" charset="0"/>
+                </a:rPr>
+                <a:t>CSS</a:t>
+              </a:r>
+            </a:p>
+            <a:p>
+              <a:pPr marL="101630" indent="-101630">
+                <a:buFont typeface="Arial" panose="020B0604020202020204" pitchFamily="34" charset="0"/>
+                <a:buChar char="•"/>
+              </a:pPr>
+              <a:r>
+                <a:rPr lang="pt-BR" sz="711" b="1" dirty="0">
+                  <a:solidFill>
+                    <a:srgbClr val="13C1F7"/>
+                  </a:solidFill>
+                  <a:latin typeface="Quicksand" panose="00000500000000000000" pitchFamily="2" charset="0"/>
+                </a:rPr>
+                <a:t>HTML</a:t>
+              </a:r>
+            </a:p>
+          </p:txBody>
+        </p:sp>
+        <p:sp>
+          <p:nvSpPr>
+            <p:cNvPr id="319" name="info-text4">
+              <a:extLst>
+                <a:ext uri="{FF2B5EF4-FFF2-40B4-BE49-F238E27FC236}">
+                  <a16:creationId xmlns:a16="http://schemas.microsoft.com/office/drawing/2014/main" id="{8E88B077-85D4-4988-B7B9-0491E64A339A}"/>
+                </a:ext>
+              </a:extLst>
+            </p:cNvPr>
+            <p:cNvSpPr txBox="1">
+              <a:spLocks noGrp="1" noRot="1" noMove="1" noResize="1" noEditPoints="1" noAdjustHandles="1" noChangeArrowheads="1" noChangeShapeType="1"/>
+            </p:cNvSpPr>
+            <p:nvPr/>
+          </p:nvSpPr>
+          <p:spPr>
+            <a:xfrm>
+              <a:off x="4118977" y="3600783"/>
+              <a:ext cx="1315017" cy="311111"/>
+            </a:xfrm>
+            <a:prstGeom prst="rect">
+              <a:avLst/>
+            </a:prstGeom>
+            <a:noFill/>
+            <a:ln w="19050">
+              <a:solidFill>
+                <a:srgbClr val="13C1F7"/>
+              </a:solidFill>
+            </a:ln>
+          </p:spPr>
+          <p:txBody>
+            <a:bodyPr wrap="square" rtlCol="0">
+              <a:spAutoFit/>
+            </a:bodyPr>
+            <a:lstStyle/>
+            <a:p>
+              <a:pPr algn="ctr"/>
+              <a:r>
+                <a:rPr lang="pt-BR" sz="711" b="1" dirty="0">
+                  <a:solidFill>
+                    <a:srgbClr val="13C1F7"/>
+                  </a:solidFill>
+                  <a:latin typeface="Quicksand" panose="00000500000000000000" pitchFamily="2" charset="0"/>
+                </a:rPr>
+                <a:t>Hospedagem em NUVEM</a:t>
+              </a:r>
+            </a:p>
+            <a:p>
+              <a:pPr algn="ctr"/>
+              <a:r>
+                <a:rPr lang="pt-BR" sz="711" b="1" dirty="0">
+                  <a:solidFill>
+                    <a:srgbClr val="13C1F7"/>
+                  </a:solidFill>
+                  <a:latin typeface="Quicksand" panose="00000500000000000000" pitchFamily="2" charset="0"/>
+                </a:rPr>
+                <a:t>(AZURE)</a:t>
+              </a:r>
+            </a:p>
+          </p:txBody>
+        </p:sp>
+        <p:sp>
+          <p:nvSpPr>
+            <p:cNvPr id="320" name="info-text5">
+              <a:extLst>
+                <a:ext uri="{FF2B5EF4-FFF2-40B4-BE49-F238E27FC236}">
+                  <a16:creationId xmlns:a16="http://schemas.microsoft.com/office/drawing/2014/main" id="{8D737546-B6CD-4562-B809-E724C01EAE60}"/>
+                </a:ext>
+              </a:extLst>
+            </p:cNvPr>
+            <p:cNvSpPr txBox="1">
+              <a:spLocks noGrp="1" noRot="1" noMove="1" noResize="1" noEditPoints="1" noAdjustHandles="1" noChangeArrowheads="1" noChangeShapeType="1"/>
+            </p:cNvSpPr>
+            <p:nvPr/>
+          </p:nvSpPr>
+          <p:spPr>
+            <a:xfrm>
+              <a:off x="526343" y="5048141"/>
+              <a:ext cx="586801" cy="201722"/>
+            </a:xfrm>
+            <a:prstGeom prst="rect">
+              <a:avLst/>
+            </a:prstGeom>
+            <a:noFill/>
+            <a:ln w="19050">
+              <a:solidFill>
+                <a:srgbClr val="7030A0"/>
+              </a:solidFill>
+            </a:ln>
+          </p:spPr>
+          <p:txBody>
+            <a:bodyPr wrap="square" rtlCol="0">
+              <a:spAutoFit/>
+            </a:bodyPr>
+            <a:lstStyle/>
+            <a:p>
+              <a:r>
+                <a:rPr lang="pt-BR" sz="711" b="1" dirty="0">
+                  <a:solidFill>
+                    <a:srgbClr val="7030A0"/>
+                  </a:solidFill>
+                  <a:latin typeface="Quicksand" panose="00000500000000000000" pitchFamily="2" charset="0"/>
+                </a:rPr>
+                <a:t>Unidade</a:t>
+              </a:r>
+            </a:p>
+          </p:txBody>
+        </p:sp>
+        <p:sp>
+          <p:nvSpPr>
+            <p:cNvPr id="321" name="info-text6">
+              <a:extLst>
+                <a:ext uri="{FF2B5EF4-FFF2-40B4-BE49-F238E27FC236}">
+                  <a16:creationId xmlns:a16="http://schemas.microsoft.com/office/drawing/2014/main" id="{B595522B-2544-4695-BBA3-3D9B2724361A}"/>
+                </a:ext>
+              </a:extLst>
+            </p:cNvPr>
+            <p:cNvSpPr txBox="1">
+              <a:spLocks noGrp="1" noRot="1" noMove="1" noResize="1" noEditPoints="1" noAdjustHandles="1" noChangeArrowheads="1" noChangeShapeType="1"/>
+            </p:cNvSpPr>
+            <p:nvPr/>
+          </p:nvSpPr>
+          <p:spPr>
+            <a:xfrm>
+              <a:off x="2325873" y="4529719"/>
+              <a:ext cx="513146" cy="311111"/>
+            </a:xfrm>
+            <a:prstGeom prst="rect">
+              <a:avLst/>
+            </a:prstGeom>
+            <a:noFill/>
+            <a:ln w="19050">
+              <a:solidFill>
+                <a:srgbClr val="7030A0"/>
+              </a:solidFill>
+            </a:ln>
+          </p:spPr>
+          <p:txBody>
+            <a:bodyPr wrap="square" rtlCol="0">
+              <a:spAutoFit/>
+            </a:bodyPr>
+            <a:lstStyle/>
+            <a:p>
+              <a:pPr algn="ctr"/>
+              <a:r>
+                <a:rPr lang="pt-BR" sz="711" b="1" dirty="0">
+                  <a:solidFill>
+                    <a:srgbClr val="7030A0"/>
+                  </a:solidFill>
+                  <a:latin typeface="Quicksand" panose="00000500000000000000" pitchFamily="2" charset="0"/>
+                </a:rPr>
+                <a:t>sensor</a:t>
+              </a:r>
+            </a:p>
+            <a:p>
+              <a:pPr algn="ctr"/>
+              <a:r>
+                <a:rPr lang="pt-BR" sz="711" b="1" dirty="0">
+                  <a:solidFill>
+                    <a:srgbClr val="7030A0"/>
+                  </a:solidFill>
+                  <a:latin typeface="Quicksand" panose="00000500000000000000" pitchFamily="2" charset="0"/>
+                </a:rPr>
+                <a:t>(DHT11)</a:t>
+              </a:r>
+            </a:p>
+          </p:txBody>
+        </p:sp>
+        <p:sp>
+          <p:nvSpPr>
+            <p:cNvPr id="322" name="info-text7">
+              <a:extLst>
+                <a:ext uri="{FF2B5EF4-FFF2-40B4-BE49-F238E27FC236}">
+                  <a16:creationId xmlns:a16="http://schemas.microsoft.com/office/drawing/2014/main" id="{74CAF260-E7E1-4BC1-8CCF-4B3DAD2014D5}"/>
+                </a:ext>
+              </a:extLst>
+            </p:cNvPr>
+            <p:cNvSpPr txBox="1">
+              <a:spLocks noGrp="1" noRot="1" noMove="1" noResize="1" noEditPoints="1" noAdjustHandles="1" noChangeArrowheads="1" noChangeShapeType="1"/>
+            </p:cNvSpPr>
+            <p:nvPr/>
+          </p:nvSpPr>
+          <p:spPr>
+            <a:xfrm>
+              <a:off x="1507634" y="4570050"/>
+              <a:ext cx="692338" cy="311111"/>
+            </a:xfrm>
+            <a:prstGeom prst="rect">
+              <a:avLst/>
+            </a:prstGeom>
+            <a:noFill/>
+            <a:ln w="19050">
+              <a:solidFill>
+                <a:srgbClr val="7030A0"/>
+              </a:solidFill>
+            </a:ln>
+          </p:spPr>
+          <p:txBody>
+            <a:bodyPr wrap="square" rtlCol="0">
+              <a:spAutoFit/>
+            </a:bodyPr>
+            <a:lstStyle/>
+            <a:p>
+              <a:pPr algn="ctr"/>
+              <a:r>
+                <a:rPr lang="pt-BR" sz="711" b="1" dirty="0">
+                  <a:solidFill>
+                    <a:srgbClr val="7030A0"/>
+                  </a:solidFill>
+                  <a:latin typeface="Quicksand" panose="00000500000000000000" pitchFamily="2" charset="0"/>
+                </a:rPr>
+                <a:t>protoboard</a:t>
+              </a:r>
+            </a:p>
+            <a:p>
+              <a:pPr algn="ctr"/>
+              <a:r>
+                <a:rPr lang="pt-BR" sz="711" b="1" dirty="0">
+                  <a:solidFill>
+                    <a:srgbClr val="7030A0"/>
+                  </a:solidFill>
+                  <a:latin typeface="Quicksand" panose="00000500000000000000" pitchFamily="2" charset="0"/>
+                </a:rPr>
+                <a:t>(Mini 170)</a:t>
+              </a:r>
+            </a:p>
+          </p:txBody>
+        </p:sp>
+        <p:sp>
+          <p:nvSpPr>
+            <p:cNvPr id="323" name="info-text8">
+              <a:extLst>
+                <a:ext uri="{FF2B5EF4-FFF2-40B4-BE49-F238E27FC236}">
+                  <a16:creationId xmlns:a16="http://schemas.microsoft.com/office/drawing/2014/main" id="{120560DC-27C3-43A3-8742-9A18D7822EDA}"/>
+                </a:ext>
+              </a:extLst>
+            </p:cNvPr>
+            <p:cNvSpPr txBox="1">
+              <a:spLocks noGrp="1" noRot="1" noMove="1" noResize="1" noEditPoints="1" noAdjustHandles="1" noChangeArrowheads="1" noChangeShapeType="1"/>
+            </p:cNvSpPr>
+            <p:nvPr/>
+          </p:nvSpPr>
+          <p:spPr>
+            <a:xfrm>
+              <a:off x="2959924" y="4581265"/>
+              <a:ext cx="595191" cy="311111"/>
+            </a:xfrm>
+            <a:prstGeom prst="rect">
+              <a:avLst/>
+            </a:prstGeom>
+            <a:noFill/>
+            <a:ln w="19050">
+              <a:solidFill>
+                <a:srgbClr val="7030A0"/>
+              </a:solidFill>
+            </a:ln>
+          </p:spPr>
+          <p:txBody>
+            <a:bodyPr wrap="square" rtlCol="0">
+              <a:spAutoFit/>
+            </a:bodyPr>
+            <a:lstStyle/>
+            <a:p>
+              <a:pPr algn="ctr"/>
+              <a:r>
+                <a:rPr lang="pt-BR" sz="711" b="1" dirty="0">
+                  <a:solidFill>
+                    <a:srgbClr val="7030A0"/>
+                  </a:solidFill>
+                  <a:latin typeface="Quicksand" panose="00000500000000000000" pitchFamily="2" charset="0"/>
+                </a:rPr>
+                <a:t>arduíno</a:t>
+              </a:r>
+            </a:p>
+            <a:p>
+              <a:pPr algn="ctr"/>
+              <a:r>
+                <a:rPr lang="pt-BR" sz="711" b="1" dirty="0">
+                  <a:solidFill>
+                    <a:srgbClr val="7030A0"/>
+                  </a:solidFill>
+                  <a:latin typeface="Quicksand" panose="00000500000000000000" pitchFamily="2" charset="0"/>
+                </a:rPr>
+                <a:t>(Uno R3)</a:t>
+              </a:r>
+            </a:p>
+          </p:txBody>
+        </p:sp>
+        <p:sp>
+          <p:nvSpPr>
+            <p:cNvPr id="139" name="info-text10">
+              <a:extLst>
+                <a:ext uri="{FF2B5EF4-FFF2-40B4-BE49-F238E27FC236}">
+                  <a16:creationId xmlns:a16="http://schemas.microsoft.com/office/drawing/2014/main" id="{2F1830D3-1919-48C0-AAB9-8D4D8DF47513}"/>
+                </a:ext>
+              </a:extLst>
+            </p:cNvPr>
+            <p:cNvSpPr txBox="1">
+              <a:spLocks noGrp="1" noRot="1" noMove="1" noResize="1" noEditPoints="1" noAdjustHandles="1" noChangeArrowheads="1" noChangeShapeType="1"/>
+            </p:cNvSpPr>
+            <p:nvPr/>
+          </p:nvSpPr>
+          <p:spPr>
+            <a:xfrm>
+              <a:off x="8325245" y="1590280"/>
+              <a:ext cx="975113" cy="420500"/>
+            </a:xfrm>
+            <a:prstGeom prst="rect">
+              <a:avLst/>
+            </a:prstGeom>
+            <a:noFill/>
+            <a:ln w="19050">
+              <a:solidFill>
+                <a:srgbClr val="7030A0"/>
+              </a:solidFill>
+            </a:ln>
+          </p:spPr>
+          <p:txBody>
+            <a:bodyPr wrap="square" rtlCol="0">
+              <a:spAutoFit/>
+            </a:bodyPr>
+            <a:lstStyle/>
+            <a:p>
+              <a:pPr marL="101630" indent="-101630">
+                <a:buFont typeface="Arial" panose="020B0604020202020204" pitchFamily="34" charset="0"/>
+                <a:buChar char="•"/>
+              </a:pPr>
+              <a:r>
+                <a:rPr lang="pt-BR" sz="711" b="1" dirty="0">
+                  <a:solidFill>
+                    <a:srgbClr val="7030A0"/>
+                  </a:solidFill>
+                  <a:latin typeface="Quicksand" panose="00000500000000000000" pitchFamily="2" charset="0"/>
+                </a:rPr>
+                <a:t>TP-Link Wireless</a:t>
+              </a:r>
+            </a:p>
+            <a:p>
+              <a:pPr marL="101630" indent="-101630">
+                <a:buFont typeface="Arial" panose="020B0604020202020204" pitchFamily="34" charset="0"/>
+                <a:buChar char="•"/>
+              </a:pPr>
+              <a:r>
+                <a:rPr lang="pt-BR" sz="711" b="1" dirty="0">
+                  <a:solidFill>
+                    <a:srgbClr val="7030A0"/>
+                  </a:solidFill>
+                  <a:latin typeface="Quicksand" panose="00000500000000000000" pitchFamily="2" charset="0"/>
+                </a:rPr>
+                <a:t>Archer C50</a:t>
+              </a:r>
+            </a:p>
+            <a:p>
+              <a:pPr marL="101630" indent="-101630">
+                <a:buFont typeface="Arial" panose="020B0604020202020204" pitchFamily="34" charset="0"/>
+                <a:buChar char="•"/>
+              </a:pPr>
+              <a:r>
+                <a:rPr lang="pt-BR" sz="711" b="1" dirty="0">
+                  <a:solidFill>
+                    <a:srgbClr val="7030A0"/>
+                  </a:solidFill>
+                  <a:latin typeface="Quicksand" panose="00000500000000000000" pitchFamily="2" charset="0"/>
+                </a:rPr>
+                <a:t>4 Portas</a:t>
+              </a:r>
+            </a:p>
+          </p:txBody>
+        </p:sp>
+        <p:sp>
+          <p:nvSpPr>
+            <p:cNvPr id="52" name="info-text10">
+              <a:extLst>
+                <a:ext uri="{FF2B5EF4-FFF2-40B4-BE49-F238E27FC236}">
+                  <a16:creationId xmlns:a16="http://schemas.microsoft.com/office/drawing/2014/main" id="{890FF03B-7D69-4862-A128-95309526DD2F}"/>
+                </a:ext>
+              </a:extLst>
+            </p:cNvPr>
+            <p:cNvSpPr txBox="1">
+              <a:spLocks noGrp="1" noRot="1" noMove="1" noResize="1" noEditPoints="1" noAdjustHandles="1" noChangeArrowheads="1" noChangeShapeType="1"/>
+            </p:cNvSpPr>
+            <p:nvPr/>
+          </p:nvSpPr>
+          <p:spPr>
+            <a:xfrm>
+              <a:off x="300842" y="1595890"/>
+              <a:ext cx="975113" cy="420500"/>
+            </a:xfrm>
+            <a:prstGeom prst="rect">
+              <a:avLst/>
+            </a:prstGeom>
+            <a:noFill/>
+            <a:ln w="19050">
+              <a:solidFill>
+                <a:srgbClr val="7030A0"/>
+              </a:solidFill>
+            </a:ln>
+          </p:spPr>
+          <p:txBody>
+            <a:bodyPr wrap="square" rtlCol="0">
+              <a:spAutoFit/>
+            </a:bodyPr>
+            <a:lstStyle/>
+            <a:p>
+              <a:pPr marL="101630" indent="-101630">
+                <a:buFont typeface="Arial" panose="020B0604020202020204" pitchFamily="34" charset="0"/>
+                <a:buChar char="•"/>
+              </a:pPr>
+              <a:r>
+                <a:rPr lang="pt-BR" sz="711" b="1" dirty="0">
+                  <a:solidFill>
+                    <a:srgbClr val="7030A0"/>
+                  </a:solidFill>
+                  <a:latin typeface="Quicksand" panose="00000500000000000000" pitchFamily="2" charset="0"/>
+                </a:rPr>
+                <a:t>TP-Link Wireless</a:t>
+              </a:r>
+            </a:p>
+            <a:p>
+              <a:pPr marL="101630" indent="-101630">
+                <a:buFont typeface="Arial" panose="020B0604020202020204" pitchFamily="34" charset="0"/>
+                <a:buChar char="•"/>
+              </a:pPr>
+              <a:r>
+                <a:rPr lang="pt-BR" sz="711" b="1" dirty="0">
+                  <a:solidFill>
+                    <a:srgbClr val="7030A0"/>
+                  </a:solidFill>
+                  <a:latin typeface="Quicksand" panose="00000500000000000000" pitchFamily="2" charset="0"/>
+                </a:rPr>
+                <a:t>Archer C6</a:t>
+              </a:r>
+            </a:p>
+            <a:p>
+              <a:pPr marL="101630" indent="-101630">
+                <a:buFont typeface="Arial" panose="020B0604020202020204" pitchFamily="34" charset="0"/>
+                <a:buChar char="•"/>
+              </a:pPr>
+              <a:r>
+                <a:rPr lang="pt-BR" sz="711" b="1" dirty="0">
+                  <a:solidFill>
+                    <a:srgbClr val="7030A0"/>
+                  </a:solidFill>
+                  <a:latin typeface="Quicksand" panose="00000500000000000000" pitchFamily="2" charset="0"/>
+                </a:rPr>
+                <a:t>4 Portas</a:t>
+              </a:r>
+            </a:p>
+          </p:txBody>
+        </p:sp>
+        <p:sp>
+          <p:nvSpPr>
+            <p:cNvPr id="143" name="info-text13">
+              <a:extLst>
+                <a:ext uri="{FF2B5EF4-FFF2-40B4-BE49-F238E27FC236}">
+                  <a16:creationId xmlns:a16="http://schemas.microsoft.com/office/drawing/2014/main" id="{8A48FDB2-DECE-438C-9069-6007FB31DAAE}"/>
+                </a:ext>
+              </a:extLst>
+            </p:cNvPr>
+            <p:cNvSpPr txBox="1">
+              <a:spLocks noGrp="1" noRot="1" noMove="1" noResize="1" noEditPoints="1" noAdjustHandles="1" noChangeArrowheads="1" noChangeShapeType="1"/>
+            </p:cNvSpPr>
+            <p:nvPr/>
+          </p:nvSpPr>
+          <p:spPr>
+            <a:xfrm>
+              <a:off x="8047048" y="2957393"/>
+              <a:ext cx="772570" cy="311111"/>
+            </a:xfrm>
+            <a:prstGeom prst="rect">
+              <a:avLst/>
+            </a:prstGeom>
+            <a:noFill/>
+            <a:ln w="19050">
+              <a:solidFill>
+                <a:srgbClr val="7030A0"/>
+              </a:solidFill>
+            </a:ln>
+          </p:spPr>
+          <p:txBody>
+            <a:bodyPr wrap="square" rtlCol="0">
+              <a:spAutoFit/>
+            </a:bodyPr>
+            <a:lstStyle/>
+            <a:p>
+              <a:pPr marL="101630" indent="-101630">
+                <a:buFont typeface="Arial" panose="020B0604020202020204" pitchFamily="34" charset="0"/>
+                <a:buChar char="•"/>
+              </a:pPr>
+              <a:r>
+                <a:rPr lang="pt-BR" sz="711" b="1" dirty="0">
+                  <a:solidFill>
+                    <a:srgbClr val="7030A0"/>
+                  </a:solidFill>
+                  <a:latin typeface="Quicksand" panose="00000500000000000000" pitchFamily="2" charset="0"/>
+                </a:rPr>
+                <a:t>300Mbps</a:t>
+              </a:r>
+            </a:p>
+            <a:p>
+              <a:pPr marL="101630" indent="-101630">
+                <a:buFont typeface="Arial" panose="020B0604020202020204" pitchFamily="34" charset="0"/>
+                <a:buChar char="•"/>
+              </a:pPr>
+              <a:r>
+                <a:rPr lang="pt-BR" sz="711" b="1" dirty="0">
+                  <a:solidFill>
+                    <a:srgbClr val="7030A0"/>
+                  </a:solidFill>
+                  <a:latin typeface="Quicksand" panose="00000500000000000000" pitchFamily="2" charset="0"/>
+                </a:rPr>
+                <a:t>2,4GHz</a:t>
+              </a:r>
+            </a:p>
+          </p:txBody>
+        </p:sp>
+        <p:sp>
+          <p:nvSpPr>
+            <p:cNvPr id="264" name="info-text14">
+              <a:extLst>
+                <a:ext uri="{FF2B5EF4-FFF2-40B4-BE49-F238E27FC236}">
+                  <a16:creationId xmlns:a16="http://schemas.microsoft.com/office/drawing/2014/main" id="{FF136DC3-C674-44FC-B552-554CA00DA44D}"/>
+                </a:ext>
+              </a:extLst>
+            </p:cNvPr>
+            <p:cNvSpPr txBox="1">
+              <a:spLocks noGrp="1" noRot="1" noMove="1" noResize="1" noEditPoints="1" noAdjustHandles="1" noChangeArrowheads="1" noChangeShapeType="1"/>
+            </p:cNvSpPr>
+            <p:nvPr/>
+          </p:nvSpPr>
+          <p:spPr>
+            <a:xfrm>
+              <a:off x="950613" y="2937784"/>
+              <a:ext cx="1379958" cy="529889"/>
+            </a:xfrm>
+            <a:prstGeom prst="rect">
+              <a:avLst/>
+            </a:prstGeom>
+            <a:noFill/>
+            <a:ln w="19050">
+              <a:solidFill>
+                <a:srgbClr val="7030A0"/>
+              </a:solidFill>
+            </a:ln>
+          </p:spPr>
+          <p:txBody>
+            <a:bodyPr wrap="square" rtlCol="0">
+              <a:spAutoFit/>
+            </a:bodyPr>
+            <a:lstStyle/>
+            <a:p>
+              <a:pPr marL="101630" indent="-101630">
+                <a:buFont typeface="Arial" panose="020B0604020202020204" pitchFamily="34" charset="0"/>
+                <a:buChar char="•"/>
+              </a:pPr>
+              <a:r>
+                <a:rPr lang="pt-BR" sz="711" b="1" dirty="0">
+                  <a:solidFill>
+                    <a:srgbClr val="7030A0"/>
+                  </a:solidFill>
+                  <a:latin typeface="Quicksand" panose="00000500000000000000" pitchFamily="2" charset="0"/>
+                </a:rPr>
+                <a:t>PowerEdge T150</a:t>
+              </a:r>
+            </a:p>
+            <a:p>
+              <a:pPr marL="101630" indent="-101630">
+                <a:buFont typeface="Arial" panose="020B0604020202020204" pitchFamily="34" charset="0"/>
+                <a:buChar char="•"/>
+              </a:pPr>
+              <a:r>
+                <a:rPr lang="pt-BR" sz="711" b="1" dirty="0">
+                  <a:solidFill>
+                    <a:srgbClr val="7030A0"/>
+                  </a:solidFill>
+                  <a:latin typeface="Quicksand" panose="00000500000000000000" pitchFamily="2" charset="0"/>
+                </a:rPr>
+                <a:t>Intel Pentium G6405T</a:t>
+              </a:r>
+            </a:p>
+            <a:p>
+              <a:pPr marL="101630" indent="-101630">
+                <a:buFont typeface="Arial" panose="020B0604020202020204" pitchFamily="34" charset="0"/>
+                <a:buChar char="•"/>
+              </a:pPr>
+              <a:r>
+                <a:rPr lang="pt-BR" sz="711" b="1" dirty="0">
+                  <a:solidFill>
+                    <a:srgbClr val="7030A0"/>
+                  </a:solidFill>
+                  <a:latin typeface="Quicksand" panose="00000500000000000000" pitchFamily="2" charset="0"/>
+                </a:rPr>
+                <a:t>8GB RAM DDR4 3200MHz</a:t>
+              </a:r>
+            </a:p>
+            <a:p>
+              <a:pPr marL="101630" indent="-101630">
+                <a:buFont typeface="Arial" panose="020B0604020202020204" pitchFamily="34" charset="0"/>
+                <a:buChar char="•"/>
+              </a:pPr>
+              <a:r>
+                <a:rPr lang="pt-BR" sz="711" b="1" dirty="0">
+                  <a:solidFill>
+                    <a:srgbClr val="7030A0"/>
+                  </a:solidFill>
+                  <a:latin typeface="Quicksand" panose="00000500000000000000" pitchFamily="2" charset="0"/>
+                </a:rPr>
+                <a:t>2TB HD SATA 6Gbps</a:t>
+              </a:r>
+            </a:p>
+          </p:txBody>
+        </p:sp>
+      </p:grpSp>
+      <p:grpSp>
+        <p:nvGrpSpPr>
+          <p:cNvPr id="556" name="imgs">
             <a:extLst>
               <a:ext uri="{FF2B5EF4-FFF2-40B4-BE49-F238E27FC236}">
-                <a16:creationId xmlns:a16="http://schemas.microsoft.com/office/drawing/2014/main" id="{B8F41526-869A-4CD4-B94C-8F850FE212AF}"/>
+                <a16:creationId xmlns:a16="http://schemas.microsoft.com/office/drawing/2014/main" id="{B28EB852-6999-4E0A-B4EE-981B21D99983}"/>
               </a:ext>
             </a:extLst>
           </p:cNvPr>
-          <p:cNvSpPr txBox="1">
-            <a:spLocks/>
-          </p:cNvSpPr>
+          <p:cNvGrpSpPr>
+            <a:grpSpLocks noGrp="1" noUngrp="1" noRot="1" noMove="1" noResize="1"/>
+          </p:cNvGrpSpPr>
           <p:nvPr/>
-        </p:nvSpPr>
-        <p:spPr>
+        </p:nvGrpSpPr>
+        <p:grpSpPr>
           <a:xfrm>
-            <a:off x="5505203" y="375068"/>
-            <a:ext cx="1190884" cy="311111"/>
+            <a:off x="456179" y="26513"/>
+            <a:ext cx="8683521" cy="5226296"/>
+            <a:chOff x="456179" y="26513"/>
+            <a:chExt cx="8683521" cy="5226296"/>
           </a:xfrm>
-          <a:prstGeom prst="rect">
-            <a:avLst/>
-          </a:prstGeom>
-          <a:noFill/>
-          <a:ln w="19050">
-            <a:solidFill>
-              <a:srgbClr val="13C1F7"/>
-            </a:solidFill>
-          </a:ln>
-        </p:spPr>
-        <p:txBody>
-          <a:bodyPr wrap="square" rtlCol="0">
-            <a:spAutoFit/>
-          </a:bodyPr>
-          <a:lstStyle/>
-          <a:p>
-            <a:pPr algn="ctr"/>
-            <a:r>
-              <a:rPr lang="pt-BR" sz="711" b="1" dirty="0">
-                <a:solidFill>
-                  <a:srgbClr val="13C1F7"/>
-                </a:solidFill>
-                <a:latin typeface="Quicksand" panose="00000500000000000000" pitchFamily="2" charset="0"/>
-              </a:rPr>
-              <a:t>Banco de Dados</a:t>
-            </a:r>
-          </a:p>
-          <a:p>
-            <a:pPr algn="ctr"/>
-            <a:r>
-              <a:rPr lang="pt-BR" sz="711" b="1" dirty="0">
-                <a:solidFill>
-                  <a:srgbClr val="13C1F7"/>
-                </a:solidFill>
-                <a:latin typeface="Quicksand" panose="00000500000000000000" pitchFamily="2" charset="0"/>
-              </a:rPr>
-              <a:t>Microsoft MYSQL Server</a:t>
-            </a:r>
-          </a:p>
-        </p:txBody>
-      </p:sp>
-      <p:sp>
-        <p:nvSpPr>
-          <p:cNvPr id="318" name="info-text3">
-            <a:extLst>
-              <a:ext uri="{FF2B5EF4-FFF2-40B4-BE49-F238E27FC236}">
-                <a16:creationId xmlns:a16="http://schemas.microsoft.com/office/drawing/2014/main" id="{E68EE20D-7296-4145-A5CE-51F6D7337A07}"/>
-              </a:ext>
-            </a:extLst>
-          </p:cNvPr>
-          <p:cNvSpPr txBox="1">
-            <a:spLocks/>
-          </p:cNvSpPr>
-          <p:nvPr/>
-        </p:nvSpPr>
-        <p:spPr>
-          <a:xfrm>
-            <a:off x="2325141" y="329866"/>
-            <a:ext cx="772570" cy="748666"/>
-          </a:xfrm>
-          <a:prstGeom prst="rect">
-            <a:avLst/>
-          </a:prstGeom>
-          <a:noFill/>
-          <a:ln w="19050">
-            <a:solidFill>
-              <a:srgbClr val="13C1F7"/>
-            </a:solidFill>
-          </a:ln>
-        </p:spPr>
-        <p:txBody>
-          <a:bodyPr wrap="square" rtlCol="0">
-            <a:spAutoFit/>
-          </a:bodyPr>
-          <a:lstStyle/>
-          <a:p>
-            <a:pPr algn="ctr"/>
-            <a:r>
-              <a:rPr lang="pt-BR" sz="711" b="1" dirty="0">
-                <a:solidFill>
-                  <a:srgbClr val="13C1F7"/>
-                </a:solidFill>
-                <a:latin typeface="Quicksand" panose="00000500000000000000" pitchFamily="2" charset="0"/>
-              </a:rPr>
-              <a:t>Tecnologias</a:t>
-            </a:r>
-          </a:p>
-          <a:p>
-            <a:pPr algn="ctr"/>
-            <a:r>
-              <a:rPr lang="pt-BR" sz="711" b="1" dirty="0">
-                <a:solidFill>
-                  <a:srgbClr val="13C1F7"/>
-                </a:solidFill>
-                <a:latin typeface="Quicksand" panose="00000500000000000000" pitchFamily="2" charset="0"/>
-              </a:rPr>
-              <a:t>do</a:t>
-            </a:r>
-          </a:p>
-          <a:p>
-            <a:pPr algn="ctr"/>
-            <a:r>
-              <a:rPr lang="pt-BR" sz="711" b="1" dirty="0">
-                <a:solidFill>
-                  <a:srgbClr val="13C1F7"/>
-                </a:solidFill>
-                <a:latin typeface="Quicksand" panose="00000500000000000000" pitchFamily="2" charset="0"/>
-              </a:rPr>
-              <a:t>Site</a:t>
-            </a:r>
-          </a:p>
-          <a:p>
-            <a:pPr marL="101630" indent="-101630">
-              <a:buFont typeface="Arial" panose="020B0604020202020204" pitchFamily="34" charset="0"/>
-              <a:buChar char="•"/>
-            </a:pPr>
-            <a:r>
-              <a:rPr lang="pt-BR" sz="711" b="1" dirty="0">
-                <a:solidFill>
-                  <a:srgbClr val="13C1F7"/>
-                </a:solidFill>
-                <a:latin typeface="Quicksand" panose="00000500000000000000" pitchFamily="2" charset="0"/>
-              </a:rPr>
-              <a:t>Javascript</a:t>
-            </a:r>
-          </a:p>
-          <a:p>
-            <a:pPr marL="101630" indent="-101630">
-              <a:buFont typeface="Arial" panose="020B0604020202020204" pitchFamily="34" charset="0"/>
-              <a:buChar char="•"/>
-            </a:pPr>
-            <a:r>
-              <a:rPr lang="pt-BR" sz="711" b="1" dirty="0">
-                <a:solidFill>
-                  <a:srgbClr val="13C1F7"/>
-                </a:solidFill>
-                <a:latin typeface="Quicksand" panose="00000500000000000000" pitchFamily="2" charset="0"/>
-              </a:rPr>
-              <a:t>CSS</a:t>
-            </a:r>
-          </a:p>
-          <a:p>
-            <a:pPr marL="101630" indent="-101630">
-              <a:buFont typeface="Arial" panose="020B0604020202020204" pitchFamily="34" charset="0"/>
-              <a:buChar char="•"/>
-            </a:pPr>
-            <a:r>
-              <a:rPr lang="pt-BR" sz="711" b="1" dirty="0">
-                <a:solidFill>
-                  <a:srgbClr val="13C1F7"/>
-                </a:solidFill>
-                <a:latin typeface="Quicksand" panose="00000500000000000000" pitchFamily="2" charset="0"/>
-              </a:rPr>
-              <a:t>HTML</a:t>
-            </a:r>
-          </a:p>
-        </p:txBody>
-      </p:sp>
-      <p:sp>
-        <p:nvSpPr>
-          <p:cNvPr id="319" name="info-text4">
-            <a:extLst>
-              <a:ext uri="{FF2B5EF4-FFF2-40B4-BE49-F238E27FC236}">
-                <a16:creationId xmlns:a16="http://schemas.microsoft.com/office/drawing/2014/main" id="{8E88B077-85D4-4988-B7B9-0491E64A339A}"/>
-              </a:ext>
-            </a:extLst>
-          </p:cNvPr>
-          <p:cNvSpPr txBox="1">
-            <a:spLocks/>
-          </p:cNvSpPr>
-          <p:nvPr/>
-        </p:nvSpPr>
-        <p:spPr>
-          <a:xfrm>
-            <a:off x="4118977" y="3600505"/>
-            <a:ext cx="1315017" cy="311111"/>
-          </a:xfrm>
-          <a:prstGeom prst="rect">
-            <a:avLst/>
-          </a:prstGeom>
-          <a:noFill/>
-          <a:ln w="19050">
-            <a:solidFill>
-              <a:srgbClr val="13C1F7"/>
-            </a:solidFill>
-          </a:ln>
-        </p:spPr>
-        <p:txBody>
-          <a:bodyPr wrap="square" rtlCol="0">
-            <a:spAutoFit/>
-          </a:bodyPr>
-          <a:lstStyle/>
-          <a:p>
-            <a:pPr algn="ctr"/>
-            <a:r>
-              <a:rPr lang="pt-BR" sz="711" b="1" dirty="0">
-                <a:solidFill>
-                  <a:srgbClr val="13C1F7"/>
-                </a:solidFill>
-                <a:latin typeface="Quicksand" panose="00000500000000000000" pitchFamily="2" charset="0"/>
-              </a:rPr>
-              <a:t>Hospedagem em NUVEM</a:t>
-            </a:r>
-          </a:p>
-          <a:p>
-            <a:pPr algn="ctr"/>
-            <a:r>
-              <a:rPr lang="pt-BR" sz="711" b="1" dirty="0">
-                <a:solidFill>
-                  <a:srgbClr val="13C1F7"/>
-                </a:solidFill>
-                <a:latin typeface="Quicksand" panose="00000500000000000000" pitchFamily="2" charset="0"/>
-              </a:rPr>
-              <a:t>(AZURE)</a:t>
-            </a:r>
-          </a:p>
-        </p:txBody>
-      </p:sp>
-      <p:sp>
-        <p:nvSpPr>
-          <p:cNvPr id="320" name="info-text5">
-            <a:extLst>
-              <a:ext uri="{FF2B5EF4-FFF2-40B4-BE49-F238E27FC236}">
-                <a16:creationId xmlns:a16="http://schemas.microsoft.com/office/drawing/2014/main" id="{8D737546-B6CD-4562-B809-E724C01EAE60}"/>
-              </a:ext>
-            </a:extLst>
-          </p:cNvPr>
-          <p:cNvSpPr txBox="1">
-            <a:spLocks/>
-          </p:cNvSpPr>
-          <p:nvPr/>
-        </p:nvSpPr>
-        <p:spPr>
-          <a:xfrm>
-            <a:off x="326104" y="5047862"/>
-            <a:ext cx="586801" cy="201722"/>
-          </a:xfrm>
-          <a:prstGeom prst="rect">
-            <a:avLst/>
-          </a:prstGeom>
-          <a:noFill/>
-          <a:ln w="19050">
-            <a:solidFill>
-              <a:srgbClr val="F56413"/>
-            </a:solidFill>
-          </a:ln>
-        </p:spPr>
-        <p:txBody>
-          <a:bodyPr wrap="square" rtlCol="0">
-            <a:spAutoFit/>
-          </a:bodyPr>
-          <a:lstStyle/>
-          <a:p>
-            <a:r>
-              <a:rPr lang="pt-BR" sz="711" b="1" dirty="0">
-                <a:solidFill>
-                  <a:srgbClr val="F56413"/>
-                </a:solidFill>
-                <a:latin typeface="Quicksand" panose="00000500000000000000" pitchFamily="2" charset="0"/>
-              </a:rPr>
-              <a:t>Unidade</a:t>
-            </a:r>
-          </a:p>
-        </p:txBody>
-      </p:sp>
-      <p:sp>
-        <p:nvSpPr>
-          <p:cNvPr id="321" name="info-text6">
-            <a:extLst>
-              <a:ext uri="{FF2B5EF4-FFF2-40B4-BE49-F238E27FC236}">
-                <a16:creationId xmlns:a16="http://schemas.microsoft.com/office/drawing/2014/main" id="{B595522B-2544-4695-BBA3-3D9B2724361A}"/>
-              </a:ext>
-            </a:extLst>
-          </p:cNvPr>
-          <p:cNvSpPr txBox="1">
-            <a:spLocks/>
-          </p:cNvSpPr>
-          <p:nvPr/>
-        </p:nvSpPr>
-        <p:spPr>
-          <a:xfrm>
-            <a:off x="2800265" y="4849476"/>
-            <a:ext cx="513146" cy="311111"/>
-          </a:xfrm>
-          <a:prstGeom prst="rect">
-            <a:avLst/>
-          </a:prstGeom>
-          <a:noFill/>
-          <a:ln w="19050">
-            <a:solidFill>
-              <a:srgbClr val="F56413"/>
-            </a:solidFill>
-          </a:ln>
-        </p:spPr>
-        <p:txBody>
-          <a:bodyPr wrap="square" rtlCol="0">
-            <a:spAutoFit/>
-          </a:bodyPr>
-          <a:lstStyle/>
-          <a:p>
-            <a:pPr algn="ctr"/>
-            <a:r>
-              <a:rPr lang="pt-BR" sz="711" b="1" dirty="0">
-                <a:solidFill>
-                  <a:srgbClr val="F56413"/>
-                </a:solidFill>
-                <a:latin typeface="Quicksand" panose="00000500000000000000" pitchFamily="2" charset="0"/>
-              </a:rPr>
-              <a:t>sensor</a:t>
-            </a:r>
-          </a:p>
-          <a:p>
-            <a:pPr algn="ctr"/>
-            <a:r>
-              <a:rPr lang="pt-BR" sz="711" b="1" dirty="0">
-                <a:solidFill>
-                  <a:srgbClr val="F56413"/>
-                </a:solidFill>
-                <a:latin typeface="Quicksand" panose="00000500000000000000" pitchFamily="2" charset="0"/>
-              </a:rPr>
-              <a:t>(DHT11)</a:t>
-            </a:r>
-          </a:p>
-        </p:txBody>
-      </p:sp>
-      <p:sp>
-        <p:nvSpPr>
-          <p:cNvPr id="322" name="info-text7">
-            <a:extLst>
-              <a:ext uri="{FF2B5EF4-FFF2-40B4-BE49-F238E27FC236}">
-                <a16:creationId xmlns:a16="http://schemas.microsoft.com/office/drawing/2014/main" id="{74CAF260-E7E1-4BC1-8CCF-4B3DAD2014D5}"/>
-              </a:ext>
-            </a:extLst>
-          </p:cNvPr>
-          <p:cNvSpPr txBox="1">
-            <a:spLocks/>
-          </p:cNvSpPr>
-          <p:nvPr/>
-        </p:nvSpPr>
-        <p:spPr>
-          <a:xfrm>
-            <a:off x="1749237" y="4849476"/>
-            <a:ext cx="660636" cy="420500"/>
-          </a:xfrm>
-          <a:prstGeom prst="rect">
-            <a:avLst/>
-          </a:prstGeom>
-          <a:noFill/>
-          <a:ln w="19050">
-            <a:solidFill>
-              <a:srgbClr val="F56413"/>
-            </a:solidFill>
-          </a:ln>
-        </p:spPr>
-        <p:txBody>
-          <a:bodyPr wrap="square" rtlCol="0">
-            <a:spAutoFit/>
-          </a:bodyPr>
-          <a:lstStyle/>
-          <a:p>
-            <a:pPr algn="ctr"/>
-            <a:r>
-              <a:rPr lang="pt-BR" sz="711" b="1" dirty="0">
-                <a:solidFill>
-                  <a:srgbClr val="F56413"/>
-                </a:solidFill>
-                <a:latin typeface="Quicksand" panose="00000500000000000000" pitchFamily="2" charset="0"/>
-              </a:rPr>
-              <a:t>protoboard</a:t>
-            </a:r>
-          </a:p>
-          <a:p>
-            <a:pPr algn="ctr"/>
-            <a:r>
-              <a:rPr lang="pt-BR" sz="711" b="1" dirty="0">
-                <a:solidFill>
-                  <a:srgbClr val="F56413"/>
-                </a:solidFill>
-                <a:latin typeface="Quicksand" panose="00000500000000000000" pitchFamily="2" charset="0"/>
-              </a:rPr>
-              <a:t>(Mini 170)</a:t>
-            </a:r>
-          </a:p>
-        </p:txBody>
-      </p:sp>
-      <p:sp>
-        <p:nvSpPr>
-          <p:cNvPr id="323" name="info-text8">
-            <a:extLst>
-              <a:ext uri="{FF2B5EF4-FFF2-40B4-BE49-F238E27FC236}">
-                <a16:creationId xmlns:a16="http://schemas.microsoft.com/office/drawing/2014/main" id="{120560DC-27C3-43A3-8742-9A18D7822EDA}"/>
-              </a:ext>
-            </a:extLst>
-          </p:cNvPr>
-          <p:cNvSpPr txBox="1">
-            <a:spLocks/>
-          </p:cNvSpPr>
-          <p:nvPr/>
-        </p:nvSpPr>
-        <p:spPr>
-          <a:xfrm>
-            <a:off x="3710835" y="4842792"/>
-            <a:ext cx="595191" cy="311111"/>
-          </a:xfrm>
-          <a:prstGeom prst="rect">
-            <a:avLst/>
-          </a:prstGeom>
-          <a:noFill/>
-          <a:ln w="19050">
-            <a:solidFill>
-              <a:srgbClr val="F56413"/>
-            </a:solidFill>
-          </a:ln>
-        </p:spPr>
-        <p:txBody>
-          <a:bodyPr wrap="square" rtlCol="0">
-            <a:spAutoFit/>
-          </a:bodyPr>
-          <a:lstStyle/>
-          <a:p>
-            <a:pPr algn="ctr"/>
-            <a:r>
-              <a:rPr lang="pt-BR" sz="711" b="1" dirty="0" err="1">
-                <a:solidFill>
-                  <a:srgbClr val="F56413"/>
-                </a:solidFill>
-                <a:latin typeface="Quicksand" panose="00000500000000000000" pitchFamily="2" charset="0"/>
-              </a:rPr>
-              <a:t>arduíno</a:t>
-            </a:r>
-            <a:endParaRPr lang="pt-BR" sz="711" b="1" dirty="0">
-              <a:solidFill>
-                <a:srgbClr val="F56413"/>
-              </a:solidFill>
-              <a:latin typeface="Quicksand" panose="00000500000000000000" pitchFamily="2" charset="0"/>
-            </a:endParaRPr>
-          </a:p>
-          <a:p>
-            <a:pPr algn="ctr"/>
-            <a:r>
-              <a:rPr lang="pt-BR" sz="711" b="1" dirty="0">
-                <a:solidFill>
-                  <a:srgbClr val="F56413"/>
-                </a:solidFill>
-                <a:latin typeface="Quicksand" panose="00000500000000000000" pitchFamily="2" charset="0"/>
-              </a:rPr>
-              <a:t>(Uno R3)</a:t>
-            </a:r>
-          </a:p>
-        </p:txBody>
-      </p:sp>
-      <p:sp>
-        <p:nvSpPr>
-          <p:cNvPr id="139" name="info-text10">
-            <a:extLst>
-              <a:ext uri="{FF2B5EF4-FFF2-40B4-BE49-F238E27FC236}">
-                <a16:creationId xmlns:a16="http://schemas.microsoft.com/office/drawing/2014/main" id="{2F1830D3-1919-48C0-AAB9-8D4D8DF47513}"/>
-              </a:ext>
-            </a:extLst>
-          </p:cNvPr>
-          <p:cNvSpPr txBox="1">
-            <a:spLocks/>
-          </p:cNvSpPr>
-          <p:nvPr/>
-        </p:nvSpPr>
-        <p:spPr>
-          <a:xfrm>
-            <a:off x="8616860" y="2291058"/>
-            <a:ext cx="975113" cy="420500"/>
-          </a:xfrm>
-          <a:prstGeom prst="rect">
-            <a:avLst/>
-          </a:prstGeom>
-          <a:noFill/>
-          <a:ln w="19050">
-            <a:solidFill>
-              <a:srgbClr val="F56413"/>
-            </a:solidFill>
-          </a:ln>
-        </p:spPr>
-        <p:txBody>
-          <a:bodyPr wrap="square" rtlCol="0">
-            <a:spAutoFit/>
-          </a:bodyPr>
-          <a:lstStyle/>
-          <a:p>
-            <a:pPr marL="101630" indent="-101630">
-              <a:buFont typeface="Arial" panose="020B0604020202020204" pitchFamily="34" charset="0"/>
-              <a:buChar char="•"/>
-            </a:pPr>
-            <a:r>
-              <a:rPr lang="pt-BR" sz="711" b="1" dirty="0">
-                <a:solidFill>
-                  <a:srgbClr val="F56413"/>
-                </a:solidFill>
-                <a:latin typeface="Quicksand" panose="00000500000000000000" pitchFamily="2" charset="0"/>
-              </a:rPr>
-              <a:t>TP-Link Wireless</a:t>
-            </a:r>
-          </a:p>
-          <a:p>
-            <a:pPr marL="101630" indent="-101630">
-              <a:buFont typeface="Arial" panose="020B0604020202020204" pitchFamily="34" charset="0"/>
-              <a:buChar char="•"/>
-            </a:pPr>
-            <a:r>
-              <a:rPr lang="pt-BR" sz="711" b="1" dirty="0">
-                <a:solidFill>
-                  <a:srgbClr val="F56413"/>
-                </a:solidFill>
-                <a:latin typeface="Quicksand" panose="00000500000000000000" pitchFamily="2" charset="0"/>
-              </a:rPr>
-              <a:t>Archer C50</a:t>
-            </a:r>
-          </a:p>
-          <a:p>
-            <a:pPr marL="101630" indent="-101630">
-              <a:buFont typeface="Arial" panose="020B0604020202020204" pitchFamily="34" charset="0"/>
-              <a:buChar char="•"/>
-            </a:pPr>
-            <a:r>
-              <a:rPr lang="pt-BR" sz="711" b="1" dirty="0">
-                <a:solidFill>
-                  <a:srgbClr val="F56413"/>
-                </a:solidFill>
-                <a:latin typeface="Quicksand" panose="00000500000000000000" pitchFamily="2" charset="0"/>
-              </a:rPr>
-              <a:t>4 Portas</a:t>
-            </a:r>
-          </a:p>
-        </p:txBody>
-      </p:sp>
-      <p:sp>
-        <p:nvSpPr>
-          <p:cNvPr id="143" name="info-text13">
-            <a:extLst>
-              <a:ext uri="{FF2B5EF4-FFF2-40B4-BE49-F238E27FC236}">
-                <a16:creationId xmlns:a16="http://schemas.microsoft.com/office/drawing/2014/main" id="{8A48FDB2-DECE-438C-9069-6007FB31DAAE}"/>
-              </a:ext>
-            </a:extLst>
-          </p:cNvPr>
-          <p:cNvSpPr txBox="1">
-            <a:spLocks/>
-          </p:cNvSpPr>
-          <p:nvPr/>
-        </p:nvSpPr>
-        <p:spPr>
-          <a:xfrm>
-            <a:off x="7702489" y="1792731"/>
-            <a:ext cx="772570" cy="311111"/>
-          </a:xfrm>
-          <a:prstGeom prst="rect">
-            <a:avLst/>
-          </a:prstGeom>
-          <a:noFill/>
-          <a:ln w="19050">
-            <a:solidFill>
-              <a:srgbClr val="F56413"/>
-            </a:solidFill>
-          </a:ln>
-        </p:spPr>
-        <p:txBody>
-          <a:bodyPr wrap="square" rtlCol="0">
-            <a:spAutoFit/>
-          </a:bodyPr>
-          <a:lstStyle/>
-          <a:p>
-            <a:pPr marL="101630" indent="-101630">
-              <a:buFont typeface="Arial" panose="020B0604020202020204" pitchFamily="34" charset="0"/>
-              <a:buChar char="•"/>
-            </a:pPr>
-            <a:r>
-              <a:rPr lang="pt-BR" sz="711" b="1" dirty="0">
-                <a:solidFill>
-                  <a:srgbClr val="F56413"/>
-                </a:solidFill>
-                <a:latin typeface="Quicksand" panose="00000500000000000000" pitchFamily="2" charset="0"/>
-              </a:rPr>
-              <a:t>300Mbps</a:t>
-            </a:r>
-          </a:p>
-          <a:p>
-            <a:pPr marL="101630" indent="-101630">
-              <a:buFont typeface="Arial" panose="020B0604020202020204" pitchFamily="34" charset="0"/>
-              <a:buChar char="•"/>
-            </a:pPr>
-            <a:r>
-              <a:rPr lang="pt-BR" sz="711" b="1" dirty="0">
-                <a:solidFill>
-                  <a:srgbClr val="F56413"/>
-                </a:solidFill>
-                <a:latin typeface="Quicksand" panose="00000500000000000000" pitchFamily="2" charset="0"/>
-              </a:rPr>
-              <a:t>2,4GHz</a:t>
-            </a:r>
-          </a:p>
-        </p:txBody>
-      </p:sp>
-      <p:sp>
-        <p:nvSpPr>
-          <p:cNvPr id="264" name="info-text14">
-            <a:extLst>
-              <a:ext uri="{FF2B5EF4-FFF2-40B4-BE49-F238E27FC236}">
-                <a16:creationId xmlns:a16="http://schemas.microsoft.com/office/drawing/2014/main" id="{FF136DC3-C674-44FC-B552-554CA00DA44D}"/>
-              </a:ext>
-            </a:extLst>
-          </p:cNvPr>
-          <p:cNvSpPr txBox="1">
-            <a:spLocks/>
-          </p:cNvSpPr>
-          <p:nvPr/>
-        </p:nvSpPr>
-        <p:spPr>
-          <a:xfrm>
-            <a:off x="750376" y="2987183"/>
-            <a:ext cx="1379958" cy="529889"/>
-          </a:xfrm>
-          <a:prstGeom prst="rect">
-            <a:avLst/>
-          </a:prstGeom>
-          <a:noFill/>
-          <a:ln w="19050">
-            <a:solidFill>
-              <a:srgbClr val="F56413"/>
-            </a:solidFill>
-          </a:ln>
-        </p:spPr>
-        <p:txBody>
-          <a:bodyPr wrap="square" rtlCol="0">
-            <a:spAutoFit/>
-          </a:bodyPr>
-          <a:lstStyle/>
-          <a:p>
-            <a:pPr marL="101630" indent="-101630">
-              <a:buFont typeface="Arial" panose="020B0604020202020204" pitchFamily="34" charset="0"/>
-              <a:buChar char="•"/>
-            </a:pPr>
-            <a:r>
-              <a:rPr lang="pt-BR" sz="711" b="1" dirty="0" err="1">
-                <a:solidFill>
-                  <a:srgbClr val="F56413"/>
-                </a:solidFill>
-                <a:latin typeface="Quicksand" panose="00000500000000000000" pitchFamily="2" charset="0"/>
-              </a:rPr>
-              <a:t>PowerEdge</a:t>
-            </a:r>
-            <a:r>
-              <a:rPr lang="pt-BR" sz="711" b="1" dirty="0">
-                <a:solidFill>
-                  <a:srgbClr val="F56413"/>
-                </a:solidFill>
-                <a:latin typeface="Quicksand" panose="00000500000000000000" pitchFamily="2" charset="0"/>
-              </a:rPr>
-              <a:t> T150</a:t>
-            </a:r>
-          </a:p>
-          <a:p>
-            <a:pPr marL="101630" indent="-101630">
-              <a:buFont typeface="Arial" panose="020B0604020202020204" pitchFamily="34" charset="0"/>
-              <a:buChar char="•"/>
-            </a:pPr>
-            <a:r>
-              <a:rPr lang="pt-BR" sz="711" b="1" dirty="0">
-                <a:solidFill>
-                  <a:srgbClr val="F56413"/>
-                </a:solidFill>
-                <a:latin typeface="Quicksand" panose="00000500000000000000" pitchFamily="2" charset="0"/>
-              </a:rPr>
-              <a:t>Intel Pentium G6405T</a:t>
-            </a:r>
-          </a:p>
-          <a:p>
-            <a:pPr marL="101630" indent="-101630">
-              <a:buFont typeface="Arial" panose="020B0604020202020204" pitchFamily="34" charset="0"/>
-              <a:buChar char="•"/>
-            </a:pPr>
-            <a:r>
-              <a:rPr lang="pt-BR" sz="711" b="1" dirty="0">
-                <a:solidFill>
-                  <a:srgbClr val="F56413"/>
-                </a:solidFill>
-                <a:latin typeface="Quicksand" panose="00000500000000000000" pitchFamily="2" charset="0"/>
-              </a:rPr>
-              <a:t>8GB RAM DDR4 3200MHz</a:t>
-            </a:r>
-          </a:p>
-          <a:p>
-            <a:pPr marL="101630" indent="-101630">
-              <a:buFont typeface="Arial" panose="020B0604020202020204" pitchFamily="34" charset="0"/>
-              <a:buChar char="•"/>
-            </a:pPr>
-            <a:r>
-              <a:rPr lang="pt-BR" sz="711" b="1" dirty="0">
-                <a:solidFill>
-                  <a:srgbClr val="F56413"/>
-                </a:solidFill>
-                <a:latin typeface="Quicksand" panose="00000500000000000000" pitchFamily="2" charset="0"/>
-              </a:rPr>
-              <a:t>2TB HD SATA 6Gbps</a:t>
-            </a:r>
-          </a:p>
-        </p:txBody>
-      </p:sp>
-      <p:pic>
-        <p:nvPicPr>
-          <p:cNvPr id="92" name="NUVEM" descr="Ícone&#10;&#10;Descrição gerada automaticamente">
-            <a:extLst>
-              <a:ext uri="{FF2B5EF4-FFF2-40B4-BE49-F238E27FC236}">
-                <a16:creationId xmlns:a16="http://schemas.microsoft.com/office/drawing/2014/main" id="{83D92FD9-FE57-4048-8DCC-AAC6A5187F31}"/>
-              </a:ext>
-            </a:extLst>
-          </p:cNvPr>
-          <p:cNvPicPr>
-            <a:picLocks noChangeAspect="1"/>
-          </p:cNvPicPr>
-          <p:nvPr/>
-        </p:nvPicPr>
-        <p:blipFill>
-          <a:blip r:embed="rId2">
-            <a:extLst>
-              <a:ext uri="{28A0092B-C50C-407E-A947-70E740481C1C}">
-                <a14:useLocalDpi xmlns:a14="http://schemas.microsoft.com/office/drawing/2010/main" val="0"/>
-              </a:ext>
-            </a:extLst>
-          </a:blip>
-          <a:stretch>
-            <a:fillRect/>
-          </a:stretch>
-        </p:blipFill>
-        <p:spPr>
-          <a:xfrm>
-            <a:off x="4260666" y="2504736"/>
-            <a:ext cx="1066941" cy="1066942"/>
-          </a:xfrm>
-          <a:prstGeom prst="rect">
-            <a:avLst/>
-          </a:prstGeom>
-        </p:spPr>
-      </p:pic>
-      <p:pic>
-        <p:nvPicPr>
-          <p:cNvPr id="54" name="azure logo" descr="Forma&#10;&#10;Descrição gerada automaticamente com confiança baixa">
-            <a:extLst>
-              <a:ext uri="{FF2B5EF4-FFF2-40B4-BE49-F238E27FC236}">
-                <a16:creationId xmlns:a16="http://schemas.microsoft.com/office/drawing/2014/main" id="{DD974875-B6B9-48C0-8CC6-1AD6F572DD2D}"/>
-              </a:ext>
-            </a:extLst>
-          </p:cNvPr>
-          <p:cNvPicPr>
-            <a:picLocks noChangeAspect="1"/>
-          </p:cNvPicPr>
-          <p:nvPr/>
-        </p:nvPicPr>
-        <p:blipFill>
-          <a:blip r:embed="rId3">
-            <a:extLst>
-              <a:ext uri="{28A0092B-C50C-407E-A947-70E740481C1C}">
-                <a14:useLocalDpi xmlns:a14="http://schemas.microsoft.com/office/drawing/2010/main" val="0"/>
-              </a:ext>
-            </a:extLst>
-          </a:blip>
-          <a:stretch>
-            <a:fillRect/>
-          </a:stretch>
-        </p:blipFill>
-        <p:spPr>
-          <a:xfrm>
-            <a:off x="4669067" y="2609127"/>
-            <a:ext cx="378056" cy="378056"/>
-          </a:xfrm>
-          <a:prstGeom prst="rect">
-            <a:avLst/>
-          </a:prstGeom>
-        </p:spPr>
-      </p:pic>
-      <p:pic>
-        <p:nvPicPr>
-          <p:cNvPr id="96" name="SaaS" descr="Ícone&#10;&#10;Descrição gerada automaticamente">
-            <a:extLst>
-              <a:ext uri="{FF2B5EF4-FFF2-40B4-BE49-F238E27FC236}">
-                <a16:creationId xmlns:a16="http://schemas.microsoft.com/office/drawing/2014/main" id="{F4C989F1-D793-4C69-AA43-39CDEC2CEA93}"/>
-              </a:ext>
-            </a:extLst>
-          </p:cNvPr>
-          <p:cNvPicPr>
-            <a:picLocks noChangeAspect="1"/>
-          </p:cNvPicPr>
-          <p:nvPr/>
-        </p:nvPicPr>
-        <p:blipFill>
-          <a:blip r:embed="rId4">
-            <a:extLst>
-              <a:ext uri="{28A0092B-C50C-407E-A947-70E740481C1C}">
-                <a14:useLocalDpi xmlns:a14="http://schemas.microsoft.com/office/drawing/2010/main" val="0"/>
-              </a:ext>
-            </a:extLst>
-          </a:blip>
-          <a:stretch>
-            <a:fillRect/>
-          </a:stretch>
-        </p:blipFill>
-        <p:spPr>
-          <a:xfrm>
-            <a:off x="4474053" y="1356063"/>
-            <a:ext cx="640164" cy="640165"/>
-          </a:xfrm>
-          <a:prstGeom prst="rect">
-            <a:avLst/>
-          </a:prstGeom>
-        </p:spPr>
-      </p:pic>
-      <p:pic>
-        <p:nvPicPr>
-          <p:cNvPr id="100" name="site" descr="Uma imagem contendo Forma&#10;&#10;Descrição gerada automaticamente">
-            <a:extLst>
-              <a:ext uri="{FF2B5EF4-FFF2-40B4-BE49-F238E27FC236}">
-                <a16:creationId xmlns:a16="http://schemas.microsoft.com/office/drawing/2014/main" id="{F95E5FAB-FA10-4CEF-8B0B-386ED11EB37F}"/>
-              </a:ext>
-            </a:extLst>
-          </p:cNvPr>
-          <p:cNvPicPr>
-            <a:picLocks noChangeAspect="1"/>
-          </p:cNvPicPr>
-          <p:nvPr/>
-        </p:nvPicPr>
-        <p:blipFill>
-          <a:blip r:embed="rId5">
-            <a:extLst>
-              <a:ext uri="{28A0092B-C50C-407E-A947-70E740481C1C}">
-                <a14:useLocalDpi xmlns:a14="http://schemas.microsoft.com/office/drawing/2010/main" val="0"/>
-              </a:ext>
-            </a:extLst>
-          </a:blip>
-          <a:stretch>
-            <a:fillRect/>
-          </a:stretch>
-        </p:blipFill>
-        <p:spPr>
-          <a:xfrm>
-            <a:off x="3858974" y="436358"/>
-            <a:ext cx="426777" cy="426777"/>
-          </a:xfrm>
-          <a:prstGeom prst="rect">
-            <a:avLst/>
-          </a:prstGeom>
-        </p:spPr>
-      </p:pic>
-      <p:pic>
-        <p:nvPicPr>
-          <p:cNvPr id="104" name="bd" descr="Ícone&#10;&#10;Descrição gerada automaticamente">
-            <a:extLst>
-              <a:ext uri="{FF2B5EF4-FFF2-40B4-BE49-F238E27FC236}">
-                <a16:creationId xmlns:a16="http://schemas.microsoft.com/office/drawing/2014/main" id="{607AB2CB-3D83-4480-A09B-6B6CB86FB629}"/>
-              </a:ext>
-            </a:extLst>
-          </p:cNvPr>
-          <p:cNvPicPr>
-            <a:picLocks noChangeAspect="1"/>
-          </p:cNvPicPr>
-          <p:nvPr/>
-        </p:nvPicPr>
-        <p:blipFill>
-          <a:blip r:embed="rId6">
-            <a:extLst>
-              <a:ext uri="{28A0092B-C50C-407E-A947-70E740481C1C}">
-                <a14:useLocalDpi xmlns:a14="http://schemas.microsoft.com/office/drawing/2010/main" val="0"/>
-              </a:ext>
-            </a:extLst>
-          </a:blip>
-          <a:stretch>
-            <a:fillRect/>
-          </a:stretch>
-        </p:blipFill>
-        <p:spPr>
-          <a:xfrm>
-            <a:off x="5220605" y="433252"/>
-            <a:ext cx="426777" cy="426777"/>
-          </a:xfrm>
-          <a:prstGeom prst="rect">
-            <a:avLst/>
-          </a:prstGeom>
-        </p:spPr>
-      </p:pic>
-      <p:pic>
-        <p:nvPicPr>
-          <p:cNvPr id="108" name="html" descr="Logotipo, Ícone&#10;&#10;Descrição gerada automaticamente">
-            <a:extLst>
-              <a:ext uri="{FF2B5EF4-FFF2-40B4-BE49-F238E27FC236}">
-                <a16:creationId xmlns:a16="http://schemas.microsoft.com/office/drawing/2014/main" id="{FD83FBF9-61B4-4EF5-B1A6-86F394321671}"/>
-              </a:ext>
-            </a:extLst>
-          </p:cNvPr>
-          <p:cNvPicPr>
-            <a:picLocks noChangeAspect="1"/>
-          </p:cNvPicPr>
-          <p:nvPr/>
-        </p:nvPicPr>
-        <p:blipFill>
-          <a:blip r:embed="rId7">
-            <a:extLst>
-              <a:ext uri="{28A0092B-C50C-407E-A947-70E740481C1C}">
-                <a14:useLocalDpi xmlns:a14="http://schemas.microsoft.com/office/drawing/2010/main" val="0"/>
-              </a:ext>
-            </a:extLst>
-          </a:blip>
-          <a:stretch>
-            <a:fillRect/>
-          </a:stretch>
-        </p:blipFill>
-        <p:spPr>
-          <a:xfrm>
-            <a:off x="3061884" y="489770"/>
-            <a:ext cx="320082" cy="320082"/>
-          </a:xfrm>
-          <a:prstGeom prst="rect">
-            <a:avLst/>
-          </a:prstGeom>
-        </p:spPr>
-      </p:pic>
-      <p:pic>
-        <p:nvPicPr>
-          <p:cNvPr id="116" name="css" descr="Ícone&#10;&#10;Descrição gerada automaticamente">
-            <a:extLst>
-              <a:ext uri="{FF2B5EF4-FFF2-40B4-BE49-F238E27FC236}">
-                <a16:creationId xmlns:a16="http://schemas.microsoft.com/office/drawing/2014/main" id="{E2BDC217-F524-4C89-9A13-7F69B3311B83}"/>
-              </a:ext>
-            </a:extLst>
-          </p:cNvPr>
-          <p:cNvPicPr>
-            <a:picLocks noChangeAspect="1"/>
-          </p:cNvPicPr>
-          <p:nvPr/>
-        </p:nvPicPr>
-        <p:blipFill>
-          <a:blip r:embed="rId8">
-            <a:extLst>
-              <a:ext uri="{28A0092B-C50C-407E-A947-70E740481C1C}">
-                <a14:useLocalDpi xmlns:a14="http://schemas.microsoft.com/office/drawing/2010/main" val="0"/>
-              </a:ext>
-            </a:extLst>
-          </a:blip>
-          <a:stretch>
-            <a:fillRect/>
-          </a:stretch>
-        </p:blipFill>
-        <p:spPr>
-          <a:xfrm>
-            <a:off x="3054718" y="972773"/>
-            <a:ext cx="320082" cy="320082"/>
-          </a:xfrm>
-          <a:prstGeom prst="rect">
-            <a:avLst/>
-          </a:prstGeom>
-        </p:spPr>
-      </p:pic>
-      <p:pic>
-        <p:nvPicPr>
-          <p:cNvPr id="112" name="js" descr="Logotipo&#10;&#10;Descrição gerada automaticamente">
-            <a:extLst>
-              <a:ext uri="{FF2B5EF4-FFF2-40B4-BE49-F238E27FC236}">
-                <a16:creationId xmlns:a16="http://schemas.microsoft.com/office/drawing/2014/main" id="{D5C5CED0-95D6-4ECD-AC20-151510096B8E}"/>
-              </a:ext>
-            </a:extLst>
-          </p:cNvPr>
-          <p:cNvPicPr>
-            <a:picLocks noChangeAspect="1"/>
-          </p:cNvPicPr>
-          <p:nvPr/>
-        </p:nvPicPr>
-        <p:blipFill>
-          <a:blip r:embed="rId9">
-            <a:extLst>
-              <a:ext uri="{28A0092B-C50C-407E-A947-70E740481C1C}">
-                <a14:useLocalDpi xmlns:a14="http://schemas.microsoft.com/office/drawing/2010/main" val="0"/>
-              </a:ext>
-            </a:extLst>
-          </a:blip>
-          <a:stretch>
-            <a:fillRect/>
-          </a:stretch>
-        </p:blipFill>
-        <p:spPr>
-          <a:xfrm>
-            <a:off x="3061653" y="26513"/>
-            <a:ext cx="320082" cy="320082"/>
-          </a:xfrm>
-          <a:prstGeom prst="rect">
-            <a:avLst/>
-          </a:prstGeom>
-        </p:spPr>
-      </p:pic>
-      <p:pic>
-        <p:nvPicPr>
-          <p:cNvPr id="103" name="firewall2" descr="Logotipo&#10;&#10;Descrição gerada automaticamente com confiança média">
-            <a:extLst>
-              <a:ext uri="{FF2B5EF4-FFF2-40B4-BE49-F238E27FC236}">
-                <a16:creationId xmlns:a16="http://schemas.microsoft.com/office/drawing/2014/main" id="{872ACEB3-B5AB-438D-9DCF-46C7A1D2FCA7}"/>
-              </a:ext>
-            </a:extLst>
-          </p:cNvPr>
-          <p:cNvPicPr>
-            <a:picLocks noChangeAspect="1"/>
-          </p:cNvPicPr>
-          <p:nvPr/>
-        </p:nvPicPr>
-        <p:blipFill>
-          <a:blip r:embed="rId10">
-            <a:extLst>
-              <a:ext uri="{28A0092B-C50C-407E-A947-70E740481C1C}">
-                <a14:useLocalDpi xmlns:a14="http://schemas.microsoft.com/office/drawing/2010/main" val="0"/>
-              </a:ext>
-            </a:extLst>
-          </a:blip>
-          <a:stretch>
-            <a:fillRect/>
-          </a:stretch>
-        </p:blipFill>
-        <p:spPr>
-          <a:xfrm>
-            <a:off x="6833893" y="2361599"/>
-            <a:ext cx="425031" cy="425031"/>
-          </a:xfrm>
-          <a:prstGeom prst="rect">
-            <a:avLst/>
-          </a:prstGeom>
-        </p:spPr>
-      </p:pic>
-      <p:pic>
-        <p:nvPicPr>
-          <p:cNvPr id="224" name="wifi_cliente" descr="Ícone&#10;&#10;Descrição gerada automaticamente">
-            <a:extLst>
-              <a:ext uri="{FF2B5EF4-FFF2-40B4-BE49-F238E27FC236}">
-                <a16:creationId xmlns:a16="http://schemas.microsoft.com/office/drawing/2014/main" id="{1002B21D-B4EE-473B-9D88-A48B15241FB6}"/>
-              </a:ext>
-            </a:extLst>
-          </p:cNvPr>
-          <p:cNvPicPr>
-            <a:picLocks noChangeAspect="1"/>
-          </p:cNvPicPr>
-          <p:nvPr/>
-        </p:nvPicPr>
-        <p:blipFill>
-          <a:blip r:embed="rId11">
-            <a:extLst>
-              <a:ext uri="{28A0092B-C50C-407E-A947-70E740481C1C}">
-                <a14:useLocalDpi xmlns:a14="http://schemas.microsoft.com/office/drawing/2010/main" val="0"/>
-              </a:ext>
-            </a:extLst>
-          </a:blip>
-          <a:stretch>
-            <a:fillRect/>
-          </a:stretch>
-        </p:blipFill>
-        <p:spPr>
-          <a:xfrm>
-            <a:off x="8278261" y="1578460"/>
-            <a:ext cx="426777" cy="426777"/>
-          </a:xfrm>
-          <a:prstGeom prst="rect">
-            <a:avLst/>
-          </a:prstGeom>
-        </p:spPr>
-      </p:pic>
-      <p:pic>
-        <p:nvPicPr>
-          <p:cNvPr id="226" name="pc_cliente" descr="Ícone&#10;&#10;Descrição gerada automaticamente">
-            <a:extLst>
-              <a:ext uri="{FF2B5EF4-FFF2-40B4-BE49-F238E27FC236}">
-                <a16:creationId xmlns:a16="http://schemas.microsoft.com/office/drawing/2014/main" id="{8D9172A7-DCFD-454E-966D-A64EFF128E2E}"/>
-              </a:ext>
-            </a:extLst>
-          </p:cNvPr>
-          <p:cNvPicPr>
-            <a:picLocks noChangeAspect="1"/>
-          </p:cNvPicPr>
-          <p:nvPr/>
-        </p:nvPicPr>
-        <p:blipFill>
-          <a:blip r:embed="rId12">
-            <a:extLst>
-              <a:ext uri="{28A0092B-C50C-407E-A947-70E740481C1C}">
-                <a14:useLocalDpi xmlns:a14="http://schemas.microsoft.com/office/drawing/2010/main" val="0"/>
-              </a:ext>
-            </a:extLst>
-          </a:blip>
-          <a:stretch>
-            <a:fillRect/>
-          </a:stretch>
-        </p:blipFill>
-        <p:spPr>
-          <a:xfrm>
-            <a:off x="8171569" y="429609"/>
-            <a:ext cx="640164" cy="640165"/>
-          </a:xfrm>
-          <a:prstGeom prst="rect">
-            <a:avLst/>
-          </a:prstGeom>
-        </p:spPr>
-      </p:pic>
-      <p:pic>
-        <p:nvPicPr>
-          <p:cNvPr id="230" name="servidor" descr="Uma imagem contendo Interface gráfica do usuário&#10;&#10;Descrição gerada automaticamente">
-            <a:extLst>
-              <a:ext uri="{FF2B5EF4-FFF2-40B4-BE49-F238E27FC236}">
-                <a16:creationId xmlns:a16="http://schemas.microsoft.com/office/drawing/2014/main" id="{90426419-7CCE-4786-93E0-CE58956138A4}"/>
-              </a:ext>
-            </a:extLst>
-          </p:cNvPr>
-          <p:cNvPicPr>
-            <a:picLocks noChangeAspect="1"/>
-          </p:cNvPicPr>
-          <p:nvPr/>
-        </p:nvPicPr>
-        <p:blipFill>
-          <a:blip r:embed="rId13">
-            <a:extLst>
-              <a:ext uri="{28A0092B-C50C-407E-A947-70E740481C1C}">
-                <a14:useLocalDpi xmlns:a14="http://schemas.microsoft.com/office/drawing/2010/main" val="0"/>
-              </a:ext>
-            </a:extLst>
-          </a:blip>
-          <a:stretch>
-            <a:fillRect/>
-          </a:stretch>
-        </p:blipFill>
-        <p:spPr>
-          <a:xfrm>
-            <a:off x="391669" y="3107031"/>
-            <a:ext cx="426777" cy="426777"/>
-          </a:xfrm>
-          <a:prstGeom prst="rect">
-            <a:avLst/>
-          </a:prstGeom>
-        </p:spPr>
-      </p:pic>
-      <p:pic>
-        <p:nvPicPr>
-          <p:cNvPr id="124" name="arduino" descr="Esquemático, Ícone, Código QR&#10;&#10;Descrição gerada automaticamente">
-            <a:extLst>
-              <a:ext uri="{FF2B5EF4-FFF2-40B4-BE49-F238E27FC236}">
-                <a16:creationId xmlns:a16="http://schemas.microsoft.com/office/drawing/2014/main" id="{56DB52C5-5EDE-492F-A762-45C863D66EA0}"/>
-              </a:ext>
-            </a:extLst>
-          </p:cNvPr>
-          <p:cNvPicPr>
-            <a:picLocks noChangeAspect="1"/>
-          </p:cNvPicPr>
-          <p:nvPr/>
-        </p:nvPicPr>
-        <p:blipFill>
-          <a:blip r:embed="rId14">
-            <a:extLst>
-              <a:ext uri="{28A0092B-C50C-407E-A947-70E740481C1C}">
-                <a14:useLocalDpi xmlns:a14="http://schemas.microsoft.com/office/drawing/2010/main" val="0"/>
-              </a:ext>
-            </a:extLst>
-          </a:blip>
-          <a:stretch>
-            <a:fillRect/>
-          </a:stretch>
-        </p:blipFill>
-        <p:spPr>
-          <a:xfrm>
-            <a:off x="1928524" y="4520863"/>
-            <a:ext cx="316096" cy="320082"/>
-          </a:xfrm>
-          <a:prstGeom prst="rect">
-            <a:avLst/>
-          </a:prstGeom>
-        </p:spPr>
-      </p:pic>
-      <p:pic>
-        <p:nvPicPr>
-          <p:cNvPr id="128" name="protoboard" descr="Ícone&#10;&#10;Descrição gerada automaticamente com confiança média">
-            <a:extLst>
-              <a:ext uri="{FF2B5EF4-FFF2-40B4-BE49-F238E27FC236}">
-                <a16:creationId xmlns:a16="http://schemas.microsoft.com/office/drawing/2014/main" id="{ECB0AD55-8383-481E-8FC3-BED6B4630C34}"/>
-              </a:ext>
-            </a:extLst>
-          </p:cNvPr>
-          <p:cNvPicPr>
-            <a:picLocks noChangeAspect="1"/>
-          </p:cNvPicPr>
-          <p:nvPr/>
-        </p:nvPicPr>
-        <p:blipFill>
-          <a:blip r:embed="rId15">
-            <a:extLst>
-              <a:ext uri="{28A0092B-C50C-407E-A947-70E740481C1C}">
-                <a14:useLocalDpi xmlns:a14="http://schemas.microsoft.com/office/drawing/2010/main" val="0"/>
-              </a:ext>
-            </a:extLst>
-          </a:blip>
-          <a:stretch>
-            <a:fillRect/>
-          </a:stretch>
-        </p:blipFill>
-        <p:spPr>
-          <a:xfrm>
-            <a:off x="2895600" y="4562580"/>
-            <a:ext cx="316096" cy="320082"/>
-          </a:xfrm>
-          <a:prstGeom prst="rect">
-            <a:avLst/>
-          </a:prstGeom>
-        </p:spPr>
-      </p:pic>
-      <p:pic>
-        <p:nvPicPr>
-          <p:cNvPr id="132" name="sensor" descr="Uma imagem contendo Ícone&#10;&#10;Descrição gerada automaticamente">
-            <a:extLst>
-              <a:ext uri="{FF2B5EF4-FFF2-40B4-BE49-F238E27FC236}">
-                <a16:creationId xmlns:a16="http://schemas.microsoft.com/office/drawing/2014/main" id="{AB7478B9-5944-4C4B-9AD2-ACD192C8167D}"/>
-              </a:ext>
-            </a:extLst>
-          </p:cNvPr>
-          <p:cNvPicPr>
-            <a:picLocks noChangeAspect="1"/>
-          </p:cNvPicPr>
-          <p:nvPr/>
-        </p:nvPicPr>
-        <p:blipFill>
-          <a:blip r:embed="rId16">
-            <a:extLst>
-              <a:ext uri="{28A0092B-C50C-407E-A947-70E740481C1C}">
-                <a14:useLocalDpi xmlns:a14="http://schemas.microsoft.com/office/drawing/2010/main" val="0"/>
-              </a:ext>
-            </a:extLst>
-          </a:blip>
-          <a:stretch>
-            <a:fillRect/>
-          </a:stretch>
-        </p:blipFill>
-        <p:spPr>
-          <a:xfrm>
-            <a:off x="3848624" y="4502882"/>
-            <a:ext cx="316096" cy="320082"/>
-          </a:xfrm>
-          <a:prstGeom prst="rect">
-            <a:avLst/>
-          </a:prstGeom>
-        </p:spPr>
-      </p:pic>
-      <p:pic>
-        <p:nvPicPr>
-          <p:cNvPr id="136" name="unidade" descr="Desenho de bandeira&#10;&#10;Descrição gerada automaticamente com confiança média">
-            <a:extLst>
-              <a:ext uri="{FF2B5EF4-FFF2-40B4-BE49-F238E27FC236}">
-                <a16:creationId xmlns:a16="http://schemas.microsoft.com/office/drawing/2014/main" id="{8D74D369-A42F-4A69-A02D-77D97BA5AA15}"/>
-              </a:ext>
-            </a:extLst>
-          </p:cNvPr>
-          <p:cNvPicPr>
-            <a:picLocks noChangeAspect="1"/>
-          </p:cNvPicPr>
-          <p:nvPr/>
-        </p:nvPicPr>
-        <p:blipFill>
-          <a:blip r:embed="rId17">
-            <a:extLst>
-              <a:ext uri="{28A0092B-C50C-407E-A947-70E740481C1C}">
-                <a14:useLocalDpi xmlns:a14="http://schemas.microsoft.com/office/drawing/2010/main" val="0"/>
-              </a:ext>
-            </a:extLst>
-          </a:blip>
-          <a:stretch>
-            <a:fillRect/>
-          </a:stretch>
-        </p:blipFill>
-        <p:spPr>
-          <a:xfrm>
-            <a:off x="278839" y="4430366"/>
-            <a:ext cx="640164" cy="640165"/>
-          </a:xfrm>
-          <a:prstGeom prst="rect">
-            <a:avLst/>
-          </a:prstGeom>
-        </p:spPr>
-      </p:pic>
-      <p:pic>
-        <p:nvPicPr>
-          <p:cNvPr id="137" name="roteador_omni" descr="Ícone&#10;&#10;Descrição gerada automaticamente">
-            <a:extLst>
-              <a:ext uri="{FF2B5EF4-FFF2-40B4-BE49-F238E27FC236}">
-                <a16:creationId xmlns:a16="http://schemas.microsoft.com/office/drawing/2014/main" id="{1BF8DB9A-661B-41EE-A78A-63F21A27B707}"/>
-              </a:ext>
-            </a:extLst>
-          </p:cNvPr>
-          <p:cNvPicPr>
-            <a:picLocks noChangeAspect="1"/>
-          </p:cNvPicPr>
-          <p:nvPr/>
-        </p:nvPicPr>
-        <p:blipFill>
-          <a:blip r:embed="rId18">
-            <a:extLst>
-              <a:ext uri="{28A0092B-C50C-407E-A947-70E740481C1C}">
-                <a14:useLocalDpi xmlns:a14="http://schemas.microsoft.com/office/drawing/2010/main" val="0"/>
-              </a:ext>
-            </a:extLst>
-          </a:blip>
-          <a:stretch>
-            <a:fillRect/>
-          </a:stretch>
-        </p:blipFill>
-        <p:spPr>
-          <a:xfrm>
-            <a:off x="8278260" y="2358719"/>
-            <a:ext cx="426777" cy="426777"/>
-          </a:xfrm>
-          <a:prstGeom prst="rect">
-            <a:avLst/>
-          </a:prstGeom>
-        </p:spPr>
-      </p:pic>
-      <p:pic>
-        <p:nvPicPr>
-          <p:cNvPr id="361" name="wifi_cliente" descr="Ícone&#10;&#10;Descrição gerada automaticamente">
-            <a:extLst>
-              <a:ext uri="{FF2B5EF4-FFF2-40B4-BE49-F238E27FC236}">
-                <a16:creationId xmlns:a16="http://schemas.microsoft.com/office/drawing/2014/main" id="{FBFB2CE3-B26F-4DDD-B74F-F868709FB0AE}"/>
-              </a:ext>
-            </a:extLst>
-          </p:cNvPr>
-          <p:cNvPicPr>
-            <a:picLocks noChangeAspect="1"/>
-          </p:cNvPicPr>
-          <p:nvPr/>
-        </p:nvPicPr>
-        <p:blipFill>
-          <a:blip r:embed="rId11">
-            <a:extLst>
-              <a:ext uri="{28A0092B-C50C-407E-A947-70E740481C1C}">
-                <a14:useLocalDpi xmlns:a14="http://schemas.microsoft.com/office/drawing/2010/main" val="0"/>
-              </a:ext>
-            </a:extLst>
-          </a:blip>
-          <a:stretch>
-            <a:fillRect/>
-          </a:stretch>
-        </p:blipFill>
-        <p:spPr>
-          <a:xfrm>
-            <a:off x="450752" y="3939313"/>
-            <a:ext cx="288000" cy="288000"/>
-          </a:xfrm>
-          <a:prstGeom prst="rect">
-            <a:avLst/>
-          </a:prstGeom>
-        </p:spPr>
-      </p:pic>
+        </p:grpSpPr>
+        <p:pic>
+          <p:nvPicPr>
+            <p:cNvPr id="92" name="NUVEM" descr="Ícone&#10;&#10;Descrição gerada automaticamente">
+              <a:extLst>
+                <a:ext uri="{FF2B5EF4-FFF2-40B4-BE49-F238E27FC236}">
+                  <a16:creationId xmlns:a16="http://schemas.microsoft.com/office/drawing/2014/main" id="{83D92FD9-FE57-4048-8DCC-AAC6A5187F31}"/>
+                </a:ext>
+              </a:extLst>
+            </p:cNvPr>
+            <p:cNvPicPr>
+              <a:picLocks noGrp="1" noRot="1" noChangeAspect="1" noMove="1" noResize="1" noEditPoints="1" noAdjustHandles="1" noChangeArrowheads="1" noChangeShapeType="1" noCrop="1"/>
+            </p:cNvPicPr>
+            <p:nvPr/>
+          </p:nvPicPr>
+          <p:blipFill>
+            <a:blip r:embed="rId2">
+              <a:extLst>
+                <a:ext uri="{28A0092B-C50C-407E-A947-70E740481C1C}">
+                  <a14:useLocalDpi xmlns:a14="http://schemas.microsoft.com/office/drawing/2010/main" val="0"/>
+                </a:ext>
+              </a:extLst>
+            </a:blip>
+            <a:stretch>
+              <a:fillRect/>
+            </a:stretch>
+          </p:blipFill>
+          <p:spPr>
+            <a:xfrm>
+              <a:off x="4260666" y="2504736"/>
+              <a:ext cx="1066941" cy="1066942"/>
+            </a:xfrm>
+            <a:prstGeom prst="rect">
+              <a:avLst/>
+            </a:prstGeom>
+          </p:spPr>
+        </p:pic>
+        <p:pic>
+          <p:nvPicPr>
+            <p:cNvPr id="54" name="azure logo">
+              <a:extLst>
+                <a:ext uri="{FF2B5EF4-FFF2-40B4-BE49-F238E27FC236}">
+                  <a16:creationId xmlns:a16="http://schemas.microsoft.com/office/drawing/2014/main" id="{DD974875-B6B9-48C0-8CC6-1AD6F572DD2D}"/>
+                </a:ext>
+              </a:extLst>
+            </p:cNvPr>
+            <p:cNvPicPr>
+              <a:picLocks noGrp="1" noRot="1" noChangeAspect="1" noMove="1" noResize="1" noEditPoints="1" noAdjustHandles="1" noChangeArrowheads="1" noChangeShapeType="1" noCrop="1"/>
+            </p:cNvPicPr>
+            <p:nvPr/>
+          </p:nvPicPr>
+          <p:blipFill>
+            <a:blip r:embed="rId3">
+              <a:extLst>
+                <a:ext uri="{28A0092B-C50C-407E-A947-70E740481C1C}">
+                  <a14:useLocalDpi xmlns:a14="http://schemas.microsoft.com/office/drawing/2010/main" val="0"/>
+                </a:ext>
+              </a:extLst>
+            </a:blip>
+            <a:srcRect/>
+            <a:stretch/>
+          </p:blipFill>
+          <p:spPr>
+            <a:xfrm>
+              <a:off x="4669067" y="2613889"/>
+              <a:ext cx="378056" cy="378056"/>
+            </a:xfrm>
+            <a:prstGeom prst="rect">
+              <a:avLst/>
+            </a:prstGeom>
+            <a:ln>
+              <a:noFill/>
+            </a:ln>
+          </p:spPr>
+        </p:pic>
+        <p:pic>
+          <p:nvPicPr>
+            <p:cNvPr id="96" name="SaaS" descr="Ícone&#10;&#10;Descrição gerada automaticamente">
+              <a:extLst>
+                <a:ext uri="{FF2B5EF4-FFF2-40B4-BE49-F238E27FC236}">
+                  <a16:creationId xmlns:a16="http://schemas.microsoft.com/office/drawing/2014/main" id="{F4C989F1-D793-4C69-AA43-39CDEC2CEA93}"/>
+                </a:ext>
+              </a:extLst>
+            </p:cNvPr>
+            <p:cNvPicPr>
+              <a:picLocks noGrp="1" noRot="1" noChangeAspect="1" noMove="1" noResize="1" noEditPoints="1" noAdjustHandles="1" noChangeArrowheads="1" noChangeShapeType="1" noCrop="1"/>
+            </p:cNvPicPr>
+            <p:nvPr/>
+          </p:nvPicPr>
+          <p:blipFill>
+            <a:blip r:embed="rId4">
+              <a:extLst>
+                <a:ext uri="{28A0092B-C50C-407E-A947-70E740481C1C}">
+                  <a14:useLocalDpi xmlns:a14="http://schemas.microsoft.com/office/drawing/2010/main" val="0"/>
+                </a:ext>
+              </a:extLst>
+            </a:blip>
+            <a:stretch>
+              <a:fillRect/>
+            </a:stretch>
+          </p:blipFill>
+          <p:spPr>
+            <a:xfrm>
+              <a:off x="4474053" y="1356063"/>
+              <a:ext cx="640164" cy="640165"/>
+            </a:xfrm>
+            <a:prstGeom prst="rect">
+              <a:avLst/>
+            </a:prstGeom>
+          </p:spPr>
+        </p:pic>
+        <p:pic>
+          <p:nvPicPr>
+            <p:cNvPr id="104" name="bd" descr="Ícone&#10;&#10;Descrição gerada automaticamente">
+              <a:extLst>
+                <a:ext uri="{FF2B5EF4-FFF2-40B4-BE49-F238E27FC236}">
+                  <a16:creationId xmlns:a16="http://schemas.microsoft.com/office/drawing/2014/main" id="{607AB2CB-3D83-4480-A09B-6B6CB86FB629}"/>
+                </a:ext>
+              </a:extLst>
+            </p:cNvPr>
+            <p:cNvPicPr>
+              <a:picLocks noGrp="1" noRot="1" noChangeAspect="1" noMove="1" noResize="1" noEditPoints="1" noAdjustHandles="1" noChangeArrowheads="1" noChangeShapeType="1" noCrop="1"/>
+            </p:cNvPicPr>
+            <p:nvPr/>
+          </p:nvPicPr>
+          <p:blipFill>
+            <a:blip r:embed="rId5">
+              <a:extLst>
+                <a:ext uri="{28A0092B-C50C-407E-A947-70E740481C1C}">
+                  <a14:useLocalDpi xmlns:a14="http://schemas.microsoft.com/office/drawing/2010/main" val="0"/>
+                </a:ext>
+              </a:extLst>
+            </a:blip>
+            <a:stretch>
+              <a:fillRect/>
+            </a:stretch>
+          </p:blipFill>
+          <p:spPr>
+            <a:xfrm>
+              <a:off x="5220605" y="433252"/>
+              <a:ext cx="426777" cy="426777"/>
+            </a:xfrm>
+            <a:prstGeom prst="rect">
+              <a:avLst/>
+            </a:prstGeom>
+          </p:spPr>
+        </p:pic>
+        <p:pic>
+          <p:nvPicPr>
+            <p:cNvPr id="100" name="site" descr="Uma imagem contendo Forma&#10;&#10;Descrição gerada automaticamente">
+              <a:extLst>
+                <a:ext uri="{FF2B5EF4-FFF2-40B4-BE49-F238E27FC236}">
+                  <a16:creationId xmlns:a16="http://schemas.microsoft.com/office/drawing/2014/main" id="{F95E5FAB-FA10-4CEF-8B0B-386ED11EB37F}"/>
+                </a:ext>
+              </a:extLst>
+            </p:cNvPr>
+            <p:cNvPicPr>
+              <a:picLocks noGrp="1" noRot="1" noChangeAspect="1" noMove="1" noResize="1" noEditPoints="1" noAdjustHandles="1" noChangeArrowheads="1" noChangeShapeType="1" noCrop="1"/>
+            </p:cNvPicPr>
+            <p:nvPr/>
+          </p:nvPicPr>
+          <p:blipFill>
+            <a:blip r:embed="rId6">
+              <a:extLst>
+                <a:ext uri="{28A0092B-C50C-407E-A947-70E740481C1C}">
+                  <a14:useLocalDpi xmlns:a14="http://schemas.microsoft.com/office/drawing/2010/main" val="0"/>
+                </a:ext>
+              </a:extLst>
+            </a:blip>
+            <a:stretch>
+              <a:fillRect/>
+            </a:stretch>
+          </p:blipFill>
+          <p:spPr>
+            <a:xfrm>
+              <a:off x="3858974" y="436358"/>
+              <a:ext cx="426777" cy="426777"/>
+            </a:xfrm>
+            <a:prstGeom prst="rect">
+              <a:avLst/>
+            </a:prstGeom>
+          </p:spPr>
+        </p:pic>
+        <p:pic>
+          <p:nvPicPr>
+            <p:cNvPr id="112" name="js" descr="Logotipo&#10;&#10;Descrição gerada automaticamente">
+              <a:extLst>
+                <a:ext uri="{FF2B5EF4-FFF2-40B4-BE49-F238E27FC236}">
+                  <a16:creationId xmlns:a16="http://schemas.microsoft.com/office/drawing/2014/main" id="{D5C5CED0-95D6-4ECD-AC20-151510096B8E}"/>
+                </a:ext>
+              </a:extLst>
+            </p:cNvPr>
+            <p:cNvPicPr>
+              <a:picLocks noGrp="1" noRot="1" noChangeAspect="1" noMove="1" noResize="1" noEditPoints="1" noAdjustHandles="1" noChangeArrowheads="1" noChangeShapeType="1" noCrop="1"/>
+            </p:cNvPicPr>
+            <p:nvPr/>
+          </p:nvPicPr>
+          <p:blipFill>
+            <a:blip r:embed="rId7">
+              <a:extLst>
+                <a:ext uri="{28A0092B-C50C-407E-A947-70E740481C1C}">
+                  <a14:useLocalDpi xmlns:a14="http://schemas.microsoft.com/office/drawing/2010/main" val="0"/>
+                </a:ext>
+              </a:extLst>
+            </a:blip>
+            <a:stretch>
+              <a:fillRect/>
+            </a:stretch>
+          </p:blipFill>
+          <p:spPr>
+            <a:xfrm>
+              <a:off x="3061653" y="26513"/>
+              <a:ext cx="320082" cy="320082"/>
+            </a:xfrm>
+            <a:prstGeom prst="rect">
+              <a:avLst/>
+            </a:prstGeom>
+          </p:spPr>
+        </p:pic>
+        <p:pic>
+          <p:nvPicPr>
+            <p:cNvPr id="108" name="html" descr="Logotipo, Ícone&#10;&#10;Descrição gerada automaticamente">
+              <a:extLst>
+                <a:ext uri="{FF2B5EF4-FFF2-40B4-BE49-F238E27FC236}">
+                  <a16:creationId xmlns:a16="http://schemas.microsoft.com/office/drawing/2014/main" id="{FD83FBF9-61B4-4EF5-B1A6-86F394321671}"/>
+                </a:ext>
+              </a:extLst>
+            </p:cNvPr>
+            <p:cNvPicPr>
+              <a:picLocks noGrp="1" noRot="1" noChangeAspect="1" noMove="1" noResize="1" noEditPoints="1" noAdjustHandles="1" noChangeArrowheads="1" noChangeShapeType="1" noCrop="1"/>
+            </p:cNvPicPr>
+            <p:nvPr/>
+          </p:nvPicPr>
+          <p:blipFill>
+            <a:blip r:embed="rId8">
+              <a:extLst>
+                <a:ext uri="{28A0092B-C50C-407E-A947-70E740481C1C}">
+                  <a14:useLocalDpi xmlns:a14="http://schemas.microsoft.com/office/drawing/2010/main" val="0"/>
+                </a:ext>
+              </a:extLst>
+            </a:blip>
+            <a:stretch>
+              <a:fillRect/>
+            </a:stretch>
+          </p:blipFill>
+          <p:spPr>
+            <a:xfrm>
+              <a:off x="3061884" y="489770"/>
+              <a:ext cx="320082" cy="320082"/>
+            </a:xfrm>
+            <a:prstGeom prst="rect">
+              <a:avLst/>
+            </a:prstGeom>
+          </p:spPr>
+        </p:pic>
+        <p:pic>
+          <p:nvPicPr>
+            <p:cNvPr id="116" name="css" descr="Ícone&#10;&#10;Descrição gerada automaticamente">
+              <a:extLst>
+                <a:ext uri="{FF2B5EF4-FFF2-40B4-BE49-F238E27FC236}">
+                  <a16:creationId xmlns:a16="http://schemas.microsoft.com/office/drawing/2014/main" id="{E2BDC217-F524-4C89-9A13-7F69B3311B83}"/>
+                </a:ext>
+              </a:extLst>
+            </p:cNvPr>
+            <p:cNvPicPr>
+              <a:picLocks noGrp="1" noRot="1" noChangeAspect="1" noMove="1" noResize="1" noEditPoints="1" noAdjustHandles="1" noChangeArrowheads="1" noChangeShapeType="1" noCrop="1"/>
+            </p:cNvPicPr>
+            <p:nvPr/>
+          </p:nvPicPr>
+          <p:blipFill>
+            <a:blip r:embed="rId9">
+              <a:extLst>
+                <a:ext uri="{28A0092B-C50C-407E-A947-70E740481C1C}">
+                  <a14:useLocalDpi xmlns:a14="http://schemas.microsoft.com/office/drawing/2010/main" val="0"/>
+                </a:ext>
+              </a:extLst>
+            </a:blip>
+            <a:stretch>
+              <a:fillRect/>
+            </a:stretch>
+          </p:blipFill>
+          <p:spPr>
+            <a:xfrm>
+              <a:off x="3054718" y="972773"/>
+              <a:ext cx="320082" cy="320082"/>
+            </a:xfrm>
+            <a:prstGeom prst="rect">
+              <a:avLst/>
+            </a:prstGeom>
+          </p:spPr>
+        </p:pic>
+        <p:pic>
+          <p:nvPicPr>
+            <p:cNvPr id="226" name="pc_cliente" descr="Ícone&#10;&#10;Descrição gerada automaticamente">
+              <a:extLst>
+                <a:ext uri="{FF2B5EF4-FFF2-40B4-BE49-F238E27FC236}">
+                  <a16:creationId xmlns:a16="http://schemas.microsoft.com/office/drawing/2014/main" id="{8D9172A7-DCFD-454E-966D-A64EFF128E2E}"/>
+                </a:ext>
+              </a:extLst>
+            </p:cNvPr>
+            <p:cNvPicPr>
+              <a:picLocks noGrp="1" noRot="1" noChangeAspect="1" noMove="1" noResize="1" noEditPoints="1" noAdjustHandles="1" noChangeArrowheads="1" noChangeShapeType="1" noCrop="1"/>
+            </p:cNvPicPr>
+            <p:nvPr/>
+          </p:nvPicPr>
+          <p:blipFill>
+            <a:blip r:embed="rId10">
+              <a:extLst>
+                <a:ext uri="{28A0092B-C50C-407E-A947-70E740481C1C}">
+                  <a14:useLocalDpi xmlns:a14="http://schemas.microsoft.com/office/drawing/2010/main" val="0"/>
+                </a:ext>
+              </a:extLst>
+            </a:blip>
+            <a:stretch>
+              <a:fillRect/>
+            </a:stretch>
+          </p:blipFill>
+          <p:spPr>
+            <a:xfrm>
+              <a:off x="8499536" y="4612644"/>
+              <a:ext cx="640164" cy="640165"/>
+            </a:xfrm>
+            <a:prstGeom prst="rect">
+              <a:avLst/>
+            </a:prstGeom>
+          </p:spPr>
+        </p:pic>
+        <p:pic>
+          <p:nvPicPr>
+            <p:cNvPr id="224" name="wifi_cliente" descr="Ícone&#10;&#10;Descrição gerada automaticamente">
+              <a:extLst>
+                <a:ext uri="{FF2B5EF4-FFF2-40B4-BE49-F238E27FC236}">
+                  <a16:creationId xmlns:a16="http://schemas.microsoft.com/office/drawing/2014/main" id="{1002B21D-B4EE-473B-9D88-A48B15241FB6}"/>
+                </a:ext>
+              </a:extLst>
+            </p:cNvPr>
+            <p:cNvPicPr>
+              <a:picLocks noGrp="1" noRot="1" noChangeAspect="1" noMove="1" noResize="1" noEditPoints="1" noAdjustHandles="1" noChangeArrowheads="1" noChangeShapeType="1" noCrop="1"/>
+            </p:cNvPicPr>
+            <p:nvPr/>
+          </p:nvPicPr>
+          <p:blipFill>
+            <a:blip r:embed="rId11">
+              <a:extLst>
+                <a:ext uri="{28A0092B-C50C-407E-A947-70E740481C1C}">
+                  <a14:useLocalDpi xmlns:a14="http://schemas.microsoft.com/office/drawing/2010/main" val="0"/>
+                </a:ext>
+              </a:extLst>
+            </a:blip>
+            <a:stretch>
+              <a:fillRect/>
+            </a:stretch>
+          </p:blipFill>
+          <p:spPr>
+            <a:xfrm>
+              <a:off x="8612118" y="3055154"/>
+              <a:ext cx="426777" cy="426777"/>
+            </a:xfrm>
+            <a:prstGeom prst="rect">
+              <a:avLst/>
+            </a:prstGeom>
+          </p:spPr>
+        </p:pic>
+        <p:pic>
+          <p:nvPicPr>
+            <p:cNvPr id="137" name="roteador_cliente" descr="Ícone&#10;&#10;Descrição gerada automaticamente">
+              <a:extLst>
+                <a:ext uri="{FF2B5EF4-FFF2-40B4-BE49-F238E27FC236}">
+                  <a16:creationId xmlns:a16="http://schemas.microsoft.com/office/drawing/2014/main" id="{1BF8DB9A-661B-41EE-A78A-63F21A27B707}"/>
+                </a:ext>
+              </a:extLst>
+            </p:cNvPr>
+            <p:cNvPicPr>
+              <a:picLocks noGrp="1" noRot="1" noChangeAspect="1" noMove="1" noResize="1" noEditPoints="1" noAdjustHandles="1" noChangeArrowheads="1" noChangeShapeType="1" noCrop="1"/>
+            </p:cNvPicPr>
+            <p:nvPr/>
+          </p:nvPicPr>
+          <p:blipFill>
+            <a:blip r:embed="rId12">
+              <a:extLst>
+                <a:ext uri="{28A0092B-C50C-407E-A947-70E740481C1C}">
+                  <a14:useLocalDpi xmlns:a14="http://schemas.microsoft.com/office/drawing/2010/main" val="0"/>
+                </a:ext>
+              </a:extLst>
+            </a:blip>
+            <a:stretch>
+              <a:fillRect/>
+            </a:stretch>
+          </p:blipFill>
+          <p:spPr>
+            <a:xfrm>
+              <a:off x="8612117" y="1952493"/>
+              <a:ext cx="426777" cy="426777"/>
+            </a:xfrm>
+            <a:prstGeom prst="rect">
+              <a:avLst/>
+            </a:prstGeom>
+          </p:spPr>
+        </p:pic>
+        <p:pic>
+          <p:nvPicPr>
+            <p:cNvPr id="103" name="firewall_cliente" descr="Logotipo&#10;&#10;Descrição gerada automaticamente com confiança média">
+              <a:extLst>
+                <a:ext uri="{FF2B5EF4-FFF2-40B4-BE49-F238E27FC236}">
+                  <a16:creationId xmlns:a16="http://schemas.microsoft.com/office/drawing/2014/main" id="{872ACEB3-B5AB-438D-9DCF-46C7A1D2FCA7}"/>
+                </a:ext>
+              </a:extLst>
+            </p:cNvPr>
+            <p:cNvPicPr>
+              <a:picLocks noGrp="1" noRot="1" noChangeAspect="1" noMove="1" noResize="1" noEditPoints="1" noAdjustHandles="1" noChangeArrowheads="1" noChangeShapeType="1" noCrop="1"/>
+            </p:cNvPicPr>
+            <p:nvPr/>
+          </p:nvPicPr>
+          <p:blipFill>
+            <a:blip r:embed="rId13">
+              <a:extLst>
+                <a:ext uri="{28A0092B-C50C-407E-A947-70E740481C1C}">
+                  <a14:useLocalDpi xmlns:a14="http://schemas.microsoft.com/office/drawing/2010/main" val="0"/>
+                </a:ext>
+              </a:extLst>
+            </a:blip>
+            <a:stretch>
+              <a:fillRect/>
+            </a:stretch>
+          </p:blipFill>
+          <p:spPr>
+            <a:xfrm>
+              <a:off x="6826857" y="2361599"/>
+              <a:ext cx="425031" cy="425031"/>
+            </a:xfrm>
+            <a:prstGeom prst="rect">
+              <a:avLst/>
+            </a:prstGeom>
+          </p:spPr>
+        </p:pic>
+        <p:pic>
+          <p:nvPicPr>
+            <p:cNvPr id="132" name="sensor" descr="Uma imagem contendo Ícone&#10;&#10;Descrição gerada automaticamente">
+              <a:extLst>
+                <a:ext uri="{FF2B5EF4-FFF2-40B4-BE49-F238E27FC236}">
+                  <a16:creationId xmlns:a16="http://schemas.microsoft.com/office/drawing/2014/main" id="{AB7478B9-5944-4C4B-9AD2-ACD192C8167D}"/>
+                </a:ext>
+              </a:extLst>
+            </p:cNvPr>
+            <p:cNvPicPr>
+              <a:picLocks noGrp="1" noRot="1" noChangeAspect="1" noMove="1" noResize="1" noEditPoints="1" noAdjustHandles="1" noChangeArrowheads="1" noChangeShapeType="1" noCrop="1"/>
+            </p:cNvPicPr>
+            <p:nvPr/>
+          </p:nvPicPr>
+          <p:blipFill>
+            <a:blip r:embed="rId14">
+              <a:extLst>
+                <a:ext uri="{28A0092B-C50C-407E-A947-70E740481C1C}">
+                  <a14:useLocalDpi xmlns:a14="http://schemas.microsoft.com/office/drawing/2010/main" val="0"/>
+                </a:ext>
+              </a:extLst>
+            </a:blip>
+            <a:stretch>
+              <a:fillRect/>
+            </a:stretch>
+          </p:blipFill>
+          <p:spPr>
+            <a:xfrm>
+              <a:off x="3097711" y="4241076"/>
+              <a:ext cx="316096" cy="320082"/>
+            </a:xfrm>
+            <a:prstGeom prst="rect">
+              <a:avLst/>
+            </a:prstGeom>
+          </p:spPr>
+        </p:pic>
+        <p:pic>
+          <p:nvPicPr>
+            <p:cNvPr id="128" name="protoboard" descr="Ícone&#10;&#10;Descrição gerada automaticamente com confiança média">
+              <a:extLst>
+                <a:ext uri="{FF2B5EF4-FFF2-40B4-BE49-F238E27FC236}">
+                  <a16:creationId xmlns:a16="http://schemas.microsoft.com/office/drawing/2014/main" id="{ECB0AD55-8383-481E-8FC3-BED6B4630C34}"/>
+                </a:ext>
+              </a:extLst>
+            </p:cNvPr>
+            <p:cNvPicPr>
+              <a:picLocks noGrp="1" noRot="1" noChangeAspect="1" noMove="1" noResize="1" noEditPoints="1" noAdjustHandles="1" noChangeArrowheads="1" noChangeShapeType="1" noCrop="1"/>
+            </p:cNvPicPr>
+            <p:nvPr/>
+          </p:nvPicPr>
+          <p:blipFill>
+            <a:blip r:embed="rId15">
+              <a:extLst>
+                <a:ext uri="{28A0092B-C50C-407E-A947-70E740481C1C}">
+                  <a14:useLocalDpi xmlns:a14="http://schemas.microsoft.com/office/drawing/2010/main" val="0"/>
+                </a:ext>
+              </a:extLst>
+            </a:blip>
+            <a:stretch>
+              <a:fillRect/>
+            </a:stretch>
+          </p:blipFill>
+          <p:spPr>
+            <a:xfrm>
+              <a:off x="2421206" y="4242544"/>
+              <a:ext cx="316096" cy="320082"/>
+            </a:xfrm>
+            <a:prstGeom prst="rect">
+              <a:avLst/>
+            </a:prstGeom>
+          </p:spPr>
+        </p:pic>
+        <p:pic>
+          <p:nvPicPr>
+            <p:cNvPr id="124" name="arduino" descr="Esquemático, Ícone, Código QR&#10;&#10;Descrição gerada automaticamente">
+              <a:extLst>
+                <a:ext uri="{FF2B5EF4-FFF2-40B4-BE49-F238E27FC236}">
+                  <a16:creationId xmlns:a16="http://schemas.microsoft.com/office/drawing/2014/main" id="{56DB52C5-5EDE-492F-A762-45C863D66EA0}"/>
+                </a:ext>
+              </a:extLst>
+            </p:cNvPr>
+            <p:cNvPicPr>
+              <a:picLocks noGrp="1" noRot="1" noChangeAspect="1" noMove="1" noResize="1" noEditPoints="1" noAdjustHandles="1" noChangeArrowheads="1" noChangeShapeType="1" noCrop="1"/>
+            </p:cNvPicPr>
+            <p:nvPr/>
+          </p:nvPicPr>
+          <p:blipFill>
+            <a:blip r:embed="rId16">
+              <a:extLst>
+                <a:ext uri="{28A0092B-C50C-407E-A947-70E740481C1C}">
+                  <a14:useLocalDpi xmlns:a14="http://schemas.microsoft.com/office/drawing/2010/main" val="0"/>
+                </a:ext>
+              </a:extLst>
+            </a:blip>
+            <a:stretch>
+              <a:fillRect/>
+            </a:stretch>
+          </p:blipFill>
+          <p:spPr>
+            <a:xfrm>
+              <a:off x="1695753" y="4241158"/>
+              <a:ext cx="316096" cy="320082"/>
+            </a:xfrm>
+            <a:prstGeom prst="rect">
+              <a:avLst/>
+            </a:prstGeom>
+          </p:spPr>
+        </p:pic>
+        <p:pic>
+          <p:nvPicPr>
+            <p:cNvPr id="136" name="unidade" descr="Desenho de bandeira&#10;&#10;Descrição gerada automaticamente com confiança média">
+              <a:extLst>
+                <a:ext uri="{FF2B5EF4-FFF2-40B4-BE49-F238E27FC236}">
+                  <a16:creationId xmlns:a16="http://schemas.microsoft.com/office/drawing/2014/main" id="{8D74D369-A42F-4A69-A02D-77D97BA5AA15}"/>
+                </a:ext>
+              </a:extLst>
+            </p:cNvPr>
+            <p:cNvPicPr>
+              <a:picLocks noGrp="1" noRot="1" noChangeAspect="1" noMove="1" noResize="1" noEditPoints="1" noAdjustHandles="1" noChangeArrowheads="1" noChangeShapeType="1" noCrop="1"/>
+            </p:cNvPicPr>
+            <p:nvPr/>
+          </p:nvPicPr>
+          <p:blipFill>
+            <a:blip r:embed="rId17">
+              <a:extLst>
+                <a:ext uri="{28A0092B-C50C-407E-A947-70E740481C1C}">
+                  <a14:useLocalDpi xmlns:a14="http://schemas.microsoft.com/office/drawing/2010/main" val="0"/>
+                </a:ext>
+              </a:extLst>
+            </a:blip>
+            <a:stretch>
+              <a:fillRect/>
+            </a:stretch>
+          </p:blipFill>
+          <p:spPr>
+            <a:xfrm>
+              <a:off x="456179" y="4430366"/>
+              <a:ext cx="640164" cy="640165"/>
+            </a:xfrm>
+            <a:prstGeom prst="rect">
+              <a:avLst/>
+            </a:prstGeom>
+          </p:spPr>
+        </p:pic>
+        <p:pic>
+          <p:nvPicPr>
+            <p:cNvPr id="361" name="wifi_unidade" descr="Ícone&#10;&#10;Descrição gerada automaticamente">
+              <a:extLst>
+                <a:ext uri="{FF2B5EF4-FFF2-40B4-BE49-F238E27FC236}">
+                  <a16:creationId xmlns:a16="http://schemas.microsoft.com/office/drawing/2014/main" id="{FBFB2CE3-B26F-4DDD-B74F-F868709FB0AE}"/>
+                </a:ext>
+              </a:extLst>
+            </p:cNvPr>
+            <p:cNvPicPr>
+              <a:picLocks noGrp="1" noRot="1" noChangeAspect="1" noMove="1" noResize="1" noEditPoints="1" noAdjustHandles="1" noChangeArrowheads="1" noChangeShapeType="1" noCrop="1"/>
+            </p:cNvPicPr>
+            <p:nvPr/>
+          </p:nvPicPr>
+          <p:blipFill>
+            <a:blip r:embed="rId11">
+              <a:extLst>
+                <a:ext uri="{28A0092B-C50C-407E-A947-70E740481C1C}">
+                  <a14:useLocalDpi xmlns:a14="http://schemas.microsoft.com/office/drawing/2010/main" val="0"/>
+                </a:ext>
+              </a:extLst>
+            </a:blip>
+            <a:stretch>
+              <a:fillRect/>
+            </a:stretch>
+          </p:blipFill>
+          <p:spPr>
+            <a:xfrm>
+              <a:off x="631693" y="3838087"/>
+              <a:ext cx="288000" cy="288000"/>
+            </a:xfrm>
+            <a:prstGeom prst="rect">
+              <a:avLst/>
+            </a:prstGeom>
+          </p:spPr>
+        </p:pic>
+        <p:pic>
+          <p:nvPicPr>
+            <p:cNvPr id="230" name="servidor" descr="Uma imagem contendo Interface gráfica do usuário&#10;&#10;Descrição gerada automaticamente">
+              <a:extLst>
+                <a:ext uri="{FF2B5EF4-FFF2-40B4-BE49-F238E27FC236}">
+                  <a16:creationId xmlns:a16="http://schemas.microsoft.com/office/drawing/2014/main" id="{90426419-7CCE-4786-93E0-CE58956138A4}"/>
+                </a:ext>
+              </a:extLst>
+            </p:cNvPr>
+            <p:cNvPicPr>
+              <a:picLocks noGrp="1" noRot="1" noChangeAspect="1" noMove="1" noResize="1" noEditPoints="1" noAdjustHandles="1" noChangeArrowheads="1" noChangeShapeType="1" noCrop="1"/>
+            </p:cNvPicPr>
+            <p:nvPr/>
+          </p:nvPicPr>
+          <p:blipFill>
+            <a:blip r:embed="rId18">
+              <a:extLst>
+                <a:ext uri="{28A0092B-C50C-407E-A947-70E740481C1C}">
+                  <a14:useLocalDpi xmlns:a14="http://schemas.microsoft.com/office/drawing/2010/main" val="0"/>
+                </a:ext>
+              </a:extLst>
+            </a:blip>
+            <a:stretch>
+              <a:fillRect/>
+            </a:stretch>
+          </p:blipFill>
+          <p:spPr>
+            <a:xfrm>
+              <a:off x="562305" y="3057354"/>
+              <a:ext cx="426777" cy="426777"/>
+            </a:xfrm>
+            <a:prstGeom prst="rect">
+              <a:avLst/>
+            </a:prstGeom>
+          </p:spPr>
+        </p:pic>
+        <p:pic>
+          <p:nvPicPr>
+            <p:cNvPr id="97" name="roteador_unidade" descr="Ícone&#10;&#10;Descrição gerada automaticamente">
+              <a:extLst>
+                <a:ext uri="{FF2B5EF4-FFF2-40B4-BE49-F238E27FC236}">
+                  <a16:creationId xmlns:a16="http://schemas.microsoft.com/office/drawing/2014/main" id="{8E4D95BC-FA09-4EB4-BA6D-8E10D832437A}"/>
+                </a:ext>
+              </a:extLst>
+            </p:cNvPr>
+            <p:cNvPicPr>
+              <a:picLocks noGrp="1" noRot="1" noChangeAspect="1" noMove="1" noResize="1" noEditPoints="1" noAdjustHandles="1" noChangeArrowheads="1" noChangeShapeType="1" noCrop="1"/>
+            </p:cNvPicPr>
+            <p:nvPr/>
+          </p:nvPicPr>
+          <p:blipFill>
+            <a:blip r:embed="rId12">
+              <a:extLst>
+                <a:ext uri="{28A0092B-C50C-407E-A947-70E740481C1C}">
+                  <a14:useLocalDpi xmlns:a14="http://schemas.microsoft.com/office/drawing/2010/main" val="0"/>
+                </a:ext>
+              </a:extLst>
+            </a:blip>
+            <a:stretch>
+              <a:fillRect/>
+            </a:stretch>
+          </p:blipFill>
+          <p:spPr>
+            <a:xfrm>
+              <a:off x="562306" y="1942910"/>
+              <a:ext cx="426777" cy="426777"/>
+            </a:xfrm>
+            <a:prstGeom prst="rect">
+              <a:avLst/>
+            </a:prstGeom>
+          </p:spPr>
+        </p:pic>
+        <p:pic>
+          <p:nvPicPr>
+            <p:cNvPr id="98" name="firewall_unidade" descr="Logotipo&#10;&#10;Descrição gerada automaticamente com confiança média">
+              <a:extLst>
+                <a:ext uri="{FF2B5EF4-FFF2-40B4-BE49-F238E27FC236}">
+                  <a16:creationId xmlns:a16="http://schemas.microsoft.com/office/drawing/2014/main" id="{A35D7E72-2B20-4809-A4A0-D0BEA6A81605}"/>
+                </a:ext>
+              </a:extLst>
+            </p:cNvPr>
+            <p:cNvPicPr>
+              <a:picLocks noGrp="1" noRot="1" noChangeAspect="1" noMove="1" noResize="1" noEditPoints="1" noAdjustHandles="1" noChangeArrowheads="1" noChangeShapeType="1" noCrop="1"/>
+            </p:cNvPicPr>
+            <p:nvPr/>
+          </p:nvPicPr>
+          <p:blipFill>
+            <a:blip r:embed="rId13">
+              <a:extLst>
+                <a:ext uri="{28A0092B-C50C-407E-A947-70E740481C1C}">
+                  <a14:useLocalDpi xmlns:a14="http://schemas.microsoft.com/office/drawing/2010/main" val="0"/>
+                </a:ext>
+              </a:extLst>
+            </a:blip>
+            <a:stretch>
+              <a:fillRect/>
+            </a:stretch>
+          </p:blipFill>
+          <p:spPr>
+            <a:xfrm>
+              <a:off x="2341934" y="2359591"/>
+              <a:ext cx="425031" cy="425031"/>
+            </a:xfrm>
+            <a:prstGeom prst="rect">
+              <a:avLst/>
+            </a:prstGeom>
+          </p:spPr>
+        </p:pic>
+      </p:grpSp>
       <p:cxnSp>
         <p:nvCxnSpPr>
-          <p:cNvPr id="552" name="5">
-            <a:extLst>
-              <a:ext uri="{FF2B5EF4-FFF2-40B4-BE49-F238E27FC236}">
-                <a16:creationId xmlns:a16="http://schemas.microsoft.com/office/drawing/2014/main" id="{E9318CB9-7F2F-4D1E-A7B6-0FB9105BC06A}"/>
-              </a:ext>
-            </a:extLst>
-          </p:cNvPr>
-          <p:cNvCxnSpPr>
-            <a:cxnSpLocks/>
-          </p:cNvCxnSpPr>
-          <p:nvPr/>
-        </p:nvCxnSpPr>
-        <p:spPr>
-          <a:xfrm rot="10800000" flipV="1">
-            <a:off x="5327607" y="2576829"/>
-            <a:ext cx="1506286" cy="464092"/>
-          </a:xfrm>
-          <a:prstGeom prst="bentConnector3">
-            <a:avLst/>
-          </a:prstGeom>
-          <a:ln w="28575">
-            <a:solidFill>
-              <a:srgbClr val="F56413"/>
-            </a:solidFill>
-            <a:prstDash val="sysDot"/>
-          </a:ln>
-        </p:spPr>
-        <p:style>
-          <a:lnRef idx="1">
-            <a:schemeClr val="accent1"/>
-          </a:lnRef>
-          <a:fillRef idx="0">
-            <a:schemeClr val="accent1"/>
-          </a:fillRef>
-          <a:effectRef idx="0">
-            <a:schemeClr val="accent1"/>
-          </a:effectRef>
-          <a:fontRef idx="minor">
-            <a:schemeClr val="tx1"/>
-          </a:fontRef>
-        </p:style>
-      </p:cxnSp>
-      <p:cxnSp>
-        <p:nvCxnSpPr>
-          <p:cNvPr id="248" name="6">
-            <a:extLst>
-              <a:ext uri="{FF2B5EF4-FFF2-40B4-BE49-F238E27FC236}">
-                <a16:creationId xmlns:a16="http://schemas.microsoft.com/office/drawing/2014/main" id="{B4843F2B-2872-4F12-9048-B9283F255E47}"/>
-              </a:ext>
-            </a:extLst>
-          </p:cNvPr>
-          <p:cNvCxnSpPr>
-            <a:cxnSpLocks/>
-          </p:cNvCxnSpPr>
-          <p:nvPr/>
-        </p:nvCxnSpPr>
-        <p:spPr>
-          <a:xfrm flipH="1">
-            <a:off x="7258924" y="2574822"/>
-            <a:ext cx="1019336" cy="2007"/>
-          </a:xfrm>
-          <a:prstGeom prst="line">
-            <a:avLst/>
-          </a:prstGeom>
-          <a:ln w="28575">
-            <a:solidFill>
-              <a:srgbClr val="F56413"/>
-            </a:solidFill>
-            <a:prstDash val="sysDot"/>
-          </a:ln>
-        </p:spPr>
-        <p:style>
-          <a:lnRef idx="1">
-            <a:schemeClr val="accent1"/>
-          </a:lnRef>
-          <a:fillRef idx="0">
-            <a:schemeClr val="accent1"/>
-          </a:fillRef>
-          <a:effectRef idx="0">
-            <a:schemeClr val="accent1"/>
-          </a:effectRef>
-          <a:fontRef idx="minor">
-            <a:schemeClr val="tx1"/>
-          </a:fontRef>
-        </p:style>
-      </p:cxnSp>
-      <p:cxnSp>
-        <p:nvCxnSpPr>
-          <p:cNvPr id="110" name="7">
-            <a:extLst>
-              <a:ext uri="{FF2B5EF4-FFF2-40B4-BE49-F238E27FC236}">
-                <a16:creationId xmlns:a16="http://schemas.microsoft.com/office/drawing/2014/main" id="{7D0162C3-9969-4187-974A-90B00303406F}"/>
-              </a:ext>
-            </a:extLst>
-          </p:cNvPr>
-          <p:cNvCxnSpPr>
-            <a:cxnSpLocks/>
-          </p:cNvCxnSpPr>
-          <p:nvPr/>
-        </p:nvCxnSpPr>
-        <p:spPr>
-          <a:xfrm flipH="1">
-            <a:off x="8491649" y="2007951"/>
-            <a:ext cx="1" cy="353482"/>
-          </a:xfrm>
-          <a:prstGeom prst="line">
-            <a:avLst/>
-          </a:prstGeom>
-          <a:ln w="28575">
-            <a:solidFill>
-              <a:srgbClr val="F56413"/>
-            </a:solidFill>
-            <a:prstDash val="sysDot"/>
-          </a:ln>
-        </p:spPr>
-        <p:style>
-          <a:lnRef idx="1">
-            <a:schemeClr val="accent1"/>
-          </a:lnRef>
-          <a:fillRef idx="0">
-            <a:schemeClr val="accent1"/>
-          </a:fillRef>
-          <a:effectRef idx="0">
-            <a:schemeClr val="accent1"/>
-          </a:effectRef>
-          <a:fontRef idx="minor">
-            <a:schemeClr val="tx1"/>
-          </a:fontRef>
-        </p:style>
-      </p:cxnSp>
-      <p:cxnSp>
-        <p:nvCxnSpPr>
-          <p:cNvPr id="107" name="8">
-            <a:extLst>
-              <a:ext uri="{FF2B5EF4-FFF2-40B4-BE49-F238E27FC236}">
-                <a16:creationId xmlns:a16="http://schemas.microsoft.com/office/drawing/2014/main" id="{8152DA3F-0FBB-4212-93E1-6A24C4DD8429}"/>
-              </a:ext>
-            </a:extLst>
-          </p:cNvPr>
-          <p:cNvCxnSpPr>
-            <a:cxnSpLocks/>
-          </p:cNvCxnSpPr>
-          <p:nvPr/>
-        </p:nvCxnSpPr>
-        <p:spPr>
-          <a:xfrm rot="5400000">
-            <a:off x="8235119" y="1326832"/>
-            <a:ext cx="508686" cy="1"/>
-          </a:xfrm>
-          <a:prstGeom prst="bentConnector3">
-            <a:avLst/>
-          </a:prstGeom>
-          <a:ln w="28575">
-            <a:solidFill>
-              <a:srgbClr val="F56413"/>
-            </a:solidFill>
-            <a:prstDash val="sysDot"/>
-          </a:ln>
-        </p:spPr>
-        <p:style>
-          <a:lnRef idx="1">
-            <a:schemeClr val="accent1"/>
-          </a:lnRef>
-          <a:fillRef idx="0">
-            <a:schemeClr val="accent1"/>
-          </a:fillRef>
-          <a:effectRef idx="0">
-            <a:schemeClr val="accent1"/>
-          </a:effectRef>
-          <a:fontRef idx="minor">
-            <a:schemeClr val="tx1"/>
-          </a:fontRef>
-        </p:style>
-      </p:cxnSp>
-      <p:cxnSp>
-        <p:nvCxnSpPr>
-          <p:cNvPr id="114" name="9">
-            <a:extLst>
-              <a:ext uri="{FF2B5EF4-FFF2-40B4-BE49-F238E27FC236}">
-                <a16:creationId xmlns:a16="http://schemas.microsoft.com/office/drawing/2014/main" id="{D43DA2F8-46C2-4D3C-987F-D0D295F04A16}"/>
-              </a:ext>
-            </a:extLst>
-          </p:cNvPr>
-          <p:cNvCxnSpPr>
-            <a:cxnSpLocks/>
-          </p:cNvCxnSpPr>
-          <p:nvPr/>
-        </p:nvCxnSpPr>
-        <p:spPr>
-          <a:xfrm>
-            <a:off x="8491649" y="2788210"/>
-            <a:ext cx="0" cy="473330"/>
-          </a:xfrm>
-          <a:prstGeom prst="line">
-            <a:avLst/>
-          </a:prstGeom>
-          <a:ln w="28575">
-            <a:solidFill>
-              <a:srgbClr val="F56413"/>
-            </a:solidFill>
-            <a:prstDash val="sysDot"/>
-          </a:ln>
-        </p:spPr>
-        <p:style>
-          <a:lnRef idx="1">
-            <a:schemeClr val="accent1"/>
-          </a:lnRef>
-          <a:fillRef idx="0">
-            <a:schemeClr val="accent1"/>
-          </a:fillRef>
-          <a:effectRef idx="0">
-            <a:schemeClr val="accent1"/>
-          </a:effectRef>
-          <a:fontRef idx="minor">
-            <a:schemeClr val="tx1"/>
-          </a:fontRef>
-        </p:style>
-      </p:cxnSp>
-      <p:cxnSp>
-        <p:nvCxnSpPr>
-          <p:cNvPr id="102" name="15">
+          <p:cNvPr id="102" name="1">
             <a:extLst>
               <a:ext uri="{FF2B5EF4-FFF2-40B4-BE49-F238E27FC236}">
                 <a16:creationId xmlns:a16="http://schemas.microsoft.com/office/drawing/2014/main" id="{B295D783-8D79-4A34-BED9-D47651D601E3}"/>
@@ -5032,7 +4908,7 @@
       </p:cxnSp>
       <p:cxnSp>
         <p:nvCxnSpPr>
-          <p:cNvPr id="473" name="16">
+          <p:cNvPr id="473" name="2">
             <a:extLst>
               <a:ext uri="{FF2B5EF4-FFF2-40B4-BE49-F238E27FC236}">
                 <a16:creationId xmlns:a16="http://schemas.microsoft.com/office/drawing/2014/main" id="{6A5E7C87-EF3D-45A0-A735-8D3E0209ED7A}"/>
@@ -5078,7 +4954,7 @@
       </p:cxnSp>
       <p:cxnSp>
         <p:nvCxnSpPr>
-          <p:cNvPr id="475" name="17">
+          <p:cNvPr id="475" name="3">
             <a:extLst>
               <a:ext uri="{FF2B5EF4-FFF2-40B4-BE49-F238E27FC236}">
                 <a16:creationId xmlns:a16="http://schemas.microsoft.com/office/drawing/2014/main" id="{BCA0C5D1-2CD1-4274-8E88-4D1C81409A36}"/>
@@ -5124,7 +5000,7 @@
       </p:cxnSp>
       <p:cxnSp>
         <p:nvCxnSpPr>
-          <p:cNvPr id="471" name="18">
+          <p:cNvPr id="471" name="4">
             <a:extLst>
               <a:ext uri="{FF2B5EF4-FFF2-40B4-BE49-F238E27FC236}">
                 <a16:creationId xmlns:a16="http://schemas.microsoft.com/office/drawing/2014/main" id="{AB1FF230-B611-4B8F-A552-BDC44499076C}"/>
@@ -5170,7 +5046,7 @@
       </p:cxnSp>
       <p:cxnSp>
         <p:nvCxnSpPr>
-          <p:cNvPr id="463" name="19">
+          <p:cNvPr id="463" name="5">
             <a:extLst>
               <a:ext uri="{FF2B5EF4-FFF2-40B4-BE49-F238E27FC236}">
                 <a16:creationId xmlns:a16="http://schemas.microsoft.com/office/drawing/2014/main" id="{472166DA-AD18-4004-B03E-EAF65B1406CC}"/>
@@ -5216,7 +5092,7 @@
       </p:cxnSp>
       <p:cxnSp>
         <p:nvCxnSpPr>
-          <p:cNvPr id="465" name="20">
+          <p:cNvPr id="465" name="6">
             <a:extLst>
               <a:ext uri="{FF2B5EF4-FFF2-40B4-BE49-F238E27FC236}">
                 <a16:creationId xmlns:a16="http://schemas.microsoft.com/office/drawing/2014/main" id="{94021463-426D-4E83-8AE7-21E582AA2449}"/>
@@ -5262,7 +5138,7 @@
       </p:cxnSp>
       <p:cxnSp>
         <p:nvCxnSpPr>
-          <p:cNvPr id="467" name="21">
+          <p:cNvPr id="467" name="7">
             <a:extLst>
               <a:ext uri="{FF2B5EF4-FFF2-40B4-BE49-F238E27FC236}">
                 <a16:creationId xmlns:a16="http://schemas.microsoft.com/office/drawing/2014/main" id="{55DCA934-CBD5-4BCE-9A1D-731A5EB143EF}"/>
@@ -5306,78 +5182,545 @@
           </a:fontRef>
         </p:style>
       </p:cxnSp>
-      <p:pic>
-        <p:nvPicPr>
-          <p:cNvPr id="97" name="roteador_omni" descr="Ícone&#10;&#10;Descrição gerada automaticamente">
+      <p:cxnSp>
+        <p:nvCxnSpPr>
+          <p:cNvPr id="4" name="8">
             <a:extLst>
               <a:ext uri="{FF2B5EF4-FFF2-40B4-BE49-F238E27FC236}">
-                <a16:creationId xmlns:a16="http://schemas.microsoft.com/office/drawing/2014/main" id="{8E4D95BC-FA09-4EB4-BA6D-8E10D832437A}"/>
+                <a16:creationId xmlns:a16="http://schemas.microsoft.com/office/drawing/2014/main" id="{F401DA95-5987-4F8F-A2DB-1D94F8EEA402}"/>
               </a:ext>
             </a:extLst>
           </p:cNvPr>
-          <p:cNvPicPr>
-            <a:picLocks noChangeAspect="1"/>
-          </p:cNvPicPr>
+          <p:cNvCxnSpPr>
+            <a:cxnSpLocks/>
+            <a:stCxn id="98" idx="3"/>
+            <a:endCxn id="92" idx="1"/>
+          </p:cNvCxnSpPr>
           <p:nvPr/>
-        </p:nvPicPr>
-        <p:blipFill>
-          <a:blip r:embed="rId18">
-            <a:extLst>
-              <a:ext uri="{28A0092B-C50C-407E-A947-70E740481C1C}">
-                <a14:useLocalDpi xmlns:a14="http://schemas.microsoft.com/office/drawing/2010/main" val="0"/>
-              </a:ext>
-            </a:extLst>
-          </a:blip>
-          <a:stretch>
-            <a:fillRect/>
-          </a:stretch>
-        </p:blipFill>
+        </p:nvCxnSpPr>
         <p:spPr>
           <a:xfrm>
-            <a:off x="562306" y="2220163"/>
-            <a:ext cx="426777" cy="426777"/>
+            <a:off x="2766965" y="2572107"/>
+            <a:ext cx="1493701" cy="466100"/>
           </a:xfrm>
-          <a:prstGeom prst="rect">
+          <a:prstGeom prst="bentConnector3">
             <a:avLst/>
           </a:prstGeom>
+          <a:ln w="28575">
+            <a:solidFill>
+              <a:srgbClr val="7030A0"/>
+            </a:solidFill>
+            <a:prstDash val="sysDot"/>
+          </a:ln>
         </p:spPr>
-      </p:pic>
-      <p:pic>
-        <p:nvPicPr>
-          <p:cNvPr id="98" name="firewall2" descr="Logotipo&#10;&#10;Descrição gerada automaticamente com confiança média">
+        <p:style>
+          <a:lnRef idx="1">
+            <a:schemeClr val="accent1"/>
+          </a:lnRef>
+          <a:fillRef idx="0">
+            <a:schemeClr val="accent1"/>
+          </a:fillRef>
+          <a:effectRef idx="0">
+            <a:schemeClr val="accent1"/>
+          </a:effectRef>
+          <a:fontRef idx="minor">
+            <a:schemeClr val="tx1"/>
+          </a:fontRef>
+        </p:style>
+      </p:cxnSp>
+      <p:cxnSp>
+        <p:nvCxnSpPr>
+          <p:cNvPr id="11" name="9">
             <a:extLst>
               <a:ext uri="{FF2B5EF4-FFF2-40B4-BE49-F238E27FC236}">
-                <a16:creationId xmlns:a16="http://schemas.microsoft.com/office/drawing/2014/main" id="{A35D7E72-2B20-4809-A4A0-D0BEA6A81605}"/>
+                <a16:creationId xmlns:a16="http://schemas.microsoft.com/office/drawing/2014/main" id="{8090A106-0349-48DB-A967-C7FDACCD54CC}"/>
               </a:ext>
             </a:extLst>
           </p:cNvPr>
-          <p:cNvPicPr>
-            <a:picLocks noChangeAspect="1"/>
-          </p:cNvPicPr>
+          <p:cNvCxnSpPr>
+            <a:stCxn id="97" idx="3"/>
+            <a:endCxn id="98" idx="1"/>
+          </p:cNvCxnSpPr>
           <p:nvPr/>
-        </p:nvPicPr>
-        <p:blipFill>
-          <a:blip r:embed="rId10">
+        </p:nvCxnSpPr>
+        <p:spPr>
+          <a:xfrm>
+            <a:off x="989083" y="2156299"/>
+            <a:ext cx="1352851" cy="415808"/>
+          </a:xfrm>
+          <a:prstGeom prst="bentConnector3">
+            <a:avLst/>
+          </a:prstGeom>
+          <a:ln w="28575">
+            <a:solidFill>
+              <a:srgbClr val="7030A0"/>
+            </a:solidFill>
+            <a:prstDash val="sysDot"/>
+          </a:ln>
+        </p:spPr>
+        <p:style>
+          <a:lnRef idx="1">
+            <a:schemeClr val="accent1"/>
+          </a:lnRef>
+          <a:fillRef idx="0">
+            <a:schemeClr val="accent1"/>
+          </a:fillRef>
+          <a:effectRef idx="0">
+            <a:schemeClr val="accent1"/>
+          </a:effectRef>
+          <a:fontRef idx="minor">
+            <a:schemeClr val="tx1"/>
+          </a:fontRef>
+        </p:style>
+      </p:cxnSp>
+      <p:cxnSp>
+        <p:nvCxnSpPr>
+          <p:cNvPr id="13" name="10">
             <a:extLst>
-              <a:ext uri="{28A0092B-C50C-407E-A947-70E740481C1C}">
-                <a14:useLocalDpi xmlns:a14="http://schemas.microsoft.com/office/drawing/2010/main" val="0"/>
+              <a:ext uri="{FF2B5EF4-FFF2-40B4-BE49-F238E27FC236}">
+                <a16:creationId xmlns:a16="http://schemas.microsoft.com/office/drawing/2014/main" id="{64536AA5-9065-4B95-B787-CD8A2DD57382}"/>
               </a:ext>
             </a:extLst>
-          </a:blip>
-          <a:stretch>
-            <a:fillRect/>
-          </a:stretch>
-        </p:blipFill>
+          </p:cNvPr>
+          <p:cNvCxnSpPr>
+            <a:stCxn id="230" idx="0"/>
+            <a:endCxn id="97" idx="2"/>
+          </p:cNvCxnSpPr>
+          <p:nvPr/>
+        </p:nvCxnSpPr>
+        <p:spPr>
+          <a:xfrm rot="5400000" flipH="1" flipV="1">
+            <a:off x="431861" y="2713521"/>
+            <a:ext cx="687667" cy="1"/>
+          </a:xfrm>
+          <a:prstGeom prst="bentConnector3">
+            <a:avLst/>
+          </a:prstGeom>
+          <a:ln w="28575">
+            <a:solidFill>
+              <a:srgbClr val="7030A0"/>
+            </a:solidFill>
+            <a:prstDash val="sysDot"/>
+          </a:ln>
+        </p:spPr>
+        <p:style>
+          <a:lnRef idx="1">
+            <a:schemeClr val="accent1"/>
+          </a:lnRef>
+          <a:fillRef idx="0">
+            <a:schemeClr val="accent1"/>
+          </a:fillRef>
+          <a:effectRef idx="0">
+            <a:schemeClr val="accent1"/>
+          </a:effectRef>
+          <a:fontRef idx="minor">
+            <a:schemeClr val="tx1"/>
+          </a:fontRef>
+        </p:style>
+      </p:cxnSp>
+      <p:cxnSp>
+        <p:nvCxnSpPr>
+          <p:cNvPr id="15" name="11">
+            <a:extLst>
+              <a:ext uri="{FF2B5EF4-FFF2-40B4-BE49-F238E27FC236}">
+                <a16:creationId xmlns:a16="http://schemas.microsoft.com/office/drawing/2014/main" id="{D9109F0E-7C2A-4047-A760-A3221B3B551D}"/>
+              </a:ext>
+            </a:extLst>
+          </p:cNvPr>
+          <p:cNvCxnSpPr>
+            <a:cxnSpLocks/>
+          </p:cNvCxnSpPr>
+          <p:nvPr/>
+        </p:nvCxnSpPr>
+        <p:spPr>
+          <a:xfrm rot="5400000" flipH="1" flipV="1">
+            <a:off x="598716" y="3661109"/>
+            <a:ext cx="353956" cy="1"/>
+          </a:xfrm>
+          <a:prstGeom prst="bentConnector3">
+            <a:avLst/>
+          </a:prstGeom>
+          <a:ln w="28575">
+            <a:solidFill>
+              <a:srgbClr val="7030A0"/>
+            </a:solidFill>
+            <a:prstDash val="sysDot"/>
+          </a:ln>
+        </p:spPr>
+        <p:style>
+          <a:lnRef idx="1">
+            <a:schemeClr val="accent1"/>
+          </a:lnRef>
+          <a:fillRef idx="0">
+            <a:schemeClr val="accent1"/>
+          </a:fillRef>
+          <a:effectRef idx="0">
+            <a:schemeClr val="accent1"/>
+          </a:effectRef>
+          <a:fontRef idx="minor">
+            <a:schemeClr val="tx1"/>
+          </a:fontRef>
+        </p:style>
+      </p:cxnSp>
+      <p:cxnSp>
+        <p:nvCxnSpPr>
+          <p:cNvPr id="17" name="12">
+            <a:extLst>
+              <a:ext uri="{FF2B5EF4-FFF2-40B4-BE49-F238E27FC236}">
+                <a16:creationId xmlns:a16="http://schemas.microsoft.com/office/drawing/2014/main" id="{075A6C28-5E46-42F0-86F7-0BF4B5BF10A5}"/>
+              </a:ext>
+            </a:extLst>
+          </p:cNvPr>
+          <p:cNvCxnSpPr>
+            <a:cxnSpLocks/>
+          </p:cNvCxnSpPr>
+          <p:nvPr/>
+        </p:nvCxnSpPr>
+        <p:spPr>
+          <a:xfrm rot="16200000" flipH="1">
+            <a:off x="623840" y="4277943"/>
+            <a:ext cx="304279" cy="568"/>
+          </a:xfrm>
+          <a:prstGeom prst="bentConnector3">
+            <a:avLst/>
+          </a:prstGeom>
+          <a:ln w="28575">
+            <a:solidFill>
+              <a:srgbClr val="7030A0"/>
+            </a:solidFill>
+            <a:prstDash val="sysDot"/>
+          </a:ln>
+        </p:spPr>
+        <p:style>
+          <a:lnRef idx="1">
+            <a:schemeClr val="accent1"/>
+          </a:lnRef>
+          <a:fillRef idx="0">
+            <a:schemeClr val="accent1"/>
+          </a:fillRef>
+          <a:effectRef idx="0">
+            <a:schemeClr val="accent1"/>
+          </a:effectRef>
+          <a:fontRef idx="minor">
+            <a:schemeClr val="tx1"/>
+          </a:fontRef>
+        </p:style>
+      </p:cxnSp>
+      <p:cxnSp>
+        <p:nvCxnSpPr>
+          <p:cNvPr id="19" name="13">
+            <a:extLst>
+              <a:ext uri="{FF2B5EF4-FFF2-40B4-BE49-F238E27FC236}">
+                <a16:creationId xmlns:a16="http://schemas.microsoft.com/office/drawing/2014/main" id="{24FC1499-2D2F-42EB-B408-975EC86A4D15}"/>
+              </a:ext>
+            </a:extLst>
+          </p:cNvPr>
+          <p:cNvCxnSpPr>
+            <a:cxnSpLocks/>
+          </p:cNvCxnSpPr>
+          <p:nvPr/>
+        </p:nvCxnSpPr>
+        <p:spPr>
+          <a:xfrm flipV="1">
+            <a:off x="1096345" y="4401200"/>
+            <a:ext cx="599410" cy="349250"/>
+          </a:xfrm>
+          <a:prstGeom prst="bentConnector3">
+            <a:avLst/>
+          </a:prstGeom>
+          <a:ln w="28575">
+            <a:solidFill>
+              <a:srgbClr val="7030A0"/>
+            </a:solidFill>
+            <a:prstDash val="sysDot"/>
+          </a:ln>
+        </p:spPr>
+        <p:style>
+          <a:lnRef idx="1">
+            <a:schemeClr val="accent1"/>
+          </a:lnRef>
+          <a:fillRef idx="0">
+            <a:schemeClr val="accent1"/>
+          </a:fillRef>
+          <a:effectRef idx="0">
+            <a:schemeClr val="accent1"/>
+          </a:effectRef>
+          <a:fontRef idx="minor">
+            <a:schemeClr val="tx1"/>
+          </a:fontRef>
+        </p:style>
+      </p:cxnSp>
+      <p:cxnSp>
+        <p:nvCxnSpPr>
+          <p:cNvPr id="21" name="14">
+            <a:extLst>
+              <a:ext uri="{FF2B5EF4-FFF2-40B4-BE49-F238E27FC236}">
+                <a16:creationId xmlns:a16="http://schemas.microsoft.com/office/drawing/2014/main" id="{E8C723EC-5F45-4DA3-962C-D0D46CB038D8}"/>
+              </a:ext>
+            </a:extLst>
+          </p:cNvPr>
+          <p:cNvCxnSpPr>
+            <a:cxnSpLocks/>
+          </p:cNvCxnSpPr>
+          <p:nvPr/>
+        </p:nvCxnSpPr>
         <p:spPr>
           <a:xfrm>
-            <a:off x="2498910" y="2359591"/>
-            <a:ext cx="425031" cy="425031"/>
+            <a:off x="2011851" y="4401200"/>
+            <a:ext cx="409357" cy="1386"/>
           </a:xfrm>
-          <a:prstGeom prst="rect">
+          <a:prstGeom prst="bentConnector3">
             <a:avLst/>
           </a:prstGeom>
+          <a:ln w="28575">
+            <a:solidFill>
+              <a:srgbClr val="7030A0"/>
+            </a:solidFill>
+            <a:prstDash val="sysDot"/>
+          </a:ln>
         </p:spPr>
-      </p:pic>
+        <p:style>
+          <a:lnRef idx="1">
+            <a:schemeClr val="accent1"/>
+          </a:lnRef>
+          <a:fillRef idx="0">
+            <a:schemeClr val="accent1"/>
+          </a:fillRef>
+          <a:effectRef idx="0">
+            <a:schemeClr val="accent1"/>
+          </a:effectRef>
+          <a:fontRef idx="minor">
+            <a:schemeClr val="tx1"/>
+          </a:fontRef>
+        </p:style>
+      </p:cxnSp>
+      <p:cxnSp>
+        <p:nvCxnSpPr>
+          <p:cNvPr id="23" name="15">
+            <a:extLst>
+              <a:ext uri="{FF2B5EF4-FFF2-40B4-BE49-F238E27FC236}">
+                <a16:creationId xmlns:a16="http://schemas.microsoft.com/office/drawing/2014/main" id="{89842922-CE19-435B-AB99-F18AA42C21A2}"/>
+              </a:ext>
+            </a:extLst>
+          </p:cNvPr>
+          <p:cNvCxnSpPr>
+            <a:cxnSpLocks/>
+          </p:cNvCxnSpPr>
+          <p:nvPr/>
+        </p:nvCxnSpPr>
+        <p:spPr>
+          <a:xfrm flipV="1">
+            <a:off x="2737304" y="4401118"/>
+            <a:ext cx="360409" cy="1468"/>
+          </a:xfrm>
+          <a:prstGeom prst="bentConnector3">
+            <a:avLst/>
+          </a:prstGeom>
+          <a:ln w="28575">
+            <a:solidFill>
+              <a:srgbClr val="7030A0"/>
+            </a:solidFill>
+            <a:prstDash val="sysDot"/>
+          </a:ln>
+        </p:spPr>
+        <p:style>
+          <a:lnRef idx="1">
+            <a:schemeClr val="accent1"/>
+          </a:lnRef>
+          <a:fillRef idx="0">
+            <a:schemeClr val="accent1"/>
+          </a:fillRef>
+          <a:effectRef idx="0">
+            <a:schemeClr val="accent1"/>
+          </a:effectRef>
+          <a:fontRef idx="minor">
+            <a:schemeClr val="tx1"/>
+          </a:fontRef>
+        </p:style>
+      </p:cxnSp>
+      <p:cxnSp>
+        <p:nvCxnSpPr>
+          <p:cNvPr id="7" name="16">
+            <a:extLst>
+              <a:ext uri="{FF2B5EF4-FFF2-40B4-BE49-F238E27FC236}">
+                <a16:creationId xmlns:a16="http://schemas.microsoft.com/office/drawing/2014/main" id="{226F66FF-445E-47C0-8503-9C64E806AA43}"/>
+              </a:ext>
+            </a:extLst>
+          </p:cNvPr>
+          <p:cNvCxnSpPr>
+            <a:stCxn id="103" idx="1"/>
+            <a:endCxn id="92" idx="3"/>
+          </p:cNvCxnSpPr>
+          <p:nvPr/>
+        </p:nvCxnSpPr>
+        <p:spPr>
+          <a:xfrm rot="10800000" flipV="1">
+            <a:off x="5327607" y="2574115"/>
+            <a:ext cx="1499250" cy="464092"/>
+          </a:xfrm>
+          <a:prstGeom prst="bentConnector3">
+            <a:avLst/>
+          </a:prstGeom>
+          <a:ln w="28575">
+            <a:solidFill>
+              <a:srgbClr val="7030A0"/>
+            </a:solidFill>
+            <a:prstDash val="sysDot"/>
+          </a:ln>
+        </p:spPr>
+        <p:style>
+          <a:lnRef idx="1">
+            <a:schemeClr val="accent1"/>
+          </a:lnRef>
+          <a:fillRef idx="0">
+            <a:schemeClr val="accent1"/>
+          </a:fillRef>
+          <a:effectRef idx="0">
+            <a:schemeClr val="accent1"/>
+          </a:effectRef>
+          <a:fontRef idx="minor">
+            <a:schemeClr val="tx1"/>
+          </a:fontRef>
+        </p:style>
+      </p:cxnSp>
+      <p:cxnSp>
+        <p:nvCxnSpPr>
+          <p:cNvPr id="94" name="17">
+            <a:extLst>
+              <a:ext uri="{FF2B5EF4-FFF2-40B4-BE49-F238E27FC236}">
+                <a16:creationId xmlns:a16="http://schemas.microsoft.com/office/drawing/2014/main" id="{F2160027-E9E9-405B-A25A-4C499A625673}"/>
+              </a:ext>
+            </a:extLst>
+          </p:cNvPr>
+          <p:cNvCxnSpPr>
+            <a:stCxn id="137" idx="1"/>
+            <a:endCxn id="103" idx="3"/>
+          </p:cNvCxnSpPr>
+          <p:nvPr/>
+        </p:nvCxnSpPr>
+        <p:spPr>
+          <a:xfrm rot="10800000" flipV="1">
+            <a:off x="7251889" y="2165881"/>
+            <a:ext cx="1360229" cy="408233"/>
+          </a:xfrm>
+          <a:prstGeom prst="bentConnector3">
+            <a:avLst/>
+          </a:prstGeom>
+          <a:ln w="28575">
+            <a:solidFill>
+              <a:srgbClr val="7030A0"/>
+            </a:solidFill>
+            <a:prstDash val="sysDot"/>
+          </a:ln>
+        </p:spPr>
+        <p:style>
+          <a:lnRef idx="1">
+            <a:schemeClr val="accent1"/>
+          </a:lnRef>
+          <a:fillRef idx="0">
+            <a:schemeClr val="accent1"/>
+          </a:fillRef>
+          <a:effectRef idx="0">
+            <a:schemeClr val="accent1"/>
+          </a:effectRef>
+          <a:fontRef idx="minor">
+            <a:schemeClr val="tx1"/>
+          </a:fontRef>
+        </p:style>
+      </p:cxnSp>
+      <p:cxnSp>
+        <p:nvCxnSpPr>
+          <p:cNvPr id="476" name="18">
+            <a:extLst>
+              <a:ext uri="{FF2B5EF4-FFF2-40B4-BE49-F238E27FC236}">
+                <a16:creationId xmlns:a16="http://schemas.microsoft.com/office/drawing/2014/main" id="{8B39677E-805E-4CC2-A50D-04F0676B339F}"/>
+              </a:ext>
+            </a:extLst>
+          </p:cNvPr>
+          <p:cNvCxnSpPr>
+            <a:stCxn id="224" idx="0"/>
+            <a:endCxn id="137" idx="2"/>
+          </p:cNvCxnSpPr>
+          <p:nvPr/>
+        </p:nvCxnSpPr>
+        <p:spPr>
+          <a:xfrm rot="16200000" flipV="1">
+            <a:off x="8487565" y="2717211"/>
+            <a:ext cx="675884" cy="1"/>
+          </a:xfrm>
+          <a:prstGeom prst="bentConnector3">
+            <a:avLst/>
+          </a:prstGeom>
+          <a:ln w="28575">
+            <a:solidFill>
+              <a:srgbClr val="7030A0"/>
+            </a:solidFill>
+            <a:prstDash val="sysDot"/>
+          </a:ln>
+        </p:spPr>
+        <p:style>
+          <a:lnRef idx="1">
+            <a:schemeClr val="accent1"/>
+          </a:lnRef>
+          <a:fillRef idx="0">
+            <a:schemeClr val="accent1"/>
+          </a:fillRef>
+          <a:effectRef idx="0">
+            <a:schemeClr val="accent1"/>
+          </a:effectRef>
+          <a:fontRef idx="minor">
+            <a:schemeClr val="tx1"/>
+          </a:fontRef>
+        </p:style>
+      </p:cxnSp>
+      <p:cxnSp>
+        <p:nvCxnSpPr>
+          <p:cNvPr id="478" name="19">
+            <a:extLst>
+              <a:ext uri="{FF2B5EF4-FFF2-40B4-BE49-F238E27FC236}">
+                <a16:creationId xmlns:a16="http://schemas.microsoft.com/office/drawing/2014/main" id="{DCF23C46-7130-4BF0-AA10-F513178EE2E9}"/>
+              </a:ext>
+            </a:extLst>
+          </p:cNvPr>
+          <p:cNvCxnSpPr>
+            <a:cxnSpLocks/>
+            <a:stCxn id="226" idx="0"/>
+            <a:endCxn id="224" idx="2"/>
+          </p:cNvCxnSpPr>
+          <p:nvPr/>
+        </p:nvCxnSpPr>
+        <p:spPr>
+          <a:xfrm rot="5400000" flipH="1" flipV="1">
+            <a:off x="8257206" y="4044344"/>
+            <a:ext cx="1130713" cy="5889"/>
+          </a:xfrm>
+          <a:prstGeom prst="bentConnector3">
+            <a:avLst>
+              <a:gd name="adj1" fmla="val 50000"/>
+            </a:avLst>
+          </a:prstGeom>
+          <a:ln w="28575">
+            <a:solidFill>
+              <a:srgbClr val="7030A0"/>
+            </a:solidFill>
+            <a:prstDash val="sysDot"/>
+          </a:ln>
+        </p:spPr>
+        <p:style>
+          <a:lnRef idx="1">
+            <a:schemeClr val="accent1"/>
+          </a:lnRef>
+          <a:fillRef idx="0">
+            <a:schemeClr val="accent1"/>
+          </a:fillRef>
+          <a:effectRef idx="0">
+            <a:schemeClr val="accent1"/>
+          </a:effectRef>
+          <a:fontRef idx="minor">
+            <a:schemeClr val="tx1"/>
+          </a:fontRef>
+        </p:style>
+      </p:cxnSp>
     </p:spTree>
     <p:extLst>
       <p:ext uri="{BB962C8B-B14F-4D97-AF65-F5344CB8AC3E}">

--- a/DOCs de T.I/Diagrama_de_Solucao/Presentation.pptx
+++ b/DOCs de T.I/Diagrama_de_Solucao/Presentation.pptx
@@ -243,7 +243,7 @@
           <a:p>
             <a:fld id="{2FC3D184-0F2B-4D9D-BDB9-3409F15C70D5}" type="datetimeFigureOut">
               <a:rPr lang="pt-BR" smtClean="0"/>
-              <a:t>15/04/2022</a:t>
+              <a:t>19/04/2022</a:t>
             </a:fld>
             <a:endParaRPr lang="pt-BR"/>
           </a:p>
@@ -413,7 +413,7 @@
           <a:p>
             <a:fld id="{2FC3D184-0F2B-4D9D-BDB9-3409F15C70D5}" type="datetimeFigureOut">
               <a:rPr lang="pt-BR" smtClean="0"/>
-              <a:t>15/04/2022</a:t>
+              <a:t>19/04/2022</a:t>
             </a:fld>
             <a:endParaRPr lang="pt-BR"/>
           </a:p>
@@ -593,7 +593,7 @@
           <a:p>
             <a:fld id="{2FC3D184-0F2B-4D9D-BDB9-3409F15C70D5}" type="datetimeFigureOut">
               <a:rPr lang="pt-BR" smtClean="0"/>
-              <a:t>15/04/2022</a:t>
+              <a:t>19/04/2022</a:t>
             </a:fld>
             <a:endParaRPr lang="pt-BR"/>
           </a:p>
@@ -763,7 +763,7 @@
           <a:p>
             <a:fld id="{2FC3D184-0F2B-4D9D-BDB9-3409F15C70D5}" type="datetimeFigureOut">
               <a:rPr lang="pt-BR" smtClean="0"/>
-              <a:t>15/04/2022</a:t>
+              <a:t>19/04/2022</a:t>
             </a:fld>
             <a:endParaRPr lang="pt-BR"/>
           </a:p>
@@ -1009,7 +1009,7 @@
           <a:p>
             <a:fld id="{2FC3D184-0F2B-4D9D-BDB9-3409F15C70D5}" type="datetimeFigureOut">
               <a:rPr lang="pt-BR" smtClean="0"/>
-              <a:t>15/04/2022</a:t>
+              <a:t>19/04/2022</a:t>
             </a:fld>
             <a:endParaRPr lang="pt-BR"/>
           </a:p>
@@ -1241,7 +1241,7 @@
           <a:p>
             <a:fld id="{2FC3D184-0F2B-4D9D-BDB9-3409F15C70D5}" type="datetimeFigureOut">
               <a:rPr lang="pt-BR" smtClean="0"/>
-              <a:t>15/04/2022</a:t>
+              <a:t>19/04/2022</a:t>
             </a:fld>
             <a:endParaRPr lang="pt-BR"/>
           </a:p>
@@ -1608,7 +1608,7 @@
           <a:p>
             <a:fld id="{2FC3D184-0F2B-4D9D-BDB9-3409F15C70D5}" type="datetimeFigureOut">
               <a:rPr lang="pt-BR" smtClean="0"/>
-              <a:t>15/04/2022</a:t>
+              <a:t>19/04/2022</a:t>
             </a:fld>
             <a:endParaRPr lang="pt-BR"/>
           </a:p>
@@ -1726,7 +1726,7 @@
           <a:p>
             <a:fld id="{2FC3D184-0F2B-4D9D-BDB9-3409F15C70D5}" type="datetimeFigureOut">
               <a:rPr lang="pt-BR" smtClean="0"/>
-              <a:t>15/04/2022</a:t>
+              <a:t>19/04/2022</a:t>
             </a:fld>
             <a:endParaRPr lang="pt-BR"/>
           </a:p>
@@ -1821,7 +1821,7 @@
           <a:p>
             <a:fld id="{2FC3D184-0F2B-4D9D-BDB9-3409F15C70D5}" type="datetimeFigureOut">
               <a:rPr lang="pt-BR" smtClean="0"/>
-              <a:t>15/04/2022</a:t>
+              <a:t>19/04/2022</a:t>
             </a:fld>
             <a:endParaRPr lang="pt-BR"/>
           </a:p>
@@ -2098,7 +2098,7 @@
           <a:p>
             <a:fld id="{2FC3D184-0F2B-4D9D-BDB9-3409F15C70D5}" type="datetimeFigureOut">
               <a:rPr lang="pt-BR" smtClean="0"/>
-              <a:t>15/04/2022</a:t>
+              <a:t>19/04/2022</a:t>
             </a:fld>
             <a:endParaRPr lang="pt-BR"/>
           </a:p>
@@ -2355,7 +2355,7 @@
           <a:p>
             <a:fld id="{2FC3D184-0F2B-4D9D-BDB9-3409F15C70D5}" type="datetimeFigureOut">
               <a:rPr lang="pt-BR" smtClean="0"/>
-              <a:t>15/04/2022</a:t>
+              <a:t>19/04/2022</a:t>
             </a:fld>
             <a:endParaRPr lang="pt-BR"/>
           </a:p>
@@ -2568,7 +2568,7 @@
           <a:p>
             <a:fld id="{2FC3D184-0F2B-4D9D-BDB9-3409F15C70D5}" type="datetimeFigureOut">
               <a:rPr lang="pt-BR" smtClean="0"/>
-              <a:t>15/04/2022</a:t>
+              <a:t>19/04/2022</a:t>
             </a:fld>
             <a:endParaRPr lang="pt-BR"/>
           </a:p>
@@ -3626,7 +3626,7 @@
           </p:nvSpPr>
           <p:spPr>
             <a:xfrm>
-              <a:off x="2325873" y="4529719"/>
+              <a:off x="3000669" y="4570116"/>
               <a:ext cx="513146" cy="311111"/>
             </a:xfrm>
             <a:prstGeom prst="rect">
@@ -3686,7 +3686,7 @@
           </p:nvSpPr>
           <p:spPr>
             <a:xfrm>
-              <a:off x="1507634" y="4570050"/>
+              <a:off x="2233085" y="4499147"/>
               <a:ext cx="692338" cy="311111"/>
             </a:xfrm>
             <a:prstGeom prst="rect">
@@ -3746,7 +3746,7 @@
           </p:nvSpPr>
           <p:spPr>
             <a:xfrm>
-              <a:off x="2959924" y="4581265"/>
+              <a:off x="1541156" y="4547329"/>
               <a:ext cx="595191" cy="311111"/>
             </a:xfrm>
             <a:prstGeom prst="rect">
@@ -4860,867 +4860,895 @@
           </p:spPr>
         </p:pic>
       </p:grpSp>
-      <p:cxnSp>
-        <p:nvCxnSpPr>
-          <p:cNvPr id="102" name="1">
+      <p:grpSp>
+        <p:nvGrpSpPr>
+          <p:cNvPr id="2" name="lines">
             <a:extLst>
               <a:ext uri="{FF2B5EF4-FFF2-40B4-BE49-F238E27FC236}">
-                <a16:creationId xmlns:a16="http://schemas.microsoft.com/office/drawing/2014/main" id="{B295D783-8D79-4A34-BED9-D47651D601E3}"/>
+                <a16:creationId xmlns:a16="http://schemas.microsoft.com/office/drawing/2014/main" id="{1F795628-7BF1-43D8-93B2-FBDC569A5F3F}"/>
               </a:ext>
             </a:extLst>
           </p:cNvPr>
-          <p:cNvCxnSpPr>
-            <a:cxnSpLocks/>
-            <a:stCxn id="92" idx="0"/>
-            <a:endCxn id="96" idx="2"/>
-          </p:cNvCxnSpPr>
+          <p:cNvGrpSpPr>
+            <a:grpSpLocks noGrp="1" noUngrp="1" noRot="1" noMove="1" noResize="1"/>
+          </p:cNvGrpSpPr>
           <p:nvPr/>
-        </p:nvCxnSpPr>
-        <p:spPr>
-          <a:xfrm rot="16200000" flipV="1">
-            <a:off x="4539034" y="2253195"/>
-            <a:ext cx="508508" cy="2"/>
+        </p:nvGrpSpPr>
+        <p:grpSpPr>
+          <a:xfrm>
+            <a:off x="775693" y="189268"/>
+            <a:ext cx="8049814" cy="4561182"/>
+            <a:chOff x="775693" y="189268"/>
+            <a:chExt cx="8049814" cy="4561182"/>
           </a:xfrm>
-          <a:prstGeom prst="bentConnector3">
-            <a:avLst/>
-          </a:prstGeom>
-          <a:ln w="28575">
-            <a:solidFill>
-              <a:srgbClr val="13C1F7"/>
-            </a:solidFill>
-            <a:prstDash val="sysDot"/>
-          </a:ln>
-        </p:spPr>
-        <p:style>
-          <a:lnRef idx="1">
-            <a:schemeClr val="accent1"/>
-          </a:lnRef>
-          <a:fillRef idx="0">
-            <a:schemeClr val="accent1"/>
-          </a:fillRef>
-          <a:effectRef idx="0">
-            <a:schemeClr val="accent1"/>
-          </a:effectRef>
-          <a:fontRef idx="minor">
-            <a:schemeClr val="tx1"/>
-          </a:fontRef>
-        </p:style>
-      </p:cxnSp>
-      <p:cxnSp>
-        <p:nvCxnSpPr>
-          <p:cNvPr id="473" name="2">
-            <a:extLst>
-              <a:ext uri="{FF2B5EF4-FFF2-40B4-BE49-F238E27FC236}">
-                <a16:creationId xmlns:a16="http://schemas.microsoft.com/office/drawing/2014/main" id="{6A5E7C87-EF3D-45A0-A735-8D3E0209ED7A}"/>
-              </a:ext>
-            </a:extLst>
-          </p:cNvPr>
-          <p:cNvCxnSpPr>
-            <a:cxnSpLocks/>
-            <a:stCxn id="100" idx="3"/>
-            <a:endCxn id="96" idx="0"/>
-          </p:cNvCxnSpPr>
-          <p:nvPr/>
-        </p:nvCxnSpPr>
-        <p:spPr>
-          <a:xfrm>
-            <a:off x="4284903" y="652461"/>
-            <a:ext cx="508384" cy="706316"/>
-          </a:xfrm>
-          <a:prstGeom prst="line">
-            <a:avLst/>
-          </a:prstGeom>
-          <a:ln w="28575">
-            <a:solidFill>
-              <a:srgbClr val="13C1F7"/>
-            </a:solidFill>
-            <a:prstDash val="sysDot"/>
-          </a:ln>
-        </p:spPr>
-        <p:style>
-          <a:lnRef idx="1">
-            <a:schemeClr val="accent1"/>
-          </a:lnRef>
-          <a:fillRef idx="0">
-            <a:schemeClr val="accent1"/>
-          </a:fillRef>
-          <a:effectRef idx="0">
-            <a:schemeClr val="accent1"/>
-          </a:effectRef>
-          <a:fontRef idx="minor">
-            <a:schemeClr val="tx1"/>
-          </a:fontRef>
-        </p:style>
-      </p:cxnSp>
-      <p:cxnSp>
-        <p:nvCxnSpPr>
-          <p:cNvPr id="475" name="3">
-            <a:extLst>
-              <a:ext uri="{FF2B5EF4-FFF2-40B4-BE49-F238E27FC236}">
-                <a16:creationId xmlns:a16="http://schemas.microsoft.com/office/drawing/2014/main" id="{BCA0C5D1-2CD1-4274-8E88-4D1C81409A36}"/>
-              </a:ext>
-            </a:extLst>
-          </p:cNvPr>
-          <p:cNvCxnSpPr>
-            <a:cxnSpLocks/>
-            <a:stCxn id="104" idx="1"/>
-            <a:endCxn id="96" idx="0"/>
-          </p:cNvCxnSpPr>
-          <p:nvPr/>
-        </p:nvCxnSpPr>
-        <p:spPr>
-          <a:xfrm flipH="1">
-            <a:off x="4793287" y="649355"/>
-            <a:ext cx="426470" cy="709422"/>
-          </a:xfrm>
-          <a:prstGeom prst="line">
-            <a:avLst/>
-          </a:prstGeom>
-          <a:ln w="28575">
-            <a:solidFill>
-              <a:srgbClr val="13C1F7"/>
-            </a:solidFill>
-            <a:prstDash val="sysDot"/>
-          </a:ln>
-        </p:spPr>
-        <p:style>
-          <a:lnRef idx="1">
-            <a:schemeClr val="accent1"/>
-          </a:lnRef>
-          <a:fillRef idx="0">
-            <a:schemeClr val="accent1"/>
-          </a:fillRef>
-          <a:effectRef idx="0">
-            <a:schemeClr val="accent1"/>
-          </a:effectRef>
-          <a:fontRef idx="minor">
-            <a:schemeClr val="tx1"/>
-          </a:fontRef>
-        </p:style>
-      </p:cxnSp>
-      <p:cxnSp>
-        <p:nvCxnSpPr>
-          <p:cNvPr id="471" name="4">
-            <a:extLst>
-              <a:ext uri="{FF2B5EF4-FFF2-40B4-BE49-F238E27FC236}">
-                <a16:creationId xmlns:a16="http://schemas.microsoft.com/office/drawing/2014/main" id="{AB1FF230-B611-4B8F-A552-BDC44499076C}"/>
-              </a:ext>
-            </a:extLst>
-          </p:cNvPr>
-          <p:cNvCxnSpPr>
-            <a:cxnSpLocks/>
-            <a:stCxn id="100" idx="3"/>
-            <a:endCxn id="104" idx="1"/>
-          </p:cNvCxnSpPr>
-          <p:nvPr/>
-        </p:nvCxnSpPr>
-        <p:spPr>
-          <a:xfrm flipV="1">
-            <a:off x="4284903" y="649355"/>
-            <a:ext cx="934854" cy="3106"/>
-          </a:xfrm>
-          <a:prstGeom prst="line">
-            <a:avLst/>
-          </a:prstGeom>
-          <a:ln w="28575">
-            <a:solidFill>
-              <a:srgbClr val="13C1F7"/>
-            </a:solidFill>
-            <a:prstDash val="sysDot"/>
-          </a:ln>
-        </p:spPr>
-        <p:style>
-          <a:lnRef idx="1">
-            <a:schemeClr val="accent1"/>
-          </a:lnRef>
-          <a:fillRef idx="0">
-            <a:schemeClr val="accent1"/>
-          </a:fillRef>
-          <a:effectRef idx="0">
-            <a:schemeClr val="accent1"/>
-          </a:effectRef>
-          <a:fontRef idx="minor">
-            <a:schemeClr val="tx1"/>
-          </a:fontRef>
-        </p:style>
-      </p:cxnSp>
-      <p:cxnSp>
-        <p:nvCxnSpPr>
-          <p:cNvPr id="463" name="5">
-            <a:extLst>
-              <a:ext uri="{FF2B5EF4-FFF2-40B4-BE49-F238E27FC236}">
-                <a16:creationId xmlns:a16="http://schemas.microsoft.com/office/drawing/2014/main" id="{472166DA-AD18-4004-B03E-EAF65B1406CC}"/>
-              </a:ext>
-            </a:extLst>
-          </p:cNvPr>
-          <p:cNvCxnSpPr>
-            <a:cxnSpLocks/>
-            <a:stCxn id="112" idx="3"/>
-            <a:endCxn id="100" idx="1"/>
-          </p:cNvCxnSpPr>
-          <p:nvPr/>
-        </p:nvCxnSpPr>
-        <p:spPr>
-          <a:xfrm>
-            <a:off x="3380887" y="189268"/>
-            <a:ext cx="477239" cy="463193"/>
-          </a:xfrm>
-          <a:prstGeom prst="line">
-            <a:avLst/>
-          </a:prstGeom>
-          <a:ln w="28575">
-            <a:solidFill>
-              <a:srgbClr val="13C1F7"/>
-            </a:solidFill>
-            <a:prstDash val="sysDot"/>
-          </a:ln>
-        </p:spPr>
-        <p:style>
-          <a:lnRef idx="1">
-            <a:schemeClr val="accent1"/>
-          </a:lnRef>
-          <a:fillRef idx="0">
-            <a:schemeClr val="accent1"/>
-          </a:fillRef>
-          <a:effectRef idx="0">
-            <a:schemeClr val="accent1"/>
-          </a:effectRef>
-          <a:fontRef idx="minor">
-            <a:schemeClr val="tx1"/>
-          </a:fontRef>
-        </p:style>
-      </p:cxnSp>
-      <p:cxnSp>
-        <p:nvCxnSpPr>
-          <p:cNvPr id="465" name="6">
-            <a:extLst>
-              <a:ext uri="{FF2B5EF4-FFF2-40B4-BE49-F238E27FC236}">
-                <a16:creationId xmlns:a16="http://schemas.microsoft.com/office/drawing/2014/main" id="{94021463-426D-4E83-8AE7-21E582AA2449}"/>
-              </a:ext>
-            </a:extLst>
-          </p:cNvPr>
-          <p:cNvCxnSpPr>
-            <a:cxnSpLocks/>
-            <a:stCxn id="108" idx="3"/>
-            <a:endCxn id="100" idx="1"/>
-          </p:cNvCxnSpPr>
-          <p:nvPr/>
-        </p:nvCxnSpPr>
-        <p:spPr>
-          <a:xfrm flipV="1">
-            <a:off x="3381118" y="652461"/>
-            <a:ext cx="477008" cy="64"/>
-          </a:xfrm>
-          <a:prstGeom prst="line">
-            <a:avLst/>
-          </a:prstGeom>
-          <a:ln w="28575">
-            <a:solidFill>
-              <a:srgbClr val="13C1F7"/>
-            </a:solidFill>
-            <a:prstDash val="sysDot"/>
-          </a:ln>
-        </p:spPr>
-        <p:style>
-          <a:lnRef idx="1">
-            <a:schemeClr val="accent1"/>
-          </a:lnRef>
-          <a:fillRef idx="0">
-            <a:schemeClr val="accent1"/>
-          </a:fillRef>
-          <a:effectRef idx="0">
-            <a:schemeClr val="accent1"/>
-          </a:effectRef>
-          <a:fontRef idx="minor">
-            <a:schemeClr val="tx1"/>
-          </a:fontRef>
-        </p:style>
-      </p:cxnSp>
-      <p:cxnSp>
-        <p:nvCxnSpPr>
-          <p:cNvPr id="467" name="7">
-            <a:extLst>
-              <a:ext uri="{FF2B5EF4-FFF2-40B4-BE49-F238E27FC236}">
-                <a16:creationId xmlns:a16="http://schemas.microsoft.com/office/drawing/2014/main" id="{55DCA934-CBD5-4BCE-9A1D-731A5EB143EF}"/>
-              </a:ext>
-            </a:extLst>
-          </p:cNvPr>
-          <p:cNvCxnSpPr>
-            <a:cxnSpLocks/>
-            <a:stCxn id="116" idx="3"/>
-            <a:endCxn id="100" idx="1"/>
-          </p:cNvCxnSpPr>
-          <p:nvPr/>
-        </p:nvCxnSpPr>
-        <p:spPr>
-          <a:xfrm flipV="1">
-            <a:off x="3373952" y="652461"/>
-            <a:ext cx="484174" cy="483067"/>
-          </a:xfrm>
-          <a:prstGeom prst="line">
-            <a:avLst/>
-          </a:prstGeom>
-          <a:ln w="28575">
-            <a:solidFill>
-              <a:srgbClr val="13C1F7"/>
-            </a:solidFill>
-            <a:prstDash val="sysDot"/>
-          </a:ln>
-        </p:spPr>
-        <p:style>
-          <a:lnRef idx="1">
-            <a:schemeClr val="accent1"/>
-          </a:lnRef>
-          <a:fillRef idx="0">
-            <a:schemeClr val="accent1"/>
-          </a:fillRef>
-          <a:effectRef idx="0">
-            <a:schemeClr val="accent1"/>
-          </a:effectRef>
-          <a:fontRef idx="minor">
-            <a:schemeClr val="tx1"/>
-          </a:fontRef>
-        </p:style>
-      </p:cxnSp>
-      <p:cxnSp>
-        <p:nvCxnSpPr>
-          <p:cNvPr id="4" name="8">
-            <a:extLst>
-              <a:ext uri="{FF2B5EF4-FFF2-40B4-BE49-F238E27FC236}">
-                <a16:creationId xmlns:a16="http://schemas.microsoft.com/office/drawing/2014/main" id="{F401DA95-5987-4F8F-A2DB-1D94F8EEA402}"/>
-              </a:ext>
-            </a:extLst>
-          </p:cNvPr>
-          <p:cNvCxnSpPr>
-            <a:cxnSpLocks/>
-            <a:stCxn id="98" idx="3"/>
-            <a:endCxn id="92" idx="1"/>
-          </p:cNvCxnSpPr>
-          <p:nvPr/>
-        </p:nvCxnSpPr>
-        <p:spPr>
-          <a:xfrm>
-            <a:off x="2766965" y="2572107"/>
-            <a:ext cx="1493701" cy="466100"/>
-          </a:xfrm>
-          <a:prstGeom prst="bentConnector3">
-            <a:avLst/>
-          </a:prstGeom>
-          <a:ln w="28575">
-            <a:solidFill>
-              <a:srgbClr val="7030A0"/>
-            </a:solidFill>
-            <a:prstDash val="sysDot"/>
-          </a:ln>
-        </p:spPr>
-        <p:style>
-          <a:lnRef idx="1">
-            <a:schemeClr val="accent1"/>
-          </a:lnRef>
-          <a:fillRef idx="0">
-            <a:schemeClr val="accent1"/>
-          </a:fillRef>
-          <a:effectRef idx="0">
-            <a:schemeClr val="accent1"/>
-          </a:effectRef>
-          <a:fontRef idx="minor">
-            <a:schemeClr val="tx1"/>
-          </a:fontRef>
-        </p:style>
-      </p:cxnSp>
-      <p:cxnSp>
-        <p:nvCxnSpPr>
-          <p:cNvPr id="11" name="9">
-            <a:extLst>
-              <a:ext uri="{FF2B5EF4-FFF2-40B4-BE49-F238E27FC236}">
-                <a16:creationId xmlns:a16="http://schemas.microsoft.com/office/drawing/2014/main" id="{8090A106-0349-48DB-A967-C7FDACCD54CC}"/>
-              </a:ext>
-            </a:extLst>
-          </p:cNvPr>
-          <p:cNvCxnSpPr>
-            <a:stCxn id="97" idx="3"/>
-            <a:endCxn id="98" idx="1"/>
-          </p:cNvCxnSpPr>
-          <p:nvPr/>
-        </p:nvCxnSpPr>
-        <p:spPr>
-          <a:xfrm>
-            <a:off x="989083" y="2156299"/>
-            <a:ext cx="1352851" cy="415808"/>
-          </a:xfrm>
-          <a:prstGeom prst="bentConnector3">
-            <a:avLst/>
-          </a:prstGeom>
-          <a:ln w="28575">
-            <a:solidFill>
-              <a:srgbClr val="7030A0"/>
-            </a:solidFill>
-            <a:prstDash val="sysDot"/>
-          </a:ln>
-        </p:spPr>
-        <p:style>
-          <a:lnRef idx="1">
-            <a:schemeClr val="accent1"/>
-          </a:lnRef>
-          <a:fillRef idx="0">
-            <a:schemeClr val="accent1"/>
-          </a:fillRef>
-          <a:effectRef idx="0">
-            <a:schemeClr val="accent1"/>
-          </a:effectRef>
-          <a:fontRef idx="minor">
-            <a:schemeClr val="tx1"/>
-          </a:fontRef>
-        </p:style>
-      </p:cxnSp>
-      <p:cxnSp>
-        <p:nvCxnSpPr>
-          <p:cNvPr id="13" name="10">
-            <a:extLst>
-              <a:ext uri="{FF2B5EF4-FFF2-40B4-BE49-F238E27FC236}">
-                <a16:creationId xmlns:a16="http://schemas.microsoft.com/office/drawing/2014/main" id="{64536AA5-9065-4B95-B787-CD8A2DD57382}"/>
-              </a:ext>
-            </a:extLst>
-          </p:cNvPr>
-          <p:cNvCxnSpPr>
-            <a:stCxn id="230" idx="0"/>
-            <a:endCxn id="97" idx="2"/>
-          </p:cNvCxnSpPr>
-          <p:nvPr/>
-        </p:nvCxnSpPr>
-        <p:spPr>
-          <a:xfrm rot="5400000" flipH="1" flipV="1">
-            <a:off x="431861" y="2713521"/>
-            <a:ext cx="687667" cy="1"/>
-          </a:xfrm>
-          <a:prstGeom prst="bentConnector3">
-            <a:avLst/>
-          </a:prstGeom>
-          <a:ln w="28575">
-            <a:solidFill>
-              <a:srgbClr val="7030A0"/>
-            </a:solidFill>
-            <a:prstDash val="sysDot"/>
-          </a:ln>
-        </p:spPr>
-        <p:style>
-          <a:lnRef idx="1">
-            <a:schemeClr val="accent1"/>
-          </a:lnRef>
-          <a:fillRef idx="0">
-            <a:schemeClr val="accent1"/>
-          </a:fillRef>
-          <a:effectRef idx="0">
-            <a:schemeClr val="accent1"/>
-          </a:effectRef>
-          <a:fontRef idx="minor">
-            <a:schemeClr val="tx1"/>
-          </a:fontRef>
-        </p:style>
-      </p:cxnSp>
-      <p:cxnSp>
-        <p:nvCxnSpPr>
-          <p:cNvPr id="15" name="11">
-            <a:extLst>
-              <a:ext uri="{FF2B5EF4-FFF2-40B4-BE49-F238E27FC236}">
-                <a16:creationId xmlns:a16="http://schemas.microsoft.com/office/drawing/2014/main" id="{D9109F0E-7C2A-4047-A760-A3221B3B551D}"/>
-              </a:ext>
-            </a:extLst>
-          </p:cNvPr>
-          <p:cNvCxnSpPr>
-            <a:cxnSpLocks/>
-          </p:cNvCxnSpPr>
-          <p:nvPr/>
-        </p:nvCxnSpPr>
-        <p:spPr>
-          <a:xfrm rot="5400000" flipH="1" flipV="1">
-            <a:off x="598716" y="3661109"/>
-            <a:ext cx="353956" cy="1"/>
-          </a:xfrm>
-          <a:prstGeom prst="bentConnector3">
-            <a:avLst/>
-          </a:prstGeom>
-          <a:ln w="28575">
-            <a:solidFill>
-              <a:srgbClr val="7030A0"/>
-            </a:solidFill>
-            <a:prstDash val="sysDot"/>
-          </a:ln>
-        </p:spPr>
-        <p:style>
-          <a:lnRef idx="1">
-            <a:schemeClr val="accent1"/>
-          </a:lnRef>
-          <a:fillRef idx="0">
-            <a:schemeClr val="accent1"/>
-          </a:fillRef>
-          <a:effectRef idx="0">
-            <a:schemeClr val="accent1"/>
-          </a:effectRef>
-          <a:fontRef idx="minor">
-            <a:schemeClr val="tx1"/>
-          </a:fontRef>
-        </p:style>
-      </p:cxnSp>
-      <p:cxnSp>
-        <p:nvCxnSpPr>
-          <p:cNvPr id="17" name="12">
-            <a:extLst>
-              <a:ext uri="{FF2B5EF4-FFF2-40B4-BE49-F238E27FC236}">
-                <a16:creationId xmlns:a16="http://schemas.microsoft.com/office/drawing/2014/main" id="{075A6C28-5E46-42F0-86F7-0BF4B5BF10A5}"/>
-              </a:ext>
-            </a:extLst>
-          </p:cNvPr>
-          <p:cNvCxnSpPr>
-            <a:cxnSpLocks/>
-          </p:cNvCxnSpPr>
-          <p:nvPr/>
-        </p:nvCxnSpPr>
-        <p:spPr>
-          <a:xfrm rot="16200000" flipH="1">
-            <a:off x="623840" y="4277943"/>
-            <a:ext cx="304279" cy="568"/>
-          </a:xfrm>
-          <a:prstGeom prst="bentConnector3">
-            <a:avLst/>
-          </a:prstGeom>
-          <a:ln w="28575">
-            <a:solidFill>
-              <a:srgbClr val="7030A0"/>
-            </a:solidFill>
-            <a:prstDash val="sysDot"/>
-          </a:ln>
-        </p:spPr>
-        <p:style>
-          <a:lnRef idx="1">
-            <a:schemeClr val="accent1"/>
-          </a:lnRef>
-          <a:fillRef idx="0">
-            <a:schemeClr val="accent1"/>
-          </a:fillRef>
-          <a:effectRef idx="0">
-            <a:schemeClr val="accent1"/>
-          </a:effectRef>
-          <a:fontRef idx="minor">
-            <a:schemeClr val="tx1"/>
-          </a:fontRef>
-        </p:style>
-      </p:cxnSp>
-      <p:cxnSp>
-        <p:nvCxnSpPr>
-          <p:cNvPr id="19" name="13">
-            <a:extLst>
-              <a:ext uri="{FF2B5EF4-FFF2-40B4-BE49-F238E27FC236}">
-                <a16:creationId xmlns:a16="http://schemas.microsoft.com/office/drawing/2014/main" id="{24FC1499-2D2F-42EB-B408-975EC86A4D15}"/>
-              </a:ext>
-            </a:extLst>
-          </p:cNvPr>
-          <p:cNvCxnSpPr>
-            <a:cxnSpLocks/>
-          </p:cNvCxnSpPr>
-          <p:nvPr/>
-        </p:nvCxnSpPr>
-        <p:spPr>
-          <a:xfrm flipV="1">
-            <a:off x="1096345" y="4401200"/>
-            <a:ext cx="599410" cy="349250"/>
-          </a:xfrm>
-          <a:prstGeom prst="bentConnector3">
-            <a:avLst/>
-          </a:prstGeom>
-          <a:ln w="28575">
-            <a:solidFill>
-              <a:srgbClr val="7030A0"/>
-            </a:solidFill>
-            <a:prstDash val="sysDot"/>
-          </a:ln>
-        </p:spPr>
-        <p:style>
-          <a:lnRef idx="1">
-            <a:schemeClr val="accent1"/>
-          </a:lnRef>
-          <a:fillRef idx="0">
-            <a:schemeClr val="accent1"/>
-          </a:fillRef>
-          <a:effectRef idx="0">
-            <a:schemeClr val="accent1"/>
-          </a:effectRef>
-          <a:fontRef idx="minor">
-            <a:schemeClr val="tx1"/>
-          </a:fontRef>
-        </p:style>
-      </p:cxnSp>
-      <p:cxnSp>
-        <p:nvCxnSpPr>
-          <p:cNvPr id="21" name="14">
-            <a:extLst>
-              <a:ext uri="{FF2B5EF4-FFF2-40B4-BE49-F238E27FC236}">
-                <a16:creationId xmlns:a16="http://schemas.microsoft.com/office/drawing/2014/main" id="{E8C723EC-5F45-4DA3-962C-D0D46CB038D8}"/>
-              </a:ext>
-            </a:extLst>
-          </p:cNvPr>
-          <p:cNvCxnSpPr>
-            <a:cxnSpLocks/>
-          </p:cNvCxnSpPr>
-          <p:nvPr/>
-        </p:nvCxnSpPr>
-        <p:spPr>
-          <a:xfrm>
-            <a:off x="2011851" y="4401200"/>
-            <a:ext cx="409357" cy="1386"/>
-          </a:xfrm>
-          <a:prstGeom prst="bentConnector3">
-            <a:avLst/>
-          </a:prstGeom>
-          <a:ln w="28575">
-            <a:solidFill>
-              <a:srgbClr val="7030A0"/>
-            </a:solidFill>
-            <a:prstDash val="sysDot"/>
-          </a:ln>
-        </p:spPr>
-        <p:style>
-          <a:lnRef idx="1">
-            <a:schemeClr val="accent1"/>
-          </a:lnRef>
-          <a:fillRef idx="0">
-            <a:schemeClr val="accent1"/>
-          </a:fillRef>
-          <a:effectRef idx="0">
-            <a:schemeClr val="accent1"/>
-          </a:effectRef>
-          <a:fontRef idx="minor">
-            <a:schemeClr val="tx1"/>
-          </a:fontRef>
-        </p:style>
-      </p:cxnSp>
-      <p:cxnSp>
-        <p:nvCxnSpPr>
-          <p:cNvPr id="23" name="15">
-            <a:extLst>
-              <a:ext uri="{FF2B5EF4-FFF2-40B4-BE49-F238E27FC236}">
-                <a16:creationId xmlns:a16="http://schemas.microsoft.com/office/drawing/2014/main" id="{89842922-CE19-435B-AB99-F18AA42C21A2}"/>
-              </a:ext>
-            </a:extLst>
-          </p:cNvPr>
-          <p:cNvCxnSpPr>
-            <a:cxnSpLocks/>
-          </p:cNvCxnSpPr>
-          <p:nvPr/>
-        </p:nvCxnSpPr>
-        <p:spPr>
-          <a:xfrm flipV="1">
-            <a:off x="2737304" y="4401118"/>
-            <a:ext cx="360409" cy="1468"/>
-          </a:xfrm>
-          <a:prstGeom prst="bentConnector3">
-            <a:avLst/>
-          </a:prstGeom>
-          <a:ln w="28575">
-            <a:solidFill>
-              <a:srgbClr val="7030A0"/>
-            </a:solidFill>
-            <a:prstDash val="sysDot"/>
-          </a:ln>
-        </p:spPr>
-        <p:style>
-          <a:lnRef idx="1">
-            <a:schemeClr val="accent1"/>
-          </a:lnRef>
-          <a:fillRef idx="0">
-            <a:schemeClr val="accent1"/>
-          </a:fillRef>
-          <a:effectRef idx="0">
-            <a:schemeClr val="accent1"/>
-          </a:effectRef>
-          <a:fontRef idx="minor">
-            <a:schemeClr val="tx1"/>
-          </a:fontRef>
-        </p:style>
-      </p:cxnSp>
-      <p:cxnSp>
-        <p:nvCxnSpPr>
-          <p:cNvPr id="7" name="16">
-            <a:extLst>
-              <a:ext uri="{FF2B5EF4-FFF2-40B4-BE49-F238E27FC236}">
-                <a16:creationId xmlns:a16="http://schemas.microsoft.com/office/drawing/2014/main" id="{226F66FF-445E-47C0-8503-9C64E806AA43}"/>
-              </a:ext>
-            </a:extLst>
-          </p:cNvPr>
-          <p:cNvCxnSpPr>
-            <a:stCxn id="103" idx="1"/>
-            <a:endCxn id="92" idx="3"/>
-          </p:cNvCxnSpPr>
-          <p:nvPr/>
-        </p:nvCxnSpPr>
-        <p:spPr>
-          <a:xfrm rot="10800000" flipV="1">
-            <a:off x="5327607" y="2574115"/>
-            <a:ext cx="1499250" cy="464092"/>
-          </a:xfrm>
-          <a:prstGeom prst="bentConnector3">
-            <a:avLst/>
-          </a:prstGeom>
-          <a:ln w="28575">
-            <a:solidFill>
-              <a:srgbClr val="7030A0"/>
-            </a:solidFill>
-            <a:prstDash val="sysDot"/>
-          </a:ln>
-        </p:spPr>
-        <p:style>
-          <a:lnRef idx="1">
-            <a:schemeClr val="accent1"/>
-          </a:lnRef>
-          <a:fillRef idx="0">
-            <a:schemeClr val="accent1"/>
-          </a:fillRef>
-          <a:effectRef idx="0">
-            <a:schemeClr val="accent1"/>
-          </a:effectRef>
-          <a:fontRef idx="minor">
-            <a:schemeClr val="tx1"/>
-          </a:fontRef>
-        </p:style>
-      </p:cxnSp>
-      <p:cxnSp>
-        <p:nvCxnSpPr>
-          <p:cNvPr id="94" name="17">
-            <a:extLst>
-              <a:ext uri="{FF2B5EF4-FFF2-40B4-BE49-F238E27FC236}">
-                <a16:creationId xmlns:a16="http://schemas.microsoft.com/office/drawing/2014/main" id="{F2160027-E9E9-405B-A25A-4C499A625673}"/>
-              </a:ext>
-            </a:extLst>
-          </p:cNvPr>
-          <p:cNvCxnSpPr>
-            <a:stCxn id="137" idx="1"/>
-            <a:endCxn id="103" idx="3"/>
-          </p:cNvCxnSpPr>
-          <p:nvPr/>
-        </p:nvCxnSpPr>
-        <p:spPr>
-          <a:xfrm rot="10800000" flipV="1">
-            <a:off x="7251889" y="2165881"/>
-            <a:ext cx="1360229" cy="408233"/>
-          </a:xfrm>
-          <a:prstGeom prst="bentConnector3">
-            <a:avLst/>
-          </a:prstGeom>
-          <a:ln w="28575">
-            <a:solidFill>
-              <a:srgbClr val="7030A0"/>
-            </a:solidFill>
-            <a:prstDash val="sysDot"/>
-          </a:ln>
-        </p:spPr>
-        <p:style>
-          <a:lnRef idx="1">
-            <a:schemeClr val="accent1"/>
-          </a:lnRef>
-          <a:fillRef idx="0">
-            <a:schemeClr val="accent1"/>
-          </a:fillRef>
-          <a:effectRef idx="0">
-            <a:schemeClr val="accent1"/>
-          </a:effectRef>
-          <a:fontRef idx="minor">
-            <a:schemeClr val="tx1"/>
-          </a:fontRef>
-        </p:style>
-      </p:cxnSp>
-      <p:cxnSp>
-        <p:nvCxnSpPr>
-          <p:cNvPr id="476" name="18">
-            <a:extLst>
-              <a:ext uri="{FF2B5EF4-FFF2-40B4-BE49-F238E27FC236}">
-                <a16:creationId xmlns:a16="http://schemas.microsoft.com/office/drawing/2014/main" id="{8B39677E-805E-4CC2-A50D-04F0676B339F}"/>
-              </a:ext>
-            </a:extLst>
-          </p:cNvPr>
-          <p:cNvCxnSpPr>
-            <a:stCxn id="224" idx="0"/>
-            <a:endCxn id="137" idx="2"/>
-          </p:cNvCxnSpPr>
-          <p:nvPr/>
-        </p:nvCxnSpPr>
-        <p:spPr>
-          <a:xfrm rot="16200000" flipV="1">
-            <a:off x="8487565" y="2717211"/>
-            <a:ext cx="675884" cy="1"/>
-          </a:xfrm>
-          <a:prstGeom prst="bentConnector3">
-            <a:avLst/>
-          </a:prstGeom>
-          <a:ln w="28575">
-            <a:solidFill>
-              <a:srgbClr val="7030A0"/>
-            </a:solidFill>
-            <a:prstDash val="sysDot"/>
-          </a:ln>
-        </p:spPr>
-        <p:style>
-          <a:lnRef idx="1">
-            <a:schemeClr val="accent1"/>
-          </a:lnRef>
-          <a:fillRef idx="0">
-            <a:schemeClr val="accent1"/>
-          </a:fillRef>
-          <a:effectRef idx="0">
-            <a:schemeClr val="accent1"/>
-          </a:effectRef>
-          <a:fontRef idx="minor">
-            <a:schemeClr val="tx1"/>
-          </a:fontRef>
-        </p:style>
-      </p:cxnSp>
-      <p:cxnSp>
-        <p:nvCxnSpPr>
-          <p:cNvPr id="478" name="19">
-            <a:extLst>
-              <a:ext uri="{FF2B5EF4-FFF2-40B4-BE49-F238E27FC236}">
-                <a16:creationId xmlns:a16="http://schemas.microsoft.com/office/drawing/2014/main" id="{DCF23C46-7130-4BF0-AA10-F513178EE2E9}"/>
-              </a:ext>
-            </a:extLst>
-          </p:cNvPr>
-          <p:cNvCxnSpPr>
-            <a:cxnSpLocks/>
-            <a:stCxn id="226" idx="0"/>
-            <a:endCxn id="224" idx="2"/>
-          </p:cNvCxnSpPr>
-          <p:nvPr/>
-        </p:nvCxnSpPr>
-        <p:spPr>
-          <a:xfrm rot="5400000" flipH="1" flipV="1">
-            <a:off x="8257206" y="4044344"/>
-            <a:ext cx="1130713" cy="5889"/>
-          </a:xfrm>
-          <a:prstGeom prst="bentConnector3">
-            <a:avLst>
-              <a:gd name="adj1" fmla="val 50000"/>
-            </a:avLst>
-          </a:prstGeom>
-          <a:ln w="28575">
-            <a:solidFill>
-              <a:srgbClr val="7030A0"/>
-            </a:solidFill>
-            <a:prstDash val="sysDot"/>
-          </a:ln>
-        </p:spPr>
-        <p:style>
-          <a:lnRef idx="1">
-            <a:schemeClr val="accent1"/>
-          </a:lnRef>
-          <a:fillRef idx="0">
-            <a:schemeClr val="accent1"/>
-          </a:fillRef>
-          <a:effectRef idx="0">
-            <a:schemeClr val="accent1"/>
-          </a:effectRef>
-          <a:fontRef idx="minor">
-            <a:schemeClr val="tx1"/>
-          </a:fontRef>
-        </p:style>
-      </p:cxnSp>
+        </p:grpSpPr>
+        <p:cxnSp>
+          <p:nvCxnSpPr>
+            <p:cNvPr id="102" name="1">
+              <a:extLst>
+                <a:ext uri="{FF2B5EF4-FFF2-40B4-BE49-F238E27FC236}">
+                  <a16:creationId xmlns:a16="http://schemas.microsoft.com/office/drawing/2014/main" id="{B295D783-8D79-4A34-BED9-D47651D601E3}"/>
+                </a:ext>
+              </a:extLst>
+            </p:cNvPr>
+            <p:cNvCxnSpPr>
+              <a:cxnSpLocks noGrp="1" noRot="1" noMove="1" noResize="1" noEditPoints="1" noAdjustHandles="1" noChangeArrowheads="1" noChangeShapeType="1"/>
+              <a:stCxn id="92" idx="0"/>
+              <a:endCxn id="96" idx="2"/>
+            </p:cNvCxnSpPr>
+            <p:nvPr/>
+          </p:nvCxnSpPr>
+          <p:spPr>
+            <a:xfrm rot="16200000" flipV="1">
+              <a:off x="4539034" y="2253195"/>
+              <a:ext cx="508508" cy="2"/>
+            </a:xfrm>
+            <a:prstGeom prst="bentConnector3">
+              <a:avLst/>
+            </a:prstGeom>
+            <a:ln w="28575">
+              <a:solidFill>
+                <a:srgbClr val="13C1F7"/>
+              </a:solidFill>
+              <a:prstDash val="sysDot"/>
+            </a:ln>
+          </p:spPr>
+          <p:style>
+            <a:lnRef idx="1">
+              <a:schemeClr val="accent1"/>
+            </a:lnRef>
+            <a:fillRef idx="0">
+              <a:schemeClr val="accent1"/>
+            </a:fillRef>
+            <a:effectRef idx="0">
+              <a:schemeClr val="accent1"/>
+            </a:effectRef>
+            <a:fontRef idx="minor">
+              <a:schemeClr val="tx1"/>
+            </a:fontRef>
+          </p:style>
+        </p:cxnSp>
+        <p:cxnSp>
+          <p:nvCxnSpPr>
+            <p:cNvPr id="473" name="2">
+              <a:extLst>
+                <a:ext uri="{FF2B5EF4-FFF2-40B4-BE49-F238E27FC236}">
+                  <a16:creationId xmlns:a16="http://schemas.microsoft.com/office/drawing/2014/main" id="{6A5E7C87-EF3D-45A0-A735-8D3E0209ED7A}"/>
+                </a:ext>
+              </a:extLst>
+            </p:cNvPr>
+            <p:cNvCxnSpPr>
+              <a:cxnSpLocks noGrp="1" noRot="1" noMove="1" noResize="1" noEditPoints="1" noAdjustHandles="1" noChangeArrowheads="1" noChangeShapeType="1"/>
+              <a:stCxn id="100" idx="3"/>
+              <a:endCxn id="96" idx="0"/>
+            </p:cNvCxnSpPr>
+            <p:nvPr/>
+          </p:nvCxnSpPr>
+          <p:spPr>
+            <a:xfrm>
+              <a:off x="4284903" y="652461"/>
+              <a:ext cx="508384" cy="706316"/>
+            </a:xfrm>
+            <a:prstGeom prst="line">
+              <a:avLst/>
+            </a:prstGeom>
+            <a:ln w="28575">
+              <a:solidFill>
+                <a:srgbClr val="13C1F7"/>
+              </a:solidFill>
+              <a:prstDash val="sysDot"/>
+            </a:ln>
+          </p:spPr>
+          <p:style>
+            <a:lnRef idx="1">
+              <a:schemeClr val="accent1"/>
+            </a:lnRef>
+            <a:fillRef idx="0">
+              <a:schemeClr val="accent1"/>
+            </a:fillRef>
+            <a:effectRef idx="0">
+              <a:schemeClr val="accent1"/>
+            </a:effectRef>
+            <a:fontRef idx="minor">
+              <a:schemeClr val="tx1"/>
+            </a:fontRef>
+          </p:style>
+        </p:cxnSp>
+        <p:cxnSp>
+          <p:nvCxnSpPr>
+            <p:cNvPr id="475" name="3">
+              <a:extLst>
+                <a:ext uri="{FF2B5EF4-FFF2-40B4-BE49-F238E27FC236}">
+                  <a16:creationId xmlns:a16="http://schemas.microsoft.com/office/drawing/2014/main" id="{BCA0C5D1-2CD1-4274-8E88-4D1C81409A36}"/>
+                </a:ext>
+              </a:extLst>
+            </p:cNvPr>
+            <p:cNvCxnSpPr>
+              <a:cxnSpLocks noGrp="1" noRot="1" noMove="1" noResize="1" noEditPoints="1" noAdjustHandles="1" noChangeArrowheads="1" noChangeShapeType="1"/>
+              <a:stCxn id="104" idx="1"/>
+              <a:endCxn id="96" idx="0"/>
+            </p:cNvCxnSpPr>
+            <p:nvPr/>
+          </p:nvCxnSpPr>
+          <p:spPr>
+            <a:xfrm flipH="1">
+              <a:off x="4793287" y="649355"/>
+              <a:ext cx="426470" cy="709422"/>
+            </a:xfrm>
+            <a:prstGeom prst="line">
+              <a:avLst/>
+            </a:prstGeom>
+            <a:ln w="28575">
+              <a:solidFill>
+                <a:srgbClr val="13C1F7"/>
+              </a:solidFill>
+              <a:prstDash val="sysDot"/>
+            </a:ln>
+          </p:spPr>
+          <p:style>
+            <a:lnRef idx="1">
+              <a:schemeClr val="accent1"/>
+            </a:lnRef>
+            <a:fillRef idx="0">
+              <a:schemeClr val="accent1"/>
+            </a:fillRef>
+            <a:effectRef idx="0">
+              <a:schemeClr val="accent1"/>
+            </a:effectRef>
+            <a:fontRef idx="minor">
+              <a:schemeClr val="tx1"/>
+            </a:fontRef>
+          </p:style>
+        </p:cxnSp>
+        <p:cxnSp>
+          <p:nvCxnSpPr>
+            <p:cNvPr id="471" name="4">
+              <a:extLst>
+                <a:ext uri="{FF2B5EF4-FFF2-40B4-BE49-F238E27FC236}">
+                  <a16:creationId xmlns:a16="http://schemas.microsoft.com/office/drawing/2014/main" id="{AB1FF230-B611-4B8F-A552-BDC44499076C}"/>
+                </a:ext>
+              </a:extLst>
+            </p:cNvPr>
+            <p:cNvCxnSpPr>
+              <a:cxnSpLocks noGrp="1" noRot="1" noMove="1" noResize="1" noEditPoints="1" noAdjustHandles="1" noChangeArrowheads="1" noChangeShapeType="1"/>
+              <a:stCxn id="100" idx="3"/>
+              <a:endCxn id="104" idx="1"/>
+            </p:cNvCxnSpPr>
+            <p:nvPr/>
+          </p:nvCxnSpPr>
+          <p:spPr>
+            <a:xfrm flipV="1">
+              <a:off x="4284903" y="649355"/>
+              <a:ext cx="934854" cy="3106"/>
+            </a:xfrm>
+            <a:prstGeom prst="line">
+              <a:avLst/>
+            </a:prstGeom>
+            <a:ln w="28575">
+              <a:solidFill>
+                <a:srgbClr val="13C1F7"/>
+              </a:solidFill>
+              <a:prstDash val="sysDot"/>
+            </a:ln>
+          </p:spPr>
+          <p:style>
+            <a:lnRef idx="1">
+              <a:schemeClr val="accent1"/>
+            </a:lnRef>
+            <a:fillRef idx="0">
+              <a:schemeClr val="accent1"/>
+            </a:fillRef>
+            <a:effectRef idx="0">
+              <a:schemeClr val="accent1"/>
+            </a:effectRef>
+            <a:fontRef idx="minor">
+              <a:schemeClr val="tx1"/>
+            </a:fontRef>
+          </p:style>
+        </p:cxnSp>
+        <p:cxnSp>
+          <p:nvCxnSpPr>
+            <p:cNvPr id="463" name="5">
+              <a:extLst>
+                <a:ext uri="{FF2B5EF4-FFF2-40B4-BE49-F238E27FC236}">
+                  <a16:creationId xmlns:a16="http://schemas.microsoft.com/office/drawing/2014/main" id="{472166DA-AD18-4004-B03E-EAF65B1406CC}"/>
+                </a:ext>
+              </a:extLst>
+            </p:cNvPr>
+            <p:cNvCxnSpPr>
+              <a:cxnSpLocks noGrp="1" noRot="1" noMove="1" noResize="1" noEditPoints="1" noAdjustHandles="1" noChangeArrowheads="1" noChangeShapeType="1"/>
+              <a:stCxn id="112" idx="3"/>
+              <a:endCxn id="100" idx="1"/>
+            </p:cNvCxnSpPr>
+            <p:nvPr/>
+          </p:nvCxnSpPr>
+          <p:spPr>
+            <a:xfrm>
+              <a:off x="3380887" y="189268"/>
+              <a:ext cx="477239" cy="463193"/>
+            </a:xfrm>
+            <a:prstGeom prst="line">
+              <a:avLst/>
+            </a:prstGeom>
+            <a:ln w="28575">
+              <a:solidFill>
+                <a:srgbClr val="13C1F7"/>
+              </a:solidFill>
+              <a:prstDash val="sysDot"/>
+            </a:ln>
+          </p:spPr>
+          <p:style>
+            <a:lnRef idx="1">
+              <a:schemeClr val="accent1"/>
+            </a:lnRef>
+            <a:fillRef idx="0">
+              <a:schemeClr val="accent1"/>
+            </a:fillRef>
+            <a:effectRef idx="0">
+              <a:schemeClr val="accent1"/>
+            </a:effectRef>
+            <a:fontRef idx="minor">
+              <a:schemeClr val="tx1"/>
+            </a:fontRef>
+          </p:style>
+        </p:cxnSp>
+        <p:cxnSp>
+          <p:nvCxnSpPr>
+            <p:cNvPr id="465" name="6">
+              <a:extLst>
+                <a:ext uri="{FF2B5EF4-FFF2-40B4-BE49-F238E27FC236}">
+                  <a16:creationId xmlns:a16="http://schemas.microsoft.com/office/drawing/2014/main" id="{94021463-426D-4E83-8AE7-21E582AA2449}"/>
+                </a:ext>
+              </a:extLst>
+            </p:cNvPr>
+            <p:cNvCxnSpPr>
+              <a:cxnSpLocks noGrp="1" noRot="1" noMove="1" noResize="1" noEditPoints="1" noAdjustHandles="1" noChangeArrowheads="1" noChangeShapeType="1"/>
+              <a:stCxn id="108" idx="3"/>
+              <a:endCxn id="100" idx="1"/>
+            </p:cNvCxnSpPr>
+            <p:nvPr/>
+          </p:nvCxnSpPr>
+          <p:spPr>
+            <a:xfrm flipV="1">
+              <a:off x="3381118" y="652461"/>
+              <a:ext cx="477008" cy="64"/>
+            </a:xfrm>
+            <a:prstGeom prst="line">
+              <a:avLst/>
+            </a:prstGeom>
+            <a:ln w="28575">
+              <a:solidFill>
+                <a:srgbClr val="13C1F7"/>
+              </a:solidFill>
+              <a:prstDash val="sysDot"/>
+            </a:ln>
+          </p:spPr>
+          <p:style>
+            <a:lnRef idx="1">
+              <a:schemeClr val="accent1"/>
+            </a:lnRef>
+            <a:fillRef idx="0">
+              <a:schemeClr val="accent1"/>
+            </a:fillRef>
+            <a:effectRef idx="0">
+              <a:schemeClr val="accent1"/>
+            </a:effectRef>
+            <a:fontRef idx="minor">
+              <a:schemeClr val="tx1"/>
+            </a:fontRef>
+          </p:style>
+        </p:cxnSp>
+        <p:cxnSp>
+          <p:nvCxnSpPr>
+            <p:cNvPr id="467" name="7">
+              <a:extLst>
+                <a:ext uri="{FF2B5EF4-FFF2-40B4-BE49-F238E27FC236}">
+                  <a16:creationId xmlns:a16="http://schemas.microsoft.com/office/drawing/2014/main" id="{55DCA934-CBD5-4BCE-9A1D-731A5EB143EF}"/>
+                </a:ext>
+              </a:extLst>
+            </p:cNvPr>
+            <p:cNvCxnSpPr>
+              <a:cxnSpLocks noGrp="1" noRot="1" noMove="1" noResize="1" noEditPoints="1" noAdjustHandles="1" noChangeArrowheads="1" noChangeShapeType="1"/>
+              <a:stCxn id="116" idx="3"/>
+              <a:endCxn id="100" idx="1"/>
+            </p:cNvCxnSpPr>
+            <p:nvPr/>
+          </p:nvCxnSpPr>
+          <p:spPr>
+            <a:xfrm flipV="1">
+              <a:off x="3373952" y="652461"/>
+              <a:ext cx="484174" cy="483067"/>
+            </a:xfrm>
+            <a:prstGeom prst="line">
+              <a:avLst/>
+            </a:prstGeom>
+            <a:ln w="28575">
+              <a:solidFill>
+                <a:srgbClr val="13C1F7"/>
+              </a:solidFill>
+              <a:prstDash val="sysDot"/>
+            </a:ln>
+          </p:spPr>
+          <p:style>
+            <a:lnRef idx="1">
+              <a:schemeClr val="accent1"/>
+            </a:lnRef>
+            <a:fillRef idx="0">
+              <a:schemeClr val="accent1"/>
+            </a:fillRef>
+            <a:effectRef idx="0">
+              <a:schemeClr val="accent1"/>
+            </a:effectRef>
+            <a:fontRef idx="minor">
+              <a:schemeClr val="tx1"/>
+            </a:fontRef>
+          </p:style>
+        </p:cxnSp>
+        <p:cxnSp>
+          <p:nvCxnSpPr>
+            <p:cNvPr id="4" name="8">
+              <a:extLst>
+                <a:ext uri="{FF2B5EF4-FFF2-40B4-BE49-F238E27FC236}">
+                  <a16:creationId xmlns:a16="http://schemas.microsoft.com/office/drawing/2014/main" id="{F401DA95-5987-4F8F-A2DB-1D94F8EEA402}"/>
+                </a:ext>
+              </a:extLst>
+            </p:cNvPr>
+            <p:cNvCxnSpPr>
+              <a:cxnSpLocks noGrp="1" noRot="1" noMove="1" noResize="1" noEditPoints="1" noAdjustHandles="1" noChangeArrowheads="1" noChangeShapeType="1"/>
+              <a:stCxn id="98" idx="3"/>
+              <a:endCxn id="92" idx="1"/>
+            </p:cNvCxnSpPr>
+            <p:nvPr/>
+          </p:nvCxnSpPr>
+          <p:spPr>
+            <a:xfrm>
+              <a:off x="2766965" y="2572107"/>
+              <a:ext cx="1493701" cy="466100"/>
+            </a:xfrm>
+            <a:prstGeom prst="bentConnector3">
+              <a:avLst/>
+            </a:prstGeom>
+            <a:ln w="28575">
+              <a:solidFill>
+                <a:srgbClr val="7030A0"/>
+              </a:solidFill>
+              <a:prstDash val="sysDot"/>
+            </a:ln>
+          </p:spPr>
+          <p:style>
+            <a:lnRef idx="1">
+              <a:schemeClr val="accent1"/>
+            </a:lnRef>
+            <a:fillRef idx="0">
+              <a:schemeClr val="accent1"/>
+            </a:fillRef>
+            <a:effectRef idx="0">
+              <a:schemeClr val="accent1"/>
+            </a:effectRef>
+            <a:fontRef idx="minor">
+              <a:schemeClr val="tx1"/>
+            </a:fontRef>
+          </p:style>
+        </p:cxnSp>
+        <p:cxnSp>
+          <p:nvCxnSpPr>
+            <p:cNvPr id="11" name="9">
+              <a:extLst>
+                <a:ext uri="{FF2B5EF4-FFF2-40B4-BE49-F238E27FC236}">
+                  <a16:creationId xmlns:a16="http://schemas.microsoft.com/office/drawing/2014/main" id="{8090A106-0349-48DB-A967-C7FDACCD54CC}"/>
+                </a:ext>
+              </a:extLst>
+            </p:cNvPr>
+            <p:cNvCxnSpPr>
+              <a:cxnSpLocks noGrp="1" noRot="1" noMove="1" noResize="1" noEditPoints="1" noAdjustHandles="1" noChangeArrowheads="1" noChangeShapeType="1"/>
+              <a:stCxn id="97" idx="3"/>
+              <a:endCxn id="98" idx="1"/>
+            </p:cNvCxnSpPr>
+            <p:nvPr/>
+          </p:nvCxnSpPr>
+          <p:spPr>
+            <a:xfrm>
+              <a:off x="989083" y="2156299"/>
+              <a:ext cx="1352851" cy="415808"/>
+            </a:xfrm>
+            <a:prstGeom prst="bentConnector3">
+              <a:avLst/>
+            </a:prstGeom>
+            <a:ln w="28575">
+              <a:solidFill>
+                <a:srgbClr val="7030A0"/>
+              </a:solidFill>
+              <a:prstDash val="sysDot"/>
+            </a:ln>
+          </p:spPr>
+          <p:style>
+            <a:lnRef idx="1">
+              <a:schemeClr val="accent1"/>
+            </a:lnRef>
+            <a:fillRef idx="0">
+              <a:schemeClr val="accent1"/>
+            </a:fillRef>
+            <a:effectRef idx="0">
+              <a:schemeClr val="accent1"/>
+            </a:effectRef>
+            <a:fontRef idx="minor">
+              <a:schemeClr val="tx1"/>
+            </a:fontRef>
+          </p:style>
+        </p:cxnSp>
+        <p:cxnSp>
+          <p:nvCxnSpPr>
+            <p:cNvPr id="13" name="10">
+              <a:extLst>
+                <a:ext uri="{FF2B5EF4-FFF2-40B4-BE49-F238E27FC236}">
+                  <a16:creationId xmlns:a16="http://schemas.microsoft.com/office/drawing/2014/main" id="{64536AA5-9065-4B95-B787-CD8A2DD57382}"/>
+                </a:ext>
+              </a:extLst>
+            </p:cNvPr>
+            <p:cNvCxnSpPr>
+              <a:cxnSpLocks noGrp="1" noRot="1" noMove="1" noResize="1" noEditPoints="1" noAdjustHandles="1" noChangeArrowheads="1" noChangeShapeType="1"/>
+              <a:stCxn id="230" idx="0"/>
+              <a:endCxn id="97" idx="2"/>
+            </p:cNvCxnSpPr>
+            <p:nvPr/>
+          </p:nvCxnSpPr>
+          <p:spPr>
+            <a:xfrm rot="5400000" flipH="1" flipV="1">
+              <a:off x="431861" y="2713521"/>
+              <a:ext cx="687667" cy="1"/>
+            </a:xfrm>
+            <a:prstGeom prst="bentConnector3">
+              <a:avLst/>
+            </a:prstGeom>
+            <a:ln w="28575">
+              <a:solidFill>
+                <a:srgbClr val="7030A0"/>
+              </a:solidFill>
+              <a:prstDash val="sysDot"/>
+            </a:ln>
+          </p:spPr>
+          <p:style>
+            <a:lnRef idx="1">
+              <a:schemeClr val="accent1"/>
+            </a:lnRef>
+            <a:fillRef idx="0">
+              <a:schemeClr val="accent1"/>
+            </a:fillRef>
+            <a:effectRef idx="0">
+              <a:schemeClr val="accent1"/>
+            </a:effectRef>
+            <a:fontRef idx="minor">
+              <a:schemeClr val="tx1"/>
+            </a:fontRef>
+          </p:style>
+        </p:cxnSp>
+        <p:cxnSp>
+          <p:nvCxnSpPr>
+            <p:cNvPr id="15" name="11">
+              <a:extLst>
+                <a:ext uri="{FF2B5EF4-FFF2-40B4-BE49-F238E27FC236}">
+                  <a16:creationId xmlns:a16="http://schemas.microsoft.com/office/drawing/2014/main" id="{D9109F0E-7C2A-4047-A760-A3221B3B551D}"/>
+                </a:ext>
+              </a:extLst>
+            </p:cNvPr>
+            <p:cNvCxnSpPr>
+              <a:cxnSpLocks noGrp="1" noRot="1" noMove="1" noResize="1" noEditPoints="1" noAdjustHandles="1" noChangeArrowheads="1" noChangeShapeType="1"/>
+            </p:cNvCxnSpPr>
+            <p:nvPr/>
+          </p:nvCxnSpPr>
+          <p:spPr>
+            <a:xfrm rot="5400000" flipH="1" flipV="1">
+              <a:off x="598716" y="3661109"/>
+              <a:ext cx="353956" cy="1"/>
+            </a:xfrm>
+            <a:prstGeom prst="bentConnector3">
+              <a:avLst/>
+            </a:prstGeom>
+            <a:ln w="28575">
+              <a:solidFill>
+                <a:srgbClr val="7030A0"/>
+              </a:solidFill>
+              <a:prstDash val="sysDot"/>
+            </a:ln>
+          </p:spPr>
+          <p:style>
+            <a:lnRef idx="1">
+              <a:schemeClr val="accent1"/>
+            </a:lnRef>
+            <a:fillRef idx="0">
+              <a:schemeClr val="accent1"/>
+            </a:fillRef>
+            <a:effectRef idx="0">
+              <a:schemeClr val="accent1"/>
+            </a:effectRef>
+            <a:fontRef idx="minor">
+              <a:schemeClr val="tx1"/>
+            </a:fontRef>
+          </p:style>
+        </p:cxnSp>
+        <p:cxnSp>
+          <p:nvCxnSpPr>
+            <p:cNvPr id="17" name="12">
+              <a:extLst>
+                <a:ext uri="{FF2B5EF4-FFF2-40B4-BE49-F238E27FC236}">
+                  <a16:creationId xmlns:a16="http://schemas.microsoft.com/office/drawing/2014/main" id="{075A6C28-5E46-42F0-86F7-0BF4B5BF10A5}"/>
+                </a:ext>
+              </a:extLst>
+            </p:cNvPr>
+            <p:cNvCxnSpPr>
+              <a:cxnSpLocks noGrp="1" noRot="1" noMove="1" noResize="1" noEditPoints="1" noAdjustHandles="1" noChangeArrowheads="1" noChangeShapeType="1"/>
+            </p:cNvCxnSpPr>
+            <p:nvPr/>
+          </p:nvCxnSpPr>
+          <p:spPr>
+            <a:xfrm rot="16200000" flipH="1">
+              <a:off x="623840" y="4277943"/>
+              <a:ext cx="304279" cy="568"/>
+            </a:xfrm>
+            <a:prstGeom prst="bentConnector3">
+              <a:avLst/>
+            </a:prstGeom>
+            <a:ln w="28575">
+              <a:solidFill>
+                <a:srgbClr val="7030A0"/>
+              </a:solidFill>
+              <a:prstDash val="sysDot"/>
+            </a:ln>
+          </p:spPr>
+          <p:style>
+            <a:lnRef idx="1">
+              <a:schemeClr val="accent1"/>
+            </a:lnRef>
+            <a:fillRef idx="0">
+              <a:schemeClr val="accent1"/>
+            </a:fillRef>
+            <a:effectRef idx="0">
+              <a:schemeClr val="accent1"/>
+            </a:effectRef>
+            <a:fontRef idx="minor">
+              <a:schemeClr val="tx1"/>
+            </a:fontRef>
+          </p:style>
+        </p:cxnSp>
+        <p:cxnSp>
+          <p:nvCxnSpPr>
+            <p:cNvPr id="19" name="13">
+              <a:extLst>
+                <a:ext uri="{FF2B5EF4-FFF2-40B4-BE49-F238E27FC236}">
+                  <a16:creationId xmlns:a16="http://schemas.microsoft.com/office/drawing/2014/main" id="{24FC1499-2D2F-42EB-B408-975EC86A4D15}"/>
+                </a:ext>
+              </a:extLst>
+            </p:cNvPr>
+            <p:cNvCxnSpPr>
+              <a:cxnSpLocks noGrp="1" noRot="1" noMove="1" noResize="1" noEditPoints="1" noAdjustHandles="1" noChangeArrowheads="1" noChangeShapeType="1"/>
+            </p:cNvCxnSpPr>
+            <p:nvPr/>
+          </p:nvCxnSpPr>
+          <p:spPr>
+            <a:xfrm flipV="1">
+              <a:off x="1096345" y="4401200"/>
+              <a:ext cx="599410" cy="349250"/>
+            </a:xfrm>
+            <a:prstGeom prst="bentConnector3">
+              <a:avLst/>
+            </a:prstGeom>
+            <a:ln w="28575">
+              <a:solidFill>
+                <a:srgbClr val="7030A0"/>
+              </a:solidFill>
+              <a:prstDash val="sysDot"/>
+            </a:ln>
+          </p:spPr>
+          <p:style>
+            <a:lnRef idx="1">
+              <a:schemeClr val="accent1"/>
+            </a:lnRef>
+            <a:fillRef idx="0">
+              <a:schemeClr val="accent1"/>
+            </a:fillRef>
+            <a:effectRef idx="0">
+              <a:schemeClr val="accent1"/>
+            </a:effectRef>
+            <a:fontRef idx="minor">
+              <a:schemeClr val="tx1"/>
+            </a:fontRef>
+          </p:style>
+        </p:cxnSp>
+        <p:cxnSp>
+          <p:nvCxnSpPr>
+            <p:cNvPr id="21" name="14">
+              <a:extLst>
+                <a:ext uri="{FF2B5EF4-FFF2-40B4-BE49-F238E27FC236}">
+                  <a16:creationId xmlns:a16="http://schemas.microsoft.com/office/drawing/2014/main" id="{E8C723EC-5F45-4DA3-962C-D0D46CB038D8}"/>
+                </a:ext>
+              </a:extLst>
+            </p:cNvPr>
+            <p:cNvCxnSpPr>
+              <a:cxnSpLocks noGrp="1" noRot="1" noMove="1" noResize="1" noEditPoints="1" noAdjustHandles="1" noChangeArrowheads="1" noChangeShapeType="1"/>
+            </p:cNvCxnSpPr>
+            <p:nvPr/>
+          </p:nvCxnSpPr>
+          <p:spPr>
+            <a:xfrm>
+              <a:off x="2011851" y="4401200"/>
+              <a:ext cx="409357" cy="1386"/>
+            </a:xfrm>
+            <a:prstGeom prst="bentConnector3">
+              <a:avLst/>
+            </a:prstGeom>
+            <a:ln w="28575">
+              <a:solidFill>
+                <a:srgbClr val="7030A0"/>
+              </a:solidFill>
+              <a:prstDash val="sysDot"/>
+            </a:ln>
+          </p:spPr>
+          <p:style>
+            <a:lnRef idx="1">
+              <a:schemeClr val="accent1"/>
+            </a:lnRef>
+            <a:fillRef idx="0">
+              <a:schemeClr val="accent1"/>
+            </a:fillRef>
+            <a:effectRef idx="0">
+              <a:schemeClr val="accent1"/>
+            </a:effectRef>
+            <a:fontRef idx="minor">
+              <a:schemeClr val="tx1"/>
+            </a:fontRef>
+          </p:style>
+        </p:cxnSp>
+        <p:cxnSp>
+          <p:nvCxnSpPr>
+            <p:cNvPr id="23" name="15">
+              <a:extLst>
+                <a:ext uri="{FF2B5EF4-FFF2-40B4-BE49-F238E27FC236}">
+                  <a16:creationId xmlns:a16="http://schemas.microsoft.com/office/drawing/2014/main" id="{89842922-CE19-435B-AB99-F18AA42C21A2}"/>
+                </a:ext>
+              </a:extLst>
+            </p:cNvPr>
+            <p:cNvCxnSpPr>
+              <a:cxnSpLocks noGrp="1" noRot="1" noMove="1" noResize="1" noEditPoints="1" noAdjustHandles="1" noChangeArrowheads="1" noChangeShapeType="1"/>
+            </p:cNvCxnSpPr>
+            <p:nvPr/>
+          </p:nvCxnSpPr>
+          <p:spPr>
+            <a:xfrm flipV="1">
+              <a:off x="2737304" y="4401118"/>
+              <a:ext cx="360409" cy="1468"/>
+            </a:xfrm>
+            <a:prstGeom prst="bentConnector3">
+              <a:avLst/>
+            </a:prstGeom>
+            <a:ln w="28575">
+              <a:solidFill>
+                <a:srgbClr val="7030A0"/>
+              </a:solidFill>
+              <a:prstDash val="sysDot"/>
+            </a:ln>
+          </p:spPr>
+          <p:style>
+            <a:lnRef idx="1">
+              <a:schemeClr val="accent1"/>
+            </a:lnRef>
+            <a:fillRef idx="0">
+              <a:schemeClr val="accent1"/>
+            </a:fillRef>
+            <a:effectRef idx="0">
+              <a:schemeClr val="accent1"/>
+            </a:effectRef>
+            <a:fontRef idx="minor">
+              <a:schemeClr val="tx1"/>
+            </a:fontRef>
+          </p:style>
+        </p:cxnSp>
+        <p:cxnSp>
+          <p:nvCxnSpPr>
+            <p:cNvPr id="7" name="16">
+              <a:extLst>
+                <a:ext uri="{FF2B5EF4-FFF2-40B4-BE49-F238E27FC236}">
+                  <a16:creationId xmlns:a16="http://schemas.microsoft.com/office/drawing/2014/main" id="{226F66FF-445E-47C0-8503-9C64E806AA43}"/>
+                </a:ext>
+              </a:extLst>
+            </p:cNvPr>
+            <p:cNvCxnSpPr>
+              <a:cxnSpLocks noGrp="1" noRot="1" noMove="1" noResize="1" noEditPoints="1" noAdjustHandles="1" noChangeArrowheads="1" noChangeShapeType="1"/>
+              <a:stCxn id="103" idx="1"/>
+              <a:endCxn id="92" idx="3"/>
+            </p:cNvCxnSpPr>
+            <p:nvPr/>
+          </p:nvCxnSpPr>
+          <p:spPr>
+            <a:xfrm rot="10800000" flipV="1">
+              <a:off x="5327607" y="2574115"/>
+              <a:ext cx="1499250" cy="464092"/>
+            </a:xfrm>
+            <a:prstGeom prst="bentConnector3">
+              <a:avLst/>
+            </a:prstGeom>
+            <a:ln w="28575">
+              <a:solidFill>
+                <a:srgbClr val="7030A0"/>
+              </a:solidFill>
+              <a:prstDash val="sysDot"/>
+            </a:ln>
+          </p:spPr>
+          <p:style>
+            <a:lnRef idx="1">
+              <a:schemeClr val="accent1"/>
+            </a:lnRef>
+            <a:fillRef idx="0">
+              <a:schemeClr val="accent1"/>
+            </a:fillRef>
+            <a:effectRef idx="0">
+              <a:schemeClr val="accent1"/>
+            </a:effectRef>
+            <a:fontRef idx="minor">
+              <a:schemeClr val="tx1"/>
+            </a:fontRef>
+          </p:style>
+        </p:cxnSp>
+        <p:cxnSp>
+          <p:nvCxnSpPr>
+            <p:cNvPr id="94" name="17">
+              <a:extLst>
+                <a:ext uri="{FF2B5EF4-FFF2-40B4-BE49-F238E27FC236}">
+                  <a16:creationId xmlns:a16="http://schemas.microsoft.com/office/drawing/2014/main" id="{F2160027-E9E9-405B-A25A-4C499A625673}"/>
+                </a:ext>
+              </a:extLst>
+            </p:cNvPr>
+            <p:cNvCxnSpPr>
+              <a:cxnSpLocks noGrp="1" noRot="1" noMove="1" noResize="1" noEditPoints="1" noAdjustHandles="1" noChangeArrowheads="1" noChangeShapeType="1"/>
+              <a:stCxn id="137" idx="1"/>
+              <a:endCxn id="103" idx="3"/>
+            </p:cNvCxnSpPr>
+            <p:nvPr/>
+          </p:nvCxnSpPr>
+          <p:spPr>
+            <a:xfrm rot="10800000" flipV="1">
+              <a:off x="7251889" y="2165881"/>
+              <a:ext cx="1360229" cy="408233"/>
+            </a:xfrm>
+            <a:prstGeom prst="bentConnector3">
+              <a:avLst/>
+            </a:prstGeom>
+            <a:ln w="28575">
+              <a:solidFill>
+                <a:srgbClr val="7030A0"/>
+              </a:solidFill>
+              <a:prstDash val="sysDot"/>
+            </a:ln>
+          </p:spPr>
+          <p:style>
+            <a:lnRef idx="1">
+              <a:schemeClr val="accent1"/>
+            </a:lnRef>
+            <a:fillRef idx="0">
+              <a:schemeClr val="accent1"/>
+            </a:fillRef>
+            <a:effectRef idx="0">
+              <a:schemeClr val="accent1"/>
+            </a:effectRef>
+            <a:fontRef idx="minor">
+              <a:schemeClr val="tx1"/>
+            </a:fontRef>
+          </p:style>
+        </p:cxnSp>
+        <p:cxnSp>
+          <p:nvCxnSpPr>
+            <p:cNvPr id="476" name="18">
+              <a:extLst>
+                <a:ext uri="{FF2B5EF4-FFF2-40B4-BE49-F238E27FC236}">
+                  <a16:creationId xmlns:a16="http://schemas.microsoft.com/office/drawing/2014/main" id="{8B39677E-805E-4CC2-A50D-04F0676B339F}"/>
+                </a:ext>
+              </a:extLst>
+            </p:cNvPr>
+            <p:cNvCxnSpPr>
+              <a:cxnSpLocks noGrp="1" noRot="1" noMove="1" noResize="1" noEditPoints="1" noAdjustHandles="1" noChangeArrowheads="1" noChangeShapeType="1"/>
+              <a:stCxn id="224" idx="0"/>
+              <a:endCxn id="137" idx="2"/>
+            </p:cNvCxnSpPr>
+            <p:nvPr/>
+          </p:nvCxnSpPr>
+          <p:spPr>
+            <a:xfrm rot="16200000" flipV="1">
+              <a:off x="8487565" y="2717211"/>
+              <a:ext cx="675884" cy="1"/>
+            </a:xfrm>
+            <a:prstGeom prst="bentConnector3">
+              <a:avLst/>
+            </a:prstGeom>
+            <a:ln w="28575">
+              <a:solidFill>
+                <a:srgbClr val="7030A0"/>
+              </a:solidFill>
+              <a:prstDash val="sysDot"/>
+            </a:ln>
+          </p:spPr>
+          <p:style>
+            <a:lnRef idx="1">
+              <a:schemeClr val="accent1"/>
+            </a:lnRef>
+            <a:fillRef idx="0">
+              <a:schemeClr val="accent1"/>
+            </a:fillRef>
+            <a:effectRef idx="0">
+              <a:schemeClr val="accent1"/>
+            </a:effectRef>
+            <a:fontRef idx="minor">
+              <a:schemeClr val="tx1"/>
+            </a:fontRef>
+          </p:style>
+        </p:cxnSp>
+        <p:cxnSp>
+          <p:nvCxnSpPr>
+            <p:cNvPr id="478" name="19">
+              <a:extLst>
+                <a:ext uri="{FF2B5EF4-FFF2-40B4-BE49-F238E27FC236}">
+                  <a16:creationId xmlns:a16="http://schemas.microsoft.com/office/drawing/2014/main" id="{DCF23C46-7130-4BF0-AA10-F513178EE2E9}"/>
+                </a:ext>
+              </a:extLst>
+            </p:cNvPr>
+            <p:cNvCxnSpPr>
+              <a:cxnSpLocks noGrp="1" noRot="1" noMove="1" noResize="1" noEditPoints="1" noAdjustHandles="1" noChangeArrowheads="1" noChangeShapeType="1"/>
+              <a:stCxn id="226" idx="0"/>
+              <a:endCxn id="224" idx="2"/>
+            </p:cNvCxnSpPr>
+            <p:nvPr/>
+          </p:nvCxnSpPr>
+          <p:spPr>
+            <a:xfrm rot="5400000" flipH="1" flipV="1">
+              <a:off x="8257206" y="4044344"/>
+              <a:ext cx="1130713" cy="5889"/>
+            </a:xfrm>
+            <a:prstGeom prst="bentConnector3">
+              <a:avLst>
+                <a:gd name="adj1" fmla="val 50000"/>
+              </a:avLst>
+            </a:prstGeom>
+            <a:ln w="28575">
+              <a:solidFill>
+                <a:srgbClr val="7030A0"/>
+              </a:solidFill>
+              <a:prstDash val="sysDot"/>
+            </a:ln>
+          </p:spPr>
+          <p:style>
+            <a:lnRef idx="1">
+              <a:schemeClr val="accent1"/>
+            </a:lnRef>
+            <a:fillRef idx="0">
+              <a:schemeClr val="accent1"/>
+            </a:fillRef>
+            <a:effectRef idx="0">
+              <a:schemeClr val="accent1"/>
+            </a:effectRef>
+            <a:fontRef idx="minor">
+              <a:schemeClr val="tx1"/>
+            </a:fontRef>
+          </p:style>
+        </p:cxnSp>
+      </p:grpSp>
     </p:spTree>
     <p:extLst>
       <p:ext uri="{BB962C8B-B14F-4D97-AF65-F5344CB8AC3E}">

--- a/DOCs de T.I/Diagrama_de_Solucao/Presentation.pptx
+++ b/DOCs de T.I/Diagrama_de_Solucao/Presentation.pptx
@@ -243,7 +243,7 @@
           <a:p>
             <a:fld id="{2FC3D184-0F2B-4D9D-BDB9-3409F15C70D5}" type="datetimeFigureOut">
               <a:rPr lang="pt-BR" smtClean="0"/>
-              <a:t>19/04/2022</a:t>
+              <a:t>21/04/2022</a:t>
             </a:fld>
             <a:endParaRPr lang="pt-BR"/>
           </a:p>
@@ -413,7 +413,7 @@
           <a:p>
             <a:fld id="{2FC3D184-0F2B-4D9D-BDB9-3409F15C70D5}" type="datetimeFigureOut">
               <a:rPr lang="pt-BR" smtClean="0"/>
-              <a:t>19/04/2022</a:t>
+              <a:t>21/04/2022</a:t>
             </a:fld>
             <a:endParaRPr lang="pt-BR"/>
           </a:p>
@@ -593,7 +593,7 @@
           <a:p>
             <a:fld id="{2FC3D184-0F2B-4D9D-BDB9-3409F15C70D5}" type="datetimeFigureOut">
               <a:rPr lang="pt-BR" smtClean="0"/>
-              <a:t>19/04/2022</a:t>
+              <a:t>21/04/2022</a:t>
             </a:fld>
             <a:endParaRPr lang="pt-BR"/>
           </a:p>
@@ -763,7 +763,7 @@
           <a:p>
             <a:fld id="{2FC3D184-0F2B-4D9D-BDB9-3409F15C70D5}" type="datetimeFigureOut">
               <a:rPr lang="pt-BR" smtClean="0"/>
-              <a:t>19/04/2022</a:t>
+              <a:t>21/04/2022</a:t>
             </a:fld>
             <a:endParaRPr lang="pt-BR"/>
           </a:p>
@@ -1009,7 +1009,7 @@
           <a:p>
             <a:fld id="{2FC3D184-0F2B-4D9D-BDB9-3409F15C70D5}" type="datetimeFigureOut">
               <a:rPr lang="pt-BR" smtClean="0"/>
-              <a:t>19/04/2022</a:t>
+              <a:t>21/04/2022</a:t>
             </a:fld>
             <a:endParaRPr lang="pt-BR"/>
           </a:p>
@@ -1241,7 +1241,7 @@
           <a:p>
             <a:fld id="{2FC3D184-0F2B-4D9D-BDB9-3409F15C70D5}" type="datetimeFigureOut">
               <a:rPr lang="pt-BR" smtClean="0"/>
-              <a:t>19/04/2022</a:t>
+              <a:t>21/04/2022</a:t>
             </a:fld>
             <a:endParaRPr lang="pt-BR"/>
           </a:p>
@@ -1608,7 +1608,7 @@
           <a:p>
             <a:fld id="{2FC3D184-0F2B-4D9D-BDB9-3409F15C70D5}" type="datetimeFigureOut">
               <a:rPr lang="pt-BR" smtClean="0"/>
-              <a:t>19/04/2022</a:t>
+              <a:t>21/04/2022</a:t>
             </a:fld>
             <a:endParaRPr lang="pt-BR"/>
           </a:p>
@@ -1726,7 +1726,7 @@
           <a:p>
             <a:fld id="{2FC3D184-0F2B-4D9D-BDB9-3409F15C70D5}" type="datetimeFigureOut">
               <a:rPr lang="pt-BR" smtClean="0"/>
-              <a:t>19/04/2022</a:t>
+              <a:t>21/04/2022</a:t>
             </a:fld>
             <a:endParaRPr lang="pt-BR"/>
           </a:p>
@@ -1821,7 +1821,7 @@
           <a:p>
             <a:fld id="{2FC3D184-0F2B-4D9D-BDB9-3409F15C70D5}" type="datetimeFigureOut">
               <a:rPr lang="pt-BR" smtClean="0"/>
-              <a:t>19/04/2022</a:t>
+              <a:t>21/04/2022</a:t>
             </a:fld>
             <a:endParaRPr lang="pt-BR"/>
           </a:p>
@@ -2098,7 +2098,7 @@
           <a:p>
             <a:fld id="{2FC3D184-0F2B-4D9D-BDB9-3409F15C70D5}" type="datetimeFigureOut">
               <a:rPr lang="pt-BR" smtClean="0"/>
-              <a:t>19/04/2022</a:t>
+              <a:t>21/04/2022</a:t>
             </a:fld>
             <a:endParaRPr lang="pt-BR"/>
           </a:p>
@@ -2355,7 +2355,7 @@
           <a:p>
             <a:fld id="{2FC3D184-0F2B-4D9D-BDB9-3409F15C70D5}" type="datetimeFigureOut">
               <a:rPr lang="pt-BR" smtClean="0"/>
-              <a:t>19/04/2022</a:t>
+              <a:t>21/04/2022</a:t>
             </a:fld>
             <a:endParaRPr lang="pt-BR"/>
           </a:p>
@@ -2568,7 +2568,7 @@
           <a:p>
             <a:fld id="{2FC3D184-0F2B-4D9D-BDB9-3409F15C70D5}" type="datetimeFigureOut">
               <a:rPr lang="pt-BR" smtClean="0"/>
-              <a:t>19/04/2022</a:t>
+              <a:t>21/04/2022</a:t>
             </a:fld>
             <a:endParaRPr lang="pt-BR"/>
           </a:p>
@@ -3163,51 +3163,6 @@
           </a:p>
         </p:txBody>
       </p:sp>
-      <p:sp>
-        <p:nvSpPr>
-          <p:cNvPr id="328" name="grupo">
-            <a:extLst>
-              <a:ext uri="{FF2B5EF4-FFF2-40B4-BE49-F238E27FC236}">
-                <a16:creationId xmlns:a16="http://schemas.microsoft.com/office/drawing/2014/main" id="{56C1A09A-89C0-4625-8CB3-A278F0464DC1}"/>
-              </a:ext>
-            </a:extLst>
-          </p:cNvPr>
-          <p:cNvSpPr txBox="1">
-            <a:spLocks noGrp="1" noRot="1" noMove="1" noResize="1" noEditPoints="1" noAdjustHandles="1" noChangeArrowheads="1" noChangeShapeType="1"/>
-          </p:cNvSpPr>
-          <p:nvPr/>
-        </p:nvSpPr>
-        <p:spPr>
-          <a:xfrm>
-            <a:off x="8561595" y="-8959"/>
-            <a:ext cx="1072919" cy="303913"/>
-          </a:xfrm>
-          <a:prstGeom prst="roundRect">
-            <a:avLst/>
-          </a:prstGeom>
-          <a:solidFill>
-            <a:srgbClr val="7030A0"/>
-          </a:solidFill>
-        </p:spPr>
-        <p:txBody>
-          <a:bodyPr wrap="square" rtlCol="0">
-            <a:spAutoFit/>
-          </a:bodyPr>
-          <a:lstStyle/>
-          <a:p>
-            <a:pPr algn="ctr"/>
-            <a:r>
-              <a:rPr lang="pt-BR" sz="1185" b="1" dirty="0">
-                <a:solidFill>
-                  <a:schemeClr val="bg1"/>
-                </a:solidFill>
-                <a:latin typeface="Quicksand" panose="00000500000000000000" pitchFamily="2" charset="0"/>
-              </a:rPr>
-              <a:t>GRUPO 7</a:t>
-            </a:r>
-          </a:p>
-        </p:txBody>
-      </p:sp>
       <p:grpSp>
         <p:nvGrpSpPr>
           <p:cNvPr id="560" name="txts">
@@ -3403,7 +3358,7 @@
           <p:spPr>
             <a:xfrm>
               <a:off x="2325141" y="330144"/>
-              <a:ext cx="772570" cy="748666"/>
+              <a:ext cx="772570" cy="529889"/>
             </a:xfrm>
             <a:prstGeom prst="rect">
               <a:avLst/>
@@ -3430,30 +3385,6 @@
                   <a:latin typeface="Quicksand" panose="00000500000000000000" pitchFamily="2" charset="0"/>
                 </a:rPr>
                 <a:t>Tecnologias</a:t>
-              </a:r>
-            </a:p>
-            <a:p>
-              <a:pPr algn="ctr"/>
-              <a:r>
-                <a:rPr lang="pt-BR" sz="711" b="1" dirty="0">
-                  <a:solidFill>
-                    <a:srgbClr val="13C1F7"/>
-                  </a:solidFill>
-                  <a:latin typeface="Quicksand" panose="00000500000000000000" pitchFamily="2" charset="0"/>
-                </a:rPr>
-                <a:t>do</a:t>
-              </a:r>
-            </a:p>
-            <a:p>
-              <a:pPr algn="ctr"/>
-              <a:r>
-                <a:rPr lang="pt-BR" sz="711" b="1" dirty="0">
-                  <a:solidFill>
-                    <a:srgbClr val="13C1F7"/>
-                  </a:solidFill>
-                  <a:latin typeface="Quicksand" panose="00000500000000000000" pitchFamily="2" charset="0"/>
-                </a:rPr>
-                <a:t>Site</a:t>
               </a:r>
             </a:p>
             <a:p>
@@ -4117,10 +4048,10 @@
       </p:grpSp>
       <p:grpSp>
         <p:nvGrpSpPr>
-          <p:cNvPr id="556" name="imgs">
+          <p:cNvPr id="10" name="imgs">
             <a:extLst>
               <a:ext uri="{FF2B5EF4-FFF2-40B4-BE49-F238E27FC236}">
-                <a16:creationId xmlns:a16="http://schemas.microsoft.com/office/drawing/2014/main" id="{B28EB852-6999-4E0A-B4EE-981B21D99983}"/>
+                <a16:creationId xmlns:a16="http://schemas.microsoft.com/office/drawing/2014/main" id="{06D3DA6F-25CE-42DF-8B68-2C96ABF45961}"/>
               </a:ext>
             </a:extLst>
           </p:cNvPr>
@@ -4249,10 +4180,10 @@
         </p:pic>
         <p:pic>
           <p:nvPicPr>
-            <p:cNvPr id="104" name="bd" descr="Ícone&#10;&#10;Descrição gerada automaticamente">
+            <p:cNvPr id="5" name="nodeJS" descr="Ícone&#10;&#10;Descrição gerada automaticamente">
               <a:extLst>
                 <a:ext uri="{FF2B5EF4-FFF2-40B4-BE49-F238E27FC236}">
-                  <a16:creationId xmlns:a16="http://schemas.microsoft.com/office/drawing/2014/main" id="{607AB2CB-3D83-4480-A09B-6B6CB86FB629}"/>
+                  <a16:creationId xmlns:a16="http://schemas.microsoft.com/office/drawing/2014/main" id="{82573144-D759-40AC-992B-5FFCDA4C665B}"/>
                 </a:ext>
               </a:extLst>
             </p:cNvPr>
@@ -4263,6 +4194,42 @@
           </p:nvPicPr>
           <p:blipFill>
             <a:blip r:embed="rId5">
+              <a:extLst>
+                <a:ext uri="{28A0092B-C50C-407E-A947-70E740481C1C}">
+                  <a14:useLocalDpi xmlns:a14="http://schemas.microsoft.com/office/drawing/2010/main" val="0"/>
+                </a:ext>
+              </a:extLst>
+            </a:blip>
+            <a:stretch>
+              <a:fillRect/>
+            </a:stretch>
+          </p:blipFill>
+          <p:spPr>
+            <a:xfrm>
+              <a:off x="4559258" y="675032"/>
+              <a:ext cx="426777" cy="426777"/>
+            </a:xfrm>
+            <a:prstGeom prst="rect">
+              <a:avLst/>
+            </a:prstGeom>
+          </p:spPr>
+        </p:pic>
+        <p:pic>
+          <p:nvPicPr>
+            <p:cNvPr id="104" name="bd" descr="Ícone&#10;&#10;Descrição gerada automaticamente">
+              <a:extLst>
+                <a:ext uri="{FF2B5EF4-FFF2-40B4-BE49-F238E27FC236}">
+                  <a16:creationId xmlns:a16="http://schemas.microsoft.com/office/drawing/2014/main" id="{607AB2CB-3D83-4480-A09B-6B6CB86FB629}"/>
+                </a:ext>
+              </a:extLst>
+            </p:cNvPr>
+            <p:cNvPicPr>
+              <a:picLocks noGrp="1" noRot="1" noChangeAspect="1" noMove="1" noResize="1" noEditPoints="1" noAdjustHandles="1" noChangeArrowheads="1" noChangeShapeType="1" noCrop="1"/>
+            </p:cNvPicPr>
+            <p:nvPr/>
+          </p:nvPicPr>
+          <p:blipFill>
+            <a:blip r:embed="rId6">
               <a:extLst>
                 <a:ext uri="{28A0092B-C50C-407E-A947-70E740481C1C}">
                   <a14:useLocalDpi xmlns:a14="http://schemas.microsoft.com/office/drawing/2010/main" val="0"/>
@@ -4298,7 +4265,7 @@
             <p:nvPr/>
           </p:nvPicPr>
           <p:blipFill>
-            <a:blip r:embed="rId6">
+            <a:blip r:embed="rId7">
               <a:extLst>
                 <a:ext uri="{28A0092B-C50C-407E-A947-70E740481C1C}">
                   <a14:useLocalDpi xmlns:a14="http://schemas.microsoft.com/office/drawing/2010/main" val="0"/>
@@ -4334,7 +4301,7 @@
             <p:nvPr/>
           </p:nvPicPr>
           <p:blipFill>
-            <a:blip r:embed="rId7">
+            <a:blip r:embed="rId8">
               <a:extLst>
                 <a:ext uri="{28A0092B-C50C-407E-A947-70E740481C1C}">
                   <a14:useLocalDpi xmlns:a14="http://schemas.microsoft.com/office/drawing/2010/main" val="0"/>
@@ -4370,7 +4337,7 @@
             <p:nvPr/>
           </p:nvPicPr>
           <p:blipFill>
-            <a:blip r:embed="rId8">
+            <a:blip r:embed="rId9">
               <a:extLst>
                 <a:ext uri="{28A0092B-C50C-407E-A947-70E740481C1C}">
                   <a14:useLocalDpi xmlns:a14="http://schemas.microsoft.com/office/drawing/2010/main" val="0"/>
@@ -4406,7 +4373,7 @@
             <p:nvPr/>
           </p:nvPicPr>
           <p:blipFill>
-            <a:blip r:embed="rId9">
+            <a:blip r:embed="rId10">
               <a:extLst>
                 <a:ext uri="{28A0092B-C50C-407E-A947-70E740481C1C}">
                   <a14:useLocalDpi xmlns:a14="http://schemas.microsoft.com/office/drawing/2010/main" val="0"/>
@@ -4442,7 +4409,7 @@
             <p:nvPr/>
           </p:nvPicPr>
           <p:blipFill>
-            <a:blip r:embed="rId10">
+            <a:blip r:embed="rId11">
               <a:extLst>
                 <a:ext uri="{28A0092B-C50C-407E-A947-70E740481C1C}">
                   <a14:useLocalDpi xmlns:a14="http://schemas.microsoft.com/office/drawing/2010/main" val="0"/>
@@ -4478,7 +4445,7 @@
             <p:nvPr/>
           </p:nvPicPr>
           <p:blipFill>
-            <a:blip r:embed="rId11">
+            <a:blip r:embed="rId12">
               <a:extLst>
                 <a:ext uri="{28A0092B-C50C-407E-A947-70E740481C1C}">
                   <a14:useLocalDpi xmlns:a14="http://schemas.microsoft.com/office/drawing/2010/main" val="0"/>
@@ -4514,7 +4481,7 @@
             <p:nvPr/>
           </p:nvPicPr>
           <p:blipFill>
-            <a:blip r:embed="rId12">
+            <a:blip r:embed="rId13">
               <a:extLst>
                 <a:ext uri="{28A0092B-C50C-407E-A947-70E740481C1C}">
                   <a14:useLocalDpi xmlns:a14="http://schemas.microsoft.com/office/drawing/2010/main" val="0"/>
@@ -4550,7 +4517,7 @@
             <p:nvPr/>
           </p:nvPicPr>
           <p:blipFill>
-            <a:blip r:embed="rId13">
+            <a:blip r:embed="rId14">
               <a:extLst>
                 <a:ext uri="{28A0092B-C50C-407E-A947-70E740481C1C}">
                   <a14:useLocalDpi xmlns:a14="http://schemas.microsoft.com/office/drawing/2010/main" val="0"/>
@@ -4586,7 +4553,7 @@
             <p:nvPr/>
           </p:nvPicPr>
           <p:blipFill>
-            <a:blip r:embed="rId14">
+            <a:blip r:embed="rId15">
               <a:extLst>
                 <a:ext uri="{28A0092B-C50C-407E-A947-70E740481C1C}">
                   <a14:useLocalDpi xmlns:a14="http://schemas.microsoft.com/office/drawing/2010/main" val="0"/>
@@ -4622,7 +4589,7 @@
             <p:nvPr/>
           </p:nvPicPr>
           <p:blipFill>
-            <a:blip r:embed="rId15">
+            <a:blip r:embed="rId16">
               <a:extLst>
                 <a:ext uri="{28A0092B-C50C-407E-A947-70E740481C1C}">
                   <a14:useLocalDpi xmlns:a14="http://schemas.microsoft.com/office/drawing/2010/main" val="0"/>
@@ -4658,7 +4625,7 @@
             <p:nvPr/>
           </p:nvPicPr>
           <p:blipFill>
-            <a:blip r:embed="rId16">
+            <a:blip r:embed="rId17">
               <a:extLst>
                 <a:ext uri="{28A0092B-C50C-407E-A947-70E740481C1C}">
                   <a14:useLocalDpi xmlns:a14="http://schemas.microsoft.com/office/drawing/2010/main" val="0"/>
@@ -4694,7 +4661,7 @@
             <p:nvPr/>
           </p:nvPicPr>
           <p:blipFill>
-            <a:blip r:embed="rId17">
+            <a:blip r:embed="rId18">
               <a:extLst>
                 <a:ext uri="{28A0092B-C50C-407E-A947-70E740481C1C}">
                   <a14:useLocalDpi xmlns:a14="http://schemas.microsoft.com/office/drawing/2010/main" val="0"/>
@@ -4730,7 +4697,7 @@
             <p:nvPr/>
           </p:nvPicPr>
           <p:blipFill>
-            <a:blip r:embed="rId11">
+            <a:blip r:embed="rId12">
               <a:extLst>
                 <a:ext uri="{28A0092B-C50C-407E-A947-70E740481C1C}">
                   <a14:useLocalDpi xmlns:a14="http://schemas.microsoft.com/office/drawing/2010/main" val="0"/>
@@ -4766,7 +4733,7 @@
             <p:nvPr/>
           </p:nvPicPr>
           <p:blipFill>
-            <a:blip r:embed="rId18">
+            <a:blip r:embed="rId19">
               <a:extLst>
                 <a:ext uri="{28A0092B-C50C-407E-A947-70E740481C1C}">
                   <a14:useLocalDpi xmlns:a14="http://schemas.microsoft.com/office/drawing/2010/main" val="0"/>
@@ -4802,7 +4769,7 @@
             <p:nvPr/>
           </p:nvPicPr>
           <p:blipFill>
-            <a:blip r:embed="rId12">
+            <a:blip r:embed="rId13">
               <a:extLst>
                 <a:ext uri="{28A0092B-C50C-407E-A947-70E740481C1C}">
                   <a14:useLocalDpi xmlns:a14="http://schemas.microsoft.com/office/drawing/2010/main" val="0"/>
@@ -4838,7 +4805,7 @@
             <p:nvPr/>
           </p:nvPicPr>
           <p:blipFill>
-            <a:blip r:embed="rId13">
+            <a:blip r:embed="rId14">
               <a:extLst>
                 <a:ext uri="{28A0092B-C50C-407E-A947-70E740481C1C}">
                   <a14:useLocalDpi xmlns:a14="http://schemas.microsoft.com/office/drawing/2010/main" val="0"/>

--- a/DOCs de T.I/Diagrama_de_Solucao/Presentation.pptx
+++ b/DOCs de T.I/Diagrama_de_Solucao/Presentation.pptx
@@ -243,7 +243,7 @@
           <a:p>
             <a:fld id="{2FC3D184-0F2B-4D9D-BDB9-3409F15C70D5}" type="datetimeFigureOut">
               <a:rPr lang="pt-BR" smtClean="0"/>
-              <a:t>21/04/2022</a:t>
+              <a:t>26/04/2022</a:t>
             </a:fld>
             <a:endParaRPr lang="pt-BR"/>
           </a:p>
@@ -413,7 +413,7 @@
           <a:p>
             <a:fld id="{2FC3D184-0F2B-4D9D-BDB9-3409F15C70D5}" type="datetimeFigureOut">
               <a:rPr lang="pt-BR" smtClean="0"/>
-              <a:t>21/04/2022</a:t>
+              <a:t>26/04/2022</a:t>
             </a:fld>
             <a:endParaRPr lang="pt-BR"/>
           </a:p>
@@ -593,7 +593,7 @@
           <a:p>
             <a:fld id="{2FC3D184-0F2B-4D9D-BDB9-3409F15C70D5}" type="datetimeFigureOut">
               <a:rPr lang="pt-BR" smtClean="0"/>
-              <a:t>21/04/2022</a:t>
+              <a:t>26/04/2022</a:t>
             </a:fld>
             <a:endParaRPr lang="pt-BR"/>
           </a:p>
@@ -763,7 +763,7 @@
           <a:p>
             <a:fld id="{2FC3D184-0F2B-4D9D-BDB9-3409F15C70D5}" type="datetimeFigureOut">
               <a:rPr lang="pt-BR" smtClean="0"/>
-              <a:t>21/04/2022</a:t>
+              <a:t>26/04/2022</a:t>
             </a:fld>
             <a:endParaRPr lang="pt-BR"/>
           </a:p>
@@ -1009,7 +1009,7 @@
           <a:p>
             <a:fld id="{2FC3D184-0F2B-4D9D-BDB9-3409F15C70D5}" type="datetimeFigureOut">
               <a:rPr lang="pt-BR" smtClean="0"/>
-              <a:t>21/04/2022</a:t>
+              <a:t>26/04/2022</a:t>
             </a:fld>
             <a:endParaRPr lang="pt-BR"/>
           </a:p>
@@ -1241,7 +1241,7 @@
           <a:p>
             <a:fld id="{2FC3D184-0F2B-4D9D-BDB9-3409F15C70D5}" type="datetimeFigureOut">
               <a:rPr lang="pt-BR" smtClean="0"/>
-              <a:t>21/04/2022</a:t>
+              <a:t>26/04/2022</a:t>
             </a:fld>
             <a:endParaRPr lang="pt-BR"/>
           </a:p>
@@ -1608,7 +1608,7 @@
           <a:p>
             <a:fld id="{2FC3D184-0F2B-4D9D-BDB9-3409F15C70D5}" type="datetimeFigureOut">
               <a:rPr lang="pt-BR" smtClean="0"/>
-              <a:t>21/04/2022</a:t>
+              <a:t>26/04/2022</a:t>
             </a:fld>
             <a:endParaRPr lang="pt-BR"/>
           </a:p>
@@ -1726,7 +1726,7 @@
           <a:p>
             <a:fld id="{2FC3D184-0F2B-4D9D-BDB9-3409F15C70D5}" type="datetimeFigureOut">
               <a:rPr lang="pt-BR" smtClean="0"/>
-              <a:t>21/04/2022</a:t>
+              <a:t>26/04/2022</a:t>
             </a:fld>
             <a:endParaRPr lang="pt-BR"/>
           </a:p>
@@ -1821,7 +1821,7 @@
           <a:p>
             <a:fld id="{2FC3D184-0F2B-4D9D-BDB9-3409F15C70D5}" type="datetimeFigureOut">
               <a:rPr lang="pt-BR" smtClean="0"/>
-              <a:t>21/04/2022</a:t>
+              <a:t>26/04/2022</a:t>
             </a:fld>
             <a:endParaRPr lang="pt-BR"/>
           </a:p>
@@ -2098,7 +2098,7 @@
           <a:p>
             <a:fld id="{2FC3D184-0F2B-4D9D-BDB9-3409F15C70D5}" type="datetimeFigureOut">
               <a:rPr lang="pt-BR" smtClean="0"/>
-              <a:t>21/04/2022</a:t>
+              <a:t>26/04/2022</a:t>
             </a:fld>
             <a:endParaRPr lang="pt-BR"/>
           </a:p>
@@ -2355,7 +2355,7 @@
           <a:p>
             <a:fld id="{2FC3D184-0F2B-4D9D-BDB9-3409F15C70D5}" type="datetimeFigureOut">
               <a:rPr lang="pt-BR" smtClean="0"/>
-              <a:t>21/04/2022</a:t>
+              <a:t>26/04/2022</a:t>
             </a:fld>
             <a:endParaRPr lang="pt-BR"/>
           </a:p>
@@ -2568,7 +2568,7 @@
           <a:p>
             <a:fld id="{2FC3D184-0F2B-4D9D-BDB9-3409F15C70D5}" type="datetimeFigureOut">
               <a:rPr lang="pt-BR" smtClean="0"/>
-              <a:t>21/04/2022</a:t>
+              <a:t>26/04/2022</a:t>
             </a:fld>
             <a:endParaRPr lang="pt-BR"/>
           </a:p>
@@ -4056,16 +4056,16 @@
             </a:extLst>
           </p:cNvPr>
           <p:cNvGrpSpPr>
-            <a:grpSpLocks noGrp="1" noUngrp="1" noRot="1" noMove="1" noResize="1"/>
+            <a:grpSpLocks/>
           </p:cNvGrpSpPr>
           <p:nvPr/>
         </p:nvGrpSpPr>
         <p:grpSpPr>
           <a:xfrm>
-            <a:off x="456179" y="26513"/>
-            <a:ext cx="8683521" cy="5226296"/>
+            <a:off x="456179" y="5248"/>
+            <a:ext cx="8853568" cy="5226296"/>
             <a:chOff x="456179" y="26513"/>
-            <a:chExt cx="8683521" cy="5226296"/>
+            <a:chExt cx="8853568" cy="5226296"/>
           </a:xfrm>
         </p:grpSpPr>
         <p:pic>
@@ -4078,7 +4078,7 @@
               </a:extLst>
             </p:cNvPr>
             <p:cNvPicPr>
-              <a:picLocks noGrp="1" noRot="1" noChangeAspect="1" noMove="1" noResize="1" noEditPoints="1" noAdjustHandles="1" noChangeArrowheads="1" noChangeShapeType="1" noCrop="1"/>
+              <a:picLocks noChangeAspect="1"/>
             </p:cNvPicPr>
             <p:nvPr/>
           </p:nvPicPr>
@@ -4114,7 +4114,7 @@
               </a:extLst>
             </p:cNvPr>
             <p:cNvPicPr>
-              <a:picLocks noGrp="1" noRot="1" noChangeAspect="1" noMove="1" noResize="1" noEditPoints="1" noAdjustHandles="1" noChangeArrowheads="1" noChangeShapeType="1" noCrop="1"/>
+              <a:picLocks noChangeAspect="1"/>
             </p:cNvPicPr>
             <p:nvPr/>
           </p:nvPicPr>
@@ -4152,7 +4152,7 @@
               </a:extLst>
             </p:cNvPr>
             <p:cNvPicPr>
-              <a:picLocks noGrp="1" noRot="1" noChangeAspect="1" noMove="1" noResize="1" noEditPoints="1" noAdjustHandles="1" noChangeArrowheads="1" noChangeShapeType="1" noCrop="1"/>
+              <a:picLocks noChangeAspect="1"/>
             </p:cNvPicPr>
             <p:nvPr/>
           </p:nvPicPr>
@@ -4188,7 +4188,7 @@
               </a:extLst>
             </p:cNvPr>
             <p:cNvPicPr>
-              <a:picLocks noGrp="1" noRot="1" noChangeAspect="1" noMove="1" noResize="1" noEditPoints="1" noAdjustHandles="1" noChangeArrowheads="1" noChangeShapeType="1" noCrop="1"/>
+              <a:picLocks noChangeAspect="1"/>
             </p:cNvPicPr>
             <p:nvPr/>
           </p:nvPicPr>
@@ -4224,7 +4224,7 @@
               </a:extLst>
             </p:cNvPr>
             <p:cNvPicPr>
-              <a:picLocks noGrp="1" noRot="1" noChangeAspect="1" noMove="1" noResize="1" noEditPoints="1" noAdjustHandles="1" noChangeArrowheads="1" noChangeShapeType="1" noCrop="1"/>
+              <a:picLocks noChangeAspect="1"/>
             </p:cNvPicPr>
             <p:nvPr/>
           </p:nvPicPr>
@@ -4260,7 +4260,7 @@
               </a:extLst>
             </p:cNvPr>
             <p:cNvPicPr>
-              <a:picLocks noGrp="1" noRot="1" noChangeAspect="1" noMove="1" noResize="1" noEditPoints="1" noAdjustHandles="1" noChangeArrowheads="1" noChangeShapeType="1" noCrop="1"/>
+              <a:picLocks noChangeAspect="1"/>
             </p:cNvPicPr>
             <p:nvPr/>
           </p:nvPicPr>
@@ -4296,7 +4296,7 @@
               </a:extLst>
             </p:cNvPr>
             <p:cNvPicPr>
-              <a:picLocks noGrp="1" noRot="1" noChangeAspect="1" noMove="1" noResize="1" noEditPoints="1" noAdjustHandles="1" noChangeArrowheads="1" noChangeShapeType="1" noCrop="1"/>
+              <a:picLocks noChangeAspect="1"/>
             </p:cNvPicPr>
             <p:nvPr/>
           </p:nvPicPr>
@@ -4332,7 +4332,7 @@
               </a:extLst>
             </p:cNvPr>
             <p:cNvPicPr>
-              <a:picLocks noGrp="1" noRot="1" noChangeAspect="1" noMove="1" noResize="1" noEditPoints="1" noAdjustHandles="1" noChangeArrowheads="1" noChangeShapeType="1" noCrop="1"/>
+              <a:picLocks noChangeAspect="1"/>
             </p:cNvPicPr>
             <p:nvPr/>
           </p:nvPicPr>
@@ -4368,7 +4368,7 @@
               </a:extLst>
             </p:cNvPr>
             <p:cNvPicPr>
-              <a:picLocks noGrp="1" noRot="1" noChangeAspect="1" noMove="1" noResize="1" noEditPoints="1" noAdjustHandles="1" noChangeArrowheads="1" noChangeShapeType="1" noCrop="1"/>
+              <a:picLocks noChangeAspect="1"/>
             </p:cNvPicPr>
             <p:nvPr/>
           </p:nvPicPr>
@@ -4404,7 +4404,7 @@
               </a:extLst>
             </p:cNvPr>
             <p:cNvPicPr>
-              <a:picLocks noGrp="1" noRot="1" noChangeAspect="1" noMove="1" noResize="1" noEditPoints="1" noAdjustHandles="1" noChangeArrowheads="1" noChangeShapeType="1" noCrop="1"/>
+              <a:picLocks noChangeAspect="1"/>
             </p:cNvPicPr>
             <p:nvPr/>
           </p:nvPicPr>
@@ -4432,20 +4432,90 @@
         </p:pic>
         <p:pic>
           <p:nvPicPr>
-            <p:cNvPr id="224" name="wifi_cliente" descr="Ícone&#10;&#10;Descrição gerada automaticamente">
+            <p:cNvPr id="65" name="browser1">
               <a:extLst>
                 <a:ext uri="{FF2B5EF4-FFF2-40B4-BE49-F238E27FC236}">
-                  <a16:creationId xmlns:a16="http://schemas.microsoft.com/office/drawing/2014/main" id="{1002B21D-B4EE-473B-9D88-A48B15241FB6}"/>
+                  <a16:creationId xmlns:a16="http://schemas.microsoft.com/office/drawing/2014/main" id="{762DA282-2B3E-4A35-A0C2-9B2F2BA04122}"/>
                 </a:ext>
               </a:extLst>
             </p:cNvPr>
             <p:cNvPicPr>
-              <a:picLocks noGrp="1" noRot="1" noChangeAspect="1" noMove="1" noResize="1" noEditPoints="1" noAdjustHandles="1" noChangeArrowheads="1" noChangeShapeType="1" noCrop="1"/>
+              <a:picLocks noChangeAspect="1"/>
             </p:cNvPicPr>
             <p:nvPr/>
           </p:nvPicPr>
           <p:blipFill>
             <a:blip r:embed="rId12">
+              <a:extLst>
+                <a:ext uri="{28A0092B-C50C-407E-A947-70E740481C1C}">
+                  <a14:useLocalDpi xmlns:a14="http://schemas.microsoft.com/office/drawing/2010/main" val="0"/>
+                </a:ext>
+              </a:extLst>
+            </a:blip>
+            <a:srcRect/>
+            <a:stretch/>
+          </p:blipFill>
+          <p:spPr>
+            <a:xfrm>
+              <a:off x="8345278" y="3756761"/>
+              <a:ext cx="288000" cy="288000"/>
+            </a:xfrm>
+            <a:prstGeom prst="rect">
+              <a:avLst/>
+            </a:prstGeom>
+          </p:spPr>
+        </p:pic>
+        <p:pic>
+          <p:nvPicPr>
+            <p:cNvPr id="66" name="browser2">
+              <a:extLst>
+                <a:ext uri="{FF2B5EF4-FFF2-40B4-BE49-F238E27FC236}">
+                  <a16:creationId xmlns:a16="http://schemas.microsoft.com/office/drawing/2014/main" id="{255E76D8-E362-4204-B599-0B4D114F73EE}"/>
+                </a:ext>
+              </a:extLst>
+            </p:cNvPr>
+            <p:cNvPicPr>
+              <a:picLocks noChangeAspect="1"/>
+            </p:cNvPicPr>
+            <p:nvPr/>
+          </p:nvPicPr>
+          <p:blipFill>
+            <a:blip r:embed="rId13">
+              <a:extLst>
+                <a:ext uri="{28A0092B-C50C-407E-A947-70E740481C1C}">
+                  <a14:useLocalDpi xmlns:a14="http://schemas.microsoft.com/office/drawing/2010/main" val="0"/>
+                </a:ext>
+              </a:extLst>
+            </a:blip>
+            <a:srcRect/>
+            <a:stretch/>
+          </p:blipFill>
+          <p:spPr>
+            <a:xfrm>
+              <a:off x="9021747" y="3756762"/>
+              <a:ext cx="288000" cy="288000"/>
+            </a:xfrm>
+            <a:prstGeom prst="rect">
+              <a:avLst/>
+            </a:prstGeom>
+          </p:spPr>
+        </p:pic>
+        <p:pic>
+          <p:nvPicPr>
+            <p:cNvPr id="224" name="wifi_cliente" descr="Ícone&#10;&#10;Descrição gerada automaticamente">
+              <a:extLst>
+                <a:ext uri="{FF2B5EF4-FFF2-40B4-BE49-F238E27FC236}">
+                  <a16:creationId xmlns:a16="http://schemas.microsoft.com/office/drawing/2014/main" id="{1002B21D-B4EE-473B-9D88-A48B15241FB6}"/>
+                </a:ext>
+              </a:extLst>
+            </p:cNvPr>
+            <p:cNvPicPr>
+              <a:picLocks noChangeAspect="1"/>
+            </p:cNvPicPr>
+            <p:nvPr/>
+          </p:nvPicPr>
+          <p:blipFill>
+            <a:blip r:embed="rId14">
               <a:extLst>
                 <a:ext uri="{28A0092B-C50C-407E-A947-70E740481C1C}">
                   <a14:useLocalDpi xmlns:a14="http://schemas.microsoft.com/office/drawing/2010/main" val="0"/>
@@ -4476,12 +4546,12 @@
               </a:extLst>
             </p:cNvPr>
             <p:cNvPicPr>
-              <a:picLocks noGrp="1" noRot="1" noChangeAspect="1" noMove="1" noResize="1" noEditPoints="1" noAdjustHandles="1" noChangeArrowheads="1" noChangeShapeType="1" noCrop="1"/>
+              <a:picLocks noChangeAspect="1"/>
             </p:cNvPicPr>
             <p:nvPr/>
           </p:nvPicPr>
           <p:blipFill>
-            <a:blip r:embed="rId13">
+            <a:blip r:embed="rId15">
               <a:extLst>
                 <a:ext uri="{28A0092B-C50C-407E-A947-70E740481C1C}">
                   <a14:useLocalDpi xmlns:a14="http://schemas.microsoft.com/office/drawing/2010/main" val="0"/>
@@ -4512,12 +4582,12 @@
               </a:extLst>
             </p:cNvPr>
             <p:cNvPicPr>
-              <a:picLocks noGrp="1" noRot="1" noChangeAspect="1" noMove="1" noResize="1" noEditPoints="1" noAdjustHandles="1" noChangeArrowheads="1" noChangeShapeType="1" noCrop="1"/>
+              <a:picLocks noChangeAspect="1"/>
             </p:cNvPicPr>
             <p:nvPr/>
           </p:nvPicPr>
           <p:blipFill>
-            <a:blip r:embed="rId14">
+            <a:blip r:embed="rId16">
               <a:extLst>
                 <a:ext uri="{28A0092B-C50C-407E-A947-70E740481C1C}">
                   <a14:useLocalDpi xmlns:a14="http://schemas.microsoft.com/office/drawing/2010/main" val="0"/>
@@ -4548,12 +4618,12 @@
               </a:extLst>
             </p:cNvPr>
             <p:cNvPicPr>
-              <a:picLocks noGrp="1" noRot="1" noChangeAspect="1" noMove="1" noResize="1" noEditPoints="1" noAdjustHandles="1" noChangeArrowheads="1" noChangeShapeType="1" noCrop="1"/>
+              <a:picLocks noChangeAspect="1"/>
             </p:cNvPicPr>
             <p:nvPr/>
           </p:nvPicPr>
           <p:blipFill>
-            <a:blip r:embed="rId15">
+            <a:blip r:embed="rId17">
               <a:extLst>
                 <a:ext uri="{28A0092B-C50C-407E-A947-70E740481C1C}">
                   <a14:useLocalDpi xmlns:a14="http://schemas.microsoft.com/office/drawing/2010/main" val="0"/>
@@ -4584,12 +4654,12 @@
               </a:extLst>
             </p:cNvPr>
             <p:cNvPicPr>
-              <a:picLocks noGrp="1" noRot="1" noChangeAspect="1" noMove="1" noResize="1" noEditPoints="1" noAdjustHandles="1" noChangeArrowheads="1" noChangeShapeType="1" noCrop="1"/>
+              <a:picLocks noChangeAspect="1"/>
             </p:cNvPicPr>
             <p:nvPr/>
           </p:nvPicPr>
           <p:blipFill>
-            <a:blip r:embed="rId16">
+            <a:blip r:embed="rId18">
               <a:extLst>
                 <a:ext uri="{28A0092B-C50C-407E-A947-70E740481C1C}">
                   <a14:useLocalDpi xmlns:a14="http://schemas.microsoft.com/office/drawing/2010/main" val="0"/>
@@ -4620,12 +4690,12 @@
               </a:extLst>
             </p:cNvPr>
             <p:cNvPicPr>
-              <a:picLocks noGrp="1" noRot="1" noChangeAspect="1" noMove="1" noResize="1" noEditPoints="1" noAdjustHandles="1" noChangeArrowheads="1" noChangeShapeType="1" noCrop="1"/>
+              <a:picLocks noChangeAspect="1"/>
             </p:cNvPicPr>
             <p:nvPr/>
           </p:nvPicPr>
           <p:blipFill>
-            <a:blip r:embed="rId17">
+            <a:blip r:embed="rId19">
               <a:extLst>
                 <a:ext uri="{28A0092B-C50C-407E-A947-70E740481C1C}">
                   <a14:useLocalDpi xmlns:a14="http://schemas.microsoft.com/office/drawing/2010/main" val="0"/>
@@ -4656,12 +4726,12 @@
               </a:extLst>
             </p:cNvPr>
             <p:cNvPicPr>
-              <a:picLocks noGrp="1" noRot="1" noChangeAspect="1" noMove="1" noResize="1" noEditPoints="1" noAdjustHandles="1" noChangeArrowheads="1" noChangeShapeType="1" noCrop="1"/>
+              <a:picLocks noChangeAspect="1"/>
             </p:cNvPicPr>
             <p:nvPr/>
           </p:nvPicPr>
           <p:blipFill>
-            <a:blip r:embed="rId18">
+            <a:blip r:embed="rId20">
               <a:extLst>
                 <a:ext uri="{28A0092B-C50C-407E-A947-70E740481C1C}">
                   <a14:useLocalDpi xmlns:a14="http://schemas.microsoft.com/office/drawing/2010/main" val="0"/>
@@ -4692,12 +4762,12 @@
               </a:extLst>
             </p:cNvPr>
             <p:cNvPicPr>
-              <a:picLocks noGrp="1" noRot="1" noChangeAspect="1" noMove="1" noResize="1" noEditPoints="1" noAdjustHandles="1" noChangeArrowheads="1" noChangeShapeType="1" noCrop="1"/>
+              <a:picLocks noChangeAspect="1"/>
             </p:cNvPicPr>
             <p:nvPr/>
           </p:nvPicPr>
           <p:blipFill>
-            <a:blip r:embed="rId12">
+            <a:blip r:embed="rId14">
               <a:extLst>
                 <a:ext uri="{28A0092B-C50C-407E-A947-70E740481C1C}">
                   <a14:useLocalDpi xmlns:a14="http://schemas.microsoft.com/office/drawing/2010/main" val="0"/>
@@ -4728,12 +4798,12 @@
               </a:extLst>
             </p:cNvPr>
             <p:cNvPicPr>
-              <a:picLocks noGrp="1" noRot="1" noChangeAspect="1" noMove="1" noResize="1" noEditPoints="1" noAdjustHandles="1" noChangeArrowheads="1" noChangeShapeType="1" noCrop="1"/>
+              <a:picLocks noChangeAspect="1"/>
             </p:cNvPicPr>
             <p:nvPr/>
           </p:nvPicPr>
           <p:blipFill>
-            <a:blip r:embed="rId19">
+            <a:blip r:embed="rId21">
               <a:extLst>
                 <a:ext uri="{28A0092B-C50C-407E-A947-70E740481C1C}">
                   <a14:useLocalDpi xmlns:a14="http://schemas.microsoft.com/office/drawing/2010/main" val="0"/>
@@ -4764,12 +4834,12 @@
               </a:extLst>
             </p:cNvPr>
             <p:cNvPicPr>
-              <a:picLocks noGrp="1" noRot="1" noChangeAspect="1" noMove="1" noResize="1" noEditPoints="1" noAdjustHandles="1" noChangeArrowheads="1" noChangeShapeType="1" noCrop="1"/>
+              <a:picLocks noChangeAspect="1"/>
             </p:cNvPicPr>
             <p:nvPr/>
           </p:nvPicPr>
           <p:blipFill>
-            <a:blip r:embed="rId13">
+            <a:blip r:embed="rId15">
               <a:extLst>
                 <a:ext uri="{28A0092B-C50C-407E-A947-70E740481C1C}">
                   <a14:useLocalDpi xmlns:a14="http://schemas.microsoft.com/office/drawing/2010/main" val="0"/>
@@ -4800,12 +4870,12 @@
               </a:extLst>
             </p:cNvPr>
             <p:cNvPicPr>
-              <a:picLocks noGrp="1" noRot="1" noChangeAspect="1" noMove="1" noResize="1" noEditPoints="1" noAdjustHandles="1" noChangeArrowheads="1" noChangeShapeType="1" noCrop="1"/>
+              <a:picLocks noChangeAspect="1"/>
             </p:cNvPicPr>
             <p:nvPr/>
           </p:nvPicPr>
           <p:blipFill>
-            <a:blip r:embed="rId14">
+            <a:blip r:embed="rId16">
               <a:extLst>
                 <a:ext uri="{28A0092B-C50C-407E-A947-70E740481C1C}">
                   <a14:useLocalDpi xmlns:a14="http://schemas.microsoft.com/office/drawing/2010/main" val="0"/>
@@ -4837,16 +4907,16 @@
             </a:extLst>
           </p:cNvPr>
           <p:cNvGrpSpPr>
-            <a:grpSpLocks noGrp="1" noUngrp="1" noRot="1" noMove="1" noResize="1"/>
+            <a:grpSpLocks/>
           </p:cNvGrpSpPr>
           <p:nvPr/>
         </p:nvGrpSpPr>
         <p:grpSpPr>
           <a:xfrm>
-            <a:off x="775693" y="189268"/>
-            <a:ext cx="8049814" cy="4561182"/>
-            <a:chOff x="775693" y="189268"/>
-            <a:chExt cx="8049814" cy="4561182"/>
+            <a:off x="775693" y="165289"/>
+            <a:ext cx="8390055" cy="4585159"/>
+            <a:chOff x="775693" y="165291"/>
+            <a:chExt cx="8390055" cy="4585159"/>
           </a:xfrm>
         </p:grpSpPr>
         <p:cxnSp>
@@ -4859,7 +4929,7 @@
               </a:extLst>
             </p:cNvPr>
             <p:cNvCxnSpPr>
-              <a:cxnSpLocks noGrp="1" noRot="1" noMove="1" noResize="1" noEditPoints="1" noAdjustHandles="1" noChangeArrowheads="1" noChangeShapeType="1"/>
+              <a:cxnSpLocks/>
               <a:stCxn id="92" idx="0"/>
               <a:endCxn id="96" idx="2"/>
             </p:cNvCxnSpPr>
@@ -4867,7 +4937,7 @@
           </p:nvCxnSpPr>
           <p:spPr>
             <a:xfrm rot="16200000" flipV="1">
-              <a:off x="4539034" y="2253195"/>
+              <a:off x="4539882" y="2229218"/>
               <a:ext cx="508508" cy="2"/>
             </a:xfrm>
             <a:prstGeom prst="bentConnector3">
@@ -4905,7 +4975,7 @@
               </a:extLst>
             </p:cNvPr>
             <p:cNvCxnSpPr>
-              <a:cxnSpLocks noGrp="1" noRot="1" noMove="1" noResize="1" noEditPoints="1" noAdjustHandles="1" noChangeArrowheads="1" noChangeShapeType="1"/>
+              <a:cxnSpLocks/>
               <a:stCxn id="100" idx="3"/>
               <a:endCxn id="96" idx="0"/>
             </p:cNvCxnSpPr>
@@ -4913,7 +4983,7 @@
           </p:nvCxnSpPr>
           <p:spPr>
             <a:xfrm>
-              <a:off x="4284903" y="652461"/>
+              <a:off x="4285751" y="628484"/>
               <a:ext cx="508384" cy="706316"/>
             </a:xfrm>
             <a:prstGeom prst="line">
@@ -4951,7 +5021,7 @@
               </a:extLst>
             </p:cNvPr>
             <p:cNvCxnSpPr>
-              <a:cxnSpLocks noGrp="1" noRot="1" noMove="1" noResize="1" noEditPoints="1" noAdjustHandles="1" noChangeArrowheads="1" noChangeShapeType="1"/>
+              <a:cxnSpLocks/>
               <a:stCxn id="104" idx="1"/>
               <a:endCxn id="96" idx="0"/>
             </p:cNvCxnSpPr>
@@ -4959,7 +5029,7 @@
           </p:nvCxnSpPr>
           <p:spPr>
             <a:xfrm flipH="1">
-              <a:off x="4793287" y="649355"/>
+              <a:off x="4794135" y="625378"/>
               <a:ext cx="426470" cy="709422"/>
             </a:xfrm>
             <a:prstGeom prst="line">
@@ -4997,7 +5067,7 @@
               </a:extLst>
             </p:cNvPr>
             <p:cNvCxnSpPr>
-              <a:cxnSpLocks noGrp="1" noRot="1" noMove="1" noResize="1" noEditPoints="1" noAdjustHandles="1" noChangeArrowheads="1" noChangeShapeType="1"/>
+              <a:cxnSpLocks/>
               <a:stCxn id="100" idx="3"/>
               <a:endCxn id="104" idx="1"/>
             </p:cNvCxnSpPr>
@@ -5005,7 +5075,7 @@
           </p:nvCxnSpPr>
           <p:spPr>
             <a:xfrm flipV="1">
-              <a:off x="4284903" y="649355"/>
+              <a:off x="4285751" y="625378"/>
               <a:ext cx="934854" cy="3106"/>
             </a:xfrm>
             <a:prstGeom prst="line">
@@ -5043,7 +5113,7 @@
               </a:extLst>
             </p:cNvPr>
             <p:cNvCxnSpPr>
-              <a:cxnSpLocks noGrp="1" noRot="1" noMove="1" noResize="1" noEditPoints="1" noAdjustHandles="1" noChangeArrowheads="1" noChangeShapeType="1"/>
+              <a:cxnSpLocks/>
               <a:stCxn id="112" idx="3"/>
               <a:endCxn id="100" idx="1"/>
             </p:cNvCxnSpPr>
@@ -5051,7 +5121,7 @@
           </p:nvCxnSpPr>
           <p:spPr>
             <a:xfrm>
-              <a:off x="3380887" y="189268"/>
+              <a:off x="3381735" y="165291"/>
               <a:ext cx="477239" cy="463193"/>
             </a:xfrm>
             <a:prstGeom prst="line">
@@ -5089,7 +5159,7 @@
               </a:extLst>
             </p:cNvPr>
             <p:cNvCxnSpPr>
-              <a:cxnSpLocks noGrp="1" noRot="1" noMove="1" noResize="1" noEditPoints="1" noAdjustHandles="1" noChangeArrowheads="1" noChangeShapeType="1"/>
+              <a:cxnSpLocks/>
               <a:stCxn id="108" idx="3"/>
               <a:endCxn id="100" idx="1"/>
             </p:cNvCxnSpPr>
@@ -5097,7 +5167,7 @@
           </p:nvCxnSpPr>
           <p:spPr>
             <a:xfrm flipV="1">
-              <a:off x="3381118" y="652461"/>
+              <a:off x="3381966" y="628484"/>
               <a:ext cx="477008" cy="64"/>
             </a:xfrm>
             <a:prstGeom prst="line">
@@ -5135,7 +5205,7 @@
               </a:extLst>
             </p:cNvPr>
             <p:cNvCxnSpPr>
-              <a:cxnSpLocks noGrp="1" noRot="1" noMove="1" noResize="1" noEditPoints="1" noAdjustHandles="1" noChangeArrowheads="1" noChangeShapeType="1"/>
+              <a:cxnSpLocks/>
               <a:stCxn id="116" idx="3"/>
               <a:endCxn id="100" idx="1"/>
             </p:cNvCxnSpPr>
@@ -5143,7 +5213,7 @@
           </p:nvCxnSpPr>
           <p:spPr>
             <a:xfrm flipV="1">
-              <a:off x="3373952" y="652461"/>
+              <a:off x="3374800" y="628484"/>
               <a:ext cx="484174" cy="483067"/>
             </a:xfrm>
             <a:prstGeom prst="line">
@@ -5181,7 +5251,7 @@
               </a:extLst>
             </p:cNvPr>
             <p:cNvCxnSpPr>
-              <a:cxnSpLocks noGrp="1" noRot="1" noMove="1" noResize="1" noEditPoints="1" noAdjustHandles="1" noChangeArrowheads="1" noChangeShapeType="1"/>
+              <a:cxnSpLocks/>
               <a:stCxn id="98" idx="3"/>
               <a:endCxn id="92" idx="1"/>
             </p:cNvCxnSpPr>
@@ -5189,7 +5259,7 @@
           </p:nvCxnSpPr>
           <p:spPr>
             <a:xfrm>
-              <a:off x="2766965" y="2572107"/>
+              <a:off x="2766965" y="2550844"/>
               <a:ext cx="1493701" cy="466100"/>
             </a:xfrm>
             <a:prstGeom prst="bentConnector3">
@@ -5227,7 +5297,7 @@
               </a:extLst>
             </p:cNvPr>
             <p:cNvCxnSpPr>
-              <a:cxnSpLocks noGrp="1" noRot="1" noMove="1" noResize="1" noEditPoints="1" noAdjustHandles="1" noChangeArrowheads="1" noChangeShapeType="1"/>
+              <a:cxnSpLocks/>
               <a:stCxn id="97" idx="3"/>
               <a:endCxn id="98" idx="1"/>
             </p:cNvCxnSpPr>
@@ -5235,7 +5305,7 @@
           </p:nvCxnSpPr>
           <p:spPr>
             <a:xfrm>
-              <a:off x="989083" y="2156299"/>
+              <a:off x="989083" y="2135036"/>
               <a:ext cx="1352851" cy="415808"/>
             </a:xfrm>
             <a:prstGeom prst="bentConnector3">
@@ -5273,7 +5343,7 @@
               </a:extLst>
             </p:cNvPr>
             <p:cNvCxnSpPr>
-              <a:cxnSpLocks noGrp="1" noRot="1" noMove="1" noResize="1" noEditPoints="1" noAdjustHandles="1" noChangeArrowheads="1" noChangeShapeType="1"/>
+              <a:cxnSpLocks/>
               <a:stCxn id="230" idx="0"/>
               <a:endCxn id="97" idx="2"/>
             </p:cNvCxnSpPr>
@@ -5281,7 +5351,7 @@
           </p:nvCxnSpPr>
           <p:spPr>
             <a:xfrm rot="5400000" flipH="1" flipV="1">
-              <a:off x="431861" y="2713521"/>
+              <a:off x="431861" y="2692258"/>
               <a:ext cx="687667" cy="1"/>
             </a:xfrm>
             <a:prstGeom prst="bentConnector3">
@@ -5319,7 +5389,7 @@
               </a:extLst>
             </p:cNvPr>
             <p:cNvCxnSpPr>
-              <a:cxnSpLocks noGrp="1" noRot="1" noMove="1" noResize="1" noEditPoints="1" noAdjustHandles="1" noChangeArrowheads="1" noChangeShapeType="1"/>
+              <a:cxnSpLocks/>
             </p:cNvCxnSpPr>
             <p:nvPr/>
           </p:nvCxnSpPr>
@@ -5363,7 +5433,7 @@
               </a:extLst>
             </p:cNvPr>
             <p:cNvCxnSpPr>
-              <a:cxnSpLocks noGrp="1" noRot="1" noMove="1" noResize="1" noEditPoints="1" noAdjustHandles="1" noChangeArrowheads="1" noChangeShapeType="1"/>
+              <a:cxnSpLocks/>
             </p:cNvCxnSpPr>
             <p:nvPr/>
           </p:nvCxnSpPr>
@@ -5407,7 +5477,7 @@
               </a:extLst>
             </p:cNvPr>
             <p:cNvCxnSpPr>
-              <a:cxnSpLocks noGrp="1" noRot="1" noMove="1" noResize="1" noEditPoints="1" noAdjustHandles="1" noChangeArrowheads="1" noChangeShapeType="1"/>
+              <a:cxnSpLocks/>
             </p:cNvCxnSpPr>
             <p:nvPr/>
           </p:nvCxnSpPr>
@@ -5451,7 +5521,7 @@
               </a:extLst>
             </p:cNvPr>
             <p:cNvCxnSpPr>
-              <a:cxnSpLocks noGrp="1" noRot="1" noMove="1" noResize="1" noEditPoints="1" noAdjustHandles="1" noChangeArrowheads="1" noChangeShapeType="1"/>
+              <a:cxnSpLocks/>
             </p:cNvCxnSpPr>
             <p:nvPr/>
           </p:nvCxnSpPr>
@@ -5495,7 +5565,7 @@
               </a:extLst>
             </p:cNvPr>
             <p:cNvCxnSpPr>
-              <a:cxnSpLocks noGrp="1" noRot="1" noMove="1" noResize="1" noEditPoints="1" noAdjustHandles="1" noChangeArrowheads="1" noChangeShapeType="1"/>
+              <a:cxnSpLocks/>
             </p:cNvCxnSpPr>
             <p:nvPr/>
           </p:nvCxnSpPr>
@@ -5539,7 +5609,7 @@
               </a:extLst>
             </p:cNvPr>
             <p:cNvCxnSpPr>
-              <a:cxnSpLocks noGrp="1" noRot="1" noMove="1" noResize="1" noEditPoints="1" noAdjustHandles="1" noChangeArrowheads="1" noChangeShapeType="1"/>
+              <a:cxnSpLocks/>
               <a:stCxn id="103" idx="1"/>
               <a:endCxn id="92" idx="3"/>
             </p:cNvCxnSpPr>
@@ -5547,7 +5617,7 @@
           </p:nvCxnSpPr>
           <p:spPr>
             <a:xfrm rot="10800000" flipV="1">
-              <a:off x="5327607" y="2574115"/>
+              <a:off x="5327607" y="2552852"/>
               <a:ext cx="1499250" cy="464092"/>
             </a:xfrm>
             <a:prstGeom prst="bentConnector3">
@@ -5585,7 +5655,7 @@
               </a:extLst>
             </p:cNvPr>
             <p:cNvCxnSpPr>
-              <a:cxnSpLocks noGrp="1" noRot="1" noMove="1" noResize="1" noEditPoints="1" noAdjustHandles="1" noChangeArrowheads="1" noChangeShapeType="1"/>
+              <a:cxnSpLocks/>
               <a:stCxn id="137" idx="1"/>
               <a:endCxn id="103" idx="3"/>
             </p:cNvCxnSpPr>
@@ -5593,7 +5663,7 @@
           </p:nvCxnSpPr>
           <p:spPr>
             <a:xfrm rot="10800000" flipV="1">
-              <a:off x="7251889" y="2165881"/>
+              <a:off x="7251889" y="2144618"/>
               <a:ext cx="1360229" cy="408233"/>
             </a:xfrm>
             <a:prstGeom prst="bentConnector3">
@@ -5631,7 +5701,7 @@
               </a:extLst>
             </p:cNvPr>
             <p:cNvCxnSpPr>
-              <a:cxnSpLocks noGrp="1" noRot="1" noMove="1" noResize="1" noEditPoints="1" noAdjustHandles="1" noChangeArrowheads="1" noChangeShapeType="1"/>
+              <a:cxnSpLocks/>
               <a:stCxn id="224" idx="0"/>
               <a:endCxn id="137" idx="2"/>
             </p:cNvCxnSpPr>
@@ -5639,7 +5709,7 @@
           </p:nvCxnSpPr>
           <p:spPr>
             <a:xfrm rot="16200000" flipV="1">
-              <a:off x="8487565" y="2717211"/>
+              <a:off x="8487565" y="2695948"/>
               <a:ext cx="675884" cy="1"/>
             </a:xfrm>
             <a:prstGeom prst="bentConnector3">
@@ -5677,16 +5747,160 @@
               </a:extLst>
             </p:cNvPr>
             <p:cNvCxnSpPr>
-              <a:cxnSpLocks noGrp="1" noRot="1" noMove="1" noResize="1" noEditPoints="1" noAdjustHandles="1" noChangeArrowheads="1" noChangeShapeType="1"/>
-              <a:stCxn id="226" idx="0"/>
+              <a:cxnSpLocks/>
+              <a:stCxn id="66" idx="0"/>
+              <a:endCxn id="224" idx="2"/>
+            </p:cNvCxnSpPr>
+            <p:nvPr/>
+          </p:nvCxnSpPr>
+          <p:spPr>
+            <a:xfrm rot="16200000" flipV="1">
+              <a:off x="8858212" y="3427964"/>
+              <a:ext cx="274831" cy="340240"/>
+            </a:xfrm>
+            <a:prstGeom prst="bentConnector3">
+              <a:avLst>
+                <a:gd name="adj1" fmla="val 50000"/>
+              </a:avLst>
+            </a:prstGeom>
+            <a:ln w="28575">
+              <a:solidFill>
+                <a:srgbClr val="7030A0"/>
+              </a:solidFill>
+              <a:prstDash val="sysDot"/>
+            </a:ln>
+          </p:spPr>
+          <p:style>
+            <a:lnRef idx="1">
+              <a:schemeClr val="accent1"/>
+            </a:lnRef>
+            <a:fillRef idx="0">
+              <a:schemeClr val="accent1"/>
+            </a:fillRef>
+            <a:effectRef idx="0">
+              <a:schemeClr val="accent1"/>
+            </a:effectRef>
+            <a:fontRef idx="minor">
+              <a:schemeClr val="tx1"/>
+            </a:fontRef>
+          </p:style>
+        </p:cxnSp>
+        <p:cxnSp>
+          <p:nvCxnSpPr>
+            <p:cNvPr id="60" name="20">
+              <a:extLst>
+                <a:ext uri="{FF2B5EF4-FFF2-40B4-BE49-F238E27FC236}">
+                  <a16:creationId xmlns:a16="http://schemas.microsoft.com/office/drawing/2014/main" id="{9E15EE24-B58C-4082-95DE-13AE351474B1}"/>
+                </a:ext>
+              </a:extLst>
+            </p:cNvPr>
+            <p:cNvCxnSpPr>
+              <a:cxnSpLocks/>
+              <a:stCxn id="65" idx="0"/>
               <a:endCxn id="224" idx="2"/>
             </p:cNvCxnSpPr>
             <p:nvPr/>
           </p:nvCxnSpPr>
           <p:spPr>
             <a:xfrm rot="5400000" flipH="1" flipV="1">
-              <a:off x="8257206" y="4044344"/>
-              <a:ext cx="1130713" cy="5889"/>
+              <a:off x="8519977" y="3429969"/>
+              <a:ext cx="274830" cy="336229"/>
+            </a:xfrm>
+            <a:prstGeom prst="bentConnector3">
+              <a:avLst>
+                <a:gd name="adj1" fmla="val 50000"/>
+              </a:avLst>
+            </a:prstGeom>
+            <a:ln w="28575">
+              <a:solidFill>
+                <a:srgbClr val="7030A0"/>
+              </a:solidFill>
+              <a:prstDash val="sysDot"/>
+            </a:ln>
+          </p:spPr>
+          <p:style>
+            <a:lnRef idx="1">
+              <a:schemeClr val="accent1"/>
+            </a:lnRef>
+            <a:fillRef idx="0">
+              <a:schemeClr val="accent1"/>
+            </a:fillRef>
+            <a:effectRef idx="0">
+              <a:schemeClr val="accent1"/>
+            </a:effectRef>
+            <a:fontRef idx="minor">
+              <a:schemeClr val="tx1"/>
+            </a:fontRef>
+          </p:style>
+        </p:cxnSp>
+        <p:cxnSp>
+          <p:nvCxnSpPr>
+            <p:cNvPr id="70" name="21">
+              <a:extLst>
+                <a:ext uri="{FF2B5EF4-FFF2-40B4-BE49-F238E27FC236}">
+                  <a16:creationId xmlns:a16="http://schemas.microsoft.com/office/drawing/2014/main" id="{EAAE4881-E09B-488C-A7C4-2677FB9C3C12}"/>
+                </a:ext>
+              </a:extLst>
+            </p:cNvPr>
+            <p:cNvCxnSpPr>
+              <a:cxnSpLocks/>
+              <a:stCxn id="226" idx="0"/>
+              <a:endCxn id="65" idx="2"/>
+            </p:cNvCxnSpPr>
+            <p:nvPr/>
+          </p:nvCxnSpPr>
+          <p:spPr>
+            <a:xfrm rot="16200000" flipV="1">
+              <a:off x="8370507" y="4142270"/>
+              <a:ext cx="567883" cy="330340"/>
+            </a:xfrm>
+            <a:prstGeom prst="bentConnector3">
+              <a:avLst>
+                <a:gd name="adj1" fmla="val 50000"/>
+              </a:avLst>
+            </a:prstGeom>
+            <a:ln w="28575">
+              <a:solidFill>
+                <a:srgbClr val="7030A0"/>
+              </a:solidFill>
+              <a:prstDash val="sysDot"/>
+            </a:ln>
+          </p:spPr>
+          <p:style>
+            <a:lnRef idx="1">
+              <a:schemeClr val="accent1"/>
+            </a:lnRef>
+            <a:fillRef idx="0">
+              <a:schemeClr val="accent1"/>
+            </a:fillRef>
+            <a:effectRef idx="0">
+              <a:schemeClr val="accent1"/>
+            </a:effectRef>
+            <a:fontRef idx="minor">
+              <a:schemeClr val="tx1"/>
+            </a:fontRef>
+          </p:style>
+        </p:cxnSp>
+        <p:cxnSp>
+          <p:nvCxnSpPr>
+            <p:cNvPr id="73" name="22">
+              <a:extLst>
+                <a:ext uri="{FF2B5EF4-FFF2-40B4-BE49-F238E27FC236}">
+                  <a16:creationId xmlns:a16="http://schemas.microsoft.com/office/drawing/2014/main" id="{FB1DB598-B352-4900-9957-D2D0F59DBC25}"/>
+                </a:ext>
+              </a:extLst>
+            </p:cNvPr>
+            <p:cNvCxnSpPr>
+              <a:cxnSpLocks/>
+              <a:stCxn id="226" idx="0"/>
+              <a:endCxn id="66" idx="2"/>
+            </p:cNvCxnSpPr>
+            <p:nvPr/>
+          </p:nvCxnSpPr>
+          <p:spPr>
+            <a:xfrm rot="5400000" flipH="1" flipV="1">
+              <a:off x="8708741" y="4134376"/>
+              <a:ext cx="567882" cy="346129"/>
             </a:xfrm>
             <a:prstGeom prst="bentConnector3">
               <a:avLst>

--- a/DOCs de T.I/Diagrama_de_Solucao/Presentation.pptx
+++ b/DOCs de T.I/Diagrama_de_Solucao/Presentation.pptx
@@ -243,7 +243,7 @@
           <a:p>
             <a:fld id="{2FC3D184-0F2B-4D9D-BDB9-3409F15C70D5}" type="datetimeFigureOut">
               <a:rPr lang="pt-BR" smtClean="0"/>
-              <a:t>26/04/2022</a:t>
+              <a:t>27/04/2022</a:t>
             </a:fld>
             <a:endParaRPr lang="pt-BR"/>
           </a:p>
@@ -413,7 +413,7 @@
           <a:p>
             <a:fld id="{2FC3D184-0F2B-4D9D-BDB9-3409F15C70D5}" type="datetimeFigureOut">
               <a:rPr lang="pt-BR" smtClean="0"/>
-              <a:t>26/04/2022</a:t>
+              <a:t>27/04/2022</a:t>
             </a:fld>
             <a:endParaRPr lang="pt-BR"/>
           </a:p>
@@ -593,7 +593,7 @@
           <a:p>
             <a:fld id="{2FC3D184-0F2B-4D9D-BDB9-3409F15C70D5}" type="datetimeFigureOut">
               <a:rPr lang="pt-BR" smtClean="0"/>
-              <a:t>26/04/2022</a:t>
+              <a:t>27/04/2022</a:t>
             </a:fld>
             <a:endParaRPr lang="pt-BR"/>
           </a:p>
@@ -763,7 +763,7 @@
           <a:p>
             <a:fld id="{2FC3D184-0F2B-4D9D-BDB9-3409F15C70D5}" type="datetimeFigureOut">
               <a:rPr lang="pt-BR" smtClean="0"/>
-              <a:t>26/04/2022</a:t>
+              <a:t>27/04/2022</a:t>
             </a:fld>
             <a:endParaRPr lang="pt-BR"/>
           </a:p>
@@ -1009,7 +1009,7 @@
           <a:p>
             <a:fld id="{2FC3D184-0F2B-4D9D-BDB9-3409F15C70D5}" type="datetimeFigureOut">
               <a:rPr lang="pt-BR" smtClean="0"/>
-              <a:t>26/04/2022</a:t>
+              <a:t>27/04/2022</a:t>
             </a:fld>
             <a:endParaRPr lang="pt-BR"/>
           </a:p>
@@ -1241,7 +1241,7 @@
           <a:p>
             <a:fld id="{2FC3D184-0F2B-4D9D-BDB9-3409F15C70D5}" type="datetimeFigureOut">
               <a:rPr lang="pt-BR" smtClean="0"/>
-              <a:t>26/04/2022</a:t>
+              <a:t>27/04/2022</a:t>
             </a:fld>
             <a:endParaRPr lang="pt-BR"/>
           </a:p>
@@ -1608,7 +1608,7 @@
           <a:p>
             <a:fld id="{2FC3D184-0F2B-4D9D-BDB9-3409F15C70D5}" type="datetimeFigureOut">
               <a:rPr lang="pt-BR" smtClean="0"/>
-              <a:t>26/04/2022</a:t>
+              <a:t>27/04/2022</a:t>
             </a:fld>
             <a:endParaRPr lang="pt-BR"/>
           </a:p>
@@ -1726,7 +1726,7 @@
           <a:p>
             <a:fld id="{2FC3D184-0F2B-4D9D-BDB9-3409F15C70D5}" type="datetimeFigureOut">
               <a:rPr lang="pt-BR" smtClean="0"/>
-              <a:t>26/04/2022</a:t>
+              <a:t>27/04/2022</a:t>
             </a:fld>
             <a:endParaRPr lang="pt-BR"/>
           </a:p>
@@ -1821,7 +1821,7 @@
           <a:p>
             <a:fld id="{2FC3D184-0F2B-4D9D-BDB9-3409F15C70D5}" type="datetimeFigureOut">
               <a:rPr lang="pt-BR" smtClean="0"/>
-              <a:t>26/04/2022</a:t>
+              <a:t>27/04/2022</a:t>
             </a:fld>
             <a:endParaRPr lang="pt-BR"/>
           </a:p>
@@ -2098,7 +2098,7 @@
           <a:p>
             <a:fld id="{2FC3D184-0F2B-4D9D-BDB9-3409F15C70D5}" type="datetimeFigureOut">
               <a:rPr lang="pt-BR" smtClean="0"/>
-              <a:t>26/04/2022</a:t>
+              <a:t>27/04/2022</a:t>
             </a:fld>
             <a:endParaRPr lang="pt-BR"/>
           </a:p>
@@ -2355,7 +2355,7 @@
           <a:p>
             <a:fld id="{2FC3D184-0F2B-4D9D-BDB9-3409F15C70D5}" type="datetimeFigureOut">
               <a:rPr lang="pt-BR" smtClean="0"/>
-              <a:t>26/04/2022</a:t>
+              <a:t>27/04/2022</a:t>
             </a:fld>
             <a:endParaRPr lang="pt-BR"/>
           </a:p>
@@ -2568,7 +2568,7 @@
           <a:p>
             <a:fld id="{2FC3D184-0F2B-4D9D-BDB9-3409F15C70D5}" type="datetimeFigureOut">
               <a:rPr lang="pt-BR" smtClean="0"/>
-              <a:t>26/04/2022</a:t>
+              <a:t>27/04/2022</a:t>
             </a:fld>
             <a:endParaRPr lang="pt-BR"/>
           </a:p>
@@ -3026,6 +3026,165 @@
       </p:sp>
       <p:sp>
         <p:nvSpPr>
+          <p:cNvPr id="39" name="back_input">
+            <a:extLst>
+              <a:ext uri="{FF2B5EF4-FFF2-40B4-BE49-F238E27FC236}">
+                <a16:creationId xmlns:a16="http://schemas.microsoft.com/office/drawing/2014/main" id="{D3EB8915-6A9D-4E34-A128-B1814E70F74D}"/>
+              </a:ext>
+            </a:extLst>
+          </p:cNvPr>
+          <p:cNvSpPr/>
+          <p:nvPr/>
+        </p:nvSpPr>
+        <p:spPr>
+          <a:xfrm rot="10800000">
+            <a:off x="-21097" y="503659"/>
+            <a:ext cx="4951249" cy="4918365"/>
+          </a:xfrm>
+          <a:prstGeom prst="teardrop">
+            <a:avLst/>
+          </a:prstGeom>
+          <a:solidFill>
+            <a:srgbClr val="FFD5D5"/>
+          </a:solidFill>
+          <a:ln>
+            <a:noFill/>
+          </a:ln>
+        </p:spPr>
+        <p:style>
+          <a:lnRef idx="2">
+            <a:schemeClr val="accent1">
+              <a:shade val="50000"/>
+            </a:schemeClr>
+          </a:lnRef>
+          <a:fillRef idx="1">
+            <a:schemeClr val="accent1"/>
+          </a:fillRef>
+          <a:effectRef idx="0">
+            <a:schemeClr val="accent1"/>
+          </a:effectRef>
+          <a:fontRef idx="minor">
+            <a:schemeClr val="lt1"/>
+          </a:fontRef>
+        </p:style>
+        <p:txBody>
+          <a:bodyPr rtlCol="0" anchor="ctr"/>
+          <a:lstStyle/>
+          <a:p>
+            <a:pPr algn="ctr"/>
+            <a:endParaRPr lang="pt-BR" dirty="0"/>
+          </a:p>
+        </p:txBody>
+      </p:sp>
+      <p:sp>
+        <p:nvSpPr>
+          <p:cNvPr id="99" name="back_output">
+            <a:extLst>
+              <a:ext uri="{FF2B5EF4-FFF2-40B4-BE49-F238E27FC236}">
+                <a16:creationId xmlns:a16="http://schemas.microsoft.com/office/drawing/2014/main" id="{9C7E1CAB-2B46-48FF-98DC-A2EE2315C5DD}"/>
+              </a:ext>
+            </a:extLst>
+          </p:cNvPr>
+          <p:cNvSpPr/>
+          <p:nvPr/>
+        </p:nvSpPr>
+        <p:spPr>
+          <a:xfrm rot="16200000">
+            <a:off x="5553874" y="1121010"/>
+            <a:ext cx="4951249" cy="4918365"/>
+          </a:xfrm>
+          <a:prstGeom prst="teardrop">
+            <a:avLst/>
+          </a:prstGeom>
+          <a:solidFill>
+            <a:schemeClr val="accent6">
+              <a:lumMod val="20000"/>
+              <a:lumOff val="80000"/>
+            </a:schemeClr>
+          </a:solidFill>
+          <a:ln>
+            <a:noFill/>
+          </a:ln>
+        </p:spPr>
+        <p:style>
+          <a:lnRef idx="2">
+            <a:schemeClr val="accent1">
+              <a:shade val="50000"/>
+            </a:schemeClr>
+          </a:lnRef>
+          <a:fillRef idx="1">
+            <a:schemeClr val="accent1"/>
+          </a:fillRef>
+          <a:effectRef idx="0">
+            <a:schemeClr val="accent1"/>
+          </a:effectRef>
+          <a:fontRef idx="minor">
+            <a:schemeClr val="lt1"/>
+          </a:fontRef>
+        </p:style>
+        <p:txBody>
+          <a:bodyPr rtlCol="0" anchor="ctr"/>
+          <a:lstStyle/>
+          <a:p>
+            <a:pPr algn="ctr"/>
+            <a:endParaRPr lang="pt-BR" dirty="0"/>
+          </a:p>
+        </p:txBody>
+      </p:sp>
+      <p:sp>
+        <p:nvSpPr>
+          <p:cNvPr id="38" name="back_nuvem">
+            <a:extLst>
+              <a:ext uri="{FF2B5EF4-FFF2-40B4-BE49-F238E27FC236}">
+                <a16:creationId xmlns:a16="http://schemas.microsoft.com/office/drawing/2014/main" id="{C7DE47C0-0FCF-4BEA-99D3-193133109E90}"/>
+              </a:ext>
+            </a:extLst>
+          </p:cNvPr>
+          <p:cNvSpPr/>
+          <p:nvPr/>
+        </p:nvSpPr>
+        <p:spPr>
+          <a:xfrm rot="16713691">
+            <a:off x="2094340" y="-1324615"/>
+            <a:ext cx="5278504" cy="5325503"/>
+          </a:xfrm>
+          <a:prstGeom prst="cloud">
+            <a:avLst/>
+          </a:prstGeom>
+          <a:solidFill>
+            <a:srgbClr val="EBF7FF"/>
+          </a:solidFill>
+          <a:ln>
+            <a:noFill/>
+          </a:ln>
+        </p:spPr>
+        <p:style>
+          <a:lnRef idx="2">
+            <a:schemeClr val="accent1">
+              <a:shade val="50000"/>
+            </a:schemeClr>
+          </a:lnRef>
+          <a:fillRef idx="1">
+            <a:schemeClr val="accent1"/>
+          </a:fillRef>
+          <a:effectRef idx="0">
+            <a:schemeClr val="accent1"/>
+          </a:effectRef>
+          <a:fontRef idx="minor">
+            <a:schemeClr val="lt1"/>
+          </a:fontRef>
+        </p:style>
+        <p:txBody>
+          <a:bodyPr rtlCol="0" anchor="ctr"/>
+          <a:lstStyle/>
+          <a:p>
+            <a:pPr algn="ctr"/>
+            <a:endParaRPr lang="pt-BR" dirty="0"/>
+          </a:p>
+        </p:txBody>
+      </p:sp>
+      <p:sp>
+        <p:nvSpPr>
           <p:cNvPr id="658" name="nuvem">
             <a:extLst>
               <a:ext uri="{FF2B5EF4-FFF2-40B4-BE49-F238E27FC236}">
@@ -3179,7 +3338,7 @@
         </p:nvGrpSpPr>
         <p:grpSpPr>
           <a:xfrm>
-            <a:off x="300842" y="330144"/>
+            <a:off x="300842" y="287614"/>
             <a:ext cx="8999516" cy="4919719"/>
             <a:chOff x="300842" y="330144"/>
             <a:chExt cx="8999516" cy="4919719"/>
@@ -3450,7 +3609,7 @@
           </p:nvSpPr>
           <p:spPr>
             <a:xfrm>
-              <a:off x="4118977" y="3600783"/>
+              <a:off x="4143091" y="3467168"/>
               <a:ext cx="1315017" cy="311111"/>
             </a:xfrm>
             <a:prstGeom prst="rect">
@@ -3717,6 +3876,54 @@
                   <a:latin typeface="Quicksand" panose="00000500000000000000" pitchFamily="2" charset="0"/>
                 </a:rPr>
                 <a:t>(Uno R3)</a:t>
+              </a:r>
+            </a:p>
+          </p:txBody>
+        </p:sp>
+        <p:sp>
+          <p:nvSpPr>
+            <p:cNvPr id="91" name="info-text8.5">
+              <a:extLst>
+                <a:ext uri="{FF2B5EF4-FFF2-40B4-BE49-F238E27FC236}">
+                  <a16:creationId xmlns:a16="http://schemas.microsoft.com/office/drawing/2014/main" id="{E5F682A3-BAEE-40E0-B957-89EF31DF5D32}"/>
+                </a:ext>
+              </a:extLst>
+            </p:cNvPr>
+            <p:cNvSpPr txBox="1">
+              <a:spLocks noGrp="1" noRot="1" noMove="1" noResize="1" noEditPoints="1" noAdjustHandles="1" noChangeArrowheads="1" noChangeShapeType="1"/>
+            </p:cNvSpPr>
+            <p:nvPr/>
+          </p:nvSpPr>
+          <p:spPr>
+            <a:xfrm>
+              <a:off x="1093414" y="4077069"/>
+              <a:ext cx="360001" cy="201722"/>
+            </a:xfrm>
+            <a:prstGeom prst="rect">
+              <a:avLst/>
+            </a:prstGeom>
+            <a:noFill/>
+            <a:ln w="19050">
+              <a:solidFill>
+                <a:srgbClr val="7030A0"/>
+              </a:solidFill>
+            </a:ln>
+          </p:spPr>
+          <p:txBody>
+            <a:bodyPr wrap="square" rtlCol="0">
+              <a:spAutoFit/>
+            </a:bodyPr>
+            <a:lstStyle/>
+            <a:p>
+              <a:pPr algn="ctr"/>
+              <a:r>
+                <a:rPr lang="pt-BR" sz="711" b="1" dirty="0">
+                  <a:solidFill>
+                    <a:srgbClr val="7030A0"/>
+                  </a:solidFill>
+                  <a:latin typeface="Quicksand" panose="00000500000000000000" pitchFamily="2" charset="0"/>
+                </a:rPr>
+                <a:t>USB</a:t>
               </a:r>
             </a:p>
           </p:txBody>
@@ -3965,7 +4172,7 @@
           </p:nvSpPr>
           <p:spPr>
             <a:xfrm>
-              <a:off x="950613" y="2937784"/>
+              <a:off x="938996" y="3254965"/>
               <a:ext cx="1379958" cy="529889"/>
             </a:xfrm>
             <a:prstGeom prst="rect">
@@ -4056,16 +4263,16 @@
             </a:extLst>
           </p:cNvPr>
           <p:cNvGrpSpPr>
-            <a:grpSpLocks/>
+            <a:grpSpLocks noGrp="1" noUngrp="1" noRot="1" noMove="1" noResize="1"/>
           </p:cNvGrpSpPr>
           <p:nvPr/>
         </p:nvGrpSpPr>
         <p:grpSpPr>
           <a:xfrm>
-            <a:off x="456179" y="5248"/>
-            <a:ext cx="8853568" cy="5226296"/>
+            <a:off x="453252" y="-21352"/>
+            <a:ext cx="8853568" cy="5231018"/>
             <a:chOff x="456179" y="26513"/>
-            <a:chExt cx="8853568" cy="5226296"/>
+            <a:chExt cx="8853568" cy="5231018"/>
           </a:xfrm>
         </p:grpSpPr>
         <p:pic>
@@ -4078,7 +4285,7 @@
               </a:extLst>
             </p:cNvPr>
             <p:cNvPicPr>
-              <a:picLocks noChangeAspect="1"/>
+              <a:picLocks noGrp="1" noRot="1" noChangeAspect="1" noMove="1" noResize="1" noEditPoints="1" noAdjustHandles="1" noChangeArrowheads="1" noChangeShapeType="1" noCrop="1"/>
             </p:cNvPicPr>
             <p:nvPr/>
           </p:nvPicPr>
@@ -4114,7 +4321,7 @@
               </a:extLst>
             </p:cNvPr>
             <p:cNvPicPr>
-              <a:picLocks noChangeAspect="1"/>
+              <a:picLocks noGrp="1" noRot="1" noChangeAspect="1" noMove="1" noResize="1" noEditPoints="1" noAdjustHandles="1" noChangeArrowheads="1" noChangeShapeType="1" noCrop="1"/>
             </p:cNvPicPr>
             <p:nvPr/>
           </p:nvPicPr>
@@ -4152,7 +4359,7 @@
               </a:extLst>
             </p:cNvPr>
             <p:cNvPicPr>
-              <a:picLocks noChangeAspect="1"/>
+              <a:picLocks noGrp="1" noRot="1" noChangeAspect="1" noMove="1" noResize="1" noEditPoints="1" noAdjustHandles="1" noChangeArrowheads="1" noChangeShapeType="1" noCrop="1"/>
             </p:cNvPicPr>
             <p:nvPr/>
           </p:nvPicPr>
@@ -4188,7 +4395,7 @@
               </a:extLst>
             </p:cNvPr>
             <p:cNvPicPr>
-              <a:picLocks noChangeAspect="1"/>
+              <a:picLocks noGrp="1" noRot="1" noChangeAspect="1" noMove="1" noResize="1" noEditPoints="1" noAdjustHandles="1" noChangeArrowheads="1" noChangeShapeType="1" noCrop="1"/>
             </p:cNvPicPr>
             <p:nvPr/>
           </p:nvPicPr>
@@ -4224,7 +4431,7 @@
               </a:extLst>
             </p:cNvPr>
             <p:cNvPicPr>
-              <a:picLocks noChangeAspect="1"/>
+              <a:picLocks noGrp="1" noRot="1" noChangeAspect="1" noMove="1" noResize="1" noEditPoints="1" noAdjustHandles="1" noChangeArrowheads="1" noChangeShapeType="1" noCrop="1"/>
             </p:cNvPicPr>
             <p:nvPr/>
           </p:nvPicPr>
@@ -4260,7 +4467,7 @@
               </a:extLst>
             </p:cNvPr>
             <p:cNvPicPr>
-              <a:picLocks noChangeAspect="1"/>
+              <a:picLocks noGrp="1" noRot="1" noChangeAspect="1" noMove="1" noResize="1" noEditPoints="1" noAdjustHandles="1" noChangeArrowheads="1" noChangeShapeType="1" noCrop="1"/>
             </p:cNvPicPr>
             <p:nvPr/>
           </p:nvPicPr>
@@ -4296,7 +4503,7 @@
               </a:extLst>
             </p:cNvPr>
             <p:cNvPicPr>
-              <a:picLocks noChangeAspect="1"/>
+              <a:picLocks noGrp="1" noRot="1" noChangeAspect="1" noMove="1" noResize="1" noEditPoints="1" noAdjustHandles="1" noChangeArrowheads="1" noChangeShapeType="1" noCrop="1"/>
             </p:cNvPicPr>
             <p:nvPr/>
           </p:nvPicPr>
@@ -4332,7 +4539,7 @@
               </a:extLst>
             </p:cNvPr>
             <p:cNvPicPr>
-              <a:picLocks noChangeAspect="1"/>
+              <a:picLocks noGrp="1" noRot="1" noChangeAspect="1" noMove="1" noResize="1" noEditPoints="1" noAdjustHandles="1" noChangeArrowheads="1" noChangeShapeType="1" noCrop="1"/>
             </p:cNvPicPr>
             <p:nvPr/>
           </p:nvPicPr>
@@ -4368,7 +4575,7 @@
               </a:extLst>
             </p:cNvPr>
             <p:cNvPicPr>
-              <a:picLocks noChangeAspect="1"/>
+              <a:picLocks noGrp="1" noRot="1" noChangeAspect="1" noMove="1" noResize="1" noEditPoints="1" noAdjustHandles="1" noChangeArrowheads="1" noChangeShapeType="1" noCrop="1"/>
             </p:cNvPicPr>
             <p:nvPr/>
           </p:nvPicPr>
@@ -4404,7 +4611,7 @@
               </a:extLst>
             </p:cNvPr>
             <p:cNvPicPr>
-              <a:picLocks noChangeAspect="1"/>
+              <a:picLocks noGrp="1" noRot="1" noChangeAspect="1" noMove="1" noResize="1" noEditPoints="1" noAdjustHandles="1" noChangeArrowheads="1" noChangeShapeType="1" noCrop="1"/>
             </p:cNvPicPr>
             <p:nvPr/>
           </p:nvPicPr>
@@ -4440,7 +4647,7 @@
               </a:extLst>
             </p:cNvPr>
             <p:cNvPicPr>
-              <a:picLocks noChangeAspect="1"/>
+              <a:picLocks noGrp="1" noRot="1" noChangeAspect="1" noMove="1" noResize="1" noEditPoints="1" noAdjustHandles="1" noChangeArrowheads="1" noChangeShapeType="1" noCrop="1"/>
             </p:cNvPicPr>
             <p:nvPr/>
           </p:nvPicPr>
@@ -4475,7 +4682,7 @@
               </a:extLst>
             </p:cNvPr>
             <p:cNvPicPr>
-              <a:picLocks noChangeAspect="1"/>
+              <a:picLocks noGrp="1" noRot="1" noChangeAspect="1" noMove="1" noResize="1" noEditPoints="1" noAdjustHandles="1" noChangeArrowheads="1" noChangeShapeType="1" noCrop="1"/>
             </p:cNvPicPr>
             <p:nvPr/>
           </p:nvPicPr>
@@ -4510,7 +4717,7 @@
               </a:extLst>
             </p:cNvPr>
             <p:cNvPicPr>
-              <a:picLocks noChangeAspect="1"/>
+              <a:picLocks noGrp="1" noRot="1" noChangeAspect="1" noMove="1" noResize="1" noEditPoints="1" noAdjustHandles="1" noChangeArrowheads="1" noChangeShapeType="1" noCrop="1"/>
             </p:cNvPicPr>
             <p:nvPr/>
           </p:nvPicPr>
@@ -4546,7 +4753,7 @@
               </a:extLst>
             </p:cNvPr>
             <p:cNvPicPr>
-              <a:picLocks noChangeAspect="1"/>
+              <a:picLocks noGrp="1" noRot="1" noChangeAspect="1" noMove="1" noResize="1" noEditPoints="1" noAdjustHandles="1" noChangeArrowheads="1" noChangeShapeType="1" noCrop="1"/>
             </p:cNvPicPr>
             <p:nvPr/>
           </p:nvPicPr>
@@ -4582,7 +4789,7 @@
               </a:extLst>
             </p:cNvPr>
             <p:cNvPicPr>
-              <a:picLocks noChangeAspect="1"/>
+              <a:picLocks noGrp="1" noRot="1" noChangeAspect="1" noMove="1" noResize="1" noEditPoints="1" noAdjustHandles="1" noChangeArrowheads="1" noChangeShapeType="1" noCrop="1"/>
             </p:cNvPicPr>
             <p:nvPr/>
           </p:nvPicPr>
@@ -4618,7 +4825,7 @@
               </a:extLst>
             </p:cNvPr>
             <p:cNvPicPr>
-              <a:picLocks noChangeAspect="1"/>
+              <a:picLocks noGrp="1" noRot="1" noChangeAspect="1" noMove="1" noResize="1" noEditPoints="1" noAdjustHandles="1" noChangeArrowheads="1" noChangeShapeType="1" noCrop="1"/>
             </p:cNvPicPr>
             <p:nvPr/>
           </p:nvPicPr>
@@ -4654,7 +4861,7 @@
               </a:extLst>
             </p:cNvPr>
             <p:cNvPicPr>
-              <a:picLocks noChangeAspect="1"/>
+              <a:picLocks noGrp="1" noRot="1" noChangeAspect="1" noMove="1" noResize="1" noEditPoints="1" noAdjustHandles="1" noChangeArrowheads="1" noChangeShapeType="1" noCrop="1"/>
             </p:cNvPicPr>
             <p:nvPr/>
           </p:nvPicPr>
@@ -4682,20 +4889,90 @@
         </p:pic>
         <p:pic>
           <p:nvPicPr>
-            <p:cNvPr id="124" name="arduino" descr="Esquemático, Ícone, Código QR&#10;&#10;Descrição gerada automaticamente">
+            <p:cNvPr id="93" name="IDE">
               <a:extLst>
                 <a:ext uri="{FF2B5EF4-FFF2-40B4-BE49-F238E27FC236}">
-                  <a16:creationId xmlns:a16="http://schemas.microsoft.com/office/drawing/2014/main" id="{56DB52C5-5EDE-492F-A762-45C863D66EA0}"/>
+                  <a16:creationId xmlns:a16="http://schemas.microsoft.com/office/drawing/2014/main" id="{A3203F2A-AB6B-4D9C-BD96-5F4F60797641}"/>
                 </a:ext>
               </a:extLst>
             </p:cNvPr>
             <p:cNvPicPr>
-              <a:picLocks noChangeAspect="1"/>
+              <a:picLocks noGrp="1" noRot="1" noChangeAspect="1" noMove="1" noResize="1" noEditPoints="1" noAdjustHandles="1" noChangeArrowheads="1" noChangeShapeType="1" noCrop="1"/>
+            </p:cNvPicPr>
+            <p:nvPr/>
+          </p:nvPicPr>
+          <p:blipFill>
+            <a:blip r:embed="rId5">
+              <a:extLst>
+                <a:ext uri="{28A0092B-C50C-407E-A947-70E740481C1C}">
+                  <a14:useLocalDpi xmlns:a14="http://schemas.microsoft.com/office/drawing/2010/main" val="0"/>
+                </a:ext>
+              </a:extLst>
+            </a:blip>
+            <a:srcRect/>
+            <a:stretch/>
+          </p:blipFill>
+          <p:spPr>
+            <a:xfrm>
+              <a:off x="1473854" y="4914589"/>
+              <a:ext cx="316096" cy="316096"/>
+            </a:xfrm>
+            <a:prstGeom prst="rect">
+              <a:avLst/>
+            </a:prstGeom>
+          </p:spPr>
+        </p:pic>
+        <p:pic>
+          <p:nvPicPr>
+            <p:cNvPr id="95" name="node">
+              <a:extLst>
+                <a:ext uri="{FF2B5EF4-FFF2-40B4-BE49-F238E27FC236}">
+                  <a16:creationId xmlns:a16="http://schemas.microsoft.com/office/drawing/2014/main" id="{DB38A6B7-43D8-4B66-B249-AC289681E800}"/>
+                </a:ext>
+              </a:extLst>
+            </p:cNvPr>
+            <p:cNvPicPr>
+              <a:picLocks noGrp="1" noRot="1" noChangeAspect="1" noMove="1" noResize="1" noEditPoints="1" noAdjustHandles="1" noChangeArrowheads="1" noChangeShapeType="1" noCrop="1"/>
             </p:cNvPicPr>
             <p:nvPr/>
           </p:nvPicPr>
           <p:blipFill>
             <a:blip r:embed="rId19">
+              <a:extLst>
+                <a:ext uri="{28A0092B-C50C-407E-A947-70E740481C1C}">
+                  <a14:useLocalDpi xmlns:a14="http://schemas.microsoft.com/office/drawing/2010/main" val="0"/>
+                </a:ext>
+              </a:extLst>
+            </a:blip>
+            <a:srcRect/>
+            <a:stretch/>
+          </p:blipFill>
+          <p:spPr>
+            <a:xfrm>
+              <a:off x="1798151" y="4897531"/>
+              <a:ext cx="529048" cy="360000"/>
+            </a:xfrm>
+            <a:prstGeom prst="rect">
+              <a:avLst/>
+            </a:prstGeom>
+          </p:spPr>
+        </p:pic>
+        <p:pic>
+          <p:nvPicPr>
+            <p:cNvPr id="124" name="arduino" descr="Esquemático, Ícone, Código QR&#10;&#10;Descrição gerada automaticamente">
+              <a:extLst>
+                <a:ext uri="{FF2B5EF4-FFF2-40B4-BE49-F238E27FC236}">
+                  <a16:creationId xmlns:a16="http://schemas.microsoft.com/office/drawing/2014/main" id="{56DB52C5-5EDE-492F-A762-45C863D66EA0}"/>
+                </a:ext>
+              </a:extLst>
+            </p:cNvPr>
+            <p:cNvPicPr>
+              <a:picLocks noGrp="1" noRot="1" noChangeAspect="1" noMove="1" noResize="1" noEditPoints="1" noAdjustHandles="1" noChangeArrowheads="1" noChangeShapeType="1" noCrop="1"/>
+            </p:cNvPicPr>
+            <p:nvPr/>
+          </p:nvPicPr>
+          <p:blipFill>
+            <a:blip r:embed="rId20">
               <a:extLst>
                 <a:ext uri="{28A0092B-C50C-407E-A947-70E740481C1C}">
                   <a14:useLocalDpi xmlns:a14="http://schemas.microsoft.com/office/drawing/2010/main" val="0"/>
@@ -4718,20 +4995,55 @@
         </p:pic>
         <p:pic>
           <p:nvPicPr>
-            <p:cNvPr id="136" name="unidade" descr="Desenho de bandeira&#10;&#10;Descrição gerada automaticamente com confiança média">
+            <p:cNvPr id="90" name="usb">
               <a:extLst>
                 <a:ext uri="{FF2B5EF4-FFF2-40B4-BE49-F238E27FC236}">
-                  <a16:creationId xmlns:a16="http://schemas.microsoft.com/office/drawing/2014/main" id="{8D74D369-A42F-4A69-A02D-77D97BA5AA15}"/>
+                  <a16:creationId xmlns:a16="http://schemas.microsoft.com/office/drawing/2014/main" id="{82E43E5F-DB7E-4321-9887-92AC99A24B0A}"/>
                 </a:ext>
               </a:extLst>
             </p:cNvPr>
             <p:cNvPicPr>
-              <a:picLocks noChangeAspect="1"/>
+              <a:picLocks noGrp="1" noRot="1" noChangeAspect="1" noMove="1" noResize="1" noEditPoints="1" noAdjustHandles="1" noChangeArrowheads="1" noChangeShapeType="1" noCrop="1"/>
             </p:cNvPicPr>
             <p:nvPr/>
           </p:nvPicPr>
           <p:blipFill>
-            <a:blip r:embed="rId20">
+            <a:blip r:embed="rId21">
+              <a:extLst>
+                <a:ext uri="{28A0092B-C50C-407E-A947-70E740481C1C}">
+                  <a14:useLocalDpi xmlns:a14="http://schemas.microsoft.com/office/drawing/2010/main" val="0"/>
+                </a:ext>
+              </a:extLst>
+            </a:blip>
+            <a:srcRect/>
+            <a:stretch/>
+          </p:blipFill>
+          <p:spPr>
+            <a:xfrm rot="16200000">
+              <a:off x="1079412" y="3846814"/>
+              <a:ext cx="360000" cy="360000"/>
+            </a:xfrm>
+            <a:prstGeom prst="rect">
+              <a:avLst/>
+            </a:prstGeom>
+          </p:spPr>
+        </p:pic>
+        <p:pic>
+          <p:nvPicPr>
+            <p:cNvPr id="136" name="unidade" descr="Desenho de bandeira&#10;&#10;Descrição gerada automaticamente com confiança média">
+              <a:extLst>
+                <a:ext uri="{FF2B5EF4-FFF2-40B4-BE49-F238E27FC236}">
+                  <a16:creationId xmlns:a16="http://schemas.microsoft.com/office/drawing/2014/main" id="{8D74D369-A42F-4A69-A02D-77D97BA5AA15}"/>
+                </a:ext>
+              </a:extLst>
+            </p:cNvPr>
+            <p:cNvPicPr>
+              <a:picLocks noGrp="1" noRot="1" noChangeAspect="1" noMove="1" noResize="1" noEditPoints="1" noAdjustHandles="1" noChangeArrowheads="1" noChangeShapeType="1" noCrop="1"/>
+            </p:cNvPicPr>
+            <p:nvPr/>
+          </p:nvPicPr>
+          <p:blipFill>
+            <a:blip r:embed="rId22">
               <a:extLst>
                 <a:ext uri="{28A0092B-C50C-407E-A947-70E740481C1C}">
                   <a14:useLocalDpi xmlns:a14="http://schemas.microsoft.com/office/drawing/2010/main" val="0"/>
@@ -4762,7 +5074,7 @@
               </a:extLst>
             </p:cNvPr>
             <p:cNvPicPr>
-              <a:picLocks noChangeAspect="1"/>
+              <a:picLocks noGrp="1" noRot="1" noChangeAspect="1" noMove="1" noResize="1" noEditPoints="1" noAdjustHandles="1" noChangeArrowheads="1" noChangeShapeType="1" noCrop="1"/>
             </p:cNvPicPr>
             <p:nvPr/>
           </p:nvPicPr>
@@ -4780,7 +5092,7 @@
           </p:blipFill>
           <p:spPr>
             <a:xfrm>
-              <a:off x="631693" y="3838087"/>
+              <a:off x="624316" y="2675169"/>
               <a:ext cx="288000" cy="288000"/>
             </a:xfrm>
             <a:prstGeom prst="rect">
@@ -4798,12 +5110,12 @@
               </a:extLst>
             </p:cNvPr>
             <p:cNvPicPr>
-              <a:picLocks noChangeAspect="1"/>
+              <a:picLocks noGrp="1" noRot="1" noChangeAspect="1" noMove="1" noResize="1" noEditPoints="1" noAdjustHandles="1" noChangeArrowheads="1" noChangeShapeType="1" noCrop="1"/>
             </p:cNvPicPr>
             <p:nvPr/>
           </p:nvPicPr>
           <p:blipFill>
-            <a:blip r:embed="rId21">
+            <a:blip r:embed="rId23">
               <a:extLst>
                 <a:ext uri="{28A0092B-C50C-407E-A947-70E740481C1C}">
                   <a14:useLocalDpi xmlns:a14="http://schemas.microsoft.com/office/drawing/2010/main" val="0"/>
@@ -4816,7 +5128,7 @@
           </p:blipFill>
           <p:spPr>
             <a:xfrm>
-              <a:off x="562305" y="3057354"/>
+              <a:off x="562144" y="3377720"/>
               <a:ext cx="426777" cy="426777"/>
             </a:xfrm>
             <a:prstGeom prst="rect">
@@ -4834,7 +5146,7 @@
               </a:extLst>
             </p:cNvPr>
             <p:cNvPicPr>
-              <a:picLocks noChangeAspect="1"/>
+              <a:picLocks noGrp="1" noRot="1" noChangeAspect="1" noMove="1" noResize="1" noEditPoints="1" noAdjustHandles="1" noChangeArrowheads="1" noChangeShapeType="1" noCrop="1"/>
             </p:cNvPicPr>
             <p:nvPr/>
           </p:nvPicPr>
@@ -4870,7 +5182,7 @@
               </a:extLst>
             </p:cNvPr>
             <p:cNvPicPr>
-              <a:picLocks noChangeAspect="1"/>
+              <a:picLocks noGrp="1" noRot="1" noChangeAspect="1" noMove="1" noResize="1" noEditPoints="1" noAdjustHandles="1" noChangeArrowheads="1" noChangeShapeType="1" noCrop="1"/>
             </p:cNvPicPr>
             <p:nvPr/>
           </p:nvPicPr>
@@ -4907,16 +5219,16 @@
             </a:extLst>
           </p:cNvPr>
           <p:cNvGrpSpPr>
-            <a:grpSpLocks/>
+            <a:grpSpLocks noGrp="1" noUngrp="1" noRot="1" noMove="1" noResize="1"/>
           </p:cNvGrpSpPr>
           <p:nvPr/>
         </p:nvGrpSpPr>
         <p:grpSpPr>
           <a:xfrm>
-            <a:off x="775693" y="165289"/>
-            <a:ext cx="8390055" cy="4585159"/>
-            <a:chOff x="775693" y="165291"/>
-            <a:chExt cx="8390055" cy="4585159"/>
+            <a:off x="559216" y="138689"/>
+            <a:ext cx="8603605" cy="4563895"/>
+            <a:chOff x="559216" y="159956"/>
+            <a:chExt cx="8603605" cy="4563895"/>
           </a:xfrm>
         </p:grpSpPr>
         <p:cxnSp>
@@ -4929,7 +5241,7 @@
               </a:extLst>
             </p:cNvPr>
             <p:cNvCxnSpPr>
-              <a:cxnSpLocks/>
+              <a:cxnSpLocks noGrp="1" noRot="1" noMove="1" noResize="1" noEditPoints="1" noAdjustHandles="1" noChangeArrowheads="1" noChangeShapeType="1"/>
               <a:stCxn id="92" idx="0"/>
               <a:endCxn id="96" idx="2"/>
             </p:cNvCxnSpPr>
@@ -4937,7 +5249,7 @@
           </p:nvCxnSpPr>
           <p:spPr>
             <a:xfrm rot="16200000" flipV="1">
-              <a:off x="4539882" y="2229218"/>
+              <a:off x="4536955" y="2223883"/>
               <a:ext cx="508508" cy="2"/>
             </a:xfrm>
             <a:prstGeom prst="bentConnector3">
@@ -4975,7 +5287,7 @@
               </a:extLst>
             </p:cNvPr>
             <p:cNvCxnSpPr>
-              <a:cxnSpLocks/>
+              <a:cxnSpLocks noGrp="1" noRot="1" noMove="1" noResize="1" noEditPoints="1" noAdjustHandles="1" noChangeArrowheads="1" noChangeShapeType="1"/>
               <a:stCxn id="100" idx="3"/>
               <a:endCxn id="96" idx="0"/>
             </p:cNvCxnSpPr>
@@ -4983,7 +5295,7 @@
           </p:nvCxnSpPr>
           <p:spPr>
             <a:xfrm>
-              <a:off x="4285751" y="628484"/>
+              <a:off x="4282824" y="623149"/>
               <a:ext cx="508384" cy="706316"/>
             </a:xfrm>
             <a:prstGeom prst="line">
@@ -5021,7 +5333,7 @@
               </a:extLst>
             </p:cNvPr>
             <p:cNvCxnSpPr>
-              <a:cxnSpLocks/>
+              <a:cxnSpLocks noGrp="1" noRot="1" noMove="1" noResize="1" noEditPoints="1" noAdjustHandles="1" noChangeArrowheads="1" noChangeShapeType="1"/>
               <a:stCxn id="104" idx="1"/>
               <a:endCxn id="96" idx="0"/>
             </p:cNvCxnSpPr>
@@ -5029,7 +5341,7 @@
           </p:nvCxnSpPr>
           <p:spPr>
             <a:xfrm flipH="1">
-              <a:off x="4794135" y="625378"/>
+              <a:off x="4791208" y="620043"/>
               <a:ext cx="426470" cy="709422"/>
             </a:xfrm>
             <a:prstGeom prst="line">
@@ -5067,7 +5379,7 @@
               </a:extLst>
             </p:cNvPr>
             <p:cNvCxnSpPr>
-              <a:cxnSpLocks/>
+              <a:cxnSpLocks noGrp="1" noRot="1" noMove="1" noResize="1" noEditPoints="1" noAdjustHandles="1" noChangeArrowheads="1" noChangeShapeType="1"/>
               <a:stCxn id="100" idx="3"/>
               <a:endCxn id="104" idx="1"/>
             </p:cNvCxnSpPr>
@@ -5075,7 +5387,7 @@
           </p:nvCxnSpPr>
           <p:spPr>
             <a:xfrm flipV="1">
-              <a:off x="4285751" y="625378"/>
+              <a:off x="4282824" y="620043"/>
               <a:ext cx="934854" cy="3106"/>
             </a:xfrm>
             <a:prstGeom prst="line">
@@ -5113,7 +5425,7 @@
               </a:extLst>
             </p:cNvPr>
             <p:cNvCxnSpPr>
-              <a:cxnSpLocks/>
+              <a:cxnSpLocks noGrp="1" noRot="1" noMove="1" noResize="1" noEditPoints="1" noAdjustHandles="1" noChangeArrowheads="1" noChangeShapeType="1"/>
               <a:stCxn id="112" idx="3"/>
               <a:endCxn id="100" idx="1"/>
             </p:cNvCxnSpPr>
@@ -5121,7 +5433,7 @@
           </p:nvCxnSpPr>
           <p:spPr>
             <a:xfrm>
-              <a:off x="3381735" y="165291"/>
+              <a:off x="3378808" y="159956"/>
               <a:ext cx="477239" cy="463193"/>
             </a:xfrm>
             <a:prstGeom prst="line">
@@ -5159,7 +5471,7 @@
               </a:extLst>
             </p:cNvPr>
             <p:cNvCxnSpPr>
-              <a:cxnSpLocks/>
+              <a:cxnSpLocks noGrp="1" noRot="1" noMove="1" noResize="1" noEditPoints="1" noAdjustHandles="1" noChangeArrowheads="1" noChangeShapeType="1"/>
               <a:stCxn id="108" idx="3"/>
               <a:endCxn id="100" idx="1"/>
             </p:cNvCxnSpPr>
@@ -5167,7 +5479,7 @@
           </p:nvCxnSpPr>
           <p:spPr>
             <a:xfrm flipV="1">
-              <a:off x="3381966" y="628484"/>
+              <a:off x="3379039" y="623149"/>
               <a:ext cx="477008" cy="64"/>
             </a:xfrm>
             <a:prstGeom prst="line">
@@ -5205,7 +5517,7 @@
               </a:extLst>
             </p:cNvPr>
             <p:cNvCxnSpPr>
-              <a:cxnSpLocks/>
+              <a:cxnSpLocks noGrp="1" noRot="1" noMove="1" noResize="1" noEditPoints="1" noAdjustHandles="1" noChangeArrowheads="1" noChangeShapeType="1"/>
               <a:stCxn id="116" idx="3"/>
               <a:endCxn id="100" idx="1"/>
             </p:cNvCxnSpPr>
@@ -5213,7 +5525,7 @@
           </p:nvCxnSpPr>
           <p:spPr>
             <a:xfrm flipV="1">
-              <a:off x="3374800" y="628484"/>
+              <a:off x="3371873" y="623149"/>
               <a:ext cx="484174" cy="483067"/>
             </a:xfrm>
             <a:prstGeom prst="line">
@@ -5251,7 +5563,7 @@
               </a:extLst>
             </p:cNvPr>
             <p:cNvCxnSpPr>
-              <a:cxnSpLocks/>
+              <a:cxnSpLocks noGrp="1" noRot="1" noMove="1" noResize="1" noEditPoints="1" noAdjustHandles="1" noChangeArrowheads="1" noChangeShapeType="1"/>
               <a:stCxn id="98" idx="3"/>
               <a:endCxn id="92" idx="1"/>
             </p:cNvCxnSpPr>
@@ -5259,7 +5571,7 @@
           </p:nvCxnSpPr>
           <p:spPr>
             <a:xfrm>
-              <a:off x="2766965" y="2550844"/>
+              <a:off x="2764038" y="2545509"/>
               <a:ext cx="1493701" cy="466100"/>
             </a:xfrm>
             <a:prstGeom prst="bentConnector3">
@@ -5297,7 +5609,7 @@
               </a:extLst>
             </p:cNvPr>
             <p:cNvCxnSpPr>
-              <a:cxnSpLocks/>
+              <a:cxnSpLocks noGrp="1" noRot="1" noMove="1" noResize="1" noEditPoints="1" noAdjustHandles="1" noChangeArrowheads="1" noChangeShapeType="1"/>
               <a:stCxn id="97" idx="3"/>
               <a:endCxn id="98" idx="1"/>
             </p:cNvCxnSpPr>
@@ -5305,7 +5617,7 @@
           </p:nvCxnSpPr>
           <p:spPr>
             <a:xfrm>
-              <a:off x="989083" y="2135036"/>
+              <a:off x="986156" y="2129701"/>
               <a:ext cx="1352851" cy="415808"/>
             </a:xfrm>
             <a:prstGeom prst="bentConnector3">
@@ -5343,16 +5655,16 @@
               </a:extLst>
             </p:cNvPr>
             <p:cNvCxnSpPr>
-              <a:cxnSpLocks/>
-              <a:stCxn id="230" idx="0"/>
+              <a:cxnSpLocks noGrp="1" noRot="1" noMove="1" noResize="1" noEditPoints="1" noAdjustHandles="1" noChangeArrowheads="1" noChangeShapeType="1"/>
+              <a:stCxn id="361" idx="0"/>
               <a:endCxn id="97" idx="2"/>
             </p:cNvCxnSpPr>
             <p:nvPr/>
           </p:nvCxnSpPr>
           <p:spPr>
             <a:xfrm rot="5400000" flipH="1" flipV="1">
-              <a:off x="431861" y="2692258"/>
-              <a:ext cx="687667" cy="1"/>
+              <a:off x="616337" y="2492141"/>
+              <a:ext cx="305482" cy="7379"/>
             </a:xfrm>
             <a:prstGeom prst="bentConnector3">
               <a:avLst/>
@@ -5389,14 +5701,16 @@
               </a:extLst>
             </p:cNvPr>
             <p:cNvCxnSpPr>
-              <a:cxnSpLocks/>
+              <a:cxnSpLocks noGrp="1" noRot="1" noMove="1" noResize="1" noEditPoints="1" noAdjustHandles="1" noChangeArrowheads="1" noChangeShapeType="1"/>
+              <a:stCxn id="230" idx="0"/>
+              <a:endCxn id="361" idx="2"/>
             </p:cNvCxnSpPr>
             <p:nvPr/>
           </p:nvCxnSpPr>
           <p:spPr>
-            <a:xfrm rot="5400000" flipH="1" flipV="1">
-              <a:off x="598716" y="3661109"/>
-              <a:ext cx="353956" cy="1"/>
+            <a:xfrm rot="16200000" flipV="1">
+              <a:off x="561723" y="3140238"/>
+              <a:ext cx="414551" cy="7217"/>
             </a:xfrm>
             <a:prstGeom prst="bentConnector3">
               <a:avLst/>
@@ -5433,17 +5747,22 @@
               </a:extLst>
             </p:cNvPr>
             <p:cNvCxnSpPr>
-              <a:cxnSpLocks/>
+              <a:cxnSpLocks noGrp="1" noRot="1" noMove="1" noResize="1" noEditPoints="1" noAdjustHandles="1" noChangeArrowheads="1" noChangeShapeType="1"/>
+              <a:stCxn id="230" idx="1"/>
+              <a:endCxn id="136" idx="0"/>
             </p:cNvCxnSpPr>
             <p:nvPr/>
           </p:nvCxnSpPr>
           <p:spPr>
-            <a:xfrm rot="16200000" flipH="1">
-              <a:off x="623840" y="4277943"/>
-              <a:ext cx="304279" cy="568"/>
+            <a:xfrm rot="10800000" flipH="1" flipV="1">
+              <a:off x="559216" y="3564510"/>
+              <a:ext cx="214117" cy="839257"/>
             </a:xfrm>
-            <a:prstGeom prst="bentConnector3">
-              <a:avLst/>
+            <a:prstGeom prst="bentConnector4">
+              <a:avLst>
+                <a:gd name="adj1" fmla="val -106764"/>
+                <a:gd name="adj2" fmla="val 62713"/>
+              </a:avLst>
             </a:prstGeom>
             <a:ln w="28575">
               <a:solidFill>
@@ -5477,13 +5796,15 @@
               </a:extLst>
             </p:cNvPr>
             <p:cNvCxnSpPr>
-              <a:cxnSpLocks/>
+              <a:cxnSpLocks noGrp="1" noRot="1" noMove="1" noResize="1" noEditPoints="1" noAdjustHandles="1" noChangeArrowheads="1" noChangeShapeType="1"/>
+              <a:stCxn id="136" idx="3"/>
+              <a:endCxn id="124" idx="1"/>
             </p:cNvCxnSpPr>
             <p:nvPr/>
           </p:nvCxnSpPr>
           <p:spPr>
             <a:xfrm flipV="1">
-              <a:off x="1096345" y="4401200"/>
+              <a:off x="1093416" y="4374601"/>
               <a:ext cx="599410" cy="349250"/>
             </a:xfrm>
             <a:prstGeom prst="bentConnector3">
@@ -5521,7 +5842,7 @@
               </a:extLst>
             </p:cNvPr>
             <p:cNvCxnSpPr>
-              <a:cxnSpLocks/>
+              <a:cxnSpLocks noGrp="1" noRot="1" noMove="1" noResize="1" noEditPoints="1" noAdjustHandles="1" noChangeArrowheads="1" noChangeShapeType="1"/>
             </p:cNvCxnSpPr>
             <p:nvPr/>
           </p:nvCxnSpPr>
@@ -5565,7 +5886,7 @@
               </a:extLst>
             </p:cNvPr>
             <p:cNvCxnSpPr>
-              <a:cxnSpLocks/>
+              <a:cxnSpLocks noGrp="1" noRot="1" noMove="1" noResize="1" noEditPoints="1" noAdjustHandles="1" noChangeArrowheads="1" noChangeShapeType="1"/>
             </p:cNvCxnSpPr>
             <p:nvPr/>
           </p:nvCxnSpPr>
@@ -5609,7 +5930,7 @@
               </a:extLst>
             </p:cNvPr>
             <p:cNvCxnSpPr>
-              <a:cxnSpLocks/>
+              <a:cxnSpLocks noGrp="1" noRot="1" noMove="1" noResize="1" noEditPoints="1" noAdjustHandles="1" noChangeArrowheads="1" noChangeShapeType="1"/>
               <a:stCxn id="103" idx="1"/>
               <a:endCxn id="92" idx="3"/>
             </p:cNvCxnSpPr>
@@ -5617,7 +5938,7 @@
           </p:nvCxnSpPr>
           <p:spPr>
             <a:xfrm rot="10800000" flipV="1">
-              <a:off x="5327607" y="2552852"/>
+              <a:off x="5324680" y="2547517"/>
               <a:ext cx="1499250" cy="464092"/>
             </a:xfrm>
             <a:prstGeom prst="bentConnector3">
@@ -5655,7 +5976,7 @@
               </a:extLst>
             </p:cNvPr>
             <p:cNvCxnSpPr>
-              <a:cxnSpLocks/>
+              <a:cxnSpLocks noGrp="1" noRot="1" noMove="1" noResize="1" noEditPoints="1" noAdjustHandles="1" noChangeArrowheads="1" noChangeShapeType="1"/>
               <a:stCxn id="137" idx="1"/>
               <a:endCxn id="103" idx="3"/>
             </p:cNvCxnSpPr>
@@ -5663,7 +5984,7 @@
           </p:nvCxnSpPr>
           <p:spPr>
             <a:xfrm rot="10800000" flipV="1">
-              <a:off x="7251889" y="2144618"/>
+              <a:off x="7248962" y="2139283"/>
               <a:ext cx="1360229" cy="408233"/>
             </a:xfrm>
             <a:prstGeom prst="bentConnector3">
@@ -5701,7 +6022,7 @@
               </a:extLst>
             </p:cNvPr>
             <p:cNvCxnSpPr>
-              <a:cxnSpLocks/>
+              <a:cxnSpLocks noGrp="1" noRot="1" noMove="1" noResize="1" noEditPoints="1" noAdjustHandles="1" noChangeArrowheads="1" noChangeShapeType="1"/>
               <a:stCxn id="224" idx="0"/>
               <a:endCxn id="137" idx="2"/>
             </p:cNvCxnSpPr>
@@ -5709,7 +6030,7 @@
           </p:nvCxnSpPr>
           <p:spPr>
             <a:xfrm rot="16200000" flipV="1">
-              <a:off x="8487565" y="2695948"/>
+              <a:off x="8484638" y="2690613"/>
               <a:ext cx="675884" cy="1"/>
             </a:xfrm>
             <a:prstGeom prst="bentConnector3">
@@ -5747,7 +6068,7 @@
               </a:extLst>
             </p:cNvPr>
             <p:cNvCxnSpPr>
-              <a:cxnSpLocks/>
+              <a:cxnSpLocks noGrp="1" noRot="1" noMove="1" noResize="1" noEditPoints="1" noAdjustHandles="1" noChangeArrowheads="1" noChangeShapeType="1"/>
               <a:stCxn id="66" idx="0"/>
               <a:endCxn id="224" idx="2"/>
             </p:cNvCxnSpPr>
@@ -5755,7 +6076,7 @@
           </p:nvCxnSpPr>
           <p:spPr>
             <a:xfrm rot="16200000" flipV="1">
-              <a:off x="8858212" y="3427964"/>
+              <a:off x="8855285" y="3422629"/>
               <a:ext cx="274831" cy="340240"/>
             </a:xfrm>
             <a:prstGeom prst="bentConnector3">
@@ -5795,7 +6116,7 @@
               </a:extLst>
             </p:cNvPr>
             <p:cNvCxnSpPr>
-              <a:cxnSpLocks/>
+              <a:cxnSpLocks noGrp="1" noRot="1" noMove="1" noResize="1" noEditPoints="1" noAdjustHandles="1" noChangeArrowheads="1" noChangeShapeType="1"/>
               <a:stCxn id="65" idx="0"/>
               <a:endCxn id="224" idx="2"/>
             </p:cNvCxnSpPr>
@@ -5803,7 +6124,7 @@
           </p:nvCxnSpPr>
           <p:spPr>
             <a:xfrm rot="5400000" flipH="1" flipV="1">
-              <a:off x="8519977" y="3429969"/>
+              <a:off x="8517050" y="3424634"/>
               <a:ext cx="274830" cy="336229"/>
             </a:xfrm>
             <a:prstGeom prst="bentConnector3">
@@ -5843,7 +6164,7 @@
               </a:extLst>
             </p:cNvPr>
             <p:cNvCxnSpPr>
-              <a:cxnSpLocks/>
+              <a:cxnSpLocks noGrp="1" noRot="1" noMove="1" noResize="1" noEditPoints="1" noAdjustHandles="1" noChangeArrowheads="1" noChangeShapeType="1"/>
               <a:stCxn id="226" idx="0"/>
               <a:endCxn id="65" idx="2"/>
             </p:cNvCxnSpPr>
@@ -5851,7 +6172,7 @@
           </p:nvCxnSpPr>
           <p:spPr>
             <a:xfrm rot="16200000" flipV="1">
-              <a:off x="8370507" y="4142270"/>
+              <a:off x="8367580" y="4136935"/>
               <a:ext cx="567883" cy="330340"/>
             </a:xfrm>
             <a:prstGeom prst="bentConnector3">
@@ -5891,7 +6212,7 @@
               </a:extLst>
             </p:cNvPr>
             <p:cNvCxnSpPr>
-              <a:cxnSpLocks/>
+              <a:cxnSpLocks noGrp="1" noRot="1" noMove="1" noResize="1" noEditPoints="1" noAdjustHandles="1" noChangeArrowheads="1" noChangeShapeType="1"/>
               <a:stCxn id="226" idx="0"/>
               <a:endCxn id="66" idx="2"/>
             </p:cNvCxnSpPr>
@@ -5899,8 +6220,56 @@
           </p:nvCxnSpPr>
           <p:spPr>
             <a:xfrm rot="5400000" flipH="1" flipV="1">
-              <a:off x="8708741" y="4134376"/>
+              <a:off x="8705814" y="4129041"/>
               <a:ext cx="567882" cy="346129"/>
+            </a:xfrm>
+            <a:prstGeom prst="bentConnector3">
+              <a:avLst>
+                <a:gd name="adj1" fmla="val 50000"/>
+              </a:avLst>
+            </a:prstGeom>
+            <a:ln w="28575">
+              <a:solidFill>
+                <a:srgbClr val="7030A0"/>
+              </a:solidFill>
+              <a:prstDash val="sysDot"/>
+            </a:ln>
+          </p:spPr>
+          <p:style>
+            <a:lnRef idx="1">
+              <a:schemeClr val="accent1"/>
+            </a:lnRef>
+            <a:fillRef idx="0">
+              <a:schemeClr val="accent1"/>
+            </a:fillRef>
+            <a:effectRef idx="0">
+              <a:schemeClr val="accent1"/>
+            </a:effectRef>
+            <a:fontRef idx="minor">
+              <a:schemeClr val="tx1"/>
+            </a:fontRef>
+          </p:style>
+        </p:cxnSp>
+        <p:cxnSp>
+          <p:nvCxnSpPr>
+            <p:cNvPr id="81" name="13">
+              <a:extLst>
+                <a:ext uri="{FF2B5EF4-FFF2-40B4-BE49-F238E27FC236}">
+                  <a16:creationId xmlns:a16="http://schemas.microsoft.com/office/drawing/2014/main" id="{5BD46A48-7064-42AC-A28E-0A337587C216}"/>
+                </a:ext>
+              </a:extLst>
+            </p:cNvPr>
+            <p:cNvCxnSpPr>
+              <a:cxnSpLocks noGrp="1" noRot="1" noMove="1" noResize="1" noEditPoints="1" noAdjustHandles="1" noChangeArrowheads="1" noChangeShapeType="1"/>
+              <a:stCxn id="230" idx="2"/>
+              <a:endCxn id="124" idx="0"/>
+            </p:cNvCxnSpPr>
+            <p:nvPr/>
+          </p:nvCxnSpPr>
+          <p:spPr>
+            <a:xfrm rot="16200000" flipH="1">
+              <a:off x="1093410" y="3457095"/>
+              <a:ext cx="436661" cy="1078268"/>
             </a:xfrm>
             <a:prstGeom prst="bentConnector3">
               <a:avLst>
